--- a/Demystifying-Data-Compression/Data_Compression.pptx
+++ b/Demystifying-Data-Compression/Data_Compression.pptx
@@ -5,7 +5,7 @@
     <p:sldMasterId id="2147483709" r:id="rId1"/>
   </p:sldMasterIdLst>
   <p:notesMasterIdLst>
-    <p:notesMasterId r:id="rId61"/>
+    <p:notesMasterId r:id="rId60"/>
   </p:notesMasterIdLst>
   <p:sldIdLst>
     <p:sldId id="348" r:id="rId2"/>
@@ -16,57 +16,56 @@
     <p:sldId id="256" r:id="rId7"/>
     <p:sldId id="322" r:id="rId8"/>
     <p:sldId id="346" r:id="rId9"/>
-    <p:sldId id="349" r:id="rId10"/>
-    <p:sldId id="347" r:id="rId11"/>
-    <p:sldId id="342" r:id="rId12"/>
-    <p:sldId id="340" r:id="rId13"/>
-    <p:sldId id="341" r:id="rId14"/>
-    <p:sldId id="344" r:id="rId15"/>
-    <p:sldId id="343" r:id="rId16"/>
-    <p:sldId id="261" r:id="rId17"/>
-    <p:sldId id="267" r:id="rId18"/>
-    <p:sldId id="307" r:id="rId19"/>
-    <p:sldId id="326" r:id="rId20"/>
-    <p:sldId id="287" r:id="rId21"/>
-    <p:sldId id="289" r:id="rId22"/>
-    <p:sldId id="290" r:id="rId23"/>
-    <p:sldId id="327" r:id="rId24"/>
-    <p:sldId id="266" r:id="rId25"/>
-    <p:sldId id="328" r:id="rId26"/>
-    <p:sldId id="283" r:id="rId27"/>
-    <p:sldId id="297" r:id="rId28"/>
-    <p:sldId id="338" r:id="rId29"/>
-    <p:sldId id="329" r:id="rId30"/>
-    <p:sldId id="269" r:id="rId31"/>
-    <p:sldId id="268" r:id="rId32"/>
-    <p:sldId id="270" r:id="rId33"/>
-    <p:sldId id="279" r:id="rId34"/>
-    <p:sldId id="330" r:id="rId35"/>
-    <p:sldId id="284" r:id="rId36"/>
-    <p:sldId id="271" r:id="rId37"/>
-    <p:sldId id="285" r:id="rId38"/>
-    <p:sldId id="272" r:id="rId39"/>
-    <p:sldId id="273" r:id="rId40"/>
-    <p:sldId id="286" r:id="rId41"/>
-    <p:sldId id="313" r:id="rId42"/>
-    <p:sldId id="309" r:id="rId43"/>
-    <p:sldId id="311" r:id="rId44"/>
-    <p:sldId id="310" r:id="rId45"/>
-    <p:sldId id="312" r:id="rId46"/>
-    <p:sldId id="319" r:id="rId47"/>
-    <p:sldId id="314" r:id="rId48"/>
-    <p:sldId id="316" r:id="rId49"/>
-    <p:sldId id="317" r:id="rId50"/>
-    <p:sldId id="318" r:id="rId51"/>
-    <p:sldId id="320" r:id="rId52"/>
-    <p:sldId id="331" r:id="rId53"/>
-    <p:sldId id="274" r:id="rId54"/>
-    <p:sldId id="298" r:id="rId55"/>
-    <p:sldId id="277" r:id="rId56"/>
-    <p:sldId id="334" r:id="rId57"/>
-    <p:sldId id="321" r:id="rId58"/>
-    <p:sldId id="299" r:id="rId59"/>
-    <p:sldId id="332" r:id="rId60"/>
+    <p:sldId id="347" r:id="rId10"/>
+    <p:sldId id="342" r:id="rId11"/>
+    <p:sldId id="340" r:id="rId12"/>
+    <p:sldId id="341" r:id="rId13"/>
+    <p:sldId id="344" r:id="rId14"/>
+    <p:sldId id="343" r:id="rId15"/>
+    <p:sldId id="261" r:id="rId16"/>
+    <p:sldId id="267" r:id="rId17"/>
+    <p:sldId id="307" r:id="rId18"/>
+    <p:sldId id="326" r:id="rId19"/>
+    <p:sldId id="287" r:id="rId20"/>
+    <p:sldId id="289" r:id="rId21"/>
+    <p:sldId id="290" r:id="rId22"/>
+    <p:sldId id="327" r:id="rId23"/>
+    <p:sldId id="266" r:id="rId24"/>
+    <p:sldId id="328" r:id="rId25"/>
+    <p:sldId id="283" r:id="rId26"/>
+    <p:sldId id="297" r:id="rId27"/>
+    <p:sldId id="338" r:id="rId28"/>
+    <p:sldId id="329" r:id="rId29"/>
+    <p:sldId id="269" r:id="rId30"/>
+    <p:sldId id="268" r:id="rId31"/>
+    <p:sldId id="270" r:id="rId32"/>
+    <p:sldId id="279" r:id="rId33"/>
+    <p:sldId id="330" r:id="rId34"/>
+    <p:sldId id="284" r:id="rId35"/>
+    <p:sldId id="271" r:id="rId36"/>
+    <p:sldId id="285" r:id="rId37"/>
+    <p:sldId id="272" r:id="rId38"/>
+    <p:sldId id="273" r:id="rId39"/>
+    <p:sldId id="286" r:id="rId40"/>
+    <p:sldId id="313" r:id="rId41"/>
+    <p:sldId id="309" r:id="rId42"/>
+    <p:sldId id="311" r:id="rId43"/>
+    <p:sldId id="310" r:id="rId44"/>
+    <p:sldId id="312" r:id="rId45"/>
+    <p:sldId id="319" r:id="rId46"/>
+    <p:sldId id="314" r:id="rId47"/>
+    <p:sldId id="316" r:id="rId48"/>
+    <p:sldId id="317" r:id="rId49"/>
+    <p:sldId id="318" r:id="rId50"/>
+    <p:sldId id="320" r:id="rId51"/>
+    <p:sldId id="331" r:id="rId52"/>
+    <p:sldId id="274" r:id="rId53"/>
+    <p:sldId id="298" r:id="rId54"/>
+    <p:sldId id="277" r:id="rId55"/>
+    <p:sldId id="334" r:id="rId56"/>
+    <p:sldId id="321" r:id="rId57"/>
+    <p:sldId id="299" r:id="rId58"/>
+    <p:sldId id="332" r:id="rId59"/>
   </p:sldIdLst>
   <p:sldSz cx="12192000" cy="6858000"/>
   <p:notesSz cx="6858000" cy="9144000"/>
@@ -173,8 +172,39 @@
 </p:presentation>
 </file>
 
-<file path=ppt/revisionInfo.xml><?xml version="1.0" encoding="utf-8"?>
-<p1510:revInfo xmlns:a="http://schemas.openxmlformats.org/drawingml/2006/main" xmlns:r="http://schemas.openxmlformats.org/officeDocument/2006/relationships" xmlns:p1510="http://schemas.microsoft.com/office/powerpoint/2015/10/main"/>
+<file path=ppt/changesInfos/changesInfo1.xml><?xml version="1.0" encoding="utf-8"?>
+<pc:chgInfo xmlns:a="http://schemas.openxmlformats.org/drawingml/2006/main" xmlns:r="http://schemas.openxmlformats.org/officeDocument/2006/relationships" xmlns:ac="http://schemas.microsoft.com/office/drawing/2013/main/command" xmlns:pc="http://schemas.microsoft.com/office/powerpoint/2013/main/command">
+  <pc:docChgLst>
+    <pc:chgData name="Andy Mallon" userId="0dfd7ab5-17aa-4ac6-b039-e05176edc781" providerId="ADAL" clId="{FEE235FE-B614-4F1C-8C8E-DF9060EA5C02}"/>
+    <pc:docChg chg="delSld modSld">
+      <pc:chgData name="Andy Mallon" userId="0dfd7ab5-17aa-4ac6-b039-e05176edc781" providerId="ADAL" clId="{FEE235FE-B614-4F1C-8C8E-DF9060EA5C02}" dt="2018-01-31T23:00:56.252" v="2"/>
+      <pc:docMkLst>
+        <pc:docMk/>
+      </pc:docMkLst>
+      <pc:sldChg chg="modTransition">
+        <pc:chgData name="Andy Mallon" userId="0dfd7ab5-17aa-4ac6-b039-e05176edc781" providerId="ADAL" clId="{FEE235FE-B614-4F1C-8C8E-DF9060EA5C02}" dt="2018-01-31T23:00:56.252" v="2"/>
+        <pc:sldMkLst>
+          <pc:docMk/>
+          <pc:sldMk cId="744002627" sldId="343"/>
+        </pc:sldMkLst>
+      </pc:sldChg>
+      <pc:sldChg chg="modTransition">
+        <pc:chgData name="Andy Mallon" userId="0dfd7ab5-17aa-4ac6-b039-e05176edc781" providerId="ADAL" clId="{FEE235FE-B614-4F1C-8C8E-DF9060EA5C02}" dt="2018-01-31T23:00:50.681" v="1"/>
+        <pc:sldMkLst>
+          <pc:docMk/>
+          <pc:sldMk cId="40638036" sldId="344"/>
+        </pc:sldMkLst>
+      </pc:sldChg>
+      <pc:sldChg chg="del">
+        <pc:chgData name="Andy Mallon" userId="0dfd7ab5-17aa-4ac6-b039-e05176edc781" providerId="ADAL" clId="{FEE235FE-B614-4F1C-8C8E-DF9060EA5C02}" dt="2018-01-31T23:00:40.253" v="0" actId="2696"/>
+        <pc:sldMkLst>
+          <pc:docMk/>
+          <pc:sldMk cId="1514363372" sldId="349"/>
+        </pc:sldMkLst>
+      </pc:sldChg>
+    </pc:docChg>
+  </pc:docChgLst>
+</pc:chgInfo>
 </file>
 
 <file path=ppt/notesMasters/notesMaster1.xml><?xml version="1.0" encoding="utf-8"?>
@@ -259,7 +289,7 @@
           <a:p>
             <a:fld id="{29813C8A-11F9-4768-B07B-C8C4017109A6}" type="datetimeFigureOut">
               <a:rPr lang="en-US" smtClean="0"/>
-              <a:t>11/27/2017</a:t>
+              <a:t>1/31/2018</a:t>
             </a:fld>
             <a:endParaRPr lang="en-US"/>
           </a:p>
@@ -704,7 +734,7 @@
           <a:p>
             <a:fld id="{C896673D-A7D2-47E4-9E64-948C4CAFD549}" type="slidenum">
               <a:rPr lang="en-US" smtClean="0"/>
-              <a:t>21</a:t>
+              <a:t>20</a:t>
             </a:fld>
             <a:endParaRPr lang="en-US"/>
           </a:p>
@@ -803,7 +833,7 @@
           <a:p>
             <a:fld id="{C896673D-A7D2-47E4-9E64-948C4CAFD549}" type="slidenum">
               <a:rPr lang="en-US" smtClean="0"/>
-              <a:t>22</a:t>
+              <a:t>21</a:t>
             </a:fld>
             <a:endParaRPr lang="en-US"/>
           </a:p>
@@ -913,7 +943,7 @@
           <a:p>
             <a:fld id="{C896673D-A7D2-47E4-9E64-948C4CAFD549}" type="slidenum">
               <a:rPr lang="en-US" smtClean="0"/>
-              <a:t>24</a:t>
+              <a:t>23</a:t>
             </a:fld>
             <a:endParaRPr lang="en-US"/>
           </a:p>
@@ -1005,7 +1035,7 @@
           <a:p>
             <a:fld id="{C896673D-A7D2-47E4-9E64-948C4CAFD549}" type="slidenum">
               <a:rPr lang="en-US" smtClean="0"/>
-              <a:t>26</a:t>
+              <a:t>25</a:t>
             </a:fld>
             <a:endParaRPr lang="en-US"/>
           </a:p>
@@ -1114,7 +1144,7 @@
           <a:p>
             <a:fld id="{C896673D-A7D2-47E4-9E64-948C4CAFD549}" type="slidenum">
               <a:rPr lang="en-US" smtClean="0"/>
-              <a:t>30</a:t>
+              <a:t>29</a:t>
             </a:fld>
             <a:endParaRPr lang="en-US"/>
           </a:p>
@@ -1210,7 +1240,7 @@
           <a:p>
             <a:fld id="{C896673D-A7D2-47E4-9E64-948C4CAFD549}" type="slidenum">
               <a:rPr lang="en-US" smtClean="0"/>
-              <a:t>31</a:t>
+              <a:t>30</a:t>
             </a:fld>
             <a:endParaRPr lang="en-US"/>
           </a:p>
@@ -1309,7 +1339,7 @@
           <a:p>
             <a:fld id="{C896673D-A7D2-47E4-9E64-948C4CAFD549}" type="slidenum">
               <a:rPr lang="en-US" smtClean="0"/>
-              <a:t>32</a:t>
+              <a:t>31</a:t>
             </a:fld>
             <a:endParaRPr lang="en-US"/>
           </a:p>
@@ -1396,7 +1426,7 @@
           <a:p>
             <a:fld id="{C896673D-A7D2-47E4-9E64-948C4CAFD549}" type="slidenum">
               <a:rPr lang="en-US" smtClean="0"/>
-              <a:t>33</a:t>
+              <a:t>32</a:t>
             </a:fld>
             <a:endParaRPr lang="en-US"/>
           </a:p>
@@ -1488,7 +1518,7 @@
           <a:p>
             <a:fld id="{C896673D-A7D2-47E4-9E64-948C4CAFD549}" type="slidenum">
               <a:rPr lang="en-US" smtClean="0"/>
-              <a:t>35</a:t>
+              <a:t>34</a:t>
             </a:fld>
             <a:endParaRPr lang="en-US"/>
           </a:p>
@@ -1580,7 +1610,7 @@
           <a:p>
             <a:fld id="{C896673D-A7D2-47E4-9E64-948C4CAFD549}" type="slidenum">
               <a:rPr lang="en-US" smtClean="0"/>
-              <a:t>36</a:t>
+              <a:t>35</a:t>
             </a:fld>
             <a:endParaRPr lang="en-US"/>
           </a:p>
@@ -1775,7 +1805,7 @@
           <a:p>
             <a:fld id="{C896673D-A7D2-47E4-9E64-948C4CAFD549}" type="slidenum">
               <a:rPr lang="en-US" smtClean="0"/>
-              <a:t>37</a:t>
+              <a:t>36</a:t>
             </a:fld>
             <a:endParaRPr lang="en-US"/>
           </a:p>
@@ -1863,7 +1893,7 @@
           <a:p>
             <a:fld id="{C896673D-A7D2-47E4-9E64-948C4CAFD549}" type="slidenum">
               <a:rPr lang="en-US" smtClean="0"/>
-              <a:t>38</a:t>
+              <a:t>37</a:t>
             </a:fld>
             <a:endParaRPr lang="en-US"/>
           </a:p>
@@ -1964,7 +1994,7 @@
           <a:p>
             <a:fld id="{C896673D-A7D2-47E4-9E64-948C4CAFD549}" type="slidenum">
               <a:rPr lang="en-US" smtClean="0"/>
-              <a:t>40</a:t>
+              <a:t>39</a:t>
             </a:fld>
             <a:endParaRPr lang="en-US"/>
           </a:p>
@@ -2056,7 +2086,7 @@
           <a:p>
             <a:fld id="{C896673D-A7D2-47E4-9E64-948C4CAFD549}" type="slidenum">
               <a:rPr lang="en-US" smtClean="0"/>
-              <a:t>41</a:t>
+              <a:t>40</a:t>
             </a:fld>
             <a:endParaRPr lang="en-US"/>
           </a:p>
@@ -2148,7 +2178,7 @@
           <a:p>
             <a:fld id="{C896673D-A7D2-47E4-9E64-948C4CAFD549}" type="slidenum">
               <a:rPr lang="en-US" smtClean="0"/>
-              <a:t>42</a:t>
+              <a:t>41</a:t>
             </a:fld>
             <a:endParaRPr lang="en-US" dirty="0"/>
           </a:p>
@@ -2232,7 +2262,7 @@
           <a:p>
             <a:fld id="{C896673D-A7D2-47E4-9E64-948C4CAFD549}" type="slidenum">
               <a:rPr lang="en-US" smtClean="0"/>
-              <a:t>45</a:t>
+              <a:t>44</a:t>
             </a:fld>
             <a:endParaRPr lang="en-US" dirty="0"/>
           </a:p>
@@ -2316,7 +2346,7 @@
           <a:p>
             <a:fld id="{C896673D-A7D2-47E4-9E64-948C4CAFD549}" type="slidenum">
               <a:rPr lang="en-US" smtClean="0"/>
-              <a:t>46</a:t>
+              <a:t>45</a:t>
             </a:fld>
             <a:endParaRPr lang="en-US" dirty="0"/>
           </a:p>
@@ -2408,7 +2438,7 @@
           <a:p>
             <a:fld id="{C896673D-A7D2-47E4-9E64-948C4CAFD549}" type="slidenum">
               <a:rPr lang="en-US" smtClean="0"/>
-              <a:t>50</a:t>
+              <a:t>49</a:t>
             </a:fld>
             <a:endParaRPr lang="en-US" dirty="0"/>
           </a:p>
@@ -2500,7 +2530,7 @@
           <a:p>
             <a:fld id="{C896673D-A7D2-47E4-9E64-948C4CAFD549}" type="slidenum">
               <a:rPr lang="en-US" smtClean="0"/>
-              <a:t>51</a:t>
+              <a:t>50</a:t>
             </a:fld>
             <a:endParaRPr lang="en-US" dirty="0"/>
           </a:p>
@@ -2760,7 +2790,7 @@
           <a:p>
             <a:fld id="{C896673D-A7D2-47E4-9E64-948C4CAFD549}" type="slidenum">
               <a:rPr lang="en-US" smtClean="0"/>
-              <a:t>11</a:t>
+              <a:t>10</a:t>
             </a:fld>
             <a:endParaRPr lang="en-US"/>
           </a:p>
@@ -2851,7 +2881,7 @@
           <a:p>
             <a:fld id="{C896673D-A7D2-47E4-9E64-948C4CAFD549}" type="slidenum">
               <a:rPr lang="en-US" smtClean="0"/>
-              <a:t>12</a:t>
+              <a:t>11</a:t>
             </a:fld>
             <a:endParaRPr lang="en-US"/>
           </a:p>
@@ -2942,7 +2972,7 @@
           <a:p>
             <a:fld id="{C896673D-A7D2-47E4-9E64-948C4CAFD549}" type="slidenum">
               <a:rPr lang="en-US" smtClean="0"/>
-              <a:t>13</a:t>
+              <a:t>12</a:t>
             </a:fld>
             <a:endParaRPr lang="en-US"/>
           </a:p>
@@ -3026,7 +3056,7 @@
           <a:p>
             <a:fld id="{C896673D-A7D2-47E4-9E64-948C4CAFD549}" type="slidenum">
               <a:rPr lang="en-US" smtClean="0"/>
-              <a:t>14</a:t>
+              <a:t>13</a:t>
             </a:fld>
             <a:endParaRPr lang="en-US"/>
           </a:p>
@@ -3113,7 +3143,7 @@
           <a:p>
             <a:fld id="{C896673D-A7D2-47E4-9E64-948C4CAFD549}" type="slidenum">
               <a:rPr lang="en-US" smtClean="0"/>
-              <a:t>17</a:t>
+              <a:t>16</a:t>
             </a:fld>
             <a:endParaRPr lang="en-US"/>
           </a:p>
@@ -3396,7 +3426,7 @@
             <a:fld id="{B61BEF0D-F0BB-DE4B-95CE-6DB70DBA9567}" type="datetimeFigureOut">
               <a:rPr lang="en-US" smtClean="0"/>
               <a:pPr/>
-              <a:t>11/27/2017</a:t>
+              <a:t>1/31/2018</a:t>
             </a:fld>
             <a:endParaRPr lang="en-US" dirty="0"/>
           </a:p>
@@ -3821,7 +3851,7 @@
             <a:fld id="{B61BEF0D-F0BB-DE4B-95CE-6DB70DBA9567}" type="datetimeFigureOut">
               <a:rPr lang="en-US" smtClean="0"/>
               <a:pPr/>
-              <a:t>11/27/2017</a:t>
+              <a:t>1/31/2018</a:t>
             </a:fld>
             <a:endParaRPr lang="en-US" dirty="0"/>
           </a:p>
@@ -7635,126 +7665,6 @@
 </file>
 
 <file path=ppt/slides/slide10.xml><?xml version="1.0" encoding="utf-8"?>
-<p:sld xmlns:a="http://schemas.openxmlformats.org/drawingml/2006/main" xmlns:r="http://schemas.openxmlformats.org/officeDocument/2006/relationships" xmlns:p="http://schemas.openxmlformats.org/presentationml/2006/main">
-  <p:cSld>
-    <p:spTree>
-      <p:nvGrpSpPr>
-        <p:cNvPr id="1" name=""/>
-        <p:cNvGrpSpPr/>
-        <p:nvPr/>
-      </p:nvGrpSpPr>
-      <p:grpSpPr>
-        <a:xfrm>
-          <a:off x="0" y="0"/>
-          <a:ext cx="0" cy="0"/>
-          <a:chOff x="0" y="0"/>
-          <a:chExt cx="0" cy="0"/>
-        </a:xfrm>
-      </p:grpSpPr>
-      <p:pic>
-        <p:nvPicPr>
-          <p:cNvPr id="4" name="Picture 3">
-            <a:extLst>
-              <a:ext uri="{FF2B5EF4-FFF2-40B4-BE49-F238E27FC236}">
-                <a16:creationId xmlns:a16="http://schemas.microsoft.com/office/drawing/2014/main" id="{C863BE91-5FF5-441B-A87E-292D53ED2726}"/>
-              </a:ext>
-            </a:extLst>
-          </p:cNvPr>
-          <p:cNvPicPr>
-            <a:picLocks noChangeAspect="1"/>
-          </p:cNvPicPr>
-          <p:nvPr/>
-        </p:nvPicPr>
-        <p:blipFill>
-          <a:blip r:embed="rId2"/>
-          <a:stretch>
-            <a:fillRect/>
-          </a:stretch>
-        </p:blipFill>
-        <p:spPr>
-          <a:xfrm>
-            <a:off x="8627570" y="1804811"/>
-            <a:ext cx="3476625" cy="3524250"/>
-          </a:xfrm>
-          <a:prstGeom prst="rect">
-            <a:avLst/>
-          </a:prstGeom>
-        </p:spPr>
-      </p:pic>
-      <p:pic>
-        <p:nvPicPr>
-          <p:cNvPr id="9" name="Picture 8">
-            <a:extLst>
-              <a:ext uri="{FF2B5EF4-FFF2-40B4-BE49-F238E27FC236}">
-                <a16:creationId xmlns:a16="http://schemas.microsoft.com/office/drawing/2014/main" id="{242BD2B6-E894-43EA-A29E-AA7158A6440C}"/>
-              </a:ext>
-            </a:extLst>
-          </p:cNvPr>
-          <p:cNvPicPr>
-            <a:picLocks noChangeAspect="1"/>
-          </p:cNvPicPr>
-          <p:nvPr/>
-        </p:nvPicPr>
-        <p:blipFill>
-          <a:blip r:embed="rId3"/>
-          <a:stretch>
-            <a:fillRect/>
-          </a:stretch>
-        </p:blipFill>
-        <p:spPr>
-          <a:xfrm>
-            <a:off x="1167424" y="3071636"/>
-            <a:ext cx="5715000" cy="990600"/>
-          </a:xfrm>
-          <a:prstGeom prst="rect">
-            <a:avLst/>
-          </a:prstGeom>
-        </p:spPr>
-      </p:pic>
-      <p:sp>
-        <p:nvSpPr>
-          <p:cNvPr id="10" name="Title 9">
-            <a:extLst>
-              <a:ext uri="{FF2B5EF4-FFF2-40B4-BE49-F238E27FC236}">
-                <a16:creationId xmlns:a16="http://schemas.microsoft.com/office/drawing/2014/main" id="{DCA076EB-0851-4A9F-BE5F-6E3AD6EE62A3}"/>
-              </a:ext>
-            </a:extLst>
-          </p:cNvPr>
-          <p:cNvSpPr>
-            <a:spLocks noGrp="1"/>
-          </p:cNvSpPr>
-          <p:nvPr>
-            <p:ph type="title"/>
-          </p:nvPr>
-        </p:nvSpPr>
-        <p:spPr/>
-        <p:txBody>
-          <a:bodyPr>
-            <a:normAutofit/>
-          </a:bodyPr>
-          <a:lstStyle/>
-          <a:p>
-            <a:r>
-              <a:rPr lang="en-US" dirty="0"/>
-              <a:t>Community Ambassador</a:t>
-            </a:r>
-          </a:p>
-        </p:txBody>
-      </p:sp>
-    </p:spTree>
-    <p:extLst>
-      <p:ext uri="{BB962C8B-B14F-4D97-AF65-F5344CB8AC3E}">
-        <p14:creationId xmlns:p14="http://schemas.microsoft.com/office/powerpoint/2010/main" val="3650232302"/>
-      </p:ext>
-    </p:extLst>
-  </p:cSld>
-  <p:clrMapOvr>
-    <a:masterClrMapping/>
-  </p:clrMapOvr>
-</p:sld>
-</file>
-
-<file path=ppt/slides/slide11.xml><?xml version="1.0" encoding="utf-8"?>
 <p:sld xmlns:a="http://schemas.openxmlformats.org/drawingml/2006/main" xmlns:r="http://schemas.openxmlformats.org/officeDocument/2006/relationships" xmlns:p="http://schemas.openxmlformats.org/presentationml/2006/main">
   <p:cSld>
     <p:spTree>
@@ -8566,7 +8476,7 @@
 </p:sld>
 </file>
 
-<file path=ppt/slides/slide12.xml><?xml version="1.0" encoding="utf-8"?>
+<file path=ppt/slides/slide11.xml><?xml version="1.0" encoding="utf-8"?>
 <p:sld xmlns:a="http://schemas.openxmlformats.org/drawingml/2006/main" xmlns:r="http://schemas.openxmlformats.org/officeDocument/2006/relationships" xmlns:p="http://schemas.openxmlformats.org/presentationml/2006/main" show="0">
   <p:cSld>
     <p:spTree>
@@ -8839,7 +8749,7 @@
 </p:sld>
 </file>
 
-<file path=ppt/slides/slide13.xml><?xml version="1.0" encoding="utf-8"?>
+<file path=ppt/slides/slide12.xml><?xml version="1.0" encoding="utf-8"?>
 <p:sld xmlns:a="http://schemas.openxmlformats.org/drawingml/2006/main" xmlns:r="http://schemas.openxmlformats.org/officeDocument/2006/relationships" xmlns:p="http://schemas.openxmlformats.org/presentationml/2006/main" show="0">
   <p:cSld>
     <p:spTree>
@@ -9003,8 +8913,8 @@
 </p:sld>
 </file>
 
-<file path=ppt/slides/slide14.xml><?xml version="1.0" encoding="utf-8"?>
-<p:sld xmlns:a="http://schemas.openxmlformats.org/drawingml/2006/main" xmlns:r="http://schemas.openxmlformats.org/officeDocument/2006/relationships" xmlns:p="http://schemas.openxmlformats.org/presentationml/2006/main">
+<file path=ppt/slides/slide13.xml><?xml version="1.0" encoding="utf-8"?>
+<p:sld xmlns:a="http://schemas.openxmlformats.org/drawingml/2006/main" xmlns:r="http://schemas.openxmlformats.org/officeDocument/2006/relationships" xmlns:p="http://schemas.openxmlformats.org/presentationml/2006/main" show="0">
   <p:cSld>
     <p:spTree>
       <p:nvGrpSpPr>
@@ -9141,8 +9051,8 @@
 </p:sld>
 </file>
 
-<file path=ppt/slides/slide15.xml><?xml version="1.0" encoding="utf-8"?>
-<p:sld xmlns:a="http://schemas.openxmlformats.org/drawingml/2006/main" xmlns:r="http://schemas.openxmlformats.org/officeDocument/2006/relationships" xmlns:p="http://schemas.openxmlformats.org/presentationml/2006/main">
+<file path=ppt/slides/slide14.xml><?xml version="1.0" encoding="utf-8"?>
+<p:sld xmlns:a="http://schemas.openxmlformats.org/drawingml/2006/main" xmlns:r="http://schemas.openxmlformats.org/officeDocument/2006/relationships" xmlns:p="http://schemas.openxmlformats.org/presentationml/2006/main" show="0">
   <p:cSld>
     <p:spTree>
       <p:nvGrpSpPr>
@@ -9261,7 +9171,7 @@
 </p:sld>
 </file>
 
-<file path=ppt/slides/slide16.xml><?xml version="1.0" encoding="utf-8"?>
+<file path=ppt/slides/slide15.xml><?xml version="1.0" encoding="utf-8"?>
 <p:sld xmlns:a="http://schemas.openxmlformats.org/drawingml/2006/main" xmlns:r="http://schemas.openxmlformats.org/officeDocument/2006/relationships" xmlns:p="http://schemas.openxmlformats.org/presentationml/2006/main">
   <p:cSld>
     <p:spTree>
@@ -9371,7 +9281,7 @@
 </p:sld>
 </file>
 
-<file path=ppt/slides/slide17.xml><?xml version="1.0" encoding="utf-8"?>
+<file path=ppt/slides/slide16.xml><?xml version="1.0" encoding="utf-8"?>
 <p:sld xmlns:a="http://schemas.openxmlformats.org/drawingml/2006/main" xmlns:r="http://schemas.openxmlformats.org/officeDocument/2006/relationships" xmlns:p="http://schemas.openxmlformats.org/presentationml/2006/main">
   <p:cSld>
     <p:spTree>
@@ -9574,7 +9484,7 @@
 </p:sld>
 </file>
 
-<file path=ppt/slides/slide18.xml><?xml version="1.0" encoding="utf-8"?>
+<file path=ppt/slides/slide17.xml><?xml version="1.0" encoding="utf-8"?>
 <p:sld xmlns:a="http://schemas.openxmlformats.org/drawingml/2006/main" xmlns:r="http://schemas.openxmlformats.org/officeDocument/2006/relationships" xmlns:p="http://schemas.openxmlformats.org/presentationml/2006/main">
   <p:cSld>
     <p:spTree>
@@ -9885,7 +9795,7 @@
 </p:sld>
 </file>
 
-<file path=ppt/slides/slide19.xml><?xml version="1.0" encoding="utf-8"?>
+<file path=ppt/slides/slide18.xml><?xml version="1.0" encoding="utf-8"?>
 <p:sld xmlns:a="http://schemas.openxmlformats.org/drawingml/2006/main" xmlns:r="http://schemas.openxmlformats.org/officeDocument/2006/relationships" xmlns:p="http://schemas.openxmlformats.org/presentationml/2006/main">
   <p:cSld>
     <p:spTree>
@@ -10001,6 +9911,132 @@
     <p:extLst>
       <p:ext uri="{BB962C8B-B14F-4D97-AF65-F5344CB8AC3E}">
         <p14:creationId xmlns:p14="http://schemas.microsoft.com/office/powerpoint/2010/main" val="107025867"/>
+      </p:ext>
+    </p:extLst>
+  </p:cSld>
+  <p:clrMapOvr>
+    <a:masterClrMapping/>
+  </p:clrMapOvr>
+</p:sld>
+</file>
+
+<file path=ppt/slides/slide19.xml><?xml version="1.0" encoding="utf-8"?>
+<p:sld xmlns:a="http://schemas.openxmlformats.org/drawingml/2006/main" xmlns:r="http://schemas.openxmlformats.org/officeDocument/2006/relationships" xmlns:p="http://schemas.openxmlformats.org/presentationml/2006/main">
+  <p:cSld>
+    <p:spTree>
+      <p:nvGrpSpPr>
+        <p:cNvPr id="1" name=""/>
+        <p:cNvGrpSpPr/>
+        <p:nvPr/>
+      </p:nvGrpSpPr>
+      <p:grpSpPr>
+        <a:xfrm>
+          <a:off x="0" y="0"/>
+          <a:ext cx="0" cy="0"/>
+          <a:chOff x="0" y="0"/>
+          <a:chExt cx="0" cy="0"/>
+        </a:xfrm>
+      </p:grpSpPr>
+      <p:sp>
+        <p:nvSpPr>
+          <p:cNvPr id="2" name="Title 1"/>
+          <p:cNvSpPr>
+            <a:spLocks noGrp="1"/>
+          </p:cNvSpPr>
+          <p:nvPr>
+            <p:ph type="title"/>
+          </p:nvPr>
+        </p:nvSpPr>
+        <p:spPr/>
+        <p:txBody>
+          <a:bodyPr>
+            <a:normAutofit/>
+          </a:bodyPr>
+          <a:lstStyle/>
+          <a:p>
+            <a:r>
+              <a:rPr lang="en-US" dirty="0"/>
+              <a:t>A quick review (or introduction)</a:t>
+            </a:r>
+          </a:p>
+        </p:txBody>
+      </p:sp>
+      <p:sp>
+        <p:nvSpPr>
+          <p:cNvPr id="3" name="Content Placeholder 2"/>
+          <p:cNvSpPr>
+            <a:spLocks noGrp="1"/>
+          </p:cNvSpPr>
+          <p:nvPr>
+            <p:ph idx="1"/>
+          </p:nvPr>
+        </p:nvSpPr>
+        <p:spPr/>
+        <p:txBody>
+          <a:bodyPr>
+            <a:normAutofit/>
+          </a:bodyPr>
+          <a:lstStyle/>
+          <a:p>
+            <a:r>
+              <a:rPr lang="en-US" sz="2400" dirty="0"/>
+              <a:t>All data is stored on pages</a:t>
+            </a:r>
+          </a:p>
+          <a:p>
+            <a:r>
+              <a:rPr lang="en-US" sz="2400" dirty="0"/>
+              <a:t>Pages are combined into different structures</a:t>
+            </a:r>
+          </a:p>
+          <a:p>
+            <a:endParaRPr lang="en-US" sz="2400" dirty="0"/>
+          </a:p>
+          <a:p>
+            <a:r>
+              <a:rPr lang="en-US" sz="2400" dirty="0"/>
+              <a:t>B+ Trees</a:t>
+            </a:r>
+            <a:endParaRPr lang="en-US" sz="2000" dirty="0"/>
+          </a:p>
+          <a:p>
+            <a:pPr lvl="1"/>
+            <a:r>
+              <a:rPr lang="en-US" sz="2000" dirty="0"/>
+              <a:t>Clustered indexes</a:t>
+            </a:r>
+          </a:p>
+          <a:p>
+            <a:pPr lvl="1"/>
+            <a:r>
+              <a:rPr lang="en-US" sz="2000" dirty="0" err="1"/>
+              <a:t>Nonclustered</a:t>
+            </a:r>
+            <a:r>
+              <a:rPr lang="en-US" sz="2000" dirty="0"/>
+              <a:t> indexes</a:t>
+            </a:r>
+          </a:p>
+          <a:p>
+            <a:pPr lvl="1"/>
+            <a:r>
+              <a:rPr lang="en-US" sz="2000" dirty="0"/>
+              <a:t>Indexed views</a:t>
+            </a:r>
+          </a:p>
+          <a:p>
+            <a:r>
+              <a:rPr lang="en-US" sz="2400" dirty="0"/>
+              <a:t>Heaps</a:t>
+            </a:r>
+            <a:endParaRPr lang="en-US" sz="2200" dirty="0"/>
+          </a:p>
+        </p:txBody>
+      </p:sp>
+    </p:spTree>
+    <p:extLst>
+      <p:ext uri="{BB962C8B-B14F-4D97-AF65-F5344CB8AC3E}">
+        <p14:creationId xmlns:p14="http://schemas.microsoft.com/office/powerpoint/2010/main" val="1854952441"/>
       </p:ext>
     </p:extLst>
   </p:cSld>
@@ -10480,132 +10516,6 @@
 </file>
 
 <file path=ppt/slides/slide20.xml><?xml version="1.0" encoding="utf-8"?>
-<p:sld xmlns:a="http://schemas.openxmlformats.org/drawingml/2006/main" xmlns:r="http://schemas.openxmlformats.org/officeDocument/2006/relationships" xmlns:p="http://schemas.openxmlformats.org/presentationml/2006/main">
-  <p:cSld>
-    <p:spTree>
-      <p:nvGrpSpPr>
-        <p:cNvPr id="1" name=""/>
-        <p:cNvGrpSpPr/>
-        <p:nvPr/>
-      </p:nvGrpSpPr>
-      <p:grpSpPr>
-        <a:xfrm>
-          <a:off x="0" y="0"/>
-          <a:ext cx="0" cy="0"/>
-          <a:chOff x="0" y="0"/>
-          <a:chExt cx="0" cy="0"/>
-        </a:xfrm>
-      </p:grpSpPr>
-      <p:sp>
-        <p:nvSpPr>
-          <p:cNvPr id="2" name="Title 1"/>
-          <p:cNvSpPr>
-            <a:spLocks noGrp="1"/>
-          </p:cNvSpPr>
-          <p:nvPr>
-            <p:ph type="title"/>
-          </p:nvPr>
-        </p:nvSpPr>
-        <p:spPr/>
-        <p:txBody>
-          <a:bodyPr>
-            <a:normAutofit/>
-          </a:bodyPr>
-          <a:lstStyle/>
-          <a:p>
-            <a:r>
-              <a:rPr lang="en-US" dirty="0"/>
-              <a:t>A quick review (or introduction)</a:t>
-            </a:r>
-          </a:p>
-        </p:txBody>
-      </p:sp>
-      <p:sp>
-        <p:nvSpPr>
-          <p:cNvPr id="3" name="Content Placeholder 2"/>
-          <p:cNvSpPr>
-            <a:spLocks noGrp="1"/>
-          </p:cNvSpPr>
-          <p:nvPr>
-            <p:ph idx="1"/>
-          </p:nvPr>
-        </p:nvSpPr>
-        <p:spPr/>
-        <p:txBody>
-          <a:bodyPr>
-            <a:normAutofit/>
-          </a:bodyPr>
-          <a:lstStyle/>
-          <a:p>
-            <a:r>
-              <a:rPr lang="en-US" sz="2400" dirty="0"/>
-              <a:t>All data is stored on pages</a:t>
-            </a:r>
-          </a:p>
-          <a:p>
-            <a:r>
-              <a:rPr lang="en-US" sz="2400" dirty="0"/>
-              <a:t>Pages are combined into different structures</a:t>
-            </a:r>
-          </a:p>
-          <a:p>
-            <a:endParaRPr lang="en-US" sz="2400" dirty="0"/>
-          </a:p>
-          <a:p>
-            <a:r>
-              <a:rPr lang="en-US" sz="2400" dirty="0"/>
-              <a:t>B+ Trees</a:t>
-            </a:r>
-            <a:endParaRPr lang="en-US" sz="2000" dirty="0"/>
-          </a:p>
-          <a:p>
-            <a:pPr lvl="1"/>
-            <a:r>
-              <a:rPr lang="en-US" sz="2000" dirty="0"/>
-              <a:t>Clustered indexes</a:t>
-            </a:r>
-          </a:p>
-          <a:p>
-            <a:pPr lvl="1"/>
-            <a:r>
-              <a:rPr lang="en-US" sz="2000" dirty="0" err="1"/>
-              <a:t>Nonclustered</a:t>
-            </a:r>
-            <a:r>
-              <a:rPr lang="en-US" sz="2000" dirty="0"/>
-              <a:t> indexes</a:t>
-            </a:r>
-          </a:p>
-          <a:p>
-            <a:pPr lvl="1"/>
-            <a:r>
-              <a:rPr lang="en-US" sz="2000" dirty="0"/>
-              <a:t>Indexed views</a:t>
-            </a:r>
-          </a:p>
-          <a:p>
-            <a:r>
-              <a:rPr lang="en-US" sz="2400" dirty="0"/>
-              <a:t>Heaps</a:t>
-            </a:r>
-            <a:endParaRPr lang="en-US" sz="2200" dirty="0"/>
-          </a:p>
-        </p:txBody>
-      </p:sp>
-    </p:spTree>
-    <p:extLst>
-      <p:ext uri="{BB962C8B-B14F-4D97-AF65-F5344CB8AC3E}">
-        <p14:creationId xmlns:p14="http://schemas.microsoft.com/office/powerpoint/2010/main" val="1854952441"/>
-      </p:ext>
-    </p:extLst>
-  </p:cSld>
-  <p:clrMapOvr>
-    <a:masterClrMapping/>
-  </p:clrMapOvr>
-</p:sld>
-</file>
-
-<file path=ppt/slides/slide21.xml><?xml version="1.0" encoding="utf-8"?>
 <p:sld xmlns:a="http://schemas.openxmlformats.org/drawingml/2006/main" xmlns:r="http://schemas.openxmlformats.org/officeDocument/2006/relationships" xmlns:p="http://schemas.openxmlformats.org/presentationml/2006/main">
   <p:cSld>
     <p:spTree>
@@ -11980,7 +11890,7 @@
 </p:sld>
 </file>
 
-<file path=ppt/slides/slide22.xml><?xml version="1.0" encoding="utf-8"?>
+<file path=ppt/slides/slide21.xml><?xml version="1.0" encoding="utf-8"?>
 <p:sld xmlns:a="http://schemas.openxmlformats.org/drawingml/2006/main" xmlns:r="http://schemas.openxmlformats.org/officeDocument/2006/relationships" xmlns:p="http://schemas.openxmlformats.org/presentationml/2006/main">
   <p:cSld>
     <p:spTree>
@@ -12743,7 +12653,7 @@
 </p:sld>
 </file>
 
-<file path=ppt/slides/slide23.xml><?xml version="1.0" encoding="utf-8"?>
+<file path=ppt/slides/slide22.xml><?xml version="1.0" encoding="utf-8"?>
 <p:sld xmlns:a="http://schemas.openxmlformats.org/drawingml/2006/main" xmlns:r="http://schemas.openxmlformats.org/officeDocument/2006/relationships" xmlns:p="http://schemas.openxmlformats.org/presentationml/2006/main">
   <p:cSld>
     <p:spTree>
@@ -13067,7 +12977,7 @@
 </p:sld>
 </file>
 
-<file path=ppt/slides/slide24.xml><?xml version="1.0" encoding="utf-8"?>
+<file path=ppt/slides/slide23.xml><?xml version="1.0" encoding="utf-8"?>
 <p:sld xmlns:a="http://schemas.openxmlformats.org/drawingml/2006/main" xmlns:r="http://schemas.openxmlformats.org/officeDocument/2006/relationships" xmlns:p="http://schemas.openxmlformats.org/presentationml/2006/main">
   <p:cSld>
     <p:spTree>
@@ -13347,7 +13257,7 @@
 </p:sld>
 </file>
 
-<file path=ppt/slides/slide25.xml><?xml version="1.0" encoding="utf-8"?>
+<file path=ppt/slides/slide24.xml><?xml version="1.0" encoding="utf-8"?>
 <p:sld xmlns:a="http://schemas.openxmlformats.org/drawingml/2006/main" xmlns:r="http://schemas.openxmlformats.org/officeDocument/2006/relationships" xmlns:p="http://schemas.openxmlformats.org/presentationml/2006/main">
   <p:cSld>
     <p:spTree>
@@ -13672,7 +13582,7 @@
 </p:sld>
 </file>
 
-<file path=ppt/slides/slide26.xml><?xml version="1.0" encoding="utf-8"?>
+<file path=ppt/slides/slide25.xml><?xml version="1.0" encoding="utf-8"?>
 <p:sld xmlns:a="http://schemas.openxmlformats.org/drawingml/2006/main" xmlns:r="http://schemas.openxmlformats.org/officeDocument/2006/relationships" xmlns:p="http://schemas.openxmlformats.org/presentationml/2006/main">
   <p:cSld>
     <p:spTree>
@@ -14042,6 +13952,169 @@
 </p:sld>
 </file>
 
+<file path=ppt/slides/slide26.xml><?xml version="1.0" encoding="utf-8"?>
+<p:sld xmlns:a="http://schemas.openxmlformats.org/drawingml/2006/main" xmlns:r="http://schemas.openxmlformats.org/officeDocument/2006/relationships" xmlns:p="http://schemas.openxmlformats.org/presentationml/2006/main">
+  <p:cSld>
+    <p:spTree>
+      <p:nvGrpSpPr>
+        <p:cNvPr id="1" name=""/>
+        <p:cNvGrpSpPr/>
+        <p:nvPr/>
+      </p:nvGrpSpPr>
+      <p:grpSpPr>
+        <a:xfrm>
+          <a:off x="0" y="0"/>
+          <a:ext cx="0" cy="0"/>
+          <a:chOff x="0" y="0"/>
+          <a:chExt cx="0" cy="0"/>
+        </a:xfrm>
+      </p:grpSpPr>
+      <p:sp>
+        <p:nvSpPr>
+          <p:cNvPr id="2" name="Title 1"/>
+          <p:cNvSpPr>
+            <a:spLocks noGrp="1"/>
+          </p:cNvSpPr>
+          <p:nvPr>
+            <p:ph type="title"/>
+          </p:nvPr>
+        </p:nvSpPr>
+        <p:spPr/>
+        <p:txBody>
+          <a:bodyPr/>
+          <a:lstStyle/>
+          <a:p>
+            <a:r>
+              <a:rPr lang="en-US" dirty="0"/>
+              <a:t>Syntax</a:t>
+            </a:r>
+          </a:p>
+        </p:txBody>
+      </p:sp>
+      <p:sp>
+        <p:nvSpPr>
+          <p:cNvPr id="3" name="Content Placeholder 2"/>
+          <p:cNvSpPr>
+            <a:spLocks noGrp="1"/>
+          </p:cNvSpPr>
+          <p:nvPr>
+            <p:ph idx="1"/>
+          </p:nvPr>
+        </p:nvSpPr>
+        <p:spPr>
+          <a:xfrm>
+            <a:off x="677334" y="2160589"/>
+            <a:ext cx="10100022" cy="3437777"/>
+          </a:xfrm>
+        </p:spPr>
+        <p:txBody>
+          <a:bodyPr>
+            <a:normAutofit/>
+          </a:bodyPr>
+          <a:lstStyle/>
+          <a:p>
+            <a:r>
+              <a:rPr lang="en-US" altLang="en-US" sz="2400" b="1" dirty="0">
+                <a:solidFill>
+                  <a:srgbClr val="006699"/>
+                </a:solidFill>
+                <a:latin typeface="Consolas" panose="020B0609020204030204" pitchFamily="49" charset="0"/>
+              </a:rPr>
+              <a:t>WITH</a:t>
+            </a:r>
+            <a:r>
+              <a:rPr lang="en-US" altLang="en-US" sz="2400" dirty="0">
+                <a:solidFill>
+                  <a:srgbClr val="303030"/>
+                </a:solidFill>
+                <a:latin typeface="Consolas" panose="020B0609020204030204" pitchFamily="49" charset="0"/>
+              </a:rPr>
+              <a:t> </a:t>
+            </a:r>
+            <a:r>
+              <a:rPr lang="en-US" altLang="en-US" sz="2400" dirty="0">
+                <a:solidFill>
+                  <a:srgbClr val="000000"/>
+                </a:solidFill>
+                <a:latin typeface="Consolas" panose="020B0609020204030204" pitchFamily="49" charset="0"/>
+              </a:rPr>
+              <a:t>(</a:t>
+            </a:r>
+            <a:r>
+              <a:rPr lang="en-US" altLang="en-US" sz="2400" dirty="0" err="1">
+                <a:solidFill>
+                  <a:srgbClr val="000000"/>
+                </a:solidFill>
+                <a:latin typeface="Consolas" panose="020B0609020204030204" pitchFamily="49" charset="0"/>
+              </a:rPr>
+              <a:t>Data_Compression</a:t>
+            </a:r>
+            <a:r>
+              <a:rPr lang="en-US" altLang="en-US" sz="2400" dirty="0">
+                <a:solidFill>
+                  <a:srgbClr val="000000"/>
+                </a:solidFill>
+                <a:latin typeface="Consolas" panose="020B0609020204030204" pitchFamily="49" charset="0"/>
+              </a:rPr>
+              <a:t>=[NONE/ROW/PAGE])</a:t>
+            </a:r>
+          </a:p>
+          <a:p>
+            <a:pPr lvl="1"/>
+            <a:r>
+              <a:rPr lang="en-US" sz="2000" dirty="0"/>
+              <a:t>CREATE TABLE</a:t>
+            </a:r>
+          </a:p>
+          <a:p>
+            <a:pPr lvl="1"/>
+            <a:r>
+              <a:rPr lang="en-US" sz="2000" dirty="0"/>
+              <a:t>CREATE INDEX</a:t>
+            </a:r>
+          </a:p>
+          <a:p>
+            <a:pPr lvl="1"/>
+            <a:r>
+              <a:rPr lang="en-US" sz="2000" dirty="0"/>
+              <a:t>ALTER TABLE…REBUILD</a:t>
+            </a:r>
+          </a:p>
+          <a:p>
+            <a:pPr lvl="1"/>
+            <a:r>
+              <a:rPr lang="en-US" sz="2000" dirty="0"/>
+              <a:t>ALTER INDEX…REBUILD</a:t>
+            </a:r>
+          </a:p>
+          <a:p>
+            <a:endParaRPr lang="en-US" dirty="0"/>
+          </a:p>
+          <a:p>
+            <a:r>
+              <a:rPr lang="en-US" sz="3200" dirty="0">
+                <a:solidFill>
+                  <a:schemeClr val="tx1"/>
+                </a:solidFill>
+              </a:rPr>
+              <a:t>Anytime you build/rebuild an entire B-Tree or table</a:t>
+            </a:r>
+          </a:p>
+        </p:txBody>
+      </p:sp>
+    </p:spTree>
+    <p:extLst>
+      <p:ext uri="{BB962C8B-B14F-4D97-AF65-F5344CB8AC3E}">
+        <p14:creationId xmlns:p14="http://schemas.microsoft.com/office/powerpoint/2010/main" val="1263069789"/>
+      </p:ext>
+    </p:extLst>
+  </p:cSld>
+  <p:clrMapOvr>
+    <a:masterClrMapping/>
+  </p:clrMapOvr>
+</p:sld>
+</file>
+
 <file path=ppt/slides/slide27.xml><?xml version="1.0" encoding="utf-8"?>
 <p:sld xmlns:a="http://schemas.openxmlformats.org/drawingml/2006/main" xmlns:r="http://schemas.openxmlformats.org/officeDocument/2006/relationships" xmlns:p="http://schemas.openxmlformats.org/presentationml/2006/main">
   <p:cSld>
@@ -14075,169 +14148,6 @@
           <a:lstStyle/>
           <a:p>
             <a:r>
-              <a:rPr lang="en-US" dirty="0"/>
-              <a:t>Syntax</a:t>
-            </a:r>
-          </a:p>
-        </p:txBody>
-      </p:sp>
-      <p:sp>
-        <p:nvSpPr>
-          <p:cNvPr id="3" name="Content Placeholder 2"/>
-          <p:cNvSpPr>
-            <a:spLocks noGrp="1"/>
-          </p:cNvSpPr>
-          <p:nvPr>
-            <p:ph idx="1"/>
-          </p:nvPr>
-        </p:nvSpPr>
-        <p:spPr>
-          <a:xfrm>
-            <a:off x="677334" y="2160589"/>
-            <a:ext cx="10100022" cy="3437777"/>
-          </a:xfrm>
-        </p:spPr>
-        <p:txBody>
-          <a:bodyPr>
-            <a:normAutofit/>
-          </a:bodyPr>
-          <a:lstStyle/>
-          <a:p>
-            <a:r>
-              <a:rPr lang="en-US" altLang="en-US" sz="2400" b="1" dirty="0">
-                <a:solidFill>
-                  <a:srgbClr val="006699"/>
-                </a:solidFill>
-                <a:latin typeface="Consolas" panose="020B0609020204030204" pitchFamily="49" charset="0"/>
-              </a:rPr>
-              <a:t>WITH</a:t>
-            </a:r>
-            <a:r>
-              <a:rPr lang="en-US" altLang="en-US" sz="2400" dirty="0">
-                <a:solidFill>
-                  <a:srgbClr val="303030"/>
-                </a:solidFill>
-                <a:latin typeface="Consolas" panose="020B0609020204030204" pitchFamily="49" charset="0"/>
-              </a:rPr>
-              <a:t> </a:t>
-            </a:r>
-            <a:r>
-              <a:rPr lang="en-US" altLang="en-US" sz="2400" dirty="0">
-                <a:solidFill>
-                  <a:srgbClr val="000000"/>
-                </a:solidFill>
-                <a:latin typeface="Consolas" panose="020B0609020204030204" pitchFamily="49" charset="0"/>
-              </a:rPr>
-              <a:t>(</a:t>
-            </a:r>
-            <a:r>
-              <a:rPr lang="en-US" altLang="en-US" sz="2400" dirty="0" err="1">
-                <a:solidFill>
-                  <a:srgbClr val="000000"/>
-                </a:solidFill>
-                <a:latin typeface="Consolas" panose="020B0609020204030204" pitchFamily="49" charset="0"/>
-              </a:rPr>
-              <a:t>Data_Compression</a:t>
-            </a:r>
-            <a:r>
-              <a:rPr lang="en-US" altLang="en-US" sz="2400" dirty="0">
-                <a:solidFill>
-                  <a:srgbClr val="000000"/>
-                </a:solidFill>
-                <a:latin typeface="Consolas" panose="020B0609020204030204" pitchFamily="49" charset="0"/>
-              </a:rPr>
-              <a:t>=[NONE/ROW/PAGE])</a:t>
-            </a:r>
-          </a:p>
-          <a:p>
-            <a:pPr lvl="1"/>
-            <a:r>
-              <a:rPr lang="en-US" sz="2000" dirty="0"/>
-              <a:t>CREATE TABLE</a:t>
-            </a:r>
-          </a:p>
-          <a:p>
-            <a:pPr lvl="1"/>
-            <a:r>
-              <a:rPr lang="en-US" sz="2000" dirty="0"/>
-              <a:t>CREATE INDEX</a:t>
-            </a:r>
-          </a:p>
-          <a:p>
-            <a:pPr lvl="1"/>
-            <a:r>
-              <a:rPr lang="en-US" sz="2000" dirty="0"/>
-              <a:t>ALTER TABLE…REBUILD</a:t>
-            </a:r>
-          </a:p>
-          <a:p>
-            <a:pPr lvl="1"/>
-            <a:r>
-              <a:rPr lang="en-US" sz="2000" dirty="0"/>
-              <a:t>ALTER INDEX…REBUILD</a:t>
-            </a:r>
-          </a:p>
-          <a:p>
-            <a:endParaRPr lang="en-US" dirty="0"/>
-          </a:p>
-          <a:p>
-            <a:r>
-              <a:rPr lang="en-US" sz="3200" dirty="0">
-                <a:solidFill>
-                  <a:schemeClr val="tx1"/>
-                </a:solidFill>
-              </a:rPr>
-              <a:t>Anytime you build/rebuild an entire B-Tree or table</a:t>
-            </a:r>
-          </a:p>
-        </p:txBody>
-      </p:sp>
-    </p:spTree>
-    <p:extLst>
-      <p:ext uri="{BB962C8B-B14F-4D97-AF65-F5344CB8AC3E}">
-        <p14:creationId xmlns:p14="http://schemas.microsoft.com/office/powerpoint/2010/main" val="1263069789"/>
-      </p:ext>
-    </p:extLst>
-  </p:cSld>
-  <p:clrMapOvr>
-    <a:masterClrMapping/>
-  </p:clrMapOvr>
-</p:sld>
-</file>
-
-<file path=ppt/slides/slide28.xml><?xml version="1.0" encoding="utf-8"?>
-<p:sld xmlns:a="http://schemas.openxmlformats.org/drawingml/2006/main" xmlns:r="http://schemas.openxmlformats.org/officeDocument/2006/relationships" xmlns:p="http://schemas.openxmlformats.org/presentationml/2006/main">
-  <p:cSld>
-    <p:spTree>
-      <p:nvGrpSpPr>
-        <p:cNvPr id="1" name=""/>
-        <p:cNvGrpSpPr/>
-        <p:nvPr/>
-      </p:nvGrpSpPr>
-      <p:grpSpPr>
-        <a:xfrm>
-          <a:off x="0" y="0"/>
-          <a:ext cx="0" cy="0"/>
-          <a:chOff x="0" y="0"/>
-          <a:chExt cx="0" cy="0"/>
-        </a:xfrm>
-      </p:grpSpPr>
-      <p:sp>
-        <p:nvSpPr>
-          <p:cNvPr id="2" name="Title 1"/>
-          <p:cNvSpPr>
-            <a:spLocks noGrp="1"/>
-          </p:cNvSpPr>
-          <p:nvPr>
-            <p:ph type="title"/>
-          </p:nvPr>
-        </p:nvSpPr>
-        <p:spPr/>
-        <p:txBody>
-          <a:bodyPr/>
-          <a:lstStyle/>
-          <a:p>
-            <a:r>
               <a:rPr lang="en-US"/>
               <a:t>Useful stored procedures &amp; DMVs</a:t>
             </a:r>
@@ -14309,7 +14219,7 @@
 </p:sld>
 </file>
 
-<file path=ppt/slides/slide29.xml><?xml version="1.0" encoding="utf-8"?>
+<file path=ppt/slides/slide28.xml><?xml version="1.0" encoding="utf-8"?>
 <p:sld xmlns:a="http://schemas.openxmlformats.org/drawingml/2006/main" xmlns:r="http://schemas.openxmlformats.org/officeDocument/2006/relationships" xmlns:p="http://schemas.openxmlformats.org/presentationml/2006/main">
   <p:cSld>
     <p:spTree>
@@ -14633,139 +14543,7 @@
 </p:sld>
 </file>
 
-<file path=ppt/slides/slide3.xml><?xml version="1.0" encoding="utf-8"?>
-<p:sld xmlns:a="http://schemas.openxmlformats.org/drawingml/2006/main" xmlns:r="http://schemas.openxmlformats.org/officeDocument/2006/relationships" xmlns:p="http://schemas.openxmlformats.org/presentationml/2006/main">
-  <p:cSld>
-    <p:spTree>
-      <p:nvGrpSpPr>
-        <p:cNvPr id="1" name=""/>
-        <p:cNvGrpSpPr/>
-        <p:nvPr/>
-      </p:nvGrpSpPr>
-      <p:grpSpPr>
-        <a:xfrm>
-          <a:off x="0" y="0"/>
-          <a:ext cx="0" cy="0"/>
-          <a:chOff x="0" y="0"/>
-          <a:chExt cx="0" cy="0"/>
-        </a:xfrm>
-      </p:grpSpPr>
-      <p:sp>
-        <p:nvSpPr>
-          <p:cNvPr id="2" name="Title 1"/>
-          <p:cNvSpPr>
-            <a:spLocks noGrp="1"/>
-          </p:cNvSpPr>
-          <p:nvPr>
-            <p:ph type="title"/>
-          </p:nvPr>
-        </p:nvSpPr>
-        <p:spPr/>
-        <p:txBody>
-          <a:bodyPr/>
-          <a:lstStyle/>
-          <a:p>
-            <a:r>
-              <a:rPr lang="en-US" dirty="0"/>
-              <a:t>Demo</a:t>
-            </a:r>
-          </a:p>
-        </p:txBody>
-      </p:sp>
-      <p:pic>
-        <p:nvPicPr>
-          <p:cNvPr id="1026" name="Picture 2" descr="Oliver Smoot, who stands 5-foot-7, was used to measure the Massachusetts Avenue Bridge as part of a MIT fraternity prank in 1958. The markings on the bridge and the legacy of the unit of measurement know as the Smoot live on. (Joe Difazio for WBUR)"/>
-          <p:cNvPicPr>
-            <a:picLocks noGrp="1" noChangeAspect="1" noChangeArrowheads="1"/>
-          </p:cNvPicPr>
-          <p:nvPr>
-            <p:ph idx="1"/>
-          </p:nvPr>
-        </p:nvPicPr>
-        <p:blipFill>
-          <a:blip r:embed="rId2">
-            <a:extLst>
-              <a:ext uri="{28A0092B-C50C-407E-A947-70E740481C1C}">
-                <a14:useLocalDpi xmlns:a14="http://schemas.microsoft.com/office/drawing/2010/main" val="0"/>
-              </a:ext>
-            </a:extLst>
-          </a:blip>
-          <a:stretch>
-            <a:fillRect/>
-          </a:stretch>
-        </p:blipFill>
-        <p:spPr bwMode="auto">
-          <a:xfrm>
-            <a:off x="2907507" y="1803400"/>
-            <a:ext cx="6691312" cy="4460875"/>
-          </a:xfrm>
-          <a:prstGeom prst="rect">
-            <a:avLst/>
-          </a:prstGeom>
-          <a:noFill/>
-          <a:extLst>
-            <a:ext uri="{909E8E84-426E-40DD-AFC4-6F175D3DCCD1}">
-              <a14:hiddenFill xmlns:a14="http://schemas.microsoft.com/office/drawing/2010/main">
-                <a:solidFill>
-                  <a:srgbClr val="FFFFFF"/>
-                </a:solidFill>
-              </a14:hiddenFill>
-            </a:ext>
-          </a:extLst>
-        </p:spPr>
-      </p:pic>
-      <p:sp>
-        <p:nvSpPr>
-          <p:cNvPr id="4" name="TextBox 3"/>
-          <p:cNvSpPr txBox="1"/>
-          <p:nvPr/>
-        </p:nvSpPr>
-        <p:spPr>
-          <a:xfrm>
-            <a:off x="9015445" y="5987276"/>
-            <a:ext cx="2668555" cy="276999"/>
-          </a:xfrm>
-          <a:prstGeom prst="rect">
-            <a:avLst/>
-          </a:prstGeom>
-          <a:noFill/>
-        </p:spPr>
-        <p:txBody>
-          <a:bodyPr wrap="square" rtlCol="0">
-            <a:spAutoFit/>
-          </a:bodyPr>
-          <a:lstStyle/>
-          <a:p>
-            <a:pPr algn="r"/>
-            <a:r>
-              <a:rPr lang="en-US" sz="1200" dirty="0"/>
-              <a:t>Photo by Joe </a:t>
-            </a:r>
-            <a:r>
-              <a:rPr lang="en-US" sz="1200" dirty="0" err="1"/>
-              <a:t>Difazio</a:t>
-            </a:r>
-            <a:r>
-              <a:rPr lang="en-US" sz="1200" dirty="0"/>
-              <a:t> for WBUR</a:t>
-            </a:r>
-          </a:p>
-        </p:txBody>
-      </p:sp>
-    </p:spTree>
-    <p:extLst>
-      <p:ext uri="{BB962C8B-B14F-4D97-AF65-F5344CB8AC3E}">
-        <p14:creationId xmlns:p14="http://schemas.microsoft.com/office/powerpoint/2010/main" val="839309899"/>
-      </p:ext>
-    </p:extLst>
-  </p:cSld>
-  <p:clrMapOvr>
-    <a:masterClrMapping/>
-  </p:clrMapOvr>
-</p:sld>
-</file>
-
-<file path=ppt/slides/slide30.xml><?xml version="1.0" encoding="utf-8"?>
+<file path=ppt/slides/slide29.xml><?xml version="1.0" encoding="utf-8"?>
 <p:sld xmlns:a="http://schemas.openxmlformats.org/drawingml/2006/main" xmlns:r="http://schemas.openxmlformats.org/officeDocument/2006/relationships" xmlns:p="http://schemas.openxmlformats.org/presentationml/2006/main">
   <p:cSld>
     <p:spTree>
@@ -17437,7 +17215,139 @@
 </p:sld>
 </file>
 
-<file path=ppt/slides/slide31.xml><?xml version="1.0" encoding="utf-8"?>
+<file path=ppt/slides/slide3.xml><?xml version="1.0" encoding="utf-8"?>
+<p:sld xmlns:a="http://schemas.openxmlformats.org/drawingml/2006/main" xmlns:r="http://schemas.openxmlformats.org/officeDocument/2006/relationships" xmlns:p="http://schemas.openxmlformats.org/presentationml/2006/main">
+  <p:cSld>
+    <p:spTree>
+      <p:nvGrpSpPr>
+        <p:cNvPr id="1" name=""/>
+        <p:cNvGrpSpPr/>
+        <p:nvPr/>
+      </p:nvGrpSpPr>
+      <p:grpSpPr>
+        <a:xfrm>
+          <a:off x="0" y="0"/>
+          <a:ext cx="0" cy="0"/>
+          <a:chOff x="0" y="0"/>
+          <a:chExt cx="0" cy="0"/>
+        </a:xfrm>
+      </p:grpSpPr>
+      <p:sp>
+        <p:nvSpPr>
+          <p:cNvPr id="2" name="Title 1"/>
+          <p:cNvSpPr>
+            <a:spLocks noGrp="1"/>
+          </p:cNvSpPr>
+          <p:nvPr>
+            <p:ph type="title"/>
+          </p:nvPr>
+        </p:nvSpPr>
+        <p:spPr/>
+        <p:txBody>
+          <a:bodyPr/>
+          <a:lstStyle/>
+          <a:p>
+            <a:r>
+              <a:rPr lang="en-US" dirty="0"/>
+              <a:t>Demo</a:t>
+            </a:r>
+          </a:p>
+        </p:txBody>
+      </p:sp>
+      <p:pic>
+        <p:nvPicPr>
+          <p:cNvPr id="1026" name="Picture 2" descr="Oliver Smoot, who stands 5-foot-7, was used to measure the Massachusetts Avenue Bridge as part of a MIT fraternity prank in 1958. The markings on the bridge and the legacy of the unit of measurement know as the Smoot live on. (Joe Difazio for WBUR)"/>
+          <p:cNvPicPr>
+            <a:picLocks noGrp="1" noChangeAspect="1" noChangeArrowheads="1"/>
+          </p:cNvPicPr>
+          <p:nvPr>
+            <p:ph idx="1"/>
+          </p:nvPr>
+        </p:nvPicPr>
+        <p:blipFill>
+          <a:blip r:embed="rId2">
+            <a:extLst>
+              <a:ext uri="{28A0092B-C50C-407E-A947-70E740481C1C}">
+                <a14:useLocalDpi xmlns:a14="http://schemas.microsoft.com/office/drawing/2010/main" val="0"/>
+              </a:ext>
+            </a:extLst>
+          </a:blip>
+          <a:stretch>
+            <a:fillRect/>
+          </a:stretch>
+        </p:blipFill>
+        <p:spPr bwMode="auto">
+          <a:xfrm>
+            <a:off x="2907507" y="1803400"/>
+            <a:ext cx="6691312" cy="4460875"/>
+          </a:xfrm>
+          <a:prstGeom prst="rect">
+            <a:avLst/>
+          </a:prstGeom>
+          <a:noFill/>
+          <a:extLst>
+            <a:ext uri="{909E8E84-426E-40DD-AFC4-6F175D3DCCD1}">
+              <a14:hiddenFill xmlns:a14="http://schemas.microsoft.com/office/drawing/2010/main">
+                <a:solidFill>
+                  <a:srgbClr val="FFFFFF"/>
+                </a:solidFill>
+              </a14:hiddenFill>
+            </a:ext>
+          </a:extLst>
+        </p:spPr>
+      </p:pic>
+      <p:sp>
+        <p:nvSpPr>
+          <p:cNvPr id="4" name="TextBox 3"/>
+          <p:cNvSpPr txBox="1"/>
+          <p:nvPr/>
+        </p:nvSpPr>
+        <p:spPr>
+          <a:xfrm>
+            <a:off x="9015445" y="5987276"/>
+            <a:ext cx="2668555" cy="276999"/>
+          </a:xfrm>
+          <a:prstGeom prst="rect">
+            <a:avLst/>
+          </a:prstGeom>
+          <a:noFill/>
+        </p:spPr>
+        <p:txBody>
+          <a:bodyPr wrap="square" rtlCol="0">
+            <a:spAutoFit/>
+          </a:bodyPr>
+          <a:lstStyle/>
+          <a:p>
+            <a:pPr algn="r"/>
+            <a:r>
+              <a:rPr lang="en-US" sz="1200" dirty="0"/>
+              <a:t>Photo by Joe </a:t>
+            </a:r>
+            <a:r>
+              <a:rPr lang="en-US" sz="1200" dirty="0" err="1"/>
+              <a:t>Difazio</a:t>
+            </a:r>
+            <a:r>
+              <a:rPr lang="en-US" sz="1200" dirty="0"/>
+              <a:t> for WBUR</a:t>
+            </a:r>
+          </a:p>
+        </p:txBody>
+      </p:sp>
+    </p:spTree>
+    <p:extLst>
+      <p:ext uri="{BB962C8B-B14F-4D97-AF65-F5344CB8AC3E}">
+        <p14:creationId xmlns:p14="http://schemas.microsoft.com/office/powerpoint/2010/main" val="839309899"/>
+      </p:ext>
+    </p:extLst>
+  </p:cSld>
+  <p:clrMapOvr>
+    <a:masterClrMapping/>
+  </p:clrMapOvr>
+</p:sld>
+</file>
+
+<file path=ppt/slides/slide30.xml><?xml version="1.0" encoding="utf-8"?>
 <p:sld xmlns:a="http://schemas.openxmlformats.org/drawingml/2006/main" xmlns:r="http://schemas.openxmlformats.org/officeDocument/2006/relationships" xmlns:p="http://schemas.openxmlformats.org/presentationml/2006/main">
   <p:cSld>
     <p:spTree>
@@ -17980,7 +17890,7 @@
 </p:sld>
 </file>
 
-<file path=ppt/slides/slide32.xml><?xml version="1.0" encoding="utf-8"?>
+<file path=ppt/slides/slide31.xml><?xml version="1.0" encoding="utf-8"?>
 <p:sld xmlns:a="http://schemas.openxmlformats.org/drawingml/2006/main" xmlns:r="http://schemas.openxmlformats.org/officeDocument/2006/relationships" xmlns:p="http://schemas.openxmlformats.org/presentationml/2006/main">
   <p:cSld>
     <p:spTree>
@@ -18834,7 +18744,7 @@
 </p:sld>
 </file>
 
-<file path=ppt/slides/slide33.xml><?xml version="1.0" encoding="utf-8"?>
+<file path=ppt/slides/slide32.xml><?xml version="1.0" encoding="utf-8"?>
 <p:sld xmlns:a="http://schemas.openxmlformats.org/drawingml/2006/main" xmlns:r="http://schemas.openxmlformats.org/officeDocument/2006/relationships" xmlns:p="http://schemas.openxmlformats.org/presentationml/2006/main" showMasterSp="0">
   <p:cSld>
     <p:spTree>
@@ -19080,7 +18990,7 @@
 </p:sld>
 </file>
 
-<file path=ppt/slides/slide34.xml><?xml version="1.0" encoding="utf-8"?>
+<file path=ppt/slides/slide33.xml><?xml version="1.0" encoding="utf-8"?>
 <p:sld xmlns:a="http://schemas.openxmlformats.org/drawingml/2006/main" xmlns:r="http://schemas.openxmlformats.org/officeDocument/2006/relationships" xmlns:p="http://schemas.openxmlformats.org/presentationml/2006/main">
   <p:cSld>
     <p:spTree>
@@ -19414,7 +19324,7 @@
 </p:sld>
 </file>
 
-<file path=ppt/slides/slide35.xml><?xml version="1.0" encoding="utf-8"?>
+<file path=ppt/slides/slide34.xml><?xml version="1.0" encoding="utf-8"?>
 <p:sld xmlns:a="http://schemas.openxmlformats.org/drawingml/2006/main" xmlns:r="http://schemas.openxmlformats.org/officeDocument/2006/relationships" xmlns:p="http://schemas.openxmlformats.org/presentationml/2006/main">
   <p:cSld>
     <p:spTree>
@@ -19742,7 +19652,7 @@
 </p:sld>
 </file>
 
-<file path=ppt/slides/slide36.xml><?xml version="1.0" encoding="utf-8"?>
+<file path=ppt/slides/slide35.xml><?xml version="1.0" encoding="utf-8"?>
 <p:sld xmlns:a="http://schemas.openxmlformats.org/drawingml/2006/main" xmlns:r="http://schemas.openxmlformats.org/officeDocument/2006/relationships" xmlns:p="http://schemas.openxmlformats.org/presentationml/2006/main">
   <p:cSld>
     <p:spTree>
@@ -20361,7 +20271,7 @@
 </p:sld>
 </file>
 
-<file path=ppt/slides/slide37.xml><?xml version="1.0" encoding="utf-8"?>
+<file path=ppt/slides/slide36.xml><?xml version="1.0" encoding="utf-8"?>
 <p:sld xmlns:a="http://schemas.openxmlformats.org/drawingml/2006/main" xmlns:r="http://schemas.openxmlformats.org/officeDocument/2006/relationships" xmlns:p="http://schemas.openxmlformats.org/presentationml/2006/main">
   <p:cSld>
     <p:spTree>
@@ -20702,7 +20612,7 @@
 </p:sld>
 </file>
 
-<file path=ppt/slides/slide38.xml><?xml version="1.0" encoding="utf-8"?>
+<file path=ppt/slides/slide37.xml><?xml version="1.0" encoding="utf-8"?>
 <p:sld xmlns:a="http://schemas.openxmlformats.org/drawingml/2006/main" xmlns:r="http://schemas.openxmlformats.org/officeDocument/2006/relationships" xmlns:p="http://schemas.openxmlformats.org/presentationml/2006/main">
   <p:cSld>
     <p:spTree>
@@ -20807,7 +20717,7 @@
 </p:sld>
 </file>
 
-<file path=ppt/slides/slide39.xml><?xml version="1.0" encoding="utf-8"?>
+<file path=ppt/slides/slide38.xml><?xml version="1.0" encoding="utf-8"?>
 <p:sld xmlns:a="http://schemas.openxmlformats.org/drawingml/2006/main" xmlns:r="http://schemas.openxmlformats.org/officeDocument/2006/relationships" xmlns:p="http://schemas.openxmlformats.org/presentationml/2006/main">
   <p:cSld>
     <p:spTree>
@@ -21838,6 +21748,950 @@
 </p:sld>
 </file>
 
+<file path=ppt/slides/slide39.xml><?xml version="1.0" encoding="utf-8"?>
+<p:sld xmlns:a="http://schemas.openxmlformats.org/drawingml/2006/main" xmlns:r="http://schemas.openxmlformats.org/officeDocument/2006/relationships" xmlns:p="http://schemas.openxmlformats.org/presentationml/2006/main">
+  <p:cSld>
+    <p:spTree>
+      <p:nvGrpSpPr>
+        <p:cNvPr id="1" name=""/>
+        <p:cNvGrpSpPr/>
+        <p:nvPr/>
+      </p:nvGrpSpPr>
+      <p:grpSpPr>
+        <a:xfrm>
+          <a:off x="0" y="0"/>
+          <a:ext cx="0" cy="0"/>
+          <a:chOff x="0" y="0"/>
+          <a:chExt cx="0" cy="0"/>
+        </a:xfrm>
+      </p:grpSpPr>
+      <p:sp>
+        <p:nvSpPr>
+          <p:cNvPr id="7" name="Title 6"/>
+          <p:cNvSpPr>
+            <a:spLocks noGrp="1"/>
+          </p:cNvSpPr>
+          <p:nvPr>
+            <p:ph type="title" idx="4294967295"/>
+          </p:nvPr>
+        </p:nvSpPr>
+        <p:spPr>
+          <a:xfrm>
+            <a:off x="216877" y="166447"/>
+            <a:ext cx="11975123" cy="669925"/>
+          </a:xfrm>
+        </p:spPr>
+        <p:txBody>
+          <a:bodyPr>
+            <a:normAutofit fontScale="90000"/>
+          </a:bodyPr>
+          <a:lstStyle/>
+          <a:p>
+            <a:r>
+              <a:rPr lang="en-US" dirty="0"/>
+              <a:t>Page-Compressed Index </a:t>
+            </a:r>
+            <a:r>
+              <a:rPr lang="en-US" sz="2700" dirty="0"/>
+              <a:t>(from </a:t>
+            </a:r>
+            <a:r>
+              <a:rPr lang="en-US" sz="2700" i="1" dirty="0"/>
+              <a:t>Flour</a:t>
+            </a:r>
+            <a:r>
+              <a:rPr lang="en-US" sz="2700" dirty="0"/>
+              <a:t> cookbook by Joanne Chang)</a:t>
+            </a:r>
+          </a:p>
+        </p:txBody>
+      </p:sp>
+      <p:sp>
+        <p:nvSpPr>
+          <p:cNvPr id="8" name="Content Placeholder 7"/>
+          <p:cNvSpPr>
+            <a:spLocks noGrp="1"/>
+          </p:cNvSpPr>
+          <p:nvPr>
+            <p:ph idx="4294967295"/>
+          </p:nvPr>
+        </p:nvSpPr>
+        <p:spPr>
+          <a:xfrm>
+            <a:off x="657225" y="1028700"/>
+            <a:ext cx="11534775" cy="5486400"/>
+          </a:xfrm>
+        </p:spPr>
+        <p:txBody>
+          <a:bodyPr numCol="1">
+            <a:normAutofit fontScale="47500" lnSpcReduction="20000"/>
+          </a:bodyPr>
+          <a:lstStyle/>
+          <a:p>
+            <a:pPr marL="0" indent="0">
+              <a:buNone/>
+              <a:tabLst>
+                <a:tab pos="9604375" algn="l"/>
+              </a:tabLst>
+            </a:pPr>
+            <a:r>
+              <a:rPr lang="en-US" dirty="0">
+                <a:solidFill>
+                  <a:srgbClr val="FF0000"/>
+                </a:solidFill>
+                <a:latin typeface="Consolas" panose="020B0609020204030204" pitchFamily="49" charset="0"/>
+              </a:rPr>
+              <a:t>[Almond]</a:t>
+            </a:r>
+            <a:r>
+              <a:rPr lang="en-US" dirty="0">
+                <a:solidFill>
+                  <a:srgbClr val="7030A0"/>
+                </a:solidFill>
+                <a:latin typeface="Consolas" panose="020B0609020204030204" pitchFamily="49" charset="0"/>
+              </a:rPr>
+              <a:t>{nut}</a:t>
+            </a:r>
+            <a:r>
+              <a:rPr lang="en-US" dirty="0">
+                <a:solidFill>
+                  <a:schemeClr val="accent1"/>
+                </a:solidFill>
+                <a:latin typeface="Consolas" panose="020B0609020204030204" pitchFamily="49" charset="0"/>
+              </a:rPr>
+              <a:t>{Granola}</a:t>
+            </a:r>
+            <a:r>
+              <a:rPr lang="en-US" dirty="0">
+                <a:solidFill>
+                  <a:srgbClr val="FFC000"/>
+                </a:solidFill>
+                <a:latin typeface="Consolas" panose="020B0609020204030204" pitchFamily="49" charset="0"/>
+              </a:rPr>
+              <a:t>{Caramel}</a:t>
+            </a:r>
+            <a:r>
+              <a:rPr lang="en-US" dirty="0">
+                <a:solidFill>
+                  <a:srgbClr val="00B0F0"/>
+                </a:solidFill>
+                <a:latin typeface="Consolas" panose="020B0609020204030204" pitchFamily="49" charset="0"/>
+              </a:rPr>
+              <a:t>{Apple}</a:t>
+            </a:r>
+            <a:r>
+              <a:rPr lang="en-US" dirty="0">
+                <a:solidFill>
+                  <a:srgbClr val="00B050"/>
+                </a:solidFill>
+                <a:latin typeface="Consolas" panose="020B0609020204030204" pitchFamily="49" charset="0"/>
+              </a:rPr>
+              <a:t>{Baking}</a:t>
+            </a:r>
+            <a:r>
+              <a:rPr lang="en-US" dirty="0">
+                <a:solidFill>
+                  <a:schemeClr val="tx1">
+                    <a:lumMod val="50000"/>
+                    <a:lumOff val="50000"/>
+                  </a:schemeClr>
+                </a:solidFill>
+                <a:latin typeface="Consolas" panose="020B0609020204030204" pitchFamily="49" charset="0"/>
+              </a:rPr>
+              <a:t>{Banana}</a:t>
+            </a:r>
+            <a:r>
+              <a:rPr lang="en-US" dirty="0">
+                <a:solidFill>
+                  <a:srgbClr val="FF33CC"/>
+                </a:solidFill>
+                <a:latin typeface="Consolas" panose="020B0609020204030204" pitchFamily="49" charset="0"/>
+              </a:rPr>
+              <a:t>{Bread}</a:t>
+            </a:r>
+            <a:r>
+              <a:rPr lang="en-US" dirty="0">
+                <a:solidFill>
+                  <a:srgbClr val="FF6600"/>
+                </a:solidFill>
+                <a:latin typeface="Consolas" panose="020B0609020204030204" pitchFamily="49" charset="0"/>
+              </a:rPr>
+              <a:t>{Muffins}</a:t>
+            </a:r>
+          </a:p>
+          <a:p>
+            <a:pPr marL="0" indent="0">
+              <a:buNone/>
+              <a:tabLst>
+                <a:tab pos="9604375" algn="l"/>
+              </a:tabLst>
+            </a:pPr>
+            <a:r>
+              <a:rPr lang="en-US" dirty="0">
+                <a:latin typeface="Consolas" panose="020B0609020204030204" pitchFamily="49" charset="0"/>
+              </a:rPr>
+              <a:t>Addictive Bran Muffins with Golden Raisins and “Bird Seed” – 58-59; </a:t>
+            </a:r>
+            <a:r>
+              <a:rPr lang="en-US" dirty="0">
+                <a:solidFill>
+                  <a:srgbClr val="FF0000"/>
+                </a:solidFill>
+                <a:latin typeface="Consolas" panose="020B0609020204030204" pitchFamily="49" charset="0"/>
+              </a:rPr>
+              <a:t>[1] </a:t>
+            </a:r>
+            <a:r>
+              <a:rPr lang="en-US" dirty="0">
+                <a:latin typeface="Consolas" panose="020B0609020204030204" pitchFamily="49" charset="0"/>
+              </a:rPr>
+              <a:t>and Anise </a:t>
+            </a:r>
+          </a:p>
+          <a:p>
+            <a:pPr marL="0" indent="0">
+              <a:buNone/>
+              <a:tabLst>
+                <a:tab pos="9604375" algn="l"/>
+              </a:tabLst>
+            </a:pPr>
+            <a:r>
+              <a:rPr lang="en-US" dirty="0">
+                <a:latin typeface="Consolas" panose="020B0609020204030204" pitchFamily="49" charset="0"/>
+              </a:rPr>
+              <a:t>Biscotti - 128-129; </a:t>
+            </a:r>
+            <a:r>
+              <a:rPr lang="en-US" dirty="0">
+                <a:solidFill>
+                  <a:srgbClr val="FF0000"/>
+                </a:solidFill>
+                <a:latin typeface="Consolas" panose="020B0609020204030204" pitchFamily="49" charset="0"/>
+              </a:rPr>
+              <a:t>[1]</a:t>
+            </a:r>
+            <a:r>
+              <a:rPr lang="en-US" dirty="0">
+                <a:latin typeface="Consolas" panose="020B0609020204030204" pitchFamily="49" charset="0"/>
+              </a:rPr>
+              <a:t>-Apricot </a:t>
+            </a:r>
+            <a:r>
+              <a:rPr lang="en-US" dirty="0">
+                <a:solidFill>
+                  <a:srgbClr val="FF6600"/>
+                </a:solidFill>
+                <a:latin typeface="Consolas" panose="020B0609020204030204" pitchFamily="49" charset="0"/>
+              </a:rPr>
+              <a:t>{9}</a:t>
+            </a:r>
+            <a:r>
+              <a:rPr lang="en-US" dirty="0">
+                <a:latin typeface="Consolas" panose="020B0609020204030204" pitchFamily="49" charset="0"/>
+              </a:rPr>
+              <a:t> – 54; </a:t>
+            </a:r>
+            <a:r>
+              <a:rPr lang="en-US" dirty="0">
+                <a:solidFill>
+                  <a:srgbClr val="FF0000"/>
+                </a:solidFill>
+                <a:latin typeface="Consolas" panose="020B0609020204030204" pitchFamily="49" charset="0"/>
+              </a:rPr>
+              <a:t>[1]</a:t>
+            </a:r>
+            <a:r>
+              <a:rPr lang="en-US" dirty="0">
+                <a:latin typeface="Consolas" panose="020B0609020204030204" pitchFamily="49" charset="0"/>
+              </a:rPr>
+              <a:t> Macaroons with Bittersweet Chocolate </a:t>
+            </a:r>
+          </a:p>
+          <a:p>
+            <a:pPr marL="0" indent="0">
+              <a:buNone/>
+              <a:tabLst>
+                <a:tab pos="9604375" algn="l"/>
+              </a:tabLst>
+            </a:pPr>
+            <a:r>
+              <a:rPr lang="en-US" dirty="0">
+                <a:latin typeface="Consolas" panose="020B0609020204030204" pitchFamily="49" charset="0"/>
+              </a:rPr>
+              <a:t>Ganache - 130-132; </a:t>
+            </a:r>
+            <a:r>
+              <a:rPr lang="en-US" dirty="0">
+                <a:solidFill>
+                  <a:srgbClr val="FF0000"/>
+                </a:solidFill>
+                <a:latin typeface="Consolas" panose="020B0609020204030204" pitchFamily="49" charset="0"/>
+              </a:rPr>
+              <a:t>[1]</a:t>
+            </a:r>
+            <a:r>
+              <a:rPr lang="en-US" dirty="0">
+                <a:latin typeface="Consolas" panose="020B0609020204030204" pitchFamily="49" charset="0"/>
+              </a:rPr>
+              <a:t> </a:t>
+            </a:r>
+            <a:r>
+              <a:rPr lang="en-US" dirty="0" err="1">
+                <a:latin typeface="Consolas" panose="020B0609020204030204" pitchFamily="49" charset="0"/>
+              </a:rPr>
+              <a:t>Craquline</a:t>
+            </a:r>
+            <a:r>
+              <a:rPr lang="en-US" dirty="0">
+                <a:latin typeface="Consolas" panose="020B0609020204030204" pitchFamily="49" charset="0"/>
+              </a:rPr>
+              <a:t> - 82-83; </a:t>
+            </a:r>
+            <a:r>
+              <a:rPr lang="en-US" dirty="0">
+                <a:solidFill>
+                  <a:srgbClr val="FF0000"/>
+                </a:solidFill>
+                <a:latin typeface="Consolas" panose="020B0609020204030204" pitchFamily="49" charset="0"/>
+              </a:rPr>
+              <a:t>[1]</a:t>
+            </a:r>
+            <a:r>
+              <a:rPr lang="en-US" dirty="0">
+                <a:latin typeface="Consolas" panose="020B0609020204030204" pitchFamily="49" charset="0"/>
+              </a:rPr>
+              <a:t> Frangipane – 239; </a:t>
+            </a:r>
+            <a:r>
+              <a:rPr lang="en-US" dirty="0">
+                <a:solidFill>
+                  <a:srgbClr val="FF0000"/>
+                </a:solidFill>
+                <a:latin typeface="Consolas" panose="020B0609020204030204" pitchFamily="49" charset="0"/>
+              </a:rPr>
+              <a:t>[1]</a:t>
+            </a:r>
+            <a:r>
+              <a:rPr lang="en-US" dirty="0">
+                <a:latin typeface="Consolas" panose="020B0609020204030204" pitchFamily="49" charset="0"/>
+              </a:rPr>
+              <a:t>-Hazel</a:t>
+            </a:r>
+            <a:r>
+              <a:rPr lang="en-US" dirty="0">
+                <a:solidFill>
+                  <a:srgbClr val="7030A0"/>
+                </a:solidFill>
+                <a:latin typeface="Consolas" panose="020B0609020204030204" pitchFamily="49" charset="0"/>
+              </a:rPr>
+              <a:t>{2}</a:t>
+            </a:r>
+            <a:r>
+              <a:rPr lang="en-US" dirty="0">
+                <a:latin typeface="Consolas" panose="020B0609020204030204" pitchFamily="49" charset="0"/>
+              </a:rPr>
+              <a:t> </a:t>
+            </a:r>
+          </a:p>
+          <a:p>
+            <a:pPr marL="0" indent="0">
+              <a:buNone/>
+              <a:tabLst>
+                <a:tab pos="9604375" algn="l"/>
+              </a:tabLst>
+            </a:pPr>
+            <a:r>
+              <a:rPr lang="en-US" dirty="0">
+                <a:latin typeface="Consolas" panose="020B0609020204030204" pitchFamily="49" charset="0"/>
+              </a:rPr>
+              <a:t>Dacquoise - 196-199; </a:t>
+            </a:r>
+            <a:r>
+              <a:rPr lang="en-US" dirty="0">
+                <a:solidFill>
+                  <a:srgbClr val="FF0000"/>
+                </a:solidFill>
+                <a:latin typeface="Consolas" panose="020B0609020204030204" pitchFamily="49" charset="0"/>
+              </a:rPr>
+              <a:t>[1]</a:t>
+            </a:r>
+            <a:r>
+              <a:rPr lang="en-US" dirty="0">
+                <a:latin typeface="Consolas" panose="020B0609020204030204" pitchFamily="49" charset="0"/>
+              </a:rPr>
+              <a:t> Meringue Clouds - 126-127; </a:t>
+            </a:r>
+            <a:r>
+              <a:rPr lang="en-US" dirty="0">
+                <a:solidFill>
+                  <a:srgbClr val="FF0000"/>
+                </a:solidFill>
+                <a:latin typeface="Consolas" panose="020B0609020204030204" pitchFamily="49" charset="0"/>
+              </a:rPr>
+              <a:t>[1]</a:t>
+            </a:r>
+            <a:r>
+              <a:rPr lang="en-US" dirty="0">
+                <a:latin typeface="Consolas" panose="020B0609020204030204" pitchFamily="49" charset="0"/>
+              </a:rPr>
+              <a:t> Mixed Nut Brittle - 284-285; </a:t>
+            </a:r>
+          </a:p>
+          <a:p>
+            <a:pPr marL="0" indent="0">
+              <a:buNone/>
+              <a:tabLst>
+                <a:tab pos="9604375" algn="l"/>
+              </a:tabLst>
+            </a:pPr>
+            <a:r>
+              <a:rPr lang="en-US" dirty="0">
+                <a:solidFill>
+                  <a:srgbClr val="FF0000"/>
+                </a:solidFill>
+                <a:latin typeface="Consolas" panose="020B0609020204030204" pitchFamily="49" charset="0"/>
+              </a:rPr>
+              <a:t>[1]</a:t>
+            </a:r>
+            <a:r>
+              <a:rPr lang="en-US" dirty="0">
+                <a:latin typeface="Consolas" panose="020B0609020204030204" pitchFamily="49" charset="0"/>
+              </a:rPr>
+              <a:t> </a:t>
+            </a:r>
+            <a:r>
+              <a:rPr lang="en-US" dirty="0">
+                <a:solidFill>
+                  <a:schemeClr val="accent1"/>
+                </a:solidFill>
+                <a:latin typeface="Consolas" panose="020B0609020204030204" pitchFamily="49" charset="0"/>
+              </a:rPr>
+              <a:t>{3}</a:t>
+            </a:r>
+            <a:r>
+              <a:rPr lang="en-US" dirty="0">
+                <a:latin typeface="Consolas" panose="020B0609020204030204" pitchFamily="49" charset="0"/>
+              </a:rPr>
+              <a:t> – 101; </a:t>
+            </a:r>
+            <a:r>
+              <a:rPr lang="en-US" dirty="0">
+                <a:solidFill>
+                  <a:srgbClr val="FF0000"/>
+                </a:solidFill>
+                <a:latin typeface="Consolas" panose="020B0609020204030204" pitchFamily="49" charset="0"/>
+              </a:rPr>
+              <a:t>[1]</a:t>
+            </a:r>
+            <a:r>
+              <a:rPr lang="en-US" dirty="0">
+                <a:latin typeface="Consolas" panose="020B0609020204030204" pitchFamily="49" charset="0"/>
+              </a:rPr>
+              <a:t> </a:t>
+            </a:r>
+            <a:r>
+              <a:rPr lang="en-US" dirty="0" err="1">
+                <a:latin typeface="Consolas" panose="020B0609020204030204" pitchFamily="49" charset="0"/>
+              </a:rPr>
+              <a:t>Ooey</a:t>
+            </a:r>
+            <a:r>
+              <a:rPr lang="en-US" dirty="0">
+                <a:latin typeface="Consolas" panose="020B0609020204030204" pitchFamily="49" charset="0"/>
+              </a:rPr>
+              <a:t>, Gooey </a:t>
+            </a:r>
+            <a:r>
+              <a:rPr lang="en-US" dirty="0">
+                <a:solidFill>
+                  <a:srgbClr val="FFC000"/>
+                </a:solidFill>
+                <a:latin typeface="Consolas" panose="020B0609020204030204" pitchFamily="49" charset="0"/>
+              </a:rPr>
+              <a:t>{4}</a:t>
+            </a:r>
+            <a:r>
+              <a:rPr lang="en-US" dirty="0">
+                <a:latin typeface="Consolas" panose="020B0609020204030204" pitchFamily="49" charset="0"/>
+              </a:rPr>
+              <a:t>-</a:t>
+            </a:r>
+            <a:r>
+              <a:rPr lang="en-US" dirty="0">
+                <a:solidFill>
+                  <a:srgbClr val="7030A0"/>
+                </a:solidFill>
+                <a:latin typeface="Consolas" panose="020B0609020204030204" pitchFamily="49" charset="0"/>
+              </a:rPr>
+              <a:t>{2}</a:t>
+            </a:r>
+            <a:r>
+              <a:rPr lang="en-US" dirty="0">
+                <a:latin typeface="Consolas" panose="020B0609020204030204" pitchFamily="49" charset="0"/>
+              </a:rPr>
+              <a:t> Tart - 228-229; </a:t>
+            </a:r>
+            <a:r>
+              <a:rPr lang="en-US" dirty="0">
+                <a:solidFill>
+                  <a:srgbClr val="FF0000"/>
+                </a:solidFill>
+                <a:latin typeface="Consolas" panose="020B0609020204030204" pitchFamily="49" charset="0"/>
+              </a:rPr>
+              <a:t>[1]</a:t>
+            </a:r>
+            <a:r>
+              <a:rPr lang="en-US" dirty="0">
+                <a:latin typeface="Consolas" panose="020B0609020204030204" pitchFamily="49" charset="0"/>
+              </a:rPr>
+              <a:t> Roasted Pear and Cranberry</a:t>
+            </a:r>
+          </a:p>
+          <a:p>
+            <a:pPr marL="0" indent="0">
+              <a:buNone/>
+              <a:tabLst>
+                <a:tab pos="9604375" algn="l"/>
+              </a:tabLst>
+            </a:pPr>
+            <a:r>
+              <a:rPr lang="en-US" dirty="0">
+                <a:latin typeface="Consolas" panose="020B0609020204030204" pitchFamily="49" charset="0"/>
+              </a:rPr>
+              <a:t>Crostata - 237-239; </a:t>
+            </a:r>
+            <a:r>
+              <a:rPr lang="en-US" dirty="0">
+                <a:solidFill>
+                  <a:srgbClr val="FF0000"/>
+                </a:solidFill>
+                <a:latin typeface="Consolas" panose="020B0609020204030204" pitchFamily="49" charset="0"/>
+              </a:rPr>
+              <a:t>[1]</a:t>
+            </a:r>
+            <a:r>
+              <a:rPr lang="en-US" dirty="0">
+                <a:latin typeface="Consolas" panose="020B0609020204030204" pitchFamily="49" charset="0"/>
+              </a:rPr>
+              <a:t> roasting – 34; Angel Food Cake with Toasted Coco</a:t>
+            </a:r>
+            <a:r>
+              <a:rPr lang="en-US" dirty="0">
+                <a:solidFill>
+                  <a:srgbClr val="7030A0"/>
+                </a:solidFill>
+                <a:latin typeface="Consolas" panose="020B0609020204030204" pitchFamily="49" charset="0"/>
+              </a:rPr>
+              <a:t>{2}</a:t>
+            </a:r>
+            <a:r>
+              <a:rPr lang="en-US" dirty="0">
+                <a:latin typeface="Consolas" panose="020B0609020204030204" pitchFamily="49" charset="0"/>
+              </a:rPr>
+              <a:t> – 178-179;</a:t>
+            </a:r>
+          </a:p>
+          <a:p>
+            <a:pPr marL="0" indent="0">
+              <a:buNone/>
+              <a:tabLst>
+                <a:tab pos="9604375" algn="l"/>
+              </a:tabLst>
+            </a:pPr>
+            <a:r>
+              <a:rPr lang="en-US" dirty="0">
+                <a:solidFill>
+                  <a:srgbClr val="00B0F0"/>
+                </a:solidFill>
+                <a:latin typeface="Consolas" panose="020B0609020204030204" pitchFamily="49" charset="0"/>
+              </a:rPr>
+              <a:t>{5}</a:t>
+            </a:r>
+            <a:r>
+              <a:rPr lang="en-US" dirty="0">
+                <a:latin typeface="Consolas" panose="020B0609020204030204" pitchFamily="49" charset="0"/>
+              </a:rPr>
+              <a:t> and Quince Tarte Tatin – 233-235; </a:t>
+            </a:r>
+            <a:r>
+              <a:rPr lang="en-US" dirty="0">
+                <a:solidFill>
+                  <a:srgbClr val="00B0F0"/>
+                </a:solidFill>
+                <a:latin typeface="Consolas" panose="020B0609020204030204" pitchFamily="49" charset="0"/>
+              </a:rPr>
+              <a:t>{5}</a:t>
+            </a:r>
+            <a:r>
+              <a:rPr lang="en-US" dirty="0">
+                <a:latin typeface="Consolas" panose="020B0609020204030204" pitchFamily="49" charset="0"/>
+              </a:rPr>
+              <a:t>, Cinnamon, and Brown Sugar Filling – 90; </a:t>
+            </a:r>
+            <a:r>
+              <a:rPr lang="en-US" dirty="0">
+                <a:solidFill>
+                  <a:srgbClr val="00B0F0"/>
+                </a:solidFill>
+                <a:latin typeface="Consolas" panose="020B0609020204030204" pitchFamily="49" charset="0"/>
+              </a:rPr>
+              <a:t>{5}</a:t>
+            </a:r>
+            <a:r>
+              <a:rPr lang="en-US" dirty="0">
+                <a:latin typeface="Consolas" panose="020B0609020204030204" pitchFamily="49" charset="0"/>
+              </a:rPr>
+              <a:t> </a:t>
+            </a:r>
+          </a:p>
+          <a:p>
+            <a:pPr marL="0" indent="0">
+              <a:buNone/>
+              <a:tabLst>
+                <a:tab pos="9604375" algn="l"/>
+              </a:tabLst>
+            </a:pPr>
+            <a:r>
+              <a:rPr lang="en-US" dirty="0">
+                <a:latin typeface="Consolas" panose="020B0609020204030204" pitchFamily="49" charset="0"/>
+              </a:rPr>
+              <a:t>Snacking Spice Cake – 64-65; </a:t>
+            </a:r>
+            <a:r>
+              <a:rPr lang="en-US" dirty="0">
+                <a:solidFill>
+                  <a:srgbClr val="00B0F0"/>
+                </a:solidFill>
+                <a:latin typeface="Consolas" panose="020B0609020204030204" pitchFamily="49" charset="0"/>
+              </a:rPr>
+              <a:t>{5}</a:t>
+            </a:r>
+            <a:r>
+              <a:rPr lang="en-US" dirty="0">
+                <a:latin typeface="Consolas" panose="020B0609020204030204" pitchFamily="49" charset="0"/>
+              </a:rPr>
+              <a:t>-Raisin Charlottes with Vanilla </a:t>
+            </a:r>
+            <a:r>
+              <a:rPr lang="en-US" dirty="0">
+                <a:solidFill>
+                  <a:srgbClr val="FFC000"/>
+                </a:solidFill>
+                <a:latin typeface="Consolas" panose="020B0609020204030204" pitchFamily="49" charset="0"/>
+              </a:rPr>
+              <a:t>{4}</a:t>
+            </a:r>
+            <a:r>
+              <a:rPr lang="en-US" dirty="0">
+                <a:latin typeface="Consolas" panose="020B0609020204030204" pitchFamily="49" charset="0"/>
+              </a:rPr>
+              <a:t> Sauce – 272-273; </a:t>
+            </a:r>
+          </a:p>
+          <a:p>
+            <a:pPr marL="0" indent="0">
+              <a:buNone/>
+              <a:tabLst>
+                <a:tab pos="9604375" algn="l"/>
+              </a:tabLst>
+            </a:pPr>
+            <a:r>
+              <a:rPr lang="en-US" dirty="0">
+                <a:latin typeface="Consolas" panose="020B0609020204030204" pitchFamily="49" charset="0"/>
+              </a:rPr>
+              <a:t>Double Two-</a:t>
+            </a:r>
+            <a:r>
+              <a:rPr lang="en-US" dirty="0">
+                <a:solidFill>
+                  <a:srgbClr val="00B0F0"/>
+                </a:solidFill>
+                <a:latin typeface="Consolas" panose="020B0609020204030204" pitchFamily="49" charset="0"/>
+              </a:rPr>
+              <a:t>{5}</a:t>
+            </a:r>
+            <a:r>
+              <a:rPr lang="en-US" dirty="0">
+                <a:latin typeface="Consolas" panose="020B0609020204030204" pitchFamily="49" charset="0"/>
+              </a:rPr>
+              <a:t> Pie – 203-205; </a:t>
+            </a:r>
+            <a:r>
+              <a:rPr lang="en-US" dirty="0">
+                <a:solidFill>
+                  <a:srgbClr val="00B0F0"/>
+                </a:solidFill>
+                <a:latin typeface="Consolas" panose="020B0609020204030204" pitchFamily="49" charset="0"/>
+              </a:rPr>
+              <a:t>{5}</a:t>
+            </a:r>
+            <a:r>
+              <a:rPr lang="en-US" dirty="0">
+                <a:latin typeface="Consolas" panose="020B0609020204030204" pitchFamily="49" charset="0"/>
+              </a:rPr>
+              <a:t> Good Morning </a:t>
+            </a:r>
+            <a:r>
+              <a:rPr lang="en-US" dirty="0">
+                <a:solidFill>
+                  <a:srgbClr val="FF6600"/>
+                </a:solidFill>
+                <a:latin typeface="Consolas" panose="020B0609020204030204" pitchFamily="49" charset="0"/>
+              </a:rPr>
+              <a:t>{9}</a:t>
+            </a:r>
+            <a:r>
+              <a:rPr lang="en-US" dirty="0">
+                <a:latin typeface="Consolas" panose="020B0609020204030204" pitchFamily="49" charset="0"/>
+              </a:rPr>
+              <a:t> – 60-61; </a:t>
+            </a:r>
+            <a:r>
+              <a:rPr lang="en-US" dirty="0">
+                <a:solidFill>
+                  <a:srgbClr val="00B0F0"/>
+                </a:solidFill>
+                <a:latin typeface="Consolas" panose="020B0609020204030204" pitchFamily="49" charset="0"/>
+              </a:rPr>
+              <a:t>{5}</a:t>
+            </a:r>
+            <a:r>
+              <a:rPr lang="en-US" dirty="0">
+                <a:latin typeface="Consolas" panose="020B0609020204030204" pitchFamily="49" charset="0"/>
+              </a:rPr>
+              <a:t> </a:t>
+            </a:r>
+            <a:r>
+              <a:rPr lang="en-US" dirty="0">
+                <a:solidFill>
+                  <a:schemeClr val="accent1"/>
+                </a:solidFill>
+                <a:latin typeface="Consolas" panose="020B0609020204030204" pitchFamily="49" charset="0"/>
+              </a:rPr>
+              <a:t>{3}</a:t>
+            </a:r>
+            <a:r>
+              <a:rPr lang="en-US" dirty="0">
+                <a:latin typeface="Consolas" panose="020B0609020204030204" pitchFamily="49" charset="0"/>
+              </a:rPr>
+              <a:t> Bars – 154-156; </a:t>
+            </a:r>
+          </a:p>
+          <a:p>
+            <a:pPr marL="0" indent="0">
+              <a:buNone/>
+              <a:tabLst>
+                <a:tab pos="9604375" algn="l"/>
+              </a:tabLst>
+            </a:pPr>
+            <a:r>
+              <a:rPr lang="en-US" dirty="0">
+                <a:solidFill>
+                  <a:srgbClr val="00B0F0"/>
+                </a:solidFill>
+                <a:latin typeface="Consolas" panose="020B0609020204030204" pitchFamily="49" charset="0"/>
+              </a:rPr>
+              <a:t>{5}</a:t>
+            </a:r>
+            <a:r>
+              <a:rPr lang="en-US" dirty="0">
+                <a:latin typeface="Consolas" panose="020B0609020204030204" pitchFamily="49" charset="0"/>
+              </a:rPr>
+              <a:t> Heart-Healthy Dried Fruit Scones – 50-51; </a:t>
+            </a:r>
+            <a:r>
+              <a:rPr lang="en-US" dirty="0">
+                <a:solidFill>
+                  <a:srgbClr val="00B0F0"/>
+                </a:solidFill>
+                <a:latin typeface="Consolas" panose="020B0609020204030204" pitchFamily="49" charset="0"/>
+              </a:rPr>
+              <a:t>{5}</a:t>
+            </a:r>
+            <a:r>
+              <a:rPr lang="en-US" dirty="0">
+                <a:latin typeface="Consolas" panose="020B0609020204030204" pitchFamily="49" charset="0"/>
+              </a:rPr>
+              <a:t> Homemade Pop-Tarts – 88-91; Bacon and</a:t>
+            </a:r>
+          </a:p>
+          <a:p>
+            <a:pPr marL="0" indent="0">
+              <a:buNone/>
+              <a:tabLst>
+                <a:tab pos="9604375" algn="l"/>
+              </a:tabLst>
+            </a:pPr>
+            <a:r>
+              <a:rPr lang="en-US" dirty="0">
+                <a:solidFill>
+                  <a:srgbClr val="FFC000"/>
+                </a:solidFill>
+                <a:latin typeface="Consolas" panose="020B0609020204030204" pitchFamily="49" charset="0"/>
+              </a:rPr>
+              <a:t>{4}</a:t>
+            </a:r>
+            <a:r>
+              <a:rPr lang="en-US" dirty="0" err="1">
+                <a:latin typeface="Consolas" panose="020B0609020204030204" pitchFamily="49" charset="0"/>
+              </a:rPr>
+              <a:t>ized</a:t>
+            </a:r>
+            <a:r>
+              <a:rPr lang="en-US" dirty="0">
+                <a:latin typeface="Consolas" panose="020B0609020204030204" pitchFamily="49" charset="0"/>
+              </a:rPr>
+              <a:t> Onion Quiche – 241; </a:t>
+            </a:r>
+            <a:r>
+              <a:rPr lang="en-US" dirty="0">
+                <a:solidFill>
+                  <a:srgbClr val="00B050"/>
+                </a:solidFill>
+                <a:latin typeface="Consolas" panose="020B0609020204030204" pitchFamily="49" charset="0"/>
+              </a:rPr>
+              <a:t>{6}</a:t>
+            </a:r>
+            <a:r>
+              <a:rPr lang="en-US" dirty="0">
+                <a:latin typeface="Consolas" panose="020B0609020204030204" pitchFamily="49" charset="0"/>
+              </a:rPr>
+              <a:t> pans – 21-22; </a:t>
+            </a:r>
+            <a:r>
+              <a:rPr lang="en-US" dirty="0">
+                <a:solidFill>
+                  <a:srgbClr val="00B050"/>
+                </a:solidFill>
+                <a:latin typeface="Consolas" panose="020B0609020204030204" pitchFamily="49" charset="0"/>
+              </a:rPr>
+              <a:t>{6}</a:t>
+            </a:r>
+            <a:r>
+              <a:rPr lang="en-US" dirty="0">
+                <a:latin typeface="Consolas" panose="020B0609020204030204" pitchFamily="49" charset="0"/>
+              </a:rPr>
+              <a:t> sheets – 22; </a:t>
+            </a:r>
+            <a:r>
+              <a:rPr lang="en-US" dirty="0">
+                <a:solidFill>
+                  <a:srgbClr val="00B050"/>
+                </a:solidFill>
+                <a:latin typeface="Consolas" panose="020B0609020204030204" pitchFamily="49" charset="0"/>
+              </a:rPr>
+              <a:t>{6}</a:t>
+            </a:r>
+            <a:r>
+              <a:rPr lang="en-US" dirty="0">
+                <a:latin typeface="Consolas" panose="020B0609020204030204" pitchFamily="49" charset="0"/>
+              </a:rPr>
+              <a:t> tips – 31-37; </a:t>
+            </a:r>
+            <a:r>
+              <a:rPr lang="en-US" dirty="0">
+                <a:solidFill>
+                  <a:schemeClr val="tx1">
+                    <a:lumMod val="50000"/>
+                    <a:lumOff val="50000"/>
+                  </a:schemeClr>
+                </a:solidFill>
+                <a:latin typeface="Consolas" panose="020B0609020204030204" pitchFamily="49" charset="0"/>
+              </a:rPr>
+              <a:t>{7}</a:t>
+            </a:r>
+            <a:r>
+              <a:rPr lang="en-US" dirty="0">
+                <a:solidFill>
+                  <a:srgbClr val="FF33CC"/>
+                </a:solidFill>
+                <a:latin typeface="Consolas" panose="020B0609020204030204" pitchFamily="49" charset="0"/>
+              </a:rPr>
+              <a:t> </a:t>
+            </a:r>
+          </a:p>
+          <a:p>
+            <a:pPr marL="0" indent="0">
+              <a:buNone/>
+              <a:tabLst>
+                <a:tab pos="9604375" algn="l"/>
+              </a:tabLst>
+            </a:pPr>
+            <a:r>
+              <a:rPr lang="en-US" dirty="0">
+                <a:solidFill>
+                  <a:srgbClr val="FF33CC"/>
+                </a:solidFill>
+                <a:latin typeface="Consolas" panose="020B0609020204030204" pitchFamily="49" charset="0"/>
+              </a:rPr>
+              <a:t>{8}</a:t>
+            </a:r>
+            <a:r>
+              <a:rPr lang="en-US" dirty="0">
+                <a:latin typeface="Consolas" panose="020B0609020204030204" pitchFamily="49" charset="0"/>
+              </a:rPr>
+              <a:t> Pudding – 254-255; </a:t>
+            </a:r>
+            <a:r>
+              <a:rPr lang="en-US" dirty="0">
+                <a:solidFill>
+                  <a:schemeClr val="tx1">
+                    <a:lumMod val="50000"/>
+                    <a:lumOff val="50000"/>
+                  </a:schemeClr>
+                </a:solidFill>
+                <a:latin typeface="Consolas" panose="020B0609020204030204" pitchFamily="49" charset="0"/>
+              </a:rPr>
+              <a:t>{7}</a:t>
+            </a:r>
+            <a:r>
+              <a:rPr lang="en-US" dirty="0">
+                <a:latin typeface="Consolas" panose="020B0609020204030204" pitchFamily="49" charset="0"/>
+              </a:rPr>
+              <a:t> </a:t>
+            </a:r>
+            <a:r>
+              <a:rPr lang="en-US" dirty="0">
+                <a:solidFill>
+                  <a:srgbClr val="FF33CC"/>
+                </a:solidFill>
+                <a:latin typeface="Consolas" panose="020B0609020204030204" pitchFamily="49" charset="0"/>
+              </a:rPr>
+              <a:t>{8}</a:t>
+            </a:r>
+            <a:r>
+              <a:rPr lang="en-US" dirty="0">
+                <a:latin typeface="Consolas" panose="020B0609020204030204" pitchFamily="49" charset="0"/>
+              </a:rPr>
+              <a:t> – 66; Basic Brioche – 73-74;</a:t>
+            </a:r>
+          </a:p>
+          <a:p>
+            <a:pPr marL="0" indent="0">
+              <a:buNone/>
+              <a:tabLst>
+                <a:tab pos="9604375" algn="l"/>
+              </a:tabLst>
+            </a:pPr>
+            <a:endParaRPr lang="en-US" dirty="0">
+              <a:latin typeface="Consolas" panose="020B0609020204030204" pitchFamily="49" charset="0"/>
+            </a:endParaRPr>
+          </a:p>
+        </p:txBody>
+      </p:sp>
+    </p:spTree>
+    <p:extLst>
+      <p:ext uri="{BB962C8B-B14F-4D97-AF65-F5344CB8AC3E}">
+        <p14:creationId xmlns:p14="http://schemas.microsoft.com/office/powerpoint/2010/main" val="1269145179"/>
+      </p:ext>
+    </p:extLst>
+  </p:cSld>
+  <p:clrMapOvr>
+    <a:masterClrMapping/>
+  </p:clrMapOvr>
+</p:sld>
+</file>
+
 <file path=ppt/slides/slide4.xml><?xml version="1.0" encoding="utf-8"?>
 <p:sld xmlns:a="http://schemas.openxmlformats.org/drawingml/2006/main" xmlns:r="http://schemas.openxmlformats.org/officeDocument/2006/relationships" xmlns:p="http://schemas.openxmlformats.org/presentationml/2006/main">
   <p:cSld>
@@ -22078,950 +22932,6 @@
       </p:grpSpPr>
       <p:sp>
         <p:nvSpPr>
-          <p:cNvPr id="7" name="Title 6"/>
-          <p:cNvSpPr>
-            <a:spLocks noGrp="1"/>
-          </p:cNvSpPr>
-          <p:nvPr>
-            <p:ph type="title" idx="4294967295"/>
-          </p:nvPr>
-        </p:nvSpPr>
-        <p:spPr>
-          <a:xfrm>
-            <a:off x="216877" y="166447"/>
-            <a:ext cx="11975123" cy="669925"/>
-          </a:xfrm>
-        </p:spPr>
-        <p:txBody>
-          <a:bodyPr>
-            <a:normAutofit fontScale="90000"/>
-          </a:bodyPr>
-          <a:lstStyle/>
-          <a:p>
-            <a:r>
-              <a:rPr lang="en-US" dirty="0"/>
-              <a:t>Page-Compressed Index </a:t>
-            </a:r>
-            <a:r>
-              <a:rPr lang="en-US" sz="2700" dirty="0"/>
-              <a:t>(from </a:t>
-            </a:r>
-            <a:r>
-              <a:rPr lang="en-US" sz="2700" i="1" dirty="0"/>
-              <a:t>Flour</a:t>
-            </a:r>
-            <a:r>
-              <a:rPr lang="en-US" sz="2700" dirty="0"/>
-              <a:t> cookbook by Joanne Chang)</a:t>
-            </a:r>
-          </a:p>
-        </p:txBody>
-      </p:sp>
-      <p:sp>
-        <p:nvSpPr>
-          <p:cNvPr id="8" name="Content Placeholder 7"/>
-          <p:cNvSpPr>
-            <a:spLocks noGrp="1"/>
-          </p:cNvSpPr>
-          <p:nvPr>
-            <p:ph idx="4294967295"/>
-          </p:nvPr>
-        </p:nvSpPr>
-        <p:spPr>
-          <a:xfrm>
-            <a:off x="657225" y="1028700"/>
-            <a:ext cx="11534775" cy="5486400"/>
-          </a:xfrm>
-        </p:spPr>
-        <p:txBody>
-          <a:bodyPr numCol="1">
-            <a:normAutofit fontScale="47500" lnSpcReduction="20000"/>
-          </a:bodyPr>
-          <a:lstStyle/>
-          <a:p>
-            <a:pPr marL="0" indent="0">
-              <a:buNone/>
-              <a:tabLst>
-                <a:tab pos="9604375" algn="l"/>
-              </a:tabLst>
-            </a:pPr>
-            <a:r>
-              <a:rPr lang="en-US" dirty="0">
-                <a:solidFill>
-                  <a:srgbClr val="FF0000"/>
-                </a:solidFill>
-                <a:latin typeface="Consolas" panose="020B0609020204030204" pitchFamily="49" charset="0"/>
-              </a:rPr>
-              <a:t>[Almond]</a:t>
-            </a:r>
-            <a:r>
-              <a:rPr lang="en-US" dirty="0">
-                <a:solidFill>
-                  <a:srgbClr val="7030A0"/>
-                </a:solidFill>
-                <a:latin typeface="Consolas" panose="020B0609020204030204" pitchFamily="49" charset="0"/>
-              </a:rPr>
-              <a:t>{nut}</a:t>
-            </a:r>
-            <a:r>
-              <a:rPr lang="en-US" dirty="0">
-                <a:solidFill>
-                  <a:schemeClr val="accent1"/>
-                </a:solidFill>
-                <a:latin typeface="Consolas" panose="020B0609020204030204" pitchFamily="49" charset="0"/>
-              </a:rPr>
-              <a:t>{Granola}</a:t>
-            </a:r>
-            <a:r>
-              <a:rPr lang="en-US" dirty="0">
-                <a:solidFill>
-                  <a:srgbClr val="FFC000"/>
-                </a:solidFill>
-                <a:latin typeface="Consolas" panose="020B0609020204030204" pitchFamily="49" charset="0"/>
-              </a:rPr>
-              <a:t>{Caramel}</a:t>
-            </a:r>
-            <a:r>
-              <a:rPr lang="en-US" dirty="0">
-                <a:solidFill>
-                  <a:srgbClr val="00B0F0"/>
-                </a:solidFill>
-                <a:latin typeface="Consolas" panose="020B0609020204030204" pitchFamily="49" charset="0"/>
-              </a:rPr>
-              <a:t>{Apple}</a:t>
-            </a:r>
-            <a:r>
-              <a:rPr lang="en-US" dirty="0">
-                <a:solidFill>
-                  <a:srgbClr val="00B050"/>
-                </a:solidFill>
-                <a:latin typeface="Consolas" panose="020B0609020204030204" pitchFamily="49" charset="0"/>
-              </a:rPr>
-              <a:t>{Baking}</a:t>
-            </a:r>
-            <a:r>
-              <a:rPr lang="en-US" dirty="0">
-                <a:solidFill>
-                  <a:schemeClr val="tx1">
-                    <a:lumMod val="50000"/>
-                    <a:lumOff val="50000"/>
-                  </a:schemeClr>
-                </a:solidFill>
-                <a:latin typeface="Consolas" panose="020B0609020204030204" pitchFamily="49" charset="0"/>
-              </a:rPr>
-              <a:t>{Banana}</a:t>
-            </a:r>
-            <a:r>
-              <a:rPr lang="en-US" dirty="0">
-                <a:solidFill>
-                  <a:srgbClr val="FF33CC"/>
-                </a:solidFill>
-                <a:latin typeface="Consolas" panose="020B0609020204030204" pitchFamily="49" charset="0"/>
-              </a:rPr>
-              <a:t>{Bread}</a:t>
-            </a:r>
-            <a:r>
-              <a:rPr lang="en-US" dirty="0">
-                <a:solidFill>
-                  <a:srgbClr val="FF6600"/>
-                </a:solidFill>
-                <a:latin typeface="Consolas" panose="020B0609020204030204" pitchFamily="49" charset="0"/>
-              </a:rPr>
-              <a:t>{Muffins}</a:t>
-            </a:r>
-          </a:p>
-          <a:p>
-            <a:pPr marL="0" indent="0">
-              <a:buNone/>
-              <a:tabLst>
-                <a:tab pos="9604375" algn="l"/>
-              </a:tabLst>
-            </a:pPr>
-            <a:r>
-              <a:rPr lang="en-US" dirty="0">
-                <a:latin typeface="Consolas" panose="020B0609020204030204" pitchFamily="49" charset="0"/>
-              </a:rPr>
-              <a:t>Addictive Bran Muffins with Golden Raisins and “Bird Seed” – 58-59; </a:t>
-            </a:r>
-            <a:r>
-              <a:rPr lang="en-US" dirty="0">
-                <a:solidFill>
-                  <a:srgbClr val="FF0000"/>
-                </a:solidFill>
-                <a:latin typeface="Consolas" panose="020B0609020204030204" pitchFamily="49" charset="0"/>
-              </a:rPr>
-              <a:t>[1] </a:t>
-            </a:r>
-            <a:r>
-              <a:rPr lang="en-US" dirty="0">
-                <a:latin typeface="Consolas" panose="020B0609020204030204" pitchFamily="49" charset="0"/>
-              </a:rPr>
-              <a:t>and Anise </a:t>
-            </a:r>
-          </a:p>
-          <a:p>
-            <a:pPr marL="0" indent="0">
-              <a:buNone/>
-              <a:tabLst>
-                <a:tab pos="9604375" algn="l"/>
-              </a:tabLst>
-            </a:pPr>
-            <a:r>
-              <a:rPr lang="en-US" dirty="0">
-                <a:latin typeface="Consolas" panose="020B0609020204030204" pitchFamily="49" charset="0"/>
-              </a:rPr>
-              <a:t>Biscotti - 128-129; </a:t>
-            </a:r>
-            <a:r>
-              <a:rPr lang="en-US" dirty="0">
-                <a:solidFill>
-                  <a:srgbClr val="FF0000"/>
-                </a:solidFill>
-                <a:latin typeface="Consolas" panose="020B0609020204030204" pitchFamily="49" charset="0"/>
-              </a:rPr>
-              <a:t>[1]</a:t>
-            </a:r>
-            <a:r>
-              <a:rPr lang="en-US" dirty="0">
-                <a:latin typeface="Consolas" panose="020B0609020204030204" pitchFamily="49" charset="0"/>
-              </a:rPr>
-              <a:t>-Apricot </a:t>
-            </a:r>
-            <a:r>
-              <a:rPr lang="en-US" dirty="0">
-                <a:solidFill>
-                  <a:srgbClr val="FF6600"/>
-                </a:solidFill>
-                <a:latin typeface="Consolas" panose="020B0609020204030204" pitchFamily="49" charset="0"/>
-              </a:rPr>
-              <a:t>{9}</a:t>
-            </a:r>
-            <a:r>
-              <a:rPr lang="en-US" dirty="0">
-                <a:latin typeface="Consolas" panose="020B0609020204030204" pitchFamily="49" charset="0"/>
-              </a:rPr>
-              <a:t> – 54; </a:t>
-            </a:r>
-            <a:r>
-              <a:rPr lang="en-US" dirty="0">
-                <a:solidFill>
-                  <a:srgbClr val="FF0000"/>
-                </a:solidFill>
-                <a:latin typeface="Consolas" panose="020B0609020204030204" pitchFamily="49" charset="0"/>
-              </a:rPr>
-              <a:t>[1]</a:t>
-            </a:r>
-            <a:r>
-              <a:rPr lang="en-US" dirty="0">
-                <a:latin typeface="Consolas" panose="020B0609020204030204" pitchFamily="49" charset="0"/>
-              </a:rPr>
-              <a:t> Macaroons with Bittersweet Chocolate </a:t>
-            </a:r>
-          </a:p>
-          <a:p>
-            <a:pPr marL="0" indent="0">
-              <a:buNone/>
-              <a:tabLst>
-                <a:tab pos="9604375" algn="l"/>
-              </a:tabLst>
-            </a:pPr>
-            <a:r>
-              <a:rPr lang="en-US" dirty="0">
-                <a:latin typeface="Consolas" panose="020B0609020204030204" pitchFamily="49" charset="0"/>
-              </a:rPr>
-              <a:t>Ganache - 130-132; </a:t>
-            </a:r>
-            <a:r>
-              <a:rPr lang="en-US" dirty="0">
-                <a:solidFill>
-                  <a:srgbClr val="FF0000"/>
-                </a:solidFill>
-                <a:latin typeface="Consolas" panose="020B0609020204030204" pitchFamily="49" charset="0"/>
-              </a:rPr>
-              <a:t>[1]</a:t>
-            </a:r>
-            <a:r>
-              <a:rPr lang="en-US" dirty="0">
-                <a:latin typeface="Consolas" panose="020B0609020204030204" pitchFamily="49" charset="0"/>
-              </a:rPr>
-              <a:t> </a:t>
-            </a:r>
-            <a:r>
-              <a:rPr lang="en-US" dirty="0" err="1">
-                <a:latin typeface="Consolas" panose="020B0609020204030204" pitchFamily="49" charset="0"/>
-              </a:rPr>
-              <a:t>Craquline</a:t>
-            </a:r>
-            <a:r>
-              <a:rPr lang="en-US" dirty="0">
-                <a:latin typeface="Consolas" panose="020B0609020204030204" pitchFamily="49" charset="0"/>
-              </a:rPr>
-              <a:t> - 82-83; </a:t>
-            </a:r>
-            <a:r>
-              <a:rPr lang="en-US" dirty="0">
-                <a:solidFill>
-                  <a:srgbClr val="FF0000"/>
-                </a:solidFill>
-                <a:latin typeface="Consolas" panose="020B0609020204030204" pitchFamily="49" charset="0"/>
-              </a:rPr>
-              <a:t>[1]</a:t>
-            </a:r>
-            <a:r>
-              <a:rPr lang="en-US" dirty="0">
-                <a:latin typeface="Consolas" panose="020B0609020204030204" pitchFamily="49" charset="0"/>
-              </a:rPr>
-              <a:t> Frangipane – 239; </a:t>
-            </a:r>
-            <a:r>
-              <a:rPr lang="en-US" dirty="0">
-                <a:solidFill>
-                  <a:srgbClr val="FF0000"/>
-                </a:solidFill>
-                <a:latin typeface="Consolas" panose="020B0609020204030204" pitchFamily="49" charset="0"/>
-              </a:rPr>
-              <a:t>[1]</a:t>
-            </a:r>
-            <a:r>
-              <a:rPr lang="en-US" dirty="0">
-                <a:latin typeface="Consolas" panose="020B0609020204030204" pitchFamily="49" charset="0"/>
-              </a:rPr>
-              <a:t>-Hazel</a:t>
-            </a:r>
-            <a:r>
-              <a:rPr lang="en-US" dirty="0">
-                <a:solidFill>
-                  <a:srgbClr val="7030A0"/>
-                </a:solidFill>
-                <a:latin typeface="Consolas" panose="020B0609020204030204" pitchFamily="49" charset="0"/>
-              </a:rPr>
-              <a:t>{2}</a:t>
-            </a:r>
-            <a:r>
-              <a:rPr lang="en-US" dirty="0">
-                <a:latin typeface="Consolas" panose="020B0609020204030204" pitchFamily="49" charset="0"/>
-              </a:rPr>
-              <a:t> </a:t>
-            </a:r>
-          </a:p>
-          <a:p>
-            <a:pPr marL="0" indent="0">
-              <a:buNone/>
-              <a:tabLst>
-                <a:tab pos="9604375" algn="l"/>
-              </a:tabLst>
-            </a:pPr>
-            <a:r>
-              <a:rPr lang="en-US" dirty="0">
-                <a:latin typeface="Consolas" panose="020B0609020204030204" pitchFamily="49" charset="0"/>
-              </a:rPr>
-              <a:t>Dacquoise - 196-199; </a:t>
-            </a:r>
-            <a:r>
-              <a:rPr lang="en-US" dirty="0">
-                <a:solidFill>
-                  <a:srgbClr val="FF0000"/>
-                </a:solidFill>
-                <a:latin typeface="Consolas" panose="020B0609020204030204" pitchFamily="49" charset="0"/>
-              </a:rPr>
-              <a:t>[1]</a:t>
-            </a:r>
-            <a:r>
-              <a:rPr lang="en-US" dirty="0">
-                <a:latin typeface="Consolas" panose="020B0609020204030204" pitchFamily="49" charset="0"/>
-              </a:rPr>
-              <a:t> Meringue Clouds - 126-127; </a:t>
-            </a:r>
-            <a:r>
-              <a:rPr lang="en-US" dirty="0">
-                <a:solidFill>
-                  <a:srgbClr val="FF0000"/>
-                </a:solidFill>
-                <a:latin typeface="Consolas" panose="020B0609020204030204" pitchFamily="49" charset="0"/>
-              </a:rPr>
-              <a:t>[1]</a:t>
-            </a:r>
-            <a:r>
-              <a:rPr lang="en-US" dirty="0">
-                <a:latin typeface="Consolas" panose="020B0609020204030204" pitchFamily="49" charset="0"/>
-              </a:rPr>
-              <a:t> Mixed Nut Brittle - 284-285; </a:t>
-            </a:r>
-          </a:p>
-          <a:p>
-            <a:pPr marL="0" indent="0">
-              <a:buNone/>
-              <a:tabLst>
-                <a:tab pos="9604375" algn="l"/>
-              </a:tabLst>
-            </a:pPr>
-            <a:r>
-              <a:rPr lang="en-US" dirty="0">
-                <a:solidFill>
-                  <a:srgbClr val="FF0000"/>
-                </a:solidFill>
-                <a:latin typeface="Consolas" panose="020B0609020204030204" pitchFamily="49" charset="0"/>
-              </a:rPr>
-              <a:t>[1]</a:t>
-            </a:r>
-            <a:r>
-              <a:rPr lang="en-US" dirty="0">
-                <a:latin typeface="Consolas" panose="020B0609020204030204" pitchFamily="49" charset="0"/>
-              </a:rPr>
-              <a:t> </a:t>
-            </a:r>
-            <a:r>
-              <a:rPr lang="en-US" dirty="0">
-                <a:solidFill>
-                  <a:schemeClr val="accent1"/>
-                </a:solidFill>
-                <a:latin typeface="Consolas" panose="020B0609020204030204" pitchFamily="49" charset="0"/>
-              </a:rPr>
-              <a:t>{3}</a:t>
-            </a:r>
-            <a:r>
-              <a:rPr lang="en-US" dirty="0">
-                <a:latin typeface="Consolas" panose="020B0609020204030204" pitchFamily="49" charset="0"/>
-              </a:rPr>
-              <a:t> – 101; </a:t>
-            </a:r>
-            <a:r>
-              <a:rPr lang="en-US" dirty="0">
-                <a:solidFill>
-                  <a:srgbClr val="FF0000"/>
-                </a:solidFill>
-                <a:latin typeface="Consolas" panose="020B0609020204030204" pitchFamily="49" charset="0"/>
-              </a:rPr>
-              <a:t>[1]</a:t>
-            </a:r>
-            <a:r>
-              <a:rPr lang="en-US" dirty="0">
-                <a:latin typeface="Consolas" panose="020B0609020204030204" pitchFamily="49" charset="0"/>
-              </a:rPr>
-              <a:t> </a:t>
-            </a:r>
-            <a:r>
-              <a:rPr lang="en-US" dirty="0" err="1">
-                <a:latin typeface="Consolas" panose="020B0609020204030204" pitchFamily="49" charset="0"/>
-              </a:rPr>
-              <a:t>Ooey</a:t>
-            </a:r>
-            <a:r>
-              <a:rPr lang="en-US" dirty="0">
-                <a:latin typeface="Consolas" panose="020B0609020204030204" pitchFamily="49" charset="0"/>
-              </a:rPr>
-              <a:t>, Gooey </a:t>
-            </a:r>
-            <a:r>
-              <a:rPr lang="en-US" dirty="0">
-                <a:solidFill>
-                  <a:srgbClr val="FFC000"/>
-                </a:solidFill>
-                <a:latin typeface="Consolas" panose="020B0609020204030204" pitchFamily="49" charset="0"/>
-              </a:rPr>
-              <a:t>{4}</a:t>
-            </a:r>
-            <a:r>
-              <a:rPr lang="en-US" dirty="0">
-                <a:latin typeface="Consolas" panose="020B0609020204030204" pitchFamily="49" charset="0"/>
-              </a:rPr>
-              <a:t>-</a:t>
-            </a:r>
-            <a:r>
-              <a:rPr lang="en-US" dirty="0">
-                <a:solidFill>
-                  <a:srgbClr val="7030A0"/>
-                </a:solidFill>
-                <a:latin typeface="Consolas" panose="020B0609020204030204" pitchFamily="49" charset="0"/>
-              </a:rPr>
-              <a:t>{2}</a:t>
-            </a:r>
-            <a:r>
-              <a:rPr lang="en-US" dirty="0">
-                <a:latin typeface="Consolas" panose="020B0609020204030204" pitchFamily="49" charset="0"/>
-              </a:rPr>
-              <a:t> Tart - 228-229; </a:t>
-            </a:r>
-            <a:r>
-              <a:rPr lang="en-US" dirty="0">
-                <a:solidFill>
-                  <a:srgbClr val="FF0000"/>
-                </a:solidFill>
-                <a:latin typeface="Consolas" panose="020B0609020204030204" pitchFamily="49" charset="0"/>
-              </a:rPr>
-              <a:t>[1]</a:t>
-            </a:r>
-            <a:r>
-              <a:rPr lang="en-US" dirty="0">
-                <a:latin typeface="Consolas" panose="020B0609020204030204" pitchFamily="49" charset="0"/>
-              </a:rPr>
-              <a:t> Roasted Pear and Cranberry</a:t>
-            </a:r>
-          </a:p>
-          <a:p>
-            <a:pPr marL="0" indent="0">
-              <a:buNone/>
-              <a:tabLst>
-                <a:tab pos="9604375" algn="l"/>
-              </a:tabLst>
-            </a:pPr>
-            <a:r>
-              <a:rPr lang="en-US" dirty="0">
-                <a:latin typeface="Consolas" panose="020B0609020204030204" pitchFamily="49" charset="0"/>
-              </a:rPr>
-              <a:t>Crostata - 237-239; </a:t>
-            </a:r>
-            <a:r>
-              <a:rPr lang="en-US" dirty="0">
-                <a:solidFill>
-                  <a:srgbClr val="FF0000"/>
-                </a:solidFill>
-                <a:latin typeface="Consolas" panose="020B0609020204030204" pitchFamily="49" charset="0"/>
-              </a:rPr>
-              <a:t>[1]</a:t>
-            </a:r>
-            <a:r>
-              <a:rPr lang="en-US" dirty="0">
-                <a:latin typeface="Consolas" panose="020B0609020204030204" pitchFamily="49" charset="0"/>
-              </a:rPr>
-              <a:t> roasting – 34; Angel Food Cake with Toasted Coco</a:t>
-            </a:r>
-            <a:r>
-              <a:rPr lang="en-US" dirty="0">
-                <a:solidFill>
-                  <a:srgbClr val="7030A0"/>
-                </a:solidFill>
-                <a:latin typeface="Consolas" panose="020B0609020204030204" pitchFamily="49" charset="0"/>
-              </a:rPr>
-              <a:t>{2}</a:t>
-            </a:r>
-            <a:r>
-              <a:rPr lang="en-US" dirty="0">
-                <a:latin typeface="Consolas" panose="020B0609020204030204" pitchFamily="49" charset="0"/>
-              </a:rPr>
-              <a:t> – 178-179;</a:t>
-            </a:r>
-          </a:p>
-          <a:p>
-            <a:pPr marL="0" indent="0">
-              <a:buNone/>
-              <a:tabLst>
-                <a:tab pos="9604375" algn="l"/>
-              </a:tabLst>
-            </a:pPr>
-            <a:r>
-              <a:rPr lang="en-US" dirty="0">
-                <a:solidFill>
-                  <a:srgbClr val="00B0F0"/>
-                </a:solidFill>
-                <a:latin typeface="Consolas" panose="020B0609020204030204" pitchFamily="49" charset="0"/>
-              </a:rPr>
-              <a:t>{5}</a:t>
-            </a:r>
-            <a:r>
-              <a:rPr lang="en-US" dirty="0">
-                <a:latin typeface="Consolas" panose="020B0609020204030204" pitchFamily="49" charset="0"/>
-              </a:rPr>
-              <a:t> and Quince Tarte Tatin – 233-235; </a:t>
-            </a:r>
-            <a:r>
-              <a:rPr lang="en-US" dirty="0">
-                <a:solidFill>
-                  <a:srgbClr val="00B0F0"/>
-                </a:solidFill>
-                <a:latin typeface="Consolas" panose="020B0609020204030204" pitchFamily="49" charset="0"/>
-              </a:rPr>
-              <a:t>{5}</a:t>
-            </a:r>
-            <a:r>
-              <a:rPr lang="en-US" dirty="0">
-                <a:latin typeface="Consolas" panose="020B0609020204030204" pitchFamily="49" charset="0"/>
-              </a:rPr>
-              <a:t>, Cinnamon, and Brown Sugar Filling – 90; </a:t>
-            </a:r>
-            <a:r>
-              <a:rPr lang="en-US" dirty="0">
-                <a:solidFill>
-                  <a:srgbClr val="00B0F0"/>
-                </a:solidFill>
-                <a:latin typeface="Consolas" panose="020B0609020204030204" pitchFamily="49" charset="0"/>
-              </a:rPr>
-              <a:t>{5}</a:t>
-            </a:r>
-            <a:r>
-              <a:rPr lang="en-US" dirty="0">
-                <a:latin typeface="Consolas" panose="020B0609020204030204" pitchFamily="49" charset="0"/>
-              </a:rPr>
-              <a:t> </a:t>
-            </a:r>
-          </a:p>
-          <a:p>
-            <a:pPr marL="0" indent="0">
-              <a:buNone/>
-              <a:tabLst>
-                <a:tab pos="9604375" algn="l"/>
-              </a:tabLst>
-            </a:pPr>
-            <a:r>
-              <a:rPr lang="en-US" dirty="0">
-                <a:latin typeface="Consolas" panose="020B0609020204030204" pitchFamily="49" charset="0"/>
-              </a:rPr>
-              <a:t>Snacking Spice Cake – 64-65; </a:t>
-            </a:r>
-            <a:r>
-              <a:rPr lang="en-US" dirty="0">
-                <a:solidFill>
-                  <a:srgbClr val="00B0F0"/>
-                </a:solidFill>
-                <a:latin typeface="Consolas" panose="020B0609020204030204" pitchFamily="49" charset="0"/>
-              </a:rPr>
-              <a:t>{5}</a:t>
-            </a:r>
-            <a:r>
-              <a:rPr lang="en-US" dirty="0">
-                <a:latin typeface="Consolas" panose="020B0609020204030204" pitchFamily="49" charset="0"/>
-              </a:rPr>
-              <a:t>-Raisin Charlottes with Vanilla </a:t>
-            </a:r>
-            <a:r>
-              <a:rPr lang="en-US" dirty="0">
-                <a:solidFill>
-                  <a:srgbClr val="FFC000"/>
-                </a:solidFill>
-                <a:latin typeface="Consolas" panose="020B0609020204030204" pitchFamily="49" charset="0"/>
-              </a:rPr>
-              <a:t>{4}</a:t>
-            </a:r>
-            <a:r>
-              <a:rPr lang="en-US" dirty="0">
-                <a:latin typeface="Consolas" panose="020B0609020204030204" pitchFamily="49" charset="0"/>
-              </a:rPr>
-              <a:t> Sauce – 272-273; </a:t>
-            </a:r>
-          </a:p>
-          <a:p>
-            <a:pPr marL="0" indent="0">
-              <a:buNone/>
-              <a:tabLst>
-                <a:tab pos="9604375" algn="l"/>
-              </a:tabLst>
-            </a:pPr>
-            <a:r>
-              <a:rPr lang="en-US" dirty="0">
-                <a:latin typeface="Consolas" panose="020B0609020204030204" pitchFamily="49" charset="0"/>
-              </a:rPr>
-              <a:t>Double Two-</a:t>
-            </a:r>
-            <a:r>
-              <a:rPr lang="en-US" dirty="0">
-                <a:solidFill>
-                  <a:srgbClr val="00B0F0"/>
-                </a:solidFill>
-                <a:latin typeface="Consolas" panose="020B0609020204030204" pitchFamily="49" charset="0"/>
-              </a:rPr>
-              <a:t>{5}</a:t>
-            </a:r>
-            <a:r>
-              <a:rPr lang="en-US" dirty="0">
-                <a:latin typeface="Consolas" panose="020B0609020204030204" pitchFamily="49" charset="0"/>
-              </a:rPr>
-              <a:t> Pie – 203-205; </a:t>
-            </a:r>
-            <a:r>
-              <a:rPr lang="en-US" dirty="0">
-                <a:solidFill>
-                  <a:srgbClr val="00B0F0"/>
-                </a:solidFill>
-                <a:latin typeface="Consolas" panose="020B0609020204030204" pitchFamily="49" charset="0"/>
-              </a:rPr>
-              <a:t>{5}</a:t>
-            </a:r>
-            <a:r>
-              <a:rPr lang="en-US" dirty="0">
-                <a:latin typeface="Consolas" panose="020B0609020204030204" pitchFamily="49" charset="0"/>
-              </a:rPr>
-              <a:t> Good Morning </a:t>
-            </a:r>
-            <a:r>
-              <a:rPr lang="en-US" dirty="0">
-                <a:solidFill>
-                  <a:srgbClr val="FF6600"/>
-                </a:solidFill>
-                <a:latin typeface="Consolas" panose="020B0609020204030204" pitchFamily="49" charset="0"/>
-              </a:rPr>
-              <a:t>{9}</a:t>
-            </a:r>
-            <a:r>
-              <a:rPr lang="en-US" dirty="0">
-                <a:latin typeface="Consolas" panose="020B0609020204030204" pitchFamily="49" charset="0"/>
-              </a:rPr>
-              <a:t> – 60-61; </a:t>
-            </a:r>
-            <a:r>
-              <a:rPr lang="en-US" dirty="0">
-                <a:solidFill>
-                  <a:srgbClr val="00B0F0"/>
-                </a:solidFill>
-                <a:latin typeface="Consolas" panose="020B0609020204030204" pitchFamily="49" charset="0"/>
-              </a:rPr>
-              <a:t>{5}</a:t>
-            </a:r>
-            <a:r>
-              <a:rPr lang="en-US" dirty="0">
-                <a:latin typeface="Consolas" panose="020B0609020204030204" pitchFamily="49" charset="0"/>
-              </a:rPr>
-              <a:t> </a:t>
-            </a:r>
-            <a:r>
-              <a:rPr lang="en-US" dirty="0">
-                <a:solidFill>
-                  <a:schemeClr val="accent1"/>
-                </a:solidFill>
-                <a:latin typeface="Consolas" panose="020B0609020204030204" pitchFamily="49" charset="0"/>
-              </a:rPr>
-              <a:t>{3}</a:t>
-            </a:r>
-            <a:r>
-              <a:rPr lang="en-US" dirty="0">
-                <a:latin typeface="Consolas" panose="020B0609020204030204" pitchFamily="49" charset="0"/>
-              </a:rPr>
-              <a:t> Bars – 154-156; </a:t>
-            </a:r>
-          </a:p>
-          <a:p>
-            <a:pPr marL="0" indent="0">
-              <a:buNone/>
-              <a:tabLst>
-                <a:tab pos="9604375" algn="l"/>
-              </a:tabLst>
-            </a:pPr>
-            <a:r>
-              <a:rPr lang="en-US" dirty="0">
-                <a:solidFill>
-                  <a:srgbClr val="00B0F0"/>
-                </a:solidFill>
-                <a:latin typeface="Consolas" panose="020B0609020204030204" pitchFamily="49" charset="0"/>
-              </a:rPr>
-              <a:t>{5}</a:t>
-            </a:r>
-            <a:r>
-              <a:rPr lang="en-US" dirty="0">
-                <a:latin typeface="Consolas" panose="020B0609020204030204" pitchFamily="49" charset="0"/>
-              </a:rPr>
-              <a:t> Heart-Healthy Dried Fruit Scones – 50-51; </a:t>
-            </a:r>
-            <a:r>
-              <a:rPr lang="en-US" dirty="0">
-                <a:solidFill>
-                  <a:srgbClr val="00B0F0"/>
-                </a:solidFill>
-                <a:latin typeface="Consolas" panose="020B0609020204030204" pitchFamily="49" charset="0"/>
-              </a:rPr>
-              <a:t>{5}</a:t>
-            </a:r>
-            <a:r>
-              <a:rPr lang="en-US" dirty="0">
-                <a:latin typeface="Consolas" panose="020B0609020204030204" pitchFamily="49" charset="0"/>
-              </a:rPr>
-              <a:t> Homemade Pop-Tarts – 88-91; Bacon and</a:t>
-            </a:r>
-          </a:p>
-          <a:p>
-            <a:pPr marL="0" indent="0">
-              <a:buNone/>
-              <a:tabLst>
-                <a:tab pos="9604375" algn="l"/>
-              </a:tabLst>
-            </a:pPr>
-            <a:r>
-              <a:rPr lang="en-US" dirty="0">
-                <a:solidFill>
-                  <a:srgbClr val="FFC000"/>
-                </a:solidFill>
-                <a:latin typeface="Consolas" panose="020B0609020204030204" pitchFamily="49" charset="0"/>
-              </a:rPr>
-              <a:t>{4}</a:t>
-            </a:r>
-            <a:r>
-              <a:rPr lang="en-US" dirty="0" err="1">
-                <a:latin typeface="Consolas" panose="020B0609020204030204" pitchFamily="49" charset="0"/>
-              </a:rPr>
-              <a:t>ized</a:t>
-            </a:r>
-            <a:r>
-              <a:rPr lang="en-US" dirty="0">
-                <a:latin typeface="Consolas" panose="020B0609020204030204" pitchFamily="49" charset="0"/>
-              </a:rPr>
-              <a:t> Onion Quiche – 241; </a:t>
-            </a:r>
-            <a:r>
-              <a:rPr lang="en-US" dirty="0">
-                <a:solidFill>
-                  <a:srgbClr val="00B050"/>
-                </a:solidFill>
-                <a:latin typeface="Consolas" panose="020B0609020204030204" pitchFamily="49" charset="0"/>
-              </a:rPr>
-              <a:t>{6}</a:t>
-            </a:r>
-            <a:r>
-              <a:rPr lang="en-US" dirty="0">
-                <a:latin typeface="Consolas" panose="020B0609020204030204" pitchFamily="49" charset="0"/>
-              </a:rPr>
-              <a:t> pans – 21-22; </a:t>
-            </a:r>
-            <a:r>
-              <a:rPr lang="en-US" dirty="0">
-                <a:solidFill>
-                  <a:srgbClr val="00B050"/>
-                </a:solidFill>
-                <a:latin typeface="Consolas" panose="020B0609020204030204" pitchFamily="49" charset="0"/>
-              </a:rPr>
-              <a:t>{6}</a:t>
-            </a:r>
-            <a:r>
-              <a:rPr lang="en-US" dirty="0">
-                <a:latin typeface="Consolas" panose="020B0609020204030204" pitchFamily="49" charset="0"/>
-              </a:rPr>
-              <a:t> sheets – 22; </a:t>
-            </a:r>
-            <a:r>
-              <a:rPr lang="en-US" dirty="0">
-                <a:solidFill>
-                  <a:srgbClr val="00B050"/>
-                </a:solidFill>
-                <a:latin typeface="Consolas" panose="020B0609020204030204" pitchFamily="49" charset="0"/>
-              </a:rPr>
-              <a:t>{6}</a:t>
-            </a:r>
-            <a:r>
-              <a:rPr lang="en-US" dirty="0">
-                <a:latin typeface="Consolas" panose="020B0609020204030204" pitchFamily="49" charset="0"/>
-              </a:rPr>
-              <a:t> tips – 31-37; </a:t>
-            </a:r>
-            <a:r>
-              <a:rPr lang="en-US" dirty="0">
-                <a:solidFill>
-                  <a:schemeClr val="tx1">
-                    <a:lumMod val="50000"/>
-                    <a:lumOff val="50000"/>
-                  </a:schemeClr>
-                </a:solidFill>
-                <a:latin typeface="Consolas" panose="020B0609020204030204" pitchFamily="49" charset="0"/>
-              </a:rPr>
-              <a:t>{7}</a:t>
-            </a:r>
-            <a:r>
-              <a:rPr lang="en-US" dirty="0">
-                <a:solidFill>
-                  <a:srgbClr val="FF33CC"/>
-                </a:solidFill>
-                <a:latin typeface="Consolas" panose="020B0609020204030204" pitchFamily="49" charset="0"/>
-              </a:rPr>
-              <a:t> </a:t>
-            </a:r>
-          </a:p>
-          <a:p>
-            <a:pPr marL="0" indent="0">
-              <a:buNone/>
-              <a:tabLst>
-                <a:tab pos="9604375" algn="l"/>
-              </a:tabLst>
-            </a:pPr>
-            <a:r>
-              <a:rPr lang="en-US" dirty="0">
-                <a:solidFill>
-                  <a:srgbClr val="FF33CC"/>
-                </a:solidFill>
-                <a:latin typeface="Consolas" panose="020B0609020204030204" pitchFamily="49" charset="0"/>
-              </a:rPr>
-              <a:t>{8}</a:t>
-            </a:r>
-            <a:r>
-              <a:rPr lang="en-US" dirty="0">
-                <a:latin typeface="Consolas" panose="020B0609020204030204" pitchFamily="49" charset="0"/>
-              </a:rPr>
-              <a:t> Pudding – 254-255; </a:t>
-            </a:r>
-            <a:r>
-              <a:rPr lang="en-US" dirty="0">
-                <a:solidFill>
-                  <a:schemeClr val="tx1">
-                    <a:lumMod val="50000"/>
-                    <a:lumOff val="50000"/>
-                  </a:schemeClr>
-                </a:solidFill>
-                <a:latin typeface="Consolas" panose="020B0609020204030204" pitchFamily="49" charset="0"/>
-              </a:rPr>
-              <a:t>{7}</a:t>
-            </a:r>
-            <a:r>
-              <a:rPr lang="en-US" dirty="0">
-                <a:latin typeface="Consolas" panose="020B0609020204030204" pitchFamily="49" charset="0"/>
-              </a:rPr>
-              <a:t> </a:t>
-            </a:r>
-            <a:r>
-              <a:rPr lang="en-US" dirty="0">
-                <a:solidFill>
-                  <a:srgbClr val="FF33CC"/>
-                </a:solidFill>
-                <a:latin typeface="Consolas" panose="020B0609020204030204" pitchFamily="49" charset="0"/>
-              </a:rPr>
-              <a:t>{8}</a:t>
-            </a:r>
-            <a:r>
-              <a:rPr lang="en-US" dirty="0">
-                <a:latin typeface="Consolas" panose="020B0609020204030204" pitchFamily="49" charset="0"/>
-              </a:rPr>
-              <a:t> – 66; Basic Brioche – 73-74;</a:t>
-            </a:r>
-          </a:p>
-          <a:p>
-            <a:pPr marL="0" indent="0">
-              <a:buNone/>
-              <a:tabLst>
-                <a:tab pos="9604375" algn="l"/>
-              </a:tabLst>
-            </a:pPr>
-            <a:endParaRPr lang="en-US" dirty="0">
-              <a:latin typeface="Consolas" panose="020B0609020204030204" pitchFamily="49" charset="0"/>
-            </a:endParaRPr>
-          </a:p>
-        </p:txBody>
-      </p:sp>
-    </p:spTree>
-    <p:extLst>
-      <p:ext uri="{BB962C8B-B14F-4D97-AF65-F5344CB8AC3E}">
-        <p14:creationId xmlns:p14="http://schemas.microsoft.com/office/powerpoint/2010/main" val="1269145179"/>
-      </p:ext>
-    </p:extLst>
-  </p:cSld>
-  <p:clrMapOvr>
-    <a:masterClrMapping/>
-  </p:clrMapOvr>
-</p:sld>
-</file>
-
-<file path=ppt/slides/slide41.xml><?xml version="1.0" encoding="utf-8"?>
-<p:sld xmlns:a="http://schemas.openxmlformats.org/drawingml/2006/main" xmlns:r="http://schemas.openxmlformats.org/officeDocument/2006/relationships" xmlns:p="http://schemas.openxmlformats.org/presentationml/2006/main">
-  <p:cSld>
-    <p:spTree>
-      <p:nvGrpSpPr>
-        <p:cNvPr id="1" name=""/>
-        <p:cNvGrpSpPr/>
-        <p:nvPr/>
-      </p:nvGrpSpPr>
-      <p:grpSpPr>
-        <a:xfrm>
-          <a:off x="0" y="0"/>
-          <a:ext cx="0" cy="0"/>
-          <a:chOff x="0" y="0"/>
-          <a:chExt cx="0" cy="0"/>
-        </a:xfrm>
-      </p:grpSpPr>
-      <p:sp>
-        <p:nvSpPr>
           <p:cNvPr id="2" name="Title 1"/>
           <p:cNvSpPr>
             <a:spLocks noGrp="1"/>
@@ -23103,7 +23013,7 @@
 </p:sld>
 </file>
 
-<file path=ppt/slides/slide42.xml><?xml version="1.0" encoding="utf-8"?>
+<file path=ppt/slides/slide41.xml><?xml version="1.0" encoding="utf-8"?>
 <p:sld xmlns:a="http://schemas.openxmlformats.org/drawingml/2006/main" xmlns:r="http://schemas.openxmlformats.org/officeDocument/2006/relationships" xmlns:p="http://schemas.openxmlformats.org/presentationml/2006/main">
   <p:cSld>
     <p:spTree>
@@ -23879,7 +23789,7 @@
 </p:sld>
 </file>
 
-<file path=ppt/slides/slide43.xml><?xml version="1.0" encoding="utf-8"?>
+<file path=ppt/slides/slide42.xml><?xml version="1.0" encoding="utf-8"?>
 <p:sld xmlns:a="http://schemas.openxmlformats.org/drawingml/2006/main" xmlns:r="http://schemas.openxmlformats.org/officeDocument/2006/relationships" xmlns:p="http://schemas.openxmlformats.org/presentationml/2006/main">
   <p:cSld>
     <p:spTree>
@@ -24601,7 +24511,7 @@
 </p:sld>
 </file>
 
-<file path=ppt/slides/slide44.xml><?xml version="1.0" encoding="utf-8"?>
+<file path=ppt/slides/slide43.xml><?xml version="1.0" encoding="utf-8"?>
 <p:sld xmlns:a="http://schemas.openxmlformats.org/drawingml/2006/main" xmlns:r="http://schemas.openxmlformats.org/officeDocument/2006/relationships" xmlns:p="http://schemas.openxmlformats.org/presentationml/2006/main">
   <p:cSld>
     <p:spTree>
@@ -25418,7 +25328,7 @@
 </p:sld>
 </file>
 
-<file path=ppt/slides/slide45.xml><?xml version="1.0" encoding="utf-8"?>
+<file path=ppt/slides/slide44.xml><?xml version="1.0" encoding="utf-8"?>
 <p:sld xmlns:a="http://schemas.openxmlformats.org/drawingml/2006/main" xmlns:r="http://schemas.openxmlformats.org/officeDocument/2006/relationships" xmlns:p="http://schemas.openxmlformats.org/presentationml/2006/main">
   <p:cSld>
     <p:spTree>
@@ -26197,7 +26107,7 @@
 </p:sld>
 </file>
 
-<file path=ppt/slides/slide46.xml><?xml version="1.0" encoding="utf-8"?>
+<file path=ppt/slides/slide45.xml><?xml version="1.0" encoding="utf-8"?>
 <p:sld xmlns:a="http://schemas.openxmlformats.org/drawingml/2006/main" xmlns:r="http://schemas.openxmlformats.org/officeDocument/2006/relationships" xmlns:p="http://schemas.openxmlformats.org/presentationml/2006/main">
   <p:cSld>
     <p:spTree>
@@ -26985,7 +26895,7 @@
 </p:sld>
 </file>
 
-<file path=ppt/slides/slide47.xml><?xml version="1.0" encoding="utf-8"?>
+<file path=ppt/slides/slide46.xml><?xml version="1.0" encoding="utf-8"?>
 <p:sld xmlns:a="http://schemas.openxmlformats.org/drawingml/2006/main" xmlns:r="http://schemas.openxmlformats.org/officeDocument/2006/relationships" xmlns:p="http://schemas.openxmlformats.org/presentationml/2006/main">
   <p:cSld>
     <p:spTree>
@@ -27740,7 +27650,7 @@
 </p:sld>
 </file>
 
-<file path=ppt/slides/slide48.xml><?xml version="1.0" encoding="utf-8"?>
+<file path=ppt/slides/slide47.xml><?xml version="1.0" encoding="utf-8"?>
 <p:sld xmlns:a="http://schemas.openxmlformats.org/drawingml/2006/main" xmlns:r="http://schemas.openxmlformats.org/officeDocument/2006/relationships" xmlns:p="http://schemas.openxmlformats.org/presentationml/2006/main">
   <p:cSld>
     <p:spTree>
@@ -28675,7 +28585,7 @@
 </p:sld>
 </file>
 
-<file path=ppt/slides/slide49.xml><?xml version="1.0" encoding="utf-8"?>
+<file path=ppt/slides/slide48.xml><?xml version="1.0" encoding="utf-8"?>
 <p:sld xmlns:a="http://schemas.openxmlformats.org/drawingml/2006/main" xmlns:r="http://schemas.openxmlformats.org/officeDocument/2006/relationships" xmlns:p="http://schemas.openxmlformats.org/presentationml/2006/main">
   <p:cSld>
     <p:spTree>
@@ -29446,121 +29356,7 @@
 </p:sld>
 </file>
 
-<file path=ppt/slides/slide5.xml><?xml version="1.0" encoding="utf-8"?>
-<p:sld xmlns:a="http://schemas.openxmlformats.org/drawingml/2006/main" xmlns:r="http://schemas.openxmlformats.org/officeDocument/2006/relationships" xmlns:p="http://schemas.openxmlformats.org/presentationml/2006/main">
-  <p:cSld>
-    <p:spTree>
-      <p:nvGrpSpPr>
-        <p:cNvPr id="1" name=""/>
-        <p:cNvGrpSpPr/>
-        <p:nvPr/>
-      </p:nvGrpSpPr>
-      <p:grpSpPr>
-        <a:xfrm>
-          <a:off x="0" y="0"/>
-          <a:ext cx="0" cy="0"/>
-          <a:chOff x="0" y="0"/>
-          <a:chExt cx="0" cy="0"/>
-        </a:xfrm>
-      </p:grpSpPr>
-      <p:sp>
-        <p:nvSpPr>
-          <p:cNvPr id="2" name="Title 1"/>
-          <p:cNvSpPr>
-            <a:spLocks noGrp="1"/>
-          </p:cNvSpPr>
-          <p:nvPr>
-            <p:ph type="title"/>
-          </p:nvPr>
-        </p:nvSpPr>
-        <p:spPr/>
-        <p:txBody>
-          <a:bodyPr/>
-          <a:lstStyle/>
-          <a:p>
-            <a:r>
-              <a:rPr lang="en-US" dirty="0"/>
-              <a:t>Smoot Wisdom</a:t>
-            </a:r>
-          </a:p>
-        </p:txBody>
-      </p:sp>
-      <p:sp>
-        <p:nvSpPr>
-          <p:cNvPr id="3" name="Content Placeholder 2"/>
-          <p:cNvSpPr>
-            <a:spLocks noGrp="1"/>
-          </p:cNvSpPr>
-          <p:nvPr>
-            <p:ph idx="1"/>
-          </p:nvPr>
-        </p:nvSpPr>
-        <p:spPr>
-          <a:xfrm>
-            <a:off x="816864" y="1803399"/>
-            <a:ext cx="10871200" cy="4852437"/>
-          </a:xfrm>
-        </p:spPr>
-        <p:txBody>
-          <a:bodyPr>
-            <a:normAutofit/>
-          </a:bodyPr>
-          <a:lstStyle/>
-          <a:p>
-            <a:pPr marL="0" indent="0">
-              <a:buNone/>
-            </a:pPr>
-            <a:r>
-              <a:rPr lang="en-US" sz="6600" dirty="0"/>
-              <a:t>"Things that you pay no attention to at the </a:t>
-            </a:r>
-            <a:r>
-              <a:rPr lang="en-US" sz="6600"/>
-              <a:t>time can have </a:t>
-            </a:r>
-            <a:r>
-              <a:rPr lang="en-US" sz="6600" dirty="0"/>
-              <a:t>big consequences." </a:t>
-            </a:r>
-            <a:br>
-              <a:rPr lang="en-US" dirty="0"/>
-            </a:br>
-            <a:r>
-              <a:rPr lang="en-US" dirty="0"/>
-              <a:t>~Oliver Smoot</a:t>
-            </a:r>
-            <a:br>
-              <a:rPr lang="en-US" dirty="0"/>
-            </a:br>
-            <a:r>
-              <a:rPr lang="en-US" sz="3200" dirty="0"/>
-              <a:t>Interview with Radio Boston, WBUR, May 6, 2016</a:t>
-            </a:r>
-            <a:br>
-              <a:rPr lang="en-US" sz="3200" dirty="0"/>
-            </a:br>
-            <a:r>
-              <a:rPr lang="en-US" sz="1400" dirty="0"/>
-              <a:t>http://radioboston.wbur.org/2016/05/06/ollie-smoot-the-official-unit-of-measure-for-the-harvard-bridge</a:t>
-            </a:r>
-            <a:endParaRPr lang="en-US" dirty="0"/>
-          </a:p>
-        </p:txBody>
-      </p:sp>
-    </p:spTree>
-    <p:extLst>
-      <p:ext uri="{BB962C8B-B14F-4D97-AF65-F5344CB8AC3E}">
-        <p14:creationId xmlns:p14="http://schemas.microsoft.com/office/powerpoint/2010/main" val="2305406425"/>
-      </p:ext>
-    </p:extLst>
-  </p:cSld>
-  <p:clrMapOvr>
-    <a:masterClrMapping/>
-  </p:clrMapOvr>
-</p:sld>
-</file>
-
-<file path=ppt/slides/slide50.xml><?xml version="1.0" encoding="utf-8"?>
+<file path=ppt/slides/slide49.xml><?xml version="1.0" encoding="utf-8"?>
 <p:sld xmlns:a="http://schemas.openxmlformats.org/drawingml/2006/main" xmlns:r="http://schemas.openxmlformats.org/officeDocument/2006/relationships" xmlns:p="http://schemas.openxmlformats.org/presentationml/2006/main">
   <p:cSld>
     <p:spTree>
@@ -30958,7 +30754,121 @@
 </p:sld>
 </file>
 
-<file path=ppt/slides/slide51.xml><?xml version="1.0" encoding="utf-8"?>
+<file path=ppt/slides/slide5.xml><?xml version="1.0" encoding="utf-8"?>
+<p:sld xmlns:a="http://schemas.openxmlformats.org/drawingml/2006/main" xmlns:r="http://schemas.openxmlformats.org/officeDocument/2006/relationships" xmlns:p="http://schemas.openxmlformats.org/presentationml/2006/main">
+  <p:cSld>
+    <p:spTree>
+      <p:nvGrpSpPr>
+        <p:cNvPr id="1" name=""/>
+        <p:cNvGrpSpPr/>
+        <p:nvPr/>
+      </p:nvGrpSpPr>
+      <p:grpSpPr>
+        <a:xfrm>
+          <a:off x="0" y="0"/>
+          <a:ext cx="0" cy="0"/>
+          <a:chOff x="0" y="0"/>
+          <a:chExt cx="0" cy="0"/>
+        </a:xfrm>
+      </p:grpSpPr>
+      <p:sp>
+        <p:nvSpPr>
+          <p:cNvPr id="2" name="Title 1"/>
+          <p:cNvSpPr>
+            <a:spLocks noGrp="1"/>
+          </p:cNvSpPr>
+          <p:nvPr>
+            <p:ph type="title"/>
+          </p:nvPr>
+        </p:nvSpPr>
+        <p:spPr/>
+        <p:txBody>
+          <a:bodyPr/>
+          <a:lstStyle/>
+          <a:p>
+            <a:r>
+              <a:rPr lang="en-US" dirty="0"/>
+              <a:t>Smoot Wisdom</a:t>
+            </a:r>
+          </a:p>
+        </p:txBody>
+      </p:sp>
+      <p:sp>
+        <p:nvSpPr>
+          <p:cNvPr id="3" name="Content Placeholder 2"/>
+          <p:cNvSpPr>
+            <a:spLocks noGrp="1"/>
+          </p:cNvSpPr>
+          <p:nvPr>
+            <p:ph idx="1"/>
+          </p:nvPr>
+        </p:nvSpPr>
+        <p:spPr>
+          <a:xfrm>
+            <a:off x="816864" y="1803399"/>
+            <a:ext cx="10871200" cy="4852437"/>
+          </a:xfrm>
+        </p:spPr>
+        <p:txBody>
+          <a:bodyPr>
+            <a:normAutofit/>
+          </a:bodyPr>
+          <a:lstStyle/>
+          <a:p>
+            <a:pPr marL="0" indent="0">
+              <a:buNone/>
+            </a:pPr>
+            <a:r>
+              <a:rPr lang="en-US" sz="6600" dirty="0"/>
+              <a:t>"Things that you pay no attention to at the </a:t>
+            </a:r>
+            <a:r>
+              <a:rPr lang="en-US" sz="6600"/>
+              <a:t>time can have </a:t>
+            </a:r>
+            <a:r>
+              <a:rPr lang="en-US" sz="6600" dirty="0"/>
+              <a:t>big consequences." </a:t>
+            </a:r>
+            <a:br>
+              <a:rPr lang="en-US" dirty="0"/>
+            </a:br>
+            <a:r>
+              <a:rPr lang="en-US" dirty="0"/>
+              <a:t>~Oliver Smoot</a:t>
+            </a:r>
+            <a:br>
+              <a:rPr lang="en-US" dirty="0"/>
+            </a:br>
+            <a:r>
+              <a:rPr lang="en-US" sz="3200" dirty="0"/>
+              <a:t>Interview with Radio Boston, WBUR, May 6, 2016</a:t>
+            </a:r>
+            <a:br>
+              <a:rPr lang="en-US" sz="3200" dirty="0"/>
+            </a:br>
+            <a:r>
+              <a:rPr lang="en-US" sz="1400" dirty="0"/>
+              <a:t>http://radioboston.wbur.org/2016/05/06/ollie-smoot-the-official-unit-of-measure-for-the-harvard-bridge</a:t>
+            </a:r>
+            <a:endParaRPr lang="en-US" dirty="0"/>
+          </a:p>
+        </p:txBody>
+      </p:sp>
+    </p:spTree>
+    <p:extLst>
+      <p:ext uri="{BB962C8B-B14F-4D97-AF65-F5344CB8AC3E}">
+        <p14:creationId xmlns:p14="http://schemas.microsoft.com/office/powerpoint/2010/main" val="2305406425"/>
+      </p:ext>
+    </p:extLst>
+  </p:cSld>
+  <p:clrMapOvr>
+    <a:masterClrMapping/>
+  </p:clrMapOvr>
+</p:sld>
+</file>
+
+<file path=ppt/slides/slide50.xml><?xml version="1.0" encoding="utf-8"?>
 <p:sld xmlns:a="http://schemas.openxmlformats.org/drawingml/2006/main" xmlns:r="http://schemas.openxmlformats.org/officeDocument/2006/relationships" xmlns:p="http://schemas.openxmlformats.org/presentationml/2006/main">
   <p:cSld>
     <p:spTree>
@@ -31646,7 +31556,7 @@
 </p:sld>
 </file>
 
-<file path=ppt/slides/slide52.xml><?xml version="1.0" encoding="utf-8"?>
+<file path=ppt/slides/slide51.xml><?xml version="1.0" encoding="utf-8"?>
 <p:sld xmlns:a="http://schemas.openxmlformats.org/drawingml/2006/main" xmlns:r="http://schemas.openxmlformats.org/officeDocument/2006/relationships" xmlns:p="http://schemas.openxmlformats.org/presentationml/2006/main">
   <p:cSld>
     <p:spTree>
@@ -31987,6 +31897,149 @@
 </p:sld>
 </file>
 
+<file path=ppt/slides/slide52.xml><?xml version="1.0" encoding="utf-8"?>
+<p:sld xmlns:a="http://schemas.openxmlformats.org/drawingml/2006/main" xmlns:r="http://schemas.openxmlformats.org/officeDocument/2006/relationships" xmlns:p="http://schemas.openxmlformats.org/presentationml/2006/main" show="0">
+  <p:cSld>
+    <p:spTree>
+      <p:nvGrpSpPr>
+        <p:cNvPr id="1" name=""/>
+        <p:cNvGrpSpPr/>
+        <p:nvPr/>
+      </p:nvGrpSpPr>
+      <p:grpSpPr>
+        <a:xfrm>
+          <a:off x="0" y="0"/>
+          <a:ext cx="0" cy="0"/>
+          <a:chOff x="0" y="0"/>
+          <a:chExt cx="0" cy="0"/>
+        </a:xfrm>
+      </p:grpSpPr>
+      <p:sp>
+        <p:nvSpPr>
+          <p:cNvPr id="2" name="Title 1"/>
+          <p:cNvSpPr>
+            <a:spLocks noGrp="1"/>
+          </p:cNvSpPr>
+          <p:nvPr>
+            <p:ph type="title"/>
+          </p:nvPr>
+        </p:nvSpPr>
+        <p:spPr/>
+        <p:txBody>
+          <a:bodyPr>
+            <a:normAutofit fontScale="90000"/>
+          </a:bodyPr>
+          <a:lstStyle/>
+          <a:p>
+            <a:r>
+              <a:rPr lang="en-US"/>
+              <a:t>When ROW compression can’t compress</a:t>
+            </a:r>
+            <a:endParaRPr lang="en-US" dirty="0"/>
+          </a:p>
+        </p:txBody>
+      </p:sp>
+      <p:sp>
+        <p:nvSpPr>
+          <p:cNvPr id="3" name="Content Placeholder 2"/>
+          <p:cNvSpPr>
+            <a:spLocks noGrp="1"/>
+          </p:cNvSpPr>
+          <p:nvPr>
+            <p:ph idx="1"/>
+          </p:nvPr>
+        </p:nvSpPr>
+        <p:spPr/>
+        <p:txBody>
+          <a:bodyPr>
+            <a:normAutofit fontScale="77500" lnSpcReduction="20000"/>
+          </a:bodyPr>
+          <a:lstStyle/>
+          <a:p>
+            <a:r>
+              <a:rPr lang="en-US"/>
+              <a:t>Variable-length data</a:t>
+            </a:r>
+          </a:p>
+          <a:p>
+            <a:pPr lvl="1"/>
+            <a:r>
+              <a:rPr lang="en-US"/>
+              <a:t>Varchar</a:t>
+            </a:r>
+          </a:p>
+          <a:p>
+            <a:pPr lvl="1"/>
+            <a:r>
+              <a:rPr lang="en-US"/>
+              <a:t>Varbinary</a:t>
+            </a:r>
+          </a:p>
+          <a:p>
+            <a:r>
+              <a:rPr lang="en-US"/>
+              <a:t>LOB data types</a:t>
+            </a:r>
+          </a:p>
+          <a:p>
+            <a:pPr lvl="1"/>
+            <a:r>
+              <a:rPr lang="en-US"/>
+              <a:t>XML</a:t>
+            </a:r>
+          </a:p>
+          <a:p>
+            <a:pPr lvl="1"/>
+            <a:r>
+              <a:rPr lang="en-US"/>
+              <a:t>n/varchar(max)</a:t>
+            </a:r>
+          </a:p>
+          <a:p>
+            <a:r>
+              <a:rPr lang="en-US"/>
+              <a:t>Fixed-length data that uses full length</a:t>
+            </a:r>
+          </a:p>
+          <a:p>
+            <a:pPr lvl="1"/>
+            <a:r>
+              <a:rPr lang="en-US"/>
+              <a:t>UNIQUEIDENTIFIER</a:t>
+            </a:r>
+          </a:p>
+          <a:p>
+            <a:pPr lvl="1"/>
+            <a:r>
+              <a:rPr lang="en-US"/>
+              <a:t>DATE or TIME</a:t>
+            </a:r>
+          </a:p>
+          <a:p>
+            <a:pPr lvl="1"/>
+            <a:r>
+              <a:rPr lang="en-US"/>
+              <a:t>CHAR(10) that actually contains 10 characters</a:t>
+            </a:r>
+          </a:p>
+          <a:p>
+            <a:endParaRPr lang="en-US" dirty="0"/>
+          </a:p>
+        </p:txBody>
+      </p:sp>
+    </p:spTree>
+    <p:extLst>
+      <p:ext uri="{BB962C8B-B14F-4D97-AF65-F5344CB8AC3E}">
+        <p14:creationId xmlns:p14="http://schemas.microsoft.com/office/powerpoint/2010/main" val="280028947"/>
+      </p:ext>
+    </p:extLst>
+  </p:cSld>
+  <p:clrMapOvr>
+    <a:masterClrMapping/>
+  </p:clrMapOvr>
+</p:sld>
+</file>
+
 <file path=ppt/slides/slide53.xml><?xml version="1.0" encoding="utf-8"?>
 <p:sld xmlns:a="http://schemas.openxmlformats.org/drawingml/2006/main" xmlns:r="http://schemas.openxmlformats.org/officeDocument/2006/relationships" xmlns:p="http://schemas.openxmlformats.org/presentationml/2006/main" show="0">
   <p:cSld>
@@ -32023,149 +32076,6 @@
           <a:p>
             <a:r>
               <a:rPr lang="en-US"/>
-              <a:t>When ROW compression can’t compress</a:t>
-            </a:r>
-            <a:endParaRPr lang="en-US" dirty="0"/>
-          </a:p>
-        </p:txBody>
-      </p:sp>
-      <p:sp>
-        <p:nvSpPr>
-          <p:cNvPr id="3" name="Content Placeholder 2"/>
-          <p:cNvSpPr>
-            <a:spLocks noGrp="1"/>
-          </p:cNvSpPr>
-          <p:nvPr>
-            <p:ph idx="1"/>
-          </p:nvPr>
-        </p:nvSpPr>
-        <p:spPr/>
-        <p:txBody>
-          <a:bodyPr>
-            <a:normAutofit fontScale="77500" lnSpcReduction="20000"/>
-          </a:bodyPr>
-          <a:lstStyle/>
-          <a:p>
-            <a:r>
-              <a:rPr lang="en-US"/>
-              <a:t>Variable-length data</a:t>
-            </a:r>
-          </a:p>
-          <a:p>
-            <a:pPr lvl="1"/>
-            <a:r>
-              <a:rPr lang="en-US"/>
-              <a:t>Varchar</a:t>
-            </a:r>
-          </a:p>
-          <a:p>
-            <a:pPr lvl="1"/>
-            <a:r>
-              <a:rPr lang="en-US"/>
-              <a:t>Varbinary</a:t>
-            </a:r>
-          </a:p>
-          <a:p>
-            <a:r>
-              <a:rPr lang="en-US"/>
-              <a:t>LOB data types</a:t>
-            </a:r>
-          </a:p>
-          <a:p>
-            <a:pPr lvl="1"/>
-            <a:r>
-              <a:rPr lang="en-US"/>
-              <a:t>XML</a:t>
-            </a:r>
-          </a:p>
-          <a:p>
-            <a:pPr lvl="1"/>
-            <a:r>
-              <a:rPr lang="en-US"/>
-              <a:t>n/varchar(max)</a:t>
-            </a:r>
-          </a:p>
-          <a:p>
-            <a:r>
-              <a:rPr lang="en-US"/>
-              <a:t>Fixed-length data that uses full length</a:t>
-            </a:r>
-          </a:p>
-          <a:p>
-            <a:pPr lvl="1"/>
-            <a:r>
-              <a:rPr lang="en-US"/>
-              <a:t>UNIQUEIDENTIFIER</a:t>
-            </a:r>
-          </a:p>
-          <a:p>
-            <a:pPr lvl="1"/>
-            <a:r>
-              <a:rPr lang="en-US"/>
-              <a:t>DATE or TIME</a:t>
-            </a:r>
-          </a:p>
-          <a:p>
-            <a:pPr lvl="1"/>
-            <a:r>
-              <a:rPr lang="en-US"/>
-              <a:t>CHAR(10) that actually contains 10 characters</a:t>
-            </a:r>
-          </a:p>
-          <a:p>
-            <a:endParaRPr lang="en-US" dirty="0"/>
-          </a:p>
-        </p:txBody>
-      </p:sp>
-    </p:spTree>
-    <p:extLst>
-      <p:ext uri="{BB962C8B-B14F-4D97-AF65-F5344CB8AC3E}">
-        <p14:creationId xmlns:p14="http://schemas.microsoft.com/office/powerpoint/2010/main" val="280028947"/>
-      </p:ext>
-    </p:extLst>
-  </p:cSld>
-  <p:clrMapOvr>
-    <a:masterClrMapping/>
-  </p:clrMapOvr>
-</p:sld>
-</file>
-
-<file path=ppt/slides/slide54.xml><?xml version="1.0" encoding="utf-8"?>
-<p:sld xmlns:a="http://schemas.openxmlformats.org/drawingml/2006/main" xmlns:r="http://schemas.openxmlformats.org/officeDocument/2006/relationships" xmlns:p="http://schemas.openxmlformats.org/presentationml/2006/main" show="0">
-  <p:cSld>
-    <p:spTree>
-      <p:nvGrpSpPr>
-        <p:cNvPr id="1" name=""/>
-        <p:cNvGrpSpPr/>
-        <p:nvPr/>
-      </p:nvGrpSpPr>
-      <p:grpSpPr>
-        <a:xfrm>
-          <a:off x="0" y="0"/>
-          <a:ext cx="0" cy="0"/>
-          <a:chOff x="0" y="0"/>
-          <a:chExt cx="0" cy="0"/>
-        </a:xfrm>
-      </p:grpSpPr>
-      <p:sp>
-        <p:nvSpPr>
-          <p:cNvPr id="2" name="Title 1"/>
-          <p:cNvSpPr>
-            <a:spLocks noGrp="1"/>
-          </p:cNvSpPr>
-          <p:nvPr>
-            <p:ph type="title"/>
-          </p:nvPr>
-        </p:nvSpPr>
-        <p:spPr/>
-        <p:txBody>
-          <a:bodyPr>
-            <a:normAutofit fontScale="90000"/>
-          </a:bodyPr>
-          <a:lstStyle/>
-          <a:p>
-            <a:r>
-              <a:rPr lang="en-US"/>
               <a:t>When PAGE compression can’t compress</a:t>
             </a:r>
             <a:endParaRPr lang="en-US" dirty="0"/>
@@ -32259,7 +32169,7 @@
 </p:sld>
 </file>
 
-<file path=ppt/slides/slide55.xml><?xml version="1.0" encoding="utf-8"?>
+<file path=ppt/slides/slide54.xml><?xml version="1.0" encoding="utf-8"?>
 <p:sld xmlns:a="http://schemas.openxmlformats.org/drawingml/2006/main" xmlns:r="http://schemas.openxmlformats.org/officeDocument/2006/relationships" xmlns:p="http://schemas.openxmlformats.org/presentationml/2006/main" show="0">
   <p:cSld>
     <p:spTree>
@@ -32350,7 +32260,7 @@
 </p:sld>
 </file>
 
-<file path=ppt/slides/slide56.xml><?xml version="1.0" encoding="utf-8"?>
+<file path=ppt/slides/slide55.xml><?xml version="1.0" encoding="utf-8"?>
 <p:sld xmlns:a="http://schemas.openxmlformats.org/drawingml/2006/main" xmlns:r="http://schemas.openxmlformats.org/officeDocument/2006/relationships" xmlns:p="http://schemas.openxmlformats.org/presentationml/2006/main">
   <p:cSld>
     <p:spTree>
@@ -32469,7 +32379,7 @@
 </p:sld>
 </file>
 
-<file path=ppt/slides/slide57.xml><?xml version="1.0" encoding="utf-8"?>
+<file path=ppt/slides/slide56.xml><?xml version="1.0" encoding="utf-8"?>
 <p:sld xmlns:a="http://schemas.openxmlformats.org/drawingml/2006/main" xmlns:r="http://schemas.openxmlformats.org/officeDocument/2006/relationships" xmlns:p="http://schemas.openxmlformats.org/presentationml/2006/main">
   <p:cSld>
     <p:spTree>
@@ -32799,7 +32709,7 @@
 </p:sld>
 </file>
 
-<file path=ppt/slides/slide58.xml><?xml version="1.0" encoding="utf-8"?>
+<file path=ppt/slides/slide57.xml><?xml version="1.0" encoding="utf-8"?>
 <p:sld xmlns:a="http://schemas.openxmlformats.org/drawingml/2006/main" xmlns:r="http://schemas.openxmlformats.org/officeDocument/2006/relationships" xmlns:p="http://schemas.openxmlformats.org/presentationml/2006/main">
   <p:cSld>
     <p:spTree>
@@ -33112,7 +33022,7 @@
 </p:sld>
 </file>
 
-<file path=ppt/slides/slide59.xml><?xml version="1.0" encoding="utf-8"?>
+<file path=ppt/slides/slide58.xml><?xml version="1.0" encoding="utf-8"?>
 <p:sld xmlns:a="http://schemas.openxmlformats.org/drawingml/2006/main" xmlns:r="http://schemas.openxmlformats.org/officeDocument/2006/relationships" xmlns:p="http://schemas.openxmlformats.org/presentationml/2006/main">
   <p:cSld>
     <p:spTree>
@@ -34708,12 +34618,72 @@
           <a:chExt cx="0" cy="0"/>
         </a:xfrm>
       </p:grpSpPr>
+      <p:pic>
+        <p:nvPicPr>
+          <p:cNvPr id="4" name="Picture 3">
+            <a:extLst>
+              <a:ext uri="{FF2B5EF4-FFF2-40B4-BE49-F238E27FC236}">
+                <a16:creationId xmlns:a16="http://schemas.microsoft.com/office/drawing/2014/main" id="{C863BE91-5FF5-441B-A87E-292D53ED2726}"/>
+              </a:ext>
+            </a:extLst>
+          </p:cNvPr>
+          <p:cNvPicPr>
+            <a:picLocks noChangeAspect="1"/>
+          </p:cNvPicPr>
+          <p:nvPr/>
+        </p:nvPicPr>
+        <p:blipFill>
+          <a:blip r:embed="rId2"/>
+          <a:stretch>
+            <a:fillRect/>
+          </a:stretch>
+        </p:blipFill>
+        <p:spPr>
+          <a:xfrm>
+            <a:off x="8627570" y="1804811"/>
+            <a:ext cx="3476625" cy="3524250"/>
+          </a:xfrm>
+          <a:prstGeom prst="rect">
+            <a:avLst/>
+          </a:prstGeom>
+        </p:spPr>
+      </p:pic>
+      <p:pic>
+        <p:nvPicPr>
+          <p:cNvPr id="9" name="Picture 8">
+            <a:extLst>
+              <a:ext uri="{FF2B5EF4-FFF2-40B4-BE49-F238E27FC236}">
+                <a16:creationId xmlns:a16="http://schemas.microsoft.com/office/drawing/2014/main" id="{242BD2B6-E894-43EA-A29E-AA7158A6440C}"/>
+              </a:ext>
+            </a:extLst>
+          </p:cNvPr>
+          <p:cNvPicPr>
+            <a:picLocks noChangeAspect="1"/>
+          </p:cNvPicPr>
+          <p:nvPr/>
+        </p:nvPicPr>
+        <p:blipFill>
+          <a:blip r:embed="rId3"/>
+          <a:stretch>
+            <a:fillRect/>
+          </a:stretch>
+        </p:blipFill>
+        <p:spPr>
+          <a:xfrm>
+            <a:off x="1167424" y="3071636"/>
+            <a:ext cx="5715000" cy="990600"/>
+          </a:xfrm>
+          <a:prstGeom prst="rect">
+            <a:avLst/>
+          </a:prstGeom>
+        </p:spPr>
+      </p:pic>
       <p:sp>
         <p:nvSpPr>
-          <p:cNvPr id="2" name="Title 1">
+          <p:cNvPr id="10" name="Title 9">
             <a:extLst>
               <a:ext uri="{FF2B5EF4-FFF2-40B4-BE49-F238E27FC236}">
-                <a16:creationId xmlns:a16="http://schemas.microsoft.com/office/drawing/2014/main" id="{D34D5E7A-2A79-420F-9CDA-DF2A39E979F6}"/>
+                <a16:creationId xmlns:a16="http://schemas.microsoft.com/office/drawing/2014/main" id="{DCA076EB-0851-4A9F-BE5F-6E3AD6EE62A3}"/>
               </a:ext>
             </a:extLst>
           </p:cNvPr>
@@ -34726,292 +34696,28 @@
         </p:nvSpPr>
         <p:spPr/>
         <p:txBody>
-          <a:bodyPr/>
+          <a:bodyPr>
+            <a:normAutofit/>
+          </a:bodyPr>
           <a:lstStyle/>
           <a:p>
             <a:r>
-              <a:rPr lang="en-US" sz="6000" dirty="0"/>
-              <a:t>SQLSaturday.com/694</a:t>
-            </a:r>
-            <a:endParaRPr lang="en-US" dirty="0"/>
+              <a:rPr lang="en-US" dirty="0"/>
+              <a:t>Community Ambassador</a:t>
+            </a:r>
           </a:p>
         </p:txBody>
       </p:sp>
-      <p:sp>
-        <p:nvSpPr>
-          <p:cNvPr id="4" name="Content Placeholder 3">
-            <a:extLst>
-              <a:ext uri="{FF2B5EF4-FFF2-40B4-BE49-F238E27FC236}">
-                <a16:creationId xmlns:a16="http://schemas.microsoft.com/office/drawing/2014/main" id="{4F57A0BC-A416-4D3A-A617-2D6BF544CAFF}"/>
-              </a:ext>
-            </a:extLst>
-          </p:cNvPr>
-          <p:cNvSpPr>
-            <a:spLocks noGrp="1"/>
-          </p:cNvSpPr>
-          <p:nvPr>
-            <p:ph sz="quarter" idx="13"/>
-          </p:nvPr>
-        </p:nvSpPr>
-        <p:spPr/>
-        <p:txBody>
-          <a:bodyPr>
-            <a:normAutofit fontScale="70000" lnSpcReduction="20000"/>
-          </a:bodyPr>
-          <a:lstStyle/>
-          <a:p>
-            <a:r>
-              <a:rPr lang="en-US" dirty="0"/>
-              <a:t>December 9</a:t>
-            </a:r>
-            <a:r>
-              <a:rPr lang="en-US" baseline="30000" dirty="0"/>
-              <a:t>th</a:t>
-            </a:r>
-            <a:endParaRPr lang="en-US" dirty="0"/>
-          </a:p>
-          <a:p>
-            <a:pPr lvl="1"/>
-            <a:r>
-              <a:rPr lang="en-US" dirty="0"/>
-              <a:t>Bryant College</a:t>
-            </a:r>
-          </a:p>
-          <a:p>
-            <a:pPr lvl="1"/>
-            <a:r>
-              <a:rPr lang="en-US" dirty="0"/>
-              <a:t>Smithfield, RI</a:t>
-            </a:r>
-          </a:p>
-          <a:p>
-            <a:endParaRPr lang="en-US" dirty="0"/>
-          </a:p>
-          <a:p>
-            <a:r>
-              <a:rPr lang="en-US" dirty="0"/>
-              <a:t>Full-day Pre-con Dec 8</a:t>
-            </a:r>
-          </a:p>
-          <a:p>
-            <a:pPr lvl="1"/>
-            <a:r>
-              <a:rPr lang="en-US" dirty="0"/>
-              <a:t>Data Science with R from A to Z</a:t>
-            </a:r>
-          </a:p>
-          <a:p>
-            <a:pPr lvl="1"/>
-            <a:r>
-              <a:rPr lang="en-US" strike="sngStrike" dirty="0"/>
-              <a:t>$150</a:t>
-            </a:r>
-          </a:p>
-          <a:p>
-            <a:pPr lvl="1"/>
-            <a:r>
-              <a:rPr lang="en-US" b="1" dirty="0"/>
-              <a:t>$120</a:t>
-            </a:r>
-            <a:r>
-              <a:rPr lang="en-US" dirty="0"/>
-              <a:t> with code </a:t>
-            </a:r>
-            <a:r>
-              <a:rPr lang="en-US" b="1" dirty="0">
-                <a:solidFill>
-                  <a:schemeClr val="accent1"/>
-                </a:solidFill>
-              </a:rPr>
-              <a:t>Microsoft</a:t>
-            </a:r>
-            <a:endParaRPr lang="en-US" dirty="0">
-              <a:solidFill>
-                <a:schemeClr val="accent1"/>
-              </a:solidFill>
-            </a:endParaRPr>
-          </a:p>
-          <a:p>
-            <a:pPr lvl="1"/>
-            <a:r>
-              <a:rPr lang="en-US" sz="3400" dirty="0"/>
-              <a:t>r_programming.Eventbrite.com</a:t>
-            </a:r>
-          </a:p>
-        </p:txBody>
-      </p:sp>
-      <p:pic>
-        <p:nvPicPr>
-          <p:cNvPr id="6" name="Content Placeholder 5">
-            <a:extLst>
-              <a:ext uri="{FF2B5EF4-FFF2-40B4-BE49-F238E27FC236}">
-                <a16:creationId xmlns:a16="http://schemas.microsoft.com/office/drawing/2014/main" id="{3677FE54-2149-40E2-9949-9D3B21CB10E0}"/>
-              </a:ext>
-            </a:extLst>
-          </p:cNvPr>
-          <p:cNvPicPr>
-            <a:picLocks noGrp="1" noChangeAspect="1"/>
-          </p:cNvPicPr>
-          <p:nvPr>
-            <p:ph sz="quarter" idx="14"/>
-          </p:nvPr>
-        </p:nvPicPr>
-        <p:blipFill>
-          <a:blip r:embed="rId2"/>
-          <a:stretch>
-            <a:fillRect/>
-          </a:stretch>
-        </p:blipFill>
-        <p:spPr>
-          <a:xfrm>
-            <a:off x="6871494" y="1746843"/>
-            <a:ext cx="4357688" cy="4357688"/>
-          </a:xfrm>
-          <a:prstGeom prst="rect">
-            <a:avLst/>
-          </a:prstGeom>
-        </p:spPr>
-      </p:pic>
     </p:spTree>
     <p:extLst>
       <p:ext uri="{BB962C8B-B14F-4D97-AF65-F5344CB8AC3E}">
-        <p14:creationId xmlns:p14="http://schemas.microsoft.com/office/powerpoint/2010/main" val="1514363372"/>
+        <p14:creationId xmlns:p14="http://schemas.microsoft.com/office/powerpoint/2010/main" val="3650232302"/>
       </p:ext>
     </p:extLst>
   </p:cSld>
   <p:clrMapOvr>
     <a:masterClrMapping/>
   </p:clrMapOvr>
-  <p:timing>
-    <p:tnLst>
-      <p:par>
-        <p:cTn id="1" dur="indefinite" restart="never" nodeType="tmRoot">
-          <p:childTnLst>
-            <p:seq concurrent="1" nextAc="seek">
-              <p:cTn id="2" dur="indefinite" nodeType="mainSeq">
-                <p:childTnLst>
-                  <p:par>
-                    <p:cTn id="3" fill="hold">
-                      <p:stCondLst>
-                        <p:cond delay="indefinite"/>
-                        <p:cond evt="onBegin" delay="0">
-                          <p:tn val="2"/>
-                        </p:cond>
-                      </p:stCondLst>
-                      <p:childTnLst>
-                        <p:par>
-                          <p:cTn id="4" fill="hold">
-                            <p:stCondLst>
-                              <p:cond delay="0"/>
-                            </p:stCondLst>
-                            <p:childTnLst>
-                              <p:par>
-                                <p:cTn id="5" presetID="10" presetClass="entr" presetSubtype="0" fill="hold" nodeType="afterEffect">
-                                  <p:stCondLst>
-                                    <p:cond delay="500"/>
-                                  </p:stCondLst>
-                                  <p:childTnLst>
-                                    <p:set>
-                                      <p:cBhvr>
-                                        <p:cTn id="6" dur="1" fill="hold">
-                                          <p:stCondLst>
-                                            <p:cond delay="0"/>
-                                          </p:stCondLst>
-                                        </p:cTn>
-                                        <p:tgtEl>
-                                          <p:spTgt spid="6"/>
-                                        </p:tgtEl>
-                                        <p:attrNameLst>
-                                          <p:attrName>style.visibility</p:attrName>
-                                        </p:attrNameLst>
-                                      </p:cBhvr>
-                                      <p:to>
-                                        <p:strVal val="visible"/>
-                                      </p:to>
-                                    </p:set>
-                                    <p:animEffect transition="in" filter="fade">
-                                      <p:cBhvr>
-                                        <p:cTn id="7" dur="500"/>
-                                        <p:tgtEl>
-                                          <p:spTgt spid="6"/>
-                                        </p:tgtEl>
-                                      </p:cBhvr>
-                                    </p:animEffect>
-                                  </p:childTnLst>
-                                </p:cTn>
-                              </p:par>
-                            </p:childTnLst>
-                          </p:cTn>
-                        </p:par>
-                        <p:par>
-                          <p:cTn id="8" fill="hold">
-                            <p:stCondLst>
-                              <p:cond delay="1000"/>
-                            </p:stCondLst>
-                            <p:childTnLst>
-                              <p:par>
-                                <p:cTn id="9" presetID="10" presetClass="exit" presetSubtype="0" fill="hold" nodeType="afterEffect">
-                                  <p:stCondLst>
-                                    <p:cond delay="0"/>
-                                  </p:stCondLst>
-                                  <p:childTnLst>
-                                    <p:animEffect transition="out" filter="fade">
-                                      <p:cBhvr>
-                                        <p:cTn id="10" dur="500"/>
-                                        <p:tgtEl>
-                                          <p:spTgt spid="6"/>
-                                        </p:tgtEl>
-                                      </p:cBhvr>
-                                    </p:animEffect>
-                                    <p:set>
-                                      <p:cBhvr>
-                                        <p:cTn id="11" dur="1" fill="hold">
-                                          <p:stCondLst>
-                                            <p:cond delay="499"/>
-                                          </p:stCondLst>
-                                        </p:cTn>
-                                        <p:tgtEl>
-                                          <p:spTgt spid="6"/>
-                                        </p:tgtEl>
-                                        <p:attrNameLst>
-                                          <p:attrName>style.visibility</p:attrName>
-                                        </p:attrNameLst>
-                                      </p:cBhvr>
-                                      <p:to>
-                                        <p:strVal val="hidden"/>
-                                      </p:to>
-                                    </p:set>
-                                  </p:childTnLst>
-                                </p:cTn>
-                              </p:par>
-                            </p:childTnLst>
-                          </p:cTn>
-                        </p:par>
-                      </p:childTnLst>
-                    </p:cTn>
-                  </p:par>
-                </p:childTnLst>
-              </p:cTn>
-              <p:prevCondLst>
-                <p:cond evt="onPrev" delay="0">
-                  <p:tgtEl>
-                    <p:sldTgt/>
-                  </p:tgtEl>
-                </p:cond>
-              </p:prevCondLst>
-              <p:nextCondLst>
-                <p:cond evt="onNext" delay="0">
-                  <p:tgtEl>
-                    <p:sldTgt/>
-                  </p:tgtEl>
-                </p:cond>
-              </p:nextCondLst>
-            </p:seq>
-          </p:childTnLst>
-        </p:cTn>
-      </p:par>
-    </p:tnLst>
-  </p:timing>
 </p:sld>
 </file>
 

--- a/Demystifying-Data-Compression/Data_Compression.pptx
+++ b/Demystifying-Data-Compression/Data_Compression.pptx
@@ -9,19 +9,19 @@
   </p:notesMasterIdLst>
   <p:sldIdLst>
     <p:sldId id="348" r:id="rId2"/>
-    <p:sldId id="335" r:id="rId3"/>
-    <p:sldId id="336" r:id="rId4"/>
-    <p:sldId id="339" r:id="rId5"/>
-    <p:sldId id="337" r:id="rId6"/>
-    <p:sldId id="256" r:id="rId7"/>
-    <p:sldId id="322" r:id="rId8"/>
-    <p:sldId id="346" r:id="rId9"/>
-    <p:sldId id="347" r:id="rId10"/>
-    <p:sldId id="342" r:id="rId11"/>
-    <p:sldId id="340" r:id="rId12"/>
-    <p:sldId id="341" r:id="rId13"/>
-    <p:sldId id="344" r:id="rId14"/>
-    <p:sldId id="343" r:id="rId15"/>
+    <p:sldId id="322" r:id="rId3"/>
+    <p:sldId id="346" r:id="rId4"/>
+    <p:sldId id="345" r:id="rId5"/>
+    <p:sldId id="349" r:id="rId6"/>
+    <p:sldId id="340" r:id="rId7"/>
+    <p:sldId id="341" r:id="rId8"/>
+    <p:sldId id="344" r:id="rId9"/>
+    <p:sldId id="343" r:id="rId10"/>
+    <p:sldId id="335" r:id="rId11"/>
+    <p:sldId id="336" r:id="rId12"/>
+    <p:sldId id="339" r:id="rId13"/>
+    <p:sldId id="337" r:id="rId14"/>
+    <p:sldId id="256" r:id="rId15"/>
     <p:sldId id="261" r:id="rId16"/>
     <p:sldId id="267" r:id="rId17"/>
     <p:sldId id="307" r:id="rId18"/>
@@ -195,11 +195,139 @@
           <pc:sldMk cId="40638036" sldId="344"/>
         </pc:sldMkLst>
       </pc:sldChg>
-      <pc:sldChg chg="del">
-        <pc:chgData name="Andy Mallon" userId="0dfd7ab5-17aa-4ac6-b039-e05176edc781" providerId="ADAL" clId="{FEE235FE-B614-4F1C-8C8E-DF9060EA5C02}" dt="2018-01-31T23:00:40.253" v="0" actId="2696"/>
+    </pc:docChg>
+  </pc:docChgLst>
+  <pc:docChgLst>
+    <pc:chgData name="Andy Mallon" userId="0dfd7ab5-17aa-4ac6-b039-e05176edc781" providerId="ADAL" clId="{6E352BDA-D723-4A8D-8367-44E56F068558}"/>
+    <pc:docChg chg="undo addSld delSld modSld">
+      <pc:chgData name="Andy Mallon" userId="0dfd7ab5-17aa-4ac6-b039-e05176edc781" providerId="ADAL" clId="{6E352BDA-D723-4A8D-8367-44E56F068558}" dt="2018-04-07T20:22:51.582" v="19"/>
+      <pc:docMkLst>
+        <pc:docMk/>
+      </pc:docMkLst>
+      <pc:sldChg chg="add">
+        <pc:chgData name="Andy Mallon" userId="0dfd7ab5-17aa-4ac6-b039-e05176edc781" providerId="ADAL" clId="{6E352BDA-D723-4A8D-8367-44E56F068558}" dt="2018-04-07T20:22:39.015" v="18"/>
         <pc:sldMkLst>
           <pc:docMk/>
-          <pc:sldMk cId="1514363372" sldId="349"/>
+          <pc:sldMk cId="2509196440" sldId="256"/>
+        </pc:sldMkLst>
+      </pc:sldChg>
+      <pc:sldChg chg="add del">
+        <pc:chgData name="Andy Mallon" userId="0dfd7ab5-17aa-4ac6-b039-e05176edc781" providerId="ADAL" clId="{6E352BDA-D723-4A8D-8367-44E56F068558}" dt="2018-04-07T20:22:24.792" v="16" actId="2696"/>
+        <pc:sldMkLst>
+          <pc:docMk/>
+          <pc:sldMk cId="2739607986" sldId="256"/>
+        </pc:sldMkLst>
+      </pc:sldChg>
+      <pc:sldChg chg="add del">
+        <pc:chgData name="Andy Mallon" userId="0dfd7ab5-17aa-4ac6-b039-e05176edc781" providerId="ADAL" clId="{6E352BDA-D723-4A8D-8367-44E56F068558}" dt="2018-04-07T20:22:13.669" v="9" actId="2696"/>
+        <pc:sldMkLst>
+          <pc:docMk/>
+          <pc:sldMk cId="1697107245" sldId="322"/>
+        </pc:sldMkLst>
+      </pc:sldChg>
+      <pc:sldChg chg="add">
+        <pc:chgData name="Andy Mallon" userId="0dfd7ab5-17aa-4ac6-b039-e05176edc781" providerId="ADAL" clId="{6E352BDA-D723-4A8D-8367-44E56F068558}" dt="2018-04-07T20:22:39.015" v="18"/>
+        <pc:sldMkLst>
+          <pc:docMk/>
+          <pc:sldMk cId="549013391" sldId="335"/>
+        </pc:sldMkLst>
+      </pc:sldChg>
+      <pc:sldChg chg="del">
+        <pc:chgData name="Andy Mallon" userId="0dfd7ab5-17aa-4ac6-b039-e05176edc781" providerId="ADAL" clId="{6E352BDA-D723-4A8D-8367-44E56F068558}" dt="2018-04-07T20:22:24.743" v="12" actId="2696"/>
+        <pc:sldMkLst>
+          <pc:docMk/>
+          <pc:sldMk cId="1270760163" sldId="335"/>
+        </pc:sldMkLst>
+      </pc:sldChg>
+      <pc:sldChg chg="add">
+        <pc:chgData name="Andy Mallon" userId="0dfd7ab5-17aa-4ac6-b039-e05176edc781" providerId="ADAL" clId="{6E352BDA-D723-4A8D-8367-44E56F068558}" dt="2018-04-07T20:22:39.015" v="18"/>
+        <pc:sldMkLst>
+          <pc:docMk/>
+          <pc:sldMk cId="378969601" sldId="336"/>
+        </pc:sldMkLst>
+      </pc:sldChg>
+      <pc:sldChg chg="del">
+        <pc:chgData name="Andy Mallon" userId="0dfd7ab5-17aa-4ac6-b039-e05176edc781" providerId="ADAL" clId="{6E352BDA-D723-4A8D-8367-44E56F068558}" dt="2018-04-07T20:22:24.755" v="13" actId="2696"/>
+        <pc:sldMkLst>
+          <pc:docMk/>
+          <pc:sldMk cId="839309899" sldId="336"/>
+        </pc:sldMkLst>
+      </pc:sldChg>
+      <pc:sldChg chg="del">
+        <pc:chgData name="Andy Mallon" userId="0dfd7ab5-17aa-4ac6-b039-e05176edc781" providerId="ADAL" clId="{6E352BDA-D723-4A8D-8367-44E56F068558}" dt="2018-04-07T20:22:24.775" v="15" actId="2696"/>
+        <pc:sldMkLst>
+          <pc:docMk/>
+          <pc:sldMk cId="2305406425" sldId="337"/>
+        </pc:sldMkLst>
+      </pc:sldChg>
+      <pc:sldChg chg="add">
+        <pc:chgData name="Andy Mallon" userId="0dfd7ab5-17aa-4ac6-b039-e05176edc781" providerId="ADAL" clId="{6E352BDA-D723-4A8D-8367-44E56F068558}" dt="2018-04-07T20:22:39.015" v="18"/>
+        <pc:sldMkLst>
+          <pc:docMk/>
+          <pc:sldMk cId="4194298386" sldId="337"/>
+        </pc:sldMkLst>
+      </pc:sldChg>
+      <pc:sldChg chg="add">
+        <pc:chgData name="Andy Mallon" userId="0dfd7ab5-17aa-4ac6-b039-e05176edc781" providerId="ADAL" clId="{6E352BDA-D723-4A8D-8367-44E56F068558}" dt="2018-04-07T20:22:39.015" v="18"/>
+        <pc:sldMkLst>
+          <pc:docMk/>
+          <pc:sldMk cId="465045979" sldId="339"/>
+        </pc:sldMkLst>
+      </pc:sldChg>
+      <pc:sldChg chg="del">
+        <pc:chgData name="Andy Mallon" userId="0dfd7ab5-17aa-4ac6-b039-e05176edc781" providerId="ADAL" clId="{6E352BDA-D723-4A8D-8367-44E56F068558}" dt="2018-04-07T20:22:24.765" v="14" actId="2696"/>
+        <pc:sldMkLst>
+          <pc:docMk/>
+          <pc:sldMk cId="1953567603" sldId="339"/>
+        </pc:sldMkLst>
+      </pc:sldChg>
+      <pc:sldChg chg="del">
+        <pc:chgData name="Andy Mallon" userId="0dfd7ab5-17aa-4ac6-b039-e05176edc781" providerId="ADAL" clId="{6E352BDA-D723-4A8D-8367-44E56F068558}" dt="2018-04-07T20:21:22.011" v="1" actId="2696"/>
+        <pc:sldMkLst>
+          <pc:docMk/>
+          <pc:sldMk cId="242078354" sldId="342"/>
+        </pc:sldMkLst>
+      </pc:sldChg>
+      <pc:sldChg chg="modTransition">
+        <pc:chgData name="Andy Mallon" userId="0dfd7ab5-17aa-4ac6-b039-e05176edc781" providerId="ADAL" clId="{6E352BDA-D723-4A8D-8367-44E56F068558}" dt="2018-04-07T20:22:36.101" v="17"/>
+        <pc:sldMkLst>
+          <pc:docMk/>
+          <pc:sldMk cId="744002627" sldId="343"/>
+        </pc:sldMkLst>
+      </pc:sldChg>
+      <pc:sldChg chg="modTransition">
+        <pc:chgData name="Andy Mallon" userId="0dfd7ab5-17aa-4ac6-b039-e05176edc781" providerId="ADAL" clId="{6E352BDA-D723-4A8D-8367-44E56F068558}" dt="2018-04-07T20:22:51.582" v="19"/>
+        <pc:sldMkLst>
+          <pc:docMk/>
+          <pc:sldMk cId="40638036" sldId="344"/>
+        </pc:sldMkLst>
+      </pc:sldChg>
+      <pc:sldChg chg="add del">
+        <pc:chgData name="Andy Mallon" userId="0dfd7ab5-17aa-4ac6-b039-e05176edc781" providerId="ADAL" clId="{6E352BDA-D723-4A8D-8367-44E56F068558}" dt="2018-04-07T20:22:13.676" v="11" actId="2696"/>
+        <pc:sldMkLst>
+          <pc:docMk/>
+          <pc:sldMk cId="125486011" sldId="345"/>
+        </pc:sldMkLst>
+      </pc:sldChg>
+      <pc:sldChg chg="add del">
+        <pc:chgData name="Andy Mallon" userId="0dfd7ab5-17aa-4ac6-b039-e05176edc781" providerId="ADAL" clId="{6E352BDA-D723-4A8D-8367-44E56F068558}" dt="2018-04-07T20:22:13.666" v="8" actId="2696"/>
+        <pc:sldMkLst>
+          <pc:docMk/>
+          <pc:sldMk cId="3204892330" sldId="346"/>
+        </pc:sldMkLst>
+      </pc:sldChg>
+      <pc:sldChg chg="del">
+        <pc:chgData name="Andy Mallon" userId="0dfd7ab5-17aa-4ac6-b039-e05176edc781" providerId="ADAL" clId="{6E352BDA-D723-4A8D-8367-44E56F068558}" dt="2018-04-07T20:21:41.510" v="3" actId="2696"/>
+        <pc:sldMkLst>
+          <pc:docMk/>
+          <pc:sldMk cId="3650232302" sldId="347"/>
+        </pc:sldMkLst>
+      </pc:sldChg>
+      <pc:sldChg chg="add">
+        <pc:chgData name="Andy Mallon" userId="0dfd7ab5-17aa-4ac6-b039-e05176edc781" providerId="ADAL" clId="{6E352BDA-D723-4A8D-8367-44E56F068558}" dt="2018-04-07T20:21:33.165" v="2"/>
+        <pc:sldMkLst>
+          <pc:docMk/>
+          <pc:sldMk cId="1347250992" sldId="349"/>
         </pc:sldMkLst>
       </pc:sldChg>
     </pc:docChg>
@@ -289,7 +417,7 @@
           <a:p>
             <a:fld id="{29813C8A-11F9-4768-B07B-C8C4017109A6}" type="datetimeFigureOut">
               <a:rPr lang="en-US" smtClean="0"/>
-              <a:t>1/31/2018</a:t>
+              <a:t>4/7/2018</a:t>
             </a:fld>
             <a:endParaRPr lang="en-US"/>
           </a:p>
@@ -600,14 +728,6 @@
           <a:bodyPr/>
           <a:lstStyle/>
           <a:p>
-            <a:r>
-              <a:rPr lang="en-US" dirty="0"/>
-              <a:t>As a fraternity pledge</a:t>
-            </a:r>
-            <a:r>
-              <a:rPr lang="en-US" baseline="0" dirty="0"/>
-              <a:t> for Lambda Chi Alpha, he was the shortest pledge at 5-foot 7-inches. The pledges were instructed to take their shortest member and in the cover of night, measure the length of the Mass Ave Bridge, which spans from Cambridge (where MIT is) to Boston. They were to mark the distance on the bridge with paint, and report back with the exact measurement. To this day, pledges re-paint the bridge every year to mark the distance in smoots. When the bridge was rebuilt in the late 1980s, the expansion joints were specifically engineered to be 1-smoot long.</a:t>
-            </a:r>
             <a:endParaRPr lang="en-US" dirty="0"/>
           </a:p>
         </p:txBody>
@@ -631,14 +751,14 @@
               <a:rPr lang="en-US" smtClean="0"/>
               <a:t>2</a:t>
             </a:fld>
-            <a:endParaRPr lang="en-US"/>
+            <a:endParaRPr lang="en-US" dirty="0"/>
           </a:p>
         </p:txBody>
       </p:sp>
     </p:spTree>
     <p:extLst>
       <p:ext uri="{BB962C8B-B14F-4D97-AF65-F5344CB8AC3E}">
-        <p14:creationId xmlns:p14="http://schemas.microsoft.com/office/powerpoint/2010/main" val="3991432173"/>
+        <p14:creationId xmlns:p14="http://schemas.microsoft.com/office/powerpoint/2010/main" val="4103740111"/>
       </p:ext>
     </p:extLst>
   </p:cSld>
@@ -694,26 +814,8 @@
           <a:p>
             <a:r>
               <a:rPr lang="en-US" dirty="0"/>
-              <a:t>These are the pages we’re talking about when we talk compression.</a:t>
-            </a:r>
-          </a:p>
-          <a:p>
-            <a:r>
-              <a:rPr lang="en-US" dirty="0"/>
-              <a:t>Only</a:t>
-            </a:r>
-            <a:r>
-              <a:rPr lang="en-US" baseline="0" dirty="0"/>
-              <a:t> the LEAF PAGES get compressed in a B Tree Index</a:t>
-            </a:r>
-            <a:br>
-              <a:rPr lang="en-US" baseline="0" dirty="0"/>
-            </a:br>
-            <a:r>
-              <a:rPr lang="en-US" baseline="0" dirty="0"/>
-              <a:t>Everything is ordered. It’s easy to find by traversing the tree. You can find any row in just 3 reads.   EXAMPLE: MAINE</a:t>
-            </a:r>
-            <a:endParaRPr lang="en-US" dirty="0"/>
+              <a:t>We won’t cover every demo script I have—we’ll cover a few, and I’ll give you the rest to explore on your own.</a:t>
+            </a:r>
           </a:p>
         </p:txBody>
       </p:sp>
@@ -734,7 +836,7 @@
           <a:p>
             <a:fld id="{C896673D-A7D2-47E4-9E64-948C4CAFD549}" type="slidenum">
               <a:rPr lang="en-US" smtClean="0"/>
-              <a:t>20</a:t>
+              <a:t>16</a:t>
             </a:fld>
             <a:endParaRPr lang="en-US"/>
           </a:p>
@@ -743,7 +845,7 @@
     </p:spTree>
     <p:extLst>
       <p:ext uri="{BB962C8B-B14F-4D97-AF65-F5344CB8AC3E}">
-        <p14:creationId xmlns:p14="http://schemas.microsoft.com/office/powerpoint/2010/main" val="2987885101"/>
+        <p14:creationId xmlns:p14="http://schemas.microsoft.com/office/powerpoint/2010/main" val="1804979556"/>
       </p:ext>
     </p:extLst>
   </p:cSld>
@@ -799,18 +901,24 @@
           <a:p>
             <a:r>
               <a:rPr lang="en-US" dirty="0"/>
-              <a:t>It’s unordered. It’s harder</a:t>
+              <a:t>These are the pages we’re talking about when we talk compression.</a:t>
+            </a:r>
+          </a:p>
+          <a:p>
+            <a:r>
+              <a:rPr lang="en-US" dirty="0"/>
+              <a:t>Only</a:t>
             </a:r>
             <a:r>
               <a:rPr lang="en-US" baseline="0" dirty="0"/>
-              <a:t> to find the row you want.</a:t>
+              <a:t> the LEAF PAGES get compressed in a B Tree Index</a:t>
             </a:r>
             <a:br>
               <a:rPr lang="en-US" baseline="0" dirty="0"/>
             </a:br>
             <a:r>
               <a:rPr lang="en-US" baseline="0" dirty="0"/>
-              <a:t>But for our purposes today, it’s similar to the leaf level of a B-Tree</a:t>
+              <a:t>Everything is ordered. It’s easy to find by traversing the tree. You can find any row in just 3 reads.   EXAMPLE: MAINE</a:t>
             </a:r>
             <a:endParaRPr lang="en-US" dirty="0"/>
           </a:p>
@@ -833,7 +941,7 @@
           <a:p>
             <a:fld id="{C896673D-A7D2-47E4-9E64-948C4CAFD549}" type="slidenum">
               <a:rPr lang="en-US" smtClean="0"/>
-              <a:t>21</a:t>
+              <a:t>20</a:t>
             </a:fld>
             <a:endParaRPr lang="en-US"/>
           </a:p>
@@ -842,7 +950,7 @@
     </p:spTree>
     <p:extLst>
       <p:ext uri="{BB962C8B-B14F-4D97-AF65-F5344CB8AC3E}">
-        <p14:creationId xmlns:p14="http://schemas.microsoft.com/office/powerpoint/2010/main" val="1766908828"/>
+        <p14:creationId xmlns:p14="http://schemas.microsoft.com/office/powerpoint/2010/main" val="2987885101"/>
       </p:ext>
     </p:extLst>
   </p:cSld>
@@ -898,29 +1006,18 @@
           <a:p>
             <a:r>
               <a:rPr lang="en-US" dirty="0"/>
-              <a:t>Query engine reads from memory.</a:t>
-            </a:r>
-          </a:p>
-          <a:p>
-            <a:r>
-              <a:rPr lang="en-US" dirty="0"/>
-              <a:t>If the</a:t>
+              <a:t>It’s unordered. It’s harder</a:t>
             </a:r>
             <a:r>
               <a:rPr lang="en-US" baseline="0" dirty="0"/>
-              <a:t> page isn’t in memory, it’s read from disk into memory…. Then the query engine reads from memory.</a:t>
-            </a:r>
-          </a:p>
-          <a:p>
-            <a:r>
+              <a:t> to find the row you want.</a:t>
+            </a:r>
+            <a:br>
               <a:rPr lang="en-US" baseline="0" dirty="0"/>
-              <a:t>Regardless, the page is compressed (or not compressed) the same in memory and on disk</a:t>
-            </a:r>
-          </a:p>
-          <a:p>
+            </a:br>
             <a:r>
               <a:rPr lang="en-US" baseline="0" dirty="0"/>
-              <a:t>Starting in 2016 SP1, compression is available in all editions.  Note, you can start compression indexes in Standard or Enterprise Edition, but note that its still not an ONLINE operation unless you’re on Enterprise</a:t>
+              <a:t>But for our purposes today, it’s similar to the leaf level of a B-Tree</a:t>
             </a:r>
             <a:endParaRPr lang="en-US" dirty="0"/>
           </a:p>
@@ -943,7 +1040,7 @@
           <a:p>
             <a:fld id="{C896673D-A7D2-47E4-9E64-948C4CAFD549}" type="slidenum">
               <a:rPr lang="en-US" smtClean="0"/>
-              <a:t>23</a:t>
+              <a:t>21</a:t>
             </a:fld>
             <a:endParaRPr lang="en-US"/>
           </a:p>
@@ -952,7 +1049,7 @@
     </p:spTree>
     <p:extLst>
       <p:ext uri="{BB962C8B-B14F-4D97-AF65-F5344CB8AC3E}">
-        <p14:creationId xmlns:p14="http://schemas.microsoft.com/office/powerpoint/2010/main" val="3402943972"/>
+        <p14:creationId xmlns:p14="http://schemas.microsoft.com/office/powerpoint/2010/main" val="1766908828"/>
       </p:ext>
     </p:extLst>
   </p:cSld>
@@ -1008,11 +1105,29 @@
           <a:p>
             <a:r>
               <a:rPr lang="en-US" dirty="0"/>
-              <a:t>Notice</a:t>
+              <a:t>Query engine reads from memory.</a:t>
+            </a:r>
+          </a:p>
+          <a:p>
+            <a:r>
+              <a:rPr lang="en-US" dirty="0"/>
+              <a:t>If the</a:t>
             </a:r>
             <a:r>
               <a:rPr lang="en-US" baseline="0" dirty="0"/>
-              <a:t> I say USUALLY takes less space. It’s that whole “It Depends” thing. More on that later</a:t>
+              <a:t> page isn’t in memory, it’s read from disk into memory…. Then the query engine reads from memory.</a:t>
+            </a:r>
+          </a:p>
+          <a:p>
+            <a:r>
+              <a:rPr lang="en-US" baseline="0" dirty="0"/>
+              <a:t>Regardless, the page is compressed (or not compressed) the same in memory and on disk</a:t>
+            </a:r>
+          </a:p>
+          <a:p>
+            <a:r>
+              <a:rPr lang="en-US" baseline="0" dirty="0"/>
+              <a:t>Starting in 2016 SP1, compression is available in all editions.  Note, you can start compression indexes in Standard or Enterprise Edition, but note that its still not an ONLINE operation unless you’re on Enterprise</a:t>
             </a:r>
             <a:endParaRPr lang="en-US" dirty="0"/>
           </a:p>
@@ -1035,7 +1150,7 @@
           <a:p>
             <a:fld id="{C896673D-A7D2-47E4-9E64-948C4CAFD549}" type="slidenum">
               <a:rPr lang="en-US" smtClean="0"/>
-              <a:t>25</a:t>
+              <a:t>23</a:t>
             </a:fld>
             <a:endParaRPr lang="en-US"/>
           </a:p>
@@ -1044,7 +1159,7 @@
     </p:spTree>
     <p:extLst>
       <p:ext uri="{BB962C8B-B14F-4D97-AF65-F5344CB8AC3E}">
-        <p14:creationId xmlns:p14="http://schemas.microsoft.com/office/powerpoint/2010/main" val="4018296810"/>
+        <p14:creationId xmlns:p14="http://schemas.microsoft.com/office/powerpoint/2010/main" val="3402943972"/>
       </p:ext>
     </p:extLst>
   </p:cSld>
@@ -1100,28 +1215,11 @@
           <a:p>
             <a:r>
               <a:rPr lang="en-US" dirty="0"/>
-              <a:t>Because</a:t>
+              <a:t>Notice</a:t>
             </a:r>
             <a:r>
               <a:rPr lang="en-US" baseline="0" dirty="0"/>
-              <a:t> it’s the SAME PAGE on memory &amp; on disk, these two bullets are really saying the same thing</a:t>
-            </a:r>
-            <a:br>
-              <a:rPr lang="en-US" baseline="0" dirty="0"/>
-            </a:br>
-            <a:br>
-              <a:rPr lang="en-US" baseline="0" dirty="0"/>
-            </a:br>
-            <a:r>
-              <a:rPr lang="en-US" baseline="0" dirty="0"/>
-              <a:t>No longer Enterprise only if (only if) you are on 2016 SP1+</a:t>
-            </a:r>
-            <a:br>
-              <a:rPr lang="en-US" baseline="0" dirty="0"/>
-            </a:br>
-            <a:r>
-              <a:rPr lang="en-US" baseline="0" dirty="0"/>
-              <a:t>The list of cons is pretty short. </a:t>
+              <a:t> I say USUALLY takes less space. It’s that whole “It Depends” thing. More on that later</a:t>
             </a:r>
             <a:endParaRPr lang="en-US" dirty="0"/>
           </a:p>
@@ -1144,7 +1242,7 @@
           <a:p>
             <a:fld id="{C896673D-A7D2-47E4-9E64-948C4CAFD549}" type="slidenum">
               <a:rPr lang="en-US" smtClean="0"/>
-              <a:t>29</a:t>
+              <a:t>25</a:t>
             </a:fld>
             <a:endParaRPr lang="en-US"/>
           </a:p>
@@ -1153,7 +1251,7 @@
     </p:spTree>
     <p:extLst>
       <p:ext uri="{BB962C8B-B14F-4D97-AF65-F5344CB8AC3E}">
-        <p14:creationId xmlns:p14="http://schemas.microsoft.com/office/powerpoint/2010/main" val="1276188074"/>
+        <p14:creationId xmlns:p14="http://schemas.microsoft.com/office/powerpoint/2010/main" val="4018296810"/>
       </p:ext>
     </p:extLst>
   </p:cSld>
@@ -1208,16 +1306,29 @@
           <a:lstStyle/>
           <a:p>
             <a:r>
+              <a:rPr lang="en-US" dirty="0"/>
+              <a:t>Because</a:t>
+            </a:r>
+            <a:r>
               <a:rPr lang="en-US" baseline="0" dirty="0"/>
-              <a:t>I stress </a:t>
-            </a:r>
-            <a:r>
-              <a:rPr lang="en-US" b="1" baseline="0" dirty="0"/>
-              <a:t>USABLE</a:t>
-            </a:r>
-            <a:r>
-              <a:rPr lang="en-US" b="0" baseline="0" dirty="0"/>
-              <a:t> TB. Enterprise SAN uses hot spares, RAID 10</a:t>
+              <a:t> it’s the SAME PAGE on memory &amp; on disk, these two bullets are really saying the same thing</a:t>
+            </a:r>
+            <a:br>
+              <a:rPr lang="en-US" baseline="0" dirty="0"/>
+            </a:br>
+            <a:br>
+              <a:rPr lang="en-US" baseline="0" dirty="0"/>
+            </a:br>
+            <a:r>
+              <a:rPr lang="en-US" baseline="0" dirty="0"/>
+              <a:t>No longer Enterprise only if (only if) you are on 2016 SP1+</a:t>
+            </a:r>
+            <a:br>
+              <a:rPr lang="en-US" baseline="0" dirty="0"/>
+            </a:br>
+            <a:r>
+              <a:rPr lang="en-US" baseline="0" dirty="0"/>
+              <a:t>The list of cons is pretty short. </a:t>
             </a:r>
             <a:endParaRPr lang="en-US" dirty="0"/>
           </a:p>
@@ -1240,7 +1351,7 @@
           <a:p>
             <a:fld id="{C896673D-A7D2-47E4-9E64-948C4CAFD549}" type="slidenum">
               <a:rPr lang="en-US" smtClean="0"/>
-              <a:t>30</a:t>
+              <a:t>29</a:t>
             </a:fld>
             <a:endParaRPr lang="en-US"/>
           </a:p>
@@ -1249,7 +1360,7 @@
     </p:spTree>
     <p:extLst>
       <p:ext uri="{BB962C8B-B14F-4D97-AF65-F5344CB8AC3E}">
-        <p14:creationId xmlns:p14="http://schemas.microsoft.com/office/powerpoint/2010/main" val="3148704580"/>
+        <p14:creationId xmlns:p14="http://schemas.microsoft.com/office/powerpoint/2010/main" val="1276188074"/>
       </p:ext>
     </p:extLst>
   </p:cSld>
@@ -1304,19 +1415,16 @@
           <a:lstStyle/>
           <a:p>
             <a:r>
-              <a:rPr lang="en-US" dirty="0"/>
-              <a:t>If you can make</a:t>
-            </a:r>
-            <a:r>
               <a:rPr lang="en-US" baseline="0" dirty="0"/>
-              <a:t> your database require less disk space, you can save LOTS of money. </a:t>
-            </a:r>
-            <a:br>
-              <a:rPr lang="en-US" baseline="0" dirty="0"/>
-            </a:br>
-            <a:r>
-              <a:rPr lang="en-US" baseline="0" dirty="0"/>
-              <a:t>If you go to your CIO and say “I can save you $100,000 in storage costs.” You’ll look REALLY good.</a:t>
+              <a:t>I stress </a:t>
+            </a:r>
+            <a:r>
+              <a:rPr lang="en-US" b="1" baseline="0" dirty="0"/>
+              <a:t>USABLE</a:t>
+            </a:r>
+            <a:r>
+              <a:rPr lang="en-US" b="0" baseline="0" dirty="0"/>
+              <a:t> TB. Enterprise SAN uses hot spares, RAID 10</a:t>
             </a:r>
             <a:endParaRPr lang="en-US" dirty="0"/>
           </a:p>
@@ -1339,7 +1447,7 @@
           <a:p>
             <a:fld id="{C896673D-A7D2-47E4-9E64-948C4CAFD549}" type="slidenum">
               <a:rPr lang="en-US" smtClean="0"/>
-              <a:t>31</a:t>
+              <a:t>30</a:t>
             </a:fld>
             <a:endParaRPr lang="en-US"/>
           </a:p>
@@ -1348,7 +1456,7 @@
     </p:spTree>
     <p:extLst>
       <p:ext uri="{BB962C8B-B14F-4D97-AF65-F5344CB8AC3E}">
-        <p14:creationId xmlns:p14="http://schemas.microsoft.com/office/powerpoint/2010/main" val="2162890126"/>
+        <p14:creationId xmlns:p14="http://schemas.microsoft.com/office/powerpoint/2010/main" val="3148704580"/>
       </p:ext>
     </p:extLst>
   </p:cSld>
@@ -1404,8 +1512,20 @@
           <a:p>
             <a:r>
               <a:rPr lang="en-US" dirty="0"/>
-              <a:t>Not sure what the power pellets are…. Business Requirements?</a:t>
-            </a:r>
+              <a:t>If you can make</a:t>
+            </a:r>
+            <a:r>
+              <a:rPr lang="en-US" baseline="0" dirty="0"/>
+              <a:t> your database require less disk space, you can save LOTS of money. </a:t>
+            </a:r>
+            <a:br>
+              <a:rPr lang="en-US" baseline="0" dirty="0"/>
+            </a:br>
+            <a:r>
+              <a:rPr lang="en-US" baseline="0" dirty="0"/>
+              <a:t>If you go to your CIO and say “I can save you $100,000 in storage costs.” You’ll look REALLY good.</a:t>
+            </a:r>
+            <a:endParaRPr lang="en-US" dirty="0"/>
           </a:p>
         </p:txBody>
       </p:sp>
@@ -1426,7 +1546,7 @@
           <a:p>
             <a:fld id="{C896673D-A7D2-47E4-9E64-948C4CAFD549}" type="slidenum">
               <a:rPr lang="en-US" smtClean="0"/>
-              <a:t>32</a:t>
+              <a:t>31</a:t>
             </a:fld>
             <a:endParaRPr lang="en-US"/>
           </a:p>
@@ -1435,7 +1555,7 @@
     </p:spTree>
     <p:extLst>
       <p:ext uri="{BB962C8B-B14F-4D97-AF65-F5344CB8AC3E}">
-        <p14:creationId xmlns:p14="http://schemas.microsoft.com/office/powerpoint/2010/main" val="2023517144"/>
+        <p14:creationId xmlns:p14="http://schemas.microsoft.com/office/powerpoint/2010/main" val="2162890126"/>
       </p:ext>
     </p:extLst>
   </p:cSld>
@@ -1491,13 +1611,8 @@
           <a:p>
             <a:r>
               <a:rPr lang="en-US" dirty="0"/>
-              <a:t>Its</a:t>
-            </a:r>
-            <a:r>
-              <a:rPr lang="en-US" baseline="0" dirty="0"/>
-              <a:t> easy  to read. Notice it goes up to “Almond roasting” then we run out of room on the page</a:t>
-            </a:r>
-            <a:endParaRPr lang="en-US" dirty="0"/>
+              <a:t>Not sure what the power pellets are…. Business Requirements?</a:t>
+            </a:r>
           </a:p>
         </p:txBody>
       </p:sp>
@@ -1518,7 +1633,7 @@
           <a:p>
             <a:fld id="{C896673D-A7D2-47E4-9E64-948C4CAFD549}" type="slidenum">
               <a:rPr lang="en-US" smtClean="0"/>
-              <a:t>34</a:t>
+              <a:t>32</a:t>
             </a:fld>
             <a:endParaRPr lang="en-US"/>
           </a:p>
@@ -1527,7 +1642,7 @@
     </p:spTree>
     <p:extLst>
       <p:ext uri="{BB962C8B-B14F-4D97-AF65-F5344CB8AC3E}">
-        <p14:creationId xmlns:p14="http://schemas.microsoft.com/office/powerpoint/2010/main" val="3632026493"/>
+        <p14:creationId xmlns:p14="http://schemas.microsoft.com/office/powerpoint/2010/main" val="2023517144"/>
       </p:ext>
     </p:extLst>
   </p:cSld>
@@ -1583,11 +1698,11 @@
           <a:p>
             <a:r>
               <a:rPr lang="en-US" dirty="0"/>
-              <a:t>ROW</a:t>
+              <a:t>Its</a:t>
             </a:r>
             <a:r>
               <a:rPr lang="en-US" baseline="0" dirty="0"/>
-              <a:t> compression squishes the data by removing extra space.</a:t>
+              <a:t> easy  to read. Notice it goes up to “Almond roasting” then we run out of room on the page</a:t>
             </a:r>
             <a:endParaRPr lang="en-US" dirty="0"/>
           </a:p>
@@ -1610,7 +1725,7 @@
           <a:p>
             <a:fld id="{C896673D-A7D2-47E4-9E64-948C4CAFD549}" type="slidenum">
               <a:rPr lang="en-US" smtClean="0"/>
-              <a:t>35</a:t>
+              <a:t>34</a:t>
             </a:fld>
             <a:endParaRPr lang="en-US"/>
           </a:p>
@@ -1619,7 +1734,7 @@
     </p:spTree>
     <p:extLst>
       <p:ext uri="{BB962C8B-B14F-4D97-AF65-F5344CB8AC3E}">
-        <p14:creationId xmlns:p14="http://schemas.microsoft.com/office/powerpoint/2010/main" val="1089363518"/>
+        <p14:creationId xmlns:p14="http://schemas.microsoft.com/office/powerpoint/2010/main" val="3632026493"/>
       </p:ext>
     </p:extLst>
   </p:cSld>
@@ -1675,11 +1790,11 @@
           <a:p>
             <a:r>
               <a:rPr lang="en-US" dirty="0"/>
-              <a:t>Compression is</a:t>
+              <a:t>Some</a:t>
             </a:r>
             <a:r>
               <a:rPr lang="en-US" baseline="0" dirty="0"/>
-              <a:t> something you should think about. It’s relatively easy to change. But if you think about it up-front, you can save yourself some headaches down the road. </a:t>
+              <a:t> of the things I love most in life– My husband, my pups, my food (I love to cook), and my city.</a:t>
             </a:r>
             <a:endParaRPr lang="en-US" dirty="0"/>
           </a:p>
@@ -1702,16 +1817,16 @@
           <a:p>
             <a:fld id="{C896673D-A7D2-47E4-9E64-948C4CAFD549}" type="slidenum">
               <a:rPr lang="en-US" smtClean="0"/>
-              <a:t>4</a:t>
+              <a:t>3</a:t>
             </a:fld>
-            <a:endParaRPr lang="en-US"/>
+            <a:endParaRPr lang="en-US" dirty="0"/>
           </a:p>
         </p:txBody>
       </p:sp>
     </p:spTree>
     <p:extLst>
       <p:ext uri="{BB962C8B-B14F-4D97-AF65-F5344CB8AC3E}">
-        <p14:creationId xmlns:p14="http://schemas.microsoft.com/office/powerpoint/2010/main" val="1842135303"/>
+        <p14:creationId xmlns:p14="http://schemas.microsoft.com/office/powerpoint/2010/main" val="3375724445"/>
       </p:ext>
     </p:extLst>
   </p:cSld>
@@ -1767,22 +1882,11 @@
           <a:p>
             <a:r>
               <a:rPr lang="en-US" dirty="0"/>
-              <a:t>See? I removed extra space, an fit even more stuff on the page! We</a:t>
+              <a:t>ROW</a:t>
             </a:r>
             <a:r>
               <a:rPr lang="en-US" baseline="0" dirty="0"/>
-              <a:t> made it all the way to Bacon!</a:t>
-            </a:r>
-            <a:br>
-              <a:rPr lang="en-US" dirty="0"/>
-            </a:br>
-            <a:r>
-              <a:rPr lang="en-US" dirty="0"/>
-              <a:t>The</a:t>
-            </a:r>
-            <a:r>
-              <a:rPr lang="en-US" baseline="0" dirty="0"/>
-              <a:t> added cost is that it’s a bit harder to read. I have to think a little bit harder to read the data.</a:t>
+              <a:t> compression squishes the data by removing extra space.</a:t>
             </a:r>
             <a:endParaRPr lang="en-US" dirty="0"/>
           </a:p>
@@ -1805,7 +1909,7 @@
           <a:p>
             <a:fld id="{C896673D-A7D2-47E4-9E64-948C4CAFD549}" type="slidenum">
               <a:rPr lang="en-US" smtClean="0"/>
-              <a:t>36</a:t>
+              <a:t>35</a:t>
             </a:fld>
             <a:endParaRPr lang="en-US"/>
           </a:p>
@@ -1814,7 +1918,7 @@
     </p:spTree>
     <p:extLst>
       <p:ext uri="{BB962C8B-B14F-4D97-AF65-F5344CB8AC3E}">
-        <p14:creationId xmlns:p14="http://schemas.microsoft.com/office/powerpoint/2010/main" val="3633198066"/>
+        <p14:creationId xmlns:p14="http://schemas.microsoft.com/office/powerpoint/2010/main" val="1089363518"/>
       </p:ext>
     </p:extLst>
   </p:cSld>
@@ -1869,8 +1973,23 @@
           <a:lstStyle/>
           <a:p>
             <a:r>
-              <a:rPr lang="en-US" sz="1200" dirty="0"/>
-              <a:t>A PAGE compressed index could have some pages that are not page-compressed</a:t>
+              <a:rPr lang="en-US" dirty="0"/>
+              <a:t>See? I removed extra space, an fit even more stuff on the page! We</a:t>
+            </a:r>
+            <a:r>
+              <a:rPr lang="en-US" baseline="0" dirty="0"/>
+              <a:t> made it all the way to Bacon!</a:t>
+            </a:r>
+            <a:br>
+              <a:rPr lang="en-US" dirty="0"/>
+            </a:br>
+            <a:r>
+              <a:rPr lang="en-US" dirty="0"/>
+              <a:t>The</a:t>
+            </a:r>
+            <a:r>
+              <a:rPr lang="en-US" baseline="0" dirty="0"/>
+              <a:t> added cost is that it’s a bit harder to read. I have to think a little bit harder to read the data.</a:t>
             </a:r>
             <a:endParaRPr lang="en-US" dirty="0"/>
           </a:p>
@@ -1893,7 +2012,7 @@
           <a:p>
             <a:fld id="{C896673D-A7D2-47E4-9E64-948C4CAFD549}" type="slidenum">
               <a:rPr lang="en-US" smtClean="0"/>
-              <a:t>37</a:t>
+              <a:t>36</a:t>
             </a:fld>
             <a:endParaRPr lang="en-US"/>
           </a:p>
@@ -1902,7 +2021,7 @@
     </p:spTree>
     <p:extLst>
       <p:ext uri="{BB962C8B-B14F-4D97-AF65-F5344CB8AC3E}">
-        <p14:creationId xmlns:p14="http://schemas.microsoft.com/office/powerpoint/2010/main" val="513011265"/>
+        <p14:creationId xmlns:p14="http://schemas.microsoft.com/office/powerpoint/2010/main" val="3633198066"/>
       </p:ext>
     </p:extLst>
   </p:cSld>
@@ -1957,21 +2076,8 @@
           <a:lstStyle/>
           <a:p>
             <a:r>
-              <a:rPr lang="en-US" baseline="0" dirty="0"/>
-              <a:t>Just follow the pointers below to the dictionary at the top. </a:t>
-            </a:r>
-            <a:br>
-              <a:rPr lang="en-US" baseline="0" dirty="0"/>
-            </a:br>
-            <a:r>
-              <a:rPr lang="en-US" baseline="0" dirty="0"/>
-              <a:t>And this is even harder to read, right? You just have to think about it more—Spin more CPU cycles and you can figure it out.</a:t>
-            </a:r>
-          </a:p>
-          <a:p>
-            <a:r>
-              <a:rPr lang="en-US" baseline="0" dirty="0"/>
-              <a:t>But we fit even more data. Past Bacon, and on to Brioche!</a:t>
+              <a:rPr lang="en-US" sz="1200" dirty="0"/>
+              <a:t>A PAGE compressed index could have some pages that are not page-compressed</a:t>
             </a:r>
             <a:endParaRPr lang="en-US" dirty="0"/>
           </a:p>
@@ -1994,7 +2100,7 @@
           <a:p>
             <a:fld id="{C896673D-A7D2-47E4-9E64-948C4CAFD549}" type="slidenum">
               <a:rPr lang="en-US" smtClean="0"/>
-              <a:t>39</a:t>
+              <a:t>37</a:t>
             </a:fld>
             <a:endParaRPr lang="en-US"/>
           </a:p>
@@ -2003,7 +2109,7 @@
     </p:spTree>
     <p:extLst>
       <p:ext uri="{BB962C8B-B14F-4D97-AF65-F5344CB8AC3E}">
-        <p14:creationId xmlns:p14="http://schemas.microsoft.com/office/powerpoint/2010/main" val="890822103"/>
+        <p14:creationId xmlns:p14="http://schemas.microsoft.com/office/powerpoint/2010/main" val="513011265"/>
       </p:ext>
     </p:extLst>
   </p:cSld>
@@ -2058,12 +2164,21 @@
           <a:lstStyle/>
           <a:p>
             <a:r>
-              <a:rPr lang="en-US" dirty="0"/>
-              <a:t>This last bullet</a:t>
-            </a:r>
-            <a:r>
               <a:rPr lang="en-US" baseline="0" dirty="0"/>
-              <a:t> is important. Even if you fall back &amp; don’t use ROW compression, you STILL PERFORM PAGE COMPRESSION every time you write the page…you just don’t save your work</a:t>
+              <a:t>Just follow the pointers below to the dictionary at the top. </a:t>
+            </a:r>
+            <a:br>
+              <a:rPr lang="en-US" baseline="0" dirty="0"/>
+            </a:br>
+            <a:r>
+              <a:rPr lang="en-US" baseline="0" dirty="0"/>
+              <a:t>And this is even harder to read, right? You just have to think about it more—Spin more CPU cycles and you can figure it out.</a:t>
+            </a:r>
+          </a:p>
+          <a:p>
+            <a:r>
+              <a:rPr lang="en-US" baseline="0" dirty="0"/>
+              <a:t>But we fit even more data. Past Bacon, and on to Brioche!</a:t>
             </a:r>
             <a:endParaRPr lang="en-US" dirty="0"/>
           </a:p>
@@ -2086,7 +2201,7 @@
           <a:p>
             <a:fld id="{C896673D-A7D2-47E4-9E64-948C4CAFD549}" type="slidenum">
               <a:rPr lang="en-US" smtClean="0"/>
-              <a:t>40</a:t>
+              <a:t>39</a:t>
             </a:fld>
             <a:endParaRPr lang="en-US"/>
           </a:p>
@@ -2095,7 +2210,7 @@
     </p:spTree>
     <p:extLst>
       <p:ext uri="{BB962C8B-B14F-4D97-AF65-F5344CB8AC3E}">
-        <p14:creationId xmlns:p14="http://schemas.microsoft.com/office/powerpoint/2010/main" val="591425665"/>
+        <p14:creationId xmlns:p14="http://schemas.microsoft.com/office/powerpoint/2010/main" val="890822103"/>
       </p:ext>
     </p:extLst>
   </p:cSld>
@@ -2151,11 +2266,11 @@
           <a:p>
             <a:r>
               <a:rPr lang="en-US" dirty="0"/>
-              <a:t>I’m going to step through</a:t>
+              <a:t>This last bullet</a:t>
             </a:r>
             <a:r>
               <a:rPr lang="en-US" baseline="0" dirty="0"/>
-              <a:t> this a bit slower than the BOL article… I think the BOL article is a bit confusing, but I’m using the same example.</a:t>
+              <a:t> is important. Even if you fall back &amp; don’t use ROW compression, you STILL PERFORM PAGE COMPRESSION every time you write the page…you just don’t save your work</a:t>
             </a:r>
             <a:endParaRPr lang="en-US" dirty="0"/>
           </a:p>
@@ -2178,16 +2293,16 @@
           <a:p>
             <a:fld id="{C896673D-A7D2-47E4-9E64-948C4CAFD549}" type="slidenum">
               <a:rPr lang="en-US" smtClean="0"/>
-              <a:t>41</a:t>
+              <a:t>40</a:t>
             </a:fld>
-            <a:endParaRPr lang="en-US" dirty="0"/>
+            <a:endParaRPr lang="en-US"/>
           </a:p>
         </p:txBody>
       </p:sp>
     </p:spTree>
     <p:extLst>
       <p:ext uri="{BB962C8B-B14F-4D97-AF65-F5344CB8AC3E}">
-        <p14:creationId xmlns:p14="http://schemas.microsoft.com/office/powerpoint/2010/main" val="2344421708"/>
+        <p14:creationId xmlns:p14="http://schemas.microsoft.com/office/powerpoint/2010/main" val="591425665"/>
       </p:ext>
     </p:extLst>
   </p:cSld>
@@ -2241,6 +2356,14 @@
           <a:bodyPr/>
           <a:lstStyle/>
           <a:p>
+            <a:r>
+              <a:rPr lang="en-US" dirty="0"/>
+              <a:t>I’m going to step through</a:t>
+            </a:r>
+            <a:r>
+              <a:rPr lang="en-US" baseline="0" dirty="0"/>
+              <a:t> this a bit slower than the BOL article… I think the BOL article is a bit confusing, but I’m using the same example.</a:t>
+            </a:r>
             <a:endParaRPr lang="en-US" dirty="0"/>
           </a:p>
         </p:txBody>
@@ -2262,7 +2385,7 @@
           <a:p>
             <a:fld id="{C896673D-A7D2-47E4-9E64-948C4CAFD549}" type="slidenum">
               <a:rPr lang="en-US" smtClean="0"/>
-              <a:t>44</a:t>
+              <a:t>41</a:t>
             </a:fld>
             <a:endParaRPr lang="en-US" dirty="0"/>
           </a:p>
@@ -2271,7 +2394,7 @@
     </p:spTree>
     <p:extLst>
       <p:ext uri="{BB962C8B-B14F-4D97-AF65-F5344CB8AC3E}">
-        <p14:creationId xmlns:p14="http://schemas.microsoft.com/office/powerpoint/2010/main" val="3940925122"/>
+        <p14:creationId xmlns:p14="http://schemas.microsoft.com/office/powerpoint/2010/main" val="2344421708"/>
       </p:ext>
     </p:extLst>
   </p:cSld>
@@ -2346,7 +2469,7 @@
           <a:p>
             <a:fld id="{C896673D-A7D2-47E4-9E64-948C4CAFD549}" type="slidenum">
               <a:rPr lang="en-US" smtClean="0"/>
-              <a:t>45</a:t>
+              <a:t>44</a:t>
             </a:fld>
             <a:endParaRPr lang="en-US" dirty="0"/>
           </a:p>
@@ -2355,7 +2478,7 @@
     </p:spTree>
     <p:extLst>
       <p:ext uri="{BB962C8B-B14F-4D97-AF65-F5344CB8AC3E}">
-        <p14:creationId xmlns:p14="http://schemas.microsoft.com/office/powerpoint/2010/main" val="275371068"/>
+        <p14:creationId xmlns:p14="http://schemas.microsoft.com/office/powerpoint/2010/main" val="3940925122"/>
       </p:ext>
     </p:extLst>
   </p:cSld>
@@ -2409,14 +2532,6 @@
           <a:bodyPr/>
           <a:lstStyle/>
           <a:p>
-            <a:r>
-              <a:rPr lang="en-US" dirty="0"/>
-              <a:t>In reality,</a:t>
-            </a:r>
-            <a:r>
-              <a:rPr lang="en-US" baseline="0" dirty="0"/>
-              <a:t> the page isn’t stored like a grid, so all that white space actually gets used</a:t>
-            </a:r>
             <a:endParaRPr lang="en-US" dirty="0"/>
           </a:p>
         </p:txBody>
@@ -2438,6 +2553,98 @@
           <a:p>
             <a:fld id="{C896673D-A7D2-47E4-9E64-948C4CAFD549}" type="slidenum">
               <a:rPr lang="en-US" smtClean="0"/>
+              <a:t>45</a:t>
+            </a:fld>
+            <a:endParaRPr lang="en-US" dirty="0"/>
+          </a:p>
+        </p:txBody>
+      </p:sp>
+    </p:spTree>
+    <p:extLst>
+      <p:ext uri="{BB962C8B-B14F-4D97-AF65-F5344CB8AC3E}">
+        <p14:creationId xmlns:p14="http://schemas.microsoft.com/office/powerpoint/2010/main" val="275371068"/>
+      </p:ext>
+    </p:extLst>
+  </p:cSld>
+  <p:clrMapOvr>
+    <a:masterClrMapping/>
+  </p:clrMapOvr>
+</p:notes>
+</file>
+
+<file path=ppt/notesSlides/notesSlide28.xml><?xml version="1.0" encoding="utf-8"?>
+<p:notes xmlns:a="http://schemas.openxmlformats.org/drawingml/2006/main" xmlns:r="http://schemas.openxmlformats.org/officeDocument/2006/relationships" xmlns:p="http://schemas.openxmlformats.org/presentationml/2006/main">
+  <p:cSld>
+    <p:spTree>
+      <p:nvGrpSpPr>
+        <p:cNvPr id="1" name=""/>
+        <p:cNvGrpSpPr/>
+        <p:nvPr/>
+      </p:nvGrpSpPr>
+      <p:grpSpPr>
+        <a:xfrm>
+          <a:off x="0" y="0"/>
+          <a:ext cx="0" cy="0"/>
+          <a:chOff x="0" y="0"/>
+          <a:chExt cx="0" cy="0"/>
+        </a:xfrm>
+      </p:grpSpPr>
+      <p:sp>
+        <p:nvSpPr>
+          <p:cNvPr id="2" name="Slide Image Placeholder 1"/>
+          <p:cNvSpPr>
+            <a:spLocks noGrp="1" noRot="1" noChangeAspect="1"/>
+          </p:cNvSpPr>
+          <p:nvPr>
+            <p:ph type="sldImg"/>
+          </p:nvPr>
+        </p:nvSpPr>
+        <p:spPr/>
+      </p:sp>
+      <p:sp>
+        <p:nvSpPr>
+          <p:cNvPr id="3" name="Notes Placeholder 2"/>
+          <p:cNvSpPr>
+            <a:spLocks noGrp="1"/>
+          </p:cNvSpPr>
+          <p:nvPr>
+            <p:ph type="body" idx="1"/>
+          </p:nvPr>
+        </p:nvSpPr>
+        <p:spPr/>
+        <p:txBody>
+          <a:bodyPr/>
+          <a:lstStyle/>
+          <a:p>
+            <a:r>
+              <a:rPr lang="en-US" dirty="0"/>
+              <a:t>In reality,</a:t>
+            </a:r>
+            <a:r>
+              <a:rPr lang="en-US" baseline="0" dirty="0"/>
+              <a:t> the page isn’t stored like a grid, so all that white space actually gets used</a:t>
+            </a:r>
+            <a:endParaRPr lang="en-US" dirty="0"/>
+          </a:p>
+        </p:txBody>
+      </p:sp>
+      <p:sp>
+        <p:nvSpPr>
+          <p:cNvPr id="4" name="Slide Number Placeholder 3"/>
+          <p:cNvSpPr>
+            <a:spLocks noGrp="1"/>
+          </p:cNvSpPr>
+          <p:nvPr>
+            <p:ph type="sldNum" sz="quarter" idx="10"/>
+          </p:nvPr>
+        </p:nvSpPr>
+        <p:spPr/>
+        <p:txBody>
+          <a:bodyPr/>
+          <a:lstStyle/>
+          <a:p>
+            <a:fld id="{C896673D-A7D2-47E4-9E64-948C4CAFD549}" type="slidenum">
+              <a:rPr lang="en-US" smtClean="0"/>
               <a:t>49</a:t>
             </a:fld>
             <a:endParaRPr lang="en-US" dirty="0"/>
@@ -2457,7 +2664,7 @@
 </p:notes>
 </file>
 
-<file path=ppt/notesSlides/notesSlide28.xml><?xml version="1.0" encoding="utf-8"?>
+<file path=ppt/notesSlides/notesSlide29.xml><?xml version="1.0" encoding="utf-8"?>
 <p:notes xmlns:a="http://schemas.openxmlformats.org/drawingml/2006/main" xmlns:r="http://schemas.openxmlformats.org/officeDocument/2006/relationships" xmlns:p="http://schemas.openxmlformats.org/presentationml/2006/main">
   <p:cSld>
     <p:spTree>
@@ -2593,7 +2800,7 @@
           <a:bodyPr/>
           <a:lstStyle/>
           <a:p>
-            <a:endParaRPr lang="en-US" dirty="0"/>
+            <a:endParaRPr lang="en-US"/>
           </a:p>
         </p:txBody>
       </p:sp>
@@ -2614,16 +2821,16 @@
           <a:p>
             <a:fld id="{C896673D-A7D2-47E4-9E64-948C4CAFD549}" type="slidenum">
               <a:rPr lang="en-US" smtClean="0"/>
-              <a:t>7</a:t>
+              <a:t>4</a:t>
             </a:fld>
-            <a:endParaRPr lang="en-US" dirty="0"/>
+            <a:endParaRPr lang="en-US"/>
           </a:p>
         </p:txBody>
       </p:sp>
     </p:spTree>
     <p:extLst>
       <p:ext uri="{BB962C8B-B14F-4D97-AF65-F5344CB8AC3E}">
-        <p14:creationId xmlns:p14="http://schemas.microsoft.com/office/powerpoint/2010/main" val="4103740111"/>
+        <p14:creationId xmlns:p14="http://schemas.microsoft.com/office/powerpoint/2010/main" val="3134707332"/>
       </p:ext>
     </p:extLst>
   </p:cSld>
@@ -2677,14 +2884,6 @@
           <a:bodyPr/>
           <a:lstStyle/>
           <a:p>
-            <a:r>
-              <a:rPr lang="en-US" dirty="0"/>
-              <a:t>Some</a:t>
-            </a:r>
-            <a:r>
-              <a:rPr lang="en-US" baseline="0" dirty="0"/>
-              <a:t> of the things I love most in life– My husband, my pups, my food (I love to cook), and my city.</a:t>
-            </a:r>
             <a:endParaRPr lang="en-US" dirty="0"/>
           </a:p>
         </p:txBody>
@@ -2704,18 +2903,18 @@
           <a:bodyPr/>
           <a:lstStyle/>
           <a:p>
-            <a:fld id="{C896673D-A7D2-47E4-9E64-948C4CAFD549}" type="slidenum">
+            <a:fld id="{779A04C5-9DE5-4446-B695-AEC521FFABC6}" type="slidenum">
               <a:rPr lang="en-US" smtClean="0"/>
-              <a:t>8</a:t>
+              <a:t>5</a:t>
             </a:fld>
-            <a:endParaRPr lang="en-US" dirty="0"/>
+            <a:endParaRPr lang="en-US"/>
           </a:p>
         </p:txBody>
       </p:sp>
     </p:spTree>
     <p:extLst>
       <p:ext uri="{BB962C8B-B14F-4D97-AF65-F5344CB8AC3E}">
-        <p14:creationId xmlns:p14="http://schemas.microsoft.com/office/powerpoint/2010/main" val="3375724445"/>
+        <p14:creationId xmlns:p14="http://schemas.microsoft.com/office/powerpoint/2010/main" val="2847990006"/>
       </p:ext>
     </p:extLst>
   </p:cSld>
@@ -2769,7 +2968,14 @@
           <a:bodyPr/>
           <a:lstStyle/>
           <a:p>
-            <a:endParaRPr lang="en-US"/>
+            <a:r>
+              <a:rPr lang="en-US" dirty="0"/>
+              <a:t>Who doesn’t want free advice from Brent</a:t>
+            </a:r>
+            <a:r>
+              <a:rPr lang="en-US" baseline="0" dirty="0"/>
+              <a:t> Ozar or Aaron Bertrand?</a:t>
+            </a:r>
           </a:p>
         </p:txBody>
       </p:sp>
@@ -2790,7 +2996,7 @@
           <a:p>
             <a:fld id="{C896673D-A7D2-47E4-9E64-948C4CAFD549}" type="slidenum">
               <a:rPr lang="en-US" smtClean="0"/>
-              <a:t>10</a:t>
+              <a:t>6</a:t>
             </a:fld>
             <a:endParaRPr lang="en-US"/>
           </a:p>
@@ -2799,7 +3005,7 @@
     </p:spTree>
     <p:extLst>
       <p:ext uri="{BB962C8B-B14F-4D97-AF65-F5344CB8AC3E}">
-        <p14:creationId xmlns:p14="http://schemas.microsoft.com/office/powerpoint/2010/main" val="3079633936"/>
+        <p14:creationId xmlns:p14="http://schemas.microsoft.com/office/powerpoint/2010/main" val="2158652149"/>
       </p:ext>
     </p:extLst>
   </p:cSld>
@@ -2881,7 +3087,7 @@
           <a:p>
             <a:fld id="{C896673D-A7D2-47E4-9E64-948C4CAFD549}" type="slidenum">
               <a:rPr lang="en-US" smtClean="0"/>
-              <a:t>11</a:t>
+              <a:t>7</a:t>
             </a:fld>
             <a:endParaRPr lang="en-US"/>
           </a:p>
@@ -2890,7 +3096,7 @@
     </p:spTree>
     <p:extLst>
       <p:ext uri="{BB962C8B-B14F-4D97-AF65-F5344CB8AC3E}">
-        <p14:creationId xmlns:p14="http://schemas.microsoft.com/office/powerpoint/2010/main" val="2158652149"/>
+        <p14:creationId xmlns:p14="http://schemas.microsoft.com/office/powerpoint/2010/main" val="732915972"/>
       </p:ext>
     </p:extLst>
   </p:cSld>
@@ -2944,14 +3150,7 @@
           <a:bodyPr/>
           <a:lstStyle/>
           <a:p>
-            <a:r>
-              <a:rPr lang="en-US" dirty="0"/>
-              <a:t>Who doesn’t want free advice from Brent</a:t>
-            </a:r>
-            <a:r>
-              <a:rPr lang="en-US" baseline="0" dirty="0"/>
-              <a:t> Ozar or Aaron Bertrand?</a:t>
-            </a:r>
+            <a:endParaRPr lang="en-US"/>
           </a:p>
         </p:txBody>
       </p:sp>
@@ -2972,7 +3171,7 @@
           <a:p>
             <a:fld id="{C896673D-A7D2-47E4-9E64-948C4CAFD549}" type="slidenum">
               <a:rPr lang="en-US" smtClean="0"/>
-              <a:t>12</a:t>
+              <a:t>8</a:t>
             </a:fld>
             <a:endParaRPr lang="en-US"/>
           </a:p>
@@ -2981,7 +3180,7 @@
     </p:spTree>
     <p:extLst>
       <p:ext uri="{BB962C8B-B14F-4D97-AF65-F5344CB8AC3E}">
-        <p14:creationId xmlns:p14="http://schemas.microsoft.com/office/powerpoint/2010/main" val="732915972"/>
+        <p14:creationId xmlns:p14="http://schemas.microsoft.com/office/powerpoint/2010/main" val="2692536625"/>
       </p:ext>
     </p:extLst>
   </p:cSld>
@@ -3035,7 +3234,15 @@
           <a:bodyPr/>
           <a:lstStyle/>
           <a:p>
-            <a:endParaRPr lang="en-US"/>
+            <a:r>
+              <a:rPr lang="en-US" dirty="0"/>
+              <a:t>As a fraternity pledge</a:t>
+            </a:r>
+            <a:r>
+              <a:rPr lang="en-US" baseline="0" dirty="0"/>
+              <a:t> for Lambda Chi Alpha, he was the shortest pledge at 5-foot 7-inches. The pledges were instructed to take their shortest member and in the cover of night, measure the length of the Mass Ave Bridge, which spans from Cambridge (where MIT is) to Boston. They were to mark the distance on the bridge with paint, and report back with the exact measurement. To this day, pledges re-paint the bridge every year to mark the distance in smoots. When the bridge was rebuilt in the late 1980s, the expansion joints were specifically engineered to be 1-smoot long.</a:t>
+            </a:r>
+            <a:endParaRPr lang="en-US" dirty="0"/>
           </a:p>
         </p:txBody>
       </p:sp>
@@ -3056,7 +3263,7 @@
           <a:p>
             <a:fld id="{C896673D-A7D2-47E4-9E64-948C4CAFD549}" type="slidenum">
               <a:rPr lang="en-US" smtClean="0"/>
-              <a:t>13</a:t>
+              <a:t>10</a:t>
             </a:fld>
             <a:endParaRPr lang="en-US"/>
           </a:p>
@@ -3065,7 +3272,7 @@
     </p:spTree>
     <p:extLst>
       <p:ext uri="{BB962C8B-B14F-4D97-AF65-F5344CB8AC3E}">
-        <p14:creationId xmlns:p14="http://schemas.microsoft.com/office/powerpoint/2010/main" val="2692536625"/>
+        <p14:creationId xmlns:p14="http://schemas.microsoft.com/office/powerpoint/2010/main" val="255056761"/>
       </p:ext>
     </p:extLst>
   </p:cSld>
@@ -3121,8 +3328,13 @@
           <a:p>
             <a:r>
               <a:rPr lang="en-US" dirty="0"/>
-              <a:t>We won’t cover every demo script I have—we’ll cover a few, and I’ll give you the rest to explore on your own.</a:t>
-            </a:r>
+              <a:t>Compression is</a:t>
+            </a:r>
+            <a:r>
+              <a:rPr lang="en-US" baseline="0" dirty="0"/>
+              <a:t> something you should think about. It’s relatively easy to change. But if you think about it up-front, you can save yourself some headaches down the road. </a:t>
+            </a:r>
+            <a:endParaRPr lang="en-US" dirty="0"/>
           </a:p>
         </p:txBody>
       </p:sp>
@@ -3143,7 +3355,7 @@
           <a:p>
             <a:fld id="{C896673D-A7D2-47E4-9E64-948C4CAFD549}" type="slidenum">
               <a:rPr lang="en-US" smtClean="0"/>
-              <a:t>16</a:t>
+              <a:t>12</a:t>
             </a:fld>
             <a:endParaRPr lang="en-US"/>
           </a:p>
@@ -3152,7 +3364,7 @@
     </p:spTree>
     <p:extLst>
       <p:ext uri="{BB962C8B-B14F-4D97-AF65-F5344CB8AC3E}">
-        <p14:creationId xmlns:p14="http://schemas.microsoft.com/office/powerpoint/2010/main" val="1804979556"/>
+        <p14:creationId xmlns:p14="http://schemas.microsoft.com/office/powerpoint/2010/main" val="86768808"/>
       </p:ext>
     </p:extLst>
   </p:cSld>
@@ -3426,7 +3638,7 @@
             <a:fld id="{B61BEF0D-F0BB-DE4B-95CE-6DB70DBA9567}" type="datetimeFigureOut">
               <a:rPr lang="en-US" smtClean="0"/>
               <a:pPr/>
-              <a:t>1/31/2018</a:t>
+              <a:t>4/7/2018</a:t>
             </a:fld>
             <a:endParaRPr lang="en-US" dirty="0"/>
           </a:p>
@@ -3851,7 +4063,7 @@
             <a:fld id="{B61BEF0D-F0BB-DE4B-95CE-6DB70DBA9567}" type="datetimeFigureOut">
               <a:rPr lang="en-US" smtClean="0"/>
               <a:pPr/>
-              <a:t>1/31/2018</a:t>
+              <a:t>4/7/2018</a:t>
             </a:fld>
             <a:endParaRPr lang="en-US" dirty="0"/>
           </a:p>
@@ -7697,2388 +7909,6 @@
           <a:lstStyle/>
           <a:p>
             <a:r>
-              <a:rPr lang="en-US"/>
-              <a:t>Contact Info</a:t>
-            </a:r>
-            <a:endParaRPr lang="en-US" dirty="0"/>
-          </a:p>
-        </p:txBody>
-      </p:sp>
-      <p:pic>
-        <p:nvPicPr>
-          <p:cNvPr id="11" name="Picture 10"/>
-          <p:cNvPicPr>
-            <a:picLocks noChangeAspect="1"/>
-          </p:cNvPicPr>
-          <p:nvPr/>
-        </p:nvPicPr>
-        <p:blipFill>
-          <a:blip r:embed="rId3">
-            <a:extLst>
-              <a:ext uri="{28A0092B-C50C-407E-A947-70E740481C1C}">
-                <a14:useLocalDpi xmlns:a14="http://schemas.microsoft.com/office/drawing/2010/main" val="0"/>
-              </a:ext>
-            </a:extLst>
-          </a:blip>
-          <a:stretch>
-            <a:fillRect/>
-          </a:stretch>
-        </p:blipFill>
-        <p:spPr>
-          <a:xfrm>
-            <a:off x="7360359" y="103291"/>
-            <a:ext cx="4394812" cy="4394812"/>
-          </a:xfrm>
-          <a:prstGeom prst="rect">
-            <a:avLst/>
-          </a:prstGeom>
-        </p:spPr>
-      </p:pic>
-      <p:grpSp>
-        <p:nvGrpSpPr>
-          <p:cNvPr id="3" name="Group 2"/>
-          <p:cNvGrpSpPr/>
-          <p:nvPr/>
-        </p:nvGrpSpPr>
-        <p:grpSpPr>
-          <a:xfrm>
-            <a:off x="843364" y="2088123"/>
-            <a:ext cx="4539240" cy="3855170"/>
-            <a:chOff x="668864" y="1747646"/>
-            <a:chExt cx="4539240" cy="3855170"/>
-          </a:xfrm>
-        </p:grpSpPr>
-        <p:grpSp>
-          <p:nvGrpSpPr>
-            <p:cNvPr id="8" name="Group 7"/>
-            <p:cNvGrpSpPr/>
-            <p:nvPr/>
-          </p:nvGrpSpPr>
-          <p:grpSpPr>
-            <a:xfrm>
-              <a:off x="704392" y="2835927"/>
-              <a:ext cx="2350816" cy="601844"/>
-              <a:chOff x="677334" y="6036327"/>
-              <a:chExt cx="2350816" cy="601844"/>
-            </a:xfrm>
-          </p:grpSpPr>
-          <p:pic>
-            <p:nvPicPr>
-              <p:cNvPr id="6" name="Picture 2" descr="http://tomjamieson.com/wp-content/uploads/2013/11/twitter-logo-blue.png"/>
-              <p:cNvPicPr>
-                <a:picLocks noChangeAspect="1" noChangeArrowheads="1"/>
-              </p:cNvPicPr>
-              <p:nvPr/>
-            </p:nvPicPr>
-            <p:blipFill>
-              <a:blip r:embed="rId4">
-                <a:extLst>
-                  <a:ext uri="{28A0092B-C50C-407E-A947-70E740481C1C}">
-                    <a14:useLocalDpi xmlns:a14="http://schemas.microsoft.com/office/drawing/2010/main" val="0"/>
-                  </a:ext>
-                </a:extLst>
-              </a:blip>
-              <a:srcRect/>
-              <a:stretch>
-                <a:fillRect/>
-              </a:stretch>
-            </p:blipFill>
-            <p:spPr bwMode="auto">
-              <a:xfrm>
-                <a:off x="677334" y="6036327"/>
-                <a:ext cx="740282" cy="601844"/>
-              </a:xfrm>
-              <a:prstGeom prst="rect">
-                <a:avLst/>
-              </a:prstGeom>
-              <a:noFill/>
-              <a:extLst>
-                <a:ext uri="{909E8E84-426E-40DD-AFC4-6F175D3DCCD1}">
-                  <a14:hiddenFill xmlns:a14="http://schemas.microsoft.com/office/drawing/2010/main">
-                    <a:solidFill>
-                      <a:srgbClr val="FFFFFF"/>
-                    </a:solidFill>
-                  </a14:hiddenFill>
-                </a:ext>
-              </a:extLst>
-            </p:spPr>
-          </p:pic>
-          <p:sp>
-            <p:nvSpPr>
-              <p:cNvPr id="7" name="TextBox 6"/>
-              <p:cNvSpPr txBox="1"/>
-              <p:nvPr/>
-            </p:nvSpPr>
-            <p:spPr>
-              <a:xfrm>
-                <a:off x="1417616" y="6066904"/>
-                <a:ext cx="1610534" cy="461665"/>
-              </a:xfrm>
-              <a:prstGeom prst="rect">
-                <a:avLst/>
-              </a:prstGeom>
-              <a:noFill/>
-            </p:spPr>
-            <p:txBody>
-              <a:bodyPr wrap="square" rtlCol="0">
-                <a:spAutoFit/>
-              </a:bodyPr>
-              <a:lstStyle/>
-              <a:p>
-                <a:r>
-                  <a:rPr lang="en-US" sz="2400" dirty="0">
-                    <a:solidFill>
-                      <a:schemeClr val="tx1">
-                        <a:lumMod val="75000"/>
-                        <a:lumOff val="25000"/>
-                      </a:schemeClr>
-                    </a:solidFill>
-                  </a:rPr>
-                  <a:t>@</a:t>
-                </a:r>
-                <a:r>
-                  <a:rPr lang="en-US" sz="2400" dirty="0" err="1">
-                    <a:solidFill>
-                      <a:schemeClr val="tx1">
-                        <a:lumMod val="75000"/>
-                        <a:lumOff val="25000"/>
-                      </a:schemeClr>
-                    </a:solidFill>
-                  </a:rPr>
-                  <a:t>AMtwo</a:t>
-                </a:r>
-                <a:endParaRPr lang="en-US" sz="2400" dirty="0">
-                  <a:solidFill>
-                    <a:schemeClr val="tx1">
-                      <a:lumMod val="75000"/>
-                      <a:lumOff val="25000"/>
-                    </a:schemeClr>
-                  </a:solidFill>
-                </a:endParaRPr>
-              </a:p>
-            </p:txBody>
-          </p:sp>
-        </p:grpSp>
-        <p:grpSp>
-          <p:nvGrpSpPr>
-            <p:cNvPr id="18" name="Group 17"/>
-            <p:cNvGrpSpPr/>
-            <p:nvPr/>
-          </p:nvGrpSpPr>
-          <p:grpSpPr>
-            <a:xfrm>
-              <a:off x="668864" y="3793078"/>
-              <a:ext cx="4539240" cy="751418"/>
-              <a:chOff x="668864" y="3793078"/>
-              <a:chExt cx="4539240" cy="751418"/>
-            </a:xfrm>
-          </p:grpSpPr>
-          <p:pic>
-            <p:nvPicPr>
-              <p:cNvPr id="17" name="Picture 2" descr="http://randyjensenonline.com/thoughts/wp-content/uploads/2010/07/wordpressLogoSolo.png"/>
-              <p:cNvPicPr>
-                <a:picLocks noChangeAspect="1" noChangeArrowheads="1"/>
-              </p:cNvPicPr>
-              <p:nvPr/>
-            </p:nvPicPr>
-            <p:blipFill>
-              <a:blip r:embed="rId5">
-                <a:extLst>
-                  <a:ext uri="{28A0092B-C50C-407E-A947-70E740481C1C}">
-                    <a14:useLocalDpi xmlns:a14="http://schemas.microsoft.com/office/drawing/2010/main" val="0"/>
-                  </a:ext>
-                </a:extLst>
-              </a:blip>
-              <a:srcRect/>
-              <a:stretch>
-                <a:fillRect/>
-              </a:stretch>
-            </p:blipFill>
-            <p:spPr bwMode="auto">
-              <a:xfrm>
-                <a:off x="668864" y="3793078"/>
-                <a:ext cx="751418" cy="751418"/>
-              </a:xfrm>
-              <a:prstGeom prst="rect">
-                <a:avLst/>
-              </a:prstGeom>
-              <a:noFill/>
-              <a:extLst>
-                <a:ext uri="{909E8E84-426E-40DD-AFC4-6F175D3DCCD1}">
-                  <a14:hiddenFill xmlns:a14="http://schemas.microsoft.com/office/drawing/2010/main">
-                    <a:solidFill>
-                      <a:srgbClr val="FFFFFF"/>
-                    </a:solidFill>
-                  </a14:hiddenFill>
-                </a:ext>
-              </a:extLst>
-            </p:spPr>
-          </p:pic>
-          <p:sp>
-            <p:nvSpPr>
-              <p:cNvPr id="10" name="TextBox 9"/>
-              <p:cNvSpPr txBox="1"/>
-              <p:nvPr/>
-            </p:nvSpPr>
-            <p:spPr>
-              <a:xfrm>
-                <a:off x="1430615" y="3918769"/>
-                <a:ext cx="3777489" cy="461665"/>
-              </a:xfrm>
-              <a:prstGeom prst="rect">
-                <a:avLst/>
-              </a:prstGeom>
-              <a:noFill/>
-            </p:spPr>
-            <p:txBody>
-              <a:bodyPr wrap="square" rtlCol="0">
-                <a:spAutoFit/>
-              </a:bodyPr>
-              <a:lstStyle/>
-              <a:p>
-                <a:r>
-                  <a:rPr lang="en-US" sz="2400" dirty="0">
-                    <a:solidFill>
-                      <a:schemeClr val="tx1">
-                        <a:lumMod val="75000"/>
-                        <a:lumOff val="25000"/>
-                      </a:schemeClr>
-                    </a:solidFill>
-                  </a:rPr>
-                  <a:t>www.am2.co</a:t>
-                </a:r>
-              </a:p>
-            </p:txBody>
-          </p:sp>
-        </p:grpSp>
-        <p:grpSp>
-          <p:nvGrpSpPr>
-            <p:cNvPr id="14" name="Group 13"/>
-            <p:cNvGrpSpPr/>
-            <p:nvPr/>
-          </p:nvGrpSpPr>
-          <p:grpSpPr>
-            <a:xfrm>
-              <a:off x="677334" y="4902835"/>
-              <a:ext cx="4203009" cy="699981"/>
-              <a:chOff x="3984658" y="5163897"/>
-              <a:chExt cx="4203009" cy="699981"/>
-            </a:xfrm>
-          </p:grpSpPr>
-          <p:pic>
-            <p:nvPicPr>
-              <p:cNvPr id="1026" name="Picture 2" descr="http://www.madtownseo.com/wp-content/uploads/2014/07/linkedin-logo.png"/>
-              <p:cNvPicPr>
-                <a:picLocks noChangeAspect="1" noChangeArrowheads="1"/>
-              </p:cNvPicPr>
-              <p:nvPr/>
-            </p:nvPicPr>
-            <p:blipFill>
-              <a:blip r:embed="rId6">
-                <a:extLst>
-                  <a:ext uri="{28A0092B-C50C-407E-A947-70E740481C1C}">
-                    <a14:useLocalDpi xmlns:a14="http://schemas.microsoft.com/office/drawing/2010/main" val="0"/>
-                  </a:ext>
-                </a:extLst>
-              </a:blip>
-              <a:srcRect/>
-              <a:stretch>
-                <a:fillRect/>
-              </a:stretch>
-            </p:blipFill>
-            <p:spPr bwMode="auto">
-              <a:xfrm>
-                <a:off x="3984658" y="5163897"/>
-                <a:ext cx="792058" cy="699981"/>
-              </a:xfrm>
-              <a:prstGeom prst="rect">
-                <a:avLst/>
-              </a:prstGeom>
-              <a:noFill/>
-              <a:extLst>
-                <a:ext uri="{909E8E84-426E-40DD-AFC4-6F175D3DCCD1}">
-                  <a14:hiddenFill xmlns:a14="http://schemas.microsoft.com/office/drawing/2010/main">
-                    <a:solidFill>
-                      <a:srgbClr val="FFFFFF"/>
-                    </a:solidFill>
-                  </a14:hiddenFill>
-                </a:ext>
-              </a:extLst>
-            </p:spPr>
-          </p:pic>
-          <p:sp>
-            <p:nvSpPr>
-              <p:cNvPr id="13" name="TextBox 12"/>
-              <p:cNvSpPr txBox="1"/>
-              <p:nvPr/>
-            </p:nvSpPr>
-            <p:spPr>
-              <a:xfrm>
-                <a:off x="4724939" y="5283054"/>
-                <a:ext cx="3462728" cy="461665"/>
-              </a:xfrm>
-              <a:prstGeom prst="rect">
-                <a:avLst/>
-              </a:prstGeom>
-              <a:noFill/>
-            </p:spPr>
-            <p:txBody>
-              <a:bodyPr wrap="square" rtlCol="0">
-                <a:spAutoFit/>
-              </a:bodyPr>
-              <a:lstStyle/>
-              <a:p>
-                <a:r>
-                  <a:rPr lang="en-US" sz="2400" dirty="0">
-                    <a:solidFill>
-                      <a:schemeClr val="tx1">
-                        <a:lumMod val="75000"/>
-                        <a:lumOff val="25000"/>
-                      </a:schemeClr>
-                    </a:solidFill>
-                  </a:rPr>
-                  <a:t>linkedin.com/in/</a:t>
-                </a:r>
-                <a:r>
-                  <a:rPr lang="en-US" sz="2400" dirty="0" err="1">
-                    <a:solidFill>
-                      <a:schemeClr val="tx1">
-                        <a:lumMod val="75000"/>
-                        <a:lumOff val="25000"/>
-                      </a:schemeClr>
-                    </a:solidFill>
-                  </a:rPr>
-                  <a:t>AMtwo</a:t>
-                </a:r>
-                <a:endParaRPr lang="en-US" sz="2400" dirty="0">
-                  <a:solidFill>
-                    <a:schemeClr val="tx1">
-                      <a:lumMod val="75000"/>
-                      <a:lumOff val="25000"/>
-                    </a:schemeClr>
-                  </a:solidFill>
-                </a:endParaRPr>
-              </a:p>
-            </p:txBody>
-          </p:sp>
-        </p:grpSp>
-        <p:grpSp>
-          <p:nvGrpSpPr>
-            <p:cNvPr id="5" name="Group 4"/>
-            <p:cNvGrpSpPr/>
-            <p:nvPr/>
-          </p:nvGrpSpPr>
-          <p:grpSpPr>
-            <a:xfrm>
-              <a:off x="677334" y="1747646"/>
-              <a:ext cx="2996986" cy="811713"/>
-              <a:chOff x="641618" y="5093820"/>
-              <a:chExt cx="2996986" cy="811713"/>
-            </a:xfrm>
-          </p:grpSpPr>
-          <p:pic>
-            <p:nvPicPr>
-              <p:cNvPr id="1030" name="Picture 6" descr="https://lh6.ggpht.com/doFtR_H-dXJH0Mnm0zVchxrv0cWBy3O46_lWVYOnhY1M-cid2Tb7fX1FXPTyxx1BT24=w300"/>
-              <p:cNvPicPr>
-                <a:picLocks noChangeAspect="1" noChangeArrowheads="1"/>
-              </p:cNvPicPr>
-              <p:nvPr/>
-            </p:nvPicPr>
-            <p:blipFill>
-              <a:blip r:embed="rId7">
-                <a:extLst>
-                  <a:ext uri="{28A0092B-C50C-407E-A947-70E740481C1C}">
-                    <a14:useLocalDpi xmlns:a14="http://schemas.microsoft.com/office/drawing/2010/main" val="0"/>
-                  </a:ext>
-                </a:extLst>
-              </a:blip>
-              <a:srcRect/>
-              <a:stretch>
-                <a:fillRect/>
-              </a:stretch>
-            </p:blipFill>
-            <p:spPr bwMode="auto">
-              <a:xfrm>
-                <a:off x="641618" y="5093820"/>
-                <a:ext cx="811713" cy="811713"/>
-              </a:xfrm>
-              <a:prstGeom prst="rect">
-                <a:avLst/>
-              </a:prstGeom>
-              <a:noFill/>
-              <a:extLst>
-                <a:ext uri="{909E8E84-426E-40DD-AFC4-6F175D3DCCD1}">
-                  <a14:hiddenFill xmlns:a14="http://schemas.microsoft.com/office/drawing/2010/main">
-                    <a:solidFill>
-                      <a:srgbClr val="FFFFFF"/>
-                    </a:solidFill>
-                  </a14:hiddenFill>
-                </a:ext>
-              </a:extLst>
-            </p:spPr>
-          </p:pic>
-          <p:sp>
-            <p:nvSpPr>
-              <p:cNvPr id="15" name="TextBox 14"/>
-              <p:cNvSpPr txBox="1"/>
-              <p:nvPr/>
-            </p:nvSpPr>
-            <p:spPr>
-              <a:xfrm>
-                <a:off x="1489047" y="5268843"/>
-                <a:ext cx="2149557" cy="461665"/>
-              </a:xfrm>
-              <a:prstGeom prst="rect">
-                <a:avLst/>
-              </a:prstGeom>
-              <a:noFill/>
-            </p:spPr>
-            <p:txBody>
-              <a:bodyPr wrap="square" rtlCol="0">
-                <a:spAutoFit/>
-              </a:bodyPr>
-              <a:lstStyle/>
-              <a:p>
-                <a:r>
-                  <a:rPr lang="en-US" sz="2400" dirty="0">
-                    <a:solidFill>
-                      <a:schemeClr val="tx1">
-                        <a:lumMod val="75000"/>
-                        <a:lumOff val="25000"/>
-                      </a:schemeClr>
-                    </a:solidFill>
-                  </a:rPr>
-                  <a:t>andy@am2.co</a:t>
-                </a:r>
-              </a:p>
-            </p:txBody>
-          </p:sp>
-        </p:grpSp>
-      </p:grpSp>
-      <p:grpSp>
-        <p:nvGrpSpPr>
-          <p:cNvPr id="19" name="Group 18"/>
-          <p:cNvGrpSpPr/>
-          <p:nvPr/>
-        </p:nvGrpSpPr>
-        <p:grpSpPr>
-          <a:xfrm>
-            <a:off x="0" y="6353498"/>
-            <a:ext cx="12192000" cy="504502"/>
-            <a:chOff x="0" y="6353498"/>
-            <a:chExt cx="12192000" cy="504502"/>
-          </a:xfrm>
-        </p:grpSpPr>
-        <p:sp>
-          <p:nvSpPr>
-            <p:cNvPr id="20" name="Rectangle 19"/>
-            <p:cNvSpPr/>
-            <p:nvPr/>
-          </p:nvSpPr>
-          <p:spPr>
-            <a:xfrm>
-              <a:off x="0" y="6353498"/>
-              <a:ext cx="12192000" cy="504502"/>
-            </a:xfrm>
-            <a:prstGeom prst="rect">
-              <a:avLst/>
-            </a:prstGeom>
-            <a:solidFill>
-              <a:schemeClr val="accent1">
-                <a:alpha val="100000"/>
-              </a:schemeClr>
-            </a:solidFill>
-            <a:ln w="50800" cap="rnd" cmpd="dbl" algn="ctr">
-              <a:noFill/>
-              <a:prstDash val="solid"/>
-            </a:ln>
-            <a:effectLst/>
-          </p:spPr>
-          <p:style>
-            <a:lnRef idx="3">
-              <a:schemeClr val="lt1"/>
-            </a:lnRef>
-            <a:fillRef idx="1">
-              <a:schemeClr val="accent1"/>
-            </a:fillRef>
-            <a:effectRef idx="1">
-              <a:schemeClr val="accent1"/>
-            </a:effectRef>
-            <a:fontRef idx="minor">
-              <a:schemeClr val="lt1"/>
-            </a:fontRef>
-          </p:style>
-          <p:txBody>
-            <a:bodyPr anchor="ctr"/>
-            <a:lstStyle/>
-            <a:p>
-              <a:pPr algn="ctr"/>
-              <a:endParaRPr kumimoji="0" lang="en-US" sz="2400" dirty="0"/>
-            </a:p>
-          </p:txBody>
-        </p:sp>
-        <p:sp>
-          <p:nvSpPr>
-            <p:cNvPr id="21" name="TextBox 20"/>
-            <p:cNvSpPr txBox="1"/>
-            <p:nvPr userDrawn="1"/>
-          </p:nvSpPr>
-          <p:spPr>
-            <a:xfrm>
-              <a:off x="654824" y="6421083"/>
-              <a:ext cx="1185769" cy="369332"/>
-            </a:xfrm>
-            <a:prstGeom prst="rect">
-              <a:avLst/>
-            </a:prstGeom>
-            <a:noFill/>
-          </p:spPr>
-          <p:txBody>
-            <a:bodyPr wrap="square" rtlCol="0">
-              <a:spAutoFit/>
-            </a:bodyPr>
-            <a:lstStyle/>
-            <a:p>
-              <a:r>
-                <a:rPr lang="en-US" dirty="0">
-                  <a:solidFill>
-                    <a:schemeClr val="bg1"/>
-                  </a:solidFill>
-                </a:rPr>
-                <a:t>@</a:t>
-              </a:r>
-              <a:r>
-                <a:rPr lang="en-US" dirty="0" err="1">
-                  <a:solidFill>
-                    <a:schemeClr val="bg1"/>
-                  </a:solidFill>
-                </a:rPr>
-                <a:t>AMtwo</a:t>
-              </a:r>
-              <a:endParaRPr lang="en-US" dirty="0">
-                <a:solidFill>
-                  <a:schemeClr val="bg1"/>
-                </a:solidFill>
-              </a:endParaRPr>
-            </a:p>
-          </p:txBody>
-        </p:sp>
-        <p:sp>
-          <p:nvSpPr>
-            <p:cNvPr id="22" name="TextBox 21"/>
-            <p:cNvSpPr txBox="1"/>
-            <p:nvPr userDrawn="1"/>
-          </p:nvSpPr>
-          <p:spPr>
-            <a:xfrm>
-              <a:off x="9993507" y="6400071"/>
-              <a:ext cx="1690493" cy="369332"/>
-            </a:xfrm>
-            <a:prstGeom prst="rect">
-              <a:avLst/>
-            </a:prstGeom>
-            <a:noFill/>
-          </p:spPr>
-          <p:txBody>
-            <a:bodyPr wrap="square" rtlCol="0">
-              <a:spAutoFit/>
-            </a:bodyPr>
-            <a:lstStyle/>
-            <a:p>
-              <a:r>
-                <a:rPr lang="en-US" dirty="0">
-                  <a:solidFill>
-                    <a:schemeClr val="bg1"/>
-                  </a:solidFill>
-                </a:rPr>
-                <a:t>andy@am2.co</a:t>
-              </a:r>
-            </a:p>
-          </p:txBody>
-        </p:sp>
-        <p:sp>
-          <p:nvSpPr>
-            <p:cNvPr id="23" name="TextBox 22"/>
-            <p:cNvSpPr txBox="1"/>
-            <p:nvPr userDrawn="1"/>
-          </p:nvSpPr>
-          <p:spPr>
-            <a:xfrm>
-              <a:off x="5250753" y="6400071"/>
-              <a:ext cx="1690493" cy="369332"/>
-            </a:xfrm>
-            <a:prstGeom prst="rect">
-              <a:avLst/>
-            </a:prstGeom>
-            <a:noFill/>
-          </p:spPr>
-          <p:txBody>
-            <a:bodyPr wrap="square" rtlCol="0">
-              <a:spAutoFit/>
-            </a:bodyPr>
-            <a:lstStyle/>
-            <a:p>
-              <a:pPr algn="ctr"/>
-              <a:r>
-                <a:rPr lang="en-US" dirty="0">
-                  <a:solidFill>
-                    <a:schemeClr val="bg1"/>
-                  </a:solidFill>
-                </a:rPr>
-                <a:t>www.am2.co</a:t>
-              </a:r>
-            </a:p>
-          </p:txBody>
-        </p:sp>
-      </p:grpSp>
-    </p:spTree>
-    <p:extLst>
-      <p:ext uri="{BB962C8B-B14F-4D97-AF65-F5344CB8AC3E}">
-        <p14:creationId xmlns:p14="http://schemas.microsoft.com/office/powerpoint/2010/main" val="242078354"/>
-      </p:ext>
-    </p:extLst>
-  </p:cSld>
-  <p:clrMapOvr>
-    <a:masterClrMapping/>
-  </p:clrMapOvr>
-  <p:timing>
-    <p:tnLst>
-      <p:par>
-        <p:cTn id="1" dur="indefinite" restart="never" nodeType="tmRoot">
-          <p:childTnLst>
-            <p:seq concurrent="1" nextAc="seek">
-              <p:cTn id="2" dur="indefinite" nodeType="mainSeq">
-                <p:childTnLst>
-                  <p:par>
-                    <p:cTn id="3" fill="hold">
-                      <p:stCondLst>
-                        <p:cond delay="indefinite"/>
-                      </p:stCondLst>
-                      <p:childTnLst>
-                        <p:par>
-                          <p:cTn id="4" fill="hold">
-                            <p:stCondLst>
-                              <p:cond delay="0"/>
-                            </p:stCondLst>
-                            <p:childTnLst>
-                              <p:par>
-                                <p:cTn id="5" presetID="32" presetClass="emph" presetSubtype="0" repeatCount="2000" fill="hold" nodeType="clickEffect">
-                                  <p:stCondLst>
-                                    <p:cond delay="0"/>
-                                  </p:stCondLst>
-                                  <p:childTnLst>
-                                    <p:animRot by="120000">
-                                      <p:cBhvr>
-                                        <p:cTn id="6" dur="100" fill="hold">
-                                          <p:stCondLst>
-                                            <p:cond delay="0"/>
-                                          </p:stCondLst>
-                                        </p:cTn>
-                                        <p:tgtEl>
-                                          <p:spTgt spid="19"/>
-                                        </p:tgtEl>
-                                        <p:attrNameLst>
-                                          <p:attrName>r</p:attrName>
-                                        </p:attrNameLst>
-                                      </p:cBhvr>
-                                    </p:animRot>
-                                    <p:animRot by="-240000">
-                                      <p:cBhvr>
-                                        <p:cTn id="7" dur="200" fill="hold">
-                                          <p:stCondLst>
-                                            <p:cond delay="200"/>
-                                          </p:stCondLst>
-                                        </p:cTn>
-                                        <p:tgtEl>
-                                          <p:spTgt spid="19"/>
-                                        </p:tgtEl>
-                                        <p:attrNameLst>
-                                          <p:attrName>r</p:attrName>
-                                        </p:attrNameLst>
-                                      </p:cBhvr>
-                                    </p:animRot>
-                                    <p:animRot by="240000">
-                                      <p:cBhvr>
-                                        <p:cTn id="8" dur="200" fill="hold">
-                                          <p:stCondLst>
-                                            <p:cond delay="400"/>
-                                          </p:stCondLst>
-                                        </p:cTn>
-                                        <p:tgtEl>
-                                          <p:spTgt spid="19"/>
-                                        </p:tgtEl>
-                                        <p:attrNameLst>
-                                          <p:attrName>r</p:attrName>
-                                        </p:attrNameLst>
-                                      </p:cBhvr>
-                                    </p:animRot>
-                                    <p:animRot by="-240000">
-                                      <p:cBhvr>
-                                        <p:cTn id="9" dur="200" fill="hold">
-                                          <p:stCondLst>
-                                            <p:cond delay="600"/>
-                                          </p:stCondLst>
-                                        </p:cTn>
-                                        <p:tgtEl>
-                                          <p:spTgt spid="19"/>
-                                        </p:tgtEl>
-                                        <p:attrNameLst>
-                                          <p:attrName>r</p:attrName>
-                                        </p:attrNameLst>
-                                      </p:cBhvr>
-                                    </p:animRot>
-                                    <p:animRot by="120000">
-                                      <p:cBhvr>
-                                        <p:cTn id="10" dur="200" fill="hold">
-                                          <p:stCondLst>
-                                            <p:cond delay="800"/>
-                                          </p:stCondLst>
-                                        </p:cTn>
-                                        <p:tgtEl>
-                                          <p:spTgt spid="19"/>
-                                        </p:tgtEl>
-                                        <p:attrNameLst>
-                                          <p:attrName>r</p:attrName>
-                                        </p:attrNameLst>
-                                      </p:cBhvr>
-                                    </p:animRot>
-                                  </p:childTnLst>
-                                </p:cTn>
-                              </p:par>
-                            </p:childTnLst>
-                          </p:cTn>
-                        </p:par>
-                      </p:childTnLst>
-                    </p:cTn>
-                  </p:par>
-                </p:childTnLst>
-              </p:cTn>
-              <p:prevCondLst>
-                <p:cond evt="onPrev" delay="0">
-                  <p:tgtEl>
-                    <p:sldTgt/>
-                  </p:tgtEl>
-                </p:cond>
-              </p:prevCondLst>
-              <p:nextCondLst>
-                <p:cond evt="onNext" delay="0">
-                  <p:tgtEl>
-                    <p:sldTgt/>
-                  </p:tgtEl>
-                </p:cond>
-              </p:nextCondLst>
-            </p:seq>
-          </p:childTnLst>
-        </p:cTn>
-      </p:par>
-    </p:tnLst>
-  </p:timing>
-</p:sld>
-</file>
-
-<file path=ppt/slides/slide11.xml><?xml version="1.0" encoding="utf-8"?>
-<p:sld xmlns:a="http://schemas.openxmlformats.org/drawingml/2006/main" xmlns:r="http://schemas.openxmlformats.org/officeDocument/2006/relationships" xmlns:p="http://schemas.openxmlformats.org/presentationml/2006/main" show="0">
-  <p:cSld>
-    <p:spTree>
-      <p:nvGrpSpPr>
-        <p:cNvPr id="1" name=""/>
-        <p:cNvGrpSpPr/>
-        <p:nvPr/>
-      </p:nvGrpSpPr>
-      <p:grpSpPr>
-        <a:xfrm>
-          <a:off x="0" y="0"/>
-          <a:ext cx="0" cy="0"/>
-          <a:chOff x="0" y="0"/>
-          <a:chExt cx="0" cy="0"/>
-        </a:xfrm>
-      </p:grpSpPr>
-      <p:sp>
-        <p:nvSpPr>
-          <p:cNvPr id="2" name="Title 1"/>
-          <p:cNvSpPr>
-            <a:spLocks noGrp="1"/>
-          </p:cNvSpPr>
-          <p:nvPr>
-            <p:ph type="title"/>
-          </p:nvPr>
-        </p:nvSpPr>
-        <p:spPr/>
-        <p:txBody>
-          <a:bodyPr/>
-          <a:lstStyle/>
-          <a:p>
-            <a:r>
-              <a:rPr lang="en-US"/>
-              <a:t>Who uses Twitter?</a:t>
-            </a:r>
-            <a:endParaRPr lang="en-US" dirty="0"/>
-          </a:p>
-        </p:txBody>
-      </p:sp>
-      <p:sp>
-        <p:nvSpPr>
-          <p:cNvPr id="3" name="Content Placeholder 2"/>
-          <p:cNvSpPr>
-            <a:spLocks noGrp="1"/>
-          </p:cNvSpPr>
-          <p:nvPr>
-            <p:ph idx="1"/>
-          </p:nvPr>
-        </p:nvSpPr>
-        <p:spPr/>
-        <p:txBody>
-          <a:bodyPr/>
-          <a:lstStyle/>
-          <a:p>
-            <a:r>
-              <a:rPr lang="en-US"/>
-              <a:t>Where the SQL Community hangs out</a:t>
-            </a:r>
-          </a:p>
-          <a:p>
-            <a:r>
-              <a:rPr lang="en-US"/>
-              <a:t>#sqlhelp </a:t>
-            </a:r>
-          </a:p>
-          <a:p>
-            <a:pPr lvl="1"/>
-            <a:r>
-              <a:rPr lang="en-US"/>
-              <a:t>Free real-time help</a:t>
-            </a:r>
-          </a:p>
-          <a:p>
-            <a:endParaRPr lang="en-US" dirty="0"/>
-          </a:p>
-        </p:txBody>
-      </p:sp>
-      <p:pic>
-        <p:nvPicPr>
-          <p:cNvPr id="1026" name="Picture 2" descr="https://upload.wikimedia.org/wikipedia/en/thumb/9/9f/Twitter_bird_logo_2012.svg/1259px-Twitter_bird_logo_2012.svg.png"/>
-          <p:cNvPicPr>
-            <a:picLocks noChangeAspect="1" noChangeArrowheads="1"/>
-          </p:cNvPicPr>
-          <p:nvPr/>
-        </p:nvPicPr>
-        <p:blipFill>
-          <a:blip r:embed="rId3">
-            <a:extLst>
-              <a:ext uri="{28A0092B-C50C-407E-A947-70E740481C1C}">
-                <a14:useLocalDpi xmlns:a14="http://schemas.microsoft.com/office/drawing/2010/main" val="0"/>
-              </a:ext>
-            </a:extLst>
-          </a:blip>
-          <a:srcRect/>
-          <a:stretch>
-            <a:fillRect/>
-          </a:stretch>
-        </p:blipFill>
-        <p:spPr bwMode="auto">
-          <a:xfrm>
-            <a:off x="7507688" y="2779292"/>
-            <a:ext cx="3693463" cy="3004285"/>
-          </a:xfrm>
-          <a:prstGeom prst="rect">
-            <a:avLst/>
-          </a:prstGeom>
-          <a:noFill/>
-          <a:extLst>
-            <a:ext uri="{909E8E84-426E-40DD-AFC4-6F175D3DCCD1}">
-              <a14:hiddenFill xmlns:a14="http://schemas.microsoft.com/office/drawing/2010/main">
-                <a:solidFill>
-                  <a:srgbClr val="FFFFFF"/>
-                </a:solidFill>
-              </a14:hiddenFill>
-            </a:ext>
-          </a:extLst>
-        </p:spPr>
-      </p:pic>
-    </p:spTree>
-    <p:extLst>
-      <p:ext uri="{BB962C8B-B14F-4D97-AF65-F5344CB8AC3E}">
-        <p14:creationId xmlns:p14="http://schemas.microsoft.com/office/powerpoint/2010/main" val="2802733862"/>
-      </p:ext>
-    </p:extLst>
-  </p:cSld>
-  <p:clrMapOvr>
-    <a:masterClrMapping/>
-  </p:clrMapOvr>
-  <p:timing>
-    <p:tnLst>
-      <p:par>
-        <p:cTn id="1" dur="indefinite" restart="never" nodeType="tmRoot">
-          <p:childTnLst>
-            <p:seq concurrent="1" nextAc="seek">
-              <p:cTn id="2" dur="indefinite" nodeType="mainSeq">
-                <p:childTnLst>
-                  <p:par>
-                    <p:cTn id="3" fill="hold">
-                      <p:stCondLst>
-                        <p:cond delay="indefinite"/>
-                      </p:stCondLst>
-                      <p:childTnLst>
-                        <p:par>
-                          <p:cTn id="4" fill="hold">
-                            <p:stCondLst>
-                              <p:cond delay="0"/>
-                            </p:stCondLst>
-                            <p:childTnLst>
-                              <p:par>
-                                <p:cTn id="5" presetID="1" presetClass="entr" presetSubtype="0" fill="hold" nodeType="clickEffect">
-                                  <p:stCondLst>
-                                    <p:cond delay="0"/>
-                                  </p:stCondLst>
-                                  <p:childTnLst>
-                                    <p:set>
-                                      <p:cBhvr>
-                                        <p:cTn id="6" dur="1" fill="hold">
-                                          <p:stCondLst>
-                                            <p:cond delay="0"/>
-                                          </p:stCondLst>
-                                        </p:cTn>
-                                        <p:tgtEl>
-                                          <p:spTgt spid="3">
-                                            <p:txEl>
-                                              <p:pRg st="0" end="0"/>
-                                            </p:txEl>
-                                          </p:spTgt>
-                                        </p:tgtEl>
-                                        <p:attrNameLst>
-                                          <p:attrName>style.visibility</p:attrName>
-                                        </p:attrNameLst>
-                                      </p:cBhvr>
-                                      <p:to>
-                                        <p:strVal val="visible"/>
-                                      </p:to>
-                                    </p:set>
-                                  </p:childTnLst>
-                                </p:cTn>
-                              </p:par>
-                              <p:par>
-                                <p:cTn id="7" presetID="1" presetClass="entr" presetSubtype="0" fill="hold" nodeType="withEffect">
-                                  <p:stCondLst>
-                                    <p:cond delay="0"/>
-                                  </p:stCondLst>
-                                  <p:childTnLst>
-                                    <p:set>
-                                      <p:cBhvr>
-                                        <p:cTn id="8" dur="1" fill="hold">
-                                          <p:stCondLst>
-                                            <p:cond delay="0"/>
-                                          </p:stCondLst>
-                                        </p:cTn>
-                                        <p:tgtEl>
-                                          <p:spTgt spid="3">
-                                            <p:txEl>
-                                              <p:pRg st="1" end="1"/>
-                                            </p:txEl>
-                                          </p:spTgt>
-                                        </p:tgtEl>
-                                        <p:attrNameLst>
-                                          <p:attrName>style.visibility</p:attrName>
-                                        </p:attrNameLst>
-                                      </p:cBhvr>
-                                      <p:to>
-                                        <p:strVal val="visible"/>
-                                      </p:to>
-                                    </p:set>
-                                  </p:childTnLst>
-                                </p:cTn>
-                              </p:par>
-                              <p:par>
-                                <p:cTn id="9" presetID="1" presetClass="entr" presetSubtype="0" fill="hold" nodeType="withEffect">
-                                  <p:stCondLst>
-                                    <p:cond delay="0"/>
-                                  </p:stCondLst>
-                                  <p:childTnLst>
-                                    <p:set>
-                                      <p:cBhvr>
-                                        <p:cTn id="10" dur="1" fill="hold">
-                                          <p:stCondLst>
-                                            <p:cond delay="0"/>
-                                          </p:stCondLst>
-                                        </p:cTn>
-                                        <p:tgtEl>
-                                          <p:spTgt spid="3">
-                                            <p:txEl>
-                                              <p:pRg st="2" end="2"/>
-                                            </p:txEl>
-                                          </p:spTgt>
-                                        </p:tgtEl>
-                                        <p:attrNameLst>
-                                          <p:attrName>style.visibility</p:attrName>
-                                        </p:attrNameLst>
-                                      </p:cBhvr>
-                                      <p:to>
-                                        <p:strVal val="visible"/>
-                                      </p:to>
-                                    </p:set>
-                                  </p:childTnLst>
-                                </p:cTn>
-                              </p:par>
-                            </p:childTnLst>
-                          </p:cTn>
-                        </p:par>
-                      </p:childTnLst>
-                    </p:cTn>
-                  </p:par>
-                </p:childTnLst>
-              </p:cTn>
-              <p:prevCondLst>
-                <p:cond evt="onPrev" delay="0">
-                  <p:tgtEl>
-                    <p:sldTgt/>
-                  </p:tgtEl>
-                </p:cond>
-              </p:prevCondLst>
-              <p:nextCondLst>
-                <p:cond evt="onNext" delay="0">
-                  <p:tgtEl>
-                    <p:sldTgt/>
-                  </p:tgtEl>
-                </p:cond>
-              </p:nextCondLst>
-            </p:seq>
-          </p:childTnLst>
-        </p:cTn>
-      </p:par>
-    </p:tnLst>
-  </p:timing>
-</p:sld>
-</file>
-
-<file path=ppt/slides/slide12.xml><?xml version="1.0" encoding="utf-8"?>
-<p:sld xmlns:a="http://schemas.openxmlformats.org/drawingml/2006/main" xmlns:r="http://schemas.openxmlformats.org/officeDocument/2006/relationships" xmlns:p="http://schemas.openxmlformats.org/presentationml/2006/main" show="0">
-  <p:cSld>
-    <p:spTree>
-      <p:nvGrpSpPr>
-        <p:cNvPr id="1" name=""/>
-        <p:cNvGrpSpPr/>
-        <p:nvPr/>
-      </p:nvGrpSpPr>
-      <p:grpSpPr>
-        <a:xfrm>
-          <a:off x="0" y="0"/>
-          <a:ext cx="0" cy="0"/>
-          <a:chOff x="0" y="0"/>
-          <a:chExt cx="0" cy="0"/>
-        </a:xfrm>
-      </p:grpSpPr>
-      <p:sp>
-        <p:nvSpPr>
-          <p:cNvPr id="2" name="Title 1"/>
-          <p:cNvSpPr>
-            <a:spLocks noGrp="1"/>
-          </p:cNvSpPr>
-          <p:nvPr>
-            <p:ph type="title"/>
-          </p:nvPr>
-        </p:nvSpPr>
-        <p:spPr/>
-        <p:txBody>
-          <a:bodyPr/>
-          <a:lstStyle/>
-          <a:p>
-            <a:r>
-              <a:rPr lang="en-US"/>
-              <a:t>Who uses Slack?</a:t>
-            </a:r>
-            <a:endParaRPr lang="en-US" dirty="0"/>
-          </a:p>
-        </p:txBody>
-      </p:sp>
-      <p:sp>
-        <p:nvSpPr>
-          <p:cNvPr id="3" name="Content Placeholder 2"/>
-          <p:cNvSpPr>
-            <a:spLocks noGrp="1"/>
-          </p:cNvSpPr>
-          <p:nvPr>
-            <p:ph idx="1"/>
-          </p:nvPr>
-        </p:nvSpPr>
-        <p:spPr/>
-        <p:txBody>
-          <a:bodyPr/>
-          <a:lstStyle/>
-          <a:p>
-            <a:r>
-              <a:rPr lang="en-US" dirty="0"/>
-              <a:t>If </a:t>
-            </a:r>
-            <a:r>
-              <a:rPr lang="en-US" dirty="0" err="1"/>
-              <a:t>nvarchar</a:t>
-            </a:r>
-            <a:r>
-              <a:rPr lang="en-US" dirty="0"/>
-              <a:t>(280) isn’t enough</a:t>
-            </a:r>
-          </a:p>
-          <a:p>
-            <a:r>
-              <a:rPr lang="en-US" dirty="0"/>
-              <a:t>#</a:t>
-            </a:r>
-            <a:r>
-              <a:rPr lang="en-US" dirty="0" err="1"/>
-              <a:t>sqlhelp</a:t>
-            </a:r>
-            <a:r>
-              <a:rPr lang="en-US" dirty="0"/>
-              <a:t> #</a:t>
-            </a:r>
-            <a:r>
-              <a:rPr lang="en-US" dirty="0" err="1"/>
-              <a:t>powershellhelp</a:t>
-            </a:r>
-            <a:r>
-              <a:rPr lang="en-US" dirty="0"/>
-              <a:t> #</a:t>
-            </a:r>
-            <a:r>
-              <a:rPr lang="en-US" dirty="0" err="1"/>
-              <a:t>ssrshelp</a:t>
-            </a:r>
-            <a:endParaRPr lang="en-US" dirty="0"/>
-          </a:p>
-          <a:p>
-            <a:r>
-              <a:rPr lang="en-US" dirty="0">
-                <a:hlinkClick r:id="rId3"/>
-              </a:rPr>
-              <a:t>http://www.dbatools.io/slack</a:t>
-            </a:r>
-            <a:r>
-              <a:rPr lang="en-US" dirty="0"/>
-              <a:t> for details</a:t>
-            </a:r>
-          </a:p>
-          <a:p>
-            <a:endParaRPr lang="en-US" dirty="0"/>
-          </a:p>
-        </p:txBody>
-      </p:sp>
-      <p:pic>
-        <p:nvPicPr>
-          <p:cNvPr id="2052" name="Picture 4" descr="http://kpcbweb2.s3.amazonaws.com/companies/542/logo/original/slack-logo_large.png?1415320446"/>
-          <p:cNvPicPr>
-            <a:picLocks noChangeAspect="1" noChangeArrowheads="1"/>
-          </p:cNvPicPr>
-          <p:nvPr/>
-        </p:nvPicPr>
-        <p:blipFill rotWithShape="1">
-          <a:blip r:embed="rId4">
-            <a:extLst>
-              <a:ext uri="{28A0092B-C50C-407E-A947-70E740481C1C}">
-                <a14:useLocalDpi xmlns:a14="http://schemas.microsoft.com/office/drawing/2010/main" val="0"/>
-              </a:ext>
-            </a:extLst>
-          </a:blip>
-          <a:srcRect t="17295" b="15231"/>
-          <a:stretch/>
-        </p:blipFill>
-        <p:spPr bwMode="auto">
-          <a:xfrm>
-            <a:off x="1593181" y="3856119"/>
-            <a:ext cx="9310437" cy="2478506"/>
-          </a:xfrm>
-          <a:prstGeom prst="rect">
-            <a:avLst/>
-          </a:prstGeom>
-          <a:noFill/>
-          <a:extLst>
-            <a:ext uri="{909E8E84-426E-40DD-AFC4-6F175D3DCCD1}">
-              <a14:hiddenFill xmlns:a14="http://schemas.microsoft.com/office/drawing/2010/main">
-                <a:solidFill>
-                  <a:srgbClr val="FFFFFF"/>
-                </a:solidFill>
-              </a14:hiddenFill>
-            </a:ext>
-          </a:extLst>
-        </p:spPr>
-      </p:pic>
-    </p:spTree>
-    <p:extLst>
-      <p:ext uri="{BB962C8B-B14F-4D97-AF65-F5344CB8AC3E}">
-        <p14:creationId xmlns:p14="http://schemas.microsoft.com/office/powerpoint/2010/main" val="837407539"/>
-      </p:ext>
-    </p:extLst>
-  </p:cSld>
-  <p:clrMapOvr>
-    <a:masterClrMapping/>
-  </p:clrMapOvr>
-</p:sld>
-</file>
-
-<file path=ppt/slides/slide13.xml><?xml version="1.0" encoding="utf-8"?>
-<p:sld xmlns:a="http://schemas.openxmlformats.org/drawingml/2006/main" xmlns:r="http://schemas.openxmlformats.org/officeDocument/2006/relationships" xmlns:p="http://schemas.openxmlformats.org/presentationml/2006/main" show="0">
-  <p:cSld>
-    <p:spTree>
-      <p:nvGrpSpPr>
-        <p:cNvPr id="1" name=""/>
-        <p:cNvGrpSpPr/>
-        <p:nvPr/>
-      </p:nvGrpSpPr>
-      <p:grpSpPr>
-        <a:xfrm>
-          <a:off x="0" y="0"/>
-          <a:ext cx="0" cy="0"/>
-          <a:chOff x="0" y="0"/>
-          <a:chExt cx="0" cy="0"/>
-        </a:xfrm>
-      </p:grpSpPr>
-      <p:sp>
-        <p:nvSpPr>
-          <p:cNvPr id="2" name="Title 1"/>
-          <p:cNvSpPr>
-            <a:spLocks noGrp="1"/>
-          </p:cNvSpPr>
-          <p:nvPr>
-            <p:ph type="title"/>
-          </p:nvPr>
-        </p:nvSpPr>
-        <p:spPr/>
-        <p:txBody>
-          <a:bodyPr/>
-          <a:lstStyle/>
-          <a:p>
-            <a:r>
-              <a:rPr lang="en-US" dirty="0"/>
-              <a:t>Session Feedback</a:t>
-            </a:r>
-          </a:p>
-        </p:txBody>
-      </p:sp>
-      <p:sp>
-        <p:nvSpPr>
-          <p:cNvPr id="4" name="Content Placeholder 3"/>
-          <p:cNvSpPr>
-            <a:spLocks noGrp="1"/>
-          </p:cNvSpPr>
-          <p:nvPr>
-            <p:ph idx="1"/>
-          </p:nvPr>
-        </p:nvSpPr>
-        <p:spPr/>
-        <p:txBody>
-          <a:bodyPr anchor="ctr"/>
-          <a:lstStyle/>
-          <a:p>
-            <a:r>
-              <a:rPr lang="en-US" dirty="0"/>
-              <a:t>Tell me what you don’t like</a:t>
-            </a:r>
-          </a:p>
-          <a:p>
-            <a:endParaRPr lang="en-US" dirty="0"/>
-          </a:p>
-          <a:p>
-            <a:r>
-              <a:rPr lang="en-US" dirty="0"/>
-              <a:t>Tell me what can be better</a:t>
-            </a:r>
-          </a:p>
-          <a:p>
-            <a:endParaRPr lang="en-US" dirty="0"/>
-          </a:p>
-          <a:p>
-            <a:r>
-              <a:rPr lang="en-US" dirty="0"/>
-              <a:t> </a:t>
-            </a:r>
-            <a:r>
-              <a:rPr lang="en-US" sz="2400" dirty="0"/>
-              <a:t>Tell me what you like</a:t>
-            </a:r>
-            <a:endParaRPr lang="en-US" dirty="0"/>
-          </a:p>
-        </p:txBody>
-      </p:sp>
-      <p:pic>
-        <p:nvPicPr>
-          <p:cNvPr id="3074" name="Picture 2" descr="https://upload.wikimedia.org/wikipedia/commons/thumb/c/ce/Emoji_u1f44d.svg/2000px-Emoji_u1f44d.svg.png"/>
-          <p:cNvPicPr>
-            <a:picLocks noChangeAspect="1" noChangeArrowheads="1"/>
-          </p:cNvPicPr>
-          <p:nvPr/>
-        </p:nvPicPr>
-        <p:blipFill>
-          <a:blip r:embed="rId3">
-            <a:extLst>
-              <a:ext uri="{28A0092B-C50C-407E-A947-70E740481C1C}">
-                <a14:useLocalDpi xmlns:a14="http://schemas.microsoft.com/office/drawing/2010/main" val="0"/>
-              </a:ext>
-            </a:extLst>
-          </a:blip>
-          <a:srcRect/>
-          <a:stretch>
-            <a:fillRect/>
-          </a:stretch>
-        </p:blipFill>
-        <p:spPr bwMode="auto">
-          <a:xfrm>
-            <a:off x="7202232" y="1955127"/>
-            <a:ext cx="4139535" cy="4139535"/>
-          </a:xfrm>
-          <a:prstGeom prst="rect">
-            <a:avLst/>
-          </a:prstGeom>
-          <a:noFill/>
-          <a:extLst>
-            <a:ext uri="{909E8E84-426E-40DD-AFC4-6F175D3DCCD1}">
-              <a14:hiddenFill xmlns:a14="http://schemas.microsoft.com/office/drawing/2010/main">
-                <a:solidFill>
-                  <a:srgbClr val="FFFFFF"/>
-                </a:solidFill>
-              </a14:hiddenFill>
-            </a:ext>
-          </a:extLst>
-        </p:spPr>
-      </p:pic>
-    </p:spTree>
-    <p:extLst>
-      <p:ext uri="{BB962C8B-B14F-4D97-AF65-F5344CB8AC3E}">
-        <p14:creationId xmlns:p14="http://schemas.microsoft.com/office/powerpoint/2010/main" val="40638036"/>
-      </p:ext>
-    </p:extLst>
-  </p:cSld>
-  <p:clrMapOvr>
-    <a:masterClrMapping/>
-  </p:clrMapOvr>
-</p:sld>
-</file>
-
-<file path=ppt/slides/slide14.xml><?xml version="1.0" encoding="utf-8"?>
-<p:sld xmlns:a="http://schemas.openxmlformats.org/drawingml/2006/main" xmlns:r="http://schemas.openxmlformats.org/officeDocument/2006/relationships" xmlns:p="http://schemas.openxmlformats.org/presentationml/2006/main" show="0">
-  <p:cSld>
-    <p:spTree>
-      <p:nvGrpSpPr>
-        <p:cNvPr id="1" name=""/>
-        <p:cNvGrpSpPr/>
-        <p:nvPr/>
-      </p:nvGrpSpPr>
-      <p:grpSpPr>
-        <a:xfrm>
-          <a:off x="0" y="0"/>
-          <a:ext cx="0" cy="0"/>
-          <a:chOff x="0" y="0"/>
-          <a:chExt cx="0" cy="0"/>
-        </a:xfrm>
-      </p:grpSpPr>
-      <p:sp>
-        <p:nvSpPr>
-          <p:cNvPr id="2" name="Title 1"/>
-          <p:cNvSpPr>
-            <a:spLocks noGrp="1"/>
-          </p:cNvSpPr>
-          <p:nvPr>
-            <p:ph type="title"/>
-          </p:nvPr>
-        </p:nvSpPr>
-        <p:spPr/>
-        <p:txBody>
-          <a:bodyPr>
-            <a:noAutofit/>
-          </a:bodyPr>
-          <a:lstStyle/>
-          <a:p>
-            <a:r>
-              <a:rPr lang="en-US" sz="4800" dirty="0"/>
-              <a:t>I'm also </a:t>
-            </a:r>
-            <a:r>
-              <a:rPr lang="en-US" sz="4800" dirty="0" err="1"/>
-              <a:t>gonna</a:t>
-            </a:r>
-            <a:r>
-              <a:rPr lang="en-US" sz="4800" dirty="0"/>
-              <a:t> need you to go ahead </a:t>
-            </a:r>
-            <a:br>
-              <a:rPr lang="en-US" sz="4800" dirty="0"/>
-            </a:br>
-            <a:r>
-              <a:rPr lang="en-US" sz="4800" dirty="0"/>
-              <a:t>and silence your cell phones</a:t>
-            </a:r>
-          </a:p>
-        </p:txBody>
-      </p:sp>
-      <p:sp>
-        <p:nvSpPr>
-          <p:cNvPr id="3" name="Text Placeholder 2"/>
-          <p:cNvSpPr>
-            <a:spLocks noGrp="1"/>
-          </p:cNvSpPr>
-          <p:nvPr>
-            <p:ph type="body" idx="1"/>
-          </p:nvPr>
-        </p:nvSpPr>
-        <p:spPr/>
-        <p:txBody>
-          <a:bodyPr>
-            <a:normAutofit/>
-          </a:bodyPr>
-          <a:lstStyle/>
-          <a:p>
-            <a:r>
-              <a:rPr lang="en-US" sz="2800" dirty="0"/>
-              <a:t>Yea…….You apparently didn’t put one of the new coversheets on your TPS reports.</a:t>
-            </a:r>
-          </a:p>
-        </p:txBody>
-      </p:sp>
-      <p:pic>
-        <p:nvPicPr>
-          <p:cNvPr id="4" name="Content Placeholder 3"/>
-          <p:cNvPicPr>
-            <a:picLocks noGrp="1" noChangeAspect="1"/>
-          </p:cNvPicPr>
-          <p:nvPr>
-            <p:ph sz="quarter" idx="13"/>
-          </p:nvPr>
-        </p:nvPicPr>
-        <p:blipFill rotWithShape="1">
-          <a:blip r:embed="rId2">
-            <a:extLst>
-              <a:ext uri="{28A0092B-C50C-407E-A947-70E740481C1C}">
-                <a14:useLocalDpi xmlns:a14="http://schemas.microsoft.com/office/drawing/2010/main" val="0"/>
-              </a:ext>
-            </a:extLst>
-          </a:blip>
-          <a:stretch/>
-        </p:blipFill>
-        <p:spPr>
-          <a:xfrm>
-            <a:off x="3623733" y="1905000"/>
-            <a:ext cx="7586133" cy="4267200"/>
-          </a:xfrm>
-        </p:spPr>
-      </p:pic>
-    </p:spTree>
-    <p:extLst>
-      <p:ext uri="{BB962C8B-B14F-4D97-AF65-F5344CB8AC3E}">
-        <p14:creationId xmlns:p14="http://schemas.microsoft.com/office/powerpoint/2010/main" val="744002627"/>
-      </p:ext>
-    </p:extLst>
-  </p:cSld>
-  <p:clrMapOvr>
-    <a:masterClrMapping/>
-  </p:clrMapOvr>
-</p:sld>
-</file>
-
-<file path=ppt/slides/slide15.xml><?xml version="1.0" encoding="utf-8"?>
-<p:sld xmlns:a="http://schemas.openxmlformats.org/drawingml/2006/main" xmlns:r="http://schemas.openxmlformats.org/officeDocument/2006/relationships" xmlns:p="http://schemas.openxmlformats.org/presentationml/2006/main">
-  <p:cSld>
-    <p:spTree>
-      <p:nvGrpSpPr>
-        <p:cNvPr id="1" name=""/>
-        <p:cNvGrpSpPr/>
-        <p:nvPr/>
-      </p:nvGrpSpPr>
-      <p:grpSpPr>
-        <a:xfrm>
-          <a:off x="0" y="0"/>
-          <a:ext cx="0" cy="0"/>
-          <a:chOff x="0" y="0"/>
-          <a:chExt cx="0" cy="0"/>
-        </a:xfrm>
-      </p:grpSpPr>
-      <p:sp>
-        <p:nvSpPr>
-          <p:cNvPr id="5" name="Title 4"/>
-          <p:cNvSpPr>
-            <a:spLocks noGrp="1"/>
-          </p:cNvSpPr>
-          <p:nvPr>
-            <p:ph type="title"/>
-          </p:nvPr>
-        </p:nvSpPr>
-        <p:spPr/>
-        <p:txBody>
-          <a:bodyPr/>
-          <a:lstStyle/>
-          <a:p>
-            <a:r>
-              <a:rPr lang="en-US"/>
-              <a:t>Agenda</a:t>
-            </a:r>
-            <a:endParaRPr lang="en-US" dirty="0"/>
-          </a:p>
-        </p:txBody>
-      </p:sp>
-      <p:sp>
-        <p:nvSpPr>
-          <p:cNvPr id="6" name="Content Placeholder 5"/>
-          <p:cNvSpPr>
-            <a:spLocks noGrp="1"/>
-          </p:cNvSpPr>
-          <p:nvPr>
-            <p:ph idx="1"/>
-          </p:nvPr>
-        </p:nvSpPr>
-        <p:spPr/>
-        <p:txBody>
-          <a:bodyPr>
-            <a:normAutofit fontScale="92500"/>
-          </a:bodyPr>
-          <a:lstStyle/>
-          <a:p>
-            <a:r>
-              <a:rPr lang="en-US" dirty="0"/>
-              <a:t>Indexes and Heaps: A quick review (or introduction)</a:t>
-            </a:r>
-          </a:p>
-          <a:p>
-            <a:r>
-              <a:rPr lang="en-US" dirty="0"/>
-              <a:t>What is data compression?</a:t>
-            </a:r>
-          </a:p>
-          <a:p>
-            <a:r>
-              <a:rPr lang="en-US" dirty="0"/>
-              <a:t>Differences between the types of data compression</a:t>
-            </a:r>
-          </a:p>
-          <a:p>
-            <a:r>
-              <a:rPr lang="en-US" dirty="0"/>
-              <a:t>Costs &amp; Benefits</a:t>
-            </a:r>
-          </a:p>
-          <a:p>
-            <a:r>
-              <a:rPr lang="en-US" dirty="0"/>
-              <a:t>Explore compression algorithms</a:t>
-            </a:r>
-          </a:p>
-          <a:p>
-            <a:r>
-              <a:rPr lang="en-US" dirty="0"/>
-              <a:t>Practical examples</a:t>
-            </a:r>
-          </a:p>
-          <a:p>
-            <a:endParaRPr lang="en-US" dirty="0"/>
-          </a:p>
-        </p:txBody>
-      </p:sp>
-    </p:spTree>
-    <p:extLst>
-      <p:ext uri="{BB962C8B-B14F-4D97-AF65-F5344CB8AC3E}">
-        <p14:creationId xmlns:p14="http://schemas.microsoft.com/office/powerpoint/2010/main" val="3567959566"/>
-      </p:ext>
-    </p:extLst>
-  </p:cSld>
-  <p:clrMapOvr>
-    <a:masterClrMapping/>
-  </p:clrMapOvr>
-</p:sld>
-</file>
-
-<file path=ppt/slides/slide16.xml><?xml version="1.0" encoding="utf-8"?>
-<p:sld xmlns:a="http://schemas.openxmlformats.org/drawingml/2006/main" xmlns:r="http://schemas.openxmlformats.org/officeDocument/2006/relationships" xmlns:p="http://schemas.openxmlformats.org/presentationml/2006/main">
-  <p:cSld>
-    <p:spTree>
-      <p:nvGrpSpPr>
-        <p:cNvPr id="1" name=""/>
-        <p:cNvGrpSpPr/>
-        <p:nvPr/>
-      </p:nvGrpSpPr>
-      <p:grpSpPr>
-        <a:xfrm>
-          <a:off x="0" y="0"/>
-          <a:ext cx="0" cy="0"/>
-          <a:chOff x="0" y="0"/>
-          <a:chExt cx="0" cy="0"/>
-        </a:xfrm>
-      </p:grpSpPr>
-      <p:sp>
-        <p:nvSpPr>
-          <p:cNvPr id="5" name="Title 4"/>
-          <p:cNvSpPr>
-            <a:spLocks noGrp="1"/>
-          </p:cNvSpPr>
-          <p:nvPr>
-            <p:ph type="title"/>
-          </p:nvPr>
-        </p:nvSpPr>
-        <p:spPr/>
-        <p:txBody>
-          <a:bodyPr/>
-          <a:lstStyle/>
-          <a:p>
-            <a:r>
-              <a:rPr lang="en-US" dirty="0"/>
-              <a:t>What we </a:t>
-            </a:r>
-            <a:r>
-              <a:rPr lang="en-US" b="1" dirty="0">
-                <a:solidFill>
-                  <a:schemeClr val="accent5"/>
-                </a:solidFill>
-              </a:rPr>
-              <a:t>won’t</a:t>
-            </a:r>
-            <a:r>
-              <a:rPr lang="en-US" dirty="0"/>
-              <a:t> cover</a:t>
-            </a:r>
-          </a:p>
-        </p:txBody>
-      </p:sp>
-      <p:sp>
-        <p:nvSpPr>
-          <p:cNvPr id="6" name="Content Placeholder 5"/>
-          <p:cNvSpPr>
-            <a:spLocks noGrp="1"/>
-          </p:cNvSpPr>
-          <p:nvPr>
-            <p:ph idx="1"/>
-          </p:nvPr>
-        </p:nvSpPr>
-        <p:spPr/>
-        <p:txBody>
-          <a:bodyPr/>
-          <a:lstStyle/>
-          <a:p>
-            <a:r>
-              <a:rPr lang="en-US" dirty="0" err="1"/>
-              <a:t>Columnstore</a:t>
-            </a:r>
-            <a:r>
-              <a:rPr lang="en-US" dirty="0"/>
-              <a:t> indexes</a:t>
-            </a:r>
-          </a:p>
-          <a:p>
-            <a:r>
-              <a:rPr lang="en-US" dirty="0"/>
-              <a:t>XML indexes</a:t>
-            </a:r>
-          </a:p>
-          <a:p>
-            <a:r>
-              <a:rPr lang="en-US" dirty="0"/>
-              <a:t>Backup compression</a:t>
-            </a:r>
-          </a:p>
-          <a:p>
-            <a:r>
-              <a:rPr lang="en-US" dirty="0"/>
-              <a:t>COMPRESS() function</a:t>
-            </a:r>
-          </a:p>
-          <a:p>
-            <a:pPr lvl="1"/>
-            <a:r>
-              <a:rPr lang="en-US" dirty="0"/>
-              <a:t>There is an example in the scripts I’ll share</a:t>
-            </a:r>
-          </a:p>
-          <a:p>
-            <a:pPr marL="0" indent="0">
-              <a:buNone/>
-            </a:pPr>
-            <a:endParaRPr lang="en-US" dirty="0"/>
-          </a:p>
-          <a:p>
-            <a:endParaRPr lang="en-US" dirty="0"/>
-          </a:p>
-        </p:txBody>
-      </p:sp>
-    </p:spTree>
-    <p:extLst>
-      <p:ext uri="{BB962C8B-B14F-4D97-AF65-F5344CB8AC3E}">
-        <p14:creationId xmlns:p14="http://schemas.microsoft.com/office/powerpoint/2010/main" val="81066089"/>
-      </p:ext>
-    </p:extLst>
-  </p:cSld>
-  <p:clrMapOvr>
-    <a:masterClrMapping/>
-  </p:clrMapOvr>
-  <p:timing>
-    <p:tnLst>
-      <p:par>
-        <p:cTn id="1" dur="indefinite" restart="never" nodeType="tmRoot">
-          <p:childTnLst>
-            <p:seq concurrent="1" nextAc="seek">
-              <p:cTn id="2" dur="indefinite" nodeType="mainSeq">
-                <p:childTnLst>
-                  <p:par>
-                    <p:cTn id="3" fill="hold">
-                      <p:stCondLst>
-                        <p:cond delay="indefinite"/>
-                      </p:stCondLst>
-                      <p:childTnLst>
-                        <p:par>
-                          <p:cTn id="4" fill="hold">
-                            <p:stCondLst>
-                              <p:cond delay="0"/>
-                            </p:stCondLst>
-                            <p:childTnLst>
-                              <p:par>
-                                <p:cTn id="5" presetID="1" presetClass="entr" presetSubtype="0" fill="hold" nodeType="clickEffect">
-                                  <p:stCondLst>
-                                    <p:cond delay="0"/>
-                                  </p:stCondLst>
-                                  <p:childTnLst>
-                                    <p:set>
-                                      <p:cBhvr>
-                                        <p:cTn id="6" dur="1" fill="hold">
-                                          <p:stCondLst>
-                                            <p:cond delay="0"/>
-                                          </p:stCondLst>
-                                        </p:cTn>
-                                        <p:tgtEl>
-                                          <p:spTgt spid="6">
-                                            <p:txEl>
-                                              <p:pRg st="4" end="4"/>
-                                            </p:txEl>
-                                          </p:spTgt>
-                                        </p:tgtEl>
-                                        <p:attrNameLst>
-                                          <p:attrName>style.visibility</p:attrName>
-                                        </p:attrNameLst>
-                                      </p:cBhvr>
-                                      <p:to>
-                                        <p:strVal val="visible"/>
-                                      </p:to>
-                                    </p:set>
-                                  </p:childTnLst>
-                                </p:cTn>
-                              </p:par>
-                            </p:childTnLst>
-                          </p:cTn>
-                        </p:par>
-                      </p:childTnLst>
-                    </p:cTn>
-                  </p:par>
-                </p:childTnLst>
-              </p:cTn>
-              <p:prevCondLst>
-                <p:cond evt="onPrev" delay="0">
-                  <p:tgtEl>
-                    <p:sldTgt/>
-                  </p:tgtEl>
-                </p:cond>
-              </p:prevCondLst>
-              <p:nextCondLst>
-                <p:cond evt="onNext" delay="0">
-                  <p:tgtEl>
-                    <p:sldTgt/>
-                  </p:tgtEl>
-                </p:cond>
-              </p:nextCondLst>
-            </p:seq>
-          </p:childTnLst>
-        </p:cTn>
-      </p:par>
-    </p:tnLst>
-  </p:timing>
-</p:sld>
-</file>
-
-<file path=ppt/slides/slide17.xml><?xml version="1.0" encoding="utf-8"?>
-<p:sld xmlns:a="http://schemas.openxmlformats.org/drawingml/2006/main" xmlns:r="http://schemas.openxmlformats.org/officeDocument/2006/relationships" xmlns:p="http://schemas.openxmlformats.org/presentationml/2006/main">
-  <p:cSld>
-    <p:spTree>
-      <p:nvGrpSpPr>
-        <p:cNvPr id="1" name=""/>
-        <p:cNvGrpSpPr/>
-        <p:nvPr/>
-      </p:nvGrpSpPr>
-      <p:grpSpPr>
-        <a:xfrm>
-          <a:off x="0" y="0"/>
-          <a:ext cx="0" cy="0"/>
-          <a:chOff x="0" y="0"/>
-          <a:chExt cx="0" cy="0"/>
-        </a:xfrm>
-      </p:grpSpPr>
-      <p:sp>
-        <p:nvSpPr>
-          <p:cNvPr id="2" name="Title 1"/>
-          <p:cNvSpPr>
-            <a:spLocks noGrp="1"/>
-          </p:cNvSpPr>
-          <p:nvPr>
-            <p:ph type="title"/>
-          </p:nvPr>
-        </p:nvSpPr>
-        <p:spPr/>
-        <p:txBody>
-          <a:bodyPr/>
-          <a:lstStyle/>
-          <a:p>
-            <a:r>
-              <a:rPr lang="en-US" dirty="0"/>
-              <a:t>Before I start…</a:t>
-            </a:r>
-          </a:p>
-        </p:txBody>
-      </p:sp>
-      <p:sp>
-        <p:nvSpPr>
-          <p:cNvPr id="3" name="Content Placeholder 2"/>
-          <p:cNvSpPr>
-            <a:spLocks noGrp="1"/>
-          </p:cNvSpPr>
-          <p:nvPr>
-            <p:ph idx="1"/>
-          </p:nvPr>
-        </p:nvSpPr>
-        <p:spPr/>
-        <p:txBody>
-          <a:bodyPr/>
-          <a:lstStyle/>
-          <a:p>
-            <a:r>
-              <a:rPr lang="en-US" dirty="0"/>
-              <a:t>Who has used data compression?</a:t>
-            </a:r>
-          </a:p>
-          <a:p>
-            <a:r>
-              <a:rPr lang="en-US" dirty="0"/>
-              <a:t>What’s been your experience?</a:t>
-            </a:r>
-          </a:p>
-          <a:p>
-            <a:r>
-              <a:rPr lang="en-US" dirty="0"/>
-              <a:t>What do you want to learn today?</a:t>
-            </a:r>
-          </a:p>
-          <a:p>
-            <a:pPr marL="0" indent="0">
-              <a:buNone/>
-            </a:pPr>
-            <a:endParaRPr lang="en-US" dirty="0"/>
-          </a:p>
-          <a:p>
-            <a:endParaRPr lang="en-US" dirty="0"/>
-          </a:p>
-        </p:txBody>
-      </p:sp>
-    </p:spTree>
-    <p:extLst>
-      <p:ext uri="{BB962C8B-B14F-4D97-AF65-F5344CB8AC3E}">
-        <p14:creationId xmlns:p14="http://schemas.microsoft.com/office/powerpoint/2010/main" val="4236597294"/>
-      </p:ext>
-    </p:extLst>
-  </p:cSld>
-  <p:clrMapOvr>
-    <a:masterClrMapping/>
-  </p:clrMapOvr>
-  <p:timing>
-    <p:tnLst>
-      <p:par>
-        <p:cTn id="1" dur="indefinite" restart="never" nodeType="tmRoot">
-          <p:childTnLst>
-            <p:seq concurrent="1" nextAc="seek">
-              <p:cTn id="2" dur="indefinite" nodeType="mainSeq">
-                <p:childTnLst>
-                  <p:par>
-                    <p:cTn id="3" fill="hold">
-                      <p:stCondLst>
-                        <p:cond delay="indefinite"/>
-                      </p:stCondLst>
-                      <p:childTnLst>
-                        <p:par>
-                          <p:cTn id="4" fill="hold">
-                            <p:stCondLst>
-                              <p:cond delay="0"/>
-                            </p:stCondLst>
-                            <p:childTnLst>
-                              <p:par>
-                                <p:cTn id="5" presetID="10" presetClass="entr" presetSubtype="0" fill="hold" grpId="0" nodeType="clickEffect">
-                                  <p:stCondLst>
-                                    <p:cond delay="0"/>
-                                  </p:stCondLst>
-                                  <p:childTnLst>
-                                    <p:set>
-                                      <p:cBhvr>
-                                        <p:cTn id="6" dur="1" fill="hold">
-                                          <p:stCondLst>
-                                            <p:cond delay="0"/>
-                                          </p:stCondLst>
-                                        </p:cTn>
-                                        <p:tgtEl>
-                                          <p:spTgt spid="3">
-                                            <p:txEl>
-                                              <p:pRg st="0" end="0"/>
-                                            </p:txEl>
-                                          </p:spTgt>
-                                        </p:tgtEl>
-                                        <p:attrNameLst>
-                                          <p:attrName>style.visibility</p:attrName>
-                                        </p:attrNameLst>
-                                      </p:cBhvr>
-                                      <p:to>
-                                        <p:strVal val="visible"/>
-                                      </p:to>
-                                    </p:set>
-                                    <p:animEffect transition="in" filter="fade">
-                                      <p:cBhvr>
-                                        <p:cTn id="7" dur="500"/>
-                                        <p:tgtEl>
-                                          <p:spTgt spid="3">
-                                            <p:txEl>
-                                              <p:pRg st="0" end="0"/>
-                                            </p:txEl>
-                                          </p:spTgt>
-                                        </p:tgtEl>
-                                      </p:cBhvr>
-                                    </p:animEffect>
-                                  </p:childTnLst>
-                                </p:cTn>
-                              </p:par>
-                            </p:childTnLst>
-                          </p:cTn>
-                        </p:par>
-                      </p:childTnLst>
-                    </p:cTn>
-                  </p:par>
-                  <p:par>
-                    <p:cTn id="8" fill="hold">
-                      <p:stCondLst>
-                        <p:cond delay="indefinite"/>
-                      </p:stCondLst>
-                      <p:childTnLst>
-                        <p:par>
-                          <p:cTn id="9" fill="hold">
-                            <p:stCondLst>
-                              <p:cond delay="0"/>
-                            </p:stCondLst>
-                            <p:childTnLst>
-                              <p:par>
-                                <p:cTn id="10" presetID="10" presetClass="entr" presetSubtype="0" fill="hold" grpId="0" nodeType="clickEffect">
-                                  <p:stCondLst>
-                                    <p:cond delay="0"/>
-                                  </p:stCondLst>
-                                  <p:childTnLst>
-                                    <p:set>
-                                      <p:cBhvr>
-                                        <p:cTn id="11" dur="1" fill="hold">
-                                          <p:stCondLst>
-                                            <p:cond delay="0"/>
-                                          </p:stCondLst>
-                                        </p:cTn>
-                                        <p:tgtEl>
-                                          <p:spTgt spid="3">
-                                            <p:txEl>
-                                              <p:pRg st="1" end="1"/>
-                                            </p:txEl>
-                                          </p:spTgt>
-                                        </p:tgtEl>
-                                        <p:attrNameLst>
-                                          <p:attrName>style.visibility</p:attrName>
-                                        </p:attrNameLst>
-                                      </p:cBhvr>
-                                      <p:to>
-                                        <p:strVal val="visible"/>
-                                      </p:to>
-                                    </p:set>
-                                    <p:animEffect transition="in" filter="fade">
-                                      <p:cBhvr>
-                                        <p:cTn id="12" dur="500"/>
-                                        <p:tgtEl>
-                                          <p:spTgt spid="3">
-                                            <p:txEl>
-                                              <p:pRg st="1" end="1"/>
-                                            </p:txEl>
-                                          </p:spTgt>
-                                        </p:tgtEl>
-                                      </p:cBhvr>
-                                    </p:animEffect>
-                                  </p:childTnLst>
-                                </p:cTn>
-                              </p:par>
-                            </p:childTnLst>
-                          </p:cTn>
-                        </p:par>
-                      </p:childTnLst>
-                    </p:cTn>
-                  </p:par>
-                  <p:par>
-                    <p:cTn id="13" fill="hold">
-                      <p:stCondLst>
-                        <p:cond delay="indefinite"/>
-                      </p:stCondLst>
-                      <p:childTnLst>
-                        <p:par>
-                          <p:cTn id="14" fill="hold">
-                            <p:stCondLst>
-                              <p:cond delay="0"/>
-                            </p:stCondLst>
-                            <p:childTnLst>
-                              <p:par>
-                                <p:cTn id="15" presetID="10" presetClass="entr" presetSubtype="0" fill="hold" grpId="0" nodeType="clickEffect">
-                                  <p:stCondLst>
-                                    <p:cond delay="0"/>
-                                  </p:stCondLst>
-                                  <p:childTnLst>
-                                    <p:set>
-                                      <p:cBhvr>
-                                        <p:cTn id="16" dur="1" fill="hold">
-                                          <p:stCondLst>
-                                            <p:cond delay="0"/>
-                                          </p:stCondLst>
-                                        </p:cTn>
-                                        <p:tgtEl>
-                                          <p:spTgt spid="3">
-                                            <p:txEl>
-                                              <p:pRg st="2" end="2"/>
-                                            </p:txEl>
-                                          </p:spTgt>
-                                        </p:tgtEl>
-                                        <p:attrNameLst>
-                                          <p:attrName>style.visibility</p:attrName>
-                                        </p:attrNameLst>
-                                      </p:cBhvr>
-                                      <p:to>
-                                        <p:strVal val="visible"/>
-                                      </p:to>
-                                    </p:set>
-                                    <p:animEffect transition="in" filter="fade">
-                                      <p:cBhvr>
-                                        <p:cTn id="17" dur="500"/>
-                                        <p:tgtEl>
-                                          <p:spTgt spid="3">
-                                            <p:txEl>
-                                              <p:pRg st="2" end="2"/>
-                                            </p:txEl>
-                                          </p:spTgt>
-                                        </p:tgtEl>
-                                      </p:cBhvr>
-                                    </p:animEffect>
-                                  </p:childTnLst>
-                                </p:cTn>
-                              </p:par>
-                            </p:childTnLst>
-                          </p:cTn>
-                        </p:par>
-                      </p:childTnLst>
-                    </p:cTn>
-                  </p:par>
-                </p:childTnLst>
-              </p:cTn>
-              <p:prevCondLst>
-                <p:cond evt="onPrev" delay="0">
-                  <p:tgtEl>
-                    <p:sldTgt/>
-                  </p:tgtEl>
-                </p:cond>
-              </p:prevCondLst>
-              <p:nextCondLst>
-                <p:cond evt="onNext" delay="0">
-                  <p:tgtEl>
-                    <p:sldTgt/>
-                  </p:tgtEl>
-                </p:cond>
-              </p:nextCondLst>
-            </p:seq>
-          </p:childTnLst>
-        </p:cTn>
-      </p:par>
-    </p:tnLst>
-    <p:bldLst>
-      <p:bldP spid="3" grpId="0" build="p"/>
-    </p:bldLst>
-  </p:timing>
-</p:sld>
-</file>
-
-<file path=ppt/slides/slide18.xml><?xml version="1.0" encoding="utf-8"?>
-<p:sld xmlns:a="http://schemas.openxmlformats.org/drawingml/2006/main" xmlns:r="http://schemas.openxmlformats.org/officeDocument/2006/relationships" xmlns:p="http://schemas.openxmlformats.org/presentationml/2006/main">
-  <p:cSld>
-    <p:spTree>
-      <p:nvGrpSpPr>
-        <p:cNvPr id="1" name=""/>
-        <p:cNvGrpSpPr/>
-        <p:nvPr/>
-      </p:nvGrpSpPr>
-      <p:grpSpPr>
-        <a:xfrm>
-          <a:off x="0" y="0"/>
-          <a:ext cx="0" cy="0"/>
-          <a:chOff x="0" y="0"/>
-          <a:chExt cx="0" cy="0"/>
-        </a:xfrm>
-      </p:grpSpPr>
-      <p:sp>
-        <p:nvSpPr>
-          <p:cNvPr id="6" name="Content Placeholder 5"/>
-          <p:cNvSpPr>
-            <a:spLocks noGrp="1"/>
-          </p:cNvSpPr>
-          <p:nvPr>
-            <p:ph type="body" idx="1"/>
-          </p:nvPr>
-        </p:nvSpPr>
-        <p:spPr/>
-        <p:txBody>
-          <a:bodyPr>
-            <a:normAutofit/>
-          </a:bodyPr>
-          <a:lstStyle/>
-          <a:p>
-            <a:r>
-              <a:rPr lang="en-US" dirty="0"/>
-              <a:t>What is data compression?</a:t>
-            </a:r>
-          </a:p>
-          <a:p>
-            <a:r>
-              <a:rPr lang="en-US" dirty="0"/>
-              <a:t>Differences between the types of data compression</a:t>
-            </a:r>
-          </a:p>
-          <a:p>
-            <a:r>
-              <a:rPr lang="en-US" dirty="0"/>
-              <a:t>Costs &amp; Benefits</a:t>
-            </a:r>
-          </a:p>
-          <a:p>
-            <a:r>
-              <a:rPr lang="en-US" dirty="0"/>
-              <a:t>How does it work?</a:t>
-            </a:r>
-          </a:p>
-          <a:p>
-            <a:r>
-              <a:rPr lang="en-US" dirty="0"/>
-              <a:t>When does it work?</a:t>
-            </a:r>
-          </a:p>
-          <a:p>
-            <a:endParaRPr lang="en-US" dirty="0"/>
-          </a:p>
-        </p:txBody>
-      </p:sp>
-      <p:sp>
-        <p:nvSpPr>
-          <p:cNvPr id="5" name="Title 4"/>
-          <p:cNvSpPr>
-            <a:spLocks noGrp="1"/>
-          </p:cNvSpPr>
-          <p:nvPr>
-            <p:ph type="title"/>
-          </p:nvPr>
-        </p:nvSpPr>
-        <p:spPr/>
-        <p:txBody>
-          <a:bodyPr>
-            <a:normAutofit fontScale="90000"/>
-          </a:bodyPr>
-          <a:lstStyle/>
-          <a:p>
-            <a:r>
-              <a:rPr lang="en-US"/>
-              <a:t>Indexes and Heaps: A quick review</a:t>
-            </a:r>
-            <a:endParaRPr lang="en-US" dirty="0"/>
-          </a:p>
-        </p:txBody>
-      </p:sp>
-      <p:sp>
-        <p:nvSpPr>
-          <p:cNvPr id="7" name="Text Placeholder 6"/>
-          <p:cNvSpPr>
-            <a:spLocks noGrp="1"/>
-          </p:cNvSpPr>
-          <p:nvPr>
-            <p:ph type="body" idx="12"/>
-          </p:nvPr>
-        </p:nvSpPr>
-        <p:spPr/>
-        <p:txBody>
-          <a:bodyPr/>
-          <a:lstStyle/>
-          <a:p>
-            <a:endParaRPr lang="en-US"/>
-          </a:p>
-        </p:txBody>
-      </p:sp>
-    </p:spTree>
-    <p:extLst>
-      <p:ext uri="{BB962C8B-B14F-4D97-AF65-F5344CB8AC3E}">
-        <p14:creationId xmlns:p14="http://schemas.microsoft.com/office/powerpoint/2010/main" val="107025867"/>
-      </p:ext>
-    </p:extLst>
-  </p:cSld>
-  <p:clrMapOvr>
-    <a:masterClrMapping/>
-  </p:clrMapOvr>
-</p:sld>
-</file>
-
-<file path=ppt/slides/slide19.xml><?xml version="1.0" encoding="utf-8"?>
-<p:sld xmlns:a="http://schemas.openxmlformats.org/drawingml/2006/main" xmlns:r="http://schemas.openxmlformats.org/officeDocument/2006/relationships" xmlns:p="http://schemas.openxmlformats.org/presentationml/2006/main">
-  <p:cSld>
-    <p:spTree>
-      <p:nvGrpSpPr>
-        <p:cNvPr id="1" name=""/>
-        <p:cNvGrpSpPr/>
-        <p:nvPr/>
-      </p:nvGrpSpPr>
-      <p:grpSpPr>
-        <a:xfrm>
-          <a:off x="0" y="0"/>
-          <a:ext cx="0" cy="0"/>
-          <a:chOff x="0" y="0"/>
-          <a:chExt cx="0" cy="0"/>
-        </a:xfrm>
-      </p:grpSpPr>
-      <p:sp>
-        <p:nvSpPr>
-          <p:cNvPr id="2" name="Title 1"/>
-          <p:cNvSpPr>
-            <a:spLocks noGrp="1"/>
-          </p:cNvSpPr>
-          <p:nvPr>
-            <p:ph type="title"/>
-          </p:nvPr>
-        </p:nvSpPr>
-        <p:spPr/>
-        <p:txBody>
-          <a:bodyPr>
-            <a:normAutofit/>
-          </a:bodyPr>
-          <a:lstStyle/>
-          <a:p>
-            <a:r>
-              <a:rPr lang="en-US" dirty="0"/>
-              <a:t>A quick review (or introduction)</a:t>
-            </a:r>
-          </a:p>
-        </p:txBody>
-      </p:sp>
-      <p:sp>
-        <p:nvSpPr>
-          <p:cNvPr id="3" name="Content Placeholder 2"/>
-          <p:cNvSpPr>
-            <a:spLocks noGrp="1"/>
-          </p:cNvSpPr>
-          <p:nvPr>
-            <p:ph idx="1"/>
-          </p:nvPr>
-        </p:nvSpPr>
-        <p:spPr/>
-        <p:txBody>
-          <a:bodyPr>
-            <a:normAutofit/>
-          </a:bodyPr>
-          <a:lstStyle/>
-          <a:p>
-            <a:r>
-              <a:rPr lang="en-US" sz="2400" dirty="0"/>
-              <a:t>All data is stored on pages</a:t>
-            </a:r>
-          </a:p>
-          <a:p>
-            <a:r>
-              <a:rPr lang="en-US" sz="2400" dirty="0"/>
-              <a:t>Pages are combined into different structures</a:t>
-            </a:r>
-          </a:p>
-          <a:p>
-            <a:endParaRPr lang="en-US" sz="2400" dirty="0"/>
-          </a:p>
-          <a:p>
-            <a:r>
-              <a:rPr lang="en-US" sz="2400" dirty="0"/>
-              <a:t>B+ Trees</a:t>
-            </a:r>
-            <a:endParaRPr lang="en-US" sz="2000" dirty="0"/>
-          </a:p>
-          <a:p>
-            <a:pPr lvl="1"/>
-            <a:r>
-              <a:rPr lang="en-US" sz="2000" dirty="0"/>
-              <a:t>Clustered indexes</a:t>
-            </a:r>
-          </a:p>
-          <a:p>
-            <a:pPr lvl="1"/>
-            <a:r>
-              <a:rPr lang="en-US" sz="2000" dirty="0" err="1"/>
-              <a:t>Nonclustered</a:t>
-            </a:r>
-            <a:r>
-              <a:rPr lang="en-US" sz="2000" dirty="0"/>
-              <a:t> indexes</a:t>
-            </a:r>
-          </a:p>
-          <a:p>
-            <a:pPr lvl="1"/>
-            <a:r>
-              <a:rPr lang="en-US" sz="2000" dirty="0"/>
-              <a:t>Indexed views</a:t>
-            </a:r>
-          </a:p>
-          <a:p>
-            <a:r>
-              <a:rPr lang="en-US" sz="2400" dirty="0"/>
-              <a:t>Heaps</a:t>
-            </a:r>
-            <a:endParaRPr lang="en-US" sz="2200" dirty="0"/>
-          </a:p>
-        </p:txBody>
-      </p:sp>
-    </p:spTree>
-    <p:extLst>
-      <p:ext uri="{BB962C8B-B14F-4D97-AF65-F5344CB8AC3E}">
-        <p14:creationId xmlns:p14="http://schemas.microsoft.com/office/powerpoint/2010/main" val="1854952441"/>
-      </p:ext>
-    </p:extLst>
-  </p:cSld>
-  <p:clrMapOvr>
-    <a:masterClrMapping/>
-  </p:clrMapOvr>
-</p:sld>
-</file>
-
-<file path=ppt/slides/slide2.xml><?xml version="1.0" encoding="utf-8"?>
-<p:sld xmlns:a="http://schemas.openxmlformats.org/drawingml/2006/main" xmlns:r="http://schemas.openxmlformats.org/officeDocument/2006/relationships" xmlns:p="http://schemas.openxmlformats.org/presentationml/2006/main">
-  <p:cSld>
-    <p:spTree>
-      <p:nvGrpSpPr>
-        <p:cNvPr id="1" name=""/>
-        <p:cNvGrpSpPr/>
-        <p:nvPr/>
-      </p:nvGrpSpPr>
-      <p:grpSpPr>
-        <a:xfrm>
-          <a:off x="0" y="0"/>
-          <a:ext cx="0" cy="0"/>
-          <a:chOff x="0" y="0"/>
-          <a:chExt cx="0" cy="0"/>
-        </a:xfrm>
-      </p:grpSpPr>
-      <p:sp>
-        <p:nvSpPr>
-          <p:cNvPr id="2" name="Title 1"/>
-          <p:cNvSpPr>
-            <a:spLocks noGrp="1"/>
-          </p:cNvSpPr>
-          <p:nvPr>
-            <p:ph type="title"/>
-          </p:nvPr>
-        </p:nvSpPr>
-        <p:spPr/>
-        <p:txBody>
-          <a:bodyPr/>
-          <a:lstStyle/>
-          <a:p>
-            <a:r>
               <a:rPr lang="en-US" dirty="0"/>
               <a:t>Who is Oliver Smoot?</a:t>
             </a:r>
@@ -10188,7 +8018,7 @@
     </p:spTree>
     <p:extLst>
       <p:ext uri="{BB962C8B-B14F-4D97-AF65-F5344CB8AC3E}">
-        <p14:creationId xmlns:p14="http://schemas.microsoft.com/office/powerpoint/2010/main" val="1270760163"/>
+        <p14:creationId xmlns:p14="http://schemas.microsoft.com/office/powerpoint/2010/main" val="549013391"/>
       </p:ext>
     </p:extLst>
   </p:cSld>
@@ -10512,6 +8342,1756 @@
       <p:bldP spid="3" grpId="0" build="p"/>
     </p:bldLst>
   </p:timing>
+</p:sld>
+</file>
+
+<file path=ppt/slides/slide11.xml><?xml version="1.0" encoding="utf-8"?>
+<p:sld xmlns:a="http://schemas.openxmlformats.org/drawingml/2006/main" xmlns:r="http://schemas.openxmlformats.org/officeDocument/2006/relationships" xmlns:p="http://schemas.openxmlformats.org/presentationml/2006/main">
+  <p:cSld>
+    <p:spTree>
+      <p:nvGrpSpPr>
+        <p:cNvPr id="1" name=""/>
+        <p:cNvGrpSpPr/>
+        <p:nvPr/>
+      </p:nvGrpSpPr>
+      <p:grpSpPr>
+        <a:xfrm>
+          <a:off x="0" y="0"/>
+          <a:ext cx="0" cy="0"/>
+          <a:chOff x="0" y="0"/>
+          <a:chExt cx="0" cy="0"/>
+        </a:xfrm>
+      </p:grpSpPr>
+      <p:sp>
+        <p:nvSpPr>
+          <p:cNvPr id="2" name="Title 1"/>
+          <p:cNvSpPr>
+            <a:spLocks noGrp="1"/>
+          </p:cNvSpPr>
+          <p:nvPr>
+            <p:ph type="title"/>
+          </p:nvPr>
+        </p:nvSpPr>
+        <p:spPr/>
+        <p:txBody>
+          <a:bodyPr/>
+          <a:lstStyle/>
+          <a:p>
+            <a:r>
+              <a:rPr lang="en-US" dirty="0"/>
+              <a:t>Demo</a:t>
+            </a:r>
+          </a:p>
+        </p:txBody>
+      </p:sp>
+      <p:pic>
+        <p:nvPicPr>
+          <p:cNvPr id="1026" name="Picture 2" descr="Oliver Smoot, who stands 5-foot-7, was used to measure the Massachusetts Avenue Bridge as part of a MIT fraternity prank in 1958. The markings on the bridge and the legacy of the unit of measurement know as the Smoot live on. (Joe Difazio for WBUR)"/>
+          <p:cNvPicPr>
+            <a:picLocks noGrp="1" noChangeAspect="1" noChangeArrowheads="1"/>
+          </p:cNvPicPr>
+          <p:nvPr>
+            <p:ph idx="1"/>
+          </p:nvPr>
+        </p:nvPicPr>
+        <p:blipFill>
+          <a:blip r:embed="rId2">
+            <a:extLst>
+              <a:ext uri="{28A0092B-C50C-407E-A947-70E740481C1C}">
+                <a14:useLocalDpi xmlns:a14="http://schemas.microsoft.com/office/drawing/2010/main" val="0"/>
+              </a:ext>
+            </a:extLst>
+          </a:blip>
+          <a:stretch>
+            <a:fillRect/>
+          </a:stretch>
+        </p:blipFill>
+        <p:spPr bwMode="auto">
+          <a:xfrm>
+            <a:off x="2907507" y="1803400"/>
+            <a:ext cx="6691312" cy="4460875"/>
+          </a:xfrm>
+          <a:prstGeom prst="rect">
+            <a:avLst/>
+          </a:prstGeom>
+          <a:noFill/>
+          <a:extLst>
+            <a:ext uri="{909E8E84-426E-40DD-AFC4-6F175D3DCCD1}">
+              <a14:hiddenFill xmlns:a14="http://schemas.microsoft.com/office/drawing/2010/main">
+                <a:solidFill>
+                  <a:srgbClr val="FFFFFF"/>
+                </a:solidFill>
+              </a14:hiddenFill>
+            </a:ext>
+          </a:extLst>
+        </p:spPr>
+      </p:pic>
+      <p:sp>
+        <p:nvSpPr>
+          <p:cNvPr id="4" name="TextBox 3"/>
+          <p:cNvSpPr txBox="1"/>
+          <p:nvPr/>
+        </p:nvSpPr>
+        <p:spPr>
+          <a:xfrm>
+            <a:off x="9015445" y="5987276"/>
+            <a:ext cx="2668555" cy="276999"/>
+          </a:xfrm>
+          <a:prstGeom prst="rect">
+            <a:avLst/>
+          </a:prstGeom>
+          <a:noFill/>
+        </p:spPr>
+        <p:txBody>
+          <a:bodyPr wrap="square" rtlCol="0">
+            <a:spAutoFit/>
+          </a:bodyPr>
+          <a:lstStyle/>
+          <a:p>
+            <a:pPr algn="r"/>
+            <a:r>
+              <a:rPr lang="en-US" sz="1200" dirty="0"/>
+              <a:t>Photo by Joe </a:t>
+            </a:r>
+            <a:r>
+              <a:rPr lang="en-US" sz="1200" dirty="0" err="1"/>
+              <a:t>Difazio</a:t>
+            </a:r>
+            <a:r>
+              <a:rPr lang="en-US" sz="1200" dirty="0"/>
+              <a:t> for WBUR</a:t>
+            </a:r>
+          </a:p>
+        </p:txBody>
+      </p:sp>
+    </p:spTree>
+    <p:extLst>
+      <p:ext uri="{BB962C8B-B14F-4D97-AF65-F5344CB8AC3E}">
+        <p14:creationId xmlns:p14="http://schemas.microsoft.com/office/powerpoint/2010/main" val="378969601"/>
+      </p:ext>
+    </p:extLst>
+  </p:cSld>
+  <p:clrMapOvr>
+    <a:masterClrMapping/>
+  </p:clrMapOvr>
+</p:sld>
+</file>
+
+<file path=ppt/slides/slide12.xml><?xml version="1.0" encoding="utf-8"?>
+<p:sld xmlns:a="http://schemas.openxmlformats.org/drawingml/2006/main" xmlns:r="http://schemas.openxmlformats.org/officeDocument/2006/relationships" xmlns:p="http://schemas.openxmlformats.org/presentationml/2006/main">
+  <p:cSld>
+    <p:spTree>
+      <p:nvGrpSpPr>
+        <p:cNvPr id="1" name=""/>
+        <p:cNvGrpSpPr/>
+        <p:nvPr/>
+      </p:nvGrpSpPr>
+      <p:grpSpPr>
+        <a:xfrm>
+          <a:off x="0" y="0"/>
+          <a:ext cx="0" cy="0"/>
+          <a:chOff x="0" y="0"/>
+          <a:chExt cx="0" cy="0"/>
+        </a:xfrm>
+      </p:grpSpPr>
+      <p:sp>
+        <p:nvSpPr>
+          <p:cNvPr id="10" name="Title 9"/>
+          <p:cNvSpPr>
+            <a:spLocks noGrp="1"/>
+          </p:cNvSpPr>
+          <p:nvPr>
+            <p:ph type="title"/>
+          </p:nvPr>
+        </p:nvSpPr>
+        <p:spPr/>
+        <p:txBody>
+          <a:bodyPr>
+            <a:normAutofit/>
+          </a:bodyPr>
+          <a:lstStyle/>
+          <a:p>
+            <a:r>
+              <a:rPr lang="en-US" dirty="0"/>
+              <a:t>You might be asking…</a:t>
+            </a:r>
+          </a:p>
+        </p:txBody>
+      </p:sp>
+      <p:sp>
+        <p:nvSpPr>
+          <p:cNvPr id="6" name="Content Placeholder 5"/>
+          <p:cNvSpPr>
+            <a:spLocks noGrp="1"/>
+          </p:cNvSpPr>
+          <p:nvPr>
+            <p:ph sz="quarter" idx="13"/>
+          </p:nvPr>
+        </p:nvSpPr>
+        <p:spPr/>
+        <p:txBody>
+          <a:bodyPr>
+            <a:normAutofit/>
+          </a:bodyPr>
+          <a:lstStyle/>
+          <a:p>
+            <a:pPr marL="0" indent="0">
+              <a:buNone/>
+            </a:pPr>
+            <a:r>
+              <a:rPr lang="en-US" sz="8000" dirty="0"/>
+              <a:t>Andy,</a:t>
+            </a:r>
+          </a:p>
+          <a:p>
+            <a:pPr marL="0" indent="0">
+              <a:buNone/>
+            </a:pPr>
+            <a:r>
+              <a:rPr lang="en-US" sz="8000" dirty="0"/>
+              <a:t>Why the *&amp;$# are you telling this story?</a:t>
+            </a:r>
+          </a:p>
+        </p:txBody>
+      </p:sp>
+    </p:spTree>
+    <p:extLst>
+      <p:ext uri="{BB962C8B-B14F-4D97-AF65-F5344CB8AC3E}">
+        <p14:creationId xmlns:p14="http://schemas.microsoft.com/office/powerpoint/2010/main" val="465045979"/>
+      </p:ext>
+    </p:extLst>
+  </p:cSld>
+  <p:clrMapOvr>
+    <a:masterClrMapping/>
+  </p:clrMapOvr>
+  <p:timing>
+    <p:tnLst>
+      <p:par>
+        <p:cTn id="1" dur="indefinite" restart="never" nodeType="tmRoot">
+          <p:childTnLst>
+            <p:seq concurrent="1" nextAc="seek">
+              <p:cTn id="2" dur="indefinite" nodeType="mainSeq">
+                <p:childTnLst>
+                  <p:par>
+                    <p:cTn id="3" fill="hold">
+                      <p:stCondLst>
+                        <p:cond delay="indefinite"/>
+                      </p:stCondLst>
+                      <p:childTnLst>
+                        <p:par>
+                          <p:cTn id="4" fill="hold">
+                            <p:stCondLst>
+                              <p:cond delay="0"/>
+                            </p:stCondLst>
+                            <p:childTnLst>
+                              <p:par>
+                                <p:cTn id="5" presetID="1" presetClass="entr" presetSubtype="0" fill="hold" grpId="0" nodeType="clickEffect">
+                                  <p:stCondLst>
+                                    <p:cond delay="0"/>
+                                  </p:stCondLst>
+                                  <p:childTnLst>
+                                    <p:set>
+                                      <p:cBhvr>
+                                        <p:cTn id="6" dur="1" fill="hold">
+                                          <p:stCondLst>
+                                            <p:cond delay="0"/>
+                                          </p:stCondLst>
+                                        </p:cTn>
+                                        <p:tgtEl>
+                                          <p:spTgt spid="6">
+                                            <p:txEl>
+                                              <p:pRg st="0" end="0"/>
+                                            </p:txEl>
+                                          </p:spTgt>
+                                        </p:tgtEl>
+                                        <p:attrNameLst>
+                                          <p:attrName>style.visibility</p:attrName>
+                                        </p:attrNameLst>
+                                      </p:cBhvr>
+                                      <p:to>
+                                        <p:strVal val="visible"/>
+                                      </p:to>
+                                    </p:set>
+                                  </p:childTnLst>
+                                </p:cTn>
+                              </p:par>
+                            </p:childTnLst>
+                          </p:cTn>
+                        </p:par>
+                      </p:childTnLst>
+                    </p:cTn>
+                  </p:par>
+                  <p:par>
+                    <p:cTn id="7" fill="hold">
+                      <p:stCondLst>
+                        <p:cond delay="indefinite"/>
+                      </p:stCondLst>
+                      <p:childTnLst>
+                        <p:par>
+                          <p:cTn id="8" fill="hold">
+                            <p:stCondLst>
+                              <p:cond delay="0"/>
+                            </p:stCondLst>
+                            <p:childTnLst>
+                              <p:par>
+                                <p:cTn id="9" presetID="1" presetClass="entr" presetSubtype="0" fill="hold" grpId="0" nodeType="clickEffect">
+                                  <p:stCondLst>
+                                    <p:cond delay="0"/>
+                                  </p:stCondLst>
+                                  <p:childTnLst>
+                                    <p:set>
+                                      <p:cBhvr>
+                                        <p:cTn id="10" dur="1" fill="hold">
+                                          <p:stCondLst>
+                                            <p:cond delay="0"/>
+                                          </p:stCondLst>
+                                        </p:cTn>
+                                        <p:tgtEl>
+                                          <p:spTgt spid="6">
+                                            <p:txEl>
+                                              <p:pRg st="1" end="1"/>
+                                            </p:txEl>
+                                          </p:spTgt>
+                                        </p:tgtEl>
+                                        <p:attrNameLst>
+                                          <p:attrName>style.visibility</p:attrName>
+                                        </p:attrNameLst>
+                                      </p:cBhvr>
+                                      <p:to>
+                                        <p:strVal val="visible"/>
+                                      </p:to>
+                                    </p:set>
+                                  </p:childTnLst>
+                                </p:cTn>
+                              </p:par>
+                            </p:childTnLst>
+                          </p:cTn>
+                        </p:par>
+                      </p:childTnLst>
+                    </p:cTn>
+                  </p:par>
+                </p:childTnLst>
+              </p:cTn>
+              <p:prevCondLst>
+                <p:cond evt="onPrev" delay="0">
+                  <p:tgtEl>
+                    <p:sldTgt/>
+                  </p:tgtEl>
+                </p:cond>
+              </p:prevCondLst>
+              <p:nextCondLst>
+                <p:cond evt="onNext" delay="0">
+                  <p:tgtEl>
+                    <p:sldTgt/>
+                  </p:tgtEl>
+                </p:cond>
+              </p:nextCondLst>
+            </p:seq>
+          </p:childTnLst>
+        </p:cTn>
+      </p:par>
+    </p:tnLst>
+    <p:bldLst>
+      <p:bldP spid="6" grpId="0" build="p"/>
+    </p:bldLst>
+  </p:timing>
+</p:sld>
+</file>
+
+<file path=ppt/slides/slide13.xml><?xml version="1.0" encoding="utf-8"?>
+<p:sld xmlns:a="http://schemas.openxmlformats.org/drawingml/2006/main" xmlns:r="http://schemas.openxmlformats.org/officeDocument/2006/relationships" xmlns:p="http://schemas.openxmlformats.org/presentationml/2006/main">
+  <p:cSld>
+    <p:spTree>
+      <p:nvGrpSpPr>
+        <p:cNvPr id="1" name=""/>
+        <p:cNvGrpSpPr/>
+        <p:nvPr/>
+      </p:nvGrpSpPr>
+      <p:grpSpPr>
+        <a:xfrm>
+          <a:off x="0" y="0"/>
+          <a:ext cx="0" cy="0"/>
+          <a:chOff x="0" y="0"/>
+          <a:chExt cx="0" cy="0"/>
+        </a:xfrm>
+      </p:grpSpPr>
+      <p:sp>
+        <p:nvSpPr>
+          <p:cNvPr id="2" name="Title 1"/>
+          <p:cNvSpPr>
+            <a:spLocks noGrp="1"/>
+          </p:cNvSpPr>
+          <p:nvPr>
+            <p:ph type="title"/>
+          </p:nvPr>
+        </p:nvSpPr>
+        <p:spPr/>
+        <p:txBody>
+          <a:bodyPr/>
+          <a:lstStyle/>
+          <a:p>
+            <a:r>
+              <a:rPr lang="en-US" dirty="0"/>
+              <a:t>Smoot Wisdom</a:t>
+            </a:r>
+          </a:p>
+        </p:txBody>
+      </p:sp>
+      <p:sp>
+        <p:nvSpPr>
+          <p:cNvPr id="3" name="Content Placeholder 2"/>
+          <p:cNvSpPr>
+            <a:spLocks noGrp="1"/>
+          </p:cNvSpPr>
+          <p:nvPr>
+            <p:ph idx="1"/>
+          </p:nvPr>
+        </p:nvSpPr>
+        <p:spPr>
+          <a:xfrm>
+            <a:off x="816864" y="1803399"/>
+            <a:ext cx="10871200" cy="4852437"/>
+          </a:xfrm>
+        </p:spPr>
+        <p:txBody>
+          <a:bodyPr>
+            <a:normAutofit/>
+          </a:bodyPr>
+          <a:lstStyle/>
+          <a:p>
+            <a:pPr marL="0" indent="0">
+              <a:buNone/>
+            </a:pPr>
+            <a:r>
+              <a:rPr lang="en-US" sz="6600" dirty="0"/>
+              <a:t>"Things that you pay no attention to at the </a:t>
+            </a:r>
+            <a:r>
+              <a:rPr lang="en-US" sz="6600"/>
+              <a:t>time can have </a:t>
+            </a:r>
+            <a:r>
+              <a:rPr lang="en-US" sz="6600" dirty="0"/>
+              <a:t>big consequences." </a:t>
+            </a:r>
+            <a:br>
+              <a:rPr lang="en-US" dirty="0"/>
+            </a:br>
+            <a:r>
+              <a:rPr lang="en-US" dirty="0"/>
+              <a:t>~Oliver Smoot</a:t>
+            </a:r>
+            <a:br>
+              <a:rPr lang="en-US" dirty="0"/>
+            </a:br>
+            <a:r>
+              <a:rPr lang="en-US" sz="3200" dirty="0"/>
+              <a:t>Interview with Radio Boston, WBUR, May 6, 2016</a:t>
+            </a:r>
+            <a:br>
+              <a:rPr lang="en-US" sz="3200" dirty="0"/>
+            </a:br>
+            <a:r>
+              <a:rPr lang="en-US" sz="1400" dirty="0"/>
+              <a:t>http://radioboston.wbur.org/2016/05/06/ollie-smoot-the-official-unit-of-measure-for-the-harvard-bridge</a:t>
+            </a:r>
+            <a:endParaRPr lang="en-US" dirty="0"/>
+          </a:p>
+        </p:txBody>
+      </p:sp>
+    </p:spTree>
+    <p:extLst>
+      <p:ext uri="{BB962C8B-B14F-4D97-AF65-F5344CB8AC3E}">
+        <p14:creationId xmlns:p14="http://schemas.microsoft.com/office/powerpoint/2010/main" val="4194298386"/>
+      </p:ext>
+    </p:extLst>
+  </p:cSld>
+  <p:clrMapOvr>
+    <a:masterClrMapping/>
+  </p:clrMapOvr>
+</p:sld>
+</file>
+
+<file path=ppt/slides/slide14.xml><?xml version="1.0" encoding="utf-8"?>
+<p:sld xmlns:a="http://schemas.openxmlformats.org/drawingml/2006/main" xmlns:r="http://schemas.openxmlformats.org/officeDocument/2006/relationships" xmlns:p="http://schemas.openxmlformats.org/presentationml/2006/main">
+  <p:cSld>
+    <p:spTree>
+      <p:nvGrpSpPr>
+        <p:cNvPr id="1" name=""/>
+        <p:cNvGrpSpPr/>
+        <p:nvPr/>
+      </p:nvGrpSpPr>
+      <p:grpSpPr>
+        <a:xfrm>
+          <a:off x="0" y="0"/>
+          <a:ext cx="0" cy="0"/>
+          <a:chOff x="0" y="0"/>
+          <a:chExt cx="0" cy="0"/>
+        </a:xfrm>
+      </p:grpSpPr>
+      <p:sp>
+        <p:nvSpPr>
+          <p:cNvPr id="3" name="Subtitle 2"/>
+          <p:cNvSpPr>
+            <a:spLocks noGrp="1"/>
+          </p:cNvSpPr>
+          <p:nvPr>
+            <p:ph type="subTitle" idx="1"/>
+          </p:nvPr>
+        </p:nvSpPr>
+        <p:spPr/>
+        <p:txBody>
+          <a:bodyPr>
+            <a:normAutofit/>
+          </a:bodyPr>
+          <a:lstStyle/>
+          <a:p>
+            <a:r>
+              <a:rPr lang="en-US" sz="2800" dirty="0"/>
+              <a:t>Andy Mallon</a:t>
+            </a:r>
+          </a:p>
+        </p:txBody>
+      </p:sp>
+      <p:sp>
+        <p:nvSpPr>
+          <p:cNvPr id="2" name="Title 1"/>
+          <p:cNvSpPr>
+            <a:spLocks noGrp="1"/>
+          </p:cNvSpPr>
+          <p:nvPr>
+            <p:ph type="title"/>
+          </p:nvPr>
+        </p:nvSpPr>
+        <p:spPr/>
+        <p:txBody>
+          <a:bodyPr/>
+          <a:lstStyle/>
+          <a:p>
+            <a:r>
+              <a:rPr lang="en-US" dirty="0"/>
+              <a:t>Demystifying Data Compression</a:t>
+            </a:r>
+          </a:p>
+        </p:txBody>
+      </p:sp>
+    </p:spTree>
+    <p:extLst>
+      <p:ext uri="{BB962C8B-B14F-4D97-AF65-F5344CB8AC3E}">
+        <p14:creationId xmlns:p14="http://schemas.microsoft.com/office/powerpoint/2010/main" val="2509196440"/>
+      </p:ext>
+    </p:extLst>
+  </p:cSld>
+  <p:clrMapOvr>
+    <a:masterClrMapping/>
+  </p:clrMapOvr>
+</p:sld>
+</file>
+
+<file path=ppt/slides/slide15.xml><?xml version="1.0" encoding="utf-8"?>
+<p:sld xmlns:a="http://schemas.openxmlformats.org/drawingml/2006/main" xmlns:r="http://schemas.openxmlformats.org/officeDocument/2006/relationships" xmlns:p="http://schemas.openxmlformats.org/presentationml/2006/main">
+  <p:cSld>
+    <p:spTree>
+      <p:nvGrpSpPr>
+        <p:cNvPr id="1" name=""/>
+        <p:cNvGrpSpPr/>
+        <p:nvPr/>
+      </p:nvGrpSpPr>
+      <p:grpSpPr>
+        <a:xfrm>
+          <a:off x="0" y="0"/>
+          <a:ext cx="0" cy="0"/>
+          <a:chOff x="0" y="0"/>
+          <a:chExt cx="0" cy="0"/>
+        </a:xfrm>
+      </p:grpSpPr>
+      <p:sp>
+        <p:nvSpPr>
+          <p:cNvPr id="5" name="Title 4"/>
+          <p:cNvSpPr>
+            <a:spLocks noGrp="1"/>
+          </p:cNvSpPr>
+          <p:nvPr>
+            <p:ph type="title"/>
+          </p:nvPr>
+        </p:nvSpPr>
+        <p:spPr/>
+        <p:txBody>
+          <a:bodyPr/>
+          <a:lstStyle/>
+          <a:p>
+            <a:r>
+              <a:rPr lang="en-US"/>
+              <a:t>Agenda</a:t>
+            </a:r>
+            <a:endParaRPr lang="en-US" dirty="0"/>
+          </a:p>
+        </p:txBody>
+      </p:sp>
+      <p:sp>
+        <p:nvSpPr>
+          <p:cNvPr id="6" name="Content Placeholder 5"/>
+          <p:cNvSpPr>
+            <a:spLocks noGrp="1"/>
+          </p:cNvSpPr>
+          <p:nvPr>
+            <p:ph idx="1"/>
+          </p:nvPr>
+        </p:nvSpPr>
+        <p:spPr/>
+        <p:txBody>
+          <a:bodyPr>
+            <a:normAutofit fontScale="92500"/>
+          </a:bodyPr>
+          <a:lstStyle/>
+          <a:p>
+            <a:r>
+              <a:rPr lang="en-US" dirty="0"/>
+              <a:t>Indexes and Heaps: A quick review (or introduction)</a:t>
+            </a:r>
+          </a:p>
+          <a:p>
+            <a:r>
+              <a:rPr lang="en-US" dirty="0"/>
+              <a:t>What is data compression?</a:t>
+            </a:r>
+          </a:p>
+          <a:p>
+            <a:r>
+              <a:rPr lang="en-US" dirty="0"/>
+              <a:t>Differences between the types of data compression</a:t>
+            </a:r>
+          </a:p>
+          <a:p>
+            <a:r>
+              <a:rPr lang="en-US" dirty="0"/>
+              <a:t>Costs &amp; Benefits</a:t>
+            </a:r>
+          </a:p>
+          <a:p>
+            <a:r>
+              <a:rPr lang="en-US" dirty="0"/>
+              <a:t>Explore compression algorithms</a:t>
+            </a:r>
+          </a:p>
+          <a:p>
+            <a:r>
+              <a:rPr lang="en-US" dirty="0"/>
+              <a:t>Practical examples</a:t>
+            </a:r>
+          </a:p>
+          <a:p>
+            <a:endParaRPr lang="en-US" dirty="0"/>
+          </a:p>
+        </p:txBody>
+      </p:sp>
+    </p:spTree>
+    <p:extLst>
+      <p:ext uri="{BB962C8B-B14F-4D97-AF65-F5344CB8AC3E}">
+        <p14:creationId xmlns:p14="http://schemas.microsoft.com/office/powerpoint/2010/main" val="3567959566"/>
+      </p:ext>
+    </p:extLst>
+  </p:cSld>
+  <p:clrMapOvr>
+    <a:masterClrMapping/>
+  </p:clrMapOvr>
+</p:sld>
+</file>
+
+<file path=ppt/slides/slide16.xml><?xml version="1.0" encoding="utf-8"?>
+<p:sld xmlns:a="http://schemas.openxmlformats.org/drawingml/2006/main" xmlns:r="http://schemas.openxmlformats.org/officeDocument/2006/relationships" xmlns:p="http://schemas.openxmlformats.org/presentationml/2006/main">
+  <p:cSld>
+    <p:spTree>
+      <p:nvGrpSpPr>
+        <p:cNvPr id="1" name=""/>
+        <p:cNvGrpSpPr/>
+        <p:nvPr/>
+      </p:nvGrpSpPr>
+      <p:grpSpPr>
+        <a:xfrm>
+          <a:off x="0" y="0"/>
+          <a:ext cx="0" cy="0"/>
+          <a:chOff x="0" y="0"/>
+          <a:chExt cx="0" cy="0"/>
+        </a:xfrm>
+      </p:grpSpPr>
+      <p:sp>
+        <p:nvSpPr>
+          <p:cNvPr id="5" name="Title 4"/>
+          <p:cNvSpPr>
+            <a:spLocks noGrp="1"/>
+          </p:cNvSpPr>
+          <p:nvPr>
+            <p:ph type="title"/>
+          </p:nvPr>
+        </p:nvSpPr>
+        <p:spPr/>
+        <p:txBody>
+          <a:bodyPr/>
+          <a:lstStyle/>
+          <a:p>
+            <a:r>
+              <a:rPr lang="en-US" dirty="0"/>
+              <a:t>What we </a:t>
+            </a:r>
+            <a:r>
+              <a:rPr lang="en-US" b="1" dirty="0">
+                <a:solidFill>
+                  <a:schemeClr val="accent5"/>
+                </a:solidFill>
+              </a:rPr>
+              <a:t>won’t</a:t>
+            </a:r>
+            <a:r>
+              <a:rPr lang="en-US" dirty="0"/>
+              <a:t> cover</a:t>
+            </a:r>
+          </a:p>
+        </p:txBody>
+      </p:sp>
+      <p:sp>
+        <p:nvSpPr>
+          <p:cNvPr id="6" name="Content Placeholder 5"/>
+          <p:cNvSpPr>
+            <a:spLocks noGrp="1"/>
+          </p:cNvSpPr>
+          <p:nvPr>
+            <p:ph idx="1"/>
+          </p:nvPr>
+        </p:nvSpPr>
+        <p:spPr/>
+        <p:txBody>
+          <a:bodyPr/>
+          <a:lstStyle/>
+          <a:p>
+            <a:r>
+              <a:rPr lang="en-US" dirty="0" err="1"/>
+              <a:t>Columnstore</a:t>
+            </a:r>
+            <a:r>
+              <a:rPr lang="en-US" dirty="0"/>
+              <a:t> indexes</a:t>
+            </a:r>
+          </a:p>
+          <a:p>
+            <a:r>
+              <a:rPr lang="en-US" dirty="0"/>
+              <a:t>XML indexes</a:t>
+            </a:r>
+          </a:p>
+          <a:p>
+            <a:r>
+              <a:rPr lang="en-US" dirty="0"/>
+              <a:t>Backup compression</a:t>
+            </a:r>
+          </a:p>
+          <a:p>
+            <a:r>
+              <a:rPr lang="en-US" dirty="0"/>
+              <a:t>COMPRESS() function</a:t>
+            </a:r>
+          </a:p>
+          <a:p>
+            <a:pPr lvl="1"/>
+            <a:r>
+              <a:rPr lang="en-US" dirty="0"/>
+              <a:t>There is an example in the scripts I’ll share</a:t>
+            </a:r>
+          </a:p>
+          <a:p>
+            <a:pPr marL="0" indent="0">
+              <a:buNone/>
+            </a:pPr>
+            <a:endParaRPr lang="en-US" dirty="0"/>
+          </a:p>
+          <a:p>
+            <a:endParaRPr lang="en-US" dirty="0"/>
+          </a:p>
+        </p:txBody>
+      </p:sp>
+    </p:spTree>
+    <p:extLst>
+      <p:ext uri="{BB962C8B-B14F-4D97-AF65-F5344CB8AC3E}">
+        <p14:creationId xmlns:p14="http://schemas.microsoft.com/office/powerpoint/2010/main" val="81066089"/>
+      </p:ext>
+    </p:extLst>
+  </p:cSld>
+  <p:clrMapOvr>
+    <a:masterClrMapping/>
+  </p:clrMapOvr>
+  <p:timing>
+    <p:tnLst>
+      <p:par>
+        <p:cTn id="1" dur="indefinite" restart="never" nodeType="tmRoot">
+          <p:childTnLst>
+            <p:seq concurrent="1" nextAc="seek">
+              <p:cTn id="2" dur="indefinite" nodeType="mainSeq">
+                <p:childTnLst>
+                  <p:par>
+                    <p:cTn id="3" fill="hold">
+                      <p:stCondLst>
+                        <p:cond delay="indefinite"/>
+                      </p:stCondLst>
+                      <p:childTnLst>
+                        <p:par>
+                          <p:cTn id="4" fill="hold">
+                            <p:stCondLst>
+                              <p:cond delay="0"/>
+                            </p:stCondLst>
+                            <p:childTnLst>
+                              <p:par>
+                                <p:cTn id="5" presetID="1" presetClass="entr" presetSubtype="0" fill="hold" nodeType="clickEffect">
+                                  <p:stCondLst>
+                                    <p:cond delay="0"/>
+                                  </p:stCondLst>
+                                  <p:childTnLst>
+                                    <p:set>
+                                      <p:cBhvr>
+                                        <p:cTn id="6" dur="1" fill="hold">
+                                          <p:stCondLst>
+                                            <p:cond delay="0"/>
+                                          </p:stCondLst>
+                                        </p:cTn>
+                                        <p:tgtEl>
+                                          <p:spTgt spid="6">
+                                            <p:txEl>
+                                              <p:pRg st="4" end="4"/>
+                                            </p:txEl>
+                                          </p:spTgt>
+                                        </p:tgtEl>
+                                        <p:attrNameLst>
+                                          <p:attrName>style.visibility</p:attrName>
+                                        </p:attrNameLst>
+                                      </p:cBhvr>
+                                      <p:to>
+                                        <p:strVal val="visible"/>
+                                      </p:to>
+                                    </p:set>
+                                  </p:childTnLst>
+                                </p:cTn>
+                              </p:par>
+                            </p:childTnLst>
+                          </p:cTn>
+                        </p:par>
+                      </p:childTnLst>
+                    </p:cTn>
+                  </p:par>
+                </p:childTnLst>
+              </p:cTn>
+              <p:prevCondLst>
+                <p:cond evt="onPrev" delay="0">
+                  <p:tgtEl>
+                    <p:sldTgt/>
+                  </p:tgtEl>
+                </p:cond>
+              </p:prevCondLst>
+              <p:nextCondLst>
+                <p:cond evt="onNext" delay="0">
+                  <p:tgtEl>
+                    <p:sldTgt/>
+                  </p:tgtEl>
+                </p:cond>
+              </p:nextCondLst>
+            </p:seq>
+          </p:childTnLst>
+        </p:cTn>
+      </p:par>
+    </p:tnLst>
+  </p:timing>
+</p:sld>
+</file>
+
+<file path=ppt/slides/slide17.xml><?xml version="1.0" encoding="utf-8"?>
+<p:sld xmlns:a="http://schemas.openxmlformats.org/drawingml/2006/main" xmlns:r="http://schemas.openxmlformats.org/officeDocument/2006/relationships" xmlns:p="http://schemas.openxmlformats.org/presentationml/2006/main">
+  <p:cSld>
+    <p:spTree>
+      <p:nvGrpSpPr>
+        <p:cNvPr id="1" name=""/>
+        <p:cNvGrpSpPr/>
+        <p:nvPr/>
+      </p:nvGrpSpPr>
+      <p:grpSpPr>
+        <a:xfrm>
+          <a:off x="0" y="0"/>
+          <a:ext cx="0" cy="0"/>
+          <a:chOff x="0" y="0"/>
+          <a:chExt cx="0" cy="0"/>
+        </a:xfrm>
+      </p:grpSpPr>
+      <p:sp>
+        <p:nvSpPr>
+          <p:cNvPr id="2" name="Title 1"/>
+          <p:cNvSpPr>
+            <a:spLocks noGrp="1"/>
+          </p:cNvSpPr>
+          <p:nvPr>
+            <p:ph type="title"/>
+          </p:nvPr>
+        </p:nvSpPr>
+        <p:spPr/>
+        <p:txBody>
+          <a:bodyPr/>
+          <a:lstStyle/>
+          <a:p>
+            <a:r>
+              <a:rPr lang="en-US" dirty="0"/>
+              <a:t>Before I start…</a:t>
+            </a:r>
+          </a:p>
+        </p:txBody>
+      </p:sp>
+      <p:sp>
+        <p:nvSpPr>
+          <p:cNvPr id="3" name="Content Placeholder 2"/>
+          <p:cNvSpPr>
+            <a:spLocks noGrp="1"/>
+          </p:cNvSpPr>
+          <p:nvPr>
+            <p:ph idx="1"/>
+          </p:nvPr>
+        </p:nvSpPr>
+        <p:spPr/>
+        <p:txBody>
+          <a:bodyPr/>
+          <a:lstStyle/>
+          <a:p>
+            <a:r>
+              <a:rPr lang="en-US" dirty="0"/>
+              <a:t>Who has used data compression?</a:t>
+            </a:r>
+          </a:p>
+          <a:p>
+            <a:r>
+              <a:rPr lang="en-US" dirty="0"/>
+              <a:t>What’s been your experience?</a:t>
+            </a:r>
+          </a:p>
+          <a:p>
+            <a:r>
+              <a:rPr lang="en-US" dirty="0"/>
+              <a:t>What do you want to learn today?</a:t>
+            </a:r>
+          </a:p>
+          <a:p>
+            <a:pPr marL="0" indent="0">
+              <a:buNone/>
+            </a:pPr>
+            <a:endParaRPr lang="en-US" dirty="0"/>
+          </a:p>
+          <a:p>
+            <a:endParaRPr lang="en-US" dirty="0"/>
+          </a:p>
+        </p:txBody>
+      </p:sp>
+    </p:spTree>
+    <p:extLst>
+      <p:ext uri="{BB962C8B-B14F-4D97-AF65-F5344CB8AC3E}">
+        <p14:creationId xmlns:p14="http://schemas.microsoft.com/office/powerpoint/2010/main" val="4236597294"/>
+      </p:ext>
+    </p:extLst>
+  </p:cSld>
+  <p:clrMapOvr>
+    <a:masterClrMapping/>
+  </p:clrMapOvr>
+  <p:timing>
+    <p:tnLst>
+      <p:par>
+        <p:cTn id="1" dur="indefinite" restart="never" nodeType="tmRoot">
+          <p:childTnLst>
+            <p:seq concurrent="1" nextAc="seek">
+              <p:cTn id="2" dur="indefinite" nodeType="mainSeq">
+                <p:childTnLst>
+                  <p:par>
+                    <p:cTn id="3" fill="hold">
+                      <p:stCondLst>
+                        <p:cond delay="indefinite"/>
+                      </p:stCondLst>
+                      <p:childTnLst>
+                        <p:par>
+                          <p:cTn id="4" fill="hold">
+                            <p:stCondLst>
+                              <p:cond delay="0"/>
+                            </p:stCondLst>
+                            <p:childTnLst>
+                              <p:par>
+                                <p:cTn id="5" presetID="10" presetClass="entr" presetSubtype="0" fill="hold" grpId="0" nodeType="clickEffect">
+                                  <p:stCondLst>
+                                    <p:cond delay="0"/>
+                                  </p:stCondLst>
+                                  <p:childTnLst>
+                                    <p:set>
+                                      <p:cBhvr>
+                                        <p:cTn id="6" dur="1" fill="hold">
+                                          <p:stCondLst>
+                                            <p:cond delay="0"/>
+                                          </p:stCondLst>
+                                        </p:cTn>
+                                        <p:tgtEl>
+                                          <p:spTgt spid="3">
+                                            <p:txEl>
+                                              <p:pRg st="0" end="0"/>
+                                            </p:txEl>
+                                          </p:spTgt>
+                                        </p:tgtEl>
+                                        <p:attrNameLst>
+                                          <p:attrName>style.visibility</p:attrName>
+                                        </p:attrNameLst>
+                                      </p:cBhvr>
+                                      <p:to>
+                                        <p:strVal val="visible"/>
+                                      </p:to>
+                                    </p:set>
+                                    <p:animEffect transition="in" filter="fade">
+                                      <p:cBhvr>
+                                        <p:cTn id="7" dur="500"/>
+                                        <p:tgtEl>
+                                          <p:spTgt spid="3">
+                                            <p:txEl>
+                                              <p:pRg st="0" end="0"/>
+                                            </p:txEl>
+                                          </p:spTgt>
+                                        </p:tgtEl>
+                                      </p:cBhvr>
+                                    </p:animEffect>
+                                  </p:childTnLst>
+                                </p:cTn>
+                              </p:par>
+                            </p:childTnLst>
+                          </p:cTn>
+                        </p:par>
+                      </p:childTnLst>
+                    </p:cTn>
+                  </p:par>
+                  <p:par>
+                    <p:cTn id="8" fill="hold">
+                      <p:stCondLst>
+                        <p:cond delay="indefinite"/>
+                      </p:stCondLst>
+                      <p:childTnLst>
+                        <p:par>
+                          <p:cTn id="9" fill="hold">
+                            <p:stCondLst>
+                              <p:cond delay="0"/>
+                            </p:stCondLst>
+                            <p:childTnLst>
+                              <p:par>
+                                <p:cTn id="10" presetID="10" presetClass="entr" presetSubtype="0" fill="hold" grpId="0" nodeType="clickEffect">
+                                  <p:stCondLst>
+                                    <p:cond delay="0"/>
+                                  </p:stCondLst>
+                                  <p:childTnLst>
+                                    <p:set>
+                                      <p:cBhvr>
+                                        <p:cTn id="11" dur="1" fill="hold">
+                                          <p:stCondLst>
+                                            <p:cond delay="0"/>
+                                          </p:stCondLst>
+                                        </p:cTn>
+                                        <p:tgtEl>
+                                          <p:spTgt spid="3">
+                                            <p:txEl>
+                                              <p:pRg st="1" end="1"/>
+                                            </p:txEl>
+                                          </p:spTgt>
+                                        </p:tgtEl>
+                                        <p:attrNameLst>
+                                          <p:attrName>style.visibility</p:attrName>
+                                        </p:attrNameLst>
+                                      </p:cBhvr>
+                                      <p:to>
+                                        <p:strVal val="visible"/>
+                                      </p:to>
+                                    </p:set>
+                                    <p:animEffect transition="in" filter="fade">
+                                      <p:cBhvr>
+                                        <p:cTn id="12" dur="500"/>
+                                        <p:tgtEl>
+                                          <p:spTgt spid="3">
+                                            <p:txEl>
+                                              <p:pRg st="1" end="1"/>
+                                            </p:txEl>
+                                          </p:spTgt>
+                                        </p:tgtEl>
+                                      </p:cBhvr>
+                                    </p:animEffect>
+                                  </p:childTnLst>
+                                </p:cTn>
+                              </p:par>
+                            </p:childTnLst>
+                          </p:cTn>
+                        </p:par>
+                      </p:childTnLst>
+                    </p:cTn>
+                  </p:par>
+                  <p:par>
+                    <p:cTn id="13" fill="hold">
+                      <p:stCondLst>
+                        <p:cond delay="indefinite"/>
+                      </p:stCondLst>
+                      <p:childTnLst>
+                        <p:par>
+                          <p:cTn id="14" fill="hold">
+                            <p:stCondLst>
+                              <p:cond delay="0"/>
+                            </p:stCondLst>
+                            <p:childTnLst>
+                              <p:par>
+                                <p:cTn id="15" presetID="10" presetClass="entr" presetSubtype="0" fill="hold" grpId="0" nodeType="clickEffect">
+                                  <p:stCondLst>
+                                    <p:cond delay="0"/>
+                                  </p:stCondLst>
+                                  <p:childTnLst>
+                                    <p:set>
+                                      <p:cBhvr>
+                                        <p:cTn id="16" dur="1" fill="hold">
+                                          <p:stCondLst>
+                                            <p:cond delay="0"/>
+                                          </p:stCondLst>
+                                        </p:cTn>
+                                        <p:tgtEl>
+                                          <p:spTgt spid="3">
+                                            <p:txEl>
+                                              <p:pRg st="2" end="2"/>
+                                            </p:txEl>
+                                          </p:spTgt>
+                                        </p:tgtEl>
+                                        <p:attrNameLst>
+                                          <p:attrName>style.visibility</p:attrName>
+                                        </p:attrNameLst>
+                                      </p:cBhvr>
+                                      <p:to>
+                                        <p:strVal val="visible"/>
+                                      </p:to>
+                                    </p:set>
+                                    <p:animEffect transition="in" filter="fade">
+                                      <p:cBhvr>
+                                        <p:cTn id="17" dur="500"/>
+                                        <p:tgtEl>
+                                          <p:spTgt spid="3">
+                                            <p:txEl>
+                                              <p:pRg st="2" end="2"/>
+                                            </p:txEl>
+                                          </p:spTgt>
+                                        </p:tgtEl>
+                                      </p:cBhvr>
+                                    </p:animEffect>
+                                  </p:childTnLst>
+                                </p:cTn>
+                              </p:par>
+                            </p:childTnLst>
+                          </p:cTn>
+                        </p:par>
+                      </p:childTnLst>
+                    </p:cTn>
+                  </p:par>
+                </p:childTnLst>
+              </p:cTn>
+              <p:prevCondLst>
+                <p:cond evt="onPrev" delay="0">
+                  <p:tgtEl>
+                    <p:sldTgt/>
+                  </p:tgtEl>
+                </p:cond>
+              </p:prevCondLst>
+              <p:nextCondLst>
+                <p:cond evt="onNext" delay="0">
+                  <p:tgtEl>
+                    <p:sldTgt/>
+                  </p:tgtEl>
+                </p:cond>
+              </p:nextCondLst>
+            </p:seq>
+          </p:childTnLst>
+        </p:cTn>
+      </p:par>
+    </p:tnLst>
+    <p:bldLst>
+      <p:bldP spid="3" grpId="0" build="p"/>
+    </p:bldLst>
+  </p:timing>
+</p:sld>
+</file>
+
+<file path=ppt/slides/slide18.xml><?xml version="1.0" encoding="utf-8"?>
+<p:sld xmlns:a="http://schemas.openxmlformats.org/drawingml/2006/main" xmlns:r="http://schemas.openxmlformats.org/officeDocument/2006/relationships" xmlns:p="http://schemas.openxmlformats.org/presentationml/2006/main">
+  <p:cSld>
+    <p:spTree>
+      <p:nvGrpSpPr>
+        <p:cNvPr id="1" name=""/>
+        <p:cNvGrpSpPr/>
+        <p:nvPr/>
+      </p:nvGrpSpPr>
+      <p:grpSpPr>
+        <a:xfrm>
+          <a:off x="0" y="0"/>
+          <a:ext cx="0" cy="0"/>
+          <a:chOff x="0" y="0"/>
+          <a:chExt cx="0" cy="0"/>
+        </a:xfrm>
+      </p:grpSpPr>
+      <p:sp>
+        <p:nvSpPr>
+          <p:cNvPr id="6" name="Content Placeholder 5"/>
+          <p:cNvSpPr>
+            <a:spLocks noGrp="1"/>
+          </p:cNvSpPr>
+          <p:nvPr>
+            <p:ph type="body" idx="1"/>
+          </p:nvPr>
+        </p:nvSpPr>
+        <p:spPr/>
+        <p:txBody>
+          <a:bodyPr>
+            <a:normAutofit/>
+          </a:bodyPr>
+          <a:lstStyle/>
+          <a:p>
+            <a:r>
+              <a:rPr lang="en-US" dirty="0"/>
+              <a:t>What is data compression?</a:t>
+            </a:r>
+          </a:p>
+          <a:p>
+            <a:r>
+              <a:rPr lang="en-US" dirty="0"/>
+              <a:t>Differences between the types of data compression</a:t>
+            </a:r>
+          </a:p>
+          <a:p>
+            <a:r>
+              <a:rPr lang="en-US" dirty="0"/>
+              <a:t>Costs &amp; Benefits</a:t>
+            </a:r>
+          </a:p>
+          <a:p>
+            <a:r>
+              <a:rPr lang="en-US" dirty="0"/>
+              <a:t>How does it work?</a:t>
+            </a:r>
+          </a:p>
+          <a:p>
+            <a:r>
+              <a:rPr lang="en-US" dirty="0"/>
+              <a:t>When does it work?</a:t>
+            </a:r>
+          </a:p>
+          <a:p>
+            <a:endParaRPr lang="en-US" dirty="0"/>
+          </a:p>
+        </p:txBody>
+      </p:sp>
+      <p:sp>
+        <p:nvSpPr>
+          <p:cNvPr id="5" name="Title 4"/>
+          <p:cNvSpPr>
+            <a:spLocks noGrp="1"/>
+          </p:cNvSpPr>
+          <p:nvPr>
+            <p:ph type="title"/>
+          </p:nvPr>
+        </p:nvSpPr>
+        <p:spPr/>
+        <p:txBody>
+          <a:bodyPr>
+            <a:normAutofit fontScale="90000"/>
+          </a:bodyPr>
+          <a:lstStyle/>
+          <a:p>
+            <a:r>
+              <a:rPr lang="en-US"/>
+              <a:t>Indexes and Heaps: A quick review</a:t>
+            </a:r>
+            <a:endParaRPr lang="en-US" dirty="0"/>
+          </a:p>
+        </p:txBody>
+      </p:sp>
+      <p:sp>
+        <p:nvSpPr>
+          <p:cNvPr id="7" name="Text Placeholder 6"/>
+          <p:cNvSpPr>
+            <a:spLocks noGrp="1"/>
+          </p:cNvSpPr>
+          <p:nvPr>
+            <p:ph type="body" idx="12"/>
+          </p:nvPr>
+        </p:nvSpPr>
+        <p:spPr/>
+        <p:txBody>
+          <a:bodyPr/>
+          <a:lstStyle/>
+          <a:p>
+            <a:endParaRPr lang="en-US"/>
+          </a:p>
+        </p:txBody>
+      </p:sp>
+    </p:spTree>
+    <p:extLst>
+      <p:ext uri="{BB962C8B-B14F-4D97-AF65-F5344CB8AC3E}">
+        <p14:creationId xmlns:p14="http://schemas.microsoft.com/office/powerpoint/2010/main" val="107025867"/>
+      </p:ext>
+    </p:extLst>
+  </p:cSld>
+  <p:clrMapOvr>
+    <a:masterClrMapping/>
+  </p:clrMapOvr>
+</p:sld>
+</file>
+
+<file path=ppt/slides/slide19.xml><?xml version="1.0" encoding="utf-8"?>
+<p:sld xmlns:a="http://schemas.openxmlformats.org/drawingml/2006/main" xmlns:r="http://schemas.openxmlformats.org/officeDocument/2006/relationships" xmlns:p="http://schemas.openxmlformats.org/presentationml/2006/main">
+  <p:cSld>
+    <p:spTree>
+      <p:nvGrpSpPr>
+        <p:cNvPr id="1" name=""/>
+        <p:cNvGrpSpPr/>
+        <p:nvPr/>
+      </p:nvGrpSpPr>
+      <p:grpSpPr>
+        <a:xfrm>
+          <a:off x="0" y="0"/>
+          <a:ext cx="0" cy="0"/>
+          <a:chOff x="0" y="0"/>
+          <a:chExt cx="0" cy="0"/>
+        </a:xfrm>
+      </p:grpSpPr>
+      <p:sp>
+        <p:nvSpPr>
+          <p:cNvPr id="2" name="Title 1"/>
+          <p:cNvSpPr>
+            <a:spLocks noGrp="1"/>
+          </p:cNvSpPr>
+          <p:nvPr>
+            <p:ph type="title"/>
+          </p:nvPr>
+        </p:nvSpPr>
+        <p:spPr/>
+        <p:txBody>
+          <a:bodyPr>
+            <a:normAutofit/>
+          </a:bodyPr>
+          <a:lstStyle/>
+          <a:p>
+            <a:r>
+              <a:rPr lang="en-US" dirty="0"/>
+              <a:t>A quick review (or introduction)</a:t>
+            </a:r>
+          </a:p>
+        </p:txBody>
+      </p:sp>
+      <p:sp>
+        <p:nvSpPr>
+          <p:cNvPr id="3" name="Content Placeholder 2"/>
+          <p:cNvSpPr>
+            <a:spLocks noGrp="1"/>
+          </p:cNvSpPr>
+          <p:nvPr>
+            <p:ph idx="1"/>
+          </p:nvPr>
+        </p:nvSpPr>
+        <p:spPr/>
+        <p:txBody>
+          <a:bodyPr>
+            <a:normAutofit/>
+          </a:bodyPr>
+          <a:lstStyle/>
+          <a:p>
+            <a:r>
+              <a:rPr lang="en-US" sz="2400" dirty="0"/>
+              <a:t>All data is stored on pages</a:t>
+            </a:r>
+          </a:p>
+          <a:p>
+            <a:r>
+              <a:rPr lang="en-US" sz="2400" dirty="0"/>
+              <a:t>Pages are combined into different structures</a:t>
+            </a:r>
+          </a:p>
+          <a:p>
+            <a:endParaRPr lang="en-US" sz="2400" dirty="0"/>
+          </a:p>
+          <a:p>
+            <a:r>
+              <a:rPr lang="en-US" sz="2400" dirty="0"/>
+              <a:t>B+ Trees</a:t>
+            </a:r>
+            <a:endParaRPr lang="en-US" sz="2000" dirty="0"/>
+          </a:p>
+          <a:p>
+            <a:pPr lvl="1"/>
+            <a:r>
+              <a:rPr lang="en-US" sz="2000" dirty="0"/>
+              <a:t>Clustered indexes</a:t>
+            </a:r>
+          </a:p>
+          <a:p>
+            <a:pPr lvl="1"/>
+            <a:r>
+              <a:rPr lang="en-US" sz="2000" dirty="0" err="1"/>
+              <a:t>Nonclustered</a:t>
+            </a:r>
+            <a:r>
+              <a:rPr lang="en-US" sz="2000" dirty="0"/>
+              <a:t> indexes</a:t>
+            </a:r>
+          </a:p>
+          <a:p>
+            <a:pPr lvl="1"/>
+            <a:r>
+              <a:rPr lang="en-US" sz="2000" dirty="0"/>
+              <a:t>Indexed views</a:t>
+            </a:r>
+          </a:p>
+          <a:p>
+            <a:r>
+              <a:rPr lang="en-US" sz="2400" dirty="0"/>
+              <a:t>Heaps</a:t>
+            </a:r>
+            <a:endParaRPr lang="en-US" sz="2200" dirty="0"/>
+          </a:p>
+        </p:txBody>
+      </p:sp>
+    </p:spTree>
+    <p:extLst>
+      <p:ext uri="{BB962C8B-B14F-4D97-AF65-F5344CB8AC3E}">
+        <p14:creationId xmlns:p14="http://schemas.microsoft.com/office/powerpoint/2010/main" val="1854952441"/>
+      </p:ext>
+    </p:extLst>
+  </p:cSld>
+  <p:clrMapOvr>
+    <a:masterClrMapping/>
+  </p:clrMapOvr>
+</p:sld>
+</file>
+
+<file path=ppt/slides/slide2.xml><?xml version="1.0" encoding="utf-8"?>
+<p:sld xmlns:a="http://schemas.openxmlformats.org/drawingml/2006/main" xmlns:r="http://schemas.openxmlformats.org/officeDocument/2006/relationships" xmlns:p="http://schemas.openxmlformats.org/presentationml/2006/main">
+  <p:cSld>
+    <p:spTree>
+      <p:nvGrpSpPr>
+        <p:cNvPr id="1" name=""/>
+        <p:cNvGrpSpPr/>
+        <p:nvPr/>
+      </p:nvGrpSpPr>
+      <p:grpSpPr>
+        <a:xfrm>
+          <a:off x="0" y="0"/>
+          <a:ext cx="0" cy="0"/>
+          <a:chOff x="0" y="0"/>
+          <a:chExt cx="0" cy="0"/>
+        </a:xfrm>
+      </p:grpSpPr>
+      <p:sp>
+        <p:nvSpPr>
+          <p:cNvPr id="2" name="Title 1"/>
+          <p:cNvSpPr>
+            <a:spLocks noGrp="1"/>
+          </p:cNvSpPr>
+          <p:nvPr>
+            <p:ph type="title"/>
+          </p:nvPr>
+        </p:nvSpPr>
+        <p:spPr/>
+        <p:txBody>
+          <a:bodyPr/>
+          <a:lstStyle/>
+          <a:p>
+            <a:r>
+              <a:rPr lang="en-US"/>
+              <a:t>Andy Mallon</a:t>
+            </a:r>
+            <a:endParaRPr lang="en-US" dirty="0"/>
+          </a:p>
+        </p:txBody>
+      </p:sp>
+      <p:sp>
+        <p:nvSpPr>
+          <p:cNvPr id="3" name="Content Placeholder 2"/>
+          <p:cNvSpPr>
+            <a:spLocks noGrp="1"/>
+          </p:cNvSpPr>
+          <p:nvPr>
+            <p:ph idx="1"/>
+          </p:nvPr>
+        </p:nvSpPr>
+        <p:spPr/>
+        <p:txBody>
+          <a:bodyPr>
+            <a:normAutofit fontScale="92500" lnSpcReduction="20000"/>
+          </a:bodyPr>
+          <a:lstStyle/>
+          <a:p>
+            <a:r>
+              <a:rPr lang="en-US"/>
+              <a:t>Working with SQL Server since 2003 and SQL Server 2000</a:t>
+            </a:r>
+          </a:p>
+          <a:p>
+            <a:r>
+              <a:rPr lang="en-US"/>
+              <a:t>Background in Tech Support</a:t>
+            </a:r>
+          </a:p>
+          <a:p>
+            <a:r>
+              <a:rPr lang="en-US"/>
+              <a:t>Managed databases in many industries</a:t>
+            </a:r>
+          </a:p>
+          <a:p>
+            <a:endParaRPr lang="en-US"/>
+          </a:p>
+          <a:p>
+            <a:endParaRPr lang="en-US"/>
+          </a:p>
+          <a:p>
+            <a:r>
+              <a:rPr lang="en-US"/>
+              <a:t>Lazy</a:t>
+            </a:r>
+          </a:p>
+          <a:p>
+            <a:r>
+              <a:rPr lang="en-US"/>
+              <a:t>Impatient</a:t>
+            </a:r>
+          </a:p>
+          <a:p>
+            <a:pPr lvl="1"/>
+            <a:endParaRPr lang="en-US" dirty="0"/>
+          </a:p>
+        </p:txBody>
+      </p:sp>
+      <p:sp>
+        <p:nvSpPr>
+          <p:cNvPr id="6" name="Content Placeholder 2"/>
+          <p:cNvSpPr txBox="1">
+            <a:spLocks/>
+          </p:cNvSpPr>
+          <p:nvPr/>
+        </p:nvSpPr>
+        <p:spPr>
+          <a:xfrm>
+            <a:off x="812800" y="3964940"/>
+            <a:ext cx="6543495" cy="809302"/>
+          </a:xfrm>
+          <a:prstGeom prst="rect">
+            <a:avLst/>
+          </a:prstGeom>
+        </p:spPr>
+        <p:txBody>
+          <a:bodyPr vert="horz" numCol="2">
+            <a:normAutofit fontScale="70000" lnSpcReduction="20000"/>
+          </a:bodyPr>
+          <a:lstStyle>
+            <a:lvl1pPr marL="426709" indent="-426709" algn="l" rtl="0" eaLnBrk="1" latinLnBrk="0" hangingPunct="1">
+              <a:spcBef>
+                <a:spcPts val="933"/>
+              </a:spcBef>
+              <a:buClr>
+                <a:schemeClr val="accent2"/>
+              </a:buClr>
+              <a:buSzPct val="60000"/>
+              <a:buFont typeface="Wingdings"/>
+              <a:buChar char=""/>
+              <a:defRPr kumimoji="0" sz="3867" kern="1200">
+                <a:solidFill>
+                  <a:schemeClr val="tx1"/>
+                </a:solidFill>
+                <a:latin typeface="+mn-lt"/>
+                <a:ea typeface="+mn-ea"/>
+                <a:cs typeface="+mn-cs"/>
+              </a:defRPr>
+            </a:lvl1pPr>
+            <a:lvl2pPr marL="853419" indent="-365751" algn="l" rtl="0" eaLnBrk="1" latinLnBrk="0" hangingPunct="1">
+              <a:spcBef>
+                <a:spcPts val="733"/>
+              </a:spcBef>
+              <a:buClr>
+                <a:schemeClr val="accent1"/>
+              </a:buClr>
+              <a:buSzPct val="70000"/>
+              <a:buFont typeface="Wingdings 2"/>
+              <a:buChar char=""/>
+              <a:defRPr kumimoji="0" sz="3467" kern="1200">
+                <a:solidFill>
+                  <a:schemeClr val="tx1"/>
+                </a:solidFill>
+                <a:latin typeface="+mn-lt"/>
+                <a:ea typeface="+mn-ea"/>
+                <a:cs typeface="+mn-cs"/>
+              </a:defRPr>
+            </a:lvl2pPr>
+            <a:lvl3pPr marL="1219170" indent="-304792" algn="l" rtl="0" eaLnBrk="1" latinLnBrk="0" hangingPunct="1">
+              <a:spcBef>
+                <a:spcPts val="667"/>
+              </a:spcBef>
+              <a:buClr>
+                <a:schemeClr val="accent2"/>
+              </a:buClr>
+              <a:buSzPct val="75000"/>
+              <a:buFont typeface="Wingdings"/>
+              <a:buChar char=""/>
+              <a:defRPr kumimoji="0" sz="3067" kern="1200">
+                <a:solidFill>
+                  <a:schemeClr val="tx1"/>
+                </a:solidFill>
+                <a:latin typeface="+mn-lt"/>
+                <a:ea typeface="+mn-ea"/>
+                <a:cs typeface="+mn-cs"/>
+              </a:defRPr>
+            </a:lvl3pPr>
+            <a:lvl4pPr marL="1828754" indent="-304792" algn="l" rtl="0" eaLnBrk="1" latinLnBrk="0" hangingPunct="1">
+              <a:spcBef>
+                <a:spcPts val="533"/>
+              </a:spcBef>
+              <a:buClr>
+                <a:schemeClr val="accent3"/>
+              </a:buClr>
+              <a:buSzPct val="75000"/>
+              <a:buFont typeface="Wingdings"/>
+              <a:buChar char=""/>
+              <a:defRPr kumimoji="0" sz="2667" kern="1200">
+                <a:solidFill>
+                  <a:schemeClr val="tx1"/>
+                </a:solidFill>
+                <a:latin typeface="+mn-lt"/>
+                <a:ea typeface="+mn-ea"/>
+                <a:cs typeface="+mn-cs"/>
+              </a:defRPr>
+            </a:lvl4pPr>
+            <a:lvl5pPr marL="2438339" indent="-304792" algn="l" rtl="0" eaLnBrk="1" latinLnBrk="0" hangingPunct="1">
+              <a:spcBef>
+                <a:spcPts val="533"/>
+              </a:spcBef>
+              <a:buClr>
+                <a:schemeClr val="accent4"/>
+              </a:buClr>
+              <a:buSzPct val="65000"/>
+              <a:buFont typeface="Wingdings"/>
+              <a:buChar char=""/>
+              <a:defRPr kumimoji="0" sz="2667" kern="1200">
+                <a:solidFill>
+                  <a:schemeClr val="tx1"/>
+                </a:solidFill>
+                <a:latin typeface="+mn-lt"/>
+                <a:ea typeface="+mn-ea"/>
+                <a:cs typeface="+mn-cs"/>
+              </a:defRPr>
+            </a:lvl5pPr>
+            <a:lvl6pPr marL="2804090" indent="-304792" algn="l" rtl="0" eaLnBrk="1" latinLnBrk="0" hangingPunct="1">
+              <a:spcBef>
+                <a:spcPct val="20000"/>
+              </a:spcBef>
+              <a:buClr>
+                <a:schemeClr val="accent1"/>
+              </a:buClr>
+              <a:buFont typeface="Wingdings"/>
+              <a:buNone/>
+              <a:defRPr kumimoji="0" sz="2400" kern="1200" baseline="0">
+                <a:solidFill>
+                  <a:schemeClr val="tx1"/>
+                </a:solidFill>
+                <a:latin typeface="+mn-lt"/>
+                <a:ea typeface="+mn-ea"/>
+                <a:cs typeface="+mn-cs"/>
+              </a:defRPr>
+            </a:lvl6pPr>
+            <a:lvl7pPr marL="3169841" indent="-304792" algn="l" rtl="0" eaLnBrk="1" latinLnBrk="0" hangingPunct="1">
+              <a:spcBef>
+                <a:spcPct val="20000"/>
+              </a:spcBef>
+              <a:buClr>
+                <a:schemeClr val="accent2"/>
+              </a:buClr>
+              <a:buFont typeface="Wingdings"/>
+              <a:buChar char="§"/>
+              <a:defRPr kumimoji="0" sz="2400" kern="1200" baseline="0">
+                <a:solidFill>
+                  <a:schemeClr val="tx1"/>
+                </a:solidFill>
+                <a:latin typeface="+mn-lt"/>
+                <a:ea typeface="+mn-ea"/>
+                <a:cs typeface="+mn-cs"/>
+              </a:defRPr>
+            </a:lvl7pPr>
+            <a:lvl8pPr marL="3535592" indent="-304792" algn="l" rtl="0" eaLnBrk="1" latinLnBrk="0" hangingPunct="1">
+              <a:spcBef>
+                <a:spcPct val="20000"/>
+              </a:spcBef>
+              <a:buClr>
+                <a:schemeClr val="accent3"/>
+              </a:buClr>
+              <a:buFont typeface="Wingdings"/>
+              <a:buChar char="§"/>
+              <a:defRPr kumimoji="0" sz="2400" kern="1200" baseline="0">
+                <a:solidFill>
+                  <a:schemeClr val="tx1"/>
+                </a:solidFill>
+                <a:latin typeface="+mn-lt"/>
+                <a:ea typeface="+mn-ea"/>
+                <a:cs typeface="+mn-cs"/>
+              </a:defRPr>
+            </a:lvl8pPr>
+            <a:lvl9pPr marL="3901342" indent="-304792" algn="l" rtl="0" eaLnBrk="1" latinLnBrk="0" hangingPunct="1">
+              <a:spcBef>
+                <a:spcPct val="20000"/>
+              </a:spcBef>
+              <a:buClr>
+                <a:schemeClr val="accent4"/>
+              </a:buClr>
+              <a:buFont typeface="Wingdings"/>
+              <a:buChar char="§"/>
+              <a:defRPr kumimoji="0" sz="2400" kern="1200" baseline="0">
+                <a:solidFill>
+                  <a:schemeClr val="tx1"/>
+                </a:solidFill>
+                <a:latin typeface="+mn-lt"/>
+                <a:ea typeface="+mn-ea"/>
+                <a:cs typeface="+mn-cs"/>
+              </a:defRPr>
+            </a:lvl9pPr>
+            <a:extLst/>
+          </a:lstStyle>
+          <a:p>
+            <a:pPr lvl="1" defTabSz="914400"/>
+            <a:r>
+              <a:rPr lang="en-US" dirty="0"/>
+              <a:t>Healthcare</a:t>
+            </a:r>
+          </a:p>
+          <a:p>
+            <a:pPr lvl="1" defTabSz="914400"/>
+            <a:r>
+              <a:rPr lang="en-US" dirty="0"/>
+              <a:t>Finance</a:t>
+            </a:r>
+          </a:p>
+          <a:p>
+            <a:pPr lvl="1" defTabSz="914400"/>
+            <a:r>
+              <a:rPr lang="en-US" dirty="0"/>
+              <a:t>E-Commerce</a:t>
+            </a:r>
+          </a:p>
+          <a:p>
+            <a:pPr lvl="1" defTabSz="914400"/>
+            <a:r>
+              <a:rPr lang="en-US" dirty="0"/>
+              <a:t>Non-Profit</a:t>
+            </a:r>
+          </a:p>
+        </p:txBody>
+      </p:sp>
+    </p:spTree>
+    <p:extLst>
+      <p:ext uri="{BB962C8B-B14F-4D97-AF65-F5344CB8AC3E}">
+        <p14:creationId xmlns:p14="http://schemas.microsoft.com/office/powerpoint/2010/main" val="1697107245"/>
+      </p:ext>
+    </p:extLst>
+  </p:cSld>
+  <p:clrMapOvr>
+    <a:masterClrMapping/>
+  </p:clrMapOvr>
 </p:sld>
 </file>
 
@@ -17232,54 +16812,31 @@
           <a:chExt cx="0" cy="0"/>
         </a:xfrm>
       </p:grpSpPr>
-      <p:sp>
-        <p:nvSpPr>
-          <p:cNvPr id="2" name="Title 1"/>
-          <p:cNvSpPr>
-            <a:spLocks noGrp="1"/>
-          </p:cNvSpPr>
-          <p:nvPr>
-            <p:ph type="title"/>
-          </p:nvPr>
-        </p:nvSpPr>
-        <p:spPr/>
-        <p:txBody>
-          <a:bodyPr/>
-          <a:lstStyle/>
-          <a:p>
-            <a:r>
-              <a:rPr lang="en-US" dirty="0"/>
-              <a:t>Demo</a:t>
-            </a:r>
-          </a:p>
-        </p:txBody>
-      </p:sp>
       <p:pic>
         <p:nvPicPr>
-          <p:cNvPr id="1026" name="Picture 2" descr="Oliver Smoot, who stands 5-foot-7, was used to measure the Massachusetts Avenue Bridge as part of a MIT fraternity prank in 1958. The markings on the bridge and the legacy of the unit of measurement know as the Smoot live on. (Joe Difazio for WBUR)"/>
+          <p:cNvPr id="8" name="Picture 2" descr="https://scontent-lga1-1.xx.fbcdn.net/hphotos-xat1/v/t1.0-9/11781623_944651622259841_4760931175711774253_n.jpg?oh=3ceda243b4461ee43ac467e92e73baba&amp;oe=56A6243C"/>
           <p:cNvPicPr>
-            <a:picLocks noGrp="1" noChangeAspect="1" noChangeArrowheads="1"/>
+            <a:picLocks noChangeAspect="1" noChangeArrowheads="1"/>
           </p:cNvPicPr>
-          <p:nvPr>
-            <p:ph idx="1"/>
-          </p:nvPr>
+          <p:nvPr/>
         </p:nvPicPr>
         <p:blipFill>
-          <a:blip r:embed="rId2">
+          <a:blip r:embed="rId3">
             <a:extLst>
               <a:ext uri="{28A0092B-C50C-407E-A947-70E740481C1C}">
                 <a14:useLocalDpi xmlns:a14="http://schemas.microsoft.com/office/drawing/2010/main" val="0"/>
               </a:ext>
             </a:extLst>
           </a:blip>
+          <a:srcRect/>
           <a:stretch>
             <a:fillRect/>
           </a:stretch>
         </p:blipFill>
         <p:spPr bwMode="auto">
           <a:xfrm>
-            <a:off x="2907507" y="1803400"/>
-            <a:ext cx="6691312" cy="4460875"/>
+            <a:off x="3809154" y="3470810"/>
+            <a:ext cx="3281038" cy="3281039"/>
           </a:xfrm>
           <a:prstGeom prst="rect">
             <a:avLst/>
@@ -17296,54 +16853,1022 @@
           </a:extLst>
         </p:spPr>
       </p:pic>
-      <p:sp>
-        <p:nvSpPr>
-          <p:cNvPr id="4" name="TextBox 3"/>
-          <p:cNvSpPr txBox="1"/>
+      <p:pic>
+        <p:nvPicPr>
+          <p:cNvPr id="4" name="Picture 3"/>
+          <p:cNvPicPr>
+            <a:picLocks noChangeAspect="1"/>
+          </p:cNvPicPr>
           <p:nvPr/>
-        </p:nvSpPr>
+        </p:nvPicPr>
+        <p:blipFill>
+          <a:blip r:embed="rId4"/>
+          <a:stretch>
+            <a:fillRect/>
+          </a:stretch>
+        </p:blipFill>
         <p:spPr>
           <a:xfrm>
-            <a:off x="9015445" y="5987276"/>
-            <a:ext cx="2668555" cy="276999"/>
+            <a:off x="3809153" y="3457300"/>
+            <a:ext cx="3283293" cy="3283293"/>
+          </a:xfrm>
+          <a:prstGeom prst="rect">
+            <a:avLst/>
+          </a:prstGeom>
+        </p:spPr>
+      </p:pic>
+      <p:pic>
+        <p:nvPicPr>
+          <p:cNvPr id="17" name="Picture 8" descr="https://igcdn-photos-d-a.akamaihd.net/hphotos-ak-xap1/t51.2885-15/11186841_793274697407251_668407686_n.jpg"/>
+          <p:cNvPicPr>
+            <a:picLocks noChangeAspect="1" noChangeArrowheads="1"/>
+          </p:cNvPicPr>
+          <p:nvPr/>
+        </p:nvPicPr>
+        <p:blipFill rotWithShape="1">
+          <a:blip r:embed="rId5">
+            <a:extLst>
+              <a:ext uri="{28A0092B-C50C-407E-A947-70E740481C1C}">
+                <a14:useLocalDpi xmlns:a14="http://schemas.microsoft.com/office/drawing/2010/main" val="0"/>
+              </a:ext>
+            </a:extLst>
+          </a:blip>
+          <a:srcRect l="4236" t="5599" r="5599" b="4236"/>
+          <a:stretch/>
+        </p:blipFill>
+        <p:spPr bwMode="auto">
+          <a:xfrm>
+            <a:off x="419025" y="3461052"/>
+            <a:ext cx="3275790" cy="3275790"/>
           </a:xfrm>
           <a:prstGeom prst="rect">
             <a:avLst/>
           </a:prstGeom>
           <a:noFill/>
+          <a:extLst>
+            <a:ext uri="{909E8E84-426E-40DD-AFC4-6F175D3DCCD1}">
+              <a14:hiddenFill xmlns:a14="http://schemas.microsoft.com/office/drawing/2010/main">
+                <a:solidFill>
+                  <a:srgbClr val="FFFFFF"/>
+                </a:solidFill>
+              </a14:hiddenFill>
+            </a:ext>
+          </a:extLst>
         </p:spPr>
-        <p:txBody>
-          <a:bodyPr wrap="square" rtlCol="0">
-            <a:spAutoFit/>
-          </a:bodyPr>
-          <a:lstStyle/>
-          <a:p>
-            <a:pPr algn="r"/>
-            <a:r>
-              <a:rPr lang="en-US" sz="1200" dirty="0"/>
-              <a:t>Photo by Joe </a:t>
-            </a:r>
-            <a:r>
-              <a:rPr lang="en-US" sz="1200" dirty="0" err="1"/>
-              <a:t>Difazio</a:t>
-            </a:r>
-            <a:r>
-              <a:rPr lang="en-US" sz="1200" dirty="0"/>
-              <a:t> for WBUR</a:t>
-            </a:r>
-          </a:p>
-        </p:txBody>
-      </p:sp>
+      </p:pic>
+      <p:pic>
+        <p:nvPicPr>
+          <p:cNvPr id="20" name="Picture 22" descr="https://c2.staticflickr.com/4/3607/3370542421_929cf4dcd8_z.jpg?zz=1"/>
+          <p:cNvPicPr>
+            <a:picLocks noChangeAspect="1" noChangeArrowheads="1"/>
+          </p:cNvPicPr>
+          <p:nvPr/>
+        </p:nvPicPr>
+        <p:blipFill rotWithShape="1">
+          <a:blip r:embed="rId6">
+            <a:extLst>
+              <a:ext uri="{28A0092B-C50C-407E-A947-70E740481C1C}">
+                <a14:useLocalDpi xmlns:a14="http://schemas.microsoft.com/office/drawing/2010/main" val="0"/>
+              </a:ext>
+            </a:extLst>
+          </a:blip>
+          <a:srcRect l="12037" t="5328" r="10123" b="37705"/>
+          <a:stretch/>
+        </p:blipFill>
+        <p:spPr bwMode="auto">
+          <a:xfrm>
+            <a:off x="7360359" y="4603962"/>
+            <a:ext cx="4419601" cy="2147887"/>
+          </a:xfrm>
+          <a:prstGeom prst="rect">
+            <a:avLst/>
+          </a:prstGeom>
+          <a:noFill/>
+          <a:extLst>
+            <a:ext uri="{909E8E84-426E-40DD-AFC4-6F175D3DCCD1}">
+              <a14:hiddenFill xmlns:a14="http://schemas.microsoft.com/office/drawing/2010/main">
+                <a:solidFill>
+                  <a:srgbClr val="FFFFFF"/>
+                </a:solidFill>
+              </a14:hiddenFill>
+            </a:ext>
+          </a:extLst>
+        </p:spPr>
+      </p:pic>
+      <p:grpSp>
+        <p:nvGrpSpPr>
+          <p:cNvPr id="15" name="Group 14"/>
+          <p:cNvGrpSpPr/>
+          <p:nvPr/>
+        </p:nvGrpSpPr>
+        <p:grpSpPr>
+          <a:xfrm>
+            <a:off x="415089" y="3457300"/>
+            <a:ext cx="3279726" cy="3280222"/>
+            <a:chOff x="415089" y="3457300"/>
+            <a:chExt cx="3279726" cy="3280222"/>
+          </a:xfrm>
+        </p:grpSpPr>
+        <p:pic>
+          <p:nvPicPr>
+            <p:cNvPr id="5" name="Picture 4"/>
+            <p:cNvPicPr>
+              <a:picLocks noChangeAspect="1"/>
+            </p:cNvPicPr>
+            <p:nvPr/>
+          </p:nvPicPr>
+          <p:blipFill rotWithShape="1">
+            <a:blip r:embed="rId7"/>
+            <a:srcRect t="-1" b="867"/>
+            <a:stretch/>
+          </p:blipFill>
+          <p:spPr>
+            <a:xfrm>
+              <a:off x="415089" y="5042008"/>
+              <a:ext cx="3275790" cy="1695514"/>
+            </a:xfrm>
+            <a:prstGeom prst="rect">
+              <a:avLst/>
+            </a:prstGeom>
+          </p:spPr>
+        </p:pic>
+        <p:pic>
+          <p:nvPicPr>
+            <p:cNvPr id="6" name="Picture 5"/>
+            <p:cNvPicPr>
+              <a:picLocks noChangeAspect="1"/>
+            </p:cNvPicPr>
+            <p:nvPr/>
+          </p:nvPicPr>
+          <p:blipFill rotWithShape="1">
+            <a:blip r:embed="rId8"/>
+            <a:srcRect t="26022" b="25334"/>
+            <a:stretch/>
+          </p:blipFill>
+          <p:spPr>
+            <a:xfrm>
+              <a:off x="419027" y="3457300"/>
+              <a:ext cx="3275788" cy="1593477"/>
+            </a:xfrm>
+            <a:prstGeom prst="rect">
+              <a:avLst/>
+            </a:prstGeom>
+          </p:spPr>
+        </p:pic>
+      </p:grpSp>
+      <p:pic>
+        <p:nvPicPr>
+          <p:cNvPr id="13" name="Picture 12"/>
+          <p:cNvPicPr>
+            <a:picLocks noChangeAspect="1"/>
+          </p:cNvPicPr>
+          <p:nvPr/>
+        </p:nvPicPr>
+        <p:blipFill>
+          <a:blip r:embed="rId9"/>
+          <a:stretch>
+            <a:fillRect/>
+          </a:stretch>
+        </p:blipFill>
+        <p:spPr>
+          <a:xfrm>
+            <a:off x="7358105" y="4821695"/>
+            <a:ext cx="4421856" cy="1784051"/>
+          </a:xfrm>
+          <a:prstGeom prst="rect">
+            <a:avLst/>
+          </a:prstGeom>
+        </p:spPr>
+      </p:pic>
+      <p:pic>
+        <p:nvPicPr>
+          <p:cNvPr id="3" name="Picture 2"/>
+          <p:cNvPicPr>
+            <a:picLocks noChangeAspect="1"/>
+          </p:cNvPicPr>
+          <p:nvPr/>
+        </p:nvPicPr>
+        <p:blipFill>
+          <a:blip r:embed="rId10"/>
+          <a:stretch>
+            <a:fillRect/>
+          </a:stretch>
+        </p:blipFill>
+        <p:spPr>
+          <a:xfrm>
+            <a:off x="3994880" y="100263"/>
+            <a:ext cx="3055631" cy="3284803"/>
+          </a:xfrm>
+          <a:prstGeom prst="rect">
+            <a:avLst/>
+          </a:prstGeom>
+        </p:spPr>
+      </p:pic>
+      <p:pic>
+        <p:nvPicPr>
+          <p:cNvPr id="2" name="Picture 1"/>
+          <p:cNvPicPr>
+            <a:picLocks noChangeAspect="1"/>
+          </p:cNvPicPr>
+          <p:nvPr/>
+        </p:nvPicPr>
+        <p:blipFill>
+          <a:blip r:embed="rId11"/>
+          <a:stretch>
+            <a:fillRect/>
+          </a:stretch>
+        </p:blipFill>
+        <p:spPr>
+          <a:xfrm>
+            <a:off x="414272" y="100263"/>
+            <a:ext cx="3280543" cy="3280543"/>
+          </a:xfrm>
+          <a:prstGeom prst="rect">
+            <a:avLst/>
+          </a:prstGeom>
+        </p:spPr>
+      </p:pic>
+      <p:pic>
+        <p:nvPicPr>
+          <p:cNvPr id="11" name="Picture 10"/>
+          <p:cNvPicPr>
+            <a:picLocks noChangeAspect="1"/>
+          </p:cNvPicPr>
+          <p:nvPr/>
+        </p:nvPicPr>
+        <p:blipFill>
+          <a:blip r:embed="rId12">
+            <a:extLst>
+              <a:ext uri="{28A0092B-C50C-407E-A947-70E740481C1C}">
+                <a14:useLocalDpi xmlns:a14="http://schemas.microsoft.com/office/drawing/2010/main" val="0"/>
+              </a:ext>
+            </a:extLst>
+          </a:blip>
+          <a:stretch>
+            <a:fillRect/>
+          </a:stretch>
+        </p:blipFill>
+        <p:spPr>
+          <a:xfrm>
+            <a:off x="7360359" y="103291"/>
+            <a:ext cx="4394812" cy="4394812"/>
+          </a:xfrm>
+          <a:prstGeom prst="rect">
+            <a:avLst/>
+          </a:prstGeom>
+        </p:spPr>
+      </p:pic>
+      <p:pic>
+        <p:nvPicPr>
+          <p:cNvPr id="16" name="Picture 6" descr="https://igcdn-photos-f-a.akamaihd.net/hphotos-ak-xpa1/t51.2885-15/11189591_897526703601277_1624430821_n.jpg"/>
+          <p:cNvPicPr>
+            <a:picLocks noChangeAspect="1" noChangeArrowheads="1"/>
+          </p:cNvPicPr>
+          <p:nvPr/>
+        </p:nvPicPr>
+        <p:blipFill rotWithShape="1">
+          <a:blip r:embed="rId13">
+            <a:extLst>
+              <a:ext uri="{28A0092B-C50C-407E-A947-70E740481C1C}">
+                <a14:useLocalDpi xmlns:a14="http://schemas.microsoft.com/office/drawing/2010/main" val="0"/>
+              </a:ext>
+            </a:extLst>
+          </a:blip>
+          <a:srcRect l="5147" t="5147" r="4329" b="4329"/>
+          <a:stretch/>
+        </p:blipFill>
+        <p:spPr bwMode="auto">
+          <a:xfrm>
+            <a:off x="3814402" y="103291"/>
+            <a:ext cx="3277515" cy="3277515"/>
+          </a:xfrm>
+          <a:prstGeom prst="rect">
+            <a:avLst/>
+          </a:prstGeom>
+          <a:noFill/>
+          <a:extLst>
+            <a:ext uri="{909E8E84-426E-40DD-AFC4-6F175D3DCCD1}">
+              <a14:hiddenFill xmlns:a14="http://schemas.microsoft.com/office/drawing/2010/main">
+                <a:solidFill>
+                  <a:srgbClr val="FFFFFF"/>
+                </a:solidFill>
+              </a14:hiddenFill>
+            </a:ext>
+          </a:extLst>
+        </p:spPr>
+      </p:pic>
+      <p:pic>
+        <p:nvPicPr>
+          <p:cNvPr id="18" name="Picture 14" descr="https://scontent-lga1-1.xx.fbcdn.net/hphotos-xap1/v/t1.0-9/s720x720/68136_10101720166808721_132590210251102469_n.jpg?oh=3e5a58671cb5fa2387b7adbd563b3dfc&amp;oe=564A0B1B"/>
+          <p:cNvPicPr>
+            <a:picLocks noChangeAspect="1" noChangeArrowheads="1"/>
+          </p:cNvPicPr>
+          <p:nvPr/>
+        </p:nvPicPr>
+        <p:blipFill rotWithShape="1">
+          <a:blip r:embed="rId14">
+            <a:extLst>
+              <a:ext uri="{28A0092B-C50C-407E-A947-70E740481C1C}">
+                <a14:useLocalDpi xmlns:a14="http://schemas.microsoft.com/office/drawing/2010/main" val="0"/>
+              </a:ext>
+            </a:extLst>
+          </a:blip>
+          <a:srcRect t="16054" b="17444"/>
+          <a:stretch/>
+        </p:blipFill>
+        <p:spPr bwMode="auto">
+          <a:xfrm>
+            <a:off x="413777" y="103291"/>
+            <a:ext cx="3281038" cy="3279769"/>
+          </a:xfrm>
+          <a:prstGeom prst="rect">
+            <a:avLst/>
+          </a:prstGeom>
+          <a:noFill/>
+          <a:extLst>
+            <a:ext uri="{909E8E84-426E-40DD-AFC4-6F175D3DCCD1}">
+              <a14:hiddenFill xmlns:a14="http://schemas.microsoft.com/office/drawing/2010/main">
+                <a:solidFill>
+                  <a:srgbClr val="FFFFFF"/>
+                </a:solidFill>
+              </a14:hiddenFill>
+            </a:ext>
+          </a:extLst>
+        </p:spPr>
+      </p:pic>
     </p:spTree>
     <p:extLst>
       <p:ext uri="{BB962C8B-B14F-4D97-AF65-F5344CB8AC3E}">
-        <p14:creationId xmlns:p14="http://schemas.microsoft.com/office/powerpoint/2010/main" val="839309899"/>
+        <p14:creationId xmlns:p14="http://schemas.microsoft.com/office/powerpoint/2010/main" val="3204892330"/>
       </p:ext>
     </p:extLst>
   </p:cSld>
   <p:clrMapOvr>
     <a:masterClrMapping/>
   </p:clrMapOvr>
+  <p:timing>
+    <p:tnLst>
+      <p:par>
+        <p:cTn id="1" dur="indefinite" restart="never" nodeType="tmRoot">
+          <p:childTnLst>
+            <p:seq concurrent="1" nextAc="seek">
+              <p:cTn id="2" dur="indefinite" nodeType="mainSeq">
+                <p:childTnLst>
+                  <p:par>
+                    <p:cTn id="3" fill="hold">
+                      <p:stCondLst>
+                        <p:cond delay="indefinite"/>
+                      </p:stCondLst>
+                      <p:childTnLst>
+                        <p:par>
+                          <p:cTn id="4" fill="hold">
+                            <p:stCondLst>
+                              <p:cond delay="0"/>
+                            </p:stCondLst>
+                            <p:childTnLst>
+                              <p:par>
+                                <p:cTn id="5" presetID="10" presetClass="entr" presetSubtype="0" fill="hold" nodeType="clickEffect">
+                                  <p:stCondLst>
+                                    <p:cond delay="0"/>
+                                  </p:stCondLst>
+                                  <p:childTnLst>
+                                    <p:set>
+                                      <p:cBhvr>
+                                        <p:cTn id="6" dur="1" fill="hold">
+                                          <p:stCondLst>
+                                            <p:cond delay="0"/>
+                                          </p:stCondLst>
+                                        </p:cTn>
+                                        <p:tgtEl>
+                                          <p:spTgt spid="2"/>
+                                        </p:tgtEl>
+                                        <p:attrNameLst>
+                                          <p:attrName>style.visibility</p:attrName>
+                                        </p:attrNameLst>
+                                      </p:cBhvr>
+                                      <p:to>
+                                        <p:strVal val="visible"/>
+                                      </p:to>
+                                    </p:set>
+                                    <p:animEffect transition="in" filter="fade">
+                                      <p:cBhvr>
+                                        <p:cTn id="7" dur="500"/>
+                                        <p:tgtEl>
+                                          <p:spTgt spid="2"/>
+                                        </p:tgtEl>
+                                      </p:cBhvr>
+                                    </p:animEffect>
+                                  </p:childTnLst>
+                                </p:cTn>
+                              </p:par>
+                            </p:childTnLst>
+                          </p:cTn>
+                        </p:par>
+                        <p:par>
+                          <p:cTn id="8" fill="hold">
+                            <p:stCondLst>
+                              <p:cond delay="500"/>
+                            </p:stCondLst>
+                            <p:childTnLst>
+                              <p:par>
+                                <p:cTn id="9" presetID="10" presetClass="entr" presetSubtype="0" fill="hold" nodeType="afterEffect">
+                                  <p:stCondLst>
+                                    <p:cond delay="500"/>
+                                  </p:stCondLst>
+                                  <p:childTnLst>
+                                    <p:set>
+                                      <p:cBhvr>
+                                        <p:cTn id="10" dur="1" fill="hold">
+                                          <p:stCondLst>
+                                            <p:cond delay="0"/>
+                                          </p:stCondLst>
+                                        </p:cTn>
+                                        <p:tgtEl>
+                                          <p:spTgt spid="3"/>
+                                        </p:tgtEl>
+                                        <p:attrNameLst>
+                                          <p:attrName>style.visibility</p:attrName>
+                                        </p:attrNameLst>
+                                      </p:cBhvr>
+                                      <p:to>
+                                        <p:strVal val="visible"/>
+                                      </p:to>
+                                    </p:set>
+                                    <p:animEffect transition="in" filter="fade">
+                                      <p:cBhvr>
+                                        <p:cTn id="11" dur="500"/>
+                                        <p:tgtEl>
+                                          <p:spTgt spid="3"/>
+                                        </p:tgtEl>
+                                      </p:cBhvr>
+                                    </p:animEffect>
+                                  </p:childTnLst>
+                                </p:cTn>
+                              </p:par>
+                            </p:childTnLst>
+                          </p:cTn>
+                        </p:par>
+                        <p:par>
+                          <p:cTn id="12" fill="hold">
+                            <p:stCondLst>
+                              <p:cond delay="1500"/>
+                            </p:stCondLst>
+                            <p:childTnLst>
+                              <p:par>
+                                <p:cTn id="13" presetID="10" presetClass="entr" presetSubtype="0" fill="hold" nodeType="afterEffect">
+                                  <p:stCondLst>
+                                    <p:cond delay="500"/>
+                                  </p:stCondLst>
+                                  <p:childTnLst>
+                                    <p:set>
+                                      <p:cBhvr>
+                                        <p:cTn id="14" dur="1" fill="hold">
+                                          <p:stCondLst>
+                                            <p:cond delay="0"/>
+                                          </p:stCondLst>
+                                        </p:cTn>
+                                        <p:tgtEl>
+                                          <p:spTgt spid="15"/>
+                                        </p:tgtEl>
+                                        <p:attrNameLst>
+                                          <p:attrName>style.visibility</p:attrName>
+                                        </p:attrNameLst>
+                                      </p:cBhvr>
+                                      <p:to>
+                                        <p:strVal val="visible"/>
+                                      </p:to>
+                                    </p:set>
+                                    <p:animEffect transition="in" filter="fade">
+                                      <p:cBhvr>
+                                        <p:cTn id="15" dur="500"/>
+                                        <p:tgtEl>
+                                          <p:spTgt spid="15"/>
+                                        </p:tgtEl>
+                                      </p:cBhvr>
+                                    </p:animEffect>
+                                  </p:childTnLst>
+                                </p:cTn>
+                              </p:par>
+                            </p:childTnLst>
+                          </p:cTn>
+                        </p:par>
+                        <p:par>
+                          <p:cTn id="16" fill="hold">
+                            <p:stCondLst>
+                              <p:cond delay="2500"/>
+                            </p:stCondLst>
+                            <p:childTnLst>
+                              <p:par>
+                                <p:cTn id="17" presetID="10" presetClass="entr" presetSubtype="0" fill="hold" nodeType="afterEffect">
+                                  <p:stCondLst>
+                                    <p:cond delay="500"/>
+                                  </p:stCondLst>
+                                  <p:childTnLst>
+                                    <p:set>
+                                      <p:cBhvr>
+                                        <p:cTn id="18" dur="1" fill="hold">
+                                          <p:stCondLst>
+                                            <p:cond delay="0"/>
+                                          </p:stCondLst>
+                                        </p:cTn>
+                                        <p:tgtEl>
+                                          <p:spTgt spid="4"/>
+                                        </p:tgtEl>
+                                        <p:attrNameLst>
+                                          <p:attrName>style.visibility</p:attrName>
+                                        </p:attrNameLst>
+                                      </p:cBhvr>
+                                      <p:to>
+                                        <p:strVal val="visible"/>
+                                      </p:to>
+                                    </p:set>
+                                    <p:animEffect transition="in" filter="fade">
+                                      <p:cBhvr>
+                                        <p:cTn id="19" dur="500"/>
+                                        <p:tgtEl>
+                                          <p:spTgt spid="4"/>
+                                        </p:tgtEl>
+                                      </p:cBhvr>
+                                    </p:animEffect>
+                                  </p:childTnLst>
+                                </p:cTn>
+                              </p:par>
+                            </p:childTnLst>
+                          </p:cTn>
+                        </p:par>
+                        <p:par>
+                          <p:cTn id="20" fill="hold">
+                            <p:stCondLst>
+                              <p:cond delay="3500"/>
+                            </p:stCondLst>
+                            <p:childTnLst>
+                              <p:par>
+                                <p:cTn id="21" presetID="10" presetClass="entr" presetSubtype="0" fill="hold" nodeType="afterEffect">
+                                  <p:stCondLst>
+                                    <p:cond delay="500"/>
+                                  </p:stCondLst>
+                                  <p:childTnLst>
+                                    <p:set>
+                                      <p:cBhvr>
+                                        <p:cTn id="22" dur="1" fill="hold">
+                                          <p:stCondLst>
+                                            <p:cond delay="0"/>
+                                          </p:stCondLst>
+                                        </p:cTn>
+                                        <p:tgtEl>
+                                          <p:spTgt spid="13"/>
+                                        </p:tgtEl>
+                                        <p:attrNameLst>
+                                          <p:attrName>style.visibility</p:attrName>
+                                        </p:attrNameLst>
+                                      </p:cBhvr>
+                                      <p:to>
+                                        <p:strVal val="visible"/>
+                                      </p:to>
+                                    </p:set>
+                                    <p:animEffect transition="in" filter="fade">
+                                      <p:cBhvr>
+                                        <p:cTn id="23" dur="500"/>
+                                        <p:tgtEl>
+                                          <p:spTgt spid="13"/>
+                                        </p:tgtEl>
+                                      </p:cBhvr>
+                                    </p:animEffect>
+                                  </p:childTnLst>
+                                </p:cTn>
+                              </p:par>
+                            </p:childTnLst>
+                          </p:cTn>
+                        </p:par>
+                      </p:childTnLst>
+                    </p:cTn>
+                  </p:par>
+                  <p:par>
+                    <p:cTn id="24" fill="hold">
+                      <p:stCondLst>
+                        <p:cond delay="indefinite"/>
+                      </p:stCondLst>
+                      <p:childTnLst>
+                        <p:par>
+                          <p:cTn id="25" fill="hold">
+                            <p:stCondLst>
+                              <p:cond delay="0"/>
+                            </p:stCondLst>
+                            <p:childTnLst>
+                              <p:par>
+                                <p:cTn id="26" presetID="10" presetClass="exit" presetSubtype="0" fill="hold" nodeType="clickEffect">
+                                  <p:stCondLst>
+                                    <p:cond delay="0"/>
+                                  </p:stCondLst>
+                                  <p:childTnLst>
+                                    <p:animEffect transition="out" filter="fade">
+                                      <p:cBhvr>
+                                        <p:cTn id="27" dur="500"/>
+                                        <p:tgtEl>
+                                          <p:spTgt spid="2"/>
+                                        </p:tgtEl>
+                                      </p:cBhvr>
+                                    </p:animEffect>
+                                    <p:set>
+                                      <p:cBhvr>
+                                        <p:cTn id="28" dur="1" fill="hold">
+                                          <p:stCondLst>
+                                            <p:cond delay="499"/>
+                                          </p:stCondLst>
+                                        </p:cTn>
+                                        <p:tgtEl>
+                                          <p:spTgt spid="2"/>
+                                        </p:tgtEl>
+                                        <p:attrNameLst>
+                                          <p:attrName>style.visibility</p:attrName>
+                                        </p:attrNameLst>
+                                      </p:cBhvr>
+                                      <p:to>
+                                        <p:strVal val="hidden"/>
+                                      </p:to>
+                                    </p:set>
+                                  </p:childTnLst>
+                                </p:cTn>
+                              </p:par>
+                              <p:par>
+                                <p:cTn id="29" presetID="10" presetClass="entr" presetSubtype="0" fill="hold" nodeType="withEffect">
+                                  <p:stCondLst>
+                                    <p:cond delay="500"/>
+                                  </p:stCondLst>
+                                  <p:childTnLst>
+                                    <p:set>
+                                      <p:cBhvr>
+                                        <p:cTn id="30" dur="1" fill="hold">
+                                          <p:stCondLst>
+                                            <p:cond delay="0"/>
+                                          </p:stCondLst>
+                                        </p:cTn>
+                                        <p:tgtEl>
+                                          <p:spTgt spid="18"/>
+                                        </p:tgtEl>
+                                        <p:attrNameLst>
+                                          <p:attrName>style.visibility</p:attrName>
+                                        </p:attrNameLst>
+                                      </p:cBhvr>
+                                      <p:to>
+                                        <p:strVal val="visible"/>
+                                      </p:to>
+                                    </p:set>
+                                    <p:animEffect transition="in" filter="fade">
+                                      <p:cBhvr>
+                                        <p:cTn id="31" dur="500"/>
+                                        <p:tgtEl>
+                                          <p:spTgt spid="18"/>
+                                        </p:tgtEl>
+                                      </p:cBhvr>
+                                    </p:animEffect>
+                                  </p:childTnLst>
+                                </p:cTn>
+                              </p:par>
+                            </p:childTnLst>
+                          </p:cTn>
+                        </p:par>
+                        <p:par>
+                          <p:cTn id="32" fill="hold">
+                            <p:stCondLst>
+                              <p:cond delay="1000"/>
+                            </p:stCondLst>
+                            <p:childTnLst>
+                              <p:par>
+                                <p:cTn id="33" presetID="10" presetClass="exit" presetSubtype="0" fill="hold" nodeType="afterEffect">
+                                  <p:stCondLst>
+                                    <p:cond delay="0"/>
+                                  </p:stCondLst>
+                                  <p:childTnLst>
+                                    <p:animEffect transition="out" filter="fade">
+                                      <p:cBhvr>
+                                        <p:cTn id="34" dur="500"/>
+                                        <p:tgtEl>
+                                          <p:spTgt spid="3"/>
+                                        </p:tgtEl>
+                                      </p:cBhvr>
+                                    </p:animEffect>
+                                    <p:set>
+                                      <p:cBhvr>
+                                        <p:cTn id="35" dur="1" fill="hold">
+                                          <p:stCondLst>
+                                            <p:cond delay="499"/>
+                                          </p:stCondLst>
+                                        </p:cTn>
+                                        <p:tgtEl>
+                                          <p:spTgt spid="3"/>
+                                        </p:tgtEl>
+                                        <p:attrNameLst>
+                                          <p:attrName>style.visibility</p:attrName>
+                                        </p:attrNameLst>
+                                      </p:cBhvr>
+                                      <p:to>
+                                        <p:strVal val="hidden"/>
+                                      </p:to>
+                                    </p:set>
+                                  </p:childTnLst>
+                                </p:cTn>
+                              </p:par>
+                              <p:par>
+                                <p:cTn id="36" presetID="10" presetClass="entr" presetSubtype="0" fill="hold" nodeType="withEffect">
+                                  <p:stCondLst>
+                                    <p:cond delay="500"/>
+                                  </p:stCondLst>
+                                  <p:childTnLst>
+                                    <p:set>
+                                      <p:cBhvr>
+                                        <p:cTn id="37" dur="1" fill="hold">
+                                          <p:stCondLst>
+                                            <p:cond delay="0"/>
+                                          </p:stCondLst>
+                                        </p:cTn>
+                                        <p:tgtEl>
+                                          <p:spTgt spid="16"/>
+                                        </p:tgtEl>
+                                        <p:attrNameLst>
+                                          <p:attrName>style.visibility</p:attrName>
+                                        </p:attrNameLst>
+                                      </p:cBhvr>
+                                      <p:to>
+                                        <p:strVal val="visible"/>
+                                      </p:to>
+                                    </p:set>
+                                    <p:animEffect transition="in" filter="fade">
+                                      <p:cBhvr>
+                                        <p:cTn id="38" dur="500"/>
+                                        <p:tgtEl>
+                                          <p:spTgt spid="16"/>
+                                        </p:tgtEl>
+                                      </p:cBhvr>
+                                    </p:animEffect>
+                                  </p:childTnLst>
+                                </p:cTn>
+                              </p:par>
+                            </p:childTnLst>
+                          </p:cTn>
+                        </p:par>
+                        <p:par>
+                          <p:cTn id="39" fill="hold">
+                            <p:stCondLst>
+                              <p:cond delay="2000"/>
+                            </p:stCondLst>
+                            <p:childTnLst>
+                              <p:par>
+                                <p:cTn id="40" presetID="10" presetClass="exit" presetSubtype="0" fill="hold" nodeType="afterEffect">
+                                  <p:stCondLst>
+                                    <p:cond delay="0"/>
+                                  </p:stCondLst>
+                                  <p:childTnLst>
+                                    <p:animEffect transition="out" filter="fade">
+                                      <p:cBhvr>
+                                        <p:cTn id="41" dur="500"/>
+                                        <p:tgtEl>
+                                          <p:spTgt spid="15"/>
+                                        </p:tgtEl>
+                                      </p:cBhvr>
+                                    </p:animEffect>
+                                    <p:set>
+                                      <p:cBhvr>
+                                        <p:cTn id="42" dur="1" fill="hold">
+                                          <p:stCondLst>
+                                            <p:cond delay="499"/>
+                                          </p:stCondLst>
+                                        </p:cTn>
+                                        <p:tgtEl>
+                                          <p:spTgt spid="15"/>
+                                        </p:tgtEl>
+                                        <p:attrNameLst>
+                                          <p:attrName>style.visibility</p:attrName>
+                                        </p:attrNameLst>
+                                      </p:cBhvr>
+                                      <p:to>
+                                        <p:strVal val="hidden"/>
+                                      </p:to>
+                                    </p:set>
+                                  </p:childTnLst>
+                                </p:cTn>
+                              </p:par>
+                              <p:par>
+                                <p:cTn id="43" presetID="10" presetClass="entr" presetSubtype="0" fill="hold" nodeType="withEffect">
+                                  <p:stCondLst>
+                                    <p:cond delay="500"/>
+                                  </p:stCondLst>
+                                  <p:childTnLst>
+                                    <p:set>
+                                      <p:cBhvr>
+                                        <p:cTn id="44" dur="1" fill="hold">
+                                          <p:stCondLst>
+                                            <p:cond delay="0"/>
+                                          </p:stCondLst>
+                                        </p:cTn>
+                                        <p:tgtEl>
+                                          <p:spTgt spid="17"/>
+                                        </p:tgtEl>
+                                        <p:attrNameLst>
+                                          <p:attrName>style.visibility</p:attrName>
+                                        </p:attrNameLst>
+                                      </p:cBhvr>
+                                      <p:to>
+                                        <p:strVal val="visible"/>
+                                      </p:to>
+                                    </p:set>
+                                    <p:animEffect transition="in" filter="fade">
+                                      <p:cBhvr>
+                                        <p:cTn id="45" dur="500"/>
+                                        <p:tgtEl>
+                                          <p:spTgt spid="17"/>
+                                        </p:tgtEl>
+                                      </p:cBhvr>
+                                    </p:animEffect>
+                                  </p:childTnLst>
+                                </p:cTn>
+                              </p:par>
+                            </p:childTnLst>
+                          </p:cTn>
+                        </p:par>
+                        <p:par>
+                          <p:cTn id="46" fill="hold">
+                            <p:stCondLst>
+                              <p:cond delay="3000"/>
+                            </p:stCondLst>
+                            <p:childTnLst>
+                              <p:par>
+                                <p:cTn id="47" presetID="10" presetClass="exit" presetSubtype="0" fill="hold" nodeType="afterEffect">
+                                  <p:stCondLst>
+                                    <p:cond delay="0"/>
+                                  </p:stCondLst>
+                                  <p:childTnLst>
+                                    <p:animEffect transition="out" filter="fade">
+                                      <p:cBhvr>
+                                        <p:cTn id="48" dur="500"/>
+                                        <p:tgtEl>
+                                          <p:spTgt spid="4"/>
+                                        </p:tgtEl>
+                                      </p:cBhvr>
+                                    </p:animEffect>
+                                    <p:set>
+                                      <p:cBhvr>
+                                        <p:cTn id="49" dur="1" fill="hold">
+                                          <p:stCondLst>
+                                            <p:cond delay="499"/>
+                                          </p:stCondLst>
+                                        </p:cTn>
+                                        <p:tgtEl>
+                                          <p:spTgt spid="4"/>
+                                        </p:tgtEl>
+                                        <p:attrNameLst>
+                                          <p:attrName>style.visibility</p:attrName>
+                                        </p:attrNameLst>
+                                      </p:cBhvr>
+                                      <p:to>
+                                        <p:strVal val="hidden"/>
+                                      </p:to>
+                                    </p:set>
+                                  </p:childTnLst>
+                                </p:cTn>
+                              </p:par>
+                              <p:par>
+                                <p:cTn id="50" presetID="10" presetClass="entr" presetSubtype="0" fill="hold" nodeType="withEffect">
+                                  <p:stCondLst>
+                                    <p:cond delay="500"/>
+                                  </p:stCondLst>
+                                  <p:childTnLst>
+                                    <p:set>
+                                      <p:cBhvr>
+                                        <p:cTn id="51" dur="1" fill="hold">
+                                          <p:stCondLst>
+                                            <p:cond delay="0"/>
+                                          </p:stCondLst>
+                                        </p:cTn>
+                                        <p:tgtEl>
+                                          <p:spTgt spid="8"/>
+                                        </p:tgtEl>
+                                        <p:attrNameLst>
+                                          <p:attrName>style.visibility</p:attrName>
+                                        </p:attrNameLst>
+                                      </p:cBhvr>
+                                      <p:to>
+                                        <p:strVal val="visible"/>
+                                      </p:to>
+                                    </p:set>
+                                    <p:animEffect transition="in" filter="fade">
+                                      <p:cBhvr>
+                                        <p:cTn id="52" dur="500"/>
+                                        <p:tgtEl>
+                                          <p:spTgt spid="8"/>
+                                        </p:tgtEl>
+                                      </p:cBhvr>
+                                    </p:animEffect>
+                                  </p:childTnLst>
+                                </p:cTn>
+                              </p:par>
+                            </p:childTnLst>
+                          </p:cTn>
+                        </p:par>
+                        <p:par>
+                          <p:cTn id="53" fill="hold">
+                            <p:stCondLst>
+                              <p:cond delay="4000"/>
+                            </p:stCondLst>
+                            <p:childTnLst>
+                              <p:par>
+                                <p:cTn id="54" presetID="10" presetClass="exit" presetSubtype="0" fill="hold" nodeType="afterEffect">
+                                  <p:stCondLst>
+                                    <p:cond delay="0"/>
+                                  </p:stCondLst>
+                                  <p:childTnLst>
+                                    <p:animEffect transition="out" filter="fade">
+                                      <p:cBhvr>
+                                        <p:cTn id="55" dur="500"/>
+                                        <p:tgtEl>
+                                          <p:spTgt spid="13"/>
+                                        </p:tgtEl>
+                                      </p:cBhvr>
+                                    </p:animEffect>
+                                    <p:set>
+                                      <p:cBhvr>
+                                        <p:cTn id="56" dur="1" fill="hold">
+                                          <p:stCondLst>
+                                            <p:cond delay="499"/>
+                                          </p:stCondLst>
+                                        </p:cTn>
+                                        <p:tgtEl>
+                                          <p:spTgt spid="13"/>
+                                        </p:tgtEl>
+                                        <p:attrNameLst>
+                                          <p:attrName>style.visibility</p:attrName>
+                                        </p:attrNameLst>
+                                      </p:cBhvr>
+                                      <p:to>
+                                        <p:strVal val="hidden"/>
+                                      </p:to>
+                                    </p:set>
+                                  </p:childTnLst>
+                                </p:cTn>
+                              </p:par>
+                              <p:par>
+                                <p:cTn id="57" presetID="10" presetClass="entr" presetSubtype="0" fill="hold" nodeType="withEffect">
+                                  <p:stCondLst>
+                                    <p:cond delay="500"/>
+                                  </p:stCondLst>
+                                  <p:childTnLst>
+                                    <p:set>
+                                      <p:cBhvr>
+                                        <p:cTn id="58" dur="1" fill="hold">
+                                          <p:stCondLst>
+                                            <p:cond delay="0"/>
+                                          </p:stCondLst>
+                                        </p:cTn>
+                                        <p:tgtEl>
+                                          <p:spTgt spid="20"/>
+                                        </p:tgtEl>
+                                        <p:attrNameLst>
+                                          <p:attrName>style.visibility</p:attrName>
+                                        </p:attrNameLst>
+                                      </p:cBhvr>
+                                      <p:to>
+                                        <p:strVal val="visible"/>
+                                      </p:to>
+                                    </p:set>
+                                    <p:animEffect transition="in" filter="fade">
+                                      <p:cBhvr>
+                                        <p:cTn id="59" dur="500"/>
+                                        <p:tgtEl>
+                                          <p:spTgt spid="20"/>
+                                        </p:tgtEl>
+                                      </p:cBhvr>
+                                    </p:animEffect>
+                                  </p:childTnLst>
+                                </p:cTn>
+                              </p:par>
+                            </p:childTnLst>
+                          </p:cTn>
+                        </p:par>
+                      </p:childTnLst>
+                    </p:cTn>
+                  </p:par>
+                </p:childTnLst>
+              </p:cTn>
+              <p:prevCondLst>
+                <p:cond evt="onPrev" delay="0">
+                  <p:tgtEl>
+                    <p:sldTgt/>
+                  </p:tgtEl>
+                </p:cond>
+              </p:prevCondLst>
+              <p:nextCondLst>
+                <p:cond evt="onNext" delay="0">
+                  <p:tgtEl>
+                    <p:sldTgt/>
+                  </p:tgtEl>
+                </p:cond>
+              </p:nextCondLst>
+            </p:seq>
+          </p:childTnLst>
+        </p:cTn>
+      </p:par>
+    </p:tnLst>
+  </p:timing>
 </p:sld>
 </file>
 
@@ -22711,7 +23236,7 @@
       </p:grpSpPr>
       <p:sp>
         <p:nvSpPr>
-          <p:cNvPr id="10" name="Title 9"/>
+          <p:cNvPr id="2" name="Title 1"/>
           <p:cNvSpPr>
             <a:spLocks noGrp="1"/>
           </p:cNvSpPr>
@@ -22721,58 +23246,504 @@
         </p:nvSpPr>
         <p:spPr/>
         <p:txBody>
-          <a:bodyPr>
-            <a:normAutofit/>
+          <a:bodyPr/>
+          <a:lstStyle/>
+          <a:p>
+            <a:r>
+              <a:rPr lang="en-US" dirty="0"/>
+              <a:t>Contact Andy</a:t>
+            </a:r>
+          </a:p>
+        </p:txBody>
+      </p:sp>
+      <p:pic>
+        <p:nvPicPr>
+          <p:cNvPr id="6" name="Picture 2" descr="http://tomjamieson.com/wp-content/uploads/2013/11/twitter-logo-blue.png"/>
+          <p:cNvPicPr>
+            <a:picLocks noChangeAspect="1" noChangeArrowheads="1"/>
+          </p:cNvPicPr>
+          <p:nvPr/>
+        </p:nvPicPr>
+        <p:blipFill>
+          <a:blip r:embed="rId3">
+            <a:extLst>
+              <a:ext uri="{28A0092B-C50C-407E-A947-70E740481C1C}">
+                <a14:useLocalDpi xmlns:a14="http://schemas.microsoft.com/office/drawing/2010/main" val="0"/>
+              </a:ext>
+            </a:extLst>
+          </a:blip>
+          <a:srcRect/>
+          <a:stretch>
+            <a:fillRect/>
+          </a:stretch>
+        </p:blipFill>
+        <p:spPr bwMode="auto">
+          <a:xfrm>
+            <a:off x="6124574" y="5114221"/>
+            <a:ext cx="1231065" cy="1000847"/>
+          </a:xfrm>
+          <a:prstGeom prst="rect">
+            <a:avLst/>
+          </a:prstGeom>
+          <a:noFill/>
+          <a:extLst>
+            <a:ext uri="{909E8E84-426E-40DD-AFC4-6F175D3DCCD1}">
+              <a14:hiddenFill xmlns:a14="http://schemas.microsoft.com/office/drawing/2010/main">
+                <a:solidFill>
+                  <a:srgbClr val="FFFFFF"/>
+                </a:solidFill>
+              </a14:hiddenFill>
+            </a:ext>
+          </a:extLst>
+        </p:spPr>
+      </p:pic>
+      <p:pic>
+        <p:nvPicPr>
+          <p:cNvPr id="17" name="Picture 2" descr="http://randyjensenonline.com/thoughts/wp-content/uploads/2010/07/wordpressLogoSolo.png"/>
+          <p:cNvPicPr>
+            <a:picLocks noChangeAspect="1" noChangeArrowheads="1"/>
+          </p:cNvPicPr>
+          <p:nvPr/>
+        </p:nvPicPr>
+        <p:blipFill>
+          <a:blip r:embed="rId4">
+            <a:extLst>
+              <a:ext uri="{28A0092B-C50C-407E-A947-70E740481C1C}">
+                <a14:useLocalDpi xmlns:a14="http://schemas.microsoft.com/office/drawing/2010/main" val="0"/>
+              </a:ext>
+            </a:extLst>
+          </a:blip>
+          <a:srcRect/>
+          <a:stretch>
+            <a:fillRect/>
+          </a:stretch>
+        </p:blipFill>
+        <p:spPr bwMode="auto">
+          <a:xfrm>
+            <a:off x="7546205" y="1803440"/>
+            <a:ext cx="1016769" cy="1016769"/>
+          </a:xfrm>
+          <a:prstGeom prst="rect">
+            <a:avLst/>
+          </a:prstGeom>
+          <a:noFill/>
+          <a:extLst>
+            <a:ext uri="{909E8E84-426E-40DD-AFC4-6F175D3DCCD1}">
+              <a14:hiddenFill xmlns:a14="http://schemas.microsoft.com/office/drawing/2010/main">
+                <a:solidFill>
+                  <a:srgbClr val="FFFFFF"/>
+                </a:solidFill>
+              </a14:hiddenFill>
+            </a:ext>
+          </a:extLst>
+        </p:spPr>
+      </p:pic>
+      <p:sp>
+        <p:nvSpPr>
+          <p:cNvPr id="15" name="TextBox 14"/>
+          <p:cNvSpPr txBox="1"/>
+          <p:nvPr/>
+        </p:nvSpPr>
+        <p:spPr>
+          <a:xfrm>
+            <a:off x="570178" y="3127179"/>
+            <a:ext cx="11113821" cy="1569660"/>
+          </a:xfrm>
+          <a:prstGeom prst="rect">
+            <a:avLst/>
+          </a:prstGeom>
+          <a:noFill/>
+        </p:spPr>
+        <p:txBody>
+          <a:bodyPr wrap="square" rtlCol="0">
+            <a:spAutoFit/>
           </a:bodyPr>
           <a:lstStyle/>
           <a:p>
-            <a:r>
-              <a:rPr lang="en-US" dirty="0"/>
-              <a:t>You might be asking…</a:t>
+            <a:pPr algn="ctr"/>
+            <a:r>
+              <a:rPr lang="en-US" sz="9600" dirty="0">
+                <a:solidFill>
+                  <a:schemeClr val="tx1">
+                    <a:lumMod val="75000"/>
+                    <a:lumOff val="25000"/>
+                  </a:schemeClr>
+                </a:solidFill>
+              </a:rPr>
+              <a:t>Andy@AMtwo.co</a:t>
+            </a:r>
+          </a:p>
+        </p:txBody>
+      </p:sp>
+      <p:grpSp>
+        <p:nvGrpSpPr>
+          <p:cNvPr id="19" name="Group 18"/>
+          <p:cNvGrpSpPr/>
+          <p:nvPr/>
+        </p:nvGrpSpPr>
+        <p:grpSpPr>
+          <a:xfrm>
+            <a:off x="0" y="6353498"/>
+            <a:ext cx="12192000" cy="504502"/>
+            <a:chOff x="0" y="6353498"/>
+            <a:chExt cx="12192000" cy="504502"/>
+          </a:xfrm>
+        </p:grpSpPr>
+        <p:sp>
+          <p:nvSpPr>
+            <p:cNvPr id="20" name="Rectangle 19"/>
+            <p:cNvSpPr/>
+            <p:nvPr/>
+          </p:nvSpPr>
+          <p:spPr>
+            <a:xfrm>
+              <a:off x="0" y="6353498"/>
+              <a:ext cx="12192000" cy="504502"/>
+            </a:xfrm>
+            <a:prstGeom prst="rect">
+              <a:avLst/>
+            </a:prstGeom>
+            <a:solidFill>
+              <a:schemeClr val="accent1">
+                <a:alpha val="100000"/>
+              </a:schemeClr>
+            </a:solidFill>
+            <a:ln w="50800" cap="rnd" cmpd="dbl" algn="ctr">
+              <a:noFill/>
+              <a:prstDash val="solid"/>
+            </a:ln>
+            <a:effectLst/>
+          </p:spPr>
+          <p:style>
+            <a:lnRef idx="3">
+              <a:schemeClr val="lt1"/>
+            </a:lnRef>
+            <a:fillRef idx="1">
+              <a:schemeClr val="accent1"/>
+            </a:fillRef>
+            <a:effectRef idx="1">
+              <a:schemeClr val="accent1"/>
+            </a:effectRef>
+            <a:fontRef idx="minor">
+              <a:schemeClr val="lt1"/>
+            </a:fontRef>
+          </p:style>
+          <p:txBody>
+            <a:bodyPr anchor="ctr"/>
+            <a:lstStyle/>
+            <a:p>
+              <a:pPr algn="ctr"/>
+              <a:endParaRPr kumimoji="0" lang="en-US" sz="2400" dirty="0"/>
+            </a:p>
+          </p:txBody>
+        </p:sp>
+        <p:sp>
+          <p:nvSpPr>
+            <p:cNvPr id="21" name="TextBox 20"/>
+            <p:cNvSpPr txBox="1"/>
+            <p:nvPr userDrawn="1"/>
+          </p:nvSpPr>
+          <p:spPr>
+            <a:xfrm>
+              <a:off x="654824" y="6421083"/>
+              <a:ext cx="1185769" cy="369332"/>
+            </a:xfrm>
+            <a:prstGeom prst="rect">
+              <a:avLst/>
+            </a:prstGeom>
+            <a:noFill/>
+          </p:spPr>
+          <p:txBody>
+            <a:bodyPr wrap="square" rtlCol="0">
+              <a:spAutoFit/>
+            </a:bodyPr>
+            <a:lstStyle/>
+            <a:p>
+              <a:r>
+                <a:rPr lang="en-US" dirty="0">
+                  <a:solidFill>
+                    <a:schemeClr val="bg1"/>
+                  </a:solidFill>
+                </a:rPr>
+                <a:t>@</a:t>
+              </a:r>
+              <a:r>
+                <a:rPr lang="en-US" dirty="0" err="1">
+                  <a:solidFill>
+                    <a:schemeClr val="bg1"/>
+                  </a:solidFill>
+                </a:rPr>
+                <a:t>AMtwo</a:t>
+              </a:r>
+              <a:endParaRPr lang="en-US" dirty="0">
+                <a:solidFill>
+                  <a:schemeClr val="bg1"/>
+                </a:solidFill>
+              </a:endParaRPr>
+            </a:p>
+          </p:txBody>
+        </p:sp>
+        <p:sp>
+          <p:nvSpPr>
+            <p:cNvPr id="22" name="TextBox 21"/>
+            <p:cNvSpPr txBox="1"/>
+            <p:nvPr userDrawn="1"/>
+          </p:nvSpPr>
+          <p:spPr>
+            <a:xfrm>
+              <a:off x="9993507" y="6400071"/>
+              <a:ext cx="1690493" cy="369332"/>
+            </a:xfrm>
+            <a:prstGeom prst="rect">
+              <a:avLst/>
+            </a:prstGeom>
+            <a:noFill/>
+          </p:spPr>
+          <p:txBody>
+            <a:bodyPr wrap="square" rtlCol="0">
+              <a:spAutoFit/>
+            </a:bodyPr>
+            <a:lstStyle/>
+            <a:p>
+              <a:r>
+                <a:rPr lang="en-US" dirty="0">
+                  <a:solidFill>
+                    <a:schemeClr val="bg1"/>
+                  </a:solidFill>
+                </a:rPr>
+                <a:t>andy@am2.co</a:t>
+              </a:r>
+            </a:p>
+          </p:txBody>
+        </p:sp>
+      </p:grpSp>
+      <p:sp>
+        <p:nvSpPr>
+          <p:cNvPr id="25" name="TextBox 24">
+            <a:extLst>
+              <a:ext uri="{FF2B5EF4-FFF2-40B4-BE49-F238E27FC236}">
+                <a16:creationId xmlns:a16="http://schemas.microsoft.com/office/drawing/2014/main" id="{975F2E7A-D074-4084-80D5-8F527A1BBD15}"/>
+              </a:ext>
+            </a:extLst>
+          </p:cNvPr>
+          <p:cNvSpPr txBox="1"/>
+          <p:nvPr/>
+        </p:nvSpPr>
+        <p:spPr>
+          <a:xfrm>
+            <a:off x="4760337" y="6400071"/>
+            <a:ext cx="2671325" cy="369332"/>
+          </a:xfrm>
+          <a:prstGeom prst="rect">
+            <a:avLst/>
+          </a:prstGeom>
+          <a:noFill/>
+        </p:spPr>
+        <p:txBody>
+          <a:bodyPr wrap="square" rtlCol="0">
+            <a:spAutoFit/>
+          </a:bodyPr>
+          <a:lstStyle/>
+          <a:p>
+            <a:pPr algn="ctr"/>
+            <a:r>
+              <a:rPr lang="en-US" dirty="0">
+                <a:solidFill>
+                  <a:schemeClr val="bg1"/>
+                </a:solidFill>
+              </a:rPr>
+              <a:t>am2.co/shortcuts</a:t>
             </a:r>
           </a:p>
         </p:txBody>
       </p:sp>
       <p:sp>
         <p:nvSpPr>
-          <p:cNvPr id="6" name="Content Placeholder 5"/>
-          <p:cNvSpPr>
-            <a:spLocks noGrp="1"/>
-          </p:cNvSpPr>
-          <p:nvPr>
-            <p:ph sz="quarter" idx="13"/>
-          </p:nvPr>
+          <p:cNvPr id="23" name="Left Brace 22">
+            <a:extLst>
+              <a:ext uri="{FF2B5EF4-FFF2-40B4-BE49-F238E27FC236}">
+                <a16:creationId xmlns:a16="http://schemas.microsoft.com/office/drawing/2014/main" id="{60665661-6809-4C36-9539-3F9ECF3BF722}"/>
+              </a:ext>
+            </a:extLst>
+          </p:cNvPr>
+          <p:cNvSpPr/>
+          <p:nvPr/>
         </p:nvSpPr>
-        <p:spPr/>
+        <p:spPr>
+          <a:xfrm rot="16200000">
+            <a:off x="6462117" y="2375188"/>
+            <a:ext cx="534589" cy="4752976"/>
+          </a:xfrm>
+          <a:prstGeom prst="leftBrace">
+            <a:avLst/>
+          </a:prstGeom>
+          <a:ln w="57150">
+            <a:solidFill>
+              <a:schemeClr val="accent5"/>
+            </a:solidFill>
+          </a:ln>
+        </p:spPr>
+        <p:style>
+          <a:lnRef idx="1">
+            <a:schemeClr val="accent1"/>
+          </a:lnRef>
+          <a:fillRef idx="0">
+            <a:schemeClr val="accent1"/>
+          </a:fillRef>
+          <a:effectRef idx="0">
+            <a:schemeClr val="accent1"/>
+          </a:effectRef>
+          <a:fontRef idx="minor">
+            <a:schemeClr val="tx1"/>
+          </a:fontRef>
+        </p:style>
         <p:txBody>
-          <a:bodyPr>
-            <a:normAutofit/>
-          </a:bodyPr>
+          <a:bodyPr rtlCol="0" anchor="ctr"/>
           <a:lstStyle/>
           <a:p>
-            <a:pPr marL="0" indent="0">
-              <a:buNone/>
-            </a:pPr>
-            <a:r>
-              <a:rPr lang="en-US" sz="8000" dirty="0"/>
-              <a:t>Andy,</a:t>
-            </a:r>
-          </a:p>
-          <a:p>
-            <a:pPr marL="0" indent="0">
-              <a:buNone/>
-            </a:pPr>
-            <a:r>
-              <a:rPr lang="en-US" sz="8000" dirty="0"/>
-              <a:t>Why the *&amp;$# are you telling this story?</a:t>
-            </a:r>
+            <a:pPr algn="ctr"/>
+            <a:endParaRPr lang="en-US"/>
           </a:p>
         </p:txBody>
       </p:sp>
+      <p:sp>
+        <p:nvSpPr>
+          <p:cNvPr id="28" name="Left Brace 27">
+            <a:extLst>
+              <a:ext uri="{FF2B5EF4-FFF2-40B4-BE49-F238E27FC236}">
+                <a16:creationId xmlns:a16="http://schemas.microsoft.com/office/drawing/2014/main" id="{D4302186-3E38-416D-A712-CE35352402D7}"/>
+              </a:ext>
+            </a:extLst>
+          </p:cNvPr>
+          <p:cNvSpPr/>
+          <p:nvPr/>
+        </p:nvSpPr>
+        <p:spPr>
+          <a:xfrm rot="5400000">
+            <a:off x="7797496" y="623071"/>
+            <a:ext cx="534589" cy="5111167"/>
+          </a:xfrm>
+          <a:prstGeom prst="leftBrace">
+            <a:avLst/>
+          </a:prstGeom>
+          <a:ln w="57150">
+            <a:solidFill>
+              <a:schemeClr val="accent5"/>
+            </a:solidFill>
+          </a:ln>
+        </p:spPr>
+        <p:style>
+          <a:lnRef idx="1">
+            <a:schemeClr val="accent1"/>
+          </a:lnRef>
+          <a:fillRef idx="0">
+            <a:schemeClr val="accent1"/>
+          </a:fillRef>
+          <a:effectRef idx="0">
+            <a:schemeClr val="accent1"/>
+          </a:effectRef>
+          <a:fontRef idx="minor">
+            <a:schemeClr val="tx1"/>
+          </a:fontRef>
+        </p:style>
+        <p:txBody>
+          <a:bodyPr rtlCol="0" anchor="ctr"/>
+          <a:lstStyle/>
+          <a:p>
+            <a:pPr algn="ctr"/>
+            <a:endParaRPr lang="en-US"/>
+          </a:p>
+        </p:txBody>
+      </p:sp>
+      <p:sp>
+        <p:nvSpPr>
+          <p:cNvPr id="29" name="Left Brace 28">
+            <a:extLst>
+              <a:ext uri="{FF2B5EF4-FFF2-40B4-BE49-F238E27FC236}">
+                <a16:creationId xmlns:a16="http://schemas.microsoft.com/office/drawing/2014/main" id="{D30436AF-4337-4BDE-957B-7E4A2A12EE67}"/>
+              </a:ext>
+            </a:extLst>
+          </p:cNvPr>
+          <p:cNvSpPr/>
+          <p:nvPr/>
+        </p:nvSpPr>
+        <p:spPr>
+          <a:xfrm rot="5400000">
+            <a:off x="2694980" y="1794348"/>
+            <a:ext cx="534589" cy="2781299"/>
+          </a:xfrm>
+          <a:prstGeom prst="leftBrace">
+            <a:avLst/>
+          </a:prstGeom>
+          <a:ln w="57150">
+            <a:solidFill>
+              <a:schemeClr val="accent5"/>
+            </a:solidFill>
+          </a:ln>
+        </p:spPr>
+        <p:style>
+          <a:lnRef idx="1">
+            <a:schemeClr val="accent1"/>
+          </a:lnRef>
+          <a:fillRef idx="0">
+            <a:schemeClr val="accent1"/>
+          </a:fillRef>
+          <a:effectRef idx="0">
+            <a:schemeClr val="accent1"/>
+          </a:effectRef>
+          <a:fontRef idx="minor">
+            <a:schemeClr val="tx1"/>
+          </a:fontRef>
+        </p:style>
+        <p:txBody>
+          <a:bodyPr rtlCol="0" anchor="ctr"/>
+          <a:lstStyle/>
+          <a:p>
+            <a:pPr algn="ctr"/>
+            <a:endParaRPr lang="en-US"/>
+          </a:p>
+        </p:txBody>
+      </p:sp>
+      <p:pic>
+        <p:nvPicPr>
+          <p:cNvPr id="30" name="Picture 29">
+            <a:extLst>
+              <a:ext uri="{FF2B5EF4-FFF2-40B4-BE49-F238E27FC236}">
+                <a16:creationId xmlns:a16="http://schemas.microsoft.com/office/drawing/2014/main" id="{DB945D83-2FDC-40D7-BEE5-AB5AEDF7B7BE}"/>
+              </a:ext>
+            </a:extLst>
+          </p:cNvPr>
+          <p:cNvPicPr>
+            <a:picLocks noChangeAspect="1"/>
+          </p:cNvPicPr>
+          <p:nvPr/>
+        </p:nvPicPr>
+        <p:blipFill>
+          <a:blip r:embed="rId5">
+            <a:extLst>
+              <a:ext uri="{28A0092B-C50C-407E-A947-70E740481C1C}">
+                <a14:useLocalDpi xmlns:a14="http://schemas.microsoft.com/office/drawing/2010/main" val="0"/>
+              </a:ext>
+            </a:extLst>
+          </a:blip>
+          <a:stretch>
+            <a:fillRect/>
+          </a:stretch>
+        </p:blipFill>
+        <p:spPr>
+          <a:xfrm>
+            <a:off x="2450192" y="1806662"/>
+            <a:ext cx="1016769" cy="1016769"/>
+          </a:xfrm>
+          <a:prstGeom prst="rect">
+            <a:avLst/>
+          </a:prstGeom>
+        </p:spPr>
+      </p:pic>
     </p:spTree>
     <p:extLst>
       <p:ext uri="{BB962C8B-B14F-4D97-AF65-F5344CB8AC3E}">
-        <p14:creationId xmlns:p14="http://schemas.microsoft.com/office/powerpoint/2010/main" val="1953567603"/>
+        <p14:creationId xmlns:p14="http://schemas.microsoft.com/office/powerpoint/2010/main" val="125486011"/>
       </p:ext>
     </p:extLst>
   </p:cSld>
@@ -22800,82 +23771,86 @@
                             </p:stCondLst>
                             <p:childTnLst>
                               <p:par>
-                                <p:cTn id="5" presetID="1" presetClass="entr" presetSubtype="0" fill="hold" grpId="0" nodeType="clickEffect">
+                                <p:cTn id="5" presetID="32" presetClass="emph" presetSubtype="0" repeatCount="2000" fill="hold" nodeType="clickEffect">
                                   <p:stCondLst>
                                     <p:cond delay="0"/>
                                   </p:stCondLst>
                                   <p:childTnLst>
-                                    <p:set>
+                                    <p:animRot by="120000">
                                       <p:cBhvr>
-                                        <p:cTn id="6" dur="1" fill="hold">
+                                        <p:cTn id="6" dur="100" fill="hold">
                                           <p:stCondLst>
                                             <p:cond delay="0"/>
                                           </p:stCondLst>
                                         </p:cTn>
                                         <p:tgtEl>
-                                          <p:spTgt spid="6">
-                                            <p:txEl>
-                                              <p:pRg st="0" end="0"/>
-                                            </p:txEl>
-                                          </p:spTgt>
+                                          <p:spTgt spid="19"/>
                                         </p:tgtEl>
                                         <p:attrNameLst>
-                                          <p:attrName>style.visibility</p:attrName>
+                                          <p:attrName>r</p:attrName>
                                         </p:attrNameLst>
                                       </p:cBhvr>
-                                      <p:to>
-                                        <p:strVal val="visible"/>
-                                      </p:to>
-                                    </p:set>
-                                  </p:childTnLst>
-                                </p:cTn>
-                              </p:par>
-                            </p:childTnLst>
-                          </p:cTn>
-                        </p:par>
-                      </p:childTnLst>
-                    </p:cTn>
-                  </p:par>
-                  <p:par>
-                    <p:cTn id="7" fill="hold">
-                      <p:stCondLst>
-                        <p:cond delay="indefinite"/>
-                      </p:stCondLst>
-                      <p:childTnLst>
-                        <p:par>
-                          <p:cTn id="8" fill="hold">
-                            <p:stCondLst>
-                              <p:cond delay="0"/>
-                            </p:stCondLst>
-                            <p:childTnLst>
-                              <p:par>
-                                <p:cTn id="9" presetID="1" presetClass="entr" presetSubtype="0" fill="hold" grpId="0" nodeType="clickEffect">
-                                  <p:stCondLst>
-                                    <p:cond delay="0"/>
-                                  </p:stCondLst>
-                                  <p:childTnLst>
-                                    <p:set>
+                                    </p:animRot>
+                                    <p:animRot by="-240000">
                                       <p:cBhvr>
-                                        <p:cTn id="10" dur="1" fill="hold">
+                                        <p:cTn id="7" dur="200" fill="hold">
                                           <p:stCondLst>
-                                            <p:cond delay="0"/>
+                                            <p:cond delay="200"/>
                                           </p:stCondLst>
                                         </p:cTn>
                                         <p:tgtEl>
-                                          <p:spTgt spid="6">
-                                            <p:txEl>
-                                              <p:pRg st="1" end="1"/>
-                                            </p:txEl>
-                                          </p:spTgt>
+                                          <p:spTgt spid="19"/>
                                         </p:tgtEl>
                                         <p:attrNameLst>
-                                          <p:attrName>style.visibility</p:attrName>
+                                          <p:attrName>r</p:attrName>
                                         </p:attrNameLst>
                                       </p:cBhvr>
-                                      <p:to>
-                                        <p:strVal val="visible"/>
-                                      </p:to>
-                                    </p:set>
+                                    </p:animRot>
+                                    <p:animRot by="240000">
+                                      <p:cBhvr>
+                                        <p:cTn id="8" dur="200" fill="hold">
+                                          <p:stCondLst>
+                                            <p:cond delay="400"/>
+                                          </p:stCondLst>
+                                        </p:cTn>
+                                        <p:tgtEl>
+                                          <p:spTgt spid="19"/>
+                                        </p:tgtEl>
+                                        <p:attrNameLst>
+                                          <p:attrName>r</p:attrName>
+                                        </p:attrNameLst>
+                                      </p:cBhvr>
+                                    </p:animRot>
+                                    <p:animRot by="-240000">
+                                      <p:cBhvr>
+                                        <p:cTn id="9" dur="200" fill="hold">
+                                          <p:stCondLst>
+                                            <p:cond delay="600"/>
+                                          </p:stCondLst>
+                                        </p:cTn>
+                                        <p:tgtEl>
+                                          <p:spTgt spid="19"/>
+                                        </p:tgtEl>
+                                        <p:attrNameLst>
+                                          <p:attrName>r</p:attrName>
+                                        </p:attrNameLst>
+                                      </p:cBhvr>
+                                    </p:animRot>
+                                    <p:animRot by="120000">
+                                      <p:cBhvr>
+                                        <p:cTn id="10" dur="200" fill="hold">
+                                          <p:stCondLst>
+                                            <p:cond delay="800"/>
+                                          </p:stCondLst>
+                                        </p:cTn>
+                                        <p:tgtEl>
+                                          <p:spTgt spid="19"/>
+                                        </p:tgtEl>
+                                        <p:attrNameLst>
+                                          <p:attrName>r</p:attrName>
+                                        </p:attrNameLst>
+                                      </p:cBhvr>
+                                    </p:animRot>
                                   </p:childTnLst>
                                 </p:cTn>
                               </p:par>
@@ -22906,9 +23881,6 @@
         </p:cTn>
       </p:par>
     </p:tnLst>
-    <p:bldLst>
-      <p:bldP spid="6" grpId="0" build="p"/>
-    </p:bldLst>
   </p:timing>
 </p:sld>
 </file>
@@ -30771,9 +31743,74 @@
           <a:chExt cx="0" cy="0"/>
         </a:xfrm>
       </p:grpSpPr>
+      <p:pic>
+        <p:nvPicPr>
+          <p:cNvPr id="4" name="Picture 3">
+            <a:extLst>
+              <a:ext uri="{FF2B5EF4-FFF2-40B4-BE49-F238E27FC236}">
+                <a16:creationId xmlns:a16="http://schemas.microsoft.com/office/drawing/2014/main" id="{C863BE91-5FF5-441B-A87E-292D53ED2726}"/>
+              </a:ext>
+            </a:extLst>
+          </p:cNvPr>
+          <p:cNvPicPr>
+            <a:picLocks noChangeAspect="1"/>
+          </p:cNvPicPr>
+          <p:nvPr/>
+        </p:nvPicPr>
+        <p:blipFill rotWithShape="1">
+          <a:blip r:embed="rId3"/>
+          <a:srcRect b="3425"/>
+          <a:stretch/>
+        </p:blipFill>
+        <p:spPr>
+          <a:xfrm>
+            <a:off x="544312" y="2300111"/>
+            <a:ext cx="3476625" cy="3403573"/>
+          </a:xfrm>
+          <a:prstGeom prst="rect">
+            <a:avLst/>
+          </a:prstGeom>
+        </p:spPr>
+      </p:pic>
+      <p:pic>
+        <p:nvPicPr>
+          <p:cNvPr id="9" name="Picture 8">
+            <a:extLst>
+              <a:ext uri="{FF2B5EF4-FFF2-40B4-BE49-F238E27FC236}">
+                <a16:creationId xmlns:a16="http://schemas.microsoft.com/office/drawing/2014/main" id="{242BD2B6-E894-43EA-A29E-AA7158A6440C}"/>
+              </a:ext>
+            </a:extLst>
+          </p:cNvPr>
+          <p:cNvPicPr>
+            <a:picLocks noChangeAspect="1"/>
+          </p:cNvPicPr>
+          <p:nvPr/>
+        </p:nvPicPr>
+        <p:blipFill>
+          <a:blip r:embed="rId4"/>
+          <a:stretch>
+            <a:fillRect/>
+          </a:stretch>
+        </p:blipFill>
+        <p:spPr>
+          <a:xfrm>
+            <a:off x="4509048" y="2816158"/>
+            <a:ext cx="5715000" cy="990600"/>
+          </a:xfrm>
+          <a:prstGeom prst="rect">
+            <a:avLst/>
+          </a:prstGeom>
+        </p:spPr>
+      </p:pic>
       <p:sp>
         <p:nvSpPr>
-          <p:cNvPr id="2" name="Title 1"/>
+          <p:cNvPr id="10" name="Title 9">
+            <a:extLst>
+              <a:ext uri="{FF2B5EF4-FFF2-40B4-BE49-F238E27FC236}">
+                <a16:creationId xmlns:a16="http://schemas.microsoft.com/office/drawing/2014/main" id="{DCA076EB-0851-4A9F-BE5F-6E3AD6EE62A3}"/>
+              </a:ext>
+            </a:extLst>
+          </p:cNvPr>
           <p:cNvSpPr>
             <a:spLocks noGrp="1"/>
           </p:cNvSpPr>
@@ -30783,82 +31820,58 @@
         </p:nvSpPr>
         <p:spPr/>
         <p:txBody>
-          <a:bodyPr/>
-          <a:lstStyle/>
-          <a:p>
-            <a:r>
-              <a:rPr lang="en-US" dirty="0"/>
-              <a:t>Smoot Wisdom</a:t>
-            </a:r>
-          </a:p>
-        </p:txBody>
-      </p:sp>
-      <p:sp>
-        <p:nvSpPr>
-          <p:cNvPr id="3" name="Content Placeholder 2"/>
-          <p:cNvSpPr>
-            <a:spLocks noGrp="1"/>
-          </p:cNvSpPr>
-          <p:nvPr>
-            <p:ph idx="1"/>
-          </p:nvPr>
-        </p:nvSpPr>
-        <p:spPr>
-          <a:xfrm>
-            <a:off x="816864" y="1803399"/>
-            <a:ext cx="10871200" cy="4852437"/>
-          </a:xfrm>
-        </p:spPr>
-        <p:txBody>
           <a:bodyPr>
             <a:normAutofit/>
           </a:bodyPr>
           <a:lstStyle/>
           <a:p>
-            <a:pPr marL="0" indent="0">
-              <a:buNone/>
-            </a:pPr>
-            <a:r>
-              <a:rPr lang="en-US" sz="6600" dirty="0"/>
-              <a:t>"Things that you pay no attention to at the </a:t>
-            </a:r>
-            <a:r>
-              <a:rPr lang="en-US" sz="6600"/>
-              <a:t>time can have </a:t>
-            </a:r>
-            <a:r>
-              <a:rPr lang="en-US" sz="6600" dirty="0"/>
-              <a:t>big consequences." </a:t>
-            </a:r>
-            <a:br>
+            <a:r>
               <a:rPr lang="en-US" dirty="0"/>
-            </a:br>
-            <a:r>
-              <a:rPr lang="en-US" dirty="0"/>
-              <a:t>~Oliver Smoot</a:t>
-            </a:r>
-            <a:br>
-              <a:rPr lang="en-US" dirty="0"/>
-            </a:br>
-            <a:r>
-              <a:rPr lang="en-US" sz="3200" dirty="0"/>
-              <a:t>Interview with Radio Boston, WBUR, May 6, 2016</a:t>
-            </a:r>
-            <a:br>
-              <a:rPr lang="en-US" sz="3200" dirty="0"/>
-            </a:br>
-            <a:r>
-              <a:rPr lang="en-US" sz="1400" dirty="0"/>
-              <a:t>http://radioboston.wbur.org/2016/05/06/ollie-smoot-the-official-unit-of-measure-for-the-harvard-bridge</a:t>
-            </a:r>
-            <a:endParaRPr lang="en-US" dirty="0"/>
+              <a:t>Community Ambassador</a:t>
+            </a:r>
           </a:p>
         </p:txBody>
       </p:sp>
+      <p:pic>
+        <p:nvPicPr>
+          <p:cNvPr id="3" name="Graphic 2">
+            <a:extLst>
+              <a:ext uri="{FF2B5EF4-FFF2-40B4-BE49-F238E27FC236}">
+                <a16:creationId xmlns:a16="http://schemas.microsoft.com/office/drawing/2014/main" id="{3AA2A14C-93FB-4059-941A-7688721B300F}"/>
+              </a:ext>
+            </a:extLst>
+          </p:cNvPr>
+          <p:cNvPicPr>
+            <a:picLocks noChangeAspect="1"/>
+          </p:cNvPicPr>
+          <p:nvPr/>
+        </p:nvPicPr>
+        <p:blipFill>
+          <a:blip r:embed="rId5">
+            <a:extLst>
+              <a:ext uri="{96DAC541-7B7A-43D3-8B79-37D633B846F1}">
+                <asvg:svgBlip xmlns:asvg="http://schemas.microsoft.com/office/drawing/2016/SVG/main" r:embed="rId6"/>
+              </a:ext>
+            </a:extLst>
+          </a:blip>
+          <a:stretch>
+            <a:fillRect/>
+          </a:stretch>
+        </p:blipFill>
+        <p:spPr>
+          <a:xfrm>
+            <a:off x="5686680" y="4390987"/>
+            <a:ext cx="3359736" cy="868363"/>
+          </a:xfrm>
+          <a:prstGeom prst="rect">
+            <a:avLst/>
+          </a:prstGeom>
+        </p:spPr>
+      </p:pic>
     </p:spTree>
     <p:extLst>
       <p:ext uri="{BB962C8B-B14F-4D97-AF65-F5344CB8AC3E}">
-        <p14:creationId xmlns:p14="http://schemas.microsoft.com/office/powerpoint/2010/main" val="2305406425"/>
+        <p14:creationId xmlns:p14="http://schemas.microsoft.com/office/powerpoint/2010/main" val="1347250992"/>
       </p:ext>
     </p:extLst>
   </p:cSld>
@@ -33117,83 +34130,7 @@
 </file>
 
 <file path=ppt/slides/slide6.xml><?xml version="1.0" encoding="utf-8"?>
-<p:sld xmlns:a="http://schemas.openxmlformats.org/drawingml/2006/main" xmlns:r="http://schemas.openxmlformats.org/officeDocument/2006/relationships" xmlns:p="http://schemas.openxmlformats.org/presentationml/2006/main">
-  <p:cSld>
-    <p:spTree>
-      <p:nvGrpSpPr>
-        <p:cNvPr id="1" name=""/>
-        <p:cNvGrpSpPr/>
-        <p:nvPr/>
-      </p:nvGrpSpPr>
-      <p:grpSpPr>
-        <a:xfrm>
-          <a:off x="0" y="0"/>
-          <a:ext cx="0" cy="0"/>
-          <a:chOff x="0" y="0"/>
-          <a:chExt cx="0" cy="0"/>
-        </a:xfrm>
-      </p:grpSpPr>
-      <p:sp>
-        <p:nvSpPr>
-          <p:cNvPr id="3" name="Subtitle 2"/>
-          <p:cNvSpPr>
-            <a:spLocks noGrp="1"/>
-          </p:cNvSpPr>
-          <p:nvPr>
-            <p:ph type="subTitle" idx="1"/>
-          </p:nvPr>
-        </p:nvSpPr>
-        <p:spPr/>
-        <p:txBody>
-          <a:bodyPr>
-            <a:normAutofit/>
-          </a:bodyPr>
-          <a:lstStyle/>
-          <a:p>
-            <a:r>
-              <a:rPr lang="en-US" sz="2800" dirty="0"/>
-              <a:t>Andy Mallon</a:t>
-            </a:r>
-          </a:p>
-        </p:txBody>
-      </p:sp>
-      <p:sp>
-        <p:nvSpPr>
-          <p:cNvPr id="2" name="Title 1"/>
-          <p:cNvSpPr>
-            <a:spLocks noGrp="1"/>
-          </p:cNvSpPr>
-          <p:nvPr>
-            <p:ph type="title"/>
-          </p:nvPr>
-        </p:nvSpPr>
-        <p:spPr/>
-        <p:txBody>
-          <a:bodyPr/>
-          <a:lstStyle/>
-          <a:p>
-            <a:r>
-              <a:rPr lang="en-US" dirty="0"/>
-              <a:t>Demystifying Data Compression</a:t>
-            </a:r>
-          </a:p>
-        </p:txBody>
-      </p:sp>
-    </p:spTree>
-    <p:extLst>
-      <p:ext uri="{BB962C8B-B14F-4D97-AF65-F5344CB8AC3E}">
-        <p14:creationId xmlns:p14="http://schemas.microsoft.com/office/powerpoint/2010/main" val="2739607986"/>
-      </p:ext>
-    </p:extLst>
-  </p:cSld>
-  <p:clrMapOvr>
-    <a:masterClrMapping/>
-  </p:clrMapOvr>
-</p:sld>
-</file>
-
-<file path=ppt/slides/slide7.xml><?xml version="1.0" encoding="utf-8"?>
-<p:sld xmlns:a="http://schemas.openxmlformats.org/drawingml/2006/main" xmlns:r="http://schemas.openxmlformats.org/officeDocument/2006/relationships" xmlns:p="http://schemas.openxmlformats.org/presentationml/2006/main">
+<p:sld xmlns:a="http://schemas.openxmlformats.org/drawingml/2006/main" xmlns:r="http://schemas.openxmlformats.org/officeDocument/2006/relationships" xmlns:p="http://schemas.openxmlformats.org/presentationml/2006/main" show="0">
   <p:cSld>
     <p:spTree>
       <p:nvGrpSpPr>
@@ -33226,7 +34163,7 @@
           <a:p>
             <a:r>
               <a:rPr lang="en-US"/>
-              <a:t>Andy Mallon</a:t>
+              <a:t>Who uses Twitter?</a:t>
             </a:r>
             <a:endParaRPr lang="en-US" dirty="0"/>
           </a:p>
@@ -33244,306 +34181,35 @@
         </p:nvSpPr>
         <p:spPr/>
         <p:txBody>
-          <a:bodyPr>
-            <a:normAutofit fontScale="92500" lnSpcReduction="20000"/>
-          </a:bodyPr>
+          <a:bodyPr/>
           <a:lstStyle/>
           <a:p>
             <a:r>
               <a:rPr lang="en-US"/>
-              <a:t>Working with SQL Server since 2003 and SQL Server 2000</a:t>
+              <a:t>Where the SQL Community hangs out</a:t>
             </a:r>
           </a:p>
           <a:p>
             <a:r>
               <a:rPr lang="en-US"/>
-              <a:t>Background in Tech Support</a:t>
-            </a:r>
-          </a:p>
-          <a:p>
+              <a:t>#sqlhelp </a:t>
+            </a:r>
+          </a:p>
+          <a:p>
+            <a:pPr lvl="1"/>
             <a:r>
               <a:rPr lang="en-US"/>
-              <a:t>Managed databases in many industries</a:t>
-            </a:r>
-          </a:p>
-          <a:p>
-            <a:endParaRPr lang="en-US"/>
-          </a:p>
-          <a:p>
-            <a:endParaRPr lang="en-US"/>
-          </a:p>
-          <a:p>
-            <a:r>
-              <a:rPr lang="en-US"/>
-              <a:t>Lazy</a:t>
-            </a:r>
-          </a:p>
-          <a:p>
-            <a:r>
-              <a:rPr lang="en-US"/>
-              <a:t>Impatient</a:t>
-            </a:r>
-          </a:p>
-          <a:p>
-            <a:pPr lvl="1"/>
+              <a:t>Free real-time help</a:t>
+            </a:r>
+          </a:p>
+          <a:p>
             <a:endParaRPr lang="en-US" dirty="0"/>
           </a:p>
         </p:txBody>
       </p:sp>
-      <p:sp>
-        <p:nvSpPr>
-          <p:cNvPr id="6" name="Content Placeholder 2"/>
-          <p:cNvSpPr txBox="1">
-            <a:spLocks/>
-          </p:cNvSpPr>
-          <p:nvPr/>
-        </p:nvSpPr>
-        <p:spPr>
-          <a:xfrm>
-            <a:off x="812800" y="3964940"/>
-            <a:ext cx="6543495" cy="809302"/>
-          </a:xfrm>
-          <a:prstGeom prst="rect">
-            <a:avLst/>
-          </a:prstGeom>
-        </p:spPr>
-        <p:txBody>
-          <a:bodyPr vert="horz" numCol="2">
-            <a:normAutofit fontScale="70000" lnSpcReduction="20000"/>
-          </a:bodyPr>
-          <a:lstStyle>
-            <a:lvl1pPr marL="426709" indent="-426709" algn="l" rtl="0" eaLnBrk="1" latinLnBrk="0" hangingPunct="1">
-              <a:spcBef>
-                <a:spcPts val="933"/>
-              </a:spcBef>
-              <a:buClr>
-                <a:schemeClr val="accent2"/>
-              </a:buClr>
-              <a:buSzPct val="60000"/>
-              <a:buFont typeface="Wingdings"/>
-              <a:buChar char=""/>
-              <a:defRPr kumimoji="0" sz="3867" kern="1200">
-                <a:solidFill>
-                  <a:schemeClr val="tx1"/>
-                </a:solidFill>
-                <a:latin typeface="+mn-lt"/>
-                <a:ea typeface="+mn-ea"/>
-                <a:cs typeface="+mn-cs"/>
-              </a:defRPr>
-            </a:lvl1pPr>
-            <a:lvl2pPr marL="853419" indent="-365751" algn="l" rtl="0" eaLnBrk="1" latinLnBrk="0" hangingPunct="1">
-              <a:spcBef>
-                <a:spcPts val="733"/>
-              </a:spcBef>
-              <a:buClr>
-                <a:schemeClr val="accent1"/>
-              </a:buClr>
-              <a:buSzPct val="70000"/>
-              <a:buFont typeface="Wingdings 2"/>
-              <a:buChar char=""/>
-              <a:defRPr kumimoji="0" sz="3467" kern="1200">
-                <a:solidFill>
-                  <a:schemeClr val="tx1"/>
-                </a:solidFill>
-                <a:latin typeface="+mn-lt"/>
-                <a:ea typeface="+mn-ea"/>
-                <a:cs typeface="+mn-cs"/>
-              </a:defRPr>
-            </a:lvl2pPr>
-            <a:lvl3pPr marL="1219170" indent="-304792" algn="l" rtl="0" eaLnBrk="1" latinLnBrk="0" hangingPunct="1">
-              <a:spcBef>
-                <a:spcPts val="667"/>
-              </a:spcBef>
-              <a:buClr>
-                <a:schemeClr val="accent2"/>
-              </a:buClr>
-              <a:buSzPct val="75000"/>
-              <a:buFont typeface="Wingdings"/>
-              <a:buChar char=""/>
-              <a:defRPr kumimoji="0" sz="3067" kern="1200">
-                <a:solidFill>
-                  <a:schemeClr val="tx1"/>
-                </a:solidFill>
-                <a:latin typeface="+mn-lt"/>
-                <a:ea typeface="+mn-ea"/>
-                <a:cs typeface="+mn-cs"/>
-              </a:defRPr>
-            </a:lvl3pPr>
-            <a:lvl4pPr marL="1828754" indent="-304792" algn="l" rtl="0" eaLnBrk="1" latinLnBrk="0" hangingPunct="1">
-              <a:spcBef>
-                <a:spcPts val="533"/>
-              </a:spcBef>
-              <a:buClr>
-                <a:schemeClr val="accent3"/>
-              </a:buClr>
-              <a:buSzPct val="75000"/>
-              <a:buFont typeface="Wingdings"/>
-              <a:buChar char=""/>
-              <a:defRPr kumimoji="0" sz="2667" kern="1200">
-                <a:solidFill>
-                  <a:schemeClr val="tx1"/>
-                </a:solidFill>
-                <a:latin typeface="+mn-lt"/>
-                <a:ea typeface="+mn-ea"/>
-                <a:cs typeface="+mn-cs"/>
-              </a:defRPr>
-            </a:lvl4pPr>
-            <a:lvl5pPr marL="2438339" indent="-304792" algn="l" rtl="0" eaLnBrk="1" latinLnBrk="0" hangingPunct="1">
-              <a:spcBef>
-                <a:spcPts val="533"/>
-              </a:spcBef>
-              <a:buClr>
-                <a:schemeClr val="accent4"/>
-              </a:buClr>
-              <a:buSzPct val="65000"/>
-              <a:buFont typeface="Wingdings"/>
-              <a:buChar char=""/>
-              <a:defRPr kumimoji="0" sz="2667" kern="1200">
-                <a:solidFill>
-                  <a:schemeClr val="tx1"/>
-                </a:solidFill>
-                <a:latin typeface="+mn-lt"/>
-                <a:ea typeface="+mn-ea"/>
-                <a:cs typeface="+mn-cs"/>
-              </a:defRPr>
-            </a:lvl5pPr>
-            <a:lvl6pPr marL="2804090" indent="-304792" algn="l" rtl="0" eaLnBrk="1" latinLnBrk="0" hangingPunct="1">
-              <a:spcBef>
-                <a:spcPct val="20000"/>
-              </a:spcBef>
-              <a:buClr>
-                <a:schemeClr val="accent1"/>
-              </a:buClr>
-              <a:buFont typeface="Wingdings"/>
-              <a:buNone/>
-              <a:defRPr kumimoji="0" sz="2400" kern="1200" baseline="0">
-                <a:solidFill>
-                  <a:schemeClr val="tx1"/>
-                </a:solidFill>
-                <a:latin typeface="+mn-lt"/>
-                <a:ea typeface="+mn-ea"/>
-                <a:cs typeface="+mn-cs"/>
-              </a:defRPr>
-            </a:lvl6pPr>
-            <a:lvl7pPr marL="3169841" indent="-304792" algn="l" rtl="0" eaLnBrk="1" latinLnBrk="0" hangingPunct="1">
-              <a:spcBef>
-                <a:spcPct val="20000"/>
-              </a:spcBef>
-              <a:buClr>
-                <a:schemeClr val="accent2"/>
-              </a:buClr>
-              <a:buFont typeface="Wingdings"/>
-              <a:buChar char="§"/>
-              <a:defRPr kumimoji="0" sz="2400" kern="1200" baseline="0">
-                <a:solidFill>
-                  <a:schemeClr val="tx1"/>
-                </a:solidFill>
-                <a:latin typeface="+mn-lt"/>
-                <a:ea typeface="+mn-ea"/>
-                <a:cs typeface="+mn-cs"/>
-              </a:defRPr>
-            </a:lvl7pPr>
-            <a:lvl8pPr marL="3535592" indent="-304792" algn="l" rtl="0" eaLnBrk="1" latinLnBrk="0" hangingPunct="1">
-              <a:spcBef>
-                <a:spcPct val="20000"/>
-              </a:spcBef>
-              <a:buClr>
-                <a:schemeClr val="accent3"/>
-              </a:buClr>
-              <a:buFont typeface="Wingdings"/>
-              <a:buChar char="§"/>
-              <a:defRPr kumimoji="0" sz="2400" kern="1200" baseline="0">
-                <a:solidFill>
-                  <a:schemeClr val="tx1"/>
-                </a:solidFill>
-                <a:latin typeface="+mn-lt"/>
-                <a:ea typeface="+mn-ea"/>
-                <a:cs typeface="+mn-cs"/>
-              </a:defRPr>
-            </a:lvl8pPr>
-            <a:lvl9pPr marL="3901342" indent="-304792" algn="l" rtl="0" eaLnBrk="1" latinLnBrk="0" hangingPunct="1">
-              <a:spcBef>
-                <a:spcPct val="20000"/>
-              </a:spcBef>
-              <a:buClr>
-                <a:schemeClr val="accent4"/>
-              </a:buClr>
-              <a:buFont typeface="Wingdings"/>
-              <a:buChar char="§"/>
-              <a:defRPr kumimoji="0" sz="2400" kern="1200" baseline="0">
-                <a:solidFill>
-                  <a:schemeClr val="tx1"/>
-                </a:solidFill>
-                <a:latin typeface="+mn-lt"/>
-                <a:ea typeface="+mn-ea"/>
-                <a:cs typeface="+mn-cs"/>
-              </a:defRPr>
-            </a:lvl9pPr>
-            <a:extLst/>
-          </a:lstStyle>
-          <a:p>
-            <a:pPr lvl="1" defTabSz="914400"/>
-            <a:r>
-              <a:rPr lang="en-US" dirty="0"/>
-              <a:t>Healthcare</a:t>
-            </a:r>
-          </a:p>
-          <a:p>
-            <a:pPr lvl="1" defTabSz="914400"/>
-            <a:r>
-              <a:rPr lang="en-US" dirty="0"/>
-              <a:t>Finance</a:t>
-            </a:r>
-          </a:p>
-          <a:p>
-            <a:pPr lvl="1" defTabSz="914400"/>
-            <a:r>
-              <a:rPr lang="en-US" dirty="0"/>
-              <a:t>E-Commerce</a:t>
-            </a:r>
-          </a:p>
-          <a:p>
-            <a:pPr lvl="1" defTabSz="914400"/>
-            <a:r>
-              <a:rPr lang="en-US" dirty="0"/>
-              <a:t>Non-Profit</a:t>
-            </a:r>
-          </a:p>
-        </p:txBody>
-      </p:sp>
-    </p:spTree>
-    <p:extLst>
-      <p:ext uri="{BB962C8B-B14F-4D97-AF65-F5344CB8AC3E}">
-        <p14:creationId xmlns:p14="http://schemas.microsoft.com/office/powerpoint/2010/main" val="1697107245"/>
-      </p:ext>
-    </p:extLst>
-  </p:cSld>
-  <p:clrMapOvr>
-    <a:masterClrMapping/>
-  </p:clrMapOvr>
-</p:sld>
-</file>
-
-<file path=ppt/slides/slide8.xml><?xml version="1.0" encoding="utf-8"?>
-<p:sld xmlns:a="http://schemas.openxmlformats.org/drawingml/2006/main" xmlns:r="http://schemas.openxmlformats.org/officeDocument/2006/relationships" xmlns:p="http://schemas.openxmlformats.org/presentationml/2006/main">
-  <p:cSld>
-    <p:spTree>
-      <p:nvGrpSpPr>
-        <p:cNvPr id="1" name=""/>
-        <p:cNvGrpSpPr/>
-        <p:nvPr/>
-      </p:nvGrpSpPr>
-      <p:grpSpPr>
-        <a:xfrm>
-          <a:off x="0" y="0"/>
-          <a:ext cx="0" cy="0"/>
-          <a:chOff x="0" y="0"/>
-          <a:chExt cx="0" cy="0"/>
-        </a:xfrm>
-      </p:grpSpPr>
       <p:pic>
         <p:nvPicPr>
-          <p:cNvPr id="8" name="Picture 2" descr="https://scontent-lga1-1.xx.fbcdn.net/hphotos-xat1/v/t1.0-9/11781623_944651622259841_4760931175711774253_n.jpg?oh=3ceda243b4461ee43ac467e92e73baba&amp;oe=56A6243C"/>
+          <p:cNvPr id="1026" name="Picture 2" descr="https://upload.wikimedia.org/wikipedia/en/thumb/9/9f/Twitter_bird_logo_2012.svg/1259px-Twitter_bird_logo_2012.svg.png"/>
           <p:cNvPicPr>
             <a:picLocks noChangeAspect="1" noChangeArrowheads="1"/>
           </p:cNvPicPr>
@@ -33564,351 +34230,8 @@
         </p:blipFill>
         <p:spPr bwMode="auto">
           <a:xfrm>
-            <a:off x="3809154" y="3470810"/>
-            <a:ext cx="3281038" cy="3281039"/>
-          </a:xfrm>
-          <a:prstGeom prst="rect">
-            <a:avLst/>
-          </a:prstGeom>
-          <a:noFill/>
-          <a:extLst>
-            <a:ext uri="{909E8E84-426E-40DD-AFC4-6F175D3DCCD1}">
-              <a14:hiddenFill xmlns:a14="http://schemas.microsoft.com/office/drawing/2010/main">
-                <a:solidFill>
-                  <a:srgbClr val="FFFFFF"/>
-                </a:solidFill>
-              </a14:hiddenFill>
-            </a:ext>
-          </a:extLst>
-        </p:spPr>
-      </p:pic>
-      <p:pic>
-        <p:nvPicPr>
-          <p:cNvPr id="4" name="Picture 3"/>
-          <p:cNvPicPr>
-            <a:picLocks noChangeAspect="1"/>
-          </p:cNvPicPr>
-          <p:nvPr/>
-        </p:nvPicPr>
-        <p:blipFill>
-          <a:blip r:embed="rId4"/>
-          <a:stretch>
-            <a:fillRect/>
-          </a:stretch>
-        </p:blipFill>
-        <p:spPr>
-          <a:xfrm>
-            <a:off x="3809153" y="3457300"/>
-            <a:ext cx="3283293" cy="3283293"/>
-          </a:xfrm>
-          <a:prstGeom prst="rect">
-            <a:avLst/>
-          </a:prstGeom>
-        </p:spPr>
-      </p:pic>
-      <p:pic>
-        <p:nvPicPr>
-          <p:cNvPr id="17" name="Picture 8" descr="https://igcdn-photos-d-a.akamaihd.net/hphotos-ak-xap1/t51.2885-15/11186841_793274697407251_668407686_n.jpg"/>
-          <p:cNvPicPr>
-            <a:picLocks noChangeAspect="1" noChangeArrowheads="1"/>
-          </p:cNvPicPr>
-          <p:nvPr/>
-        </p:nvPicPr>
-        <p:blipFill rotWithShape="1">
-          <a:blip r:embed="rId5">
-            <a:extLst>
-              <a:ext uri="{28A0092B-C50C-407E-A947-70E740481C1C}">
-                <a14:useLocalDpi xmlns:a14="http://schemas.microsoft.com/office/drawing/2010/main" val="0"/>
-              </a:ext>
-            </a:extLst>
-          </a:blip>
-          <a:srcRect l="4236" t="5599" r="5599" b="4236"/>
-          <a:stretch/>
-        </p:blipFill>
-        <p:spPr bwMode="auto">
-          <a:xfrm>
-            <a:off x="419025" y="3461052"/>
-            <a:ext cx="3275790" cy="3275790"/>
-          </a:xfrm>
-          <a:prstGeom prst="rect">
-            <a:avLst/>
-          </a:prstGeom>
-          <a:noFill/>
-          <a:extLst>
-            <a:ext uri="{909E8E84-426E-40DD-AFC4-6F175D3DCCD1}">
-              <a14:hiddenFill xmlns:a14="http://schemas.microsoft.com/office/drawing/2010/main">
-                <a:solidFill>
-                  <a:srgbClr val="FFFFFF"/>
-                </a:solidFill>
-              </a14:hiddenFill>
-            </a:ext>
-          </a:extLst>
-        </p:spPr>
-      </p:pic>
-      <p:pic>
-        <p:nvPicPr>
-          <p:cNvPr id="20" name="Picture 22" descr="https://c2.staticflickr.com/4/3607/3370542421_929cf4dcd8_z.jpg?zz=1"/>
-          <p:cNvPicPr>
-            <a:picLocks noChangeAspect="1" noChangeArrowheads="1"/>
-          </p:cNvPicPr>
-          <p:nvPr/>
-        </p:nvPicPr>
-        <p:blipFill rotWithShape="1">
-          <a:blip r:embed="rId6">
-            <a:extLst>
-              <a:ext uri="{28A0092B-C50C-407E-A947-70E740481C1C}">
-                <a14:useLocalDpi xmlns:a14="http://schemas.microsoft.com/office/drawing/2010/main" val="0"/>
-              </a:ext>
-            </a:extLst>
-          </a:blip>
-          <a:srcRect l="12037" t="5328" r="10123" b="37705"/>
-          <a:stretch/>
-        </p:blipFill>
-        <p:spPr bwMode="auto">
-          <a:xfrm>
-            <a:off x="7360359" y="4603962"/>
-            <a:ext cx="4419601" cy="2147887"/>
-          </a:xfrm>
-          <a:prstGeom prst="rect">
-            <a:avLst/>
-          </a:prstGeom>
-          <a:noFill/>
-          <a:extLst>
-            <a:ext uri="{909E8E84-426E-40DD-AFC4-6F175D3DCCD1}">
-              <a14:hiddenFill xmlns:a14="http://schemas.microsoft.com/office/drawing/2010/main">
-                <a:solidFill>
-                  <a:srgbClr val="FFFFFF"/>
-                </a:solidFill>
-              </a14:hiddenFill>
-            </a:ext>
-          </a:extLst>
-        </p:spPr>
-      </p:pic>
-      <p:grpSp>
-        <p:nvGrpSpPr>
-          <p:cNvPr id="15" name="Group 14"/>
-          <p:cNvGrpSpPr/>
-          <p:nvPr/>
-        </p:nvGrpSpPr>
-        <p:grpSpPr>
-          <a:xfrm>
-            <a:off x="415089" y="3457300"/>
-            <a:ext cx="3279726" cy="3280222"/>
-            <a:chOff x="415089" y="3457300"/>
-            <a:chExt cx="3279726" cy="3280222"/>
-          </a:xfrm>
-        </p:grpSpPr>
-        <p:pic>
-          <p:nvPicPr>
-            <p:cNvPr id="5" name="Picture 4"/>
-            <p:cNvPicPr>
-              <a:picLocks noChangeAspect="1"/>
-            </p:cNvPicPr>
-            <p:nvPr/>
-          </p:nvPicPr>
-          <p:blipFill rotWithShape="1">
-            <a:blip r:embed="rId7"/>
-            <a:srcRect t="-1" b="867"/>
-            <a:stretch/>
-          </p:blipFill>
-          <p:spPr>
-            <a:xfrm>
-              <a:off x="415089" y="5042008"/>
-              <a:ext cx="3275790" cy="1695514"/>
-            </a:xfrm>
-            <a:prstGeom prst="rect">
-              <a:avLst/>
-            </a:prstGeom>
-          </p:spPr>
-        </p:pic>
-        <p:pic>
-          <p:nvPicPr>
-            <p:cNvPr id="6" name="Picture 5"/>
-            <p:cNvPicPr>
-              <a:picLocks noChangeAspect="1"/>
-            </p:cNvPicPr>
-            <p:nvPr/>
-          </p:nvPicPr>
-          <p:blipFill rotWithShape="1">
-            <a:blip r:embed="rId8"/>
-            <a:srcRect t="26022" b="25334"/>
-            <a:stretch/>
-          </p:blipFill>
-          <p:spPr>
-            <a:xfrm>
-              <a:off x="419027" y="3457300"/>
-              <a:ext cx="3275788" cy="1593477"/>
-            </a:xfrm>
-            <a:prstGeom prst="rect">
-              <a:avLst/>
-            </a:prstGeom>
-          </p:spPr>
-        </p:pic>
-      </p:grpSp>
-      <p:pic>
-        <p:nvPicPr>
-          <p:cNvPr id="13" name="Picture 12"/>
-          <p:cNvPicPr>
-            <a:picLocks noChangeAspect="1"/>
-          </p:cNvPicPr>
-          <p:nvPr/>
-        </p:nvPicPr>
-        <p:blipFill>
-          <a:blip r:embed="rId9"/>
-          <a:stretch>
-            <a:fillRect/>
-          </a:stretch>
-        </p:blipFill>
-        <p:spPr>
-          <a:xfrm>
-            <a:off x="7358105" y="4821695"/>
-            <a:ext cx="4421856" cy="1784051"/>
-          </a:xfrm>
-          <a:prstGeom prst="rect">
-            <a:avLst/>
-          </a:prstGeom>
-        </p:spPr>
-      </p:pic>
-      <p:pic>
-        <p:nvPicPr>
-          <p:cNvPr id="3" name="Picture 2"/>
-          <p:cNvPicPr>
-            <a:picLocks noChangeAspect="1"/>
-          </p:cNvPicPr>
-          <p:nvPr/>
-        </p:nvPicPr>
-        <p:blipFill>
-          <a:blip r:embed="rId10"/>
-          <a:stretch>
-            <a:fillRect/>
-          </a:stretch>
-        </p:blipFill>
-        <p:spPr>
-          <a:xfrm>
-            <a:off x="3994880" y="100263"/>
-            <a:ext cx="3055631" cy="3284803"/>
-          </a:xfrm>
-          <a:prstGeom prst="rect">
-            <a:avLst/>
-          </a:prstGeom>
-        </p:spPr>
-      </p:pic>
-      <p:pic>
-        <p:nvPicPr>
-          <p:cNvPr id="2" name="Picture 1"/>
-          <p:cNvPicPr>
-            <a:picLocks noChangeAspect="1"/>
-          </p:cNvPicPr>
-          <p:nvPr/>
-        </p:nvPicPr>
-        <p:blipFill>
-          <a:blip r:embed="rId11"/>
-          <a:stretch>
-            <a:fillRect/>
-          </a:stretch>
-        </p:blipFill>
-        <p:spPr>
-          <a:xfrm>
-            <a:off x="414272" y="100263"/>
-            <a:ext cx="3280543" cy="3280543"/>
-          </a:xfrm>
-          <a:prstGeom prst="rect">
-            <a:avLst/>
-          </a:prstGeom>
-        </p:spPr>
-      </p:pic>
-      <p:pic>
-        <p:nvPicPr>
-          <p:cNvPr id="11" name="Picture 10"/>
-          <p:cNvPicPr>
-            <a:picLocks noChangeAspect="1"/>
-          </p:cNvPicPr>
-          <p:nvPr/>
-        </p:nvPicPr>
-        <p:blipFill>
-          <a:blip r:embed="rId12">
-            <a:extLst>
-              <a:ext uri="{28A0092B-C50C-407E-A947-70E740481C1C}">
-                <a14:useLocalDpi xmlns:a14="http://schemas.microsoft.com/office/drawing/2010/main" val="0"/>
-              </a:ext>
-            </a:extLst>
-          </a:blip>
-          <a:stretch>
-            <a:fillRect/>
-          </a:stretch>
-        </p:blipFill>
-        <p:spPr>
-          <a:xfrm>
-            <a:off x="7360359" y="103291"/>
-            <a:ext cx="4394812" cy="4394812"/>
-          </a:xfrm>
-          <a:prstGeom prst="rect">
-            <a:avLst/>
-          </a:prstGeom>
-        </p:spPr>
-      </p:pic>
-      <p:pic>
-        <p:nvPicPr>
-          <p:cNvPr id="16" name="Picture 6" descr="https://igcdn-photos-f-a.akamaihd.net/hphotos-ak-xpa1/t51.2885-15/11189591_897526703601277_1624430821_n.jpg"/>
-          <p:cNvPicPr>
-            <a:picLocks noChangeAspect="1" noChangeArrowheads="1"/>
-          </p:cNvPicPr>
-          <p:nvPr/>
-        </p:nvPicPr>
-        <p:blipFill rotWithShape="1">
-          <a:blip r:embed="rId13">
-            <a:extLst>
-              <a:ext uri="{28A0092B-C50C-407E-A947-70E740481C1C}">
-                <a14:useLocalDpi xmlns:a14="http://schemas.microsoft.com/office/drawing/2010/main" val="0"/>
-              </a:ext>
-            </a:extLst>
-          </a:blip>
-          <a:srcRect l="5147" t="5147" r="4329" b="4329"/>
-          <a:stretch/>
-        </p:blipFill>
-        <p:spPr bwMode="auto">
-          <a:xfrm>
-            <a:off x="3814402" y="103291"/>
-            <a:ext cx="3277515" cy="3277515"/>
-          </a:xfrm>
-          <a:prstGeom prst="rect">
-            <a:avLst/>
-          </a:prstGeom>
-          <a:noFill/>
-          <a:extLst>
-            <a:ext uri="{909E8E84-426E-40DD-AFC4-6F175D3DCCD1}">
-              <a14:hiddenFill xmlns:a14="http://schemas.microsoft.com/office/drawing/2010/main">
-                <a:solidFill>
-                  <a:srgbClr val="FFFFFF"/>
-                </a:solidFill>
-              </a14:hiddenFill>
-            </a:ext>
-          </a:extLst>
-        </p:spPr>
-      </p:pic>
-      <p:pic>
-        <p:nvPicPr>
-          <p:cNvPr id="18" name="Picture 14" descr="https://scontent-lga1-1.xx.fbcdn.net/hphotos-xap1/v/t1.0-9/s720x720/68136_10101720166808721_132590210251102469_n.jpg?oh=3e5a58671cb5fa2387b7adbd563b3dfc&amp;oe=564A0B1B"/>
-          <p:cNvPicPr>
-            <a:picLocks noChangeAspect="1" noChangeArrowheads="1"/>
-          </p:cNvPicPr>
-          <p:nvPr/>
-        </p:nvPicPr>
-        <p:blipFill rotWithShape="1">
-          <a:blip r:embed="rId14">
-            <a:extLst>
-              <a:ext uri="{28A0092B-C50C-407E-A947-70E740481C1C}">
-                <a14:useLocalDpi xmlns:a14="http://schemas.microsoft.com/office/drawing/2010/main" val="0"/>
-              </a:ext>
-            </a:extLst>
-          </a:blip>
-          <a:srcRect t="16054" b="17444"/>
-          <a:stretch/>
-        </p:blipFill>
-        <p:spPr bwMode="auto">
-          <a:xfrm>
-            <a:off x="413777" y="103291"/>
-            <a:ext cx="3281038" cy="3279769"/>
+            <a:off x="7507688" y="2779292"/>
+            <a:ext cx="3693463" cy="3004285"/>
           </a:xfrm>
           <a:prstGeom prst="rect">
             <a:avLst/>
@@ -33928,7 +34251,7 @@
     </p:spTree>
     <p:extLst>
       <p:ext uri="{BB962C8B-B14F-4D97-AF65-F5344CB8AC3E}">
-        <p14:creationId xmlns:p14="http://schemas.microsoft.com/office/powerpoint/2010/main" val="3204892330"/>
+        <p14:creationId xmlns:p14="http://schemas.microsoft.com/office/powerpoint/2010/main" val="2802733862"/>
       </p:ext>
     </p:extLst>
   </p:cSld>
@@ -33956,7 +34279,7 @@
                             </p:stCondLst>
                             <p:childTnLst>
                               <p:par>
-                                <p:cTn id="5" presetID="10" presetClass="entr" presetSubtype="0" fill="hold" nodeType="clickEffect">
+                                <p:cTn id="5" presetID="1" presetClass="entr" presetSubtype="0" fill="hold" nodeType="clickEffect">
                                   <p:stCondLst>
                                     <p:cond delay="0"/>
                                   </p:stCondLst>
@@ -33969,7 +34292,11 @@
                                           </p:stCondLst>
                                         </p:cTn>
                                         <p:tgtEl>
-                                          <p:spTgt spid="2"/>
+                                          <p:spTgt spid="3">
+                                            <p:txEl>
+                                              <p:pRg st="0" end="0"/>
+                                            </p:txEl>
+                                          </p:spTgt>
                                         </p:tgtEl>
                                         <p:attrNameLst>
                                           <p:attrName>style.visibility</p:attrName>
@@ -33979,30 +34306,44 @@
                                         <p:strVal val="visible"/>
                                       </p:to>
                                     </p:set>
-                                    <p:animEffect transition="in" filter="fade">
-                                      <p:cBhvr>
-                                        <p:cTn id="7" dur="500"/>
-                                        <p:tgtEl>
-                                          <p:spTgt spid="2"/>
-                                        </p:tgtEl>
-                                      </p:cBhvr>
-                                    </p:animEffect>
                                   </p:childTnLst>
                                 </p:cTn>
                               </p:par>
-                            </p:childTnLst>
-                          </p:cTn>
-                        </p:par>
-                        <p:par>
-                          <p:cTn id="8" fill="hold">
-                            <p:stCondLst>
-                              <p:cond delay="500"/>
-                            </p:stCondLst>
-                            <p:childTnLst>
                               <p:par>
-                                <p:cTn id="9" presetID="10" presetClass="entr" presetSubtype="0" fill="hold" nodeType="afterEffect">
+                                <p:cTn id="7" presetID="1" presetClass="entr" presetSubtype="0" fill="hold" nodeType="withEffect">
                                   <p:stCondLst>
-                                    <p:cond delay="500"/>
+                                    <p:cond delay="0"/>
+                                  </p:stCondLst>
+                                  <p:childTnLst>
+                                    <p:set>
+                                      <p:cBhvr>
+                                        <p:cTn id="8" dur="1" fill="hold">
+                                          <p:stCondLst>
+                                            <p:cond delay="0"/>
+                                          </p:stCondLst>
+                                        </p:cTn>
+                                        <p:tgtEl>
+                                          <p:spTgt spid="3">
+                                            <p:txEl>
+                                              <p:pRg st="1" end="1"/>
+                                            </p:txEl>
+                                          </p:spTgt>
+                                        </p:tgtEl>
+                                        <p:attrNameLst>
+                                          <p:attrName>style.visibility</p:attrName>
+                                        </p:attrNameLst>
+                                      </p:cBhvr>
+                                      <p:to>
+                                        <p:strVal val="visible"/>
+                                      </p:to>
+                                    </p:set>
+                                  </p:childTnLst>
+                                </p:cTn>
+                              </p:par>
+                              <p:par>
+                                <p:cTn id="9" presetID="1" presetClass="entr" presetSubtype="0" fill="hold" nodeType="withEffect">
+                                  <p:stCondLst>
+                                    <p:cond delay="0"/>
                                   </p:stCondLst>
                                   <p:childTnLst>
                                     <p:set>
@@ -34013,7 +34354,11 @@
                                           </p:stCondLst>
                                         </p:cTn>
                                         <p:tgtEl>
-                                          <p:spTgt spid="3"/>
+                                          <p:spTgt spid="3">
+                                            <p:txEl>
+                                              <p:pRg st="2" end="2"/>
+                                            </p:txEl>
+                                          </p:spTgt>
                                         </p:tgtEl>
                                         <p:attrNameLst>
                                           <p:attrName>style.visibility</p:attrName>
@@ -34023,550 +34368,6 @@
                                         <p:strVal val="visible"/>
                                       </p:to>
                                     </p:set>
-                                    <p:animEffect transition="in" filter="fade">
-                                      <p:cBhvr>
-                                        <p:cTn id="11" dur="500"/>
-                                        <p:tgtEl>
-                                          <p:spTgt spid="3"/>
-                                        </p:tgtEl>
-                                      </p:cBhvr>
-                                    </p:animEffect>
-                                  </p:childTnLst>
-                                </p:cTn>
-                              </p:par>
-                            </p:childTnLst>
-                          </p:cTn>
-                        </p:par>
-                        <p:par>
-                          <p:cTn id="12" fill="hold">
-                            <p:stCondLst>
-                              <p:cond delay="1500"/>
-                            </p:stCondLst>
-                            <p:childTnLst>
-                              <p:par>
-                                <p:cTn id="13" presetID="10" presetClass="entr" presetSubtype="0" fill="hold" nodeType="afterEffect">
-                                  <p:stCondLst>
-                                    <p:cond delay="500"/>
-                                  </p:stCondLst>
-                                  <p:childTnLst>
-                                    <p:set>
-                                      <p:cBhvr>
-                                        <p:cTn id="14" dur="1" fill="hold">
-                                          <p:stCondLst>
-                                            <p:cond delay="0"/>
-                                          </p:stCondLst>
-                                        </p:cTn>
-                                        <p:tgtEl>
-                                          <p:spTgt spid="15"/>
-                                        </p:tgtEl>
-                                        <p:attrNameLst>
-                                          <p:attrName>style.visibility</p:attrName>
-                                        </p:attrNameLst>
-                                      </p:cBhvr>
-                                      <p:to>
-                                        <p:strVal val="visible"/>
-                                      </p:to>
-                                    </p:set>
-                                    <p:animEffect transition="in" filter="fade">
-                                      <p:cBhvr>
-                                        <p:cTn id="15" dur="500"/>
-                                        <p:tgtEl>
-                                          <p:spTgt spid="15"/>
-                                        </p:tgtEl>
-                                      </p:cBhvr>
-                                    </p:animEffect>
-                                  </p:childTnLst>
-                                </p:cTn>
-                              </p:par>
-                            </p:childTnLst>
-                          </p:cTn>
-                        </p:par>
-                        <p:par>
-                          <p:cTn id="16" fill="hold">
-                            <p:stCondLst>
-                              <p:cond delay="2500"/>
-                            </p:stCondLst>
-                            <p:childTnLst>
-                              <p:par>
-                                <p:cTn id="17" presetID="10" presetClass="entr" presetSubtype="0" fill="hold" nodeType="afterEffect">
-                                  <p:stCondLst>
-                                    <p:cond delay="500"/>
-                                  </p:stCondLst>
-                                  <p:childTnLst>
-                                    <p:set>
-                                      <p:cBhvr>
-                                        <p:cTn id="18" dur="1" fill="hold">
-                                          <p:stCondLst>
-                                            <p:cond delay="0"/>
-                                          </p:stCondLst>
-                                        </p:cTn>
-                                        <p:tgtEl>
-                                          <p:spTgt spid="4"/>
-                                        </p:tgtEl>
-                                        <p:attrNameLst>
-                                          <p:attrName>style.visibility</p:attrName>
-                                        </p:attrNameLst>
-                                      </p:cBhvr>
-                                      <p:to>
-                                        <p:strVal val="visible"/>
-                                      </p:to>
-                                    </p:set>
-                                    <p:animEffect transition="in" filter="fade">
-                                      <p:cBhvr>
-                                        <p:cTn id="19" dur="500"/>
-                                        <p:tgtEl>
-                                          <p:spTgt spid="4"/>
-                                        </p:tgtEl>
-                                      </p:cBhvr>
-                                    </p:animEffect>
-                                  </p:childTnLst>
-                                </p:cTn>
-                              </p:par>
-                            </p:childTnLst>
-                          </p:cTn>
-                        </p:par>
-                        <p:par>
-                          <p:cTn id="20" fill="hold">
-                            <p:stCondLst>
-                              <p:cond delay="3500"/>
-                            </p:stCondLst>
-                            <p:childTnLst>
-                              <p:par>
-                                <p:cTn id="21" presetID="10" presetClass="entr" presetSubtype="0" fill="hold" nodeType="afterEffect">
-                                  <p:stCondLst>
-                                    <p:cond delay="500"/>
-                                  </p:stCondLst>
-                                  <p:childTnLst>
-                                    <p:set>
-                                      <p:cBhvr>
-                                        <p:cTn id="22" dur="1" fill="hold">
-                                          <p:stCondLst>
-                                            <p:cond delay="0"/>
-                                          </p:stCondLst>
-                                        </p:cTn>
-                                        <p:tgtEl>
-                                          <p:spTgt spid="13"/>
-                                        </p:tgtEl>
-                                        <p:attrNameLst>
-                                          <p:attrName>style.visibility</p:attrName>
-                                        </p:attrNameLst>
-                                      </p:cBhvr>
-                                      <p:to>
-                                        <p:strVal val="visible"/>
-                                      </p:to>
-                                    </p:set>
-                                    <p:animEffect transition="in" filter="fade">
-                                      <p:cBhvr>
-                                        <p:cTn id="23" dur="500"/>
-                                        <p:tgtEl>
-                                          <p:spTgt spid="13"/>
-                                        </p:tgtEl>
-                                      </p:cBhvr>
-                                    </p:animEffect>
-                                  </p:childTnLst>
-                                </p:cTn>
-                              </p:par>
-                            </p:childTnLst>
-                          </p:cTn>
-                        </p:par>
-                      </p:childTnLst>
-                    </p:cTn>
-                  </p:par>
-                  <p:par>
-                    <p:cTn id="24" fill="hold">
-                      <p:stCondLst>
-                        <p:cond delay="indefinite"/>
-                      </p:stCondLst>
-                      <p:childTnLst>
-                        <p:par>
-                          <p:cTn id="25" fill="hold">
-                            <p:stCondLst>
-                              <p:cond delay="0"/>
-                            </p:stCondLst>
-                            <p:childTnLst>
-                              <p:par>
-                                <p:cTn id="26" presetID="10" presetClass="exit" presetSubtype="0" fill="hold" nodeType="clickEffect">
-                                  <p:stCondLst>
-                                    <p:cond delay="0"/>
-                                  </p:stCondLst>
-                                  <p:childTnLst>
-                                    <p:animEffect transition="out" filter="fade">
-                                      <p:cBhvr>
-                                        <p:cTn id="27" dur="500"/>
-                                        <p:tgtEl>
-                                          <p:spTgt spid="2"/>
-                                        </p:tgtEl>
-                                      </p:cBhvr>
-                                    </p:animEffect>
-                                    <p:set>
-                                      <p:cBhvr>
-                                        <p:cTn id="28" dur="1" fill="hold">
-                                          <p:stCondLst>
-                                            <p:cond delay="499"/>
-                                          </p:stCondLst>
-                                        </p:cTn>
-                                        <p:tgtEl>
-                                          <p:spTgt spid="2"/>
-                                        </p:tgtEl>
-                                        <p:attrNameLst>
-                                          <p:attrName>style.visibility</p:attrName>
-                                        </p:attrNameLst>
-                                      </p:cBhvr>
-                                      <p:to>
-                                        <p:strVal val="hidden"/>
-                                      </p:to>
-                                    </p:set>
-                                  </p:childTnLst>
-                                </p:cTn>
-                              </p:par>
-                              <p:par>
-                                <p:cTn id="29" presetID="10" presetClass="entr" presetSubtype="0" fill="hold" nodeType="withEffect">
-                                  <p:stCondLst>
-                                    <p:cond delay="500"/>
-                                  </p:stCondLst>
-                                  <p:childTnLst>
-                                    <p:set>
-                                      <p:cBhvr>
-                                        <p:cTn id="30" dur="1" fill="hold">
-                                          <p:stCondLst>
-                                            <p:cond delay="0"/>
-                                          </p:stCondLst>
-                                        </p:cTn>
-                                        <p:tgtEl>
-                                          <p:spTgt spid="18"/>
-                                        </p:tgtEl>
-                                        <p:attrNameLst>
-                                          <p:attrName>style.visibility</p:attrName>
-                                        </p:attrNameLst>
-                                      </p:cBhvr>
-                                      <p:to>
-                                        <p:strVal val="visible"/>
-                                      </p:to>
-                                    </p:set>
-                                    <p:animEffect transition="in" filter="fade">
-                                      <p:cBhvr>
-                                        <p:cTn id="31" dur="500"/>
-                                        <p:tgtEl>
-                                          <p:spTgt spid="18"/>
-                                        </p:tgtEl>
-                                      </p:cBhvr>
-                                    </p:animEffect>
-                                  </p:childTnLst>
-                                </p:cTn>
-                              </p:par>
-                            </p:childTnLst>
-                          </p:cTn>
-                        </p:par>
-                        <p:par>
-                          <p:cTn id="32" fill="hold">
-                            <p:stCondLst>
-                              <p:cond delay="1000"/>
-                            </p:stCondLst>
-                            <p:childTnLst>
-                              <p:par>
-                                <p:cTn id="33" presetID="10" presetClass="exit" presetSubtype="0" fill="hold" nodeType="afterEffect">
-                                  <p:stCondLst>
-                                    <p:cond delay="0"/>
-                                  </p:stCondLst>
-                                  <p:childTnLst>
-                                    <p:animEffect transition="out" filter="fade">
-                                      <p:cBhvr>
-                                        <p:cTn id="34" dur="500"/>
-                                        <p:tgtEl>
-                                          <p:spTgt spid="3"/>
-                                        </p:tgtEl>
-                                      </p:cBhvr>
-                                    </p:animEffect>
-                                    <p:set>
-                                      <p:cBhvr>
-                                        <p:cTn id="35" dur="1" fill="hold">
-                                          <p:stCondLst>
-                                            <p:cond delay="499"/>
-                                          </p:stCondLst>
-                                        </p:cTn>
-                                        <p:tgtEl>
-                                          <p:spTgt spid="3"/>
-                                        </p:tgtEl>
-                                        <p:attrNameLst>
-                                          <p:attrName>style.visibility</p:attrName>
-                                        </p:attrNameLst>
-                                      </p:cBhvr>
-                                      <p:to>
-                                        <p:strVal val="hidden"/>
-                                      </p:to>
-                                    </p:set>
-                                  </p:childTnLst>
-                                </p:cTn>
-                              </p:par>
-                              <p:par>
-                                <p:cTn id="36" presetID="10" presetClass="entr" presetSubtype="0" fill="hold" nodeType="withEffect">
-                                  <p:stCondLst>
-                                    <p:cond delay="500"/>
-                                  </p:stCondLst>
-                                  <p:childTnLst>
-                                    <p:set>
-                                      <p:cBhvr>
-                                        <p:cTn id="37" dur="1" fill="hold">
-                                          <p:stCondLst>
-                                            <p:cond delay="0"/>
-                                          </p:stCondLst>
-                                        </p:cTn>
-                                        <p:tgtEl>
-                                          <p:spTgt spid="16"/>
-                                        </p:tgtEl>
-                                        <p:attrNameLst>
-                                          <p:attrName>style.visibility</p:attrName>
-                                        </p:attrNameLst>
-                                      </p:cBhvr>
-                                      <p:to>
-                                        <p:strVal val="visible"/>
-                                      </p:to>
-                                    </p:set>
-                                    <p:animEffect transition="in" filter="fade">
-                                      <p:cBhvr>
-                                        <p:cTn id="38" dur="500"/>
-                                        <p:tgtEl>
-                                          <p:spTgt spid="16"/>
-                                        </p:tgtEl>
-                                      </p:cBhvr>
-                                    </p:animEffect>
-                                  </p:childTnLst>
-                                </p:cTn>
-                              </p:par>
-                            </p:childTnLst>
-                          </p:cTn>
-                        </p:par>
-                        <p:par>
-                          <p:cTn id="39" fill="hold">
-                            <p:stCondLst>
-                              <p:cond delay="2000"/>
-                            </p:stCondLst>
-                            <p:childTnLst>
-                              <p:par>
-                                <p:cTn id="40" presetID="10" presetClass="exit" presetSubtype="0" fill="hold" nodeType="afterEffect">
-                                  <p:stCondLst>
-                                    <p:cond delay="0"/>
-                                  </p:stCondLst>
-                                  <p:childTnLst>
-                                    <p:animEffect transition="out" filter="fade">
-                                      <p:cBhvr>
-                                        <p:cTn id="41" dur="500"/>
-                                        <p:tgtEl>
-                                          <p:spTgt spid="15"/>
-                                        </p:tgtEl>
-                                      </p:cBhvr>
-                                    </p:animEffect>
-                                    <p:set>
-                                      <p:cBhvr>
-                                        <p:cTn id="42" dur="1" fill="hold">
-                                          <p:stCondLst>
-                                            <p:cond delay="499"/>
-                                          </p:stCondLst>
-                                        </p:cTn>
-                                        <p:tgtEl>
-                                          <p:spTgt spid="15"/>
-                                        </p:tgtEl>
-                                        <p:attrNameLst>
-                                          <p:attrName>style.visibility</p:attrName>
-                                        </p:attrNameLst>
-                                      </p:cBhvr>
-                                      <p:to>
-                                        <p:strVal val="hidden"/>
-                                      </p:to>
-                                    </p:set>
-                                  </p:childTnLst>
-                                </p:cTn>
-                              </p:par>
-                              <p:par>
-                                <p:cTn id="43" presetID="10" presetClass="entr" presetSubtype="0" fill="hold" nodeType="withEffect">
-                                  <p:stCondLst>
-                                    <p:cond delay="500"/>
-                                  </p:stCondLst>
-                                  <p:childTnLst>
-                                    <p:set>
-                                      <p:cBhvr>
-                                        <p:cTn id="44" dur="1" fill="hold">
-                                          <p:stCondLst>
-                                            <p:cond delay="0"/>
-                                          </p:stCondLst>
-                                        </p:cTn>
-                                        <p:tgtEl>
-                                          <p:spTgt spid="17"/>
-                                        </p:tgtEl>
-                                        <p:attrNameLst>
-                                          <p:attrName>style.visibility</p:attrName>
-                                        </p:attrNameLst>
-                                      </p:cBhvr>
-                                      <p:to>
-                                        <p:strVal val="visible"/>
-                                      </p:to>
-                                    </p:set>
-                                    <p:animEffect transition="in" filter="fade">
-                                      <p:cBhvr>
-                                        <p:cTn id="45" dur="500"/>
-                                        <p:tgtEl>
-                                          <p:spTgt spid="17"/>
-                                        </p:tgtEl>
-                                      </p:cBhvr>
-                                    </p:animEffect>
-                                  </p:childTnLst>
-                                </p:cTn>
-                              </p:par>
-                            </p:childTnLst>
-                          </p:cTn>
-                        </p:par>
-                        <p:par>
-                          <p:cTn id="46" fill="hold">
-                            <p:stCondLst>
-                              <p:cond delay="3000"/>
-                            </p:stCondLst>
-                            <p:childTnLst>
-                              <p:par>
-                                <p:cTn id="47" presetID="10" presetClass="exit" presetSubtype="0" fill="hold" nodeType="afterEffect">
-                                  <p:stCondLst>
-                                    <p:cond delay="0"/>
-                                  </p:stCondLst>
-                                  <p:childTnLst>
-                                    <p:animEffect transition="out" filter="fade">
-                                      <p:cBhvr>
-                                        <p:cTn id="48" dur="500"/>
-                                        <p:tgtEl>
-                                          <p:spTgt spid="4"/>
-                                        </p:tgtEl>
-                                      </p:cBhvr>
-                                    </p:animEffect>
-                                    <p:set>
-                                      <p:cBhvr>
-                                        <p:cTn id="49" dur="1" fill="hold">
-                                          <p:stCondLst>
-                                            <p:cond delay="499"/>
-                                          </p:stCondLst>
-                                        </p:cTn>
-                                        <p:tgtEl>
-                                          <p:spTgt spid="4"/>
-                                        </p:tgtEl>
-                                        <p:attrNameLst>
-                                          <p:attrName>style.visibility</p:attrName>
-                                        </p:attrNameLst>
-                                      </p:cBhvr>
-                                      <p:to>
-                                        <p:strVal val="hidden"/>
-                                      </p:to>
-                                    </p:set>
-                                  </p:childTnLst>
-                                </p:cTn>
-                              </p:par>
-                              <p:par>
-                                <p:cTn id="50" presetID="10" presetClass="entr" presetSubtype="0" fill="hold" nodeType="withEffect">
-                                  <p:stCondLst>
-                                    <p:cond delay="500"/>
-                                  </p:stCondLst>
-                                  <p:childTnLst>
-                                    <p:set>
-                                      <p:cBhvr>
-                                        <p:cTn id="51" dur="1" fill="hold">
-                                          <p:stCondLst>
-                                            <p:cond delay="0"/>
-                                          </p:stCondLst>
-                                        </p:cTn>
-                                        <p:tgtEl>
-                                          <p:spTgt spid="8"/>
-                                        </p:tgtEl>
-                                        <p:attrNameLst>
-                                          <p:attrName>style.visibility</p:attrName>
-                                        </p:attrNameLst>
-                                      </p:cBhvr>
-                                      <p:to>
-                                        <p:strVal val="visible"/>
-                                      </p:to>
-                                    </p:set>
-                                    <p:animEffect transition="in" filter="fade">
-                                      <p:cBhvr>
-                                        <p:cTn id="52" dur="500"/>
-                                        <p:tgtEl>
-                                          <p:spTgt spid="8"/>
-                                        </p:tgtEl>
-                                      </p:cBhvr>
-                                    </p:animEffect>
-                                  </p:childTnLst>
-                                </p:cTn>
-                              </p:par>
-                            </p:childTnLst>
-                          </p:cTn>
-                        </p:par>
-                        <p:par>
-                          <p:cTn id="53" fill="hold">
-                            <p:stCondLst>
-                              <p:cond delay="4000"/>
-                            </p:stCondLst>
-                            <p:childTnLst>
-                              <p:par>
-                                <p:cTn id="54" presetID="10" presetClass="exit" presetSubtype="0" fill="hold" nodeType="afterEffect">
-                                  <p:stCondLst>
-                                    <p:cond delay="0"/>
-                                  </p:stCondLst>
-                                  <p:childTnLst>
-                                    <p:animEffect transition="out" filter="fade">
-                                      <p:cBhvr>
-                                        <p:cTn id="55" dur="500"/>
-                                        <p:tgtEl>
-                                          <p:spTgt spid="13"/>
-                                        </p:tgtEl>
-                                      </p:cBhvr>
-                                    </p:animEffect>
-                                    <p:set>
-                                      <p:cBhvr>
-                                        <p:cTn id="56" dur="1" fill="hold">
-                                          <p:stCondLst>
-                                            <p:cond delay="499"/>
-                                          </p:stCondLst>
-                                        </p:cTn>
-                                        <p:tgtEl>
-                                          <p:spTgt spid="13"/>
-                                        </p:tgtEl>
-                                        <p:attrNameLst>
-                                          <p:attrName>style.visibility</p:attrName>
-                                        </p:attrNameLst>
-                                      </p:cBhvr>
-                                      <p:to>
-                                        <p:strVal val="hidden"/>
-                                      </p:to>
-                                    </p:set>
-                                  </p:childTnLst>
-                                </p:cTn>
-                              </p:par>
-                              <p:par>
-                                <p:cTn id="57" presetID="10" presetClass="entr" presetSubtype="0" fill="hold" nodeType="withEffect">
-                                  <p:stCondLst>
-                                    <p:cond delay="500"/>
-                                  </p:stCondLst>
-                                  <p:childTnLst>
-                                    <p:set>
-                                      <p:cBhvr>
-                                        <p:cTn id="58" dur="1" fill="hold">
-                                          <p:stCondLst>
-                                            <p:cond delay="0"/>
-                                          </p:stCondLst>
-                                        </p:cTn>
-                                        <p:tgtEl>
-                                          <p:spTgt spid="20"/>
-                                        </p:tgtEl>
-                                        <p:attrNameLst>
-                                          <p:attrName>style.visibility</p:attrName>
-                                        </p:attrNameLst>
-                                      </p:cBhvr>
-                                      <p:to>
-                                        <p:strVal val="visible"/>
-                                      </p:to>
-                                    </p:set>
-                                    <p:animEffect transition="in" filter="fade">
-                                      <p:cBhvr>
-                                        <p:cTn id="59" dur="500"/>
-                                        <p:tgtEl>
-                                          <p:spTgt spid="20"/>
-                                        </p:tgtEl>
-                                      </p:cBhvr>
-                                    </p:animEffect>
                                   </p:childTnLst>
                                 </p:cTn>
                               </p:par>
@@ -34601,6 +34402,308 @@
 </p:sld>
 </file>
 
+<file path=ppt/slides/slide7.xml><?xml version="1.0" encoding="utf-8"?>
+<p:sld xmlns:a="http://schemas.openxmlformats.org/drawingml/2006/main" xmlns:r="http://schemas.openxmlformats.org/officeDocument/2006/relationships" xmlns:p="http://schemas.openxmlformats.org/presentationml/2006/main" show="0">
+  <p:cSld>
+    <p:spTree>
+      <p:nvGrpSpPr>
+        <p:cNvPr id="1" name=""/>
+        <p:cNvGrpSpPr/>
+        <p:nvPr/>
+      </p:nvGrpSpPr>
+      <p:grpSpPr>
+        <a:xfrm>
+          <a:off x="0" y="0"/>
+          <a:ext cx="0" cy="0"/>
+          <a:chOff x="0" y="0"/>
+          <a:chExt cx="0" cy="0"/>
+        </a:xfrm>
+      </p:grpSpPr>
+      <p:sp>
+        <p:nvSpPr>
+          <p:cNvPr id="2" name="Title 1"/>
+          <p:cNvSpPr>
+            <a:spLocks noGrp="1"/>
+          </p:cNvSpPr>
+          <p:nvPr>
+            <p:ph type="title"/>
+          </p:nvPr>
+        </p:nvSpPr>
+        <p:spPr/>
+        <p:txBody>
+          <a:bodyPr/>
+          <a:lstStyle/>
+          <a:p>
+            <a:r>
+              <a:rPr lang="en-US"/>
+              <a:t>Who uses Slack?</a:t>
+            </a:r>
+            <a:endParaRPr lang="en-US" dirty="0"/>
+          </a:p>
+        </p:txBody>
+      </p:sp>
+      <p:sp>
+        <p:nvSpPr>
+          <p:cNvPr id="3" name="Content Placeholder 2"/>
+          <p:cNvSpPr>
+            <a:spLocks noGrp="1"/>
+          </p:cNvSpPr>
+          <p:nvPr>
+            <p:ph idx="1"/>
+          </p:nvPr>
+        </p:nvSpPr>
+        <p:spPr/>
+        <p:txBody>
+          <a:bodyPr/>
+          <a:lstStyle/>
+          <a:p>
+            <a:r>
+              <a:rPr lang="en-US" dirty="0"/>
+              <a:t>If </a:t>
+            </a:r>
+            <a:r>
+              <a:rPr lang="en-US" dirty="0" err="1"/>
+              <a:t>nvarchar</a:t>
+            </a:r>
+            <a:r>
+              <a:rPr lang="en-US" dirty="0"/>
+              <a:t>(280) isn’t enough</a:t>
+            </a:r>
+          </a:p>
+          <a:p>
+            <a:r>
+              <a:rPr lang="en-US" dirty="0"/>
+              <a:t>#</a:t>
+            </a:r>
+            <a:r>
+              <a:rPr lang="en-US" dirty="0" err="1"/>
+              <a:t>sqlhelp</a:t>
+            </a:r>
+            <a:r>
+              <a:rPr lang="en-US" dirty="0"/>
+              <a:t> #</a:t>
+            </a:r>
+            <a:r>
+              <a:rPr lang="en-US" dirty="0" err="1"/>
+              <a:t>powershellhelp</a:t>
+            </a:r>
+            <a:r>
+              <a:rPr lang="en-US" dirty="0"/>
+              <a:t> #</a:t>
+            </a:r>
+            <a:r>
+              <a:rPr lang="en-US" dirty="0" err="1"/>
+              <a:t>ssrshelp</a:t>
+            </a:r>
+            <a:endParaRPr lang="en-US" dirty="0"/>
+          </a:p>
+          <a:p>
+            <a:r>
+              <a:rPr lang="en-US" dirty="0">
+                <a:hlinkClick r:id="rId3"/>
+              </a:rPr>
+              <a:t>http://www.dbatools.io/slack</a:t>
+            </a:r>
+            <a:r>
+              <a:rPr lang="en-US" dirty="0"/>
+              <a:t> for details</a:t>
+            </a:r>
+          </a:p>
+          <a:p>
+            <a:endParaRPr lang="en-US" dirty="0"/>
+          </a:p>
+        </p:txBody>
+      </p:sp>
+      <p:pic>
+        <p:nvPicPr>
+          <p:cNvPr id="2052" name="Picture 4" descr="http://kpcbweb2.s3.amazonaws.com/companies/542/logo/original/slack-logo_large.png?1415320446"/>
+          <p:cNvPicPr>
+            <a:picLocks noChangeAspect="1" noChangeArrowheads="1"/>
+          </p:cNvPicPr>
+          <p:nvPr/>
+        </p:nvPicPr>
+        <p:blipFill rotWithShape="1">
+          <a:blip r:embed="rId4">
+            <a:extLst>
+              <a:ext uri="{28A0092B-C50C-407E-A947-70E740481C1C}">
+                <a14:useLocalDpi xmlns:a14="http://schemas.microsoft.com/office/drawing/2010/main" val="0"/>
+              </a:ext>
+            </a:extLst>
+          </a:blip>
+          <a:srcRect t="17295" b="15231"/>
+          <a:stretch/>
+        </p:blipFill>
+        <p:spPr bwMode="auto">
+          <a:xfrm>
+            <a:off x="1593181" y="3856119"/>
+            <a:ext cx="9310437" cy="2478506"/>
+          </a:xfrm>
+          <a:prstGeom prst="rect">
+            <a:avLst/>
+          </a:prstGeom>
+          <a:noFill/>
+          <a:extLst>
+            <a:ext uri="{909E8E84-426E-40DD-AFC4-6F175D3DCCD1}">
+              <a14:hiddenFill xmlns:a14="http://schemas.microsoft.com/office/drawing/2010/main">
+                <a:solidFill>
+                  <a:srgbClr val="FFFFFF"/>
+                </a:solidFill>
+              </a14:hiddenFill>
+            </a:ext>
+          </a:extLst>
+        </p:spPr>
+      </p:pic>
+    </p:spTree>
+    <p:extLst>
+      <p:ext uri="{BB962C8B-B14F-4D97-AF65-F5344CB8AC3E}">
+        <p14:creationId xmlns:p14="http://schemas.microsoft.com/office/powerpoint/2010/main" val="837407539"/>
+      </p:ext>
+    </p:extLst>
+  </p:cSld>
+  <p:clrMapOvr>
+    <a:masterClrMapping/>
+  </p:clrMapOvr>
+</p:sld>
+</file>
+
+<file path=ppt/slides/slide8.xml><?xml version="1.0" encoding="utf-8"?>
+<p:sld xmlns:a="http://schemas.openxmlformats.org/drawingml/2006/main" xmlns:r="http://schemas.openxmlformats.org/officeDocument/2006/relationships" xmlns:p="http://schemas.openxmlformats.org/presentationml/2006/main">
+  <p:cSld>
+    <p:spTree>
+      <p:nvGrpSpPr>
+        <p:cNvPr id="1" name=""/>
+        <p:cNvGrpSpPr/>
+        <p:nvPr/>
+      </p:nvGrpSpPr>
+      <p:grpSpPr>
+        <a:xfrm>
+          <a:off x="0" y="0"/>
+          <a:ext cx="0" cy="0"/>
+          <a:chOff x="0" y="0"/>
+          <a:chExt cx="0" cy="0"/>
+        </a:xfrm>
+      </p:grpSpPr>
+      <p:sp>
+        <p:nvSpPr>
+          <p:cNvPr id="2" name="Title 1"/>
+          <p:cNvSpPr>
+            <a:spLocks noGrp="1"/>
+          </p:cNvSpPr>
+          <p:nvPr>
+            <p:ph type="title"/>
+          </p:nvPr>
+        </p:nvSpPr>
+        <p:spPr/>
+        <p:txBody>
+          <a:bodyPr/>
+          <a:lstStyle/>
+          <a:p>
+            <a:r>
+              <a:rPr lang="en-US" dirty="0"/>
+              <a:t>Session Feedback</a:t>
+            </a:r>
+          </a:p>
+        </p:txBody>
+      </p:sp>
+      <p:sp>
+        <p:nvSpPr>
+          <p:cNvPr id="4" name="Content Placeholder 3"/>
+          <p:cNvSpPr>
+            <a:spLocks noGrp="1"/>
+          </p:cNvSpPr>
+          <p:nvPr>
+            <p:ph idx="1"/>
+          </p:nvPr>
+        </p:nvSpPr>
+        <p:spPr/>
+        <p:txBody>
+          <a:bodyPr anchor="ctr"/>
+          <a:lstStyle/>
+          <a:p>
+            <a:r>
+              <a:rPr lang="en-US" dirty="0"/>
+              <a:t>Tell me what you don’t like</a:t>
+            </a:r>
+          </a:p>
+          <a:p>
+            <a:endParaRPr lang="en-US" dirty="0"/>
+          </a:p>
+          <a:p>
+            <a:r>
+              <a:rPr lang="en-US" dirty="0"/>
+              <a:t>Tell me what can be better</a:t>
+            </a:r>
+          </a:p>
+          <a:p>
+            <a:endParaRPr lang="en-US" dirty="0"/>
+          </a:p>
+          <a:p>
+            <a:r>
+              <a:rPr lang="en-US" dirty="0"/>
+              <a:t> </a:t>
+            </a:r>
+            <a:r>
+              <a:rPr lang="en-US" sz="2400" dirty="0"/>
+              <a:t>Tell me what you like</a:t>
+            </a:r>
+            <a:endParaRPr lang="en-US" dirty="0"/>
+          </a:p>
+        </p:txBody>
+      </p:sp>
+      <p:pic>
+        <p:nvPicPr>
+          <p:cNvPr id="3074" name="Picture 2" descr="https://upload.wikimedia.org/wikipedia/commons/thumb/c/ce/Emoji_u1f44d.svg/2000px-Emoji_u1f44d.svg.png"/>
+          <p:cNvPicPr>
+            <a:picLocks noChangeAspect="1" noChangeArrowheads="1"/>
+          </p:cNvPicPr>
+          <p:nvPr/>
+        </p:nvPicPr>
+        <p:blipFill>
+          <a:blip r:embed="rId3">
+            <a:extLst>
+              <a:ext uri="{28A0092B-C50C-407E-A947-70E740481C1C}">
+                <a14:useLocalDpi xmlns:a14="http://schemas.microsoft.com/office/drawing/2010/main" val="0"/>
+              </a:ext>
+            </a:extLst>
+          </a:blip>
+          <a:srcRect/>
+          <a:stretch>
+            <a:fillRect/>
+          </a:stretch>
+        </p:blipFill>
+        <p:spPr bwMode="auto">
+          <a:xfrm>
+            <a:off x="7202232" y="1955127"/>
+            <a:ext cx="4139535" cy="4139535"/>
+          </a:xfrm>
+          <a:prstGeom prst="rect">
+            <a:avLst/>
+          </a:prstGeom>
+          <a:noFill/>
+          <a:extLst>
+            <a:ext uri="{909E8E84-426E-40DD-AFC4-6F175D3DCCD1}">
+              <a14:hiddenFill xmlns:a14="http://schemas.microsoft.com/office/drawing/2010/main">
+                <a:solidFill>
+                  <a:srgbClr val="FFFFFF"/>
+                </a:solidFill>
+              </a14:hiddenFill>
+            </a:ext>
+          </a:extLst>
+        </p:spPr>
+      </p:pic>
+    </p:spTree>
+    <p:extLst>
+      <p:ext uri="{BB962C8B-B14F-4D97-AF65-F5344CB8AC3E}">
+        <p14:creationId xmlns:p14="http://schemas.microsoft.com/office/powerpoint/2010/main" val="40638036"/>
+      </p:ext>
+    </p:extLst>
+  </p:cSld>
+  <p:clrMapOvr>
+    <a:masterClrMapping/>
+  </p:clrMapOvr>
+</p:sld>
+</file>
+
 <file path=ppt/slides/slide9.xml><?xml version="1.0" encoding="utf-8"?>
 <p:sld xmlns:a="http://schemas.openxmlformats.org/drawingml/2006/main" xmlns:r="http://schemas.openxmlformats.org/officeDocument/2006/relationships" xmlns:p="http://schemas.openxmlformats.org/presentationml/2006/main">
   <p:cSld>
@@ -34618,75 +34721,9 @@
           <a:chExt cx="0" cy="0"/>
         </a:xfrm>
       </p:grpSpPr>
-      <p:pic>
-        <p:nvPicPr>
-          <p:cNvPr id="4" name="Picture 3">
-            <a:extLst>
-              <a:ext uri="{FF2B5EF4-FFF2-40B4-BE49-F238E27FC236}">
-                <a16:creationId xmlns:a16="http://schemas.microsoft.com/office/drawing/2014/main" id="{C863BE91-5FF5-441B-A87E-292D53ED2726}"/>
-              </a:ext>
-            </a:extLst>
-          </p:cNvPr>
-          <p:cNvPicPr>
-            <a:picLocks noChangeAspect="1"/>
-          </p:cNvPicPr>
-          <p:nvPr/>
-        </p:nvPicPr>
-        <p:blipFill>
-          <a:blip r:embed="rId2"/>
-          <a:stretch>
-            <a:fillRect/>
-          </a:stretch>
-        </p:blipFill>
-        <p:spPr>
-          <a:xfrm>
-            <a:off x="8627570" y="1804811"/>
-            <a:ext cx="3476625" cy="3524250"/>
-          </a:xfrm>
-          <a:prstGeom prst="rect">
-            <a:avLst/>
-          </a:prstGeom>
-        </p:spPr>
-      </p:pic>
-      <p:pic>
-        <p:nvPicPr>
-          <p:cNvPr id="9" name="Picture 8">
-            <a:extLst>
-              <a:ext uri="{FF2B5EF4-FFF2-40B4-BE49-F238E27FC236}">
-                <a16:creationId xmlns:a16="http://schemas.microsoft.com/office/drawing/2014/main" id="{242BD2B6-E894-43EA-A29E-AA7158A6440C}"/>
-              </a:ext>
-            </a:extLst>
-          </p:cNvPr>
-          <p:cNvPicPr>
-            <a:picLocks noChangeAspect="1"/>
-          </p:cNvPicPr>
-          <p:nvPr/>
-        </p:nvPicPr>
-        <p:blipFill>
-          <a:blip r:embed="rId3"/>
-          <a:stretch>
-            <a:fillRect/>
-          </a:stretch>
-        </p:blipFill>
-        <p:spPr>
-          <a:xfrm>
-            <a:off x="1167424" y="3071636"/>
-            <a:ext cx="5715000" cy="990600"/>
-          </a:xfrm>
-          <a:prstGeom prst="rect">
-            <a:avLst/>
-          </a:prstGeom>
-        </p:spPr>
-      </p:pic>
       <p:sp>
         <p:nvSpPr>
-          <p:cNvPr id="10" name="Title 9">
-            <a:extLst>
-              <a:ext uri="{FF2B5EF4-FFF2-40B4-BE49-F238E27FC236}">
-                <a16:creationId xmlns:a16="http://schemas.microsoft.com/office/drawing/2014/main" id="{DCA076EB-0851-4A9F-BE5F-6E3AD6EE62A3}"/>
-              </a:ext>
-            </a:extLst>
-          </p:cNvPr>
+          <p:cNvPr id="2" name="Title 1"/>
           <p:cNvSpPr>
             <a:spLocks noGrp="1"/>
           </p:cNvSpPr>
@@ -34697,21 +34734,87 @@
         <p:spPr/>
         <p:txBody>
           <a:bodyPr>
+            <a:noAutofit/>
+          </a:bodyPr>
+          <a:lstStyle/>
+          <a:p>
+            <a:r>
+              <a:rPr lang="en-US" sz="4800" dirty="0"/>
+              <a:t>I'm also </a:t>
+            </a:r>
+            <a:r>
+              <a:rPr lang="en-US" sz="4800" dirty="0" err="1"/>
+              <a:t>gonna</a:t>
+            </a:r>
+            <a:r>
+              <a:rPr lang="en-US" sz="4800" dirty="0"/>
+              <a:t> need you to go ahead </a:t>
+            </a:r>
+            <a:br>
+              <a:rPr lang="en-US" sz="4800" dirty="0"/>
+            </a:br>
+            <a:r>
+              <a:rPr lang="en-US" sz="4800" dirty="0"/>
+              <a:t>and silence your cell phones</a:t>
+            </a:r>
+          </a:p>
+        </p:txBody>
+      </p:sp>
+      <p:sp>
+        <p:nvSpPr>
+          <p:cNvPr id="3" name="Text Placeholder 2"/>
+          <p:cNvSpPr>
+            <a:spLocks noGrp="1"/>
+          </p:cNvSpPr>
+          <p:nvPr>
+            <p:ph type="body" idx="1"/>
+          </p:nvPr>
+        </p:nvSpPr>
+        <p:spPr/>
+        <p:txBody>
+          <a:bodyPr>
             <a:normAutofit/>
           </a:bodyPr>
           <a:lstStyle/>
           <a:p>
             <a:r>
-              <a:rPr lang="en-US" dirty="0"/>
-              <a:t>Community Ambassador</a:t>
+              <a:rPr lang="en-US" sz="2800" dirty="0"/>
+              <a:t>Yea…….You apparently didn’t put one of the new coversheets on your TPS reports.</a:t>
             </a:r>
           </a:p>
         </p:txBody>
       </p:sp>
+      <p:pic>
+        <p:nvPicPr>
+          <p:cNvPr id="4" name="Content Placeholder 3"/>
+          <p:cNvPicPr>
+            <a:picLocks noGrp="1" noChangeAspect="1"/>
+          </p:cNvPicPr>
+          <p:nvPr>
+            <p:ph sz="quarter" idx="13"/>
+          </p:nvPr>
+        </p:nvPicPr>
+        <p:blipFill rotWithShape="1">
+          <a:blip r:embed="rId2">
+            <a:extLst>
+              <a:ext uri="{28A0092B-C50C-407E-A947-70E740481C1C}">
+                <a14:useLocalDpi xmlns:a14="http://schemas.microsoft.com/office/drawing/2010/main" val="0"/>
+              </a:ext>
+            </a:extLst>
+          </a:blip>
+          <a:stretch/>
+        </p:blipFill>
+        <p:spPr>
+          <a:xfrm>
+            <a:off x="3623733" y="1905000"/>
+            <a:ext cx="7586133" cy="4267200"/>
+          </a:xfrm>
+        </p:spPr>
+      </p:pic>
     </p:spTree>
     <p:extLst>
       <p:ext uri="{BB962C8B-B14F-4D97-AF65-F5344CB8AC3E}">
-        <p14:creationId xmlns:p14="http://schemas.microsoft.com/office/powerpoint/2010/main" val="3650232302"/>
+        <p14:creationId xmlns:p14="http://schemas.microsoft.com/office/powerpoint/2010/main" val="744002627"/>
       </p:ext>
     </p:extLst>
   </p:cSld>

--- a/Demystifying-Data-Compression/Data_Compression.pptx
+++ b/Demystifying-Data-Compression/Data_Compression.pptx
@@ -9,7 +9,7 @@
   </p:notesMasterIdLst>
   <p:sldIdLst>
     <p:sldId id="348" r:id="rId2"/>
-    <p:sldId id="322" r:id="rId3"/>
+    <p:sldId id="397" r:id="rId3"/>
     <p:sldId id="346" r:id="rId4"/>
     <p:sldId id="345" r:id="rId5"/>
     <p:sldId id="349" r:id="rId6"/>
@@ -417,7 +417,7 @@
           <a:p>
             <a:fld id="{29813C8A-11F9-4768-B07B-C8C4017109A6}" type="datetimeFigureOut">
               <a:rPr lang="en-US" smtClean="0"/>
-              <a:t>4/7/2018</a:t>
+              <a:t>1/15/2019</a:t>
             </a:fld>
             <a:endParaRPr lang="en-US"/>
           </a:p>
@@ -747,18 +747,78 @@
           <a:bodyPr/>
           <a:lstStyle/>
           <a:p>
+            <a:pPr marL="0" marR="0" lvl="0" indent="0" algn="r" defTabSz="457200" rtl="0" eaLnBrk="1" fontAlgn="auto" latinLnBrk="0" hangingPunct="1">
+              <a:lnSpc>
+                <a:spcPct val="100000"/>
+              </a:lnSpc>
+              <a:spcBef>
+                <a:spcPts val="0"/>
+              </a:spcBef>
+              <a:spcAft>
+                <a:spcPts val="0"/>
+              </a:spcAft>
+              <a:buClrTx/>
+              <a:buSzTx/>
+              <a:buFontTx/>
+              <a:buNone/>
+              <a:tabLst/>
+              <a:defRPr/>
+            </a:pPr>
             <a:fld id="{C896673D-A7D2-47E4-9E64-948C4CAFD549}" type="slidenum">
-              <a:rPr lang="en-US" smtClean="0"/>
+              <a:rPr kumimoji="0" lang="en-US" sz="1200" b="0" i="0" u="none" strike="noStrike" kern="1200" cap="none" spc="0" normalizeH="0" baseline="0" noProof="0" smtClean="0">
+                <a:ln>
+                  <a:noFill/>
+                </a:ln>
+                <a:solidFill>
+                  <a:prstClr val="black"/>
+                </a:solidFill>
+                <a:effectLst/>
+                <a:uLnTx/>
+                <a:uFillTx/>
+                <a:latin typeface="Calibri" panose="020F0502020204030204"/>
+                <a:ea typeface="+mn-ea"/>
+                <a:cs typeface="+mn-cs"/>
+              </a:rPr>
+              <a:pPr marL="0" marR="0" lvl="0" indent="0" algn="r" defTabSz="457200" rtl="0" eaLnBrk="1" fontAlgn="auto" latinLnBrk="0" hangingPunct="1">
+                <a:lnSpc>
+                  <a:spcPct val="100000"/>
+                </a:lnSpc>
+                <a:spcBef>
+                  <a:spcPts val="0"/>
+                </a:spcBef>
+                <a:spcAft>
+                  <a:spcPts val="0"/>
+                </a:spcAft>
+                <a:buClrTx/>
+                <a:buSzTx/>
+                <a:buFontTx/>
+                <a:buNone/>
+                <a:tabLst/>
+                <a:defRPr/>
+              </a:pPr>
               <a:t>2</a:t>
             </a:fld>
-            <a:endParaRPr lang="en-US" dirty="0"/>
+            <a:endParaRPr kumimoji="0" lang="en-US" sz="1200" b="0" i="0" u="none" strike="noStrike" kern="1200" cap="none" spc="0" normalizeH="0" baseline="0" noProof="0" dirty="0">
+              <a:ln>
+                <a:noFill/>
+              </a:ln>
+              <a:solidFill>
+                <a:prstClr val="black"/>
+              </a:solidFill>
+              <a:effectLst/>
+              <a:uLnTx/>
+              <a:uFillTx/>
+              <a:latin typeface="Calibri" panose="020F0502020204030204"/>
+              <a:ea typeface="+mn-ea"/>
+              <a:cs typeface="+mn-cs"/>
+            </a:endParaRPr>
           </a:p>
         </p:txBody>
       </p:sp>
     </p:spTree>
     <p:extLst>
       <p:ext uri="{BB962C8B-B14F-4D97-AF65-F5344CB8AC3E}">
-        <p14:creationId xmlns:p14="http://schemas.microsoft.com/office/powerpoint/2010/main" val="4103740111"/>
+        <p14:creationId xmlns:p14="http://schemas.microsoft.com/office/powerpoint/2010/main" val="3026763191"/>
       </p:ext>
     </p:extLst>
   </p:cSld>
@@ -3638,7 +3698,7 @@
             <a:fld id="{B61BEF0D-F0BB-DE4B-95CE-6DB70DBA9567}" type="datetimeFigureOut">
               <a:rPr lang="en-US" smtClean="0"/>
               <a:pPr/>
-              <a:t>4/7/2018</a:t>
+              <a:t>1/15/2019</a:t>
             </a:fld>
             <a:endParaRPr lang="en-US" dirty="0"/>
           </a:p>
@@ -4063,7 +4123,7 @@
             <a:fld id="{B61BEF0D-F0BB-DE4B-95CE-6DB70DBA9567}" type="datetimeFigureOut">
               <a:rPr lang="en-US" smtClean="0"/>
               <a:pPr/>
-              <a:t>4/7/2018</a:t>
+              <a:t>1/15/2019</a:t>
             </a:fld>
             <a:endParaRPr lang="en-US" dirty="0"/>
           </a:p>
@@ -9792,14 +9852,15 @@
         </p:nvSpPr>
         <p:spPr/>
         <p:txBody>
-          <a:bodyPr/>
+          <a:bodyPr>
+            <a:normAutofit/>
+          </a:bodyPr>
           <a:lstStyle/>
           <a:p>
             <a:r>
-              <a:rPr lang="en-US"/>
+              <a:rPr lang="en-US" dirty="0"/>
               <a:t>Andy Mallon</a:t>
             </a:r>
-            <a:endParaRPr lang="en-US" dirty="0"/>
           </a:p>
         </p:txBody>
       </p:sp>
@@ -9813,279 +9874,62 @@
             <p:ph idx="1"/>
           </p:nvPr>
         </p:nvSpPr>
-        <p:spPr/>
+        <p:spPr>
+          <a:xfrm>
+            <a:off x="816864" y="1803400"/>
+            <a:ext cx="10871200" cy="4460834"/>
+          </a:xfrm>
+        </p:spPr>
         <p:txBody>
           <a:bodyPr>
-            <a:normAutofit fontScale="92500" lnSpcReduction="20000"/>
+            <a:normAutofit/>
           </a:bodyPr>
           <a:lstStyle/>
           <a:p>
             <a:r>
-              <a:rPr lang="en-US"/>
-              <a:t>Working with SQL Server since 2003 and SQL Server 2000</a:t>
-            </a:r>
-          </a:p>
-          <a:p>
-            <a:r>
-              <a:rPr lang="en-US"/>
-              <a:t>Background in Tech Support</a:t>
-            </a:r>
-          </a:p>
-          <a:p>
-            <a:r>
-              <a:rPr lang="en-US"/>
-              <a:t>Managed databases in many industries</a:t>
-            </a:r>
-          </a:p>
-          <a:p>
-            <a:endParaRPr lang="en-US"/>
-          </a:p>
-          <a:p>
-            <a:endParaRPr lang="en-US"/>
-          </a:p>
-          <a:p>
-            <a:r>
-              <a:rPr lang="en-US"/>
+              <a:rPr lang="en-US" dirty="0"/>
+              <a:t>Product Manager at </a:t>
+            </a:r>
+            <a:r>
+              <a:rPr lang="en-US" dirty="0" err="1"/>
+              <a:t>SentryOne</a:t>
+            </a:r>
+            <a:endParaRPr lang="en-US" dirty="0"/>
+          </a:p>
+          <a:p>
+            <a:r>
+              <a:rPr lang="en-US" dirty="0"/>
+              <a:t>Working with SQL Server since 2003</a:t>
+            </a:r>
+          </a:p>
+          <a:p>
+            <a:r>
+              <a:rPr lang="en-US" dirty="0"/>
+              <a:t>Background in Tech Support, Database Administration, and Database Architecture</a:t>
+            </a:r>
+          </a:p>
+          <a:p>
+            <a:r>
+              <a:rPr lang="en-US" dirty="0"/>
               <a:t>Lazy</a:t>
             </a:r>
           </a:p>
           <a:p>
             <a:r>
-              <a:rPr lang="en-US"/>
+              <a:rPr lang="en-US" dirty="0"/>
               <a:t>Impatient</a:t>
             </a:r>
           </a:p>
           <a:p>
             <a:pPr lvl="1"/>
             <a:endParaRPr lang="en-US" dirty="0"/>
-          </a:p>
-        </p:txBody>
-      </p:sp>
-      <p:sp>
-        <p:nvSpPr>
-          <p:cNvPr id="6" name="Content Placeholder 2"/>
-          <p:cNvSpPr txBox="1">
-            <a:spLocks/>
-          </p:cNvSpPr>
-          <p:nvPr/>
-        </p:nvSpPr>
-        <p:spPr>
-          <a:xfrm>
-            <a:off x="812800" y="3964940"/>
-            <a:ext cx="6543495" cy="809302"/>
-          </a:xfrm>
-          <a:prstGeom prst="rect">
-            <a:avLst/>
-          </a:prstGeom>
-        </p:spPr>
-        <p:txBody>
-          <a:bodyPr vert="horz" numCol="2">
-            <a:normAutofit fontScale="70000" lnSpcReduction="20000"/>
-          </a:bodyPr>
-          <a:lstStyle>
-            <a:lvl1pPr marL="426709" indent="-426709" algn="l" rtl="0" eaLnBrk="1" latinLnBrk="0" hangingPunct="1">
-              <a:spcBef>
-                <a:spcPts val="933"/>
-              </a:spcBef>
-              <a:buClr>
-                <a:schemeClr val="accent2"/>
-              </a:buClr>
-              <a:buSzPct val="60000"/>
-              <a:buFont typeface="Wingdings"/>
-              <a:buChar char=""/>
-              <a:defRPr kumimoji="0" sz="3867" kern="1200">
-                <a:solidFill>
-                  <a:schemeClr val="tx1"/>
-                </a:solidFill>
-                <a:latin typeface="+mn-lt"/>
-                <a:ea typeface="+mn-ea"/>
-                <a:cs typeface="+mn-cs"/>
-              </a:defRPr>
-            </a:lvl1pPr>
-            <a:lvl2pPr marL="853419" indent="-365751" algn="l" rtl="0" eaLnBrk="1" latinLnBrk="0" hangingPunct="1">
-              <a:spcBef>
-                <a:spcPts val="733"/>
-              </a:spcBef>
-              <a:buClr>
-                <a:schemeClr val="accent1"/>
-              </a:buClr>
-              <a:buSzPct val="70000"/>
-              <a:buFont typeface="Wingdings 2"/>
-              <a:buChar char=""/>
-              <a:defRPr kumimoji="0" sz="3467" kern="1200">
-                <a:solidFill>
-                  <a:schemeClr val="tx1"/>
-                </a:solidFill>
-                <a:latin typeface="+mn-lt"/>
-                <a:ea typeface="+mn-ea"/>
-                <a:cs typeface="+mn-cs"/>
-              </a:defRPr>
-            </a:lvl2pPr>
-            <a:lvl3pPr marL="1219170" indent="-304792" algn="l" rtl="0" eaLnBrk="1" latinLnBrk="0" hangingPunct="1">
-              <a:spcBef>
-                <a:spcPts val="667"/>
-              </a:spcBef>
-              <a:buClr>
-                <a:schemeClr val="accent2"/>
-              </a:buClr>
-              <a:buSzPct val="75000"/>
-              <a:buFont typeface="Wingdings"/>
-              <a:buChar char=""/>
-              <a:defRPr kumimoji="0" sz="3067" kern="1200">
-                <a:solidFill>
-                  <a:schemeClr val="tx1"/>
-                </a:solidFill>
-                <a:latin typeface="+mn-lt"/>
-                <a:ea typeface="+mn-ea"/>
-                <a:cs typeface="+mn-cs"/>
-              </a:defRPr>
-            </a:lvl3pPr>
-            <a:lvl4pPr marL="1828754" indent="-304792" algn="l" rtl="0" eaLnBrk="1" latinLnBrk="0" hangingPunct="1">
-              <a:spcBef>
-                <a:spcPts val="533"/>
-              </a:spcBef>
-              <a:buClr>
-                <a:schemeClr val="accent3"/>
-              </a:buClr>
-              <a:buSzPct val="75000"/>
-              <a:buFont typeface="Wingdings"/>
-              <a:buChar char=""/>
-              <a:defRPr kumimoji="0" sz="2667" kern="1200">
-                <a:solidFill>
-                  <a:schemeClr val="tx1"/>
-                </a:solidFill>
-                <a:latin typeface="+mn-lt"/>
-                <a:ea typeface="+mn-ea"/>
-                <a:cs typeface="+mn-cs"/>
-              </a:defRPr>
-            </a:lvl4pPr>
-            <a:lvl5pPr marL="2438339" indent="-304792" algn="l" rtl="0" eaLnBrk="1" latinLnBrk="0" hangingPunct="1">
-              <a:spcBef>
-                <a:spcPts val="533"/>
-              </a:spcBef>
-              <a:buClr>
-                <a:schemeClr val="accent4"/>
-              </a:buClr>
-              <a:buSzPct val="65000"/>
-              <a:buFont typeface="Wingdings"/>
-              <a:buChar char=""/>
-              <a:defRPr kumimoji="0" sz="2667" kern="1200">
-                <a:solidFill>
-                  <a:schemeClr val="tx1"/>
-                </a:solidFill>
-                <a:latin typeface="+mn-lt"/>
-                <a:ea typeface="+mn-ea"/>
-                <a:cs typeface="+mn-cs"/>
-              </a:defRPr>
-            </a:lvl5pPr>
-            <a:lvl6pPr marL="2804090" indent="-304792" algn="l" rtl="0" eaLnBrk="1" latinLnBrk="0" hangingPunct="1">
-              <a:spcBef>
-                <a:spcPct val="20000"/>
-              </a:spcBef>
-              <a:buClr>
-                <a:schemeClr val="accent1"/>
-              </a:buClr>
-              <a:buFont typeface="Wingdings"/>
-              <a:buNone/>
-              <a:defRPr kumimoji="0" sz="2400" kern="1200" baseline="0">
-                <a:solidFill>
-                  <a:schemeClr val="tx1"/>
-                </a:solidFill>
-                <a:latin typeface="+mn-lt"/>
-                <a:ea typeface="+mn-ea"/>
-                <a:cs typeface="+mn-cs"/>
-              </a:defRPr>
-            </a:lvl6pPr>
-            <a:lvl7pPr marL="3169841" indent="-304792" algn="l" rtl="0" eaLnBrk="1" latinLnBrk="0" hangingPunct="1">
-              <a:spcBef>
-                <a:spcPct val="20000"/>
-              </a:spcBef>
-              <a:buClr>
-                <a:schemeClr val="accent2"/>
-              </a:buClr>
-              <a:buFont typeface="Wingdings"/>
-              <a:buChar char="§"/>
-              <a:defRPr kumimoji="0" sz="2400" kern="1200" baseline="0">
-                <a:solidFill>
-                  <a:schemeClr val="tx1"/>
-                </a:solidFill>
-                <a:latin typeface="+mn-lt"/>
-                <a:ea typeface="+mn-ea"/>
-                <a:cs typeface="+mn-cs"/>
-              </a:defRPr>
-            </a:lvl7pPr>
-            <a:lvl8pPr marL="3535592" indent="-304792" algn="l" rtl="0" eaLnBrk="1" latinLnBrk="0" hangingPunct="1">
-              <a:spcBef>
-                <a:spcPct val="20000"/>
-              </a:spcBef>
-              <a:buClr>
-                <a:schemeClr val="accent3"/>
-              </a:buClr>
-              <a:buFont typeface="Wingdings"/>
-              <a:buChar char="§"/>
-              <a:defRPr kumimoji="0" sz="2400" kern="1200" baseline="0">
-                <a:solidFill>
-                  <a:schemeClr val="tx1"/>
-                </a:solidFill>
-                <a:latin typeface="+mn-lt"/>
-                <a:ea typeface="+mn-ea"/>
-                <a:cs typeface="+mn-cs"/>
-              </a:defRPr>
-            </a:lvl8pPr>
-            <a:lvl9pPr marL="3901342" indent="-304792" algn="l" rtl="0" eaLnBrk="1" latinLnBrk="0" hangingPunct="1">
-              <a:spcBef>
-                <a:spcPct val="20000"/>
-              </a:spcBef>
-              <a:buClr>
-                <a:schemeClr val="accent4"/>
-              </a:buClr>
-              <a:buFont typeface="Wingdings"/>
-              <a:buChar char="§"/>
-              <a:defRPr kumimoji="0" sz="2400" kern="1200" baseline="0">
-                <a:solidFill>
-                  <a:schemeClr val="tx1"/>
-                </a:solidFill>
-                <a:latin typeface="+mn-lt"/>
-                <a:ea typeface="+mn-ea"/>
-                <a:cs typeface="+mn-cs"/>
-              </a:defRPr>
-            </a:lvl9pPr>
-            <a:extLst/>
-          </a:lstStyle>
-          <a:p>
-            <a:pPr lvl="1" defTabSz="914400"/>
-            <a:r>
-              <a:rPr lang="en-US" dirty="0"/>
-              <a:t>Healthcare</a:t>
-            </a:r>
-          </a:p>
-          <a:p>
-            <a:pPr lvl="1" defTabSz="914400"/>
-            <a:r>
-              <a:rPr lang="en-US" dirty="0"/>
-              <a:t>Finance</a:t>
-            </a:r>
-          </a:p>
-          <a:p>
-            <a:pPr lvl="1" defTabSz="914400"/>
-            <a:r>
-              <a:rPr lang="en-US" dirty="0"/>
-              <a:t>E-Commerce</a:t>
-            </a:r>
-          </a:p>
-          <a:p>
-            <a:pPr lvl="1" defTabSz="914400"/>
-            <a:r>
-              <a:rPr lang="en-US" dirty="0"/>
-              <a:t>Non-Profit</a:t>
-            </a:r>
           </a:p>
         </p:txBody>
       </p:sp>
     </p:spTree>
     <p:extLst>
       <p:ext uri="{BB962C8B-B14F-4D97-AF65-F5344CB8AC3E}">
-        <p14:creationId xmlns:p14="http://schemas.microsoft.com/office/powerpoint/2010/main" val="1697107245"/>
+        <p14:creationId xmlns:p14="http://schemas.microsoft.com/office/powerpoint/2010/main" val="2367324778"/>
       </p:ext>
     </p:extLst>
   </p:cSld>
@@ -31727,7 +31571,7 @@
 </file>
 
 <file path=ppt/slides/slide5.xml><?xml version="1.0" encoding="utf-8"?>
-<p:sld xmlns:a="http://schemas.openxmlformats.org/drawingml/2006/main" xmlns:r="http://schemas.openxmlformats.org/officeDocument/2006/relationships" xmlns:p="http://schemas.openxmlformats.org/presentationml/2006/main">
+<p:sld xmlns:a="http://schemas.openxmlformats.org/drawingml/2006/main" xmlns:r="http://schemas.openxmlformats.org/officeDocument/2006/relationships" xmlns:p="http://schemas.openxmlformats.org/presentationml/2006/main" show="0">
   <p:cSld>
     <p:spTree>
       <p:nvGrpSpPr>

--- a/Demystifying-Data-Compression/Data_Compression.pptx
+++ b/Demystifying-Data-Compression/Data_Compression.pptx
@@ -5,67 +5,64 @@
     <p:sldMasterId id="2147483709" r:id="rId1"/>
   </p:sldMasterIdLst>
   <p:notesMasterIdLst>
-    <p:notesMasterId r:id="rId60"/>
+    <p:notesMasterId r:id="rId57"/>
   </p:notesMasterIdLst>
   <p:sldIdLst>
     <p:sldId id="348" r:id="rId2"/>
     <p:sldId id="397" r:id="rId3"/>
-    <p:sldId id="346" r:id="rId4"/>
+    <p:sldId id="399" r:id="rId4"/>
     <p:sldId id="345" r:id="rId5"/>
-    <p:sldId id="349" r:id="rId6"/>
-    <p:sldId id="340" r:id="rId7"/>
-    <p:sldId id="341" r:id="rId8"/>
-    <p:sldId id="344" r:id="rId9"/>
-    <p:sldId id="343" r:id="rId10"/>
-    <p:sldId id="335" r:id="rId11"/>
-    <p:sldId id="336" r:id="rId12"/>
-    <p:sldId id="339" r:id="rId13"/>
-    <p:sldId id="337" r:id="rId14"/>
-    <p:sldId id="256" r:id="rId15"/>
-    <p:sldId id="261" r:id="rId16"/>
-    <p:sldId id="267" r:id="rId17"/>
-    <p:sldId id="307" r:id="rId18"/>
-    <p:sldId id="326" r:id="rId19"/>
-    <p:sldId id="287" r:id="rId20"/>
-    <p:sldId id="289" r:id="rId21"/>
-    <p:sldId id="290" r:id="rId22"/>
-    <p:sldId id="327" r:id="rId23"/>
-    <p:sldId id="266" r:id="rId24"/>
-    <p:sldId id="328" r:id="rId25"/>
-    <p:sldId id="283" r:id="rId26"/>
-    <p:sldId id="297" r:id="rId27"/>
-    <p:sldId id="338" r:id="rId28"/>
-    <p:sldId id="329" r:id="rId29"/>
-    <p:sldId id="269" r:id="rId30"/>
-    <p:sldId id="268" r:id="rId31"/>
-    <p:sldId id="270" r:id="rId32"/>
-    <p:sldId id="279" r:id="rId33"/>
-    <p:sldId id="330" r:id="rId34"/>
-    <p:sldId id="284" r:id="rId35"/>
-    <p:sldId id="271" r:id="rId36"/>
-    <p:sldId id="285" r:id="rId37"/>
-    <p:sldId id="272" r:id="rId38"/>
-    <p:sldId id="273" r:id="rId39"/>
-    <p:sldId id="286" r:id="rId40"/>
-    <p:sldId id="313" r:id="rId41"/>
-    <p:sldId id="309" r:id="rId42"/>
-    <p:sldId id="311" r:id="rId43"/>
-    <p:sldId id="310" r:id="rId44"/>
-    <p:sldId id="312" r:id="rId45"/>
-    <p:sldId id="319" r:id="rId46"/>
-    <p:sldId id="314" r:id="rId47"/>
-    <p:sldId id="316" r:id="rId48"/>
-    <p:sldId id="317" r:id="rId49"/>
-    <p:sldId id="318" r:id="rId50"/>
-    <p:sldId id="320" r:id="rId51"/>
-    <p:sldId id="331" r:id="rId52"/>
-    <p:sldId id="274" r:id="rId53"/>
-    <p:sldId id="298" r:id="rId54"/>
-    <p:sldId id="277" r:id="rId55"/>
-    <p:sldId id="334" r:id="rId56"/>
-    <p:sldId id="321" r:id="rId57"/>
-    <p:sldId id="299" r:id="rId58"/>
-    <p:sldId id="332" r:id="rId59"/>
+    <p:sldId id="344" r:id="rId6"/>
+    <p:sldId id="343" r:id="rId7"/>
+    <p:sldId id="335" r:id="rId8"/>
+    <p:sldId id="336" r:id="rId9"/>
+    <p:sldId id="339" r:id="rId10"/>
+    <p:sldId id="337" r:id="rId11"/>
+    <p:sldId id="256" r:id="rId12"/>
+    <p:sldId id="261" r:id="rId13"/>
+    <p:sldId id="267" r:id="rId14"/>
+    <p:sldId id="307" r:id="rId15"/>
+    <p:sldId id="326" r:id="rId16"/>
+    <p:sldId id="287" r:id="rId17"/>
+    <p:sldId id="289" r:id="rId18"/>
+    <p:sldId id="290" r:id="rId19"/>
+    <p:sldId id="327" r:id="rId20"/>
+    <p:sldId id="266" r:id="rId21"/>
+    <p:sldId id="328" r:id="rId22"/>
+    <p:sldId id="283" r:id="rId23"/>
+    <p:sldId id="297" r:id="rId24"/>
+    <p:sldId id="338" r:id="rId25"/>
+    <p:sldId id="329" r:id="rId26"/>
+    <p:sldId id="269" r:id="rId27"/>
+    <p:sldId id="268" r:id="rId28"/>
+    <p:sldId id="270" r:id="rId29"/>
+    <p:sldId id="279" r:id="rId30"/>
+    <p:sldId id="330" r:id="rId31"/>
+    <p:sldId id="284" r:id="rId32"/>
+    <p:sldId id="271" r:id="rId33"/>
+    <p:sldId id="285" r:id="rId34"/>
+    <p:sldId id="272" r:id="rId35"/>
+    <p:sldId id="273" r:id="rId36"/>
+    <p:sldId id="286" r:id="rId37"/>
+    <p:sldId id="313" r:id="rId38"/>
+    <p:sldId id="309" r:id="rId39"/>
+    <p:sldId id="311" r:id="rId40"/>
+    <p:sldId id="310" r:id="rId41"/>
+    <p:sldId id="312" r:id="rId42"/>
+    <p:sldId id="319" r:id="rId43"/>
+    <p:sldId id="314" r:id="rId44"/>
+    <p:sldId id="316" r:id="rId45"/>
+    <p:sldId id="317" r:id="rId46"/>
+    <p:sldId id="318" r:id="rId47"/>
+    <p:sldId id="398" r:id="rId48"/>
+    <p:sldId id="331" r:id="rId49"/>
+    <p:sldId id="274" r:id="rId50"/>
+    <p:sldId id="298" r:id="rId51"/>
+    <p:sldId id="277" r:id="rId52"/>
+    <p:sldId id="334" r:id="rId53"/>
+    <p:sldId id="321" r:id="rId54"/>
+    <p:sldId id="299" r:id="rId55"/>
+    <p:sldId id="332" r:id="rId56"/>
   </p:sldIdLst>
   <p:sldSz cx="12192000" cy="6858000"/>
   <p:notesSz cx="6858000" cy="9144000"/>
@@ -172,165 +169,222 @@
 </p:presentation>
 </file>
 
+<file path=ppt/revisionInfo.xml><?xml version="1.0" encoding="utf-8"?>
+<p1510:revInfo xmlns:a="http://schemas.openxmlformats.org/drawingml/2006/main" xmlns:r="http://schemas.openxmlformats.org/officeDocument/2006/relationships" xmlns:p1510="http://schemas.microsoft.com/office/powerpoint/2015/10/main">
+  <p1510:revLst>
+    <p1510:client id="{042B3CCA-2A2B-4ECB-B2D6-88FAFD251498}" v="59" dt="2019-06-08T03:56:06.283"/>
+  </p1510:revLst>
+</p1510:revInfo>
+</file>
+
 <file path=ppt/changesInfos/changesInfo1.xml><?xml version="1.0" encoding="utf-8"?>
 <pc:chgInfo xmlns:a="http://schemas.openxmlformats.org/drawingml/2006/main" xmlns:r="http://schemas.openxmlformats.org/officeDocument/2006/relationships" xmlns:ac="http://schemas.microsoft.com/office/drawing/2013/main/command" xmlns:pc="http://schemas.microsoft.com/office/powerpoint/2013/main/command">
   <pc:docChgLst>
     <pc:chgData name="Andy Mallon" userId="0dfd7ab5-17aa-4ac6-b039-e05176edc781" providerId="ADAL" clId="{FEE235FE-B614-4F1C-8C8E-DF9060EA5C02}"/>
-    <pc:docChg chg="delSld modSld">
-      <pc:chgData name="Andy Mallon" userId="0dfd7ab5-17aa-4ac6-b039-e05176edc781" providerId="ADAL" clId="{FEE235FE-B614-4F1C-8C8E-DF9060EA5C02}" dt="2018-01-31T23:00:56.252" v="2"/>
+  </pc:docChgLst>
+  <pc:docChgLst>
+    <pc:chgData name="Andy Mallon" userId="8ed075f77b608d91" providerId="LiveId" clId="{042B3CCA-2A2B-4ECB-B2D6-88FAFD251498}"/>
+    <pc:docChg chg="undo custSel addSld delSld modSld modMainMaster">
+      <pc:chgData name="Andy Mallon" userId="8ed075f77b608d91" providerId="LiveId" clId="{042B3CCA-2A2B-4ECB-B2D6-88FAFD251498}" dt="2019-06-08T03:56:06.197" v="57"/>
       <pc:docMkLst>
         <pc:docMk/>
       </pc:docMkLst>
       <pc:sldChg chg="modTransition">
-        <pc:chgData name="Andy Mallon" userId="0dfd7ab5-17aa-4ac6-b039-e05176edc781" providerId="ADAL" clId="{FEE235FE-B614-4F1C-8C8E-DF9060EA5C02}" dt="2018-01-31T23:00:56.252" v="2"/>
-        <pc:sldMkLst>
-          <pc:docMk/>
-          <pc:sldMk cId="744002627" sldId="343"/>
-        </pc:sldMkLst>
-      </pc:sldChg>
-      <pc:sldChg chg="modTransition">
-        <pc:chgData name="Andy Mallon" userId="0dfd7ab5-17aa-4ac6-b039-e05176edc781" providerId="ADAL" clId="{FEE235FE-B614-4F1C-8C8E-DF9060EA5C02}" dt="2018-01-31T23:00:50.681" v="1"/>
-        <pc:sldMkLst>
-          <pc:docMk/>
-          <pc:sldMk cId="40638036" sldId="344"/>
-        </pc:sldMkLst>
-      </pc:sldChg>
-    </pc:docChg>
-  </pc:docChgLst>
-  <pc:docChgLst>
-    <pc:chgData name="Andy Mallon" userId="0dfd7ab5-17aa-4ac6-b039-e05176edc781" providerId="ADAL" clId="{6E352BDA-D723-4A8D-8367-44E56F068558}"/>
-    <pc:docChg chg="undo addSld delSld modSld">
-      <pc:chgData name="Andy Mallon" userId="0dfd7ab5-17aa-4ac6-b039-e05176edc781" providerId="ADAL" clId="{6E352BDA-D723-4A8D-8367-44E56F068558}" dt="2018-04-07T20:22:51.582" v="19"/>
-      <pc:docMkLst>
-        <pc:docMk/>
-      </pc:docMkLst>
-      <pc:sldChg chg="add">
-        <pc:chgData name="Andy Mallon" userId="0dfd7ab5-17aa-4ac6-b039-e05176edc781" providerId="ADAL" clId="{6E352BDA-D723-4A8D-8367-44E56F068558}" dt="2018-04-07T20:22:39.015" v="18"/>
-        <pc:sldMkLst>
-          <pc:docMk/>
-          <pc:sldMk cId="2509196440" sldId="256"/>
-        </pc:sldMkLst>
-      </pc:sldChg>
-      <pc:sldChg chg="add del">
-        <pc:chgData name="Andy Mallon" userId="0dfd7ab5-17aa-4ac6-b039-e05176edc781" providerId="ADAL" clId="{6E352BDA-D723-4A8D-8367-44E56F068558}" dt="2018-04-07T20:22:24.792" v="16" actId="2696"/>
-        <pc:sldMkLst>
-          <pc:docMk/>
-          <pc:sldMk cId="2739607986" sldId="256"/>
-        </pc:sldMkLst>
-      </pc:sldChg>
-      <pc:sldChg chg="add del">
-        <pc:chgData name="Andy Mallon" userId="0dfd7ab5-17aa-4ac6-b039-e05176edc781" providerId="ADAL" clId="{6E352BDA-D723-4A8D-8367-44E56F068558}" dt="2018-04-07T20:22:13.669" v="9" actId="2696"/>
-        <pc:sldMkLst>
-          <pc:docMk/>
-          <pc:sldMk cId="1697107245" sldId="322"/>
-        </pc:sldMkLst>
-      </pc:sldChg>
-      <pc:sldChg chg="add">
-        <pc:chgData name="Andy Mallon" userId="0dfd7ab5-17aa-4ac6-b039-e05176edc781" providerId="ADAL" clId="{6E352BDA-D723-4A8D-8367-44E56F068558}" dt="2018-04-07T20:22:39.015" v="18"/>
+        <pc:chgData name="Andy Mallon" userId="8ed075f77b608d91" providerId="LiveId" clId="{042B3CCA-2A2B-4ECB-B2D6-88FAFD251498}" dt="2019-06-08T03:54:09.180" v="54"/>
         <pc:sldMkLst>
           <pc:docMk/>
           <pc:sldMk cId="549013391" sldId="335"/>
         </pc:sldMkLst>
       </pc:sldChg>
-      <pc:sldChg chg="del">
-        <pc:chgData name="Andy Mallon" userId="0dfd7ab5-17aa-4ac6-b039-e05176edc781" providerId="ADAL" clId="{6E352BDA-D723-4A8D-8367-44E56F068558}" dt="2018-04-07T20:22:24.743" v="12" actId="2696"/>
-        <pc:sldMkLst>
-          <pc:docMk/>
-          <pc:sldMk cId="1270760163" sldId="335"/>
-        </pc:sldMkLst>
-      </pc:sldChg>
-      <pc:sldChg chg="add">
-        <pc:chgData name="Andy Mallon" userId="0dfd7ab5-17aa-4ac6-b039-e05176edc781" providerId="ADAL" clId="{6E352BDA-D723-4A8D-8367-44E56F068558}" dt="2018-04-07T20:22:39.015" v="18"/>
+      <pc:sldChg chg="modTransition">
+        <pc:chgData name="Andy Mallon" userId="8ed075f77b608d91" providerId="LiveId" clId="{042B3CCA-2A2B-4ECB-B2D6-88FAFD251498}" dt="2019-06-08T03:54:09.180" v="54"/>
         <pc:sldMkLst>
           <pc:docMk/>
           <pc:sldMk cId="378969601" sldId="336"/>
         </pc:sldMkLst>
       </pc:sldChg>
-      <pc:sldChg chg="del">
-        <pc:chgData name="Andy Mallon" userId="0dfd7ab5-17aa-4ac6-b039-e05176edc781" providerId="ADAL" clId="{6E352BDA-D723-4A8D-8367-44E56F068558}" dt="2018-04-07T20:22:24.755" v="13" actId="2696"/>
-        <pc:sldMkLst>
-          <pc:docMk/>
-          <pc:sldMk cId="839309899" sldId="336"/>
-        </pc:sldMkLst>
-      </pc:sldChg>
-      <pc:sldChg chg="del">
-        <pc:chgData name="Andy Mallon" userId="0dfd7ab5-17aa-4ac6-b039-e05176edc781" providerId="ADAL" clId="{6E352BDA-D723-4A8D-8367-44E56F068558}" dt="2018-04-07T20:22:24.775" v="15" actId="2696"/>
-        <pc:sldMkLst>
-          <pc:docMk/>
-          <pc:sldMk cId="2305406425" sldId="337"/>
-        </pc:sldMkLst>
-      </pc:sldChg>
-      <pc:sldChg chg="add">
-        <pc:chgData name="Andy Mallon" userId="0dfd7ab5-17aa-4ac6-b039-e05176edc781" providerId="ADAL" clId="{6E352BDA-D723-4A8D-8367-44E56F068558}" dt="2018-04-07T20:22:39.015" v="18"/>
+      <pc:sldChg chg="modTransition">
+        <pc:chgData name="Andy Mallon" userId="8ed075f77b608d91" providerId="LiveId" clId="{042B3CCA-2A2B-4ECB-B2D6-88FAFD251498}" dt="2019-06-08T03:54:09.180" v="54"/>
         <pc:sldMkLst>
           <pc:docMk/>
           <pc:sldMk cId="4194298386" sldId="337"/>
         </pc:sldMkLst>
       </pc:sldChg>
-      <pc:sldChg chg="add">
-        <pc:chgData name="Andy Mallon" userId="0dfd7ab5-17aa-4ac6-b039-e05176edc781" providerId="ADAL" clId="{6E352BDA-D723-4A8D-8367-44E56F068558}" dt="2018-04-07T20:22:39.015" v="18"/>
+      <pc:sldChg chg="modTransition">
+        <pc:chgData name="Andy Mallon" userId="8ed075f77b608d91" providerId="LiveId" clId="{042B3CCA-2A2B-4ECB-B2D6-88FAFD251498}" dt="2019-06-08T03:54:09.180" v="54"/>
         <pc:sldMkLst>
           <pc:docMk/>
           <pc:sldMk cId="465045979" sldId="339"/>
         </pc:sldMkLst>
       </pc:sldChg>
-      <pc:sldChg chg="del">
-        <pc:chgData name="Andy Mallon" userId="0dfd7ab5-17aa-4ac6-b039-e05176edc781" providerId="ADAL" clId="{6E352BDA-D723-4A8D-8367-44E56F068558}" dt="2018-04-07T20:22:24.765" v="14" actId="2696"/>
-        <pc:sldMkLst>
-          <pc:docMk/>
-          <pc:sldMk cId="1953567603" sldId="339"/>
-        </pc:sldMkLst>
-      </pc:sldChg>
-      <pc:sldChg chg="del">
-        <pc:chgData name="Andy Mallon" userId="0dfd7ab5-17aa-4ac6-b039-e05176edc781" providerId="ADAL" clId="{6E352BDA-D723-4A8D-8367-44E56F068558}" dt="2018-04-07T20:21:22.011" v="1" actId="2696"/>
-        <pc:sldMkLst>
-          <pc:docMk/>
-          <pc:sldMk cId="242078354" sldId="342"/>
-        </pc:sldMkLst>
-      </pc:sldChg>
-      <pc:sldChg chg="modTransition">
-        <pc:chgData name="Andy Mallon" userId="0dfd7ab5-17aa-4ac6-b039-e05176edc781" providerId="ADAL" clId="{6E352BDA-D723-4A8D-8367-44E56F068558}" dt="2018-04-07T20:22:36.101" v="17"/>
-        <pc:sldMkLst>
-          <pc:docMk/>
-          <pc:sldMk cId="744002627" sldId="343"/>
-        </pc:sldMkLst>
-      </pc:sldChg>
-      <pc:sldChg chg="modTransition">
-        <pc:chgData name="Andy Mallon" userId="0dfd7ab5-17aa-4ac6-b039-e05176edc781" providerId="ADAL" clId="{6E352BDA-D723-4A8D-8367-44E56F068558}" dt="2018-04-07T20:22:51.582" v="19"/>
-        <pc:sldMkLst>
-          <pc:docMk/>
-          <pc:sldMk cId="40638036" sldId="344"/>
-        </pc:sldMkLst>
-      </pc:sldChg>
-      <pc:sldChg chg="add del">
-        <pc:chgData name="Andy Mallon" userId="0dfd7ab5-17aa-4ac6-b039-e05176edc781" providerId="ADAL" clId="{6E352BDA-D723-4A8D-8367-44E56F068558}" dt="2018-04-07T20:22:13.676" v="11" actId="2696"/>
+      <pc:sldChg chg="modSp">
+        <pc:chgData name="Andy Mallon" userId="8ed075f77b608d91" providerId="LiveId" clId="{042B3CCA-2A2B-4ECB-B2D6-88FAFD251498}" dt="2019-03-30T11:32:19.350" v="50" actId="14100"/>
         <pc:sldMkLst>
           <pc:docMk/>
           <pc:sldMk cId="125486011" sldId="345"/>
         </pc:sldMkLst>
+        <pc:spChg chg="mod">
+          <ac:chgData name="Andy Mallon" userId="8ed075f77b608d91" providerId="LiveId" clId="{042B3CCA-2A2B-4ECB-B2D6-88FAFD251498}" dt="2019-03-30T11:32:19.350" v="50" actId="14100"/>
+          <ac:spMkLst>
+            <pc:docMk/>
+            <pc:sldMk cId="125486011" sldId="345"/>
+            <ac:spMk id="22" creationId="{00000000-0000-0000-0000-000000000000}"/>
+          </ac:spMkLst>
+        </pc:spChg>
+        <pc:spChg chg="mod">
+          <ac:chgData name="Andy Mallon" userId="8ed075f77b608d91" providerId="LiveId" clId="{042B3CCA-2A2B-4ECB-B2D6-88FAFD251498}" dt="2019-03-30T11:30:46.305" v="29" actId="20577"/>
+          <ac:spMkLst>
+            <pc:docMk/>
+            <pc:sldMk cId="125486011" sldId="345"/>
+            <ac:spMk id="25" creationId="{975F2E7A-D074-4084-80D5-8F527A1BBD15}"/>
+          </ac:spMkLst>
+        </pc:spChg>
       </pc:sldChg>
-      <pc:sldChg chg="add del">
-        <pc:chgData name="Andy Mallon" userId="0dfd7ab5-17aa-4ac6-b039-e05176edc781" providerId="ADAL" clId="{6E352BDA-D723-4A8D-8367-44E56F068558}" dt="2018-04-07T20:22:13.666" v="8" actId="2696"/>
+      <pc:sldChg chg="addSp delSp modSp del modAnim">
+        <pc:chgData name="Andy Mallon" userId="8ed075f77b608d91" providerId="LiveId" clId="{042B3CCA-2A2B-4ECB-B2D6-88FAFD251498}" dt="2019-06-08T03:56:06.197" v="57"/>
         <pc:sldMkLst>
           <pc:docMk/>
-          <pc:sldMk cId="3204892330" sldId="346"/>
+          <pc:sldMk cId="997461396" sldId="362"/>
         </pc:sldMkLst>
+        <pc:grpChg chg="mod topLvl">
+          <ac:chgData name="Andy Mallon" userId="8ed075f77b608d91" providerId="LiveId" clId="{042B3CCA-2A2B-4ECB-B2D6-88FAFD251498}" dt="2019-06-08T03:55:02.371" v="56" actId="165"/>
+          <ac:grpSpMkLst>
+            <pc:docMk/>
+            <pc:sldMk cId="997461396" sldId="362"/>
+            <ac:grpSpMk id="511" creationId="{6D774B7D-799F-4B30-BD3F-B8CEAA8B7914}"/>
+          </ac:grpSpMkLst>
+        </pc:grpChg>
+        <pc:grpChg chg="mod topLvl">
+          <ac:chgData name="Andy Mallon" userId="8ed075f77b608d91" providerId="LiveId" clId="{042B3CCA-2A2B-4ECB-B2D6-88FAFD251498}" dt="2019-06-08T03:55:02.371" v="56" actId="165"/>
+          <ac:grpSpMkLst>
+            <pc:docMk/>
+            <pc:sldMk cId="997461396" sldId="362"/>
+            <ac:grpSpMk id="512" creationId="{133DE7CD-73AA-4579-BC61-1D59C23A318E}"/>
+          </ac:grpSpMkLst>
+        </pc:grpChg>
+        <pc:grpChg chg="add del mod">
+          <ac:chgData name="Andy Mallon" userId="8ed075f77b608d91" providerId="LiveId" clId="{042B3CCA-2A2B-4ECB-B2D6-88FAFD251498}" dt="2019-06-08T03:55:02.371" v="56" actId="165"/>
+          <ac:grpSpMkLst>
+            <pc:docMk/>
+            <pc:sldMk cId="997461396" sldId="362"/>
+            <ac:grpSpMk id="754" creationId="{240C2094-62C6-4A9C-8B91-64DDB5C0C1DF}"/>
+          </ac:grpSpMkLst>
+        </pc:grpChg>
       </pc:sldChg>
-      <pc:sldChg chg="del">
-        <pc:chgData name="Andy Mallon" userId="0dfd7ab5-17aa-4ac6-b039-e05176edc781" providerId="ADAL" clId="{6E352BDA-D723-4A8D-8367-44E56F068558}" dt="2018-04-07T20:21:41.510" v="3" actId="2696"/>
+      <pc:sldChg chg="addSp delSp modSp add modTransition delAnim modAnim">
+        <pc:chgData name="Andy Mallon" userId="8ed075f77b608d91" providerId="LiveId" clId="{042B3CCA-2A2B-4ECB-B2D6-88FAFD251498}" dt="2019-03-30T11:30:29.015" v="23"/>
         <pc:sldMkLst>
           <pc:docMk/>
-          <pc:sldMk cId="3650232302" sldId="347"/>
+          <pc:sldMk cId="1602673492" sldId="399"/>
         </pc:sldMkLst>
+        <pc:grpChg chg="del">
+          <ac:chgData name="Andy Mallon" userId="8ed075f77b608d91" providerId="LiveId" clId="{042B3CCA-2A2B-4ECB-B2D6-88FAFD251498}" dt="2019-03-30T11:27:45.527" v="4" actId="478"/>
+          <ac:grpSpMkLst>
+            <pc:docMk/>
+            <pc:sldMk cId="1602673492" sldId="399"/>
+            <ac:grpSpMk id="15" creationId="{00000000-0000-0000-0000-000000000000}"/>
+          </ac:grpSpMkLst>
+        </pc:grpChg>
+        <pc:picChg chg="del">
+          <ac:chgData name="Andy Mallon" userId="8ed075f77b608d91" providerId="LiveId" clId="{042B3CCA-2A2B-4ECB-B2D6-88FAFD251498}" dt="2019-03-30T11:29:44.947" v="20" actId="478"/>
+          <ac:picMkLst>
+            <pc:docMk/>
+            <pc:sldMk cId="1602673492" sldId="399"/>
+            <ac:picMk id="2" creationId="{00000000-0000-0000-0000-000000000000}"/>
+          </ac:picMkLst>
+        </pc:picChg>
+        <pc:picChg chg="del">
+          <ac:chgData name="Andy Mallon" userId="8ed075f77b608d91" providerId="LiveId" clId="{042B3CCA-2A2B-4ECB-B2D6-88FAFD251498}" dt="2019-03-30T11:29:46.768" v="21" actId="478"/>
+          <ac:picMkLst>
+            <pc:docMk/>
+            <pc:sldMk cId="1602673492" sldId="399"/>
+            <ac:picMk id="3" creationId="{00000000-0000-0000-0000-000000000000}"/>
+          </ac:picMkLst>
+        </pc:picChg>
+        <pc:picChg chg="del">
+          <ac:chgData name="Andy Mallon" userId="8ed075f77b608d91" providerId="LiveId" clId="{042B3CCA-2A2B-4ECB-B2D6-88FAFD251498}" dt="2019-03-30T11:27:47.210" v="5" actId="478"/>
+          <ac:picMkLst>
+            <pc:docMk/>
+            <pc:sldMk cId="1602673492" sldId="399"/>
+            <ac:picMk id="4" creationId="{00000000-0000-0000-0000-000000000000}"/>
+          </ac:picMkLst>
+        </pc:picChg>
+        <pc:picChg chg="del">
+          <ac:chgData name="Andy Mallon" userId="8ed075f77b608d91" providerId="LiveId" clId="{042B3CCA-2A2B-4ECB-B2D6-88FAFD251498}" dt="2019-03-30T11:27:48.843" v="6" actId="478"/>
+          <ac:picMkLst>
+            <pc:docMk/>
+            <pc:sldMk cId="1602673492" sldId="399"/>
+            <ac:picMk id="8" creationId="{00000000-0000-0000-0000-000000000000}"/>
+          </ac:picMkLst>
+        </pc:picChg>
+        <pc:picChg chg="add mod modCrop">
+          <ac:chgData name="Andy Mallon" userId="8ed075f77b608d91" providerId="LiveId" clId="{042B3CCA-2A2B-4ECB-B2D6-88FAFD251498}" dt="2019-03-30T11:29:15.482" v="17" actId="732"/>
+          <ac:picMkLst>
+            <pc:docMk/>
+            <pc:sldMk cId="1602673492" sldId="399"/>
+            <ac:picMk id="9" creationId="{3DB53842-78CA-4F6E-A1F6-491D1C00734E}"/>
+          </ac:picMkLst>
+        </pc:picChg>
+        <pc:picChg chg="ord">
+          <ac:chgData name="Andy Mallon" userId="8ed075f77b608d91" providerId="LiveId" clId="{042B3CCA-2A2B-4ECB-B2D6-88FAFD251498}" dt="2019-03-30T11:29:43.425" v="19" actId="167"/>
+          <ac:picMkLst>
+            <pc:docMk/>
+            <pc:sldMk cId="1602673492" sldId="399"/>
+            <ac:picMk id="16" creationId="{00000000-0000-0000-0000-000000000000}"/>
+          </ac:picMkLst>
+        </pc:picChg>
+        <pc:picChg chg="mod">
+          <ac:chgData name="Andy Mallon" userId="8ed075f77b608d91" providerId="LiveId" clId="{042B3CCA-2A2B-4ECB-B2D6-88FAFD251498}" dt="2019-03-30T11:28:54.275" v="14" actId="1076"/>
+          <ac:picMkLst>
+            <pc:docMk/>
+            <pc:sldMk cId="1602673492" sldId="399"/>
+            <ac:picMk id="17" creationId="{00000000-0000-0000-0000-000000000000}"/>
+          </ac:picMkLst>
+        </pc:picChg>
+        <pc:picChg chg="ord">
+          <ac:chgData name="Andy Mallon" userId="8ed075f77b608d91" providerId="LiveId" clId="{042B3CCA-2A2B-4ECB-B2D6-88FAFD251498}" dt="2019-03-30T11:29:40.384" v="18" actId="167"/>
+          <ac:picMkLst>
+            <pc:docMk/>
+            <pc:sldMk cId="1602673492" sldId="399"/>
+            <ac:picMk id="18" creationId="{00000000-0000-0000-0000-000000000000}"/>
+          </ac:picMkLst>
+        </pc:picChg>
+        <pc:picChg chg="del">
+          <ac:chgData name="Andy Mallon" userId="8ed075f77b608d91" providerId="LiveId" clId="{042B3CCA-2A2B-4ECB-B2D6-88FAFD251498}" dt="2019-03-30T11:27:51.528" v="7" actId="478"/>
+          <ac:picMkLst>
+            <pc:docMk/>
+            <pc:sldMk cId="1602673492" sldId="399"/>
+            <ac:picMk id="20" creationId="{00000000-0000-0000-0000-000000000000}"/>
+          </ac:picMkLst>
+        </pc:picChg>
       </pc:sldChg>
-      <pc:sldChg chg="add">
-        <pc:chgData name="Andy Mallon" userId="0dfd7ab5-17aa-4ac6-b039-e05176edc781" providerId="ADAL" clId="{6E352BDA-D723-4A8D-8367-44E56F068558}" dt="2018-04-07T20:21:33.165" v="2"/>
-        <pc:sldMkLst>
+      <pc:sldMasterChg chg="modSp">
+        <pc:chgData name="Andy Mallon" userId="8ed075f77b608d91" providerId="LiveId" clId="{042B3CCA-2A2B-4ECB-B2D6-88FAFD251498}" dt="2019-03-30T11:31:42.420" v="49" actId="14100"/>
+        <pc:sldMasterMkLst>
           <pc:docMk/>
-          <pc:sldMk cId="1347250992" sldId="349"/>
-        </pc:sldMkLst>
-      </pc:sldChg>
+          <pc:sldMasterMk cId="3254948153" sldId="2147483709"/>
+        </pc:sldMasterMkLst>
+        <pc:spChg chg="mod">
+          <ac:chgData name="Andy Mallon" userId="8ed075f77b608d91" providerId="LiveId" clId="{042B3CCA-2A2B-4ECB-B2D6-88FAFD251498}" dt="2019-03-30T11:31:42.420" v="49" actId="14100"/>
+          <ac:spMkLst>
+            <pc:docMk/>
+            <pc:sldMasterMk cId="3254948153" sldId="2147483709"/>
+            <ac:spMk id="19" creationId="{00000000-0000-0000-0000-000000000000}"/>
+          </ac:spMkLst>
+        </pc:spChg>
+        <pc:spChg chg="mod">
+          <ac:chgData name="Andy Mallon" userId="8ed075f77b608d91" providerId="LiveId" clId="{042B3CCA-2A2B-4ECB-B2D6-88FAFD251498}" dt="2019-03-30T11:31:31.654" v="44" actId="20577"/>
+          <ac:spMkLst>
+            <pc:docMk/>
+            <pc:sldMasterMk cId="3254948153" sldId="2147483709"/>
+            <ac:spMk id="20" creationId="{00000000-0000-0000-0000-000000000000}"/>
+          </ac:spMkLst>
+        </pc:spChg>
+      </pc:sldMasterChg>
     </pc:docChg>
+  </pc:docChgLst>
+  <pc:docChgLst>
+    <pc:chgData name="Andy Mallon" userId="0dfd7ab5-17aa-4ac6-b039-e05176edc781" providerId="ADAL" clId="{6E352BDA-D723-4A8D-8367-44E56F068558}"/>
   </pc:docChgLst>
 </pc:chgInfo>
 </file>
@@ -417,7 +471,7 @@
           <a:p>
             <a:fld id="{29813C8A-11F9-4768-B07B-C8C4017109A6}" type="datetimeFigureOut">
               <a:rPr lang="en-US" smtClean="0"/>
-              <a:t>1/15/2019</a:t>
+              <a:t>2019-06-07</a:t>
             </a:fld>
             <a:endParaRPr lang="en-US"/>
           </a:p>
@@ -874,8 +928,31 @@
           <a:p>
             <a:r>
               <a:rPr lang="en-US" dirty="0"/>
-              <a:t>We won’t cover every demo script I have—we’ll cover a few, and I’ll give you the rest to explore on your own.</a:t>
-            </a:r>
+              <a:t>Query engine reads from memory.</a:t>
+            </a:r>
+          </a:p>
+          <a:p>
+            <a:r>
+              <a:rPr lang="en-US" dirty="0"/>
+              <a:t>If the</a:t>
+            </a:r>
+            <a:r>
+              <a:rPr lang="en-US" baseline="0" dirty="0"/>
+              <a:t> page isn’t in memory, it’s read from disk into memory…. Then the query engine reads from memory.</a:t>
+            </a:r>
+          </a:p>
+          <a:p>
+            <a:r>
+              <a:rPr lang="en-US" baseline="0" dirty="0"/>
+              <a:t>Regardless, the page is compressed (or not compressed) the same in memory and on disk</a:t>
+            </a:r>
+          </a:p>
+          <a:p>
+            <a:r>
+              <a:rPr lang="en-US" baseline="0" dirty="0"/>
+              <a:t>Starting in 2016 SP1, compression is available in all editions.  Note, you can start compression indexes in Standard or Enterprise Edition, but note that its still not an ONLINE operation unless you’re on Enterprise</a:t>
+            </a:r>
+            <a:endParaRPr lang="en-US" dirty="0"/>
           </a:p>
         </p:txBody>
       </p:sp>
@@ -896,7 +973,7 @@
           <a:p>
             <a:fld id="{C896673D-A7D2-47E4-9E64-948C4CAFD549}" type="slidenum">
               <a:rPr lang="en-US" smtClean="0"/>
-              <a:t>16</a:t>
+              <a:t>20</a:t>
             </a:fld>
             <a:endParaRPr lang="en-US"/>
           </a:p>
@@ -905,7 +982,7 @@
     </p:spTree>
     <p:extLst>
       <p:ext uri="{BB962C8B-B14F-4D97-AF65-F5344CB8AC3E}">
-        <p14:creationId xmlns:p14="http://schemas.microsoft.com/office/powerpoint/2010/main" val="1804979556"/>
+        <p14:creationId xmlns:p14="http://schemas.microsoft.com/office/powerpoint/2010/main" val="3402943972"/>
       </p:ext>
     </p:extLst>
   </p:cSld>
@@ -961,24 +1038,11 @@
           <a:p>
             <a:r>
               <a:rPr lang="en-US" dirty="0"/>
-              <a:t>These are the pages we’re talking about when we talk compression.</a:t>
-            </a:r>
-          </a:p>
-          <a:p>
-            <a:r>
-              <a:rPr lang="en-US" dirty="0"/>
-              <a:t>Only</a:t>
+              <a:t>Notice</a:t>
             </a:r>
             <a:r>
               <a:rPr lang="en-US" baseline="0" dirty="0"/>
-              <a:t> the LEAF PAGES get compressed in a B Tree Index</a:t>
-            </a:r>
-            <a:br>
-              <a:rPr lang="en-US" baseline="0" dirty="0"/>
-            </a:br>
-            <a:r>
-              <a:rPr lang="en-US" baseline="0" dirty="0"/>
-              <a:t>Everything is ordered. It’s easy to find by traversing the tree. You can find any row in just 3 reads.   EXAMPLE: MAINE</a:t>
+              <a:t> I say USUALLY takes less space. It’s that whole “It Depends” thing. More on that later</a:t>
             </a:r>
             <a:endParaRPr lang="en-US" dirty="0"/>
           </a:p>
@@ -1001,7 +1065,7 @@
           <a:p>
             <a:fld id="{C896673D-A7D2-47E4-9E64-948C4CAFD549}" type="slidenum">
               <a:rPr lang="en-US" smtClean="0"/>
-              <a:t>20</a:t>
+              <a:t>22</a:t>
             </a:fld>
             <a:endParaRPr lang="en-US"/>
           </a:p>
@@ -1010,7 +1074,7 @@
     </p:spTree>
     <p:extLst>
       <p:ext uri="{BB962C8B-B14F-4D97-AF65-F5344CB8AC3E}">
-        <p14:creationId xmlns:p14="http://schemas.microsoft.com/office/powerpoint/2010/main" val="2987885101"/>
+        <p14:creationId xmlns:p14="http://schemas.microsoft.com/office/powerpoint/2010/main" val="4018296810"/>
       </p:ext>
     </p:extLst>
   </p:cSld>
@@ -1066,18 +1130,28 @@
           <a:p>
             <a:r>
               <a:rPr lang="en-US" dirty="0"/>
-              <a:t>It’s unordered. It’s harder</a:t>
+              <a:t>Because</a:t>
             </a:r>
             <a:r>
               <a:rPr lang="en-US" baseline="0" dirty="0"/>
-              <a:t> to find the row you want.</a:t>
+              <a:t> it’s the SAME PAGE on memory &amp; on disk, these two bullets are really saying the same thing</a:t>
             </a:r>
             <a:br>
               <a:rPr lang="en-US" baseline="0" dirty="0"/>
             </a:br>
-            <a:r>
+            <a:br>
               <a:rPr lang="en-US" baseline="0" dirty="0"/>
-              <a:t>But for our purposes today, it’s similar to the leaf level of a B-Tree</a:t>
+            </a:br>
+            <a:r>
+              <a:rPr lang="en-US" baseline="0" dirty="0"/>
+              <a:t>No longer Enterprise only if (only if) you are on 2016 SP1+</a:t>
+            </a:r>
+            <a:br>
+              <a:rPr lang="en-US" baseline="0" dirty="0"/>
+            </a:br>
+            <a:r>
+              <a:rPr lang="en-US" baseline="0" dirty="0"/>
+              <a:t>The list of cons is pretty short. </a:t>
             </a:r>
             <a:endParaRPr lang="en-US" dirty="0"/>
           </a:p>
@@ -1100,7 +1174,7 @@
           <a:p>
             <a:fld id="{C896673D-A7D2-47E4-9E64-948C4CAFD549}" type="slidenum">
               <a:rPr lang="en-US" smtClean="0"/>
-              <a:t>21</a:t>
+              <a:t>26</a:t>
             </a:fld>
             <a:endParaRPr lang="en-US"/>
           </a:p>
@@ -1109,7 +1183,7 @@
     </p:spTree>
     <p:extLst>
       <p:ext uri="{BB962C8B-B14F-4D97-AF65-F5344CB8AC3E}">
-        <p14:creationId xmlns:p14="http://schemas.microsoft.com/office/powerpoint/2010/main" val="1766908828"/>
+        <p14:creationId xmlns:p14="http://schemas.microsoft.com/office/powerpoint/2010/main" val="1276188074"/>
       </p:ext>
     </p:extLst>
   </p:cSld>
@@ -1164,30 +1238,16 @@
           <a:lstStyle/>
           <a:p>
             <a:r>
-              <a:rPr lang="en-US" dirty="0"/>
-              <a:t>Query engine reads from memory.</a:t>
-            </a:r>
-          </a:p>
-          <a:p>
-            <a:r>
-              <a:rPr lang="en-US" dirty="0"/>
-              <a:t>If the</a:t>
-            </a:r>
-            <a:r>
               <a:rPr lang="en-US" baseline="0" dirty="0"/>
-              <a:t> page isn’t in memory, it’s read from disk into memory…. Then the query engine reads from memory.</a:t>
-            </a:r>
-          </a:p>
-          <a:p>
-            <a:r>
-              <a:rPr lang="en-US" baseline="0" dirty="0"/>
-              <a:t>Regardless, the page is compressed (or not compressed) the same in memory and on disk</a:t>
-            </a:r>
-          </a:p>
-          <a:p>
-            <a:r>
-              <a:rPr lang="en-US" baseline="0" dirty="0"/>
-              <a:t>Starting in 2016 SP1, compression is available in all editions.  Note, you can start compression indexes in Standard or Enterprise Edition, but note that its still not an ONLINE operation unless you’re on Enterprise</a:t>
+              <a:t>I stress </a:t>
+            </a:r>
+            <a:r>
+              <a:rPr lang="en-US" b="1" baseline="0" dirty="0"/>
+              <a:t>USABLE</a:t>
+            </a:r>
+            <a:r>
+              <a:rPr lang="en-US" b="0" baseline="0" dirty="0"/>
+              <a:t> TB. Enterprise SAN uses hot spares, RAID 10</a:t>
             </a:r>
             <a:endParaRPr lang="en-US" dirty="0"/>
           </a:p>
@@ -1210,7 +1270,7 @@
           <a:p>
             <a:fld id="{C896673D-A7D2-47E4-9E64-948C4CAFD549}" type="slidenum">
               <a:rPr lang="en-US" smtClean="0"/>
-              <a:t>23</a:t>
+              <a:t>27</a:t>
             </a:fld>
             <a:endParaRPr lang="en-US"/>
           </a:p>
@@ -1219,7 +1279,7 @@
     </p:spTree>
     <p:extLst>
       <p:ext uri="{BB962C8B-B14F-4D97-AF65-F5344CB8AC3E}">
-        <p14:creationId xmlns:p14="http://schemas.microsoft.com/office/powerpoint/2010/main" val="3402943972"/>
+        <p14:creationId xmlns:p14="http://schemas.microsoft.com/office/powerpoint/2010/main" val="3148704580"/>
       </p:ext>
     </p:extLst>
   </p:cSld>
@@ -1275,11 +1335,18 @@
           <a:p>
             <a:r>
               <a:rPr lang="en-US" dirty="0"/>
-              <a:t>Notice</a:t>
+              <a:t>If you can make</a:t>
             </a:r>
             <a:r>
               <a:rPr lang="en-US" baseline="0" dirty="0"/>
-              <a:t> I say USUALLY takes less space. It’s that whole “It Depends” thing. More on that later</a:t>
+              <a:t> your database require less disk space, you can save LOTS of money. </a:t>
+            </a:r>
+            <a:br>
+              <a:rPr lang="en-US" baseline="0" dirty="0"/>
+            </a:br>
+            <a:r>
+              <a:rPr lang="en-US" baseline="0" dirty="0"/>
+              <a:t>If you go to your CIO and say “I can save you $100,000 in storage costs.” You’ll look REALLY good.</a:t>
             </a:r>
             <a:endParaRPr lang="en-US" dirty="0"/>
           </a:p>
@@ -1302,7 +1369,7 @@
           <a:p>
             <a:fld id="{C896673D-A7D2-47E4-9E64-948C4CAFD549}" type="slidenum">
               <a:rPr lang="en-US" smtClean="0"/>
-              <a:t>25</a:t>
+              <a:t>28</a:t>
             </a:fld>
             <a:endParaRPr lang="en-US"/>
           </a:p>
@@ -1311,7 +1378,7 @@
     </p:spTree>
     <p:extLst>
       <p:ext uri="{BB962C8B-B14F-4D97-AF65-F5344CB8AC3E}">
-        <p14:creationId xmlns:p14="http://schemas.microsoft.com/office/powerpoint/2010/main" val="4018296810"/>
+        <p14:creationId xmlns:p14="http://schemas.microsoft.com/office/powerpoint/2010/main" val="2162890126"/>
       </p:ext>
     </p:extLst>
   </p:cSld>
@@ -1367,30 +1434,8 @@
           <a:p>
             <a:r>
               <a:rPr lang="en-US" dirty="0"/>
-              <a:t>Because</a:t>
-            </a:r>
-            <a:r>
-              <a:rPr lang="en-US" baseline="0" dirty="0"/>
-              <a:t> it’s the SAME PAGE on memory &amp; on disk, these two bullets are really saying the same thing</a:t>
-            </a:r>
-            <a:br>
-              <a:rPr lang="en-US" baseline="0" dirty="0"/>
-            </a:br>
-            <a:br>
-              <a:rPr lang="en-US" baseline="0" dirty="0"/>
-            </a:br>
-            <a:r>
-              <a:rPr lang="en-US" baseline="0" dirty="0"/>
-              <a:t>No longer Enterprise only if (only if) you are on 2016 SP1+</a:t>
-            </a:r>
-            <a:br>
-              <a:rPr lang="en-US" baseline="0" dirty="0"/>
-            </a:br>
-            <a:r>
-              <a:rPr lang="en-US" baseline="0" dirty="0"/>
-              <a:t>The list of cons is pretty short. </a:t>
-            </a:r>
-            <a:endParaRPr lang="en-US" dirty="0"/>
+              <a:t>Not sure what the power pellets are…. Business Requirements?</a:t>
+            </a:r>
           </a:p>
         </p:txBody>
       </p:sp>
@@ -1420,7 +1465,7 @@
     </p:spTree>
     <p:extLst>
       <p:ext uri="{BB962C8B-B14F-4D97-AF65-F5344CB8AC3E}">
-        <p14:creationId xmlns:p14="http://schemas.microsoft.com/office/powerpoint/2010/main" val="1276188074"/>
+        <p14:creationId xmlns:p14="http://schemas.microsoft.com/office/powerpoint/2010/main" val="2023517144"/>
       </p:ext>
     </p:extLst>
   </p:cSld>
@@ -1475,16 +1520,12 @@
           <a:lstStyle/>
           <a:p>
             <a:r>
+              <a:rPr lang="en-US" dirty="0"/>
+              <a:t>Its</a:t>
+            </a:r>
+            <a:r>
               <a:rPr lang="en-US" baseline="0" dirty="0"/>
-              <a:t>I stress </a:t>
-            </a:r>
-            <a:r>
-              <a:rPr lang="en-US" b="1" baseline="0" dirty="0"/>
-              <a:t>USABLE</a:t>
-            </a:r>
-            <a:r>
-              <a:rPr lang="en-US" b="0" baseline="0" dirty="0"/>
-              <a:t> TB. Enterprise SAN uses hot spares, RAID 10</a:t>
+              <a:t> easy  to read. Notice it goes up to “Almond roasting” then we run out of room on the page</a:t>
             </a:r>
             <a:endParaRPr lang="en-US" dirty="0"/>
           </a:p>
@@ -1507,7 +1548,7 @@
           <a:p>
             <a:fld id="{C896673D-A7D2-47E4-9E64-948C4CAFD549}" type="slidenum">
               <a:rPr lang="en-US" smtClean="0"/>
-              <a:t>30</a:t>
+              <a:t>31</a:t>
             </a:fld>
             <a:endParaRPr lang="en-US"/>
           </a:p>
@@ -1516,7 +1557,7 @@
     </p:spTree>
     <p:extLst>
       <p:ext uri="{BB962C8B-B14F-4D97-AF65-F5344CB8AC3E}">
-        <p14:creationId xmlns:p14="http://schemas.microsoft.com/office/powerpoint/2010/main" val="3148704580"/>
+        <p14:creationId xmlns:p14="http://schemas.microsoft.com/office/powerpoint/2010/main" val="3632026493"/>
       </p:ext>
     </p:extLst>
   </p:cSld>
@@ -1572,18 +1613,11 @@
           <a:p>
             <a:r>
               <a:rPr lang="en-US" dirty="0"/>
-              <a:t>If you can make</a:t>
+              <a:t>ROW</a:t>
             </a:r>
             <a:r>
               <a:rPr lang="en-US" baseline="0" dirty="0"/>
-              <a:t> your database require less disk space, you can save LOTS of money. </a:t>
-            </a:r>
-            <a:br>
-              <a:rPr lang="en-US" baseline="0" dirty="0"/>
-            </a:br>
-            <a:r>
-              <a:rPr lang="en-US" baseline="0" dirty="0"/>
-              <a:t>If you go to your CIO and say “I can save you $100,000 in storage costs.” You’ll look REALLY good.</a:t>
+              <a:t> compression squishes the data by removing extra space.</a:t>
             </a:r>
             <a:endParaRPr lang="en-US" dirty="0"/>
           </a:p>
@@ -1606,7 +1640,7 @@
           <a:p>
             <a:fld id="{C896673D-A7D2-47E4-9E64-948C4CAFD549}" type="slidenum">
               <a:rPr lang="en-US" smtClean="0"/>
-              <a:t>31</a:t>
+              <a:t>32</a:t>
             </a:fld>
             <a:endParaRPr lang="en-US"/>
           </a:p>
@@ -1615,7 +1649,7 @@
     </p:spTree>
     <p:extLst>
       <p:ext uri="{BB962C8B-B14F-4D97-AF65-F5344CB8AC3E}">
-        <p14:creationId xmlns:p14="http://schemas.microsoft.com/office/powerpoint/2010/main" val="2162890126"/>
+        <p14:creationId xmlns:p14="http://schemas.microsoft.com/office/powerpoint/2010/main" val="1089363518"/>
       </p:ext>
     </p:extLst>
   </p:cSld>
@@ -1671,8 +1705,24 @@
           <a:p>
             <a:r>
               <a:rPr lang="en-US" dirty="0"/>
-              <a:t>Not sure what the power pellets are…. Business Requirements?</a:t>
-            </a:r>
+              <a:t>See? I removed extra space, an fit even more stuff on the page! We</a:t>
+            </a:r>
+            <a:r>
+              <a:rPr lang="en-US" baseline="0" dirty="0"/>
+              <a:t> made it all the way to Bacon!</a:t>
+            </a:r>
+            <a:br>
+              <a:rPr lang="en-US" dirty="0"/>
+            </a:br>
+            <a:r>
+              <a:rPr lang="en-US" dirty="0"/>
+              <a:t>The</a:t>
+            </a:r>
+            <a:r>
+              <a:rPr lang="en-US" baseline="0" dirty="0"/>
+              <a:t> added cost is that it’s a bit harder to read. I have to think a little bit harder to read the data.</a:t>
+            </a:r>
+            <a:endParaRPr lang="en-US" dirty="0"/>
           </a:p>
         </p:txBody>
       </p:sp>
@@ -1693,7 +1743,7 @@
           <a:p>
             <a:fld id="{C896673D-A7D2-47E4-9E64-948C4CAFD549}" type="slidenum">
               <a:rPr lang="en-US" smtClean="0"/>
-              <a:t>32</a:t>
+              <a:t>33</a:t>
             </a:fld>
             <a:endParaRPr lang="en-US"/>
           </a:p>
@@ -1702,7 +1752,7 @@
     </p:spTree>
     <p:extLst>
       <p:ext uri="{BB962C8B-B14F-4D97-AF65-F5344CB8AC3E}">
-        <p14:creationId xmlns:p14="http://schemas.microsoft.com/office/powerpoint/2010/main" val="2023517144"/>
+        <p14:creationId xmlns:p14="http://schemas.microsoft.com/office/powerpoint/2010/main" val="3633198066"/>
       </p:ext>
     </p:extLst>
   </p:cSld>
@@ -1757,12 +1807,8 @@
           <a:lstStyle/>
           <a:p>
             <a:r>
-              <a:rPr lang="en-US" dirty="0"/>
-              <a:t>Its</a:t>
-            </a:r>
-            <a:r>
-              <a:rPr lang="en-US" baseline="0" dirty="0"/>
-              <a:t> easy  to read. Notice it goes up to “Almond roasting” then we run out of room on the page</a:t>
+              <a:rPr lang="en-US" sz="1200" dirty="0"/>
+              <a:t>A PAGE compressed index could have some pages that are not page-compressed</a:t>
             </a:r>
             <a:endParaRPr lang="en-US" dirty="0"/>
           </a:p>
@@ -1794,7 +1840,7 @@
     </p:spTree>
     <p:extLst>
       <p:ext uri="{BB962C8B-B14F-4D97-AF65-F5344CB8AC3E}">
-        <p14:creationId xmlns:p14="http://schemas.microsoft.com/office/powerpoint/2010/main" val="3632026493"/>
+        <p14:creationId xmlns:p14="http://schemas.microsoft.com/office/powerpoint/2010/main" val="513011265"/>
       </p:ext>
     </p:extLst>
   </p:cSld>
@@ -1886,7 +1932,7 @@
     </p:spTree>
     <p:extLst>
       <p:ext uri="{BB962C8B-B14F-4D97-AF65-F5344CB8AC3E}">
-        <p14:creationId xmlns:p14="http://schemas.microsoft.com/office/powerpoint/2010/main" val="3375724445"/>
+        <p14:creationId xmlns:p14="http://schemas.microsoft.com/office/powerpoint/2010/main" val="1736366471"/>
       </p:ext>
     </p:extLst>
   </p:cSld>
@@ -1941,12 +1987,21 @@
           <a:lstStyle/>
           <a:p>
             <a:r>
-              <a:rPr lang="en-US" dirty="0"/>
-              <a:t>ROW</a:t>
-            </a:r>
-            <a:r>
               <a:rPr lang="en-US" baseline="0" dirty="0"/>
-              <a:t> compression squishes the data by removing extra space.</a:t>
+              <a:t>Just follow the pointers below to the dictionary at the top. </a:t>
+            </a:r>
+            <a:br>
+              <a:rPr lang="en-US" baseline="0" dirty="0"/>
+            </a:br>
+            <a:r>
+              <a:rPr lang="en-US" baseline="0" dirty="0"/>
+              <a:t>And this is even harder to read, right? You just have to think about it more—Spin more CPU cycles and you can figure it out.</a:t>
+            </a:r>
+          </a:p>
+          <a:p>
+            <a:r>
+              <a:rPr lang="en-US" baseline="0" dirty="0"/>
+              <a:t>But we fit even more data. Past Bacon, and on to Brioche!</a:t>
             </a:r>
             <a:endParaRPr lang="en-US" dirty="0"/>
           </a:p>
@@ -1969,7 +2024,7 @@
           <a:p>
             <a:fld id="{C896673D-A7D2-47E4-9E64-948C4CAFD549}" type="slidenum">
               <a:rPr lang="en-US" smtClean="0"/>
-              <a:t>35</a:t>
+              <a:t>36</a:t>
             </a:fld>
             <a:endParaRPr lang="en-US"/>
           </a:p>
@@ -1978,7 +2033,7 @@
     </p:spTree>
     <p:extLst>
       <p:ext uri="{BB962C8B-B14F-4D97-AF65-F5344CB8AC3E}">
-        <p14:creationId xmlns:p14="http://schemas.microsoft.com/office/powerpoint/2010/main" val="1089363518"/>
+        <p14:creationId xmlns:p14="http://schemas.microsoft.com/office/powerpoint/2010/main" val="890822103"/>
       </p:ext>
     </p:extLst>
   </p:cSld>
@@ -2034,22 +2089,11 @@
           <a:p>
             <a:r>
               <a:rPr lang="en-US" dirty="0"/>
-              <a:t>See? I removed extra space, an fit even more stuff on the page! We</a:t>
+              <a:t>This last bullet</a:t>
             </a:r>
             <a:r>
               <a:rPr lang="en-US" baseline="0" dirty="0"/>
-              <a:t> made it all the way to Bacon!</a:t>
-            </a:r>
-            <a:br>
-              <a:rPr lang="en-US" dirty="0"/>
-            </a:br>
-            <a:r>
-              <a:rPr lang="en-US" dirty="0"/>
-              <a:t>The</a:t>
-            </a:r>
-            <a:r>
-              <a:rPr lang="en-US" baseline="0" dirty="0"/>
-              <a:t> added cost is that it’s a bit harder to read. I have to think a little bit harder to read the data.</a:t>
+              <a:t> is important. Even if you fall back &amp; don’t use ROW compression, you STILL PERFORM PAGE COMPRESSION every time you write the page…you just don’t save your work</a:t>
             </a:r>
             <a:endParaRPr lang="en-US" dirty="0"/>
           </a:p>
@@ -2072,7 +2116,7 @@
           <a:p>
             <a:fld id="{C896673D-A7D2-47E4-9E64-948C4CAFD549}" type="slidenum">
               <a:rPr lang="en-US" smtClean="0"/>
-              <a:t>36</a:t>
+              <a:t>37</a:t>
             </a:fld>
             <a:endParaRPr lang="en-US"/>
           </a:p>
@@ -2081,7 +2125,7 @@
     </p:spTree>
     <p:extLst>
       <p:ext uri="{BB962C8B-B14F-4D97-AF65-F5344CB8AC3E}">
-        <p14:creationId xmlns:p14="http://schemas.microsoft.com/office/powerpoint/2010/main" val="3633198066"/>
+        <p14:creationId xmlns:p14="http://schemas.microsoft.com/office/powerpoint/2010/main" val="591425665"/>
       </p:ext>
     </p:extLst>
   </p:cSld>
@@ -2136,8 +2180,12 @@
           <a:lstStyle/>
           <a:p>
             <a:r>
-              <a:rPr lang="en-US" sz="1200" dirty="0"/>
-              <a:t>A PAGE compressed index could have some pages that are not page-compressed</a:t>
+              <a:rPr lang="en-US" dirty="0"/>
+              <a:t>I’m going to step through</a:t>
+            </a:r>
+            <a:r>
+              <a:rPr lang="en-US" baseline="0" dirty="0"/>
+              <a:t> this a bit slower than the BOL article… I think the BOL article is a bit confusing, but I’m using the same example.</a:t>
             </a:r>
             <a:endParaRPr lang="en-US" dirty="0"/>
           </a:p>
@@ -2160,16 +2208,16 @@
           <a:p>
             <a:fld id="{C896673D-A7D2-47E4-9E64-948C4CAFD549}" type="slidenum">
               <a:rPr lang="en-US" smtClean="0"/>
-              <a:t>37</a:t>
+              <a:t>38</a:t>
             </a:fld>
-            <a:endParaRPr lang="en-US"/>
+            <a:endParaRPr lang="en-US" dirty="0"/>
           </a:p>
         </p:txBody>
       </p:sp>
     </p:spTree>
     <p:extLst>
       <p:ext uri="{BB962C8B-B14F-4D97-AF65-F5344CB8AC3E}">
-        <p14:creationId xmlns:p14="http://schemas.microsoft.com/office/powerpoint/2010/main" val="513011265"/>
+        <p14:creationId xmlns:p14="http://schemas.microsoft.com/office/powerpoint/2010/main" val="2344421708"/>
       </p:ext>
     </p:extLst>
   </p:cSld>
@@ -2223,23 +2271,6 @@
           <a:bodyPr/>
           <a:lstStyle/>
           <a:p>
-            <a:r>
-              <a:rPr lang="en-US" baseline="0" dirty="0"/>
-              <a:t>Just follow the pointers below to the dictionary at the top. </a:t>
-            </a:r>
-            <a:br>
-              <a:rPr lang="en-US" baseline="0" dirty="0"/>
-            </a:br>
-            <a:r>
-              <a:rPr lang="en-US" baseline="0" dirty="0"/>
-              <a:t>And this is even harder to read, right? You just have to think about it more—Spin more CPU cycles and you can figure it out.</a:t>
-            </a:r>
-          </a:p>
-          <a:p>
-            <a:r>
-              <a:rPr lang="en-US" baseline="0" dirty="0"/>
-              <a:t>But we fit even more data. Past Bacon, and on to Brioche!</a:t>
-            </a:r>
             <a:endParaRPr lang="en-US" dirty="0"/>
           </a:p>
         </p:txBody>
@@ -2261,16 +2292,16 @@
           <a:p>
             <a:fld id="{C896673D-A7D2-47E4-9E64-948C4CAFD549}" type="slidenum">
               <a:rPr lang="en-US" smtClean="0"/>
-              <a:t>39</a:t>
+              <a:t>41</a:t>
             </a:fld>
-            <a:endParaRPr lang="en-US"/>
+            <a:endParaRPr lang="en-US" dirty="0"/>
           </a:p>
         </p:txBody>
       </p:sp>
     </p:spTree>
     <p:extLst>
       <p:ext uri="{BB962C8B-B14F-4D97-AF65-F5344CB8AC3E}">
-        <p14:creationId xmlns:p14="http://schemas.microsoft.com/office/powerpoint/2010/main" val="890822103"/>
+        <p14:creationId xmlns:p14="http://schemas.microsoft.com/office/powerpoint/2010/main" val="3940925122"/>
       </p:ext>
     </p:extLst>
   </p:cSld>
@@ -2324,14 +2355,6 @@
           <a:bodyPr/>
           <a:lstStyle/>
           <a:p>
-            <a:r>
-              <a:rPr lang="en-US" dirty="0"/>
-              <a:t>This last bullet</a:t>
-            </a:r>
-            <a:r>
-              <a:rPr lang="en-US" baseline="0" dirty="0"/>
-              <a:t> is important. Even if you fall back &amp; don’t use ROW compression, you STILL PERFORM PAGE COMPRESSION every time you write the page…you just don’t save your work</a:t>
-            </a:r>
             <a:endParaRPr lang="en-US" dirty="0"/>
           </a:p>
         </p:txBody>
@@ -2353,16 +2376,16 @@
           <a:p>
             <a:fld id="{C896673D-A7D2-47E4-9E64-948C4CAFD549}" type="slidenum">
               <a:rPr lang="en-US" smtClean="0"/>
-              <a:t>40</a:t>
+              <a:t>42</a:t>
             </a:fld>
-            <a:endParaRPr lang="en-US"/>
+            <a:endParaRPr lang="en-US" dirty="0"/>
           </a:p>
         </p:txBody>
       </p:sp>
     </p:spTree>
     <p:extLst>
       <p:ext uri="{BB962C8B-B14F-4D97-AF65-F5344CB8AC3E}">
-        <p14:creationId xmlns:p14="http://schemas.microsoft.com/office/powerpoint/2010/main" val="591425665"/>
+        <p14:creationId xmlns:p14="http://schemas.microsoft.com/office/powerpoint/2010/main" val="275371068"/>
       </p:ext>
     </p:extLst>
   </p:cSld>
@@ -2418,11 +2441,11 @@
           <a:p>
             <a:r>
               <a:rPr lang="en-US" dirty="0"/>
-              <a:t>I’m going to step through</a:t>
+              <a:t>In reality,</a:t>
             </a:r>
             <a:r>
               <a:rPr lang="en-US" baseline="0" dirty="0"/>
-              <a:t> this a bit slower than the BOL article… I think the BOL article is a bit confusing, but I’m using the same example.</a:t>
+              <a:t> the page isn’t stored like a grid, so all that white space actually gets used</a:t>
             </a:r>
             <a:endParaRPr lang="en-US" dirty="0"/>
           </a:p>
@@ -2445,7 +2468,7 @@
           <a:p>
             <a:fld id="{C896673D-A7D2-47E4-9E64-948C4CAFD549}" type="slidenum">
               <a:rPr lang="en-US" smtClean="0"/>
-              <a:t>41</a:t>
+              <a:t>46</a:t>
             </a:fld>
             <a:endParaRPr lang="en-US" dirty="0"/>
           </a:p>
@@ -2454,7 +2477,7 @@
     </p:spTree>
     <p:extLst>
       <p:ext uri="{BB962C8B-B14F-4D97-AF65-F5344CB8AC3E}">
-        <p14:creationId xmlns:p14="http://schemas.microsoft.com/office/powerpoint/2010/main" val="2344421708"/>
+        <p14:creationId xmlns:p14="http://schemas.microsoft.com/office/powerpoint/2010/main" val="1153077012"/>
       </p:ext>
     </p:extLst>
   </p:cSld>
@@ -2508,6 +2531,14 @@
           <a:bodyPr/>
           <a:lstStyle/>
           <a:p>
+            <a:r>
+              <a:rPr lang="en-US" dirty="0"/>
+              <a:t>If we look</a:t>
+            </a:r>
+            <a:r>
+              <a:rPr lang="en-US" baseline="0" dirty="0"/>
+              <a:t> at the rows as CSV, you can see the extra space start to appear</a:t>
+            </a:r>
             <a:endParaRPr lang="en-US" dirty="0"/>
           </a:p>
         </p:txBody>
@@ -2529,7 +2560,7 @@
           <a:p>
             <a:fld id="{C896673D-A7D2-47E4-9E64-948C4CAFD549}" type="slidenum">
               <a:rPr lang="en-US" smtClean="0"/>
-              <a:t>44</a:t>
+              <a:t>47</a:t>
             </a:fld>
             <a:endParaRPr lang="en-US" dirty="0"/>
           </a:p>
@@ -2538,275 +2569,7 @@
     </p:spTree>
     <p:extLst>
       <p:ext uri="{BB962C8B-B14F-4D97-AF65-F5344CB8AC3E}">
-        <p14:creationId xmlns:p14="http://schemas.microsoft.com/office/powerpoint/2010/main" val="3940925122"/>
-      </p:ext>
-    </p:extLst>
-  </p:cSld>
-  <p:clrMapOvr>
-    <a:masterClrMapping/>
-  </p:clrMapOvr>
-</p:notes>
-</file>
-
-<file path=ppt/notesSlides/notesSlide27.xml><?xml version="1.0" encoding="utf-8"?>
-<p:notes xmlns:a="http://schemas.openxmlformats.org/drawingml/2006/main" xmlns:r="http://schemas.openxmlformats.org/officeDocument/2006/relationships" xmlns:p="http://schemas.openxmlformats.org/presentationml/2006/main">
-  <p:cSld>
-    <p:spTree>
-      <p:nvGrpSpPr>
-        <p:cNvPr id="1" name=""/>
-        <p:cNvGrpSpPr/>
-        <p:nvPr/>
-      </p:nvGrpSpPr>
-      <p:grpSpPr>
-        <a:xfrm>
-          <a:off x="0" y="0"/>
-          <a:ext cx="0" cy="0"/>
-          <a:chOff x="0" y="0"/>
-          <a:chExt cx="0" cy="0"/>
-        </a:xfrm>
-      </p:grpSpPr>
-      <p:sp>
-        <p:nvSpPr>
-          <p:cNvPr id="2" name="Slide Image Placeholder 1"/>
-          <p:cNvSpPr>
-            <a:spLocks noGrp="1" noRot="1" noChangeAspect="1"/>
-          </p:cNvSpPr>
-          <p:nvPr>
-            <p:ph type="sldImg"/>
-          </p:nvPr>
-        </p:nvSpPr>
-        <p:spPr/>
-      </p:sp>
-      <p:sp>
-        <p:nvSpPr>
-          <p:cNvPr id="3" name="Notes Placeholder 2"/>
-          <p:cNvSpPr>
-            <a:spLocks noGrp="1"/>
-          </p:cNvSpPr>
-          <p:nvPr>
-            <p:ph type="body" idx="1"/>
-          </p:nvPr>
-        </p:nvSpPr>
-        <p:spPr/>
-        <p:txBody>
-          <a:bodyPr/>
-          <a:lstStyle/>
-          <a:p>
-            <a:endParaRPr lang="en-US" dirty="0"/>
-          </a:p>
-        </p:txBody>
-      </p:sp>
-      <p:sp>
-        <p:nvSpPr>
-          <p:cNvPr id="4" name="Slide Number Placeholder 3"/>
-          <p:cNvSpPr>
-            <a:spLocks noGrp="1"/>
-          </p:cNvSpPr>
-          <p:nvPr>
-            <p:ph type="sldNum" sz="quarter" idx="10"/>
-          </p:nvPr>
-        </p:nvSpPr>
-        <p:spPr/>
-        <p:txBody>
-          <a:bodyPr/>
-          <a:lstStyle/>
-          <a:p>
-            <a:fld id="{C896673D-A7D2-47E4-9E64-948C4CAFD549}" type="slidenum">
-              <a:rPr lang="en-US" smtClean="0"/>
-              <a:t>45</a:t>
-            </a:fld>
-            <a:endParaRPr lang="en-US" dirty="0"/>
-          </a:p>
-        </p:txBody>
-      </p:sp>
-    </p:spTree>
-    <p:extLst>
-      <p:ext uri="{BB962C8B-B14F-4D97-AF65-F5344CB8AC3E}">
-        <p14:creationId xmlns:p14="http://schemas.microsoft.com/office/powerpoint/2010/main" val="275371068"/>
-      </p:ext>
-    </p:extLst>
-  </p:cSld>
-  <p:clrMapOvr>
-    <a:masterClrMapping/>
-  </p:clrMapOvr>
-</p:notes>
-</file>
-
-<file path=ppt/notesSlides/notesSlide28.xml><?xml version="1.0" encoding="utf-8"?>
-<p:notes xmlns:a="http://schemas.openxmlformats.org/drawingml/2006/main" xmlns:r="http://schemas.openxmlformats.org/officeDocument/2006/relationships" xmlns:p="http://schemas.openxmlformats.org/presentationml/2006/main">
-  <p:cSld>
-    <p:spTree>
-      <p:nvGrpSpPr>
-        <p:cNvPr id="1" name=""/>
-        <p:cNvGrpSpPr/>
-        <p:nvPr/>
-      </p:nvGrpSpPr>
-      <p:grpSpPr>
-        <a:xfrm>
-          <a:off x="0" y="0"/>
-          <a:ext cx="0" cy="0"/>
-          <a:chOff x="0" y="0"/>
-          <a:chExt cx="0" cy="0"/>
-        </a:xfrm>
-      </p:grpSpPr>
-      <p:sp>
-        <p:nvSpPr>
-          <p:cNvPr id="2" name="Slide Image Placeholder 1"/>
-          <p:cNvSpPr>
-            <a:spLocks noGrp="1" noRot="1" noChangeAspect="1"/>
-          </p:cNvSpPr>
-          <p:nvPr>
-            <p:ph type="sldImg"/>
-          </p:nvPr>
-        </p:nvSpPr>
-        <p:spPr/>
-      </p:sp>
-      <p:sp>
-        <p:nvSpPr>
-          <p:cNvPr id="3" name="Notes Placeholder 2"/>
-          <p:cNvSpPr>
-            <a:spLocks noGrp="1"/>
-          </p:cNvSpPr>
-          <p:nvPr>
-            <p:ph type="body" idx="1"/>
-          </p:nvPr>
-        </p:nvSpPr>
-        <p:spPr/>
-        <p:txBody>
-          <a:bodyPr/>
-          <a:lstStyle/>
-          <a:p>
-            <a:r>
-              <a:rPr lang="en-US" dirty="0"/>
-              <a:t>In reality,</a:t>
-            </a:r>
-            <a:r>
-              <a:rPr lang="en-US" baseline="0" dirty="0"/>
-              <a:t> the page isn’t stored like a grid, so all that white space actually gets used</a:t>
-            </a:r>
-            <a:endParaRPr lang="en-US" dirty="0"/>
-          </a:p>
-        </p:txBody>
-      </p:sp>
-      <p:sp>
-        <p:nvSpPr>
-          <p:cNvPr id="4" name="Slide Number Placeholder 3"/>
-          <p:cNvSpPr>
-            <a:spLocks noGrp="1"/>
-          </p:cNvSpPr>
-          <p:nvPr>
-            <p:ph type="sldNum" sz="quarter" idx="10"/>
-          </p:nvPr>
-        </p:nvSpPr>
-        <p:spPr/>
-        <p:txBody>
-          <a:bodyPr/>
-          <a:lstStyle/>
-          <a:p>
-            <a:fld id="{C896673D-A7D2-47E4-9E64-948C4CAFD549}" type="slidenum">
-              <a:rPr lang="en-US" smtClean="0"/>
-              <a:t>49</a:t>
-            </a:fld>
-            <a:endParaRPr lang="en-US" dirty="0"/>
-          </a:p>
-        </p:txBody>
-      </p:sp>
-    </p:spTree>
-    <p:extLst>
-      <p:ext uri="{BB962C8B-B14F-4D97-AF65-F5344CB8AC3E}">
-        <p14:creationId xmlns:p14="http://schemas.microsoft.com/office/powerpoint/2010/main" val="1153077012"/>
-      </p:ext>
-    </p:extLst>
-  </p:cSld>
-  <p:clrMapOvr>
-    <a:masterClrMapping/>
-  </p:clrMapOvr>
-</p:notes>
-</file>
-
-<file path=ppt/notesSlides/notesSlide29.xml><?xml version="1.0" encoding="utf-8"?>
-<p:notes xmlns:a="http://schemas.openxmlformats.org/drawingml/2006/main" xmlns:r="http://schemas.openxmlformats.org/officeDocument/2006/relationships" xmlns:p="http://schemas.openxmlformats.org/presentationml/2006/main">
-  <p:cSld>
-    <p:spTree>
-      <p:nvGrpSpPr>
-        <p:cNvPr id="1" name=""/>
-        <p:cNvGrpSpPr/>
-        <p:nvPr/>
-      </p:nvGrpSpPr>
-      <p:grpSpPr>
-        <a:xfrm>
-          <a:off x="0" y="0"/>
-          <a:ext cx="0" cy="0"/>
-          <a:chOff x="0" y="0"/>
-          <a:chExt cx="0" cy="0"/>
-        </a:xfrm>
-      </p:grpSpPr>
-      <p:sp>
-        <p:nvSpPr>
-          <p:cNvPr id="2" name="Slide Image Placeholder 1"/>
-          <p:cNvSpPr>
-            <a:spLocks noGrp="1" noRot="1" noChangeAspect="1"/>
-          </p:cNvSpPr>
-          <p:nvPr>
-            <p:ph type="sldImg"/>
-          </p:nvPr>
-        </p:nvSpPr>
-        <p:spPr/>
-      </p:sp>
-      <p:sp>
-        <p:nvSpPr>
-          <p:cNvPr id="3" name="Notes Placeholder 2"/>
-          <p:cNvSpPr>
-            <a:spLocks noGrp="1"/>
-          </p:cNvSpPr>
-          <p:nvPr>
-            <p:ph type="body" idx="1"/>
-          </p:nvPr>
-        </p:nvSpPr>
-        <p:spPr/>
-        <p:txBody>
-          <a:bodyPr/>
-          <a:lstStyle/>
-          <a:p>
-            <a:r>
-              <a:rPr lang="en-US" dirty="0"/>
-              <a:t>If we look</a:t>
-            </a:r>
-            <a:r>
-              <a:rPr lang="en-US" baseline="0" dirty="0"/>
-              <a:t> at the rows as CSV, you can see the extra space start to appear</a:t>
-            </a:r>
-            <a:endParaRPr lang="en-US" dirty="0"/>
-          </a:p>
-        </p:txBody>
-      </p:sp>
-      <p:sp>
-        <p:nvSpPr>
-          <p:cNvPr id="4" name="Slide Number Placeholder 3"/>
-          <p:cNvSpPr>
-            <a:spLocks noGrp="1"/>
-          </p:cNvSpPr>
-          <p:nvPr>
-            <p:ph type="sldNum" sz="quarter" idx="10"/>
-          </p:nvPr>
-        </p:nvSpPr>
-        <p:spPr/>
-        <p:txBody>
-          <a:bodyPr/>
-          <a:lstStyle/>
-          <a:p>
-            <a:fld id="{C896673D-A7D2-47E4-9E64-948C4CAFD549}" type="slidenum">
-              <a:rPr lang="en-US" smtClean="0"/>
-              <a:t>50</a:t>
-            </a:fld>
-            <a:endParaRPr lang="en-US" dirty="0"/>
-          </a:p>
-        </p:txBody>
-      </p:sp>
-    </p:spTree>
-    <p:extLst>
-      <p:ext uri="{BB962C8B-B14F-4D97-AF65-F5344CB8AC3E}">
-        <p14:creationId xmlns:p14="http://schemas.microsoft.com/office/powerpoint/2010/main" val="1053354945"/>
+        <p14:creationId xmlns:p14="http://schemas.microsoft.com/office/powerpoint/2010/main" val="4095344932"/>
       </p:ext>
     </p:extLst>
   </p:cSld>
@@ -2944,7 +2707,7 @@
           <a:bodyPr/>
           <a:lstStyle/>
           <a:p>
-            <a:endParaRPr lang="en-US" dirty="0"/>
+            <a:endParaRPr lang="en-US"/>
           </a:p>
         </p:txBody>
       </p:sp>
@@ -2963,7 +2726,7 @@
           <a:bodyPr/>
           <a:lstStyle/>
           <a:p>
-            <a:fld id="{779A04C5-9DE5-4446-B695-AEC521FFABC6}" type="slidenum">
+            <a:fld id="{C896673D-A7D2-47E4-9E64-948C4CAFD549}" type="slidenum">
               <a:rPr lang="en-US" smtClean="0"/>
               <a:t>5</a:t>
             </a:fld>
@@ -2974,7 +2737,7 @@
     </p:spTree>
     <p:extLst>
       <p:ext uri="{BB962C8B-B14F-4D97-AF65-F5344CB8AC3E}">
-        <p14:creationId xmlns:p14="http://schemas.microsoft.com/office/powerpoint/2010/main" val="2847990006"/>
+        <p14:creationId xmlns:p14="http://schemas.microsoft.com/office/powerpoint/2010/main" val="2692536625"/>
       </p:ext>
     </p:extLst>
   </p:cSld>
@@ -3030,12 +2793,13 @@
           <a:p>
             <a:r>
               <a:rPr lang="en-US" dirty="0"/>
-              <a:t>Who doesn’t want free advice from Brent</a:t>
+              <a:t>As a fraternity pledge</a:t>
             </a:r>
             <a:r>
               <a:rPr lang="en-US" baseline="0" dirty="0"/>
-              <a:t> Ozar or Aaron Bertrand?</a:t>
-            </a:r>
+              <a:t> for Lambda Chi Alpha, he was the shortest pledge at 5-foot 7-inches. The pledges were instructed to take their shortest member and in the cover of night, measure the length of the Mass Ave Bridge, which spans from Cambridge (where MIT is) to Boston. They were to mark the distance on the bridge with paint, and report back with the exact measurement. To this day, pledges re-paint the bridge every year to mark the distance in smoots. When the bridge was rebuilt in the late 1980s, the expansion joints were specifically engineered to be 1-smoot long.</a:t>
+            </a:r>
+            <a:endParaRPr lang="en-US" dirty="0"/>
           </a:p>
         </p:txBody>
       </p:sp>
@@ -3056,7 +2820,7 @@
           <a:p>
             <a:fld id="{C896673D-A7D2-47E4-9E64-948C4CAFD549}" type="slidenum">
               <a:rPr lang="en-US" smtClean="0"/>
-              <a:t>6</a:t>
+              <a:t>7</a:t>
             </a:fld>
             <a:endParaRPr lang="en-US"/>
           </a:p>
@@ -3065,7 +2829,7 @@
     </p:spTree>
     <p:extLst>
       <p:ext uri="{BB962C8B-B14F-4D97-AF65-F5344CB8AC3E}">
-        <p14:creationId xmlns:p14="http://schemas.microsoft.com/office/powerpoint/2010/main" val="2158652149"/>
+        <p14:creationId xmlns:p14="http://schemas.microsoft.com/office/powerpoint/2010/main" val="255056761"/>
       </p:ext>
     </p:extLst>
   </p:cSld>
@@ -3121,12 +2885,13 @@
           <a:p>
             <a:r>
               <a:rPr lang="en-US" dirty="0"/>
-              <a:t>Who doesn’t want free advice from Brent</a:t>
+              <a:t>Compression is</a:t>
             </a:r>
             <a:r>
               <a:rPr lang="en-US" baseline="0" dirty="0"/>
-              <a:t> Ozar or Aaron Bertrand?</a:t>
-            </a:r>
+              <a:t> something you should think about. It’s relatively easy to change. But if you think about it up-front, you can save yourself some headaches down the road. </a:t>
+            </a:r>
+            <a:endParaRPr lang="en-US" dirty="0"/>
           </a:p>
         </p:txBody>
       </p:sp>
@@ -3147,7 +2912,7 @@
           <a:p>
             <a:fld id="{C896673D-A7D2-47E4-9E64-948C4CAFD549}" type="slidenum">
               <a:rPr lang="en-US" smtClean="0"/>
-              <a:t>7</a:t>
+              <a:t>9</a:t>
             </a:fld>
             <a:endParaRPr lang="en-US"/>
           </a:p>
@@ -3156,7 +2921,7 @@
     </p:spTree>
     <p:extLst>
       <p:ext uri="{BB962C8B-B14F-4D97-AF65-F5344CB8AC3E}">
-        <p14:creationId xmlns:p14="http://schemas.microsoft.com/office/powerpoint/2010/main" val="732915972"/>
+        <p14:creationId xmlns:p14="http://schemas.microsoft.com/office/powerpoint/2010/main" val="86768808"/>
       </p:ext>
     </p:extLst>
   </p:cSld>
@@ -3210,7 +2975,10 @@
           <a:bodyPr/>
           <a:lstStyle/>
           <a:p>
-            <a:endParaRPr lang="en-US"/>
+            <a:r>
+              <a:rPr lang="en-US" dirty="0"/>
+              <a:t>We won’t cover every demo script I have—we’ll cover a few, and I’ll give you the rest to explore on your own.</a:t>
+            </a:r>
           </a:p>
         </p:txBody>
       </p:sp>
@@ -3231,7 +2999,7 @@
           <a:p>
             <a:fld id="{C896673D-A7D2-47E4-9E64-948C4CAFD549}" type="slidenum">
               <a:rPr lang="en-US" smtClean="0"/>
-              <a:t>8</a:t>
+              <a:t>13</a:t>
             </a:fld>
             <a:endParaRPr lang="en-US"/>
           </a:p>
@@ -3240,7 +3008,7 @@
     </p:spTree>
     <p:extLst>
       <p:ext uri="{BB962C8B-B14F-4D97-AF65-F5344CB8AC3E}">
-        <p14:creationId xmlns:p14="http://schemas.microsoft.com/office/powerpoint/2010/main" val="2692536625"/>
+        <p14:creationId xmlns:p14="http://schemas.microsoft.com/office/powerpoint/2010/main" val="1804979556"/>
       </p:ext>
     </p:extLst>
   </p:cSld>
@@ -3296,11 +3064,24 @@
           <a:p>
             <a:r>
               <a:rPr lang="en-US" dirty="0"/>
-              <a:t>As a fraternity pledge</a:t>
+              <a:t>These are the pages we’re talking about when we talk compression.</a:t>
+            </a:r>
+          </a:p>
+          <a:p>
+            <a:r>
+              <a:rPr lang="en-US" dirty="0"/>
+              <a:t>Only</a:t>
             </a:r>
             <a:r>
               <a:rPr lang="en-US" baseline="0" dirty="0"/>
-              <a:t> for Lambda Chi Alpha, he was the shortest pledge at 5-foot 7-inches. The pledges were instructed to take their shortest member and in the cover of night, measure the length of the Mass Ave Bridge, which spans from Cambridge (where MIT is) to Boston. They were to mark the distance on the bridge with paint, and report back with the exact measurement. To this day, pledges re-paint the bridge every year to mark the distance in smoots. When the bridge was rebuilt in the late 1980s, the expansion joints were specifically engineered to be 1-smoot long.</a:t>
+              <a:t> the LEAF PAGES get compressed in a B Tree Index</a:t>
+            </a:r>
+            <a:br>
+              <a:rPr lang="en-US" baseline="0" dirty="0"/>
+            </a:br>
+            <a:r>
+              <a:rPr lang="en-US" baseline="0" dirty="0"/>
+              <a:t>Everything is ordered. It’s easy to find by traversing the tree. You can find any row in just 3 reads.   EXAMPLE: MAINE</a:t>
             </a:r>
             <a:endParaRPr lang="en-US" dirty="0"/>
           </a:p>
@@ -3323,7 +3104,7 @@
           <a:p>
             <a:fld id="{C896673D-A7D2-47E4-9E64-948C4CAFD549}" type="slidenum">
               <a:rPr lang="en-US" smtClean="0"/>
-              <a:t>10</a:t>
+              <a:t>17</a:t>
             </a:fld>
             <a:endParaRPr lang="en-US"/>
           </a:p>
@@ -3332,7 +3113,7 @@
     </p:spTree>
     <p:extLst>
       <p:ext uri="{BB962C8B-B14F-4D97-AF65-F5344CB8AC3E}">
-        <p14:creationId xmlns:p14="http://schemas.microsoft.com/office/powerpoint/2010/main" val="255056761"/>
+        <p14:creationId xmlns:p14="http://schemas.microsoft.com/office/powerpoint/2010/main" val="2987885101"/>
       </p:ext>
     </p:extLst>
   </p:cSld>
@@ -3388,11 +3169,18 @@
           <a:p>
             <a:r>
               <a:rPr lang="en-US" dirty="0"/>
-              <a:t>Compression is</a:t>
+              <a:t>It’s unordered. It’s harder</a:t>
             </a:r>
             <a:r>
               <a:rPr lang="en-US" baseline="0" dirty="0"/>
-              <a:t> something you should think about. It’s relatively easy to change. But if you think about it up-front, you can save yourself some headaches down the road. </a:t>
+              <a:t> to find the row you want.</a:t>
+            </a:r>
+            <a:br>
+              <a:rPr lang="en-US" baseline="0" dirty="0"/>
+            </a:br>
+            <a:r>
+              <a:rPr lang="en-US" baseline="0" dirty="0"/>
+              <a:t>But for our purposes today, it’s similar to the leaf level of a B-Tree</a:t>
             </a:r>
             <a:endParaRPr lang="en-US" dirty="0"/>
           </a:p>
@@ -3415,7 +3203,7 @@
           <a:p>
             <a:fld id="{C896673D-A7D2-47E4-9E64-948C4CAFD549}" type="slidenum">
               <a:rPr lang="en-US" smtClean="0"/>
-              <a:t>12</a:t>
+              <a:t>18</a:t>
             </a:fld>
             <a:endParaRPr lang="en-US"/>
           </a:p>
@@ -3424,7 +3212,7 @@
     </p:spTree>
     <p:extLst>
       <p:ext uri="{BB962C8B-B14F-4D97-AF65-F5344CB8AC3E}">
-        <p14:creationId xmlns:p14="http://schemas.microsoft.com/office/powerpoint/2010/main" val="86768808"/>
+        <p14:creationId xmlns:p14="http://schemas.microsoft.com/office/powerpoint/2010/main" val="1766908828"/>
       </p:ext>
     </p:extLst>
   </p:cSld>
@@ -3698,7 +3486,7 @@
             <a:fld id="{B61BEF0D-F0BB-DE4B-95CE-6DB70DBA9567}" type="datetimeFigureOut">
               <a:rPr lang="en-US" smtClean="0"/>
               <a:pPr/>
-              <a:t>1/15/2019</a:t>
+              <a:t>2019-06-07</a:t>
             </a:fld>
             <a:endParaRPr lang="en-US" dirty="0"/>
           </a:p>
@@ -4123,7 +3911,7 @@
             <a:fld id="{B61BEF0D-F0BB-DE4B-95CE-6DB70DBA9567}" type="datetimeFigureOut">
               <a:rPr lang="en-US" smtClean="0"/>
               <a:pPr/>
-              <a:t>1/15/2019</a:t>
+              <a:t>2019-06-07</a:t>
             </a:fld>
             <a:endParaRPr lang="en-US" dirty="0"/>
           </a:p>
@@ -7491,8 +7279,8 @@
           </p:nvSpPr>
           <p:spPr>
             <a:xfrm>
-              <a:off x="9993507" y="6400071"/>
-              <a:ext cx="1690493" cy="369332"/>
+              <a:off x="9877851" y="6400071"/>
+              <a:ext cx="1806150" cy="369332"/>
             </a:xfrm>
             <a:prstGeom prst="rect">
               <a:avLst/>
@@ -7511,7 +7299,7 @@
                     <a:schemeClr val="bg1"/>
                   </a:solidFill>
                 </a:rPr>
-                <a:t>andy@am2.co</a:t>
+                <a:t>andy@amtwo.co</a:t>
               </a:r>
             </a:p>
           </p:txBody>
@@ -7545,7 +7333,7 @@
                     <a:schemeClr val="bg1"/>
                   </a:solidFill>
                 </a:rPr>
-                <a:t>www.am2.co</a:t>
+                <a:t>amtwo.co</a:t>
               </a:r>
             </a:p>
           </p:txBody>
@@ -7937,7 +7725,7 @@
 </file>
 
 <file path=ppt/slides/slide10.xml><?xml version="1.0" encoding="utf-8"?>
-<p:sld xmlns:a="http://schemas.openxmlformats.org/drawingml/2006/main" xmlns:r="http://schemas.openxmlformats.org/officeDocument/2006/relationships" xmlns:p="http://schemas.openxmlformats.org/presentationml/2006/main">
+<p:sld xmlns:a="http://schemas.openxmlformats.org/drawingml/2006/main" xmlns:r="http://schemas.openxmlformats.org/officeDocument/2006/relationships" xmlns:p="http://schemas.openxmlformats.org/presentationml/2006/main" show="0">
   <p:cSld>
     <p:spTree>
       <p:nvGrpSpPr>
@@ -7970,828 +7758,6 @@
           <a:p>
             <a:r>
               <a:rPr lang="en-US" dirty="0"/>
-              <a:t>Who is Oliver Smoot?</a:t>
-            </a:r>
-          </a:p>
-        </p:txBody>
-      </p:sp>
-      <p:sp>
-        <p:nvSpPr>
-          <p:cNvPr id="3" name="Content Placeholder 2"/>
-          <p:cNvSpPr>
-            <a:spLocks noGrp="1"/>
-          </p:cNvSpPr>
-          <p:nvPr>
-            <p:ph idx="1"/>
-          </p:nvPr>
-        </p:nvSpPr>
-        <p:spPr/>
-        <p:txBody>
-          <a:bodyPr>
-            <a:normAutofit fontScale="85000" lnSpcReduction="20000"/>
-          </a:bodyPr>
-          <a:lstStyle/>
-          <a:p>
-            <a:r>
-              <a:rPr lang="en-US" dirty="0"/>
-              <a:t>Oliver R Smoot</a:t>
-            </a:r>
-          </a:p>
-          <a:p>
-            <a:pPr lvl="1"/>
-            <a:r>
-              <a:rPr lang="en-US" dirty="0"/>
-              <a:t>MIT Class of 1962</a:t>
-            </a:r>
-          </a:p>
-          <a:p>
-            <a:pPr lvl="1"/>
-            <a:r>
-              <a:rPr lang="en-US" dirty="0"/>
-              <a:t>Former Chairman of American National Standards Institute (ANSI)</a:t>
-            </a:r>
-          </a:p>
-          <a:p>
-            <a:pPr lvl="1"/>
-            <a:r>
-              <a:rPr lang="en-US" dirty="0"/>
-              <a:t>Former President of International Organization for Standardization (ISO)</a:t>
-            </a:r>
-          </a:p>
-          <a:p>
-            <a:r>
-              <a:rPr lang="en-US" dirty="0"/>
-              <a:t>smoot</a:t>
-            </a:r>
-          </a:p>
-          <a:p>
-            <a:pPr lvl="1"/>
-            <a:r>
-              <a:rPr lang="en-US" dirty="0"/>
-              <a:t>An </a:t>
-            </a:r>
-            <a:r>
-              <a:rPr lang="en-US" b="1" dirty="0">
-                <a:solidFill>
-                  <a:schemeClr val="accent1"/>
-                </a:solidFill>
-              </a:rPr>
-              <a:t>ANSI</a:t>
-            </a:r>
-            <a:r>
-              <a:rPr lang="en-US" dirty="0">
-                <a:solidFill>
-                  <a:schemeClr val="accent1"/>
-                </a:solidFill>
-              </a:rPr>
-              <a:t> </a:t>
-            </a:r>
-            <a:r>
-              <a:rPr lang="en-US" dirty="0"/>
-              <a:t>unit of measure equal to 5-feet, 7-inches</a:t>
-            </a:r>
-          </a:p>
-          <a:p>
-            <a:pPr lvl="1"/>
-            <a:r>
-              <a:rPr lang="en-US" dirty="0"/>
-              <a:t>Listed in American Heritage Dictionary</a:t>
-            </a:r>
-          </a:p>
-          <a:p>
-            <a:pPr lvl="1"/>
-            <a:r>
-              <a:rPr lang="en-US" dirty="0"/>
-              <a:t>Harvard Bridge (Mass Ave Bridge) is </a:t>
-            </a:r>
-            <a:r>
-              <a:rPr lang="en-US" b="1" dirty="0">
-                <a:solidFill>
-                  <a:schemeClr val="accent1"/>
-                </a:solidFill>
-              </a:rPr>
-              <a:t>364.4 smoots + 1 ear</a:t>
-            </a:r>
-          </a:p>
-        </p:txBody>
-      </p:sp>
-    </p:spTree>
-    <p:extLst>
-      <p:ext uri="{BB962C8B-B14F-4D97-AF65-F5344CB8AC3E}">
-        <p14:creationId xmlns:p14="http://schemas.microsoft.com/office/powerpoint/2010/main" val="549013391"/>
-      </p:ext>
-    </p:extLst>
-  </p:cSld>
-  <p:clrMapOvr>
-    <a:masterClrMapping/>
-  </p:clrMapOvr>
-  <p:timing>
-    <p:tnLst>
-      <p:par>
-        <p:cTn id="1" dur="indefinite" restart="never" nodeType="tmRoot">
-          <p:childTnLst>
-            <p:seq concurrent="1" nextAc="seek">
-              <p:cTn id="2" dur="indefinite" nodeType="mainSeq">
-                <p:childTnLst>
-                  <p:par>
-                    <p:cTn id="3" fill="hold">
-                      <p:stCondLst>
-                        <p:cond delay="indefinite"/>
-                      </p:stCondLst>
-                      <p:childTnLst>
-                        <p:par>
-                          <p:cTn id="4" fill="hold">
-                            <p:stCondLst>
-                              <p:cond delay="0"/>
-                            </p:stCondLst>
-                            <p:childTnLst>
-                              <p:par>
-                                <p:cTn id="5" presetID="1" presetClass="entr" presetSubtype="0" fill="hold" grpId="0" nodeType="clickEffect">
-                                  <p:stCondLst>
-                                    <p:cond delay="0"/>
-                                  </p:stCondLst>
-                                  <p:childTnLst>
-                                    <p:set>
-                                      <p:cBhvr>
-                                        <p:cTn id="6" dur="1" fill="hold">
-                                          <p:stCondLst>
-                                            <p:cond delay="0"/>
-                                          </p:stCondLst>
-                                        </p:cTn>
-                                        <p:tgtEl>
-                                          <p:spTgt spid="3">
-                                            <p:txEl>
-                                              <p:pRg st="0" end="0"/>
-                                            </p:txEl>
-                                          </p:spTgt>
-                                        </p:tgtEl>
-                                        <p:attrNameLst>
-                                          <p:attrName>style.visibility</p:attrName>
-                                        </p:attrNameLst>
-                                      </p:cBhvr>
-                                      <p:to>
-                                        <p:strVal val="visible"/>
-                                      </p:to>
-                                    </p:set>
-                                  </p:childTnLst>
-                                </p:cTn>
-                              </p:par>
-                              <p:par>
-                                <p:cTn id="7" presetID="1" presetClass="entr" presetSubtype="0" fill="hold" grpId="0" nodeType="withEffect">
-                                  <p:stCondLst>
-                                    <p:cond delay="0"/>
-                                  </p:stCondLst>
-                                  <p:childTnLst>
-                                    <p:set>
-                                      <p:cBhvr>
-                                        <p:cTn id="8" dur="1" fill="hold">
-                                          <p:stCondLst>
-                                            <p:cond delay="0"/>
-                                          </p:stCondLst>
-                                        </p:cTn>
-                                        <p:tgtEl>
-                                          <p:spTgt spid="3">
-                                            <p:txEl>
-                                              <p:pRg st="1" end="1"/>
-                                            </p:txEl>
-                                          </p:spTgt>
-                                        </p:tgtEl>
-                                        <p:attrNameLst>
-                                          <p:attrName>style.visibility</p:attrName>
-                                        </p:attrNameLst>
-                                      </p:cBhvr>
-                                      <p:to>
-                                        <p:strVal val="visible"/>
-                                      </p:to>
-                                    </p:set>
-                                  </p:childTnLst>
-                                </p:cTn>
-                              </p:par>
-                              <p:par>
-                                <p:cTn id="9" presetID="1" presetClass="entr" presetSubtype="0" fill="hold" grpId="0" nodeType="withEffect">
-                                  <p:stCondLst>
-                                    <p:cond delay="0"/>
-                                  </p:stCondLst>
-                                  <p:childTnLst>
-                                    <p:set>
-                                      <p:cBhvr>
-                                        <p:cTn id="10" dur="1" fill="hold">
-                                          <p:stCondLst>
-                                            <p:cond delay="0"/>
-                                          </p:stCondLst>
-                                        </p:cTn>
-                                        <p:tgtEl>
-                                          <p:spTgt spid="3">
-                                            <p:txEl>
-                                              <p:pRg st="2" end="2"/>
-                                            </p:txEl>
-                                          </p:spTgt>
-                                        </p:tgtEl>
-                                        <p:attrNameLst>
-                                          <p:attrName>style.visibility</p:attrName>
-                                        </p:attrNameLst>
-                                      </p:cBhvr>
-                                      <p:to>
-                                        <p:strVal val="visible"/>
-                                      </p:to>
-                                    </p:set>
-                                  </p:childTnLst>
-                                </p:cTn>
-                              </p:par>
-                              <p:par>
-                                <p:cTn id="11" presetID="1" presetClass="entr" presetSubtype="0" fill="hold" grpId="0" nodeType="withEffect">
-                                  <p:stCondLst>
-                                    <p:cond delay="0"/>
-                                  </p:stCondLst>
-                                  <p:childTnLst>
-                                    <p:set>
-                                      <p:cBhvr>
-                                        <p:cTn id="12" dur="1" fill="hold">
-                                          <p:stCondLst>
-                                            <p:cond delay="0"/>
-                                          </p:stCondLst>
-                                        </p:cTn>
-                                        <p:tgtEl>
-                                          <p:spTgt spid="3">
-                                            <p:txEl>
-                                              <p:pRg st="3" end="3"/>
-                                            </p:txEl>
-                                          </p:spTgt>
-                                        </p:tgtEl>
-                                        <p:attrNameLst>
-                                          <p:attrName>style.visibility</p:attrName>
-                                        </p:attrNameLst>
-                                      </p:cBhvr>
-                                      <p:to>
-                                        <p:strVal val="visible"/>
-                                      </p:to>
-                                    </p:set>
-                                  </p:childTnLst>
-                                </p:cTn>
-                              </p:par>
-                            </p:childTnLst>
-                          </p:cTn>
-                        </p:par>
-                      </p:childTnLst>
-                    </p:cTn>
-                  </p:par>
-                  <p:par>
-                    <p:cTn id="13" fill="hold">
-                      <p:stCondLst>
-                        <p:cond delay="indefinite"/>
-                      </p:stCondLst>
-                      <p:childTnLst>
-                        <p:par>
-                          <p:cTn id="14" fill="hold">
-                            <p:stCondLst>
-                              <p:cond delay="0"/>
-                            </p:stCondLst>
-                            <p:childTnLst>
-                              <p:par>
-                                <p:cTn id="15" presetID="1" presetClass="entr" presetSubtype="0" fill="hold" grpId="0" nodeType="clickEffect">
-                                  <p:stCondLst>
-                                    <p:cond delay="0"/>
-                                  </p:stCondLst>
-                                  <p:childTnLst>
-                                    <p:set>
-                                      <p:cBhvr>
-                                        <p:cTn id="16" dur="1" fill="hold">
-                                          <p:stCondLst>
-                                            <p:cond delay="0"/>
-                                          </p:stCondLst>
-                                        </p:cTn>
-                                        <p:tgtEl>
-                                          <p:spTgt spid="3">
-                                            <p:txEl>
-                                              <p:pRg st="4" end="4"/>
-                                            </p:txEl>
-                                          </p:spTgt>
-                                        </p:tgtEl>
-                                        <p:attrNameLst>
-                                          <p:attrName>style.visibility</p:attrName>
-                                        </p:attrNameLst>
-                                      </p:cBhvr>
-                                      <p:to>
-                                        <p:strVal val="visible"/>
-                                      </p:to>
-                                    </p:set>
-                                  </p:childTnLst>
-                                </p:cTn>
-                              </p:par>
-                              <p:par>
-                                <p:cTn id="17" presetID="1" presetClass="entr" presetSubtype="0" fill="hold" grpId="0" nodeType="withEffect">
-                                  <p:stCondLst>
-                                    <p:cond delay="0"/>
-                                  </p:stCondLst>
-                                  <p:childTnLst>
-                                    <p:set>
-                                      <p:cBhvr>
-                                        <p:cTn id="18" dur="1" fill="hold">
-                                          <p:stCondLst>
-                                            <p:cond delay="0"/>
-                                          </p:stCondLst>
-                                        </p:cTn>
-                                        <p:tgtEl>
-                                          <p:spTgt spid="3">
-                                            <p:txEl>
-                                              <p:pRg st="5" end="5"/>
-                                            </p:txEl>
-                                          </p:spTgt>
-                                        </p:tgtEl>
-                                        <p:attrNameLst>
-                                          <p:attrName>style.visibility</p:attrName>
-                                        </p:attrNameLst>
-                                      </p:cBhvr>
-                                      <p:to>
-                                        <p:strVal val="visible"/>
-                                      </p:to>
-                                    </p:set>
-                                  </p:childTnLst>
-                                </p:cTn>
-                              </p:par>
-                              <p:par>
-                                <p:cTn id="19" presetID="1" presetClass="entr" presetSubtype="0" fill="hold" grpId="0" nodeType="withEffect">
-                                  <p:stCondLst>
-                                    <p:cond delay="0"/>
-                                  </p:stCondLst>
-                                  <p:childTnLst>
-                                    <p:set>
-                                      <p:cBhvr>
-                                        <p:cTn id="20" dur="1" fill="hold">
-                                          <p:stCondLst>
-                                            <p:cond delay="0"/>
-                                          </p:stCondLst>
-                                        </p:cTn>
-                                        <p:tgtEl>
-                                          <p:spTgt spid="3">
-                                            <p:txEl>
-                                              <p:pRg st="6" end="6"/>
-                                            </p:txEl>
-                                          </p:spTgt>
-                                        </p:tgtEl>
-                                        <p:attrNameLst>
-                                          <p:attrName>style.visibility</p:attrName>
-                                        </p:attrNameLst>
-                                      </p:cBhvr>
-                                      <p:to>
-                                        <p:strVal val="visible"/>
-                                      </p:to>
-                                    </p:set>
-                                  </p:childTnLst>
-                                </p:cTn>
-                              </p:par>
-                              <p:par>
-                                <p:cTn id="21" presetID="1" presetClass="entr" presetSubtype="0" fill="hold" grpId="0" nodeType="withEffect">
-                                  <p:stCondLst>
-                                    <p:cond delay="0"/>
-                                  </p:stCondLst>
-                                  <p:childTnLst>
-                                    <p:set>
-                                      <p:cBhvr>
-                                        <p:cTn id="22" dur="1" fill="hold">
-                                          <p:stCondLst>
-                                            <p:cond delay="0"/>
-                                          </p:stCondLst>
-                                        </p:cTn>
-                                        <p:tgtEl>
-                                          <p:spTgt spid="3">
-                                            <p:txEl>
-                                              <p:pRg st="7" end="7"/>
-                                            </p:txEl>
-                                          </p:spTgt>
-                                        </p:tgtEl>
-                                        <p:attrNameLst>
-                                          <p:attrName>style.visibility</p:attrName>
-                                        </p:attrNameLst>
-                                      </p:cBhvr>
-                                      <p:to>
-                                        <p:strVal val="visible"/>
-                                      </p:to>
-                                    </p:set>
-                                  </p:childTnLst>
-                                </p:cTn>
-                              </p:par>
-                            </p:childTnLst>
-                          </p:cTn>
-                        </p:par>
-                      </p:childTnLst>
-                    </p:cTn>
-                  </p:par>
-                </p:childTnLst>
-              </p:cTn>
-              <p:prevCondLst>
-                <p:cond evt="onPrev" delay="0">
-                  <p:tgtEl>
-                    <p:sldTgt/>
-                  </p:tgtEl>
-                </p:cond>
-              </p:prevCondLst>
-              <p:nextCondLst>
-                <p:cond evt="onNext" delay="0">
-                  <p:tgtEl>
-                    <p:sldTgt/>
-                  </p:tgtEl>
-                </p:cond>
-              </p:nextCondLst>
-            </p:seq>
-          </p:childTnLst>
-        </p:cTn>
-      </p:par>
-    </p:tnLst>
-    <p:bldLst>
-      <p:bldP spid="3" grpId="0" build="p"/>
-    </p:bldLst>
-  </p:timing>
-</p:sld>
-</file>
-
-<file path=ppt/slides/slide11.xml><?xml version="1.0" encoding="utf-8"?>
-<p:sld xmlns:a="http://schemas.openxmlformats.org/drawingml/2006/main" xmlns:r="http://schemas.openxmlformats.org/officeDocument/2006/relationships" xmlns:p="http://schemas.openxmlformats.org/presentationml/2006/main">
-  <p:cSld>
-    <p:spTree>
-      <p:nvGrpSpPr>
-        <p:cNvPr id="1" name=""/>
-        <p:cNvGrpSpPr/>
-        <p:nvPr/>
-      </p:nvGrpSpPr>
-      <p:grpSpPr>
-        <a:xfrm>
-          <a:off x="0" y="0"/>
-          <a:ext cx="0" cy="0"/>
-          <a:chOff x="0" y="0"/>
-          <a:chExt cx="0" cy="0"/>
-        </a:xfrm>
-      </p:grpSpPr>
-      <p:sp>
-        <p:nvSpPr>
-          <p:cNvPr id="2" name="Title 1"/>
-          <p:cNvSpPr>
-            <a:spLocks noGrp="1"/>
-          </p:cNvSpPr>
-          <p:nvPr>
-            <p:ph type="title"/>
-          </p:nvPr>
-        </p:nvSpPr>
-        <p:spPr/>
-        <p:txBody>
-          <a:bodyPr/>
-          <a:lstStyle/>
-          <a:p>
-            <a:r>
-              <a:rPr lang="en-US" dirty="0"/>
-              <a:t>Demo</a:t>
-            </a:r>
-          </a:p>
-        </p:txBody>
-      </p:sp>
-      <p:pic>
-        <p:nvPicPr>
-          <p:cNvPr id="1026" name="Picture 2" descr="Oliver Smoot, who stands 5-foot-7, was used to measure the Massachusetts Avenue Bridge as part of a MIT fraternity prank in 1958. The markings on the bridge and the legacy of the unit of measurement know as the Smoot live on. (Joe Difazio for WBUR)"/>
-          <p:cNvPicPr>
-            <a:picLocks noGrp="1" noChangeAspect="1" noChangeArrowheads="1"/>
-          </p:cNvPicPr>
-          <p:nvPr>
-            <p:ph idx="1"/>
-          </p:nvPr>
-        </p:nvPicPr>
-        <p:blipFill>
-          <a:blip r:embed="rId2">
-            <a:extLst>
-              <a:ext uri="{28A0092B-C50C-407E-A947-70E740481C1C}">
-                <a14:useLocalDpi xmlns:a14="http://schemas.microsoft.com/office/drawing/2010/main" val="0"/>
-              </a:ext>
-            </a:extLst>
-          </a:blip>
-          <a:stretch>
-            <a:fillRect/>
-          </a:stretch>
-        </p:blipFill>
-        <p:spPr bwMode="auto">
-          <a:xfrm>
-            <a:off x="2907507" y="1803400"/>
-            <a:ext cx="6691312" cy="4460875"/>
-          </a:xfrm>
-          <a:prstGeom prst="rect">
-            <a:avLst/>
-          </a:prstGeom>
-          <a:noFill/>
-          <a:extLst>
-            <a:ext uri="{909E8E84-426E-40DD-AFC4-6F175D3DCCD1}">
-              <a14:hiddenFill xmlns:a14="http://schemas.microsoft.com/office/drawing/2010/main">
-                <a:solidFill>
-                  <a:srgbClr val="FFFFFF"/>
-                </a:solidFill>
-              </a14:hiddenFill>
-            </a:ext>
-          </a:extLst>
-        </p:spPr>
-      </p:pic>
-      <p:sp>
-        <p:nvSpPr>
-          <p:cNvPr id="4" name="TextBox 3"/>
-          <p:cNvSpPr txBox="1"/>
-          <p:nvPr/>
-        </p:nvSpPr>
-        <p:spPr>
-          <a:xfrm>
-            <a:off x="9015445" y="5987276"/>
-            <a:ext cx="2668555" cy="276999"/>
-          </a:xfrm>
-          <a:prstGeom prst="rect">
-            <a:avLst/>
-          </a:prstGeom>
-          <a:noFill/>
-        </p:spPr>
-        <p:txBody>
-          <a:bodyPr wrap="square" rtlCol="0">
-            <a:spAutoFit/>
-          </a:bodyPr>
-          <a:lstStyle/>
-          <a:p>
-            <a:pPr algn="r"/>
-            <a:r>
-              <a:rPr lang="en-US" sz="1200" dirty="0"/>
-              <a:t>Photo by Joe </a:t>
-            </a:r>
-            <a:r>
-              <a:rPr lang="en-US" sz="1200" dirty="0" err="1"/>
-              <a:t>Difazio</a:t>
-            </a:r>
-            <a:r>
-              <a:rPr lang="en-US" sz="1200" dirty="0"/>
-              <a:t> for WBUR</a:t>
-            </a:r>
-          </a:p>
-        </p:txBody>
-      </p:sp>
-    </p:spTree>
-    <p:extLst>
-      <p:ext uri="{BB962C8B-B14F-4D97-AF65-F5344CB8AC3E}">
-        <p14:creationId xmlns:p14="http://schemas.microsoft.com/office/powerpoint/2010/main" val="378969601"/>
-      </p:ext>
-    </p:extLst>
-  </p:cSld>
-  <p:clrMapOvr>
-    <a:masterClrMapping/>
-  </p:clrMapOvr>
-</p:sld>
-</file>
-
-<file path=ppt/slides/slide12.xml><?xml version="1.0" encoding="utf-8"?>
-<p:sld xmlns:a="http://schemas.openxmlformats.org/drawingml/2006/main" xmlns:r="http://schemas.openxmlformats.org/officeDocument/2006/relationships" xmlns:p="http://schemas.openxmlformats.org/presentationml/2006/main">
-  <p:cSld>
-    <p:spTree>
-      <p:nvGrpSpPr>
-        <p:cNvPr id="1" name=""/>
-        <p:cNvGrpSpPr/>
-        <p:nvPr/>
-      </p:nvGrpSpPr>
-      <p:grpSpPr>
-        <a:xfrm>
-          <a:off x="0" y="0"/>
-          <a:ext cx="0" cy="0"/>
-          <a:chOff x="0" y="0"/>
-          <a:chExt cx="0" cy="0"/>
-        </a:xfrm>
-      </p:grpSpPr>
-      <p:sp>
-        <p:nvSpPr>
-          <p:cNvPr id="10" name="Title 9"/>
-          <p:cNvSpPr>
-            <a:spLocks noGrp="1"/>
-          </p:cNvSpPr>
-          <p:nvPr>
-            <p:ph type="title"/>
-          </p:nvPr>
-        </p:nvSpPr>
-        <p:spPr/>
-        <p:txBody>
-          <a:bodyPr>
-            <a:normAutofit/>
-          </a:bodyPr>
-          <a:lstStyle/>
-          <a:p>
-            <a:r>
-              <a:rPr lang="en-US" dirty="0"/>
-              <a:t>You might be asking…</a:t>
-            </a:r>
-          </a:p>
-        </p:txBody>
-      </p:sp>
-      <p:sp>
-        <p:nvSpPr>
-          <p:cNvPr id="6" name="Content Placeholder 5"/>
-          <p:cNvSpPr>
-            <a:spLocks noGrp="1"/>
-          </p:cNvSpPr>
-          <p:nvPr>
-            <p:ph sz="quarter" idx="13"/>
-          </p:nvPr>
-        </p:nvSpPr>
-        <p:spPr/>
-        <p:txBody>
-          <a:bodyPr>
-            <a:normAutofit/>
-          </a:bodyPr>
-          <a:lstStyle/>
-          <a:p>
-            <a:pPr marL="0" indent="0">
-              <a:buNone/>
-            </a:pPr>
-            <a:r>
-              <a:rPr lang="en-US" sz="8000" dirty="0"/>
-              <a:t>Andy,</a:t>
-            </a:r>
-          </a:p>
-          <a:p>
-            <a:pPr marL="0" indent="0">
-              <a:buNone/>
-            </a:pPr>
-            <a:r>
-              <a:rPr lang="en-US" sz="8000" dirty="0"/>
-              <a:t>Why the *&amp;$# are you telling this story?</a:t>
-            </a:r>
-          </a:p>
-        </p:txBody>
-      </p:sp>
-    </p:spTree>
-    <p:extLst>
-      <p:ext uri="{BB962C8B-B14F-4D97-AF65-F5344CB8AC3E}">
-        <p14:creationId xmlns:p14="http://schemas.microsoft.com/office/powerpoint/2010/main" val="465045979"/>
-      </p:ext>
-    </p:extLst>
-  </p:cSld>
-  <p:clrMapOvr>
-    <a:masterClrMapping/>
-  </p:clrMapOvr>
-  <p:timing>
-    <p:tnLst>
-      <p:par>
-        <p:cTn id="1" dur="indefinite" restart="never" nodeType="tmRoot">
-          <p:childTnLst>
-            <p:seq concurrent="1" nextAc="seek">
-              <p:cTn id="2" dur="indefinite" nodeType="mainSeq">
-                <p:childTnLst>
-                  <p:par>
-                    <p:cTn id="3" fill="hold">
-                      <p:stCondLst>
-                        <p:cond delay="indefinite"/>
-                      </p:stCondLst>
-                      <p:childTnLst>
-                        <p:par>
-                          <p:cTn id="4" fill="hold">
-                            <p:stCondLst>
-                              <p:cond delay="0"/>
-                            </p:stCondLst>
-                            <p:childTnLst>
-                              <p:par>
-                                <p:cTn id="5" presetID="1" presetClass="entr" presetSubtype="0" fill="hold" grpId="0" nodeType="clickEffect">
-                                  <p:stCondLst>
-                                    <p:cond delay="0"/>
-                                  </p:stCondLst>
-                                  <p:childTnLst>
-                                    <p:set>
-                                      <p:cBhvr>
-                                        <p:cTn id="6" dur="1" fill="hold">
-                                          <p:stCondLst>
-                                            <p:cond delay="0"/>
-                                          </p:stCondLst>
-                                        </p:cTn>
-                                        <p:tgtEl>
-                                          <p:spTgt spid="6">
-                                            <p:txEl>
-                                              <p:pRg st="0" end="0"/>
-                                            </p:txEl>
-                                          </p:spTgt>
-                                        </p:tgtEl>
-                                        <p:attrNameLst>
-                                          <p:attrName>style.visibility</p:attrName>
-                                        </p:attrNameLst>
-                                      </p:cBhvr>
-                                      <p:to>
-                                        <p:strVal val="visible"/>
-                                      </p:to>
-                                    </p:set>
-                                  </p:childTnLst>
-                                </p:cTn>
-                              </p:par>
-                            </p:childTnLst>
-                          </p:cTn>
-                        </p:par>
-                      </p:childTnLst>
-                    </p:cTn>
-                  </p:par>
-                  <p:par>
-                    <p:cTn id="7" fill="hold">
-                      <p:stCondLst>
-                        <p:cond delay="indefinite"/>
-                      </p:stCondLst>
-                      <p:childTnLst>
-                        <p:par>
-                          <p:cTn id="8" fill="hold">
-                            <p:stCondLst>
-                              <p:cond delay="0"/>
-                            </p:stCondLst>
-                            <p:childTnLst>
-                              <p:par>
-                                <p:cTn id="9" presetID="1" presetClass="entr" presetSubtype="0" fill="hold" grpId="0" nodeType="clickEffect">
-                                  <p:stCondLst>
-                                    <p:cond delay="0"/>
-                                  </p:stCondLst>
-                                  <p:childTnLst>
-                                    <p:set>
-                                      <p:cBhvr>
-                                        <p:cTn id="10" dur="1" fill="hold">
-                                          <p:stCondLst>
-                                            <p:cond delay="0"/>
-                                          </p:stCondLst>
-                                        </p:cTn>
-                                        <p:tgtEl>
-                                          <p:spTgt spid="6">
-                                            <p:txEl>
-                                              <p:pRg st="1" end="1"/>
-                                            </p:txEl>
-                                          </p:spTgt>
-                                        </p:tgtEl>
-                                        <p:attrNameLst>
-                                          <p:attrName>style.visibility</p:attrName>
-                                        </p:attrNameLst>
-                                      </p:cBhvr>
-                                      <p:to>
-                                        <p:strVal val="visible"/>
-                                      </p:to>
-                                    </p:set>
-                                  </p:childTnLst>
-                                </p:cTn>
-                              </p:par>
-                            </p:childTnLst>
-                          </p:cTn>
-                        </p:par>
-                      </p:childTnLst>
-                    </p:cTn>
-                  </p:par>
-                </p:childTnLst>
-              </p:cTn>
-              <p:prevCondLst>
-                <p:cond evt="onPrev" delay="0">
-                  <p:tgtEl>
-                    <p:sldTgt/>
-                  </p:tgtEl>
-                </p:cond>
-              </p:prevCondLst>
-              <p:nextCondLst>
-                <p:cond evt="onNext" delay="0">
-                  <p:tgtEl>
-                    <p:sldTgt/>
-                  </p:tgtEl>
-                </p:cond>
-              </p:nextCondLst>
-            </p:seq>
-          </p:childTnLst>
-        </p:cTn>
-      </p:par>
-    </p:tnLst>
-    <p:bldLst>
-      <p:bldP spid="6" grpId="0" build="p"/>
-    </p:bldLst>
-  </p:timing>
-</p:sld>
-</file>
-
-<file path=ppt/slides/slide13.xml><?xml version="1.0" encoding="utf-8"?>
-<p:sld xmlns:a="http://schemas.openxmlformats.org/drawingml/2006/main" xmlns:r="http://schemas.openxmlformats.org/officeDocument/2006/relationships" xmlns:p="http://schemas.openxmlformats.org/presentationml/2006/main">
-  <p:cSld>
-    <p:spTree>
-      <p:nvGrpSpPr>
-        <p:cNvPr id="1" name=""/>
-        <p:cNvGrpSpPr/>
-        <p:nvPr/>
-      </p:nvGrpSpPr>
-      <p:grpSpPr>
-        <a:xfrm>
-          <a:off x="0" y="0"/>
-          <a:ext cx="0" cy="0"/>
-          <a:chOff x="0" y="0"/>
-          <a:chExt cx="0" cy="0"/>
-        </a:xfrm>
-      </p:grpSpPr>
-      <p:sp>
-        <p:nvSpPr>
-          <p:cNvPr id="2" name="Title 1"/>
-          <p:cNvSpPr>
-            <a:spLocks noGrp="1"/>
-          </p:cNvSpPr>
-          <p:nvPr>
-            <p:ph type="title"/>
-          </p:nvPr>
-        </p:nvSpPr>
-        <p:spPr/>
-        <p:txBody>
-          <a:bodyPr/>
-          <a:lstStyle/>
-          <a:p>
-            <a:r>
-              <a:rPr lang="en-US" dirty="0"/>
               <a:t>Smoot Wisdom</a:t>
             </a:r>
           </a:p>
@@ -8872,7 +7838,7 @@
 </p:sld>
 </file>
 
-<file path=ppt/slides/slide14.xml><?xml version="1.0" encoding="utf-8"?>
+<file path=ppt/slides/slide11.xml><?xml version="1.0" encoding="utf-8"?>
 <p:sld xmlns:a="http://schemas.openxmlformats.org/drawingml/2006/main" xmlns:r="http://schemas.openxmlformats.org/officeDocument/2006/relationships" xmlns:p="http://schemas.openxmlformats.org/presentationml/2006/main">
   <p:cSld>
     <p:spTree>
@@ -8948,7 +7914,7 @@
 </p:sld>
 </file>
 
-<file path=ppt/slides/slide15.xml><?xml version="1.0" encoding="utf-8"?>
+<file path=ppt/slides/slide12.xml><?xml version="1.0" encoding="utf-8"?>
 <p:sld xmlns:a="http://schemas.openxmlformats.org/drawingml/2006/main" xmlns:r="http://schemas.openxmlformats.org/officeDocument/2006/relationships" xmlns:p="http://schemas.openxmlformats.org/presentationml/2006/main">
   <p:cSld>
     <p:spTree>
@@ -9058,7 +8024,7 @@
 </p:sld>
 </file>
 
-<file path=ppt/slides/slide16.xml><?xml version="1.0" encoding="utf-8"?>
+<file path=ppt/slides/slide13.xml><?xml version="1.0" encoding="utf-8"?>
 <p:sld xmlns:a="http://schemas.openxmlformats.org/drawingml/2006/main" xmlns:r="http://schemas.openxmlformats.org/officeDocument/2006/relationships" xmlns:p="http://schemas.openxmlformats.org/presentationml/2006/main">
   <p:cSld>
     <p:spTree>
@@ -9261,7 +8227,7 @@
 </p:sld>
 </file>
 
-<file path=ppt/slides/slide17.xml><?xml version="1.0" encoding="utf-8"?>
+<file path=ppt/slides/slide14.xml><?xml version="1.0" encoding="utf-8"?>
 <p:sld xmlns:a="http://schemas.openxmlformats.org/drawingml/2006/main" xmlns:r="http://schemas.openxmlformats.org/officeDocument/2006/relationships" xmlns:p="http://schemas.openxmlformats.org/presentationml/2006/main">
   <p:cSld>
     <p:spTree>
@@ -9572,7 +8538,7 @@
 </p:sld>
 </file>
 
-<file path=ppt/slides/slide18.xml><?xml version="1.0" encoding="utf-8"?>
+<file path=ppt/slides/slide15.xml><?xml version="1.0" encoding="utf-8"?>
 <p:sld xmlns:a="http://schemas.openxmlformats.org/drawingml/2006/main" xmlns:r="http://schemas.openxmlformats.org/officeDocument/2006/relationships" xmlns:p="http://schemas.openxmlformats.org/presentationml/2006/main">
   <p:cSld>
     <p:spTree>
@@ -9697,7 +8663,7 @@
 </p:sld>
 </file>
 
-<file path=ppt/slides/slide19.xml><?xml version="1.0" encoding="utf-8"?>
+<file path=ppt/slides/slide16.xml><?xml version="1.0" encoding="utf-8"?>
 <p:sld xmlns:a="http://schemas.openxmlformats.org/drawingml/2006/main" xmlns:r="http://schemas.openxmlformats.org/officeDocument/2006/relationships" xmlns:p="http://schemas.openxmlformats.org/presentationml/2006/main">
   <p:cSld>
     <p:spTree>
@@ -9823,123 +8789,7 @@
 </p:sld>
 </file>
 
-<file path=ppt/slides/slide2.xml><?xml version="1.0" encoding="utf-8"?>
-<p:sld xmlns:a="http://schemas.openxmlformats.org/drawingml/2006/main" xmlns:r="http://schemas.openxmlformats.org/officeDocument/2006/relationships" xmlns:p="http://schemas.openxmlformats.org/presentationml/2006/main">
-  <p:cSld>
-    <p:spTree>
-      <p:nvGrpSpPr>
-        <p:cNvPr id="1" name=""/>
-        <p:cNvGrpSpPr/>
-        <p:nvPr/>
-      </p:nvGrpSpPr>
-      <p:grpSpPr>
-        <a:xfrm>
-          <a:off x="0" y="0"/>
-          <a:ext cx="0" cy="0"/>
-          <a:chOff x="0" y="0"/>
-          <a:chExt cx="0" cy="0"/>
-        </a:xfrm>
-      </p:grpSpPr>
-      <p:sp>
-        <p:nvSpPr>
-          <p:cNvPr id="2" name="Title 1"/>
-          <p:cNvSpPr>
-            <a:spLocks noGrp="1"/>
-          </p:cNvSpPr>
-          <p:nvPr>
-            <p:ph type="title"/>
-          </p:nvPr>
-        </p:nvSpPr>
-        <p:spPr/>
-        <p:txBody>
-          <a:bodyPr>
-            <a:normAutofit/>
-          </a:bodyPr>
-          <a:lstStyle/>
-          <a:p>
-            <a:r>
-              <a:rPr lang="en-US" dirty="0"/>
-              <a:t>Andy Mallon</a:t>
-            </a:r>
-          </a:p>
-        </p:txBody>
-      </p:sp>
-      <p:sp>
-        <p:nvSpPr>
-          <p:cNvPr id="3" name="Content Placeholder 2"/>
-          <p:cNvSpPr>
-            <a:spLocks noGrp="1"/>
-          </p:cNvSpPr>
-          <p:nvPr>
-            <p:ph idx="1"/>
-          </p:nvPr>
-        </p:nvSpPr>
-        <p:spPr>
-          <a:xfrm>
-            <a:off x="816864" y="1803400"/>
-            <a:ext cx="10871200" cy="4460834"/>
-          </a:xfrm>
-        </p:spPr>
-        <p:txBody>
-          <a:bodyPr>
-            <a:normAutofit/>
-          </a:bodyPr>
-          <a:lstStyle/>
-          <a:p>
-            <a:r>
-              <a:rPr lang="en-US" dirty="0"/>
-              <a:t>Product Manager at </a:t>
-            </a:r>
-            <a:r>
-              <a:rPr lang="en-US" dirty="0" err="1"/>
-              <a:t>SentryOne</a:t>
-            </a:r>
-            <a:endParaRPr lang="en-US" dirty="0"/>
-          </a:p>
-          <a:p>
-            <a:r>
-              <a:rPr lang="en-US" dirty="0"/>
-              <a:t>Working with SQL Server since 2003</a:t>
-            </a:r>
-          </a:p>
-          <a:p>
-            <a:r>
-              <a:rPr lang="en-US" dirty="0"/>
-              <a:t>Background in Tech Support, Database Administration, and Database Architecture</a:t>
-            </a:r>
-          </a:p>
-          <a:p>
-            <a:r>
-              <a:rPr lang="en-US" dirty="0"/>
-              <a:t>Lazy</a:t>
-            </a:r>
-          </a:p>
-          <a:p>
-            <a:r>
-              <a:rPr lang="en-US" dirty="0"/>
-              <a:t>Impatient</a:t>
-            </a:r>
-          </a:p>
-          <a:p>
-            <a:pPr lvl="1"/>
-            <a:endParaRPr lang="en-US" dirty="0"/>
-          </a:p>
-        </p:txBody>
-      </p:sp>
-    </p:spTree>
-    <p:extLst>
-      <p:ext uri="{BB962C8B-B14F-4D97-AF65-F5344CB8AC3E}">
-        <p14:creationId xmlns:p14="http://schemas.microsoft.com/office/powerpoint/2010/main" val="2367324778"/>
-      </p:ext>
-    </p:extLst>
-  </p:cSld>
-  <p:clrMapOvr>
-    <a:masterClrMapping/>
-  </p:clrMapOvr>
-</p:sld>
-</file>
-
-<file path=ppt/slides/slide20.xml><?xml version="1.0" encoding="utf-8"?>
+<file path=ppt/slides/slide17.xml><?xml version="1.0" encoding="utf-8"?>
 <p:sld xmlns:a="http://schemas.openxmlformats.org/drawingml/2006/main" xmlns:r="http://schemas.openxmlformats.org/officeDocument/2006/relationships" xmlns:p="http://schemas.openxmlformats.org/presentationml/2006/main">
   <p:cSld>
     <p:spTree>
@@ -11314,7 +10164,7 @@
 </p:sld>
 </file>
 
-<file path=ppt/slides/slide21.xml><?xml version="1.0" encoding="utf-8"?>
+<file path=ppt/slides/slide18.xml><?xml version="1.0" encoding="utf-8"?>
 <p:sld xmlns:a="http://schemas.openxmlformats.org/drawingml/2006/main" xmlns:r="http://schemas.openxmlformats.org/officeDocument/2006/relationships" xmlns:p="http://schemas.openxmlformats.org/presentationml/2006/main">
   <p:cSld>
     <p:spTree>
@@ -12077,7 +10927,7 @@
 </p:sld>
 </file>
 
-<file path=ppt/slides/slide22.xml><?xml version="1.0" encoding="utf-8"?>
+<file path=ppt/slides/slide19.xml><?xml version="1.0" encoding="utf-8"?>
 <p:sld xmlns:a="http://schemas.openxmlformats.org/drawingml/2006/main" xmlns:r="http://schemas.openxmlformats.org/officeDocument/2006/relationships" xmlns:p="http://schemas.openxmlformats.org/presentationml/2006/main">
   <p:cSld>
     <p:spTree>
@@ -12401,7 +11251,123 @@
 </p:sld>
 </file>
 
-<file path=ppt/slides/slide23.xml><?xml version="1.0" encoding="utf-8"?>
+<file path=ppt/slides/slide2.xml><?xml version="1.0" encoding="utf-8"?>
+<p:sld xmlns:a="http://schemas.openxmlformats.org/drawingml/2006/main" xmlns:r="http://schemas.openxmlformats.org/officeDocument/2006/relationships" xmlns:p="http://schemas.openxmlformats.org/presentationml/2006/main">
+  <p:cSld>
+    <p:spTree>
+      <p:nvGrpSpPr>
+        <p:cNvPr id="1" name=""/>
+        <p:cNvGrpSpPr/>
+        <p:nvPr/>
+      </p:nvGrpSpPr>
+      <p:grpSpPr>
+        <a:xfrm>
+          <a:off x="0" y="0"/>
+          <a:ext cx="0" cy="0"/>
+          <a:chOff x="0" y="0"/>
+          <a:chExt cx="0" cy="0"/>
+        </a:xfrm>
+      </p:grpSpPr>
+      <p:sp>
+        <p:nvSpPr>
+          <p:cNvPr id="2" name="Title 1"/>
+          <p:cNvSpPr>
+            <a:spLocks noGrp="1"/>
+          </p:cNvSpPr>
+          <p:nvPr>
+            <p:ph type="title"/>
+          </p:nvPr>
+        </p:nvSpPr>
+        <p:spPr/>
+        <p:txBody>
+          <a:bodyPr>
+            <a:normAutofit/>
+          </a:bodyPr>
+          <a:lstStyle/>
+          <a:p>
+            <a:r>
+              <a:rPr lang="en-US" dirty="0"/>
+              <a:t>Andy Mallon</a:t>
+            </a:r>
+          </a:p>
+        </p:txBody>
+      </p:sp>
+      <p:sp>
+        <p:nvSpPr>
+          <p:cNvPr id="3" name="Content Placeholder 2"/>
+          <p:cNvSpPr>
+            <a:spLocks noGrp="1"/>
+          </p:cNvSpPr>
+          <p:nvPr>
+            <p:ph idx="1"/>
+          </p:nvPr>
+        </p:nvSpPr>
+        <p:spPr>
+          <a:xfrm>
+            <a:off x="816864" y="1803400"/>
+            <a:ext cx="10871200" cy="4460834"/>
+          </a:xfrm>
+        </p:spPr>
+        <p:txBody>
+          <a:bodyPr>
+            <a:normAutofit/>
+          </a:bodyPr>
+          <a:lstStyle/>
+          <a:p>
+            <a:r>
+              <a:rPr lang="en-US" dirty="0"/>
+              <a:t>Product Manager at </a:t>
+            </a:r>
+            <a:r>
+              <a:rPr lang="en-US" dirty="0" err="1"/>
+              <a:t>SentryOne</a:t>
+            </a:r>
+            <a:endParaRPr lang="en-US" dirty="0"/>
+          </a:p>
+          <a:p>
+            <a:r>
+              <a:rPr lang="en-US" dirty="0"/>
+              <a:t>Working with SQL Server since 2003</a:t>
+            </a:r>
+          </a:p>
+          <a:p>
+            <a:r>
+              <a:rPr lang="en-US" dirty="0"/>
+              <a:t>Background in Tech Support, Database Administration, and Database Architecture</a:t>
+            </a:r>
+          </a:p>
+          <a:p>
+            <a:r>
+              <a:rPr lang="en-US" dirty="0"/>
+              <a:t>Lazy</a:t>
+            </a:r>
+          </a:p>
+          <a:p>
+            <a:r>
+              <a:rPr lang="en-US" dirty="0"/>
+              <a:t>Impatient</a:t>
+            </a:r>
+          </a:p>
+          <a:p>
+            <a:pPr lvl="1"/>
+            <a:endParaRPr lang="en-US" dirty="0"/>
+          </a:p>
+        </p:txBody>
+      </p:sp>
+    </p:spTree>
+    <p:extLst>
+      <p:ext uri="{BB962C8B-B14F-4D97-AF65-F5344CB8AC3E}">
+        <p14:creationId xmlns:p14="http://schemas.microsoft.com/office/powerpoint/2010/main" val="2367324778"/>
+      </p:ext>
+    </p:extLst>
+  </p:cSld>
+  <p:clrMapOvr>
+    <a:masterClrMapping/>
+  </p:clrMapOvr>
+</p:sld>
+</file>
+
+<file path=ppt/slides/slide20.xml><?xml version="1.0" encoding="utf-8"?>
 <p:sld xmlns:a="http://schemas.openxmlformats.org/drawingml/2006/main" xmlns:r="http://schemas.openxmlformats.org/officeDocument/2006/relationships" xmlns:p="http://schemas.openxmlformats.org/presentationml/2006/main">
   <p:cSld>
     <p:spTree>
@@ -12681,7 +11647,7 @@
 </p:sld>
 </file>
 
-<file path=ppt/slides/slide24.xml><?xml version="1.0" encoding="utf-8"?>
+<file path=ppt/slides/slide21.xml><?xml version="1.0" encoding="utf-8"?>
 <p:sld xmlns:a="http://schemas.openxmlformats.org/drawingml/2006/main" xmlns:r="http://schemas.openxmlformats.org/officeDocument/2006/relationships" xmlns:p="http://schemas.openxmlformats.org/presentationml/2006/main">
   <p:cSld>
     <p:spTree>
@@ -13006,7 +11972,7 @@
 </p:sld>
 </file>
 
-<file path=ppt/slides/slide25.xml><?xml version="1.0" encoding="utf-8"?>
+<file path=ppt/slides/slide22.xml><?xml version="1.0" encoding="utf-8"?>
 <p:sld xmlns:a="http://schemas.openxmlformats.org/drawingml/2006/main" xmlns:r="http://schemas.openxmlformats.org/officeDocument/2006/relationships" xmlns:p="http://schemas.openxmlformats.org/presentationml/2006/main">
   <p:cSld>
     <p:spTree>
@@ -13376,7 +12342,7 @@
 </p:sld>
 </file>
 
-<file path=ppt/slides/slide26.xml><?xml version="1.0" encoding="utf-8"?>
+<file path=ppt/slides/slide23.xml><?xml version="1.0" encoding="utf-8"?>
 <p:sld xmlns:a="http://schemas.openxmlformats.org/drawingml/2006/main" xmlns:r="http://schemas.openxmlformats.org/officeDocument/2006/relationships" xmlns:p="http://schemas.openxmlformats.org/presentationml/2006/main">
   <p:cSld>
     <p:spTree>
@@ -13539,7 +12505,7 @@
 </p:sld>
 </file>
 
-<file path=ppt/slides/slide27.xml><?xml version="1.0" encoding="utf-8"?>
+<file path=ppt/slides/slide24.xml><?xml version="1.0" encoding="utf-8"?>
 <p:sld xmlns:a="http://schemas.openxmlformats.org/drawingml/2006/main" xmlns:r="http://schemas.openxmlformats.org/officeDocument/2006/relationships" xmlns:p="http://schemas.openxmlformats.org/presentationml/2006/main">
   <p:cSld>
     <p:spTree>
@@ -13595,35 +12561,54 @@
           <a:lstStyle/>
           <a:p>
             <a:r>
+              <a:rPr lang="en-US" dirty="0" err="1"/>
+              <a:t>sp_helpindex</a:t>
+            </a:r>
+            <a:r>
+              <a:rPr lang="en-US" dirty="0"/>
+              <a:t> isn’t helpful</a:t>
+            </a:r>
+          </a:p>
+          <a:p>
+            <a:pPr lvl="1"/>
+            <a:r>
+              <a:rPr lang="en-US" dirty="0" err="1"/>
+              <a:t>sp_BlitzIndex</a:t>
+            </a:r>
+            <a:r>
+              <a:rPr lang="en-US" dirty="0"/>
+              <a:t> from </a:t>
+            </a:r>
+            <a:r>
               <a:rPr lang="en-US"/>
-              <a:t>sp_helpindex isn’t helpful</a:t>
-            </a:r>
+              <a:t>First Responder Kit</a:t>
+            </a:r>
+            <a:endParaRPr lang="en-US" dirty="0"/>
           </a:p>
           <a:p>
             <a:pPr lvl="1"/>
             <a:r>
-              <a:rPr lang="en-US"/>
-              <a:t>sp_BlitzIndex from Brent Ozar Unlimited</a:t>
-            </a:r>
-          </a:p>
-          <a:p>
-            <a:pPr lvl="1"/>
-            <a:r>
-              <a:rPr lang="en-US"/>
-              <a:t>sp_helpindex variants from SQL Skills</a:t>
-            </a:r>
-          </a:p>
-          <a:p>
-            <a:r>
-              <a:rPr lang="en-US"/>
+              <a:rPr lang="en-US" dirty="0" err="1"/>
+              <a:t>sp_SQLskills_helpindex</a:t>
+            </a:r>
+            <a:r>
+              <a:rPr lang="en-US" dirty="0"/>
+              <a:t> from SQL Skills</a:t>
+            </a:r>
+          </a:p>
+          <a:p>
+            <a:r>
+              <a:rPr lang="en-US" dirty="0" err="1"/>
               <a:t>sp_estimate_data_compression_savings</a:t>
             </a:r>
-          </a:p>
-          <a:p>
-            <a:r>
-              <a:rPr lang="en-US"/>
+            <a:endParaRPr lang="en-US" dirty="0"/>
+          </a:p>
+          <a:p>
+            <a:r>
+              <a:rPr lang="en-US" dirty="0" err="1"/>
               <a:t>sys.dm_db_index_physical_stats</a:t>
             </a:r>
+            <a:endParaRPr lang="en-US" dirty="0"/>
           </a:p>
           <a:p>
             <a:endParaRPr lang="en-US" dirty="0"/>
@@ -13643,7 +12628,7 @@
 </p:sld>
 </file>
 
-<file path=ppt/slides/slide28.xml><?xml version="1.0" encoding="utf-8"?>
+<file path=ppt/slides/slide25.xml><?xml version="1.0" encoding="utf-8"?>
 <p:sld xmlns:a="http://schemas.openxmlformats.org/drawingml/2006/main" xmlns:r="http://schemas.openxmlformats.org/officeDocument/2006/relationships" xmlns:p="http://schemas.openxmlformats.org/presentationml/2006/main">
   <p:cSld>
     <p:spTree>
@@ -13967,7 +12952,7 @@
 </p:sld>
 </file>
 
-<file path=ppt/slides/slide29.xml><?xml version="1.0" encoding="utf-8"?>
+<file path=ppt/slides/slide26.xml><?xml version="1.0" encoding="utf-8"?>
 <p:sld xmlns:a="http://schemas.openxmlformats.org/drawingml/2006/main" xmlns:r="http://schemas.openxmlformats.org/officeDocument/2006/relationships" xmlns:p="http://schemas.openxmlformats.org/presentationml/2006/main">
   <p:cSld>
     <p:spTree>
@@ -16639,1084 +15624,7 @@
 </p:sld>
 </file>
 
-<file path=ppt/slides/slide3.xml><?xml version="1.0" encoding="utf-8"?>
-<p:sld xmlns:a="http://schemas.openxmlformats.org/drawingml/2006/main" xmlns:r="http://schemas.openxmlformats.org/officeDocument/2006/relationships" xmlns:p="http://schemas.openxmlformats.org/presentationml/2006/main">
-  <p:cSld>
-    <p:spTree>
-      <p:nvGrpSpPr>
-        <p:cNvPr id="1" name=""/>
-        <p:cNvGrpSpPr/>
-        <p:nvPr/>
-      </p:nvGrpSpPr>
-      <p:grpSpPr>
-        <a:xfrm>
-          <a:off x="0" y="0"/>
-          <a:ext cx="0" cy="0"/>
-          <a:chOff x="0" y="0"/>
-          <a:chExt cx="0" cy="0"/>
-        </a:xfrm>
-      </p:grpSpPr>
-      <p:pic>
-        <p:nvPicPr>
-          <p:cNvPr id="8" name="Picture 2" descr="https://scontent-lga1-1.xx.fbcdn.net/hphotos-xat1/v/t1.0-9/11781623_944651622259841_4760931175711774253_n.jpg?oh=3ceda243b4461ee43ac467e92e73baba&amp;oe=56A6243C"/>
-          <p:cNvPicPr>
-            <a:picLocks noChangeAspect="1" noChangeArrowheads="1"/>
-          </p:cNvPicPr>
-          <p:nvPr/>
-        </p:nvPicPr>
-        <p:blipFill>
-          <a:blip r:embed="rId3">
-            <a:extLst>
-              <a:ext uri="{28A0092B-C50C-407E-A947-70E740481C1C}">
-                <a14:useLocalDpi xmlns:a14="http://schemas.microsoft.com/office/drawing/2010/main" val="0"/>
-              </a:ext>
-            </a:extLst>
-          </a:blip>
-          <a:srcRect/>
-          <a:stretch>
-            <a:fillRect/>
-          </a:stretch>
-        </p:blipFill>
-        <p:spPr bwMode="auto">
-          <a:xfrm>
-            <a:off x="3809154" y="3470810"/>
-            <a:ext cx="3281038" cy="3281039"/>
-          </a:xfrm>
-          <a:prstGeom prst="rect">
-            <a:avLst/>
-          </a:prstGeom>
-          <a:noFill/>
-          <a:extLst>
-            <a:ext uri="{909E8E84-426E-40DD-AFC4-6F175D3DCCD1}">
-              <a14:hiddenFill xmlns:a14="http://schemas.microsoft.com/office/drawing/2010/main">
-                <a:solidFill>
-                  <a:srgbClr val="FFFFFF"/>
-                </a:solidFill>
-              </a14:hiddenFill>
-            </a:ext>
-          </a:extLst>
-        </p:spPr>
-      </p:pic>
-      <p:pic>
-        <p:nvPicPr>
-          <p:cNvPr id="4" name="Picture 3"/>
-          <p:cNvPicPr>
-            <a:picLocks noChangeAspect="1"/>
-          </p:cNvPicPr>
-          <p:nvPr/>
-        </p:nvPicPr>
-        <p:blipFill>
-          <a:blip r:embed="rId4"/>
-          <a:stretch>
-            <a:fillRect/>
-          </a:stretch>
-        </p:blipFill>
-        <p:spPr>
-          <a:xfrm>
-            <a:off x="3809153" y="3457300"/>
-            <a:ext cx="3283293" cy="3283293"/>
-          </a:xfrm>
-          <a:prstGeom prst="rect">
-            <a:avLst/>
-          </a:prstGeom>
-        </p:spPr>
-      </p:pic>
-      <p:pic>
-        <p:nvPicPr>
-          <p:cNvPr id="17" name="Picture 8" descr="https://igcdn-photos-d-a.akamaihd.net/hphotos-ak-xap1/t51.2885-15/11186841_793274697407251_668407686_n.jpg"/>
-          <p:cNvPicPr>
-            <a:picLocks noChangeAspect="1" noChangeArrowheads="1"/>
-          </p:cNvPicPr>
-          <p:nvPr/>
-        </p:nvPicPr>
-        <p:blipFill rotWithShape="1">
-          <a:blip r:embed="rId5">
-            <a:extLst>
-              <a:ext uri="{28A0092B-C50C-407E-A947-70E740481C1C}">
-                <a14:useLocalDpi xmlns:a14="http://schemas.microsoft.com/office/drawing/2010/main" val="0"/>
-              </a:ext>
-            </a:extLst>
-          </a:blip>
-          <a:srcRect l="4236" t="5599" r="5599" b="4236"/>
-          <a:stretch/>
-        </p:blipFill>
-        <p:spPr bwMode="auto">
-          <a:xfrm>
-            <a:off x="419025" y="3461052"/>
-            <a:ext cx="3275790" cy="3275790"/>
-          </a:xfrm>
-          <a:prstGeom prst="rect">
-            <a:avLst/>
-          </a:prstGeom>
-          <a:noFill/>
-          <a:extLst>
-            <a:ext uri="{909E8E84-426E-40DD-AFC4-6F175D3DCCD1}">
-              <a14:hiddenFill xmlns:a14="http://schemas.microsoft.com/office/drawing/2010/main">
-                <a:solidFill>
-                  <a:srgbClr val="FFFFFF"/>
-                </a:solidFill>
-              </a14:hiddenFill>
-            </a:ext>
-          </a:extLst>
-        </p:spPr>
-      </p:pic>
-      <p:pic>
-        <p:nvPicPr>
-          <p:cNvPr id="20" name="Picture 22" descr="https://c2.staticflickr.com/4/3607/3370542421_929cf4dcd8_z.jpg?zz=1"/>
-          <p:cNvPicPr>
-            <a:picLocks noChangeAspect="1" noChangeArrowheads="1"/>
-          </p:cNvPicPr>
-          <p:nvPr/>
-        </p:nvPicPr>
-        <p:blipFill rotWithShape="1">
-          <a:blip r:embed="rId6">
-            <a:extLst>
-              <a:ext uri="{28A0092B-C50C-407E-A947-70E740481C1C}">
-                <a14:useLocalDpi xmlns:a14="http://schemas.microsoft.com/office/drawing/2010/main" val="0"/>
-              </a:ext>
-            </a:extLst>
-          </a:blip>
-          <a:srcRect l="12037" t="5328" r="10123" b="37705"/>
-          <a:stretch/>
-        </p:blipFill>
-        <p:spPr bwMode="auto">
-          <a:xfrm>
-            <a:off x="7360359" y="4603962"/>
-            <a:ext cx="4419601" cy="2147887"/>
-          </a:xfrm>
-          <a:prstGeom prst="rect">
-            <a:avLst/>
-          </a:prstGeom>
-          <a:noFill/>
-          <a:extLst>
-            <a:ext uri="{909E8E84-426E-40DD-AFC4-6F175D3DCCD1}">
-              <a14:hiddenFill xmlns:a14="http://schemas.microsoft.com/office/drawing/2010/main">
-                <a:solidFill>
-                  <a:srgbClr val="FFFFFF"/>
-                </a:solidFill>
-              </a14:hiddenFill>
-            </a:ext>
-          </a:extLst>
-        </p:spPr>
-      </p:pic>
-      <p:grpSp>
-        <p:nvGrpSpPr>
-          <p:cNvPr id="15" name="Group 14"/>
-          <p:cNvGrpSpPr/>
-          <p:nvPr/>
-        </p:nvGrpSpPr>
-        <p:grpSpPr>
-          <a:xfrm>
-            <a:off x="415089" y="3457300"/>
-            <a:ext cx="3279726" cy="3280222"/>
-            <a:chOff x="415089" y="3457300"/>
-            <a:chExt cx="3279726" cy="3280222"/>
-          </a:xfrm>
-        </p:grpSpPr>
-        <p:pic>
-          <p:nvPicPr>
-            <p:cNvPr id="5" name="Picture 4"/>
-            <p:cNvPicPr>
-              <a:picLocks noChangeAspect="1"/>
-            </p:cNvPicPr>
-            <p:nvPr/>
-          </p:nvPicPr>
-          <p:blipFill rotWithShape="1">
-            <a:blip r:embed="rId7"/>
-            <a:srcRect t="-1" b="867"/>
-            <a:stretch/>
-          </p:blipFill>
-          <p:spPr>
-            <a:xfrm>
-              <a:off x="415089" y="5042008"/>
-              <a:ext cx="3275790" cy="1695514"/>
-            </a:xfrm>
-            <a:prstGeom prst="rect">
-              <a:avLst/>
-            </a:prstGeom>
-          </p:spPr>
-        </p:pic>
-        <p:pic>
-          <p:nvPicPr>
-            <p:cNvPr id="6" name="Picture 5"/>
-            <p:cNvPicPr>
-              <a:picLocks noChangeAspect="1"/>
-            </p:cNvPicPr>
-            <p:nvPr/>
-          </p:nvPicPr>
-          <p:blipFill rotWithShape="1">
-            <a:blip r:embed="rId8"/>
-            <a:srcRect t="26022" b="25334"/>
-            <a:stretch/>
-          </p:blipFill>
-          <p:spPr>
-            <a:xfrm>
-              <a:off x="419027" y="3457300"/>
-              <a:ext cx="3275788" cy="1593477"/>
-            </a:xfrm>
-            <a:prstGeom prst="rect">
-              <a:avLst/>
-            </a:prstGeom>
-          </p:spPr>
-        </p:pic>
-      </p:grpSp>
-      <p:pic>
-        <p:nvPicPr>
-          <p:cNvPr id="13" name="Picture 12"/>
-          <p:cNvPicPr>
-            <a:picLocks noChangeAspect="1"/>
-          </p:cNvPicPr>
-          <p:nvPr/>
-        </p:nvPicPr>
-        <p:blipFill>
-          <a:blip r:embed="rId9"/>
-          <a:stretch>
-            <a:fillRect/>
-          </a:stretch>
-        </p:blipFill>
-        <p:spPr>
-          <a:xfrm>
-            <a:off x="7358105" y="4821695"/>
-            <a:ext cx="4421856" cy="1784051"/>
-          </a:xfrm>
-          <a:prstGeom prst="rect">
-            <a:avLst/>
-          </a:prstGeom>
-        </p:spPr>
-      </p:pic>
-      <p:pic>
-        <p:nvPicPr>
-          <p:cNvPr id="3" name="Picture 2"/>
-          <p:cNvPicPr>
-            <a:picLocks noChangeAspect="1"/>
-          </p:cNvPicPr>
-          <p:nvPr/>
-        </p:nvPicPr>
-        <p:blipFill>
-          <a:blip r:embed="rId10"/>
-          <a:stretch>
-            <a:fillRect/>
-          </a:stretch>
-        </p:blipFill>
-        <p:spPr>
-          <a:xfrm>
-            <a:off x="3994880" y="100263"/>
-            <a:ext cx="3055631" cy="3284803"/>
-          </a:xfrm>
-          <a:prstGeom prst="rect">
-            <a:avLst/>
-          </a:prstGeom>
-        </p:spPr>
-      </p:pic>
-      <p:pic>
-        <p:nvPicPr>
-          <p:cNvPr id="2" name="Picture 1"/>
-          <p:cNvPicPr>
-            <a:picLocks noChangeAspect="1"/>
-          </p:cNvPicPr>
-          <p:nvPr/>
-        </p:nvPicPr>
-        <p:blipFill>
-          <a:blip r:embed="rId11"/>
-          <a:stretch>
-            <a:fillRect/>
-          </a:stretch>
-        </p:blipFill>
-        <p:spPr>
-          <a:xfrm>
-            <a:off x="414272" y="100263"/>
-            <a:ext cx="3280543" cy="3280543"/>
-          </a:xfrm>
-          <a:prstGeom prst="rect">
-            <a:avLst/>
-          </a:prstGeom>
-        </p:spPr>
-      </p:pic>
-      <p:pic>
-        <p:nvPicPr>
-          <p:cNvPr id="11" name="Picture 10"/>
-          <p:cNvPicPr>
-            <a:picLocks noChangeAspect="1"/>
-          </p:cNvPicPr>
-          <p:nvPr/>
-        </p:nvPicPr>
-        <p:blipFill>
-          <a:blip r:embed="rId12">
-            <a:extLst>
-              <a:ext uri="{28A0092B-C50C-407E-A947-70E740481C1C}">
-                <a14:useLocalDpi xmlns:a14="http://schemas.microsoft.com/office/drawing/2010/main" val="0"/>
-              </a:ext>
-            </a:extLst>
-          </a:blip>
-          <a:stretch>
-            <a:fillRect/>
-          </a:stretch>
-        </p:blipFill>
-        <p:spPr>
-          <a:xfrm>
-            <a:off x="7360359" y="103291"/>
-            <a:ext cx="4394812" cy="4394812"/>
-          </a:xfrm>
-          <a:prstGeom prst="rect">
-            <a:avLst/>
-          </a:prstGeom>
-        </p:spPr>
-      </p:pic>
-      <p:pic>
-        <p:nvPicPr>
-          <p:cNvPr id="16" name="Picture 6" descr="https://igcdn-photos-f-a.akamaihd.net/hphotos-ak-xpa1/t51.2885-15/11189591_897526703601277_1624430821_n.jpg"/>
-          <p:cNvPicPr>
-            <a:picLocks noChangeAspect="1" noChangeArrowheads="1"/>
-          </p:cNvPicPr>
-          <p:nvPr/>
-        </p:nvPicPr>
-        <p:blipFill rotWithShape="1">
-          <a:blip r:embed="rId13">
-            <a:extLst>
-              <a:ext uri="{28A0092B-C50C-407E-A947-70E740481C1C}">
-                <a14:useLocalDpi xmlns:a14="http://schemas.microsoft.com/office/drawing/2010/main" val="0"/>
-              </a:ext>
-            </a:extLst>
-          </a:blip>
-          <a:srcRect l="5147" t="5147" r="4329" b="4329"/>
-          <a:stretch/>
-        </p:blipFill>
-        <p:spPr bwMode="auto">
-          <a:xfrm>
-            <a:off x="3814402" y="103291"/>
-            <a:ext cx="3277515" cy="3277515"/>
-          </a:xfrm>
-          <a:prstGeom prst="rect">
-            <a:avLst/>
-          </a:prstGeom>
-          <a:noFill/>
-          <a:extLst>
-            <a:ext uri="{909E8E84-426E-40DD-AFC4-6F175D3DCCD1}">
-              <a14:hiddenFill xmlns:a14="http://schemas.microsoft.com/office/drawing/2010/main">
-                <a:solidFill>
-                  <a:srgbClr val="FFFFFF"/>
-                </a:solidFill>
-              </a14:hiddenFill>
-            </a:ext>
-          </a:extLst>
-        </p:spPr>
-      </p:pic>
-      <p:pic>
-        <p:nvPicPr>
-          <p:cNvPr id="18" name="Picture 14" descr="https://scontent-lga1-1.xx.fbcdn.net/hphotos-xap1/v/t1.0-9/s720x720/68136_10101720166808721_132590210251102469_n.jpg?oh=3e5a58671cb5fa2387b7adbd563b3dfc&amp;oe=564A0B1B"/>
-          <p:cNvPicPr>
-            <a:picLocks noChangeAspect="1" noChangeArrowheads="1"/>
-          </p:cNvPicPr>
-          <p:nvPr/>
-        </p:nvPicPr>
-        <p:blipFill rotWithShape="1">
-          <a:blip r:embed="rId14">
-            <a:extLst>
-              <a:ext uri="{28A0092B-C50C-407E-A947-70E740481C1C}">
-                <a14:useLocalDpi xmlns:a14="http://schemas.microsoft.com/office/drawing/2010/main" val="0"/>
-              </a:ext>
-            </a:extLst>
-          </a:blip>
-          <a:srcRect t="16054" b="17444"/>
-          <a:stretch/>
-        </p:blipFill>
-        <p:spPr bwMode="auto">
-          <a:xfrm>
-            <a:off x="413777" y="103291"/>
-            <a:ext cx="3281038" cy="3279769"/>
-          </a:xfrm>
-          <a:prstGeom prst="rect">
-            <a:avLst/>
-          </a:prstGeom>
-          <a:noFill/>
-          <a:extLst>
-            <a:ext uri="{909E8E84-426E-40DD-AFC4-6F175D3DCCD1}">
-              <a14:hiddenFill xmlns:a14="http://schemas.microsoft.com/office/drawing/2010/main">
-                <a:solidFill>
-                  <a:srgbClr val="FFFFFF"/>
-                </a:solidFill>
-              </a14:hiddenFill>
-            </a:ext>
-          </a:extLst>
-        </p:spPr>
-      </p:pic>
-    </p:spTree>
-    <p:extLst>
-      <p:ext uri="{BB962C8B-B14F-4D97-AF65-F5344CB8AC3E}">
-        <p14:creationId xmlns:p14="http://schemas.microsoft.com/office/powerpoint/2010/main" val="3204892330"/>
-      </p:ext>
-    </p:extLst>
-  </p:cSld>
-  <p:clrMapOvr>
-    <a:masterClrMapping/>
-  </p:clrMapOvr>
-  <p:timing>
-    <p:tnLst>
-      <p:par>
-        <p:cTn id="1" dur="indefinite" restart="never" nodeType="tmRoot">
-          <p:childTnLst>
-            <p:seq concurrent="1" nextAc="seek">
-              <p:cTn id="2" dur="indefinite" nodeType="mainSeq">
-                <p:childTnLst>
-                  <p:par>
-                    <p:cTn id="3" fill="hold">
-                      <p:stCondLst>
-                        <p:cond delay="indefinite"/>
-                      </p:stCondLst>
-                      <p:childTnLst>
-                        <p:par>
-                          <p:cTn id="4" fill="hold">
-                            <p:stCondLst>
-                              <p:cond delay="0"/>
-                            </p:stCondLst>
-                            <p:childTnLst>
-                              <p:par>
-                                <p:cTn id="5" presetID="10" presetClass="entr" presetSubtype="0" fill="hold" nodeType="clickEffect">
-                                  <p:stCondLst>
-                                    <p:cond delay="0"/>
-                                  </p:stCondLst>
-                                  <p:childTnLst>
-                                    <p:set>
-                                      <p:cBhvr>
-                                        <p:cTn id="6" dur="1" fill="hold">
-                                          <p:stCondLst>
-                                            <p:cond delay="0"/>
-                                          </p:stCondLst>
-                                        </p:cTn>
-                                        <p:tgtEl>
-                                          <p:spTgt spid="2"/>
-                                        </p:tgtEl>
-                                        <p:attrNameLst>
-                                          <p:attrName>style.visibility</p:attrName>
-                                        </p:attrNameLst>
-                                      </p:cBhvr>
-                                      <p:to>
-                                        <p:strVal val="visible"/>
-                                      </p:to>
-                                    </p:set>
-                                    <p:animEffect transition="in" filter="fade">
-                                      <p:cBhvr>
-                                        <p:cTn id="7" dur="500"/>
-                                        <p:tgtEl>
-                                          <p:spTgt spid="2"/>
-                                        </p:tgtEl>
-                                      </p:cBhvr>
-                                    </p:animEffect>
-                                  </p:childTnLst>
-                                </p:cTn>
-                              </p:par>
-                            </p:childTnLst>
-                          </p:cTn>
-                        </p:par>
-                        <p:par>
-                          <p:cTn id="8" fill="hold">
-                            <p:stCondLst>
-                              <p:cond delay="500"/>
-                            </p:stCondLst>
-                            <p:childTnLst>
-                              <p:par>
-                                <p:cTn id="9" presetID="10" presetClass="entr" presetSubtype="0" fill="hold" nodeType="afterEffect">
-                                  <p:stCondLst>
-                                    <p:cond delay="500"/>
-                                  </p:stCondLst>
-                                  <p:childTnLst>
-                                    <p:set>
-                                      <p:cBhvr>
-                                        <p:cTn id="10" dur="1" fill="hold">
-                                          <p:stCondLst>
-                                            <p:cond delay="0"/>
-                                          </p:stCondLst>
-                                        </p:cTn>
-                                        <p:tgtEl>
-                                          <p:spTgt spid="3"/>
-                                        </p:tgtEl>
-                                        <p:attrNameLst>
-                                          <p:attrName>style.visibility</p:attrName>
-                                        </p:attrNameLst>
-                                      </p:cBhvr>
-                                      <p:to>
-                                        <p:strVal val="visible"/>
-                                      </p:to>
-                                    </p:set>
-                                    <p:animEffect transition="in" filter="fade">
-                                      <p:cBhvr>
-                                        <p:cTn id="11" dur="500"/>
-                                        <p:tgtEl>
-                                          <p:spTgt spid="3"/>
-                                        </p:tgtEl>
-                                      </p:cBhvr>
-                                    </p:animEffect>
-                                  </p:childTnLst>
-                                </p:cTn>
-                              </p:par>
-                            </p:childTnLst>
-                          </p:cTn>
-                        </p:par>
-                        <p:par>
-                          <p:cTn id="12" fill="hold">
-                            <p:stCondLst>
-                              <p:cond delay="1500"/>
-                            </p:stCondLst>
-                            <p:childTnLst>
-                              <p:par>
-                                <p:cTn id="13" presetID="10" presetClass="entr" presetSubtype="0" fill="hold" nodeType="afterEffect">
-                                  <p:stCondLst>
-                                    <p:cond delay="500"/>
-                                  </p:stCondLst>
-                                  <p:childTnLst>
-                                    <p:set>
-                                      <p:cBhvr>
-                                        <p:cTn id="14" dur="1" fill="hold">
-                                          <p:stCondLst>
-                                            <p:cond delay="0"/>
-                                          </p:stCondLst>
-                                        </p:cTn>
-                                        <p:tgtEl>
-                                          <p:spTgt spid="15"/>
-                                        </p:tgtEl>
-                                        <p:attrNameLst>
-                                          <p:attrName>style.visibility</p:attrName>
-                                        </p:attrNameLst>
-                                      </p:cBhvr>
-                                      <p:to>
-                                        <p:strVal val="visible"/>
-                                      </p:to>
-                                    </p:set>
-                                    <p:animEffect transition="in" filter="fade">
-                                      <p:cBhvr>
-                                        <p:cTn id="15" dur="500"/>
-                                        <p:tgtEl>
-                                          <p:spTgt spid="15"/>
-                                        </p:tgtEl>
-                                      </p:cBhvr>
-                                    </p:animEffect>
-                                  </p:childTnLst>
-                                </p:cTn>
-                              </p:par>
-                            </p:childTnLst>
-                          </p:cTn>
-                        </p:par>
-                        <p:par>
-                          <p:cTn id="16" fill="hold">
-                            <p:stCondLst>
-                              <p:cond delay="2500"/>
-                            </p:stCondLst>
-                            <p:childTnLst>
-                              <p:par>
-                                <p:cTn id="17" presetID="10" presetClass="entr" presetSubtype="0" fill="hold" nodeType="afterEffect">
-                                  <p:stCondLst>
-                                    <p:cond delay="500"/>
-                                  </p:stCondLst>
-                                  <p:childTnLst>
-                                    <p:set>
-                                      <p:cBhvr>
-                                        <p:cTn id="18" dur="1" fill="hold">
-                                          <p:stCondLst>
-                                            <p:cond delay="0"/>
-                                          </p:stCondLst>
-                                        </p:cTn>
-                                        <p:tgtEl>
-                                          <p:spTgt spid="4"/>
-                                        </p:tgtEl>
-                                        <p:attrNameLst>
-                                          <p:attrName>style.visibility</p:attrName>
-                                        </p:attrNameLst>
-                                      </p:cBhvr>
-                                      <p:to>
-                                        <p:strVal val="visible"/>
-                                      </p:to>
-                                    </p:set>
-                                    <p:animEffect transition="in" filter="fade">
-                                      <p:cBhvr>
-                                        <p:cTn id="19" dur="500"/>
-                                        <p:tgtEl>
-                                          <p:spTgt spid="4"/>
-                                        </p:tgtEl>
-                                      </p:cBhvr>
-                                    </p:animEffect>
-                                  </p:childTnLst>
-                                </p:cTn>
-                              </p:par>
-                            </p:childTnLst>
-                          </p:cTn>
-                        </p:par>
-                        <p:par>
-                          <p:cTn id="20" fill="hold">
-                            <p:stCondLst>
-                              <p:cond delay="3500"/>
-                            </p:stCondLst>
-                            <p:childTnLst>
-                              <p:par>
-                                <p:cTn id="21" presetID="10" presetClass="entr" presetSubtype="0" fill="hold" nodeType="afterEffect">
-                                  <p:stCondLst>
-                                    <p:cond delay="500"/>
-                                  </p:stCondLst>
-                                  <p:childTnLst>
-                                    <p:set>
-                                      <p:cBhvr>
-                                        <p:cTn id="22" dur="1" fill="hold">
-                                          <p:stCondLst>
-                                            <p:cond delay="0"/>
-                                          </p:stCondLst>
-                                        </p:cTn>
-                                        <p:tgtEl>
-                                          <p:spTgt spid="13"/>
-                                        </p:tgtEl>
-                                        <p:attrNameLst>
-                                          <p:attrName>style.visibility</p:attrName>
-                                        </p:attrNameLst>
-                                      </p:cBhvr>
-                                      <p:to>
-                                        <p:strVal val="visible"/>
-                                      </p:to>
-                                    </p:set>
-                                    <p:animEffect transition="in" filter="fade">
-                                      <p:cBhvr>
-                                        <p:cTn id="23" dur="500"/>
-                                        <p:tgtEl>
-                                          <p:spTgt spid="13"/>
-                                        </p:tgtEl>
-                                      </p:cBhvr>
-                                    </p:animEffect>
-                                  </p:childTnLst>
-                                </p:cTn>
-                              </p:par>
-                            </p:childTnLst>
-                          </p:cTn>
-                        </p:par>
-                      </p:childTnLst>
-                    </p:cTn>
-                  </p:par>
-                  <p:par>
-                    <p:cTn id="24" fill="hold">
-                      <p:stCondLst>
-                        <p:cond delay="indefinite"/>
-                      </p:stCondLst>
-                      <p:childTnLst>
-                        <p:par>
-                          <p:cTn id="25" fill="hold">
-                            <p:stCondLst>
-                              <p:cond delay="0"/>
-                            </p:stCondLst>
-                            <p:childTnLst>
-                              <p:par>
-                                <p:cTn id="26" presetID="10" presetClass="exit" presetSubtype="0" fill="hold" nodeType="clickEffect">
-                                  <p:stCondLst>
-                                    <p:cond delay="0"/>
-                                  </p:stCondLst>
-                                  <p:childTnLst>
-                                    <p:animEffect transition="out" filter="fade">
-                                      <p:cBhvr>
-                                        <p:cTn id="27" dur="500"/>
-                                        <p:tgtEl>
-                                          <p:spTgt spid="2"/>
-                                        </p:tgtEl>
-                                      </p:cBhvr>
-                                    </p:animEffect>
-                                    <p:set>
-                                      <p:cBhvr>
-                                        <p:cTn id="28" dur="1" fill="hold">
-                                          <p:stCondLst>
-                                            <p:cond delay="499"/>
-                                          </p:stCondLst>
-                                        </p:cTn>
-                                        <p:tgtEl>
-                                          <p:spTgt spid="2"/>
-                                        </p:tgtEl>
-                                        <p:attrNameLst>
-                                          <p:attrName>style.visibility</p:attrName>
-                                        </p:attrNameLst>
-                                      </p:cBhvr>
-                                      <p:to>
-                                        <p:strVal val="hidden"/>
-                                      </p:to>
-                                    </p:set>
-                                  </p:childTnLst>
-                                </p:cTn>
-                              </p:par>
-                              <p:par>
-                                <p:cTn id="29" presetID="10" presetClass="entr" presetSubtype="0" fill="hold" nodeType="withEffect">
-                                  <p:stCondLst>
-                                    <p:cond delay="500"/>
-                                  </p:stCondLst>
-                                  <p:childTnLst>
-                                    <p:set>
-                                      <p:cBhvr>
-                                        <p:cTn id="30" dur="1" fill="hold">
-                                          <p:stCondLst>
-                                            <p:cond delay="0"/>
-                                          </p:stCondLst>
-                                        </p:cTn>
-                                        <p:tgtEl>
-                                          <p:spTgt spid="18"/>
-                                        </p:tgtEl>
-                                        <p:attrNameLst>
-                                          <p:attrName>style.visibility</p:attrName>
-                                        </p:attrNameLst>
-                                      </p:cBhvr>
-                                      <p:to>
-                                        <p:strVal val="visible"/>
-                                      </p:to>
-                                    </p:set>
-                                    <p:animEffect transition="in" filter="fade">
-                                      <p:cBhvr>
-                                        <p:cTn id="31" dur="500"/>
-                                        <p:tgtEl>
-                                          <p:spTgt spid="18"/>
-                                        </p:tgtEl>
-                                      </p:cBhvr>
-                                    </p:animEffect>
-                                  </p:childTnLst>
-                                </p:cTn>
-                              </p:par>
-                            </p:childTnLst>
-                          </p:cTn>
-                        </p:par>
-                        <p:par>
-                          <p:cTn id="32" fill="hold">
-                            <p:stCondLst>
-                              <p:cond delay="1000"/>
-                            </p:stCondLst>
-                            <p:childTnLst>
-                              <p:par>
-                                <p:cTn id="33" presetID="10" presetClass="exit" presetSubtype="0" fill="hold" nodeType="afterEffect">
-                                  <p:stCondLst>
-                                    <p:cond delay="0"/>
-                                  </p:stCondLst>
-                                  <p:childTnLst>
-                                    <p:animEffect transition="out" filter="fade">
-                                      <p:cBhvr>
-                                        <p:cTn id="34" dur="500"/>
-                                        <p:tgtEl>
-                                          <p:spTgt spid="3"/>
-                                        </p:tgtEl>
-                                      </p:cBhvr>
-                                    </p:animEffect>
-                                    <p:set>
-                                      <p:cBhvr>
-                                        <p:cTn id="35" dur="1" fill="hold">
-                                          <p:stCondLst>
-                                            <p:cond delay="499"/>
-                                          </p:stCondLst>
-                                        </p:cTn>
-                                        <p:tgtEl>
-                                          <p:spTgt spid="3"/>
-                                        </p:tgtEl>
-                                        <p:attrNameLst>
-                                          <p:attrName>style.visibility</p:attrName>
-                                        </p:attrNameLst>
-                                      </p:cBhvr>
-                                      <p:to>
-                                        <p:strVal val="hidden"/>
-                                      </p:to>
-                                    </p:set>
-                                  </p:childTnLst>
-                                </p:cTn>
-                              </p:par>
-                              <p:par>
-                                <p:cTn id="36" presetID="10" presetClass="entr" presetSubtype="0" fill="hold" nodeType="withEffect">
-                                  <p:stCondLst>
-                                    <p:cond delay="500"/>
-                                  </p:stCondLst>
-                                  <p:childTnLst>
-                                    <p:set>
-                                      <p:cBhvr>
-                                        <p:cTn id="37" dur="1" fill="hold">
-                                          <p:stCondLst>
-                                            <p:cond delay="0"/>
-                                          </p:stCondLst>
-                                        </p:cTn>
-                                        <p:tgtEl>
-                                          <p:spTgt spid="16"/>
-                                        </p:tgtEl>
-                                        <p:attrNameLst>
-                                          <p:attrName>style.visibility</p:attrName>
-                                        </p:attrNameLst>
-                                      </p:cBhvr>
-                                      <p:to>
-                                        <p:strVal val="visible"/>
-                                      </p:to>
-                                    </p:set>
-                                    <p:animEffect transition="in" filter="fade">
-                                      <p:cBhvr>
-                                        <p:cTn id="38" dur="500"/>
-                                        <p:tgtEl>
-                                          <p:spTgt spid="16"/>
-                                        </p:tgtEl>
-                                      </p:cBhvr>
-                                    </p:animEffect>
-                                  </p:childTnLst>
-                                </p:cTn>
-                              </p:par>
-                            </p:childTnLst>
-                          </p:cTn>
-                        </p:par>
-                        <p:par>
-                          <p:cTn id="39" fill="hold">
-                            <p:stCondLst>
-                              <p:cond delay="2000"/>
-                            </p:stCondLst>
-                            <p:childTnLst>
-                              <p:par>
-                                <p:cTn id="40" presetID="10" presetClass="exit" presetSubtype="0" fill="hold" nodeType="afterEffect">
-                                  <p:stCondLst>
-                                    <p:cond delay="0"/>
-                                  </p:stCondLst>
-                                  <p:childTnLst>
-                                    <p:animEffect transition="out" filter="fade">
-                                      <p:cBhvr>
-                                        <p:cTn id="41" dur="500"/>
-                                        <p:tgtEl>
-                                          <p:spTgt spid="15"/>
-                                        </p:tgtEl>
-                                      </p:cBhvr>
-                                    </p:animEffect>
-                                    <p:set>
-                                      <p:cBhvr>
-                                        <p:cTn id="42" dur="1" fill="hold">
-                                          <p:stCondLst>
-                                            <p:cond delay="499"/>
-                                          </p:stCondLst>
-                                        </p:cTn>
-                                        <p:tgtEl>
-                                          <p:spTgt spid="15"/>
-                                        </p:tgtEl>
-                                        <p:attrNameLst>
-                                          <p:attrName>style.visibility</p:attrName>
-                                        </p:attrNameLst>
-                                      </p:cBhvr>
-                                      <p:to>
-                                        <p:strVal val="hidden"/>
-                                      </p:to>
-                                    </p:set>
-                                  </p:childTnLst>
-                                </p:cTn>
-                              </p:par>
-                              <p:par>
-                                <p:cTn id="43" presetID="10" presetClass="entr" presetSubtype="0" fill="hold" nodeType="withEffect">
-                                  <p:stCondLst>
-                                    <p:cond delay="500"/>
-                                  </p:stCondLst>
-                                  <p:childTnLst>
-                                    <p:set>
-                                      <p:cBhvr>
-                                        <p:cTn id="44" dur="1" fill="hold">
-                                          <p:stCondLst>
-                                            <p:cond delay="0"/>
-                                          </p:stCondLst>
-                                        </p:cTn>
-                                        <p:tgtEl>
-                                          <p:spTgt spid="17"/>
-                                        </p:tgtEl>
-                                        <p:attrNameLst>
-                                          <p:attrName>style.visibility</p:attrName>
-                                        </p:attrNameLst>
-                                      </p:cBhvr>
-                                      <p:to>
-                                        <p:strVal val="visible"/>
-                                      </p:to>
-                                    </p:set>
-                                    <p:animEffect transition="in" filter="fade">
-                                      <p:cBhvr>
-                                        <p:cTn id="45" dur="500"/>
-                                        <p:tgtEl>
-                                          <p:spTgt spid="17"/>
-                                        </p:tgtEl>
-                                      </p:cBhvr>
-                                    </p:animEffect>
-                                  </p:childTnLst>
-                                </p:cTn>
-                              </p:par>
-                            </p:childTnLst>
-                          </p:cTn>
-                        </p:par>
-                        <p:par>
-                          <p:cTn id="46" fill="hold">
-                            <p:stCondLst>
-                              <p:cond delay="3000"/>
-                            </p:stCondLst>
-                            <p:childTnLst>
-                              <p:par>
-                                <p:cTn id="47" presetID="10" presetClass="exit" presetSubtype="0" fill="hold" nodeType="afterEffect">
-                                  <p:stCondLst>
-                                    <p:cond delay="0"/>
-                                  </p:stCondLst>
-                                  <p:childTnLst>
-                                    <p:animEffect transition="out" filter="fade">
-                                      <p:cBhvr>
-                                        <p:cTn id="48" dur="500"/>
-                                        <p:tgtEl>
-                                          <p:spTgt spid="4"/>
-                                        </p:tgtEl>
-                                      </p:cBhvr>
-                                    </p:animEffect>
-                                    <p:set>
-                                      <p:cBhvr>
-                                        <p:cTn id="49" dur="1" fill="hold">
-                                          <p:stCondLst>
-                                            <p:cond delay="499"/>
-                                          </p:stCondLst>
-                                        </p:cTn>
-                                        <p:tgtEl>
-                                          <p:spTgt spid="4"/>
-                                        </p:tgtEl>
-                                        <p:attrNameLst>
-                                          <p:attrName>style.visibility</p:attrName>
-                                        </p:attrNameLst>
-                                      </p:cBhvr>
-                                      <p:to>
-                                        <p:strVal val="hidden"/>
-                                      </p:to>
-                                    </p:set>
-                                  </p:childTnLst>
-                                </p:cTn>
-                              </p:par>
-                              <p:par>
-                                <p:cTn id="50" presetID="10" presetClass="entr" presetSubtype="0" fill="hold" nodeType="withEffect">
-                                  <p:stCondLst>
-                                    <p:cond delay="500"/>
-                                  </p:stCondLst>
-                                  <p:childTnLst>
-                                    <p:set>
-                                      <p:cBhvr>
-                                        <p:cTn id="51" dur="1" fill="hold">
-                                          <p:stCondLst>
-                                            <p:cond delay="0"/>
-                                          </p:stCondLst>
-                                        </p:cTn>
-                                        <p:tgtEl>
-                                          <p:spTgt spid="8"/>
-                                        </p:tgtEl>
-                                        <p:attrNameLst>
-                                          <p:attrName>style.visibility</p:attrName>
-                                        </p:attrNameLst>
-                                      </p:cBhvr>
-                                      <p:to>
-                                        <p:strVal val="visible"/>
-                                      </p:to>
-                                    </p:set>
-                                    <p:animEffect transition="in" filter="fade">
-                                      <p:cBhvr>
-                                        <p:cTn id="52" dur="500"/>
-                                        <p:tgtEl>
-                                          <p:spTgt spid="8"/>
-                                        </p:tgtEl>
-                                      </p:cBhvr>
-                                    </p:animEffect>
-                                  </p:childTnLst>
-                                </p:cTn>
-                              </p:par>
-                            </p:childTnLst>
-                          </p:cTn>
-                        </p:par>
-                        <p:par>
-                          <p:cTn id="53" fill="hold">
-                            <p:stCondLst>
-                              <p:cond delay="4000"/>
-                            </p:stCondLst>
-                            <p:childTnLst>
-                              <p:par>
-                                <p:cTn id="54" presetID="10" presetClass="exit" presetSubtype="0" fill="hold" nodeType="afterEffect">
-                                  <p:stCondLst>
-                                    <p:cond delay="0"/>
-                                  </p:stCondLst>
-                                  <p:childTnLst>
-                                    <p:animEffect transition="out" filter="fade">
-                                      <p:cBhvr>
-                                        <p:cTn id="55" dur="500"/>
-                                        <p:tgtEl>
-                                          <p:spTgt spid="13"/>
-                                        </p:tgtEl>
-                                      </p:cBhvr>
-                                    </p:animEffect>
-                                    <p:set>
-                                      <p:cBhvr>
-                                        <p:cTn id="56" dur="1" fill="hold">
-                                          <p:stCondLst>
-                                            <p:cond delay="499"/>
-                                          </p:stCondLst>
-                                        </p:cTn>
-                                        <p:tgtEl>
-                                          <p:spTgt spid="13"/>
-                                        </p:tgtEl>
-                                        <p:attrNameLst>
-                                          <p:attrName>style.visibility</p:attrName>
-                                        </p:attrNameLst>
-                                      </p:cBhvr>
-                                      <p:to>
-                                        <p:strVal val="hidden"/>
-                                      </p:to>
-                                    </p:set>
-                                  </p:childTnLst>
-                                </p:cTn>
-                              </p:par>
-                              <p:par>
-                                <p:cTn id="57" presetID="10" presetClass="entr" presetSubtype="0" fill="hold" nodeType="withEffect">
-                                  <p:stCondLst>
-                                    <p:cond delay="500"/>
-                                  </p:stCondLst>
-                                  <p:childTnLst>
-                                    <p:set>
-                                      <p:cBhvr>
-                                        <p:cTn id="58" dur="1" fill="hold">
-                                          <p:stCondLst>
-                                            <p:cond delay="0"/>
-                                          </p:stCondLst>
-                                        </p:cTn>
-                                        <p:tgtEl>
-                                          <p:spTgt spid="20"/>
-                                        </p:tgtEl>
-                                        <p:attrNameLst>
-                                          <p:attrName>style.visibility</p:attrName>
-                                        </p:attrNameLst>
-                                      </p:cBhvr>
-                                      <p:to>
-                                        <p:strVal val="visible"/>
-                                      </p:to>
-                                    </p:set>
-                                    <p:animEffect transition="in" filter="fade">
-                                      <p:cBhvr>
-                                        <p:cTn id="59" dur="500"/>
-                                        <p:tgtEl>
-                                          <p:spTgt spid="20"/>
-                                        </p:tgtEl>
-                                      </p:cBhvr>
-                                    </p:animEffect>
-                                  </p:childTnLst>
-                                </p:cTn>
-                              </p:par>
-                            </p:childTnLst>
-                          </p:cTn>
-                        </p:par>
-                      </p:childTnLst>
-                    </p:cTn>
-                  </p:par>
-                </p:childTnLst>
-              </p:cTn>
-              <p:prevCondLst>
-                <p:cond evt="onPrev" delay="0">
-                  <p:tgtEl>
-                    <p:sldTgt/>
-                  </p:tgtEl>
-                </p:cond>
-              </p:prevCondLst>
-              <p:nextCondLst>
-                <p:cond evt="onNext" delay="0">
-                  <p:tgtEl>
-                    <p:sldTgt/>
-                  </p:tgtEl>
-                </p:cond>
-              </p:nextCondLst>
-            </p:seq>
-          </p:childTnLst>
-        </p:cTn>
-      </p:par>
-    </p:tnLst>
-  </p:timing>
-</p:sld>
-</file>
-
-<file path=ppt/slides/slide30.xml><?xml version="1.0" encoding="utf-8"?>
+<file path=ppt/slides/slide27.xml><?xml version="1.0" encoding="utf-8"?>
 <p:sld xmlns:a="http://schemas.openxmlformats.org/drawingml/2006/main" xmlns:r="http://schemas.openxmlformats.org/officeDocument/2006/relationships" xmlns:p="http://schemas.openxmlformats.org/presentationml/2006/main">
   <p:cSld>
     <p:spTree>
@@ -18259,7 +16167,7 @@
 </p:sld>
 </file>
 
-<file path=ppt/slides/slide31.xml><?xml version="1.0" encoding="utf-8"?>
+<file path=ppt/slides/slide28.xml><?xml version="1.0" encoding="utf-8"?>
 <p:sld xmlns:a="http://schemas.openxmlformats.org/drawingml/2006/main" xmlns:r="http://schemas.openxmlformats.org/officeDocument/2006/relationships" xmlns:p="http://schemas.openxmlformats.org/presentationml/2006/main">
   <p:cSld>
     <p:spTree>
@@ -19113,7 +17021,7 @@
 </p:sld>
 </file>
 
-<file path=ppt/slides/slide32.xml><?xml version="1.0" encoding="utf-8"?>
+<file path=ppt/slides/slide29.xml><?xml version="1.0" encoding="utf-8"?>
 <p:sld xmlns:a="http://schemas.openxmlformats.org/drawingml/2006/main" xmlns:r="http://schemas.openxmlformats.org/officeDocument/2006/relationships" xmlns:p="http://schemas.openxmlformats.org/presentationml/2006/main" showMasterSp="0">
   <p:cSld>
     <p:spTree>
@@ -19359,7 +17267,237 @@
 </p:sld>
 </file>
 
-<file path=ppt/slides/slide33.xml><?xml version="1.0" encoding="utf-8"?>
+<file path=ppt/slides/slide3.xml><?xml version="1.0" encoding="utf-8"?>
+<p:sld xmlns:a="http://schemas.openxmlformats.org/drawingml/2006/main" xmlns:r="http://schemas.openxmlformats.org/officeDocument/2006/relationships" xmlns:p="http://schemas.openxmlformats.org/presentationml/2006/main">
+  <p:cSld>
+    <p:spTree>
+      <p:nvGrpSpPr>
+        <p:cNvPr id="1" name=""/>
+        <p:cNvGrpSpPr/>
+        <p:nvPr/>
+      </p:nvGrpSpPr>
+      <p:grpSpPr>
+        <a:xfrm>
+          <a:off x="0" y="0"/>
+          <a:ext cx="0" cy="0"/>
+          <a:chOff x="0" y="0"/>
+          <a:chExt cx="0" cy="0"/>
+        </a:xfrm>
+      </p:grpSpPr>
+      <p:pic>
+        <p:nvPicPr>
+          <p:cNvPr id="16" name="Picture 6" descr="https://igcdn-photos-f-a.akamaihd.net/hphotos-ak-xpa1/t51.2885-15/11189591_897526703601277_1624430821_n.jpg"/>
+          <p:cNvPicPr>
+            <a:picLocks noChangeAspect="1" noChangeArrowheads="1"/>
+          </p:cNvPicPr>
+          <p:nvPr/>
+        </p:nvPicPr>
+        <p:blipFill rotWithShape="1">
+          <a:blip r:embed="rId3">
+            <a:extLst>
+              <a:ext uri="{28A0092B-C50C-407E-A947-70E740481C1C}">
+                <a14:useLocalDpi xmlns:a14="http://schemas.microsoft.com/office/drawing/2010/main" val="0"/>
+              </a:ext>
+            </a:extLst>
+          </a:blip>
+          <a:srcRect l="5147" t="5147" r="4329" b="4329"/>
+          <a:stretch/>
+        </p:blipFill>
+        <p:spPr bwMode="auto">
+          <a:xfrm>
+            <a:off x="3814402" y="103291"/>
+            <a:ext cx="3277515" cy="3277515"/>
+          </a:xfrm>
+          <a:prstGeom prst="rect">
+            <a:avLst/>
+          </a:prstGeom>
+          <a:noFill/>
+          <a:extLst>
+            <a:ext uri="{909E8E84-426E-40DD-AFC4-6F175D3DCCD1}">
+              <a14:hiddenFill xmlns:a14="http://schemas.microsoft.com/office/drawing/2010/main">
+                <a:solidFill>
+                  <a:srgbClr val="FFFFFF"/>
+                </a:solidFill>
+              </a14:hiddenFill>
+            </a:ext>
+          </a:extLst>
+        </p:spPr>
+      </p:pic>
+      <p:pic>
+        <p:nvPicPr>
+          <p:cNvPr id="18" name="Picture 14" descr="https://scontent-lga1-1.xx.fbcdn.net/hphotos-xap1/v/t1.0-9/s720x720/68136_10101720166808721_132590210251102469_n.jpg?oh=3e5a58671cb5fa2387b7adbd563b3dfc&amp;oe=564A0B1B"/>
+          <p:cNvPicPr>
+            <a:picLocks noChangeAspect="1" noChangeArrowheads="1"/>
+          </p:cNvPicPr>
+          <p:nvPr/>
+        </p:nvPicPr>
+        <p:blipFill rotWithShape="1">
+          <a:blip r:embed="rId4">
+            <a:extLst>
+              <a:ext uri="{28A0092B-C50C-407E-A947-70E740481C1C}">
+                <a14:useLocalDpi xmlns:a14="http://schemas.microsoft.com/office/drawing/2010/main" val="0"/>
+              </a:ext>
+            </a:extLst>
+          </a:blip>
+          <a:srcRect t="16054" b="17444"/>
+          <a:stretch/>
+        </p:blipFill>
+        <p:spPr bwMode="auto">
+          <a:xfrm>
+            <a:off x="413777" y="103291"/>
+            <a:ext cx="3281038" cy="3279769"/>
+          </a:xfrm>
+          <a:prstGeom prst="rect">
+            <a:avLst/>
+          </a:prstGeom>
+          <a:noFill/>
+          <a:extLst>
+            <a:ext uri="{909E8E84-426E-40DD-AFC4-6F175D3DCCD1}">
+              <a14:hiddenFill xmlns:a14="http://schemas.microsoft.com/office/drawing/2010/main">
+                <a:solidFill>
+                  <a:srgbClr val="FFFFFF"/>
+                </a:solidFill>
+              </a14:hiddenFill>
+            </a:ext>
+          </a:extLst>
+        </p:spPr>
+      </p:pic>
+      <p:pic>
+        <p:nvPicPr>
+          <p:cNvPr id="17" name="Picture 8" descr="https://igcdn-photos-d-a.akamaihd.net/hphotos-ak-xap1/t51.2885-15/11186841_793274697407251_668407686_n.jpg"/>
+          <p:cNvPicPr>
+            <a:picLocks noChangeAspect="1" noChangeArrowheads="1"/>
+          </p:cNvPicPr>
+          <p:nvPr/>
+        </p:nvPicPr>
+        <p:blipFill rotWithShape="1">
+          <a:blip r:embed="rId5">
+            <a:extLst>
+              <a:ext uri="{28A0092B-C50C-407E-A947-70E740481C1C}">
+                <a14:useLocalDpi xmlns:a14="http://schemas.microsoft.com/office/drawing/2010/main" val="0"/>
+              </a:ext>
+            </a:extLst>
+          </a:blip>
+          <a:srcRect l="4236" t="5599" r="5599" b="4236"/>
+          <a:stretch/>
+        </p:blipFill>
+        <p:spPr bwMode="auto">
+          <a:xfrm>
+            <a:off x="3816127" y="3472935"/>
+            <a:ext cx="3275790" cy="3275790"/>
+          </a:xfrm>
+          <a:prstGeom prst="rect">
+            <a:avLst/>
+          </a:prstGeom>
+          <a:noFill/>
+          <a:extLst>
+            <a:ext uri="{909E8E84-426E-40DD-AFC4-6F175D3DCCD1}">
+              <a14:hiddenFill xmlns:a14="http://schemas.microsoft.com/office/drawing/2010/main">
+                <a:solidFill>
+                  <a:srgbClr val="FFFFFF"/>
+                </a:solidFill>
+              </a14:hiddenFill>
+            </a:ext>
+          </a:extLst>
+        </p:spPr>
+      </p:pic>
+      <p:pic>
+        <p:nvPicPr>
+          <p:cNvPr id="13" name="Picture 12"/>
+          <p:cNvPicPr>
+            <a:picLocks noChangeAspect="1"/>
+          </p:cNvPicPr>
+          <p:nvPr/>
+        </p:nvPicPr>
+        <p:blipFill>
+          <a:blip r:embed="rId6"/>
+          <a:stretch>
+            <a:fillRect/>
+          </a:stretch>
+        </p:blipFill>
+        <p:spPr>
+          <a:xfrm>
+            <a:off x="7358105" y="4821695"/>
+            <a:ext cx="4421856" cy="1784051"/>
+          </a:xfrm>
+          <a:prstGeom prst="rect">
+            <a:avLst/>
+          </a:prstGeom>
+        </p:spPr>
+      </p:pic>
+      <p:pic>
+        <p:nvPicPr>
+          <p:cNvPr id="11" name="Picture 10"/>
+          <p:cNvPicPr>
+            <a:picLocks noChangeAspect="1"/>
+          </p:cNvPicPr>
+          <p:nvPr/>
+        </p:nvPicPr>
+        <p:blipFill>
+          <a:blip r:embed="rId7">
+            <a:extLst>
+              <a:ext uri="{28A0092B-C50C-407E-A947-70E740481C1C}">
+                <a14:useLocalDpi xmlns:a14="http://schemas.microsoft.com/office/drawing/2010/main" val="0"/>
+              </a:ext>
+            </a:extLst>
+          </a:blip>
+          <a:stretch>
+            <a:fillRect/>
+          </a:stretch>
+        </p:blipFill>
+        <p:spPr>
+          <a:xfrm>
+            <a:off x="7360359" y="103291"/>
+            <a:ext cx="4394812" cy="4394812"/>
+          </a:xfrm>
+          <a:prstGeom prst="rect">
+            <a:avLst/>
+          </a:prstGeom>
+        </p:spPr>
+      </p:pic>
+      <p:pic>
+        <p:nvPicPr>
+          <p:cNvPr id="9" name="Picture 8">
+            <a:extLst>
+              <a:ext uri="{FF2B5EF4-FFF2-40B4-BE49-F238E27FC236}">
+                <a16:creationId xmlns:a16="http://schemas.microsoft.com/office/drawing/2014/main" id="{3DB53842-78CA-4F6E-A1F6-491D1C00734E}"/>
+              </a:ext>
+            </a:extLst>
+          </p:cNvPr>
+          <p:cNvPicPr>
+            <a:picLocks noChangeAspect="1"/>
+          </p:cNvPicPr>
+          <p:nvPr/>
+        </p:nvPicPr>
+        <p:blipFill rotWithShape="1">
+          <a:blip r:embed="rId8"/>
+          <a:srcRect l="11277" r="7473"/>
+          <a:stretch/>
+        </p:blipFill>
+        <p:spPr>
+          <a:xfrm>
+            <a:off x="417799" y="3472935"/>
+            <a:ext cx="3275790" cy="3275790"/>
+          </a:xfrm>
+          <a:prstGeom prst="rect">
+            <a:avLst/>
+          </a:prstGeom>
+        </p:spPr>
+      </p:pic>
+    </p:spTree>
+    <p:extLst>
+      <p:ext uri="{BB962C8B-B14F-4D97-AF65-F5344CB8AC3E}">
+        <p14:creationId xmlns:p14="http://schemas.microsoft.com/office/powerpoint/2010/main" val="1602673492"/>
+      </p:ext>
+    </p:extLst>
+  </p:cSld>
+  <p:clrMapOvr>
+    <a:masterClrMapping/>
+  </p:clrMapOvr>
+</p:sld>
+</file>
+
+<file path=ppt/slides/slide30.xml><?xml version="1.0" encoding="utf-8"?>
 <p:sld xmlns:a="http://schemas.openxmlformats.org/drawingml/2006/main" xmlns:r="http://schemas.openxmlformats.org/officeDocument/2006/relationships" xmlns:p="http://schemas.openxmlformats.org/presentationml/2006/main">
   <p:cSld>
     <p:spTree>
@@ -19693,7 +17831,7 @@
 </p:sld>
 </file>
 
-<file path=ppt/slides/slide34.xml><?xml version="1.0" encoding="utf-8"?>
+<file path=ppt/slides/slide31.xml><?xml version="1.0" encoding="utf-8"?>
 <p:sld xmlns:a="http://schemas.openxmlformats.org/drawingml/2006/main" xmlns:r="http://schemas.openxmlformats.org/officeDocument/2006/relationships" xmlns:p="http://schemas.openxmlformats.org/presentationml/2006/main">
   <p:cSld>
     <p:spTree>
@@ -20021,7 +18159,7 @@
 </p:sld>
 </file>
 
-<file path=ppt/slides/slide35.xml><?xml version="1.0" encoding="utf-8"?>
+<file path=ppt/slides/slide32.xml><?xml version="1.0" encoding="utf-8"?>
 <p:sld xmlns:a="http://schemas.openxmlformats.org/drawingml/2006/main" xmlns:r="http://schemas.openxmlformats.org/officeDocument/2006/relationships" xmlns:p="http://schemas.openxmlformats.org/presentationml/2006/main">
   <p:cSld>
     <p:spTree>
@@ -20640,7 +18778,7 @@
 </p:sld>
 </file>
 
-<file path=ppt/slides/slide36.xml><?xml version="1.0" encoding="utf-8"?>
+<file path=ppt/slides/slide33.xml><?xml version="1.0" encoding="utf-8"?>
 <p:sld xmlns:a="http://schemas.openxmlformats.org/drawingml/2006/main" xmlns:r="http://schemas.openxmlformats.org/officeDocument/2006/relationships" xmlns:p="http://schemas.openxmlformats.org/presentationml/2006/main">
   <p:cSld>
     <p:spTree>
@@ -20981,7 +19119,7 @@
 </p:sld>
 </file>
 
-<file path=ppt/slides/slide37.xml><?xml version="1.0" encoding="utf-8"?>
+<file path=ppt/slides/slide34.xml><?xml version="1.0" encoding="utf-8"?>
 <p:sld xmlns:a="http://schemas.openxmlformats.org/drawingml/2006/main" xmlns:r="http://schemas.openxmlformats.org/officeDocument/2006/relationships" xmlns:p="http://schemas.openxmlformats.org/presentationml/2006/main">
   <p:cSld>
     <p:spTree>
@@ -21086,7 +19224,7 @@
 </p:sld>
 </file>
 
-<file path=ppt/slides/slide38.xml><?xml version="1.0" encoding="utf-8"?>
+<file path=ppt/slides/slide35.xml><?xml version="1.0" encoding="utf-8"?>
 <p:sld xmlns:a="http://schemas.openxmlformats.org/drawingml/2006/main" xmlns:r="http://schemas.openxmlformats.org/officeDocument/2006/relationships" xmlns:p="http://schemas.openxmlformats.org/presentationml/2006/main">
   <p:cSld>
     <p:spTree>
@@ -22117,7 +20255,7 @@
 </p:sld>
 </file>
 
-<file path=ppt/slides/slide39.xml><?xml version="1.0" encoding="utf-8"?>
+<file path=ppt/slides/slide36.xml><?xml version="1.0" encoding="utf-8"?>
 <p:sld xmlns:a="http://schemas.openxmlformats.org/drawingml/2006/main" xmlns:r="http://schemas.openxmlformats.org/officeDocument/2006/relationships" xmlns:p="http://schemas.openxmlformats.org/presentationml/2006/main">
   <p:cSld>
     <p:spTree>
@@ -23061,7 +21199,7 @@
 </p:sld>
 </file>
 
-<file path=ppt/slides/slide4.xml><?xml version="1.0" encoding="utf-8"?>
+<file path=ppt/slides/slide37.xml><?xml version="1.0" encoding="utf-8"?>
 <p:sld xmlns:a="http://schemas.openxmlformats.org/drawingml/2006/main" xmlns:r="http://schemas.openxmlformats.org/officeDocument/2006/relationships" xmlns:p="http://schemas.openxmlformats.org/presentationml/2006/main">
   <p:cSld>
     <p:spTree>
@@ -23094,674 +21232,6 @@
           <a:lstStyle/>
           <a:p>
             <a:r>
-              <a:rPr lang="en-US" dirty="0"/>
-              <a:t>Contact Andy</a:t>
-            </a:r>
-          </a:p>
-        </p:txBody>
-      </p:sp>
-      <p:pic>
-        <p:nvPicPr>
-          <p:cNvPr id="6" name="Picture 2" descr="http://tomjamieson.com/wp-content/uploads/2013/11/twitter-logo-blue.png"/>
-          <p:cNvPicPr>
-            <a:picLocks noChangeAspect="1" noChangeArrowheads="1"/>
-          </p:cNvPicPr>
-          <p:nvPr/>
-        </p:nvPicPr>
-        <p:blipFill>
-          <a:blip r:embed="rId3">
-            <a:extLst>
-              <a:ext uri="{28A0092B-C50C-407E-A947-70E740481C1C}">
-                <a14:useLocalDpi xmlns:a14="http://schemas.microsoft.com/office/drawing/2010/main" val="0"/>
-              </a:ext>
-            </a:extLst>
-          </a:blip>
-          <a:srcRect/>
-          <a:stretch>
-            <a:fillRect/>
-          </a:stretch>
-        </p:blipFill>
-        <p:spPr bwMode="auto">
-          <a:xfrm>
-            <a:off x="6124574" y="5114221"/>
-            <a:ext cx="1231065" cy="1000847"/>
-          </a:xfrm>
-          <a:prstGeom prst="rect">
-            <a:avLst/>
-          </a:prstGeom>
-          <a:noFill/>
-          <a:extLst>
-            <a:ext uri="{909E8E84-426E-40DD-AFC4-6F175D3DCCD1}">
-              <a14:hiddenFill xmlns:a14="http://schemas.microsoft.com/office/drawing/2010/main">
-                <a:solidFill>
-                  <a:srgbClr val="FFFFFF"/>
-                </a:solidFill>
-              </a14:hiddenFill>
-            </a:ext>
-          </a:extLst>
-        </p:spPr>
-      </p:pic>
-      <p:pic>
-        <p:nvPicPr>
-          <p:cNvPr id="17" name="Picture 2" descr="http://randyjensenonline.com/thoughts/wp-content/uploads/2010/07/wordpressLogoSolo.png"/>
-          <p:cNvPicPr>
-            <a:picLocks noChangeAspect="1" noChangeArrowheads="1"/>
-          </p:cNvPicPr>
-          <p:nvPr/>
-        </p:nvPicPr>
-        <p:blipFill>
-          <a:blip r:embed="rId4">
-            <a:extLst>
-              <a:ext uri="{28A0092B-C50C-407E-A947-70E740481C1C}">
-                <a14:useLocalDpi xmlns:a14="http://schemas.microsoft.com/office/drawing/2010/main" val="0"/>
-              </a:ext>
-            </a:extLst>
-          </a:blip>
-          <a:srcRect/>
-          <a:stretch>
-            <a:fillRect/>
-          </a:stretch>
-        </p:blipFill>
-        <p:spPr bwMode="auto">
-          <a:xfrm>
-            <a:off x="7546205" y="1803440"/>
-            <a:ext cx="1016769" cy="1016769"/>
-          </a:xfrm>
-          <a:prstGeom prst="rect">
-            <a:avLst/>
-          </a:prstGeom>
-          <a:noFill/>
-          <a:extLst>
-            <a:ext uri="{909E8E84-426E-40DD-AFC4-6F175D3DCCD1}">
-              <a14:hiddenFill xmlns:a14="http://schemas.microsoft.com/office/drawing/2010/main">
-                <a:solidFill>
-                  <a:srgbClr val="FFFFFF"/>
-                </a:solidFill>
-              </a14:hiddenFill>
-            </a:ext>
-          </a:extLst>
-        </p:spPr>
-      </p:pic>
-      <p:sp>
-        <p:nvSpPr>
-          <p:cNvPr id="15" name="TextBox 14"/>
-          <p:cNvSpPr txBox="1"/>
-          <p:nvPr/>
-        </p:nvSpPr>
-        <p:spPr>
-          <a:xfrm>
-            <a:off x="570178" y="3127179"/>
-            <a:ext cx="11113821" cy="1569660"/>
-          </a:xfrm>
-          <a:prstGeom prst="rect">
-            <a:avLst/>
-          </a:prstGeom>
-          <a:noFill/>
-        </p:spPr>
-        <p:txBody>
-          <a:bodyPr wrap="square" rtlCol="0">
-            <a:spAutoFit/>
-          </a:bodyPr>
-          <a:lstStyle/>
-          <a:p>
-            <a:pPr algn="ctr"/>
-            <a:r>
-              <a:rPr lang="en-US" sz="9600" dirty="0">
-                <a:solidFill>
-                  <a:schemeClr val="tx1">
-                    <a:lumMod val="75000"/>
-                    <a:lumOff val="25000"/>
-                  </a:schemeClr>
-                </a:solidFill>
-              </a:rPr>
-              <a:t>Andy@AMtwo.co</a:t>
-            </a:r>
-          </a:p>
-        </p:txBody>
-      </p:sp>
-      <p:grpSp>
-        <p:nvGrpSpPr>
-          <p:cNvPr id="19" name="Group 18"/>
-          <p:cNvGrpSpPr/>
-          <p:nvPr/>
-        </p:nvGrpSpPr>
-        <p:grpSpPr>
-          <a:xfrm>
-            <a:off x="0" y="6353498"/>
-            <a:ext cx="12192000" cy="504502"/>
-            <a:chOff x="0" y="6353498"/>
-            <a:chExt cx="12192000" cy="504502"/>
-          </a:xfrm>
-        </p:grpSpPr>
-        <p:sp>
-          <p:nvSpPr>
-            <p:cNvPr id="20" name="Rectangle 19"/>
-            <p:cNvSpPr/>
-            <p:nvPr/>
-          </p:nvSpPr>
-          <p:spPr>
-            <a:xfrm>
-              <a:off x="0" y="6353498"/>
-              <a:ext cx="12192000" cy="504502"/>
-            </a:xfrm>
-            <a:prstGeom prst="rect">
-              <a:avLst/>
-            </a:prstGeom>
-            <a:solidFill>
-              <a:schemeClr val="accent1">
-                <a:alpha val="100000"/>
-              </a:schemeClr>
-            </a:solidFill>
-            <a:ln w="50800" cap="rnd" cmpd="dbl" algn="ctr">
-              <a:noFill/>
-              <a:prstDash val="solid"/>
-            </a:ln>
-            <a:effectLst/>
-          </p:spPr>
-          <p:style>
-            <a:lnRef idx="3">
-              <a:schemeClr val="lt1"/>
-            </a:lnRef>
-            <a:fillRef idx="1">
-              <a:schemeClr val="accent1"/>
-            </a:fillRef>
-            <a:effectRef idx="1">
-              <a:schemeClr val="accent1"/>
-            </a:effectRef>
-            <a:fontRef idx="minor">
-              <a:schemeClr val="lt1"/>
-            </a:fontRef>
-          </p:style>
-          <p:txBody>
-            <a:bodyPr anchor="ctr"/>
-            <a:lstStyle/>
-            <a:p>
-              <a:pPr algn="ctr"/>
-              <a:endParaRPr kumimoji="0" lang="en-US" sz="2400" dirty="0"/>
-            </a:p>
-          </p:txBody>
-        </p:sp>
-        <p:sp>
-          <p:nvSpPr>
-            <p:cNvPr id="21" name="TextBox 20"/>
-            <p:cNvSpPr txBox="1"/>
-            <p:nvPr userDrawn="1"/>
-          </p:nvSpPr>
-          <p:spPr>
-            <a:xfrm>
-              <a:off x="654824" y="6421083"/>
-              <a:ext cx="1185769" cy="369332"/>
-            </a:xfrm>
-            <a:prstGeom prst="rect">
-              <a:avLst/>
-            </a:prstGeom>
-            <a:noFill/>
-          </p:spPr>
-          <p:txBody>
-            <a:bodyPr wrap="square" rtlCol="0">
-              <a:spAutoFit/>
-            </a:bodyPr>
-            <a:lstStyle/>
-            <a:p>
-              <a:r>
-                <a:rPr lang="en-US" dirty="0">
-                  <a:solidFill>
-                    <a:schemeClr val="bg1"/>
-                  </a:solidFill>
-                </a:rPr>
-                <a:t>@</a:t>
-              </a:r>
-              <a:r>
-                <a:rPr lang="en-US" dirty="0" err="1">
-                  <a:solidFill>
-                    <a:schemeClr val="bg1"/>
-                  </a:solidFill>
-                </a:rPr>
-                <a:t>AMtwo</a:t>
-              </a:r>
-              <a:endParaRPr lang="en-US" dirty="0">
-                <a:solidFill>
-                  <a:schemeClr val="bg1"/>
-                </a:solidFill>
-              </a:endParaRPr>
-            </a:p>
-          </p:txBody>
-        </p:sp>
-        <p:sp>
-          <p:nvSpPr>
-            <p:cNvPr id="22" name="TextBox 21"/>
-            <p:cNvSpPr txBox="1"/>
-            <p:nvPr userDrawn="1"/>
-          </p:nvSpPr>
-          <p:spPr>
-            <a:xfrm>
-              <a:off x="9993507" y="6400071"/>
-              <a:ext cx="1690493" cy="369332"/>
-            </a:xfrm>
-            <a:prstGeom prst="rect">
-              <a:avLst/>
-            </a:prstGeom>
-            <a:noFill/>
-          </p:spPr>
-          <p:txBody>
-            <a:bodyPr wrap="square" rtlCol="0">
-              <a:spAutoFit/>
-            </a:bodyPr>
-            <a:lstStyle/>
-            <a:p>
-              <a:r>
-                <a:rPr lang="en-US" dirty="0">
-                  <a:solidFill>
-                    <a:schemeClr val="bg1"/>
-                  </a:solidFill>
-                </a:rPr>
-                <a:t>andy@am2.co</a:t>
-              </a:r>
-            </a:p>
-          </p:txBody>
-        </p:sp>
-      </p:grpSp>
-      <p:sp>
-        <p:nvSpPr>
-          <p:cNvPr id="25" name="TextBox 24">
-            <a:extLst>
-              <a:ext uri="{FF2B5EF4-FFF2-40B4-BE49-F238E27FC236}">
-                <a16:creationId xmlns:a16="http://schemas.microsoft.com/office/drawing/2014/main" id="{975F2E7A-D074-4084-80D5-8F527A1BBD15}"/>
-              </a:ext>
-            </a:extLst>
-          </p:cNvPr>
-          <p:cNvSpPr txBox="1"/>
-          <p:nvPr/>
-        </p:nvSpPr>
-        <p:spPr>
-          <a:xfrm>
-            <a:off x="4760337" y="6400071"/>
-            <a:ext cx="2671325" cy="369332"/>
-          </a:xfrm>
-          <a:prstGeom prst="rect">
-            <a:avLst/>
-          </a:prstGeom>
-          <a:noFill/>
-        </p:spPr>
-        <p:txBody>
-          <a:bodyPr wrap="square" rtlCol="0">
-            <a:spAutoFit/>
-          </a:bodyPr>
-          <a:lstStyle/>
-          <a:p>
-            <a:pPr algn="ctr"/>
-            <a:r>
-              <a:rPr lang="en-US" dirty="0">
-                <a:solidFill>
-                  <a:schemeClr val="bg1"/>
-                </a:solidFill>
-              </a:rPr>
-              <a:t>am2.co/shortcuts</a:t>
-            </a:r>
-          </a:p>
-        </p:txBody>
-      </p:sp>
-      <p:sp>
-        <p:nvSpPr>
-          <p:cNvPr id="23" name="Left Brace 22">
-            <a:extLst>
-              <a:ext uri="{FF2B5EF4-FFF2-40B4-BE49-F238E27FC236}">
-                <a16:creationId xmlns:a16="http://schemas.microsoft.com/office/drawing/2014/main" id="{60665661-6809-4C36-9539-3F9ECF3BF722}"/>
-              </a:ext>
-            </a:extLst>
-          </p:cNvPr>
-          <p:cNvSpPr/>
-          <p:nvPr/>
-        </p:nvSpPr>
-        <p:spPr>
-          <a:xfrm rot="16200000">
-            <a:off x="6462117" y="2375188"/>
-            <a:ext cx="534589" cy="4752976"/>
-          </a:xfrm>
-          <a:prstGeom prst="leftBrace">
-            <a:avLst/>
-          </a:prstGeom>
-          <a:ln w="57150">
-            <a:solidFill>
-              <a:schemeClr val="accent5"/>
-            </a:solidFill>
-          </a:ln>
-        </p:spPr>
-        <p:style>
-          <a:lnRef idx="1">
-            <a:schemeClr val="accent1"/>
-          </a:lnRef>
-          <a:fillRef idx="0">
-            <a:schemeClr val="accent1"/>
-          </a:fillRef>
-          <a:effectRef idx="0">
-            <a:schemeClr val="accent1"/>
-          </a:effectRef>
-          <a:fontRef idx="minor">
-            <a:schemeClr val="tx1"/>
-          </a:fontRef>
-        </p:style>
-        <p:txBody>
-          <a:bodyPr rtlCol="0" anchor="ctr"/>
-          <a:lstStyle/>
-          <a:p>
-            <a:pPr algn="ctr"/>
-            <a:endParaRPr lang="en-US"/>
-          </a:p>
-        </p:txBody>
-      </p:sp>
-      <p:sp>
-        <p:nvSpPr>
-          <p:cNvPr id="28" name="Left Brace 27">
-            <a:extLst>
-              <a:ext uri="{FF2B5EF4-FFF2-40B4-BE49-F238E27FC236}">
-                <a16:creationId xmlns:a16="http://schemas.microsoft.com/office/drawing/2014/main" id="{D4302186-3E38-416D-A712-CE35352402D7}"/>
-              </a:ext>
-            </a:extLst>
-          </p:cNvPr>
-          <p:cNvSpPr/>
-          <p:nvPr/>
-        </p:nvSpPr>
-        <p:spPr>
-          <a:xfrm rot="5400000">
-            <a:off x="7797496" y="623071"/>
-            <a:ext cx="534589" cy="5111167"/>
-          </a:xfrm>
-          <a:prstGeom prst="leftBrace">
-            <a:avLst/>
-          </a:prstGeom>
-          <a:ln w="57150">
-            <a:solidFill>
-              <a:schemeClr val="accent5"/>
-            </a:solidFill>
-          </a:ln>
-        </p:spPr>
-        <p:style>
-          <a:lnRef idx="1">
-            <a:schemeClr val="accent1"/>
-          </a:lnRef>
-          <a:fillRef idx="0">
-            <a:schemeClr val="accent1"/>
-          </a:fillRef>
-          <a:effectRef idx="0">
-            <a:schemeClr val="accent1"/>
-          </a:effectRef>
-          <a:fontRef idx="minor">
-            <a:schemeClr val="tx1"/>
-          </a:fontRef>
-        </p:style>
-        <p:txBody>
-          <a:bodyPr rtlCol="0" anchor="ctr"/>
-          <a:lstStyle/>
-          <a:p>
-            <a:pPr algn="ctr"/>
-            <a:endParaRPr lang="en-US"/>
-          </a:p>
-        </p:txBody>
-      </p:sp>
-      <p:sp>
-        <p:nvSpPr>
-          <p:cNvPr id="29" name="Left Brace 28">
-            <a:extLst>
-              <a:ext uri="{FF2B5EF4-FFF2-40B4-BE49-F238E27FC236}">
-                <a16:creationId xmlns:a16="http://schemas.microsoft.com/office/drawing/2014/main" id="{D30436AF-4337-4BDE-957B-7E4A2A12EE67}"/>
-              </a:ext>
-            </a:extLst>
-          </p:cNvPr>
-          <p:cNvSpPr/>
-          <p:nvPr/>
-        </p:nvSpPr>
-        <p:spPr>
-          <a:xfrm rot="5400000">
-            <a:off x="2694980" y="1794348"/>
-            <a:ext cx="534589" cy="2781299"/>
-          </a:xfrm>
-          <a:prstGeom prst="leftBrace">
-            <a:avLst/>
-          </a:prstGeom>
-          <a:ln w="57150">
-            <a:solidFill>
-              <a:schemeClr val="accent5"/>
-            </a:solidFill>
-          </a:ln>
-        </p:spPr>
-        <p:style>
-          <a:lnRef idx="1">
-            <a:schemeClr val="accent1"/>
-          </a:lnRef>
-          <a:fillRef idx="0">
-            <a:schemeClr val="accent1"/>
-          </a:fillRef>
-          <a:effectRef idx="0">
-            <a:schemeClr val="accent1"/>
-          </a:effectRef>
-          <a:fontRef idx="minor">
-            <a:schemeClr val="tx1"/>
-          </a:fontRef>
-        </p:style>
-        <p:txBody>
-          <a:bodyPr rtlCol="0" anchor="ctr"/>
-          <a:lstStyle/>
-          <a:p>
-            <a:pPr algn="ctr"/>
-            <a:endParaRPr lang="en-US"/>
-          </a:p>
-        </p:txBody>
-      </p:sp>
-      <p:pic>
-        <p:nvPicPr>
-          <p:cNvPr id="30" name="Picture 29">
-            <a:extLst>
-              <a:ext uri="{FF2B5EF4-FFF2-40B4-BE49-F238E27FC236}">
-                <a16:creationId xmlns:a16="http://schemas.microsoft.com/office/drawing/2014/main" id="{DB945D83-2FDC-40D7-BEE5-AB5AEDF7B7BE}"/>
-              </a:ext>
-            </a:extLst>
-          </p:cNvPr>
-          <p:cNvPicPr>
-            <a:picLocks noChangeAspect="1"/>
-          </p:cNvPicPr>
-          <p:nvPr/>
-        </p:nvPicPr>
-        <p:blipFill>
-          <a:blip r:embed="rId5">
-            <a:extLst>
-              <a:ext uri="{28A0092B-C50C-407E-A947-70E740481C1C}">
-                <a14:useLocalDpi xmlns:a14="http://schemas.microsoft.com/office/drawing/2010/main" val="0"/>
-              </a:ext>
-            </a:extLst>
-          </a:blip>
-          <a:stretch>
-            <a:fillRect/>
-          </a:stretch>
-        </p:blipFill>
-        <p:spPr>
-          <a:xfrm>
-            <a:off x="2450192" y="1806662"/>
-            <a:ext cx="1016769" cy="1016769"/>
-          </a:xfrm>
-          <a:prstGeom prst="rect">
-            <a:avLst/>
-          </a:prstGeom>
-        </p:spPr>
-      </p:pic>
-    </p:spTree>
-    <p:extLst>
-      <p:ext uri="{BB962C8B-B14F-4D97-AF65-F5344CB8AC3E}">
-        <p14:creationId xmlns:p14="http://schemas.microsoft.com/office/powerpoint/2010/main" val="125486011"/>
-      </p:ext>
-    </p:extLst>
-  </p:cSld>
-  <p:clrMapOvr>
-    <a:masterClrMapping/>
-  </p:clrMapOvr>
-  <p:timing>
-    <p:tnLst>
-      <p:par>
-        <p:cTn id="1" dur="indefinite" restart="never" nodeType="tmRoot">
-          <p:childTnLst>
-            <p:seq concurrent="1" nextAc="seek">
-              <p:cTn id="2" dur="indefinite" nodeType="mainSeq">
-                <p:childTnLst>
-                  <p:par>
-                    <p:cTn id="3" fill="hold">
-                      <p:stCondLst>
-                        <p:cond delay="indefinite"/>
-                      </p:stCondLst>
-                      <p:childTnLst>
-                        <p:par>
-                          <p:cTn id="4" fill="hold">
-                            <p:stCondLst>
-                              <p:cond delay="0"/>
-                            </p:stCondLst>
-                            <p:childTnLst>
-                              <p:par>
-                                <p:cTn id="5" presetID="32" presetClass="emph" presetSubtype="0" repeatCount="2000" fill="hold" nodeType="clickEffect">
-                                  <p:stCondLst>
-                                    <p:cond delay="0"/>
-                                  </p:stCondLst>
-                                  <p:childTnLst>
-                                    <p:animRot by="120000">
-                                      <p:cBhvr>
-                                        <p:cTn id="6" dur="100" fill="hold">
-                                          <p:stCondLst>
-                                            <p:cond delay="0"/>
-                                          </p:stCondLst>
-                                        </p:cTn>
-                                        <p:tgtEl>
-                                          <p:spTgt spid="19"/>
-                                        </p:tgtEl>
-                                        <p:attrNameLst>
-                                          <p:attrName>r</p:attrName>
-                                        </p:attrNameLst>
-                                      </p:cBhvr>
-                                    </p:animRot>
-                                    <p:animRot by="-240000">
-                                      <p:cBhvr>
-                                        <p:cTn id="7" dur="200" fill="hold">
-                                          <p:stCondLst>
-                                            <p:cond delay="200"/>
-                                          </p:stCondLst>
-                                        </p:cTn>
-                                        <p:tgtEl>
-                                          <p:spTgt spid="19"/>
-                                        </p:tgtEl>
-                                        <p:attrNameLst>
-                                          <p:attrName>r</p:attrName>
-                                        </p:attrNameLst>
-                                      </p:cBhvr>
-                                    </p:animRot>
-                                    <p:animRot by="240000">
-                                      <p:cBhvr>
-                                        <p:cTn id="8" dur="200" fill="hold">
-                                          <p:stCondLst>
-                                            <p:cond delay="400"/>
-                                          </p:stCondLst>
-                                        </p:cTn>
-                                        <p:tgtEl>
-                                          <p:spTgt spid="19"/>
-                                        </p:tgtEl>
-                                        <p:attrNameLst>
-                                          <p:attrName>r</p:attrName>
-                                        </p:attrNameLst>
-                                      </p:cBhvr>
-                                    </p:animRot>
-                                    <p:animRot by="-240000">
-                                      <p:cBhvr>
-                                        <p:cTn id="9" dur="200" fill="hold">
-                                          <p:stCondLst>
-                                            <p:cond delay="600"/>
-                                          </p:stCondLst>
-                                        </p:cTn>
-                                        <p:tgtEl>
-                                          <p:spTgt spid="19"/>
-                                        </p:tgtEl>
-                                        <p:attrNameLst>
-                                          <p:attrName>r</p:attrName>
-                                        </p:attrNameLst>
-                                      </p:cBhvr>
-                                    </p:animRot>
-                                    <p:animRot by="120000">
-                                      <p:cBhvr>
-                                        <p:cTn id="10" dur="200" fill="hold">
-                                          <p:stCondLst>
-                                            <p:cond delay="800"/>
-                                          </p:stCondLst>
-                                        </p:cTn>
-                                        <p:tgtEl>
-                                          <p:spTgt spid="19"/>
-                                        </p:tgtEl>
-                                        <p:attrNameLst>
-                                          <p:attrName>r</p:attrName>
-                                        </p:attrNameLst>
-                                      </p:cBhvr>
-                                    </p:animRot>
-                                  </p:childTnLst>
-                                </p:cTn>
-                              </p:par>
-                            </p:childTnLst>
-                          </p:cTn>
-                        </p:par>
-                      </p:childTnLst>
-                    </p:cTn>
-                  </p:par>
-                </p:childTnLst>
-              </p:cTn>
-              <p:prevCondLst>
-                <p:cond evt="onPrev" delay="0">
-                  <p:tgtEl>
-                    <p:sldTgt/>
-                  </p:tgtEl>
-                </p:cond>
-              </p:prevCondLst>
-              <p:nextCondLst>
-                <p:cond evt="onNext" delay="0">
-                  <p:tgtEl>
-                    <p:sldTgt/>
-                  </p:tgtEl>
-                </p:cond>
-              </p:nextCondLst>
-            </p:seq>
-          </p:childTnLst>
-        </p:cTn>
-      </p:par>
-    </p:tnLst>
-  </p:timing>
-</p:sld>
-</file>
-
-<file path=ppt/slides/slide40.xml><?xml version="1.0" encoding="utf-8"?>
-<p:sld xmlns:a="http://schemas.openxmlformats.org/drawingml/2006/main" xmlns:r="http://schemas.openxmlformats.org/officeDocument/2006/relationships" xmlns:p="http://schemas.openxmlformats.org/presentationml/2006/main">
-  <p:cSld>
-    <p:spTree>
-      <p:nvGrpSpPr>
-        <p:cNvPr id="1" name=""/>
-        <p:cNvGrpSpPr/>
-        <p:nvPr/>
-      </p:nvGrpSpPr>
-      <p:grpSpPr>
-        <a:xfrm>
-          <a:off x="0" y="0"/>
-          <a:ext cx="0" cy="0"/>
-          <a:chOff x="0" y="0"/>
-          <a:chExt cx="0" cy="0"/>
-        </a:xfrm>
-      </p:grpSpPr>
-      <p:sp>
-        <p:nvSpPr>
-          <p:cNvPr id="2" name="Title 1"/>
-          <p:cNvSpPr>
-            <a:spLocks noGrp="1"/>
-          </p:cNvSpPr>
-          <p:nvPr>
-            <p:ph type="title"/>
-          </p:nvPr>
-        </p:nvSpPr>
-        <p:spPr/>
-        <p:txBody>
-          <a:bodyPr/>
-          <a:lstStyle/>
-          <a:p>
-            <a:r>
               <a:rPr lang="en-US"/>
               <a:t>Page compression algorithm</a:t>
             </a:r>
@@ -23829,7 +21299,7 @@
 </p:sld>
 </file>
 
-<file path=ppt/slides/slide41.xml><?xml version="1.0" encoding="utf-8"?>
+<file path=ppt/slides/slide38.xml><?xml version="1.0" encoding="utf-8"?>
 <p:sld xmlns:a="http://schemas.openxmlformats.org/drawingml/2006/main" xmlns:r="http://schemas.openxmlformats.org/officeDocument/2006/relationships" xmlns:p="http://schemas.openxmlformats.org/presentationml/2006/main">
   <p:cSld>
     <p:spTree>
@@ -24605,7 +22075,7 @@
 </p:sld>
 </file>
 
-<file path=ppt/slides/slide42.xml><?xml version="1.0" encoding="utf-8"?>
+<file path=ppt/slides/slide39.xml><?xml version="1.0" encoding="utf-8"?>
 <p:sld xmlns:a="http://schemas.openxmlformats.org/drawingml/2006/main" xmlns:r="http://schemas.openxmlformats.org/officeDocument/2006/relationships" xmlns:p="http://schemas.openxmlformats.org/presentationml/2006/main">
   <p:cSld>
     <p:spTree>
@@ -25324,10 +22794,690 @@
   <p:clrMapOvr>
     <a:masterClrMapping/>
   </p:clrMapOvr>
+  <mc:AlternateContent xmlns:mc="http://schemas.openxmlformats.org/markup-compatibility/2006" xmlns:p159="http://schemas.microsoft.com/office/powerpoint/2015/09/main">
+    <mc:Choice Requires="p159">
+      <p:transition xmlns:p14="http://schemas.microsoft.com/office/powerpoint/2010/main" spd="slow" p14:dur="2000">
+        <p159:morph option="byObject"/>
+      </p:transition>
+    </mc:Choice>
+    <mc:Fallback xmlns="">
+      <p:transition spd="slow">
+        <p:fade/>
+      </p:transition>
+    </mc:Fallback>
+  </mc:AlternateContent>
 </p:sld>
 </file>
 
-<file path=ppt/slides/slide43.xml><?xml version="1.0" encoding="utf-8"?>
+<file path=ppt/slides/slide4.xml><?xml version="1.0" encoding="utf-8"?>
+<p:sld xmlns:a="http://schemas.openxmlformats.org/drawingml/2006/main" xmlns:r="http://schemas.openxmlformats.org/officeDocument/2006/relationships" xmlns:p="http://schemas.openxmlformats.org/presentationml/2006/main">
+  <p:cSld>
+    <p:spTree>
+      <p:nvGrpSpPr>
+        <p:cNvPr id="1" name=""/>
+        <p:cNvGrpSpPr/>
+        <p:nvPr/>
+      </p:nvGrpSpPr>
+      <p:grpSpPr>
+        <a:xfrm>
+          <a:off x="0" y="0"/>
+          <a:ext cx="0" cy="0"/>
+          <a:chOff x="0" y="0"/>
+          <a:chExt cx="0" cy="0"/>
+        </a:xfrm>
+      </p:grpSpPr>
+      <p:sp>
+        <p:nvSpPr>
+          <p:cNvPr id="2" name="Title 1"/>
+          <p:cNvSpPr>
+            <a:spLocks noGrp="1"/>
+          </p:cNvSpPr>
+          <p:nvPr>
+            <p:ph type="title"/>
+          </p:nvPr>
+        </p:nvSpPr>
+        <p:spPr/>
+        <p:txBody>
+          <a:bodyPr/>
+          <a:lstStyle/>
+          <a:p>
+            <a:r>
+              <a:rPr lang="en-US" dirty="0"/>
+              <a:t>Contact Andy</a:t>
+            </a:r>
+          </a:p>
+        </p:txBody>
+      </p:sp>
+      <p:pic>
+        <p:nvPicPr>
+          <p:cNvPr id="6" name="Picture 2" descr="http://tomjamieson.com/wp-content/uploads/2013/11/twitter-logo-blue.png"/>
+          <p:cNvPicPr>
+            <a:picLocks noChangeAspect="1" noChangeArrowheads="1"/>
+          </p:cNvPicPr>
+          <p:nvPr/>
+        </p:nvPicPr>
+        <p:blipFill>
+          <a:blip r:embed="rId3">
+            <a:extLst>
+              <a:ext uri="{28A0092B-C50C-407E-A947-70E740481C1C}">
+                <a14:useLocalDpi xmlns:a14="http://schemas.microsoft.com/office/drawing/2010/main" val="0"/>
+              </a:ext>
+            </a:extLst>
+          </a:blip>
+          <a:srcRect/>
+          <a:stretch>
+            <a:fillRect/>
+          </a:stretch>
+        </p:blipFill>
+        <p:spPr bwMode="auto">
+          <a:xfrm>
+            <a:off x="6124574" y="5114221"/>
+            <a:ext cx="1231065" cy="1000847"/>
+          </a:xfrm>
+          <a:prstGeom prst="rect">
+            <a:avLst/>
+          </a:prstGeom>
+          <a:noFill/>
+          <a:extLst>
+            <a:ext uri="{909E8E84-426E-40DD-AFC4-6F175D3DCCD1}">
+              <a14:hiddenFill xmlns:a14="http://schemas.microsoft.com/office/drawing/2010/main">
+                <a:solidFill>
+                  <a:srgbClr val="FFFFFF"/>
+                </a:solidFill>
+              </a14:hiddenFill>
+            </a:ext>
+          </a:extLst>
+        </p:spPr>
+      </p:pic>
+      <p:pic>
+        <p:nvPicPr>
+          <p:cNvPr id="17" name="Picture 2" descr="http://randyjensenonline.com/thoughts/wp-content/uploads/2010/07/wordpressLogoSolo.png"/>
+          <p:cNvPicPr>
+            <a:picLocks noChangeAspect="1" noChangeArrowheads="1"/>
+          </p:cNvPicPr>
+          <p:nvPr/>
+        </p:nvPicPr>
+        <p:blipFill>
+          <a:blip r:embed="rId4">
+            <a:extLst>
+              <a:ext uri="{28A0092B-C50C-407E-A947-70E740481C1C}">
+                <a14:useLocalDpi xmlns:a14="http://schemas.microsoft.com/office/drawing/2010/main" val="0"/>
+              </a:ext>
+            </a:extLst>
+          </a:blip>
+          <a:srcRect/>
+          <a:stretch>
+            <a:fillRect/>
+          </a:stretch>
+        </p:blipFill>
+        <p:spPr bwMode="auto">
+          <a:xfrm>
+            <a:off x="7546205" y="1803440"/>
+            <a:ext cx="1016769" cy="1016769"/>
+          </a:xfrm>
+          <a:prstGeom prst="rect">
+            <a:avLst/>
+          </a:prstGeom>
+          <a:noFill/>
+          <a:extLst>
+            <a:ext uri="{909E8E84-426E-40DD-AFC4-6F175D3DCCD1}">
+              <a14:hiddenFill xmlns:a14="http://schemas.microsoft.com/office/drawing/2010/main">
+                <a:solidFill>
+                  <a:srgbClr val="FFFFFF"/>
+                </a:solidFill>
+              </a14:hiddenFill>
+            </a:ext>
+          </a:extLst>
+        </p:spPr>
+      </p:pic>
+      <p:sp>
+        <p:nvSpPr>
+          <p:cNvPr id="15" name="TextBox 14"/>
+          <p:cNvSpPr txBox="1"/>
+          <p:nvPr/>
+        </p:nvSpPr>
+        <p:spPr>
+          <a:xfrm>
+            <a:off x="570178" y="3127179"/>
+            <a:ext cx="11113821" cy="1569660"/>
+          </a:xfrm>
+          <a:prstGeom prst="rect">
+            <a:avLst/>
+          </a:prstGeom>
+          <a:noFill/>
+        </p:spPr>
+        <p:txBody>
+          <a:bodyPr wrap="square" rtlCol="0">
+            <a:spAutoFit/>
+          </a:bodyPr>
+          <a:lstStyle/>
+          <a:p>
+            <a:pPr algn="ctr"/>
+            <a:r>
+              <a:rPr lang="en-US" sz="9600" dirty="0">
+                <a:solidFill>
+                  <a:schemeClr val="tx1">
+                    <a:lumMod val="75000"/>
+                    <a:lumOff val="25000"/>
+                  </a:schemeClr>
+                </a:solidFill>
+              </a:rPr>
+              <a:t>Andy@AMtwo.co</a:t>
+            </a:r>
+          </a:p>
+        </p:txBody>
+      </p:sp>
+      <p:grpSp>
+        <p:nvGrpSpPr>
+          <p:cNvPr id="19" name="Group 18"/>
+          <p:cNvGrpSpPr/>
+          <p:nvPr/>
+        </p:nvGrpSpPr>
+        <p:grpSpPr>
+          <a:xfrm>
+            <a:off x="0" y="6353498"/>
+            <a:ext cx="12192000" cy="504502"/>
+            <a:chOff x="0" y="6353498"/>
+            <a:chExt cx="12192000" cy="504502"/>
+          </a:xfrm>
+        </p:grpSpPr>
+        <p:sp>
+          <p:nvSpPr>
+            <p:cNvPr id="20" name="Rectangle 19"/>
+            <p:cNvSpPr/>
+            <p:nvPr/>
+          </p:nvSpPr>
+          <p:spPr>
+            <a:xfrm>
+              <a:off x="0" y="6353498"/>
+              <a:ext cx="12192000" cy="504502"/>
+            </a:xfrm>
+            <a:prstGeom prst="rect">
+              <a:avLst/>
+            </a:prstGeom>
+            <a:solidFill>
+              <a:schemeClr val="accent1">
+                <a:alpha val="100000"/>
+              </a:schemeClr>
+            </a:solidFill>
+            <a:ln w="50800" cap="rnd" cmpd="dbl" algn="ctr">
+              <a:noFill/>
+              <a:prstDash val="solid"/>
+            </a:ln>
+            <a:effectLst/>
+          </p:spPr>
+          <p:style>
+            <a:lnRef idx="3">
+              <a:schemeClr val="lt1"/>
+            </a:lnRef>
+            <a:fillRef idx="1">
+              <a:schemeClr val="accent1"/>
+            </a:fillRef>
+            <a:effectRef idx="1">
+              <a:schemeClr val="accent1"/>
+            </a:effectRef>
+            <a:fontRef idx="minor">
+              <a:schemeClr val="lt1"/>
+            </a:fontRef>
+          </p:style>
+          <p:txBody>
+            <a:bodyPr anchor="ctr"/>
+            <a:lstStyle/>
+            <a:p>
+              <a:pPr algn="ctr"/>
+              <a:endParaRPr kumimoji="0" lang="en-US" sz="2400" dirty="0"/>
+            </a:p>
+          </p:txBody>
+        </p:sp>
+        <p:sp>
+          <p:nvSpPr>
+            <p:cNvPr id="21" name="TextBox 20"/>
+            <p:cNvSpPr txBox="1"/>
+            <p:nvPr userDrawn="1"/>
+          </p:nvSpPr>
+          <p:spPr>
+            <a:xfrm>
+              <a:off x="654824" y="6421083"/>
+              <a:ext cx="1185769" cy="369332"/>
+            </a:xfrm>
+            <a:prstGeom prst="rect">
+              <a:avLst/>
+            </a:prstGeom>
+            <a:noFill/>
+          </p:spPr>
+          <p:txBody>
+            <a:bodyPr wrap="square" rtlCol="0">
+              <a:spAutoFit/>
+            </a:bodyPr>
+            <a:lstStyle/>
+            <a:p>
+              <a:r>
+                <a:rPr lang="en-US" dirty="0">
+                  <a:solidFill>
+                    <a:schemeClr val="bg1"/>
+                  </a:solidFill>
+                </a:rPr>
+                <a:t>@</a:t>
+              </a:r>
+              <a:r>
+                <a:rPr lang="en-US" dirty="0" err="1">
+                  <a:solidFill>
+                    <a:schemeClr val="bg1"/>
+                  </a:solidFill>
+                </a:rPr>
+                <a:t>AMtwo</a:t>
+              </a:r>
+              <a:endParaRPr lang="en-US" dirty="0">
+                <a:solidFill>
+                  <a:schemeClr val="bg1"/>
+                </a:solidFill>
+              </a:endParaRPr>
+            </a:p>
+          </p:txBody>
+        </p:sp>
+        <p:sp>
+          <p:nvSpPr>
+            <p:cNvPr id="22" name="TextBox 21"/>
+            <p:cNvSpPr txBox="1"/>
+            <p:nvPr userDrawn="1"/>
+          </p:nvSpPr>
+          <p:spPr>
+            <a:xfrm>
+              <a:off x="9872024" y="6400071"/>
+              <a:ext cx="1811975" cy="369332"/>
+            </a:xfrm>
+            <a:prstGeom prst="rect">
+              <a:avLst/>
+            </a:prstGeom>
+            <a:noFill/>
+          </p:spPr>
+          <p:txBody>
+            <a:bodyPr wrap="square" rtlCol="0">
+              <a:spAutoFit/>
+            </a:bodyPr>
+            <a:lstStyle/>
+            <a:p>
+              <a:r>
+                <a:rPr lang="en-US" dirty="0">
+                  <a:solidFill>
+                    <a:schemeClr val="bg1"/>
+                  </a:solidFill>
+                </a:rPr>
+                <a:t>andy@amtwo.co</a:t>
+              </a:r>
+            </a:p>
+          </p:txBody>
+        </p:sp>
+      </p:grpSp>
+      <p:sp>
+        <p:nvSpPr>
+          <p:cNvPr id="25" name="TextBox 24">
+            <a:extLst>
+              <a:ext uri="{FF2B5EF4-FFF2-40B4-BE49-F238E27FC236}">
+                <a16:creationId xmlns:a16="http://schemas.microsoft.com/office/drawing/2014/main" id="{975F2E7A-D074-4084-80D5-8F527A1BBD15}"/>
+              </a:ext>
+            </a:extLst>
+          </p:cNvPr>
+          <p:cNvSpPr txBox="1"/>
+          <p:nvPr/>
+        </p:nvSpPr>
+        <p:spPr>
+          <a:xfrm>
+            <a:off x="4760337" y="6400071"/>
+            <a:ext cx="2671325" cy="369332"/>
+          </a:xfrm>
+          <a:prstGeom prst="rect">
+            <a:avLst/>
+          </a:prstGeom>
+          <a:noFill/>
+        </p:spPr>
+        <p:txBody>
+          <a:bodyPr wrap="square" rtlCol="0">
+            <a:spAutoFit/>
+          </a:bodyPr>
+          <a:lstStyle/>
+          <a:p>
+            <a:pPr algn="ctr"/>
+            <a:r>
+              <a:rPr lang="en-US" dirty="0">
+                <a:solidFill>
+                  <a:schemeClr val="bg1"/>
+                </a:solidFill>
+              </a:rPr>
+              <a:t>amtwo.co</a:t>
+            </a:r>
+          </a:p>
+        </p:txBody>
+      </p:sp>
+      <p:sp>
+        <p:nvSpPr>
+          <p:cNvPr id="23" name="Left Brace 22">
+            <a:extLst>
+              <a:ext uri="{FF2B5EF4-FFF2-40B4-BE49-F238E27FC236}">
+                <a16:creationId xmlns:a16="http://schemas.microsoft.com/office/drawing/2014/main" id="{60665661-6809-4C36-9539-3F9ECF3BF722}"/>
+              </a:ext>
+            </a:extLst>
+          </p:cNvPr>
+          <p:cNvSpPr/>
+          <p:nvPr/>
+        </p:nvSpPr>
+        <p:spPr>
+          <a:xfrm rot="16200000">
+            <a:off x="6462117" y="2375188"/>
+            <a:ext cx="534589" cy="4752976"/>
+          </a:xfrm>
+          <a:prstGeom prst="leftBrace">
+            <a:avLst/>
+          </a:prstGeom>
+          <a:ln w="57150">
+            <a:solidFill>
+              <a:schemeClr val="accent5"/>
+            </a:solidFill>
+          </a:ln>
+        </p:spPr>
+        <p:style>
+          <a:lnRef idx="1">
+            <a:schemeClr val="accent1"/>
+          </a:lnRef>
+          <a:fillRef idx="0">
+            <a:schemeClr val="accent1"/>
+          </a:fillRef>
+          <a:effectRef idx="0">
+            <a:schemeClr val="accent1"/>
+          </a:effectRef>
+          <a:fontRef idx="minor">
+            <a:schemeClr val="tx1"/>
+          </a:fontRef>
+        </p:style>
+        <p:txBody>
+          <a:bodyPr rtlCol="0" anchor="ctr"/>
+          <a:lstStyle/>
+          <a:p>
+            <a:pPr algn="ctr"/>
+            <a:endParaRPr lang="en-US"/>
+          </a:p>
+        </p:txBody>
+      </p:sp>
+      <p:sp>
+        <p:nvSpPr>
+          <p:cNvPr id="28" name="Left Brace 27">
+            <a:extLst>
+              <a:ext uri="{FF2B5EF4-FFF2-40B4-BE49-F238E27FC236}">
+                <a16:creationId xmlns:a16="http://schemas.microsoft.com/office/drawing/2014/main" id="{D4302186-3E38-416D-A712-CE35352402D7}"/>
+              </a:ext>
+            </a:extLst>
+          </p:cNvPr>
+          <p:cNvSpPr/>
+          <p:nvPr/>
+        </p:nvSpPr>
+        <p:spPr>
+          <a:xfrm rot="5400000">
+            <a:off x="7797496" y="623071"/>
+            <a:ext cx="534589" cy="5111167"/>
+          </a:xfrm>
+          <a:prstGeom prst="leftBrace">
+            <a:avLst/>
+          </a:prstGeom>
+          <a:ln w="57150">
+            <a:solidFill>
+              <a:schemeClr val="accent5"/>
+            </a:solidFill>
+          </a:ln>
+        </p:spPr>
+        <p:style>
+          <a:lnRef idx="1">
+            <a:schemeClr val="accent1"/>
+          </a:lnRef>
+          <a:fillRef idx="0">
+            <a:schemeClr val="accent1"/>
+          </a:fillRef>
+          <a:effectRef idx="0">
+            <a:schemeClr val="accent1"/>
+          </a:effectRef>
+          <a:fontRef idx="minor">
+            <a:schemeClr val="tx1"/>
+          </a:fontRef>
+        </p:style>
+        <p:txBody>
+          <a:bodyPr rtlCol="0" anchor="ctr"/>
+          <a:lstStyle/>
+          <a:p>
+            <a:pPr algn="ctr"/>
+            <a:endParaRPr lang="en-US"/>
+          </a:p>
+        </p:txBody>
+      </p:sp>
+      <p:sp>
+        <p:nvSpPr>
+          <p:cNvPr id="29" name="Left Brace 28">
+            <a:extLst>
+              <a:ext uri="{FF2B5EF4-FFF2-40B4-BE49-F238E27FC236}">
+                <a16:creationId xmlns:a16="http://schemas.microsoft.com/office/drawing/2014/main" id="{D30436AF-4337-4BDE-957B-7E4A2A12EE67}"/>
+              </a:ext>
+            </a:extLst>
+          </p:cNvPr>
+          <p:cNvSpPr/>
+          <p:nvPr/>
+        </p:nvSpPr>
+        <p:spPr>
+          <a:xfrm rot="5400000">
+            <a:off x="2694980" y="1794348"/>
+            <a:ext cx="534589" cy="2781299"/>
+          </a:xfrm>
+          <a:prstGeom prst="leftBrace">
+            <a:avLst/>
+          </a:prstGeom>
+          <a:ln w="57150">
+            <a:solidFill>
+              <a:schemeClr val="accent5"/>
+            </a:solidFill>
+          </a:ln>
+        </p:spPr>
+        <p:style>
+          <a:lnRef idx="1">
+            <a:schemeClr val="accent1"/>
+          </a:lnRef>
+          <a:fillRef idx="0">
+            <a:schemeClr val="accent1"/>
+          </a:fillRef>
+          <a:effectRef idx="0">
+            <a:schemeClr val="accent1"/>
+          </a:effectRef>
+          <a:fontRef idx="minor">
+            <a:schemeClr val="tx1"/>
+          </a:fontRef>
+        </p:style>
+        <p:txBody>
+          <a:bodyPr rtlCol="0" anchor="ctr"/>
+          <a:lstStyle/>
+          <a:p>
+            <a:pPr algn="ctr"/>
+            <a:endParaRPr lang="en-US"/>
+          </a:p>
+        </p:txBody>
+      </p:sp>
+      <p:pic>
+        <p:nvPicPr>
+          <p:cNvPr id="30" name="Picture 29">
+            <a:extLst>
+              <a:ext uri="{FF2B5EF4-FFF2-40B4-BE49-F238E27FC236}">
+                <a16:creationId xmlns:a16="http://schemas.microsoft.com/office/drawing/2014/main" id="{DB945D83-2FDC-40D7-BEE5-AB5AEDF7B7BE}"/>
+              </a:ext>
+            </a:extLst>
+          </p:cNvPr>
+          <p:cNvPicPr>
+            <a:picLocks noChangeAspect="1"/>
+          </p:cNvPicPr>
+          <p:nvPr/>
+        </p:nvPicPr>
+        <p:blipFill>
+          <a:blip r:embed="rId5">
+            <a:extLst>
+              <a:ext uri="{28A0092B-C50C-407E-A947-70E740481C1C}">
+                <a14:useLocalDpi xmlns:a14="http://schemas.microsoft.com/office/drawing/2010/main" val="0"/>
+              </a:ext>
+            </a:extLst>
+          </a:blip>
+          <a:stretch>
+            <a:fillRect/>
+          </a:stretch>
+        </p:blipFill>
+        <p:spPr>
+          <a:xfrm>
+            <a:off x="2450192" y="1806662"/>
+            <a:ext cx="1016769" cy="1016769"/>
+          </a:xfrm>
+          <a:prstGeom prst="rect">
+            <a:avLst/>
+          </a:prstGeom>
+        </p:spPr>
+      </p:pic>
+    </p:spTree>
+    <p:extLst>
+      <p:ext uri="{BB962C8B-B14F-4D97-AF65-F5344CB8AC3E}">
+        <p14:creationId xmlns:p14="http://schemas.microsoft.com/office/powerpoint/2010/main" val="125486011"/>
+      </p:ext>
+    </p:extLst>
+  </p:cSld>
+  <p:clrMapOvr>
+    <a:masterClrMapping/>
+  </p:clrMapOvr>
+  <p:timing>
+    <p:tnLst>
+      <p:par>
+        <p:cTn id="1" dur="indefinite" restart="never" nodeType="tmRoot">
+          <p:childTnLst>
+            <p:seq concurrent="1" nextAc="seek">
+              <p:cTn id="2" dur="indefinite" nodeType="mainSeq">
+                <p:childTnLst>
+                  <p:par>
+                    <p:cTn id="3" fill="hold">
+                      <p:stCondLst>
+                        <p:cond delay="indefinite"/>
+                      </p:stCondLst>
+                      <p:childTnLst>
+                        <p:par>
+                          <p:cTn id="4" fill="hold">
+                            <p:stCondLst>
+                              <p:cond delay="0"/>
+                            </p:stCondLst>
+                            <p:childTnLst>
+                              <p:par>
+                                <p:cTn id="5" presetID="32" presetClass="emph" presetSubtype="0" repeatCount="2000" fill="hold" nodeType="clickEffect">
+                                  <p:stCondLst>
+                                    <p:cond delay="0"/>
+                                  </p:stCondLst>
+                                  <p:childTnLst>
+                                    <p:animRot by="120000">
+                                      <p:cBhvr>
+                                        <p:cTn id="6" dur="100" fill="hold">
+                                          <p:stCondLst>
+                                            <p:cond delay="0"/>
+                                          </p:stCondLst>
+                                        </p:cTn>
+                                        <p:tgtEl>
+                                          <p:spTgt spid="19"/>
+                                        </p:tgtEl>
+                                        <p:attrNameLst>
+                                          <p:attrName>r</p:attrName>
+                                        </p:attrNameLst>
+                                      </p:cBhvr>
+                                    </p:animRot>
+                                    <p:animRot by="-240000">
+                                      <p:cBhvr>
+                                        <p:cTn id="7" dur="200" fill="hold">
+                                          <p:stCondLst>
+                                            <p:cond delay="200"/>
+                                          </p:stCondLst>
+                                        </p:cTn>
+                                        <p:tgtEl>
+                                          <p:spTgt spid="19"/>
+                                        </p:tgtEl>
+                                        <p:attrNameLst>
+                                          <p:attrName>r</p:attrName>
+                                        </p:attrNameLst>
+                                      </p:cBhvr>
+                                    </p:animRot>
+                                    <p:animRot by="240000">
+                                      <p:cBhvr>
+                                        <p:cTn id="8" dur="200" fill="hold">
+                                          <p:stCondLst>
+                                            <p:cond delay="400"/>
+                                          </p:stCondLst>
+                                        </p:cTn>
+                                        <p:tgtEl>
+                                          <p:spTgt spid="19"/>
+                                        </p:tgtEl>
+                                        <p:attrNameLst>
+                                          <p:attrName>r</p:attrName>
+                                        </p:attrNameLst>
+                                      </p:cBhvr>
+                                    </p:animRot>
+                                    <p:animRot by="-240000">
+                                      <p:cBhvr>
+                                        <p:cTn id="9" dur="200" fill="hold">
+                                          <p:stCondLst>
+                                            <p:cond delay="600"/>
+                                          </p:stCondLst>
+                                        </p:cTn>
+                                        <p:tgtEl>
+                                          <p:spTgt spid="19"/>
+                                        </p:tgtEl>
+                                        <p:attrNameLst>
+                                          <p:attrName>r</p:attrName>
+                                        </p:attrNameLst>
+                                      </p:cBhvr>
+                                    </p:animRot>
+                                    <p:animRot by="120000">
+                                      <p:cBhvr>
+                                        <p:cTn id="10" dur="200" fill="hold">
+                                          <p:stCondLst>
+                                            <p:cond delay="800"/>
+                                          </p:stCondLst>
+                                        </p:cTn>
+                                        <p:tgtEl>
+                                          <p:spTgt spid="19"/>
+                                        </p:tgtEl>
+                                        <p:attrNameLst>
+                                          <p:attrName>r</p:attrName>
+                                        </p:attrNameLst>
+                                      </p:cBhvr>
+                                    </p:animRot>
+                                  </p:childTnLst>
+                                </p:cTn>
+                              </p:par>
+                            </p:childTnLst>
+                          </p:cTn>
+                        </p:par>
+                      </p:childTnLst>
+                    </p:cTn>
+                  </p:par>
+                </p:childTnLst>
+              </p:cTn>
+              <p:prevCondLst>
+                <p:cond evt="onPrev" delay="0">
+                  <p:tgtEl>
+                    <p:sldTgt/>
+                  </p:tgtEl>
+                </p:cond>
+              </p:prevCondLst>
+              <p:nextCondLst>
+                <p:cond evt="onNext" delay="0">
+                  <p:tgtEl>
+                    <p:sldTgt/>
+                  </p:tgtEl>
+                </p:cond>
+              </p:nextCondLst>
+            </p:seq>
+          </p:childTnLst>
+        </p:cTn>
+      </p:par>
+    </p:tnLst>
+  </p:timing>
+</p:sld>
+</file>
+
+<file path=ppt/slides/slide40.xml><?xml version="1.0" encoding="utf-8"?>
 <p:sld xmlns:a="http://schemas.openxmlformats.org/drawingml/2006/main" xmlns:r="http://schemas.openxmlformats.org/officeDocument/2006/relationships" xmlns:p="http://schemas.openxmlformats.org/presentationml/2006/main">
   <p:cSld>
     <p:spTree>
@@ -26141,10 +24291,22 @@
   <p:clrMapOvr>
     <a:masterClrMapping/>
   </p:clrMapOvr>
+  <mc:AlternateContent xmlns:mc="http://schemas.openxmlformats.org/markup-compatibility/2006" xmlns:p159="http://schemas.microsoft.com/office/powerpoint/2015/09/main">
+    <mc:Choice Requires="p159">
+      <p:transition xmlns:p14="http://schemas.microsoft.com/office/powerpoint/2010/main" spd="slow" p14:dur="2000">
+        <p159:morph option="byObject"/>
+      </p:transition>
+    </mc:Choice>
+    <mc:Fallback xmlns="">
+      <p:transition spd="slow">
+        <p:fade/>
+      </p:transition>
+    </mc:Fallback>
+  </mc:AlternateContent>
 </p:sld>
 </file>
 
-<file path=ppt/slides/slide44.xml><?xml version="1.0" encoding="utf-8"?>
+<file path=ppt/slides/slide41.xml><?xml version="1.0" encoding="utf-8"?>
 <p:sld xmlns:a="http://schemas.openxmlformats.org/drawingml/2006/main" xmlns:r="http://schemas.openxmlformats.org/officeDocument/2006/relationships" xmlns:p="http://schemas.openxmlformats.org/presentationml/2006/main">
   <p:cSld>
     <p:spTree>
@@ -26920,10 +25082,22 @@
   <p:clrMapOvr>
     <a:masterClrMapping/>
   </p:clrMapOvr>
+  <mc:AlternateContent xmlns:mc="http://schemas.openxmlformats.org/markup-compatibility/2006" xmlns:p159="http://schemas.microsoft.com/office/powerpoint/2015/09/main">
+    <mc:Choice Requires="p159">
+      <p:transition xmlns:p14="http://schemas.microsoft.com/office/powerpoint/2010/main" spd="slow" p14:dur="2000">
+        <p159:morph option="byObject"/>
+      </p:transition>
+    </mc:Choice>
+    <mc:Fallback xmlns="">
+      <p:transition spd="slow">
+        <p:fade/>
+      </p:transition>
+    </mc:Fallback>
+  </mc:AlternateContent>
 </p:sld>
 </file>
 
-<file path=ppt/slides/slide45.xml><?xml version="1.0" encoding="utf-8"?>
+<file path=ppt/slides/slide42.xml><?xml version="1.0" encoding="utf-8"?>
 <p:sld xmlns:a="http://schemas.openxmlformats.org/drawingml/2006/main" xmlns:r="http://schemas.openxmlformats.org/officeDocument/2006/relationships" xmlns:p="http://schemas.openxmlformats.org/presentationml/2006/main">
   <p:cSld>
     <p:spTree>
@@ -27708,10 +25882,22 @@
   <p:clrMapOvr>
     <a:masterClrMapping/>
   </p:clrMapOvr>
+  <mc:AlternateContent xmlns:mc="http://schemas.openxmlformats.org/markup-compatibility/2006" xmlns:p159="http://schemas.microsoft.com/office/powerpoint/2015/09/main">
+    <mc:Choice Requires="p159">
+      <p:transition xmlns:p14="http://schemas.microsoft.com/office/powerpoint/2010/main" spd="slow" p14:dur="2000">
+        <p159:morph option="byObject"/>
+      </p:transition>
+    </mc:Choice>
+    <mc:Fallback xmlns="">
+      <p:transition spd="slow">
+        <p:fade/>
+      </p:transition>
+    </mc:Fallback>
+  </mc:AlternateContent>
 </p:sld>
 </file>
 
-<file path=ppt/slides/slide46.xml><?xml version="1.0" encoding="utf-8"?>
+<file path=ppt/slides/slide43.xml><?xml version="1.0" encoding="utf-8"?>
 <p:sld xmlns:a="http://schemas.openxmlformats.org/drawingml/2006/main" xmlns:r="http://schemas.openxmlformats.org/officeDocument/2006/relationships" xmlns:p="http://schemas.openxmlformats.org/presentationml/2006/main">
   <p:cSld>
     <p:spTree>
@@ -28463,10 +26649,22 @@
   <p:clrMapOvr>
     <a:masterClrMapping/>
   </p:clrMapOvr>
+  <mc:AlternateContent xmlns:mc="http://schemas.openxmlformats.org/markup-compatibility/2006" xmlns:p159="http://schemas.microsoft.com/office/powerpoint/2015/09/main">
+    <mc:Choice Requires="p159">
+      <p:transition xmlns:p14="http://schemas.microsoft.com/office/powerpoint/2010/main" spd="slow" p14:dur="2000">
+        <p159:morph option="byObject"/>
+      </p:transition>
+    </mc:Choice>
+    <mc:Fallback xmlns="">
+      <p:transition spd="slow">
+        <p:fade/>
+      </p:transition>
+    </mc:Fallback>
+  </mc:AlternateContent>
 </p:sld>
 </file>
 
-<file path=ppt/slides/slide47.xml><?xml version="1.0" encoding="utf-8"?>
+<file path=ppt/slides/slide44.xml><?xml version="1.0" encoding="utf-8"?>
 <p:sld xmlns:a="http://schemas.openxmlformats.org/drawingml/2006/main" xmlns:r="http://schemas.openxmlformats.org/officeDocument/2006/relationships" xmlns:p="http://schemas.openxmlformats.org/presentationml/2006/main">
   <p:cSld>
     <p:spTree>
@@ -29398,10 +27596,22 @@
   <p:clrMapOvr>
     <a:masterClrMapping/>
   </p:clrMapOvr>
+  <mc:AlternateContent xmlns:mc="http://schemas.openxmlformats.org/markup-compatibility/2006" xmlns:p159="http://schemas.microsoft.com/office/powerpoint/2015/09/main">
+    <mc:Choice Requires="p159">
+      <p:transition xmlns:p14="http://schemas.microsoft.com/office/powerpoint/2010/main" spd="slow" p14:dur="2000">
+        <p159:morph option="byObject"/>
+      </p:transition>
+    </mc:Choice>
+    <mc:Fallback xmlns="">
+      <p:transition spd="slow">
+        <p:fade/>
+      </p:transition>
+    </mc:Fallback>
+  </mc:AlternateContent>
 </p:sld>
 </file>
 
-<file path=ppt/slides/slide48.xml><?xml version="1.0" encoding="utf-8"?>
+<file path=ppt/slides/slide45.xml><?xml version="1.0" encoding="utf-8"?>
 <p:sld xmlns:a="http://schemas.openxmlformats.org/drawingml/2006/main" xmlns:r="http://schemas.openxmlformats.org/officeDocument/2006/relationships" xmlns:p="http://schemas.openxmlformats.org/presentationml/2006/main">
   <p:cSld>
     <p:spTree>
@@ -30169,10 +28379,22 @@
   <p:clrMapOvr>
     <a:masterClrMapping/>
   </p:clrMapOvr>
+  <mc:AlternateContent xmlns:mc="http://schemas.openxmlformats.org/markup-compatibility/2006" xmlns:p159="http://schemas.microsoft.com/office/powerpoint/2015/09/main">
+    <mc:Choice Requires="p159">
+      <p:transition xmlns:p14="http://schemas.microsoft.com/office/powerpoint/2010/main" spd="slow" p14:dur="2000">
+        <p159:morph option="byObject"/>
+      </p:transition>
+    </mc:Choice>
+    <mc:Fallback xmlns="">
+      <p:transition spd="slow">
+        <p:fade/>
+      </p:transition>
+    </mc:Fallback>
+  </mc:AlternateContent>
 </p:sld>
 </file>
 
-<file path=ppt/slides/slide49.xml><?xml version="1.0" encoding="utf-8"?>
+<file path=ppt/slides/slide46.xml><?xml version="1.0" encoding="utf-8"?>
 <p:sld xmlns:a="http://schemas.openxmlformats.org/drawingml/2006/main" xmlns:r="http://schemas.openxmlformats.org/officeDocument/2006/relationships" xmlns:p="http://schemas.openxmlformats.org/presentationml/2006/main">
   <p:cSld>
     <p:spTree>
@@ -31567,165 +29789,22 @@
   <p:clrMapOvr>
     <a:masterClrMapping/>
   </p:clrMapOvr>
+  <mc:AlternateContent xmlns:mc="http://schemas.openxmlformats.org/markup-compatibility/2006" xmlns:p159="http://schemas.microsoft.com/office/powerpoint/2015/09/main">
+    <mc:Choice Requires="p159">
+      <p:transition xmlns:p14="http://schemas.microsoft.com/office/powerpoint/2010/main" spd="slow" p14:dur="2000">
+        <p159:morph option="byObject"/>
+      </p:transition>
+    </mc:Choice>
+    <mc:Fallback xmlns="">
+      <p:transition spd="slow">
+        <p:fade/>
+      </p:transition>
+    </mc:Fallback>
+  </mc:AlternateContent>
 </p:sld>
 </file>
 
-<file path=ppt/slides/slide5.xml><?xml version="1.0" encoding="utf-8"?>
-<p:sld xmlns:a="http://schemas.openxmlformats.org/drawingml/2006/main" xmlns:r="http://schemas.openxmlformats.org/officeDocument/2006/relationships" xmlns:p="http://schemas.openxmlformats.org/presentationml/2006/main" show="0">
-  <p:cSld>
-    <p:spTree>
-      <p:nvGrpSpPr>
-        <p:cNvPr id="1" name=""/>
-        <p:cNvGrpSpPr/>
-        <p:nvPr/>
-      </p:nvGrpSpPr>
-      <p:grpSpPr>
-        <a:xfrm>
-          <a:off x="0" y="0"/>
-          <a:ext cx="0" cy="0"/>
-          <a:chOff x="0" y="0"/>
-          <a:chExt cx="0" cy="0"/>
-        </a:xfrm>
-      </p:grpSpPr>
-      <p:pic>
-        <p:nvPicPr>
-          <p:cNvPr id="4" name="Picture 3">
-            <a:extLst>
-              <a:ext uri="{FF2B5EF4-FFF2-40B4-BE49-F238E27FC236}">
-                <a16:creationId xmlns:a16="http://schemas.microsoft.com/office/drawing/2014/main" id="{C863BE91-5FF5-441B-A87E-292D53ED2726}"/>
-              </a:ext>
-            </a:extLst>
-          </p:cNvPr>
-          <p:cNvPicPr>
-            <a:picLocks noChangeAspect="1"/>
-          </p:cNvPicPr>
-          <p:nvPr/>
-        </p:nvPicPr>
-        <p:blipFill rotWithShape="1">
-          <a:blip r:embed="rId3"/>
-          <a:srcRect b="3425"/>
-          <a:stretch/>
-        </p:blipFill>
-        <p:spPr>
-          <a:xfrm>
-            <a:off x="544312" y="2300111"/>
-            <a:ext cx="3476625" cy="3403573"/>
-          </a:xfrm>
-          <a:prstGeom prst="rect">
-            <a:avLst/>
-          </a:prstGeom>
-        </p:spPr>
-      </p:pic>
-      <p:pic>
-        <p:nvPicPr>
-          <p:cNvPr id="9" name="Picture 8">
-            <a:extLst>
-              <a:ext uri="{FF2B5EF4-FFF2-40B4-BE49-F238E27FC236}">
-                <a16:creationId xmlns:a16="http://schemas.microsoft.com/office/drawing/2014/main" id="{242BD2B6-E894-43EA-A29E-AA7158A6440C}"/>
-              </a:ext>
-            </a:extLst>
-          </p:cNvPr>
-          <p:cNvPicPr>
-            <a:picLocks noChangeAspect="1"/>
-          </p:cNvPicPr>
-          <p:nvPr/>
-        </p:nvPicPr>
-        <p:blipFill>
-          <a:blip r:embed="rId4"/>
-          <a:stretch>
-            <a:fillRect/>
-          </a:stretch>
-        </p:blipFill>
-        <p:spPr>
-          <a:xfrm>
-            <a:off x="4509048" y="2816158"/>
-            <a:ext cx="5715000" cy="990600"/>
-          </a:xfrm>
-          <a:prstGeom prst="rect">
-            <a:avLst/>
-          </a:prstGeom>
-        </p:spPr>
-      </p:pic>
-      <p:sp>
-        <p:nvSpPr>
-          <p:cNvPr id="10" name="Title 9">
-            <a:extLst>
-              <a:ext uri="{FF2B5EF4-FFF2-40B4-BE49-F238E27FC236}">
-                <a16:creationId xmlns:a16="http://schemas.microsoft.com/office/drawing/2014/main" id="{DCA076EB-0851-4A9F-BE5F-6E3AD6EE62A3}"/>
-              </a:ext>
-            </a:extLst>
-          </p:cNvPr>
-          <p:cNvSpPr>
-            <a:spLocks noGrp="1"/>
-          </p:cNvSpPr>
-          <p:nvPr>
-            <p:ph type="title"/>
-          </p:nvPr>
-        </p:nvSpPr>
-        <p:spPr/>
-        <p:txBody>
-          <a:bodyPr>
-            <a:normAutofit/>
-          </a:bodyPr>
-          <a:lstStyle/>
-          <a:p>
-            <a:r>
-              <a:rPr lang="en-US" dirty="0"/>
-              <a:t>Community Ambassador</a:t>
-            </a:r>
-          </a:p>
-        </p:txBody>
-      </p:sp>
-      <p:pic>
-        <p:nvPicPr>
-          <p:cNvPr id="3" name="Graphic 2">
-            <a:extLst>
-              <a:ext uri="{FF2B5EF4-FFF2-40B4-BE49-F238E27FC236}">
-                <a16:creationId xmlns:a16="http://schemas.microsoft.com/office/drawing/2014/main" id="{3AA2A14C-93FB-4059-941A-7688721B300F}"/>
-              </a:ext>
-            </a:extLst>
-          </p:cNvPr>
-          <p:cNvPicPr>
-            <a:picLocks noChangeAspect="1"/>
-          </p:cNvPicPr>
-          <p:nvPr/>
-        </p:nvPicPr>
-        <p:blipFill>
-          <a:blip r:embed="rId5">
-            <a:extLst>
-              <a:ext uri="{96DAC541-7B7A-43D3-8B79-37D633B846F1}">
-                <asvg:svgBlip xmlns:asvg="http://schemas.microsoft.com/office/drawing/2016/SVG/main" r:embed="rId6"/>
-              </a:ext>
-            </a:extLst>
-          </a:blip>
-          <a:stretch>
-            <a:fillRect/>
-          </a:stretch>
-        </p:blipFill>
-        <p:spPr>
-          <a:xfrm>
-            <a:off x="5686680" y="4390987"/>
-            <a:ext cx="3359736" cy="868363"/>
-          </a:xfrm>
-          <a:prstGeom prst="rect">
-            <a:avLst/>
-          </a:prstGeom>
-        </p:spPr>
-      </p:pic>
-    </p:spTree>
-    <p:extLst>
-      <p:ext uri="{BB962C8B-B14F-4D97-AF65-F5344CB8AC3E}">
-        <p14:creationId xmlns:p14="http://schemas.microsoft.com/office/powerpoint/2010/main" val="1347250992"/>
-      </p:ext>
-    </p:extLst>
-  </p:cSld>
-  <p:clrMapOvr>
-    <a:masterClrMapping/>
-  </p:clrMapOvr>
-</p:sld>
-</file>
-
-<file path=ppt/slides/slide50.xml><?xml version="1.0" encoding="utf-8"?>
+<file path=ppt/slides/slide47.xml><?xml version="1.0" encoding="utf-8"?>
 <p:sld xmlns:a="http://schemas.openxmlformats.org/drawingml/2006/main" xmlns:r="http://schemas.openxmlformats.org/officeDocument/2006/relationships" xmlns:p="http://schemas.openxmlformats.org/presentationml/2006/main">
   <p:cSld>
     <p:spTree>
@@ -31772,11 +29851,7 @@
           </p:cNvGraphicFramePr>
           <p:nvPr>
             <p:ph sz="quarter" idx="13"/>
-            <p:extLst>
-              <p:ext uri="{D42A27DB-BD31-4B8C-83A1-F6EECF244321}">
-                <p14:modId xmlns:p14="http://schemas.microsoft.com/office/powerpoint/2010/main" val="638685278"/>
-              </p:ext>
-            </p:extLst>
+            <p:extLst/>
           </p:nvPr>
         </p:nvGraphicFramePr>
         <p:xfrm>
@@ -32150,11 +30225,7 @@
             <a:graphicFrameLocks/>
           </p:cNvGraphicFramePr>
           <p:nvPr>
-            <p:extLst>
-              <p:ext uri="{D42A27DB-BD31-4B8C-83A1-F6EECF244321}">
-                <p14:modId xmlns:p14="http://schemas.microsoft.com/office/powerpoint/2010/main" val="2913446530"/>
-              </p:ext>
-            </p:extLst>
+            <p:extLst/>
           </p:nvPr>
         </p:nvGraphicFramePr>
         <p:xfrm>
@@ -32403,17 +30474,29 @@
     </p:spTree>
     <p:extLst>
       <p:ext uri="{BB962C8B-B14F-4D97-AF65-F5344CB8AC3E}">
-        <p14:creationId xmlns:p14="http://schemas.microsoft.com/office/powerpoint/2010/main" val="871268212"/>
+        <p14:creationId xmlns:p14="http://schemas.microsoft.com/office/powerpoint/2010/main" val="3457939070"/>
       </p:ext>
     </p:extLst>
   </p:cSld>
   <p:clrMapOvr>
     <a:masterClrMapping/>
   </p:clrMapOvr>
+  <mc:AlternateContent xmlns:mc="http://schemas.openxmlformats.org/markup-compatibility/2006" xmlns:p159="http://schemas.microsoft.com/office/powerpoint/2015/09/main">
+    <mc:Choice Requires="p159">
+      <p:transition xmlns:p14="http://schemas.microsoft.com/office/powerpoint/2010/main" spd="slow" p14:dur="2000">
+        <p159:morph option="byChar"/>
+      </p:transition>
+    </mc:Choice>
+    <mc:Fallback xmlns="">
+      <p:transition spd="slow">
+        <p:fade/>
+      </p:transition>
+    </mc:Fallback>
+  </mc:AlternateContent>
 </p:sld>
 </file>
 
-<file path=ppt/slides/slide51.xml><?xml version="1.0" encoding="utf-8"?>
+<file path=ppt/slides/slide48.xml><?xml version="1.0" encoding="utf-8"?>
 <p:sld xmlns:a="http://schemas.openxmlformats.org/drawingml/2006/main" xmlns:r="http://schemas.openxmlformats.org/officeDocument/2006/relationships" xmlns:p="http://schemas.openxmlformats.org/presentationml/2006/main">
   <p:cSld>
     <p:spTree>
@@ -32754,7 +30837,7 @@
 </p:sld>
 </file>
 
-<file path=ppt/slides/slide52.xml><?xml version="1.0" encoding="utf-8"?>
+<file path=ppt/slides/slide49.xml><?xml version="1.0" encoding="utf-8"?>
 <p:sld xmlns:a="http://schemas.openxmlformats.org/drawingml/2006/main" xmlns:r="http://schemas.openxmlformats.org/officeDocument/2006/relationships" xmlns:p="http://schemas.openxmlformats.org/presentationml/2006/main" show="0">
   <p:cSld>
     <p:spTree>
@@ -32897,7 +30980,145 @@
 </p:sld>
 </file>
 
-<file path=ppt/slides/slide53.xml><?xml version="1.0" encoding="utf-8"?>
+<file path=ppt/slides/slide5.xml><?xml version="1.0" encoding="utf-8"?>
+<p:sld xmlns:a="http://schemas.openxmlformats.org/drawingml/2006/main" xmlns:r="http://schemas.openxmlformats.org/officeDocument/2006/relationships" xmlns:p="http://schemas.openxmlformats.org/presentationml/2006/main">
+  <p:cSld>
+    <p:spTree>
+      <p:nvGrpSpPr>
+        <p:cNvPr id="1" name=""/>
+        <p:cNvGrpSpPr/>
+        <p:nvPr/>
+      </p:nvGrpSpPr>
+      <p:grpSpPr>
+        <a:xfrm>
+          <a:off x="0" y="0"/>
+          <a:ext cx="0" cy="0"/>
+          <a:chOff x="0" y="0"/>
+          <a:chExt cx="0" cy="0"/>
+        </a:xfrm>
+      </p:grpSpPr>
+      <p:sp>
+        <p:nvSpPr>
+          <p:cNvPr id="2" name="Title 1"/>
+          <p:cNvSpPr>
+            <a:spLocks noGrp="1"/>
+          </p:cNvSpPr>
+          <p:nvPr>
+            <p:ph type="title"/>
+          </p:nvPr>
+        </p:nvSpPr>
+        <p:spPr/>
+        <p:txBody>
+          <a:bodyPr/>
+          <a:lstStyle/>
+          <a:p>
+            <a:r>
+              <a:rPr lang="en-US" dirty="0"/>
+              <a:t>Session Feedback</a:t>
+            </a:r>
+          </a:p>
+        </p:txBody>
+      </p:sp>
+      <p:sp>
+        <p:nvSpPr>
+          <p:cNvPr id="4" name="Content Placeholder 3"/>
+          <p:cNvSpPr>
+            <a:spLocks noGrp="1"/>
+          </p:cNvSpPr>
+          <p:nvPr>
+            <p:ph idx="1"/>
+          </p:nvPr>
+        </p:nvSpPr>
+        <p:spPr/>
+        <p:txBody>
+          <a:bodyPr anchor="ctr"/>
+          <a:lstStyle/>
+          <a:p>
+            <a:r>
+              <a:rPr lang="en-US" dirty="0"/>
+              <a:t>Tell me what you don’t like</a:t>
+            </a:r>
+          </a:p>
+          <a:p>
+            <a:endParaRPr lang="en-US" dirty="0"/>
+          </a:p>
+          <a:p>
+            <a:r>
+              <a:rPr lang="en-US" dirty="0"/>
+              <a:t>Tell me what can be better</a:t>
+            </a:r>
+          </a:p>
+          <a:p>
+            <a:endParaRPr lang="en-US" dirty="0"/>
+          </a:p>
+          <a:p>
+            <a:r>
+              <a:rPr lang="en-US" dirty="0"/>
+              <a:t> </a:t>
+            </a:r>
+            <a:r>
+              <a:rPr lang="en-US" sz="2400" dirty="0"/>
+              <a:t>Tell me what you like</a:t>
+            </a:r>
+            <a:endParaRPr lang="en-US" dirty="0"/>
+          </a:p>
+        </p:txBody>
+      </p:sp>
+      <p:pic>
+        <p:nvPicPr>
+          <p:cNvPr id="3074" name="Picture 2" descr="https://upload.wikimedia.org/wikipedia/commons/thumb/c/ce/Emoji_u1f44d.svg/2000px-Emoji_u1f44d.svg.png"/>
+          <p:cNvPicPr>
+            <a:picLocks noChangeAspect="1" noChangeArrowheads="1"/>
+          </p:cNvPicPr>
+          <p:nvPr/>
+        </p:nvPicPr>
+        <p:blipFill>
+          <a:blip r:embed="rId3">
+            <a:extLst>
+              <a:ext uri="{28A0092B-C50C-407E-A947-70E740481C1C}">
+                <a14:useLocalDpi xmlns:a14="http://schemas.microsoft.com/office/drawing/2010/main" val="0"/>
+              </a:ext>
+            </a:extLst>
+          </a:blip>
+          <a:srcRect/>
+          <a:stretch>
+            <a:fillRect/>
+          </a:stretch>
+        </p:blipFill>
+        <p:spPr bwMode="auto">
+          <a:xfrm>
+            <a:off x="7202232" y="1955127"/>
+            <a:ext cx="4139535" cy="4139535"/>
+          </a:xfrm>
+          <a:prstGeom prst="rect">
+            <a:avLst/>
+          </a:prstGeom>
+          <a:noFill/>
+          <a:extLst>
+            <a:ext uri="{909E8E84-426E-40DD-AFC4-6F175D3DCCD1}">
+              <a14:hiddenFill xmlns:a14="http://schemas.microsoft.com/office/drawing/2010/main">
+                <a:solidFill>
+                  <a:srgbClr val="FFFFFF"/>
+                </a:solidFill>
+              </a14:hiddenFill>
+            </a:ext>
+          </a:extLst>
+        </p:spPr>
+      </p:pic>
+    </p:spTree>
+    <p:extLst>
+      <p:ext uri="{BB962C8B-B14F-4D97-AF65-F5344CB8AC3E}">
+        <p14:creationId xmlns:p14="http://schemas.microsoft.com/office/powerpoint/2010/main" val="40638036"/>
+      </p:ext>
+    </p:extLst>
+  </p:cSld>
+  <p:clrMapOvr>
+    <a:masterClrMapping/>
+  </p:clrMapOvr>
+</p:sld>
+</file>
+
+<file path=ppt/slides/slide50.xml><?xml version="1.0" encoding="utf-8"?>
 <p:sld xmlns:a="http://schemas.openxmlformats.org/drawingml/2006/main" xmlns:r="http://schemas.openxmlformats.org/officeDocument/2006/relationships" xmlns:p="http://schemas.openxmlformats.org/presentationml/2006/main" show="0">
   <p:cSld>
     <p:spTree>
@@ -33026,7 +31247,7 @@
 </p:sld>
 </file>
 
-<file path=ppt/slides/slide54.xml><?xml version="1.0" encoding="utf-8"?>
+<file path=ppt/slides/slide51.xml><?xml version="1.0" encoding="utf-8"?>
 <p:sld xmlns:a="http://schemas.openxmlformats.org/drawingml/2006/main" xmlns:r="http://schemas.openxmlformats.org/officeDocument/2006/relationships" xmlns:p="http://schemas.openxmlformats.org/presentationml/2006/main" show="0">
   <p:cSld>
     <p:spTree>
@@ -33117,7 +31338,7 @@
 </p:sld>
 </file>
 
-<file path=ppt/slides/slide55.xml><?xml version="1.0" encoding="utf-8"?>
+<file path=ppt/slides/slide52.xml><?xml version="1.0" encoding="utf-8"?>
 <p:sld xmlns:a="http://schemas.openxmlformats.org/drawingml/2006/main" xmlns:r="http://schemas.openxmlformats.org/officeDocument/2006/relationships" xmlns:p="http://schemas.openxmlformats.org/presentationml/2006/main">
   <p:cSld>
     <p:spTree>
@@ -33236,7 +31457,7 @@
 </p:sld>
 </file>
 
-<file path=ppt/slides/slide56.xml><?xml version="1.0" encoding="utf-8"?>
+<file path=ppt/slides/slide53.xml><?xml version="1.0" encoding="utf-8"?>
 <p:sld xmlns:a="http://schemas.openxmlformats.org/drawingml/2006/main" xmlns:r="http://schemas.openxmlformats.org/officeDocument/2006/relationships" xmlns:p="http://schemas.openxmlformats.org/presentationml/2006/main">
   <p:cSld>
     <p:spTree>
@@ -33566,7 +31787,7 @@
 </p:sld>
 </file>
 
-<file path=ppt/slides/slide57.xml><?xml version="1.0" encoding="utf-8"?>
+<file path=ppt/slides/slide54.xml><?xml version="1.0" encoding="utf-8"?>
 <p:sld xmlns:a="http://schemas.openxmlformats.org/drawingml/2006/main" xmlns:r="http://schemas.openxmlformats.org/officeDocument/2006/relationships" xmlns:p="http://schemas.openxmlformats.org/presentationml/2006/main">
   <p:cSld>
     <p:spTree>
@@ -33879,7 +32100,7 @@
 </p:sld>
 </file>
 
-<file path=ppt/slides/slide58.xml><?xml version="1.0" encoding="utf-8"?>
+<file path=ppt/slides/slide55.xml><?xml version="1.0" encoding="utf-8"?>
 <p:sld xmlns:a="http://schemas.openxmlformats.org/drawingml/2006/main" xmlns:r="http://schemas.openxmlformats.org/officeDocument/2006/relationships" xmlns:p="http://schemas.openxmlformats.org/presentationml/2006/main">
   <p:cSld>
     <p:spTree>
@@ -33974,6 +32195,126 @@
 </file>
 
 <file path=ppt/slides/slide6.xml><?xml version="1.0" encoding="utf-8"?>
+<p:sld xmlns:a="http://schemas.openxmlformats.org/drawingml/2006/main" xmlns:r="http://schemas.openxmlformats.org/officeDocument/2006/relationships" xmlns:p="http://schemas.openxmlformats.org/presentationml/2006/main">
+  <p:cSld>
+    <p:spTree>
+      <p:nvGrpSpPr>
+        <p:cNvPr id="1" name=""/>
+        <p:cNvGrpSpPr/>
+        <p:nvPr/>
+      </p:nvGrpSpPr>
+      <p:grpSpPr>
+        <a:xfrm>
+          <a:off x="0" y="0"/>
+          <a:ext cx="0" cy="0"/>
+          <a:chOff x="0" y="0"/>
+          <a:chExt cx="0" cy="0"/>
+        </a:xfrm>
+      </p:grpSpPr>
+      <p:sp>
+        <p:nvSpPr>
+          <p:cNvPr id="2" name="Title 1"/>
+          <p:cNvSpPr>
+            <a:spLocks noGrp="1"/>
+          </p:cNvSpPr>
+          <p:nvPr>
+            <p:ph type="title"/>
+          </p:nvPr>
+        </p:nvSpPr>
+        <p:spPr/>
+        <p:txBody>
+          <a:bodyPr>
+            <a:noAutofit/>
+          </a:bodyPr>
+          <a:lstStyle/>
+          <a:p>
+            <a:r>
+              <a:rPr lang="en-US" sz="4800" dirty="0"/>
+              <a:t>I'm also </a:t>
+            </a:r>
+            <a:r>
+              <a:rPr lang="en-US" sz="4800" dirty="0" err="1"/>
+              <a:t>gonna</a:t>
+            </a:r>
+            <a:r>
+              <a:rPr lang="en-US" sz="4800" dirty="0"/>
+              <a:t> need you to go ahead </a:t>
+            </a:r>
+            <a:br>
+              <a:rPr lang="en-US" sz="4800" dirty="0"/>
+            </a:br>
+            <a:r>
+              <a:rPr lang="en-US" sz="4800" dirty="0"/>
+              <a:t>and silence your cell phones</a:t>
+            </a:r>
+          </a:p>
+        </p:txBody>
+      </p:sp>
+      <p:sp>
+        <p:nvSpPr>
+          <p:cNvPr id="3" name="Text Placeholder 2"/>
+          <p:cNvSpPr>
+            <a:spLocks noGrp="1"/>
+          </p:cNvSpPr>
+          <p:nvPr>
+            <p:ph type="body" idx="1"/>
+          </p:nvPr>
+        </p:nvSpPr>
+        <p:spPr/>
+        <p:txBody>
+          <a:bodyPr>
+            <a:normAutofit/>
+          </a:bodyPr>
+          <a:lstStyle/>
+          <a:p>
+            <a:r>
+              <a:rPr lang="en-US" sz="2800" dirty="0"/>
+              <a:t>Yea…….You apparently didn’t put one of the new coversheets on your TPS reports.</a:t>
+            </a:r>
+          </a:p>
+        </p:txBody>
+      </p:sp>
+      <p:pic>
+        <p:nvPicPr>
+          <p:cNvPr id="4" name="Content Placeholder 3"/>
+          <p:cNvPicPr>
+            <a:picLocks noGrp="1" noChangeAspect="1"/>
+          </p:cNvPicPr>
+          <p:nvPr>
+            <p:ph sz="quarter" idx="13"/>
+          </p:nvPr>
+        </p:nvPicPr>
+        <p:blipFill rotWithShape="1">
+          <a:blip r:embed="rId2">
+            <a:extLst>
+              <a:ext uri="{28A0092B-C50C-407E-A947-70E740481C1C}">
+                <a14:useLocalDpi xmlns:a14="http://schemas.microsoft.com/office/drawing/2010/main" val="0"/>
+              </a:ext>
+            </a:extLst>
+          </a:blip>
+          <a:stretch/>
+        </p:blipFill>
+        <p:spPr>
+          <a:xfrm>
+            <a:off x="3623733" y="1905000"/>
+            <a:ext cx="7586133" cy="4267200"/>
+          </a:xfrm>
+        </p:spPr>
+      </p:pic>
+    </p:spTree>
+    <p:extLst>
+      <p:ext uri="{BB962C8B-B14F-4D97-AF65-F5344CB8AC3E}">
+        <p14:creationId xmlns:p14="http://schemas.microsoft.com/office/powerpoint/2010/main" val="744002627"/>
+      </p:ext>
+    </p:extLst>
+  </p:cSld>
+  <p:clrMapOvr>
+    <a:masterClrMapping/>
+  </p:clrMapOvr>
+</p:sld>
+</file>
+
+<file path=ppt/slides/slide7.xml><?xml version="1.0" encoding="utf-8"?>
 <p:sld xmlns:a="http://schemas.openxmlformats.org/drawingml/2006/main" xmlns:r="http://schemas.openxmlformats.org/officeDocument/2006/relationships" xmlns:p="http://schemas.openxmlformats.org/presentationml/2006/main" show="0">
   <p:cSld>
     <p:spTree>
@@ -34006,10 +32347,9 @@
           <a:lstStyle/>
           <a:p>
             <a:r>
-              <a:rPr lang="en-US"/>
-              <a:t>Who uses Twitter?</a:t>
-            </a:r>
-            <a:endParaRPr lang="en-US" dirty="0"/>
+              <a:rPr lang="en-US" dirty="0"/>
+              <a:t>Who is Oliver Smoot?</a:t>
+            </a:r>
           </a:p>
         </p:txBody>
       </p:sp>
@@ -34025,77 +32365,98 @@
         </p:nvSpPr>
         <p:spPr/>
         <p:txBody>
-          <a:bodyPr/>
+          <a:bodyPr>
+            <a:normAutofit fontScale="85000" lnSpcReduction="20000"/>
+          </a:bodyPr>
           <a:lstStyle/>
           <a:p>
             <a:r>
-              <a:rPr lang="en-US"/>
-              <a:t>Where the SQL Community hangs out</a:t>
-            </a:r>
-          </a:p>
-          <a:p>
-            <a:r>
-              <a:rPr lang="en-US"/>
-              <a:t>#sqlhelp </a:t>
+              <a:rPr lang="en-US" dirty="0"/>
+              <a:t>Oliver R Smoot</a:t>
             </a:r>
           </a:p>
           <a:p>
             <a:pPr lvl="1"/>
             <a:r>
-              <a:rPr lang="en-US"/>
-              <a:t>Free real-time help</a:t>
-            </a:r>
-          </a:p>
-          <a:p>
-            <a:endParaRPr lang="en-US" dirty="0"/>
+              <a:rPr lang="en-US" dirty="0"/>
+              <a:t>MIT Class of 1962</a:t>
+            </a:r>
+          </a:p>
+          <a:p>
+            <a:pPr lvl="1"/>
+            <a:r>
+              <a:rPr lang="en-US" dirty="0"/>
+              <a:t>Former Chairman of American National Standards Institute (ANSI)</a:t>
+            </a:r>
+          </a:p>
+          <a:p>
+            <a:pPr lvl="1"/>
+            <a:r>
+              <a:rPr lang="en-US" dirty="0"/>
+              <a:t>Former President of International Organization for Standardization (ISO)</a:t>
+            </a:r>
+          </a:p>
+          <a:p>
+            <a:r>
+              <a:rPr lang="en-US" dirty="0"/>
+              <a:t>smoot</a:t>
+            </a:r>
+          </a:p>
+          <a:p>
+            <a:pPr lvl="1"/>
+            <a:r>
+              <a:rPr lang="en-US" dirty="0"/>
+              <a:t>An </a:t>
+            </a:r>
+            <a:r>
+              <a:rPr lang="en-US" b="1" dirty="0">
+                <a:solidFill>
+                  <a:schemeClr val="accent1"/>
+                </a:solidFill>
+              </a:rPr>
+              <a:t>ANSI</a:t>
+            </a:r>
+            <a:r>
+              <a:rPr lang="en-US" dirty="0">
+                <a:solidFill>
+                  <a:schemeClr val="accent1"/>
+                </a:solidFill>
+              </a:rPr>
+              <a:t> </a:t>
+            </a:r>
+            <a:r>
+              <a:rPr lang="en-US" dirty="0"/>
+              <a:t>unit of measure equal to 5-feet, 7-inches</a:t>
+            </a:r>
+          </a:p>
+          <a:p>
+            <a:pPr lvl="1"/>
+            <a:r>
+              <a:rPr lang="en-US" dirty="0"/>
+              <a:t>Listed in American Heritage Dictionary</a:t>
+            </a:r>
+          </a:p>
+          <a:p>
+            <a:pPr lvl="1"/>
+            <a:r>
+              <a:rPr lang="en-US" dirty="0"/>
+              <a:t>Harvard Bridge (Mass Ave Bridge) is </a:t>
+            </a:r>
+            <a:r>
+              <a:rPr lang="en-US" b="1" dirty="0">
+                <a:solidFill>
+                  <a:schemeClr val="accent1"/>
+                </a:solidFill>
+              </a:rPr>
+              <a:t>364.4 smoots + 1 ear</a:t>
+            </a:r>
           </a:p>
         </p:txBody>
       </p:sp>
-      <p:pic>
-        <p:nvPicPr>
-          <p:cNvPr id="1026" name="Picture 2" descr="https://upload.wikimedia.org/wikipedia/en/thumb/9/9f/Twitter_bird_logo_2012.svg/1259px-Twitter_bird_logo_2012.svg.png"/>
-          <p:cNvPicPr>
-            <a:picLocks noChangeAspect="1" noChangeArrowheads="1"/>
-          </p:cNvPicPr>
-          <p:nvPr/>
-        </p:nvPicPr>
-        <p:blipFill>
-          <a:blip r:embed="rId3">
-            <a:extLst>
-              <a:ext uri="{28A0092B-C50C-407E-A947-70E740481C1C}">
-                <a14:useLocalDpi xmlns:a14="http://schemas.microsoft.com/office/drawing/2010/main" val="0"/>
-              </a:ext>
-            </a:extLst>
-          </a:blip>
-          <a:srcRect/>
-          <a:stretch>
-            <a:fillRect/>
-          </a:stretch>
-        </p:blipFill>
-        <p:spPr bwMode="auto">
-          <a:xfrm>
-            <a:off x="7507688" y="2779292"/>
-            <a:ext cx="3693463" cy="3004285"/>
-          </a:xfrm>
-          <a:prstGeom prst="rect">
-            <a:avLst/>
-          </a:prstGeom>
-          <a:noFill/>
-          <a:extLst>
-            <a:ext uri="{909E8E84-426E-40DD-AFC4-6F175D3DCCD1}">
-              <a14:hiddenFill xmlns:a14="http://schemas.microsoft.com/office/drawing/2010/main">
-                <a:solidFill>
-                  <a:srgbClr val="FFFFFF"/>
-                </a:solidFill>
-              </a14:hiddenFill>
-            </a:ext>
-          </a:extLst>
-        </p:spPr>
-      </p:pic>
     </p:spTree>
     <p:extLst>
       <p:ext uri="{BB962C8B-B14F-4D97-AF65-F5344CB8AC3E}">
-        <p14:creationId xmlns:p14="http://schemas.microsoft.com/office/powerpoint/2010/main" val="2802733862"/>
+        <p14:creationId xmlns:p14="http://schemas.microsoft.com/office/powerpoint/2010/main" val="549013391"/>
       </p:ext>
     </p:extLst>
   </p:cSld>
@@ -34123,7 +32484,7 @@
                             </p:stCondLst>
                             <p:childTnLst>
                               <p:par>
-                                <p:cTn id="5" presetID="1" presetClass="entr" presetSubtype="0" fill="hold" nodeType="clickEffect">
+                                <p:cTn id="5" presetID="1" presetClass="entr" presetSubtype="0" fill="hold" grpId="0" nodeType="clickEffect">
                                   <p:stCondLst>
                                     <p:cond delay="0"/>
                                   </p:stCondLst>
@@ -34154,7 +32515,7 @@
                                 </p:cTn>
                               </p:par>
                               <p:par>
-                                <p:cTn id="7" presetID="1" presetClass="entr" presetSubtype="0" fill="hold" nodeType="withEffect">
+                                <p:cTn id="7" presetID="1" presetClass="entr" presetSubtype="0" fill="hold" grpId="0" nodeType="withEffect">
                                   <p:stCondLst>
                                     <p:cond delay="0"/>
                                   </p:stCondLst>
@@ -34185,7 +32546,7 @@
                                 </p:cTn>
                               </p:par>
                               <p:par>
-                                <p:cTn id="9" presetID="1" presetClass="entr" presetSubtype="0" fill="hold" nodeType="withEffect">
+                                <p:cTn id="9" presetID="1" presetClass="entr" presetSubtype="0" fill="hold" grpId="0" nodeType="withEffect">
                                   <p:stCondLst>
                                     <p:cond delay="0"/>
                                   </p:stCondLst>
@@ -34201,6 +32562,179 @@
                                           <p:spTgt spid="3">
                                             <p:txEl>
                                               <p:pRg st="2" end="2"/>
+                                            </p:txEl>
+                                          </p:spTgt>
+                                        </p:tgtEl>
+                                        <p:attrNameLst>
+                                          <p:attrName>style.visibility</p:attrName>
+                                        </p:attrNameLst>
+                                      </p:cBhvr>
+                                      <p:to>
+                                        <p:strVal val="visible"/>
+                                      </p:to>
+                                    </p:set>
+                                  </p:childTnLst>
+                                </p:cTn>
+                              </p:par>
+                              <p:par>
+                                <p:cTn id="11" presetID="1" presetClass="entr" presetSubtype="0" fill="hold" grpId="0" nodeType="withEffect">
+                                  <p:stCondLst>
+                                    <p:cond delay="0"/>
+                                  </p:stCondLst>
+                                  <p:childTnLst>
+                                    <p:set>
+                                      <p:cBhvr>
+                                        <p:cTn id="12" dur="1" fill="hold">
+                                          <p:stCondLst>
+                                            <p:cond delay="0"/>
+                                          </p:stCondLst>
+                                        </p:cTn>
+                                        <p:tgtEl>
+                                          <p:spTgt spid="3">
+                                            <p:txEl>
+                                              <p:pRg st="3" end="3"/>
+                                            </p:txEl>
+                                          </p:spTgt>
+                                        </p:tgtEl>
+                                        <p:attrNameLst>
+                                          <p:attrName>style.visibility</p:attrName>
+                                        </p:attrNameLst>
+                                      </p:cBhvr>
+                                      <p:to>
+                                        <p:strVal val="visible"/>
+                                      </p:to>
+                                    </p:set>
+                                  </p:childTnLst>
+                                </p:cTn>
+                              </p:par>
+                            </p:childTnLst>
+                          </p:cTn>
+                        </p:par>
+                      </p:childTnLst>
+                    </p:cTn>
+                  </p:par>
+                  <p:par>
+                    <p:cTn id="13" fill="hold">
+                      <p:stCondLst>
+                        <p:cond delay="indefinite"/>
+                      </p:stCondLst>
+                      <p:childTnLst>
+                        <p:par>
+                          <p:cTn id="14" fill="hold">
+                            <p:stCondLst>
+                              <p:cond delay="0"/>
+                            </p:stCondLst>
+                            <p:childTnLst>
+                              <p:par>
+                                <p:cTn id="15" presetID="1" presetClass="entr" presetSubtype="0" fill="hold" grpId="0" nodeType="clickEffect">
+                                  <p:stCondLst>
+                                    <p:cond delay="0"/>
+                                  </p:stCondLst>
+                                  <p:childTnLst>
+                                    <p:set>
+                                      <p:cBhvr>
+                                        <p:cTn id="16" dur="1" fill="hold">
+                                          <p:stCondLst>
+                                            <p:cond delay="0"/>
+                                          </p:stCondLst>
+                                        </p:cTn>
+                                        <p:tgtEl>
+                                          <p:spTgt spid="3">
+                                            <p:txEl>
+                                              <p:pRg st="4" end="4"/>
+                                            </p:txEl>
+                                          </p:spTgt>
+                                        </p:tgtEl>
+                                        <p:attrNameLst>
+                                          <p:attrName>style.visibility</p:attrName>
+                                        </p:attrNameLst>
+                                      </p:cBhvr>
+                                      <p:to>
+                                        <p:strVal val="visible"/>
+                                      </p:to>
+                                    </p:set>
+                                  </p:childTnLst>
+                                </p:cTn>
+                              </p:par>
+                              <p:par>
+                                <p:cTn id="17" presetID="1" presetClass="entr" presetSubtype="0" fill="hold" grpId="0" nodeType="withEffect">
+                                  <p:stCondLst>
+                                    <p:cond delay="0"/>
+                                  </p:stCondLst>
+                                  <p:childTnLst>
+                                    <p:set>
+                                      <p:cBhvr>
+                                        <p:cTn id="18" dur="1" fill="hold">
+                                          <p:stCondLst>
+                                            <p:cond delay="0"/>
+                                          </p:stCondLst>
+                                        </p:cTn>
+                                        <p:tgtEl>
+                                          <p:spTgt spid="3">
+                                            <p:txEl>
+                                              <p:pRg st="5" end="5"/>
+                                            </p:txEl>
+                                          </p:spTgt>
+                                        </p:tgtEl>
+                                        <p:attrNameLst>
+                                          <p:attrName>style.visibility</p:attrName>
+                                        </p:attrNameLst>
+                                      </p:cBhvr>
+                                      <p:to>
+                                        <p:strVal val="visible"/>
+                                      </p:to>
+                                    </p:set>
+                                  </p:childTnLst>
+                                </p:cTn>
+                              </p:par>
+                              <p:par>
+                                <p:cTn id="19" presetID="1" presetClass="entr" presetSubtype="0" fill="hold" grpId="0" nodeType="withEffect">
+                                  <p:stCondLst>
+                                    <p:cond delay="0"/>
+                                  </p:stCondLst>
+                                  <p:childTnLst>
+                                    <p:set>
+                                      <p:cBhvr>
+                                        <p:cTn id="20" dur="1" fill="hold">
+                                          <p:stCondLst>
+                                            <p:cond delay="0"/>
+                                          </p:stCondLst>
+                                        </p:cTn>
+                                        <p:tgtEl>
+                                          <p:spTgt spid="3">
+                                            <p:txEl>
+                                              <p:pRg st="6" end="6"/>
+                                            </p:txEl>
+                                          </p:spTgt>
+                                        </p:tgtEl>
+                                        <p:attrNameLst>
+                                          <p:attrName>style.visibility</p:attrName>
+                                        </p:attrNameLst>
+                                      </p:cBhvr>
+                                      <p:to>
+                                        <p:strVal val="visible"/>
+                                      </p:to>
+                                    </p:set>
+                                  </p:childTnLst>
+                                </p:cTn>
+                              </p:par>
+                              <p:par>
+                                <p:cTn id="21" presetID="1" presetClass="entr" presetSubtype="0" fill="hold" grpId="0" nodeType="withEffect">
+                                  <p:stCondLst>
+                                    <p:cond delay="0"/>
+                                  </p:stCondLst>
+                                  <p:childTnLst>
+                                    <p:set>
+                                      <p:cBhvr>
+                                        <p:cTn id="22" dur="1" fill="hold">
+                                          <p:stCondLst>
+                                            <p:cond delay="0"/>
+                                          </p:stCondLst>
+                                        </p:cTn>
+                                        <p:tgtEl>
+                                          <p:spTgt spid="3">
+                                            <p:txEl>
+                                              <p:pRg st="7" end="7"/>
                                             </p:txEl>
                                           </p:spTgt>
                                         </p:tgtEl>
@@ -34242,11 +32776,14 @@
         </p:cTn>
       </p:par>
     </p:tnLst>
+    <p:bldLst>
+      <p:bldP spid="3" grpId="0" build="p"/>
+    </p:bldLst>
   </p:timing>
 </p:sld>
 </file>
 
-<file path=ppt/slides/slide7.xml><?xml version="1.0" encoding="utf-8"?>
+<file path=ppt/slides/slide8.xml><?xml version="1.0" encoding="utf-8"?>
 <p:sld xmlns:a="http://schemas.openxmlformats.org/drawingml/2006/main" xmlns:r="http://schemas.openxmlformats.org/officeDocument/2006/relationships" xmlns:p="http://schemas.openxmlformats.org/presentationml/2006/main" show="0">
   <p:cSld>
     <p:spTree>
@@ -34279,108 +32816,38 @@
           <a:lstStyle/>
           <a:p>
             <a:r>
-              <a:rPr lang="en-US"/>
-              <a:t>Who uses Slack?</a:t>
-            </a:r>
-            <a:endParaRPr lang="en-US" dirty="0"/>
-          </a:p>
-        </p:txBody>
-      </p:sp>
-      <p:sp>
-        <p:nvSpPr>
-          <p:cNvPr id="3" name="Content Placeholder 2"/>
-          <p:cNvSpPr>
-            <a:spLocks noGrp="1"/>
-          </p:cNvSpPr>
-          <p:nvPr>
-            <p:ph idx="1"/>
-          </p:nvPr>
-        </p:nvSpPr>
-        <p:spPr/>
-        <p:txBody>
-          <a:bodyPr/>
-          <a:lstStyle/>
-          <a:p>
-            <a:r>
               <a:rPr lang="en-US" dirty="0"/>
-              <a:t>If </a:t>
-            </a:r>
-            <a:r>
-              <a:rPr lang="en-US" dirty="0" err="1"/>
-              <a:t>nvarchar</a:t>
-            </a:r>
-            <a:r>
-              <a:rPr lang="en-US" dirty="0"/>
-              <a:t>(280) isn’t enough</a:t>
-            </a:r>
-          </a:p>
-          <a:p>
-            <a:r>
-              <a:rPr lang="en-US" dirty="0"/>
-              <a:t>#</a:t>
-            </a:r>
-            <a:r>
-              <a:rPr lang="en-US" dirty="0" err="1"/>
-              <a:t>sqlhelp</a:t>
-            </a:r>
-            <a:r>
-              <a:rPr lang="en-US" dirty="0"/>
-              <a:t> #</a:t>
-            </a:r>
-            <a:r>
-              <a:rPr lang="en-US" dirty="0" err="1"/>
-              <a:t>powershellhelp</a:t>
-            </a:r>
-            <a:r>
-              <a:rPr lang="en-US" dirty="0"/>
-              <a:t> #</a:t>
-            </a:r>
-            <a:r>
-              <a:rPr lang="en-US" dirty="0" err="1"/>
-              <a:t>ssrshelp</a:t>
-            </a:r>
-            <a:endParaRPr lang="en-US" dirty="0"/>
-          </a:p>
-          <a:p>
-            <a:r>
-              <a:rPr lang="en-US" dirty="0">
-                <a:hlinkClick r:id="rId3"/>
-              </a:rPr>
-              <a:t>http://www.dbatools.io/slack</a:t>
-            </a:r>
-            <a:r>
-              <a:rPr lang="en-US" dirty="0"/>
-              <a:t> for details</a:t>
-            </a:r>
-          </a:p>
-          <a:p>
-            <a:endParaRPr lang="en-US" dirty="0"/>
+              <a:t>Demo</a:t>
+            </a:r>
           </a:p>
         </p:txBody>
       </p:sp>
       <p:pic>
         <p:nvPicPr>
-          <p:cNvPr id="2052" name="Picture 4" descr="http://kpcbweb2.s3.amazonaws.com/companies/542/logo/original/slack-logo_large.png?1415320446"/>
+          <p:cNvPr id="1026" name="Picture 2" descr="Oliver Smoot, who stands 5-foot-7, was used to measure the Massachusetts Avenue Bridge as part of a MIT fraternity prank in 1958. The markings on the bridge and the legacy of the unit of measurement know as the Smoot live on. (Joe Difazio for WBUR)"/>
           <p:cNvPicPr>
-            <a:picLocks noChangeAspect="1" noChangeArrowheads="1"/>
+            <a:picLocks noGrp="1" noChangeAspect="1" noChangeArrowheads="1"/>
           </p:cNvPicPr>
-          <p:nvPr/>
+          <p:nvPr>
+            <p:ph idx="1"/>
+          </p:nvPr>
         </p:nvPicPr>
-        <p:blipFill rotWithShape="1">
-          <a:blip r:embed="rId4">
+        <p:blipFill>
+          <a:blip r:embed="rId2">
             <a:extLst>
               <a:ext uri="{28A0092B-C50C-407E-A947-70E740481C1C}">
                 <a14:useLocalDpi xmlns:a14="http://schemas.microsoft.com/office/drawing/2010/main" val="0"/>
               </a:ext>
             </a:extLst>
           </a:blip>
-          <a:srcRect t="17295" b="15231"/>
-          <a:stretch/>
+          <a:stretch>
+            <a:fillRect/>
+          </a:stretch>
         </p:blipFill>
         <p:spPr bwMode="auto">
           <a:xfrm>
-            <a:off x="1593181" y="3856119"/>
-            <a:ext cx="9310437" cy="2478506"/>
+            <a:off x="2907507" y="1803400"/>
+            <a:ext cx="6691312" cy="4460875"/>
           </a:xfrm>
           <a:prstGeom prst="rect">
             <a:avLst/>
@@ -34397,10 +32864,48 @@
           </a:extLst>
         </p:spPr>
       </p:pic>
+      <p:sp>
+        <p:nvSpPr>
+          <p:cNvPr id="4" name="TextBox 3"/>
+          <p:cNvSpPr txBox="1"/>
+          <p:nvPr/>
+        </p:nvSpPr>
+        <p:spPr>
+          <a:xfrm>
+            <a:off x="9015445" y="5987276"/>
+            <a:ext cx="2668555" cy="276999"/>
+          </a:xfrm>
+          <a:prstGeom prst="rect">
+            <a:avLst/>
+          </a:prstGeom>
+          <a:noFill/>
+        </p:spPr>
+        <p:txBody>
+          <a:bodyPr wrap="square" rtlCol="0">
+            <a:spAutoFit/>
+          </a:bodyPr>
+          <a:lstStyle/>
+          <a:p>
+            <a:pPr algn="r"/>
+            <a:r>
+              <a:rPr lang="en-US" sz="1200" dirty="0"/>
+              <a:t>Photo by Joe </a:t>
+            </a:r>
+            <a:r>
+              <a:rPr lang="en-US" sz="1200" dirty="0" err="1"/>
+              <a:t>Difazio</a:t>
+            </a:r>
+            <a:r>
+              <a:rPr lang="en-US" sz="1200" dirty="0"/>
+              <a:t> for WBUR</a:t>
+            </a:r>
+          </a:p>
+        </p:txBody>
+      </p:sp>
     </p:spTree>
     <p:extLst>
       <p:ext uri="{BB962C8B-B14F-4D97-AF65-F5344CB8AC3E}">
-        <p14:creationId xmlns:p14="http://schemas.microsoft.com/office/powerpoint/2010/main" val="837407539"/>
+        <p14:creationId xmlns:p14="http://schemas.microsoft.com/office/powerpoint/2010/main" val="378969601"/>
       </p:ext>
     </p:extLst>
   </p:cSld>
@@ -34410,8 +32915,8 @@
 </p:sld>
 </file>
 
-<file path=ppt/slides/slide8.xml><?xml version="1.0" encoding="utf-8"?>
-<p:sld xmlns:a="http://schemas.openxmlformats.org/drawingml/2006/main" xmlns:r="http://schemas.openxmlformats.org/officeDocument/2006/relationships" xmlns:p="http://schemas.openxmlformats.org/presentationml/2006/main">
+<file path=ppt/slides/slide9.xml><?xml version="1.0" encoding="utf-8"?>
+<p:sld xmlns:a="http://schemas.openxmlformats.org/drawingml/2006/main" xmlns:r="http://schemas.openxmlformats.org/officeDocument/2006/relationships" xmlns:p="http://schemas.openxmlformats.org/presentationml/2006/main" show="0">
   <p:cSld>
     <p:spTree>
       <p:nvGrpSpPr>
@@ -34429,145 +32934,7 @@
       </p:grpSpPr>
       <p:sp>
         <p:nvSpPr>
-          <p:cNvPr id="2" name="Title 1"/>
-          <p:cNvSpPr>
-            <a:spLocks noGrp="1"/>
-          </p:cNvSpPr>
-          <p:nvPr>
-            <p:ph type="title"/>
-          </p:nvPr>
-        </p:nvSpPr>
-        <p:spPr/>
-        <p:txBody>
-          <a:bodyPr/>
-          <a:lstStyle/>
-          <a:p>
-            <a:r>
-              <a:rPr lang="en-US" dirty="0"/>
-              <a:t>Session Feedback</a:t>
-            </a:r>
-          </a:p>
-        </p:txBody>
-      </p:sp>
-      <p:sp>
-        <p:nvSpPr>
-          <p:cNvPr id="4" name="Content Placeholder 3"/>
-          <p:cNvSpPr>
-            <a:spLocks noGrp="1"/>
-          </p:cNvSpPr>
-          <p:nvPr>
-            <p:ph idx="1"/>
-          </p:nvPr>
-        </p:nvSpPr>
-        <p:spPr/>
-        <p:txBody>
-          <a:bodyPr anchor="ctr"/>
-          <a:lstStyle/>
-          <a:p>
-            <a:r>
-              <a:rPr lang="en-US" dirty="0"/>
-              <a:t>Tell me what you don’t like</a:t>
-            </a:r>
-          </a:p>
-          <a:p>
-            <a:endParaRPr lang="en-US" dirty="0"/>
-          </a:p>
-          <a:p>
-            <a:r>
-              <a:rPr lang="en-US" dirty="0"/>
-              <a:t>Tell me what can be better</a:t>
-            </a:r>
-          </a:p>
-          <a:p>
-            <a:endParaRPr lang="en-US" dirty="0"/>
-          </a:p>
-          <a:p>
-            <a:r>
-              <a:rPr lang="en-US" dirty="0"/>
-              <a:t> </a:t>
-            </a:r>
-            <a:r>
-              <a:rPr lang="en-US" sz="2400" dirty="0"/>
-              <a:t>Tell me what you like</a:t>
-            </a:r>
-            <a:endParaRPr lang="en-US" dirty="0"/>
-          </a:p>
-        </p:txBody>
-      </p:sp>
-      <p:pic>
-        <p:nvPicPr>
-          <p:cNvPr id="3074" name="Picture 2" descr="https://upload.wikimedia.org/wikipedia/commons/thumb/c/ce/Emoji_u1f44d.svg/2000px-Emoji_u1f44d.svg.png"/>
-          <p:cNvPicPr>
-            <a:picLocks noChangeAspect="1" noChangeArrowheads="1"/>
-          </p:cNvPicPr>
-          <p:nvPr/>
-        </p:nvPicPr>
-        <p:blipFill>
-          <a:blip r:embed="rId3">
-            <a:extLst>
-              <a:ext uri="{28A0092B-C50C-407E-A947-70E740481C1C}">
-                <a14:useLocalDpi xmlns:a14="http://schemas.microsoft.com/office/drawing/2010/main" val="0"/>
-              </a:ext>
-            </a:extLst>
-          </a:blip>
-          <a:srcRect/>
-          <a:stretch>
-            <a:fillRect/>
-          </a:stretch>
-        </p:blipFill>
-        <p:spPr bwMode="auto">
-          <a:xfrm>
-            <a:off x="7202232" y="1955127"/>
-            <a:ext cx="4139535" cy="4139535"/>
-          </a:xfrm>
-          <a:prstGeom prst="rect">
-            <a:avLst/>
-          </a:prstGeom>
-          <a:noFill/>
-          <a:extLst>
-            <a:ext uri="{909E8E84-426E-40DD-AFC4-6F175D3DCCD1}">
-              <a14:hiddenFill xmlns:a14="http://schemas.microsoft.com/office/drawing/2010/main">
-                <a:solidFill>
-                  <a:srgbClr val="FFFFFF"/>
-                </a:solidFill>
-              </a14:hiddenFill>
-            </a:ext>
-          </a:extLst>
-        </p:spPr>
-      </p:pic>
-    </p:spTree>
-    <p:extLst>
-      <p:ext uri="{BB962C8B-B14F-4D97-AF65-F5344CB8AC3E}">
-        <p14:creationId xmlns:p14="http://schemas.microsoft.com/office/powerpoint/2010/main" val="40638036"/>
-      </p:ext>
-    </p:extLst>
-  </p:cSld>
-  <p:clrMapOvr>
-    <a:masterClrMapping/>
-  </p:clrMapOvr>
-</p:sld>
-</file>
-
-<file path=ppt/slides/slide9.xml><?xml version="1.0" encoding="utf-8"?>
-<p:sld xmlns:a="http://schemas.openxmlformats.org/drawingml/2006/main" xmlns:r="http://schemas.openxmlformats.org/officeDocument/2006/relationships" xmlns:p="http://schemas.openxmlformats.org/presentationml/2006/main">
-  <p:cSld>
-    <p:spTree>
-      <p:nvGrpSpPr>
-        <p:cNvPr id="1" name=""/>
-        <p:cNvGrpSpPr/>
-        <p:nvPr/>
-      </p:nvGrpSpPr>
-      <p:grpSpPr>
-        <a:xfrm>
-          <a:off x="0" y="0"/>
-          <a:ext cx="0" cy="0"/>
-          <a:chOff x="0" y="0"/>
-          <a:chExt cx="0" cy="0"/>
-        </a:xfrm>
-      </p:grpSpPr>
-      <p:sp>
-        <p:nvSpPr>
-          <p:cNvPr id="2" name="Title 1"/>
+          <p:cNvPr id="10" name="Title 9"/>
           <p:cNvSpPr>
             <a:spLocks noGrp="1"/>
           </p:cNvSpPr>
@@ -34578,40 +32945,25 @@
         <p:spPr/>
         <p:txBody>
           <a:bodyPr>
-            <a:noAutofit/>
+            <a:normAutofit/>
           </a:bodyPr>
           <a:lstStyle/>
           <a:p>
             <a:r>
-              <a:rPr lang="en-US" sz="4800" dirty="0"/>
-              <a:t>I'm also </a:t>
-            </a:r>
-            <a:r>
-              <a:rPr lang="en-US" sz="4800" dirty="0" err="1"/>
-              <a:t>gonna</a:t>
-            </a:r>
-            <a:r>
-              <a:rPr lang="en-US" sz="4800" dirty="0"/>
-              <a:t> need you to go ahead </a:t>
-            </a:r>
-            <a:br>
-              <a:rPr lang="en-US" sz="4800" dirty="0"/>
-            </a:br>
-            <a:r>
-              <a:rPr lang="en-US" sz="4800" dirty="0"/>
-              <a:t>and silence your cell phones</a:t>
+              <a:rPr lang="en-US" dirty="0"/>
+              <a:t>You might be asking…</a:t>
             </a:r>
           </a:p>
         </p:txBody>
       </p:sp>
       <p:sp>
         <p:nvSpPr>
-          <p:cNvPr id="3" name="Text Placeholder 2"/>
+          <p:cNvPr id="6" name="Content Placeholder 5"/>
           <p:cNvSpPr>
             <a:spLocks noGrp="1"/>
           </p:cNvSpPr>
           <p:nvPr>
-            <p:ph type="body" idx="1"/>
+            <p:ph sz="quarter" idx="13"/>
           </p:nvPr>
         </p:nvSpPr>
         <p:spPr/>
@@ -34621,50 +32973,166 @@
           </a:bodyPr>
           <a:lstStyle/>
           <a:p>
-            <a:r>
-              <a:rPr lang="en-US" sz="2800" dirty="0"/>
-              <a:t>Yea…….You apparently didn’t put one of the new coversheets on your TPS reports.</a:t>
+            <a:pPr marL="0" indent="0">
+              <a:buNone/>
+            </a:pPr>
+            <a:r>
+              <a:rPr lang="en-US" sz="8000" dirty="0"/>
+              <a:t>Andy,</a:t>
+            </a:r>
+          </a:p>
+          <a:p>
+            <a:pPr marL="0" indent="0">
+              <a:buNone/>
+            </a:pPr>
+            <a:r>
+              <a:rPr lang="en-US" sz="8000" dirty="0"/>
+              <a:t>Why the *&amp;$# are you telling this story?</a:t>
             </a:r>
           </a:p>
         </p:txBody>
       </p:sp>
-      <p:pic>
-        <p:nvPicPr>
-          <p:cNvPr id="4" name="Content Placeholder 3"/>
-          <p:cNvPicPr>
-            <a:picLocks noGrp="1" noChangeAspect="1"/>
-          </p:cNvPicPr>
-          <p:nvPr>
-            <p:ph sz="quarter" idx="13"/>
-          </p:nvPr>
-        </p:nvPicPr>
-        <p:blipFill rotWithShape="1">
-          <a:blip r:embed="rId2">
-            <a:extLst>
-              <a:ext uri="{28A0092B-C50C-407E-A947-70E740481C1C}">
-                <a14:useLocalDpi xmlns:a14="http://schemas.microsoft.com/office/drawing/2010/main" val="0"/>
-              </a:ext>
-            </a:extLst>
-          </a:blip>
-          <a:stretch/>
-        </p:blipFill>
-        <p:spPr>
-          <a:xfrm>
-            <a:off x="3623733" y="1905000"/>
-            <a:ext cx="7586133" cy="4267200"/>
-          </a:xfrm>
-        </p:spPr>
-      </p:pic>
     </p:spTree>
     <p:extLst>
       <p:ext uri="{BB962C8B-B14F-4D97-AF65-F5344CB8AC3E}">
-        <p14:creationId xmlns:p14="http://schemas.microsoft.com/office/powerpoint/2010/main" val="744002627"/>
+        <p14:creationId xmlns:p14="http://schemas.microsoft.com/office/powerpoint/2010/main" val="465045979"/>
       </p:ext>
     </p:extLst>
   </p:cSld>
   <p:clrMapOvr>
     <a:masterClrMapping/>
   </p:clrMapOvr>
+  <p:timing>
+    <p:tnLst>
+      <p:par>
+        <p:cTn id="1" dur="indefinite" restart="never" nodeType="tmRoot">
+          <p:childTnLst>
+            <p:seq concurrent="1" nextAc="seek">
+              <p:cTn id="2" dur="indefinite" nodeType="mainSeq">
+                <p:childTnLst>
+                  <p:par>
+                    <p:cTn id="3" fill="hold">
+                      <p:stCondLst>
+                        <p:cond delay="indefinite"/>
+                      </p:stCondLst>
+                      <p:childTnLst>
+                        <p:par>
+                          <p:cTn id="4" fill="hold">
+                            <p:stCondLst>
+                              <p:cond delay="0"/>
+                            </p:stCondLst>
+                            <p:childTnLst>
+                              <p:par>
+                                <p:cTn id="5" presetID="1" presetClass="entr" presetSubtype="0" fill="hold" grpId="0" nodeType="clickEffect">
+                                  <p:stCondLst>
+                                    <p:cond delay="0"/>
+                                  </p:stCondLst>
+                                  <p:childTnLst>
+                                    <p:set>
+                                      <p:cBhvr>
+                                        <p:cTn id="6" dur="1" fill="hold">
+                                          <p:stCondLst>
+                                            <p:cond delay="0"/>
+                                          </p:stCondLst>
+                                        </p:cTn>
+                                        <p:tgtEl>
+                                          <p:spTgt spid="6">
+                                            <p:txEl>
+                                              <p:pRg st="0" end="0"/>
+                                            </p:txEl>
+                                          </p:spTgt>
+                                        </p:tgtEl>
+                                        <p:attrNameLst>
+                                          <p:attrName>style.visibility</p:attrName>
+                                        </p:attrNameLst>
+                                      </p:cBhvr>
+                                      <p:to>
+                                        <p:strVal val="visible"/>
+                                      </p:to>
+                                    </p:set>
+                                  </p:childTnLst>
+                                </p:cTn>
+                              </p:par>
+                            </p:childTnLst>
+                          </p:cTn>
+                        </p:par>
+                      </p:childTnLst>
+                    </p:cTn>
+                  </p:par>
+                  <p:par>
+                    <p:cTn id="7" fill="hold">
+                      <p:stCondLst>
+                        <p:cond delay="indefinite"/>
+                      </p:stCondLst>
+                      <p:childTnLst>
+                        <p:par>
+                          <p:cTn id="8" fill="hold">
+                            <p:stCondLst>
+                              <p:cond delay="0"/>
+                            </p:stCondLst>
+                            <p:childTnLst>
+                              <p:par>
+                                <p:cTn id="9" presetID="1" presetClass="entr" presetSubtype="0" fill="hold" grpId="0" nodeType="clickEffect">
+                                  <p:stCondLst>
+                                    <p:cond delay="0"/>
+                                  </p:stCondLst>
+                                  <p:childTnLst>
+                                    <p:set>
+                                      <p:cBhvr>
+                                        <p:cTn id="10" dur="1" fill="hold">
+                                          <p:stCondLst>
+                                            <p:cond delay="0"/>
+                                          </p:stCondLst>
+                                        </p:cTn>
+                                        <p:tgtEl>
+                                          <p:spTgt spid="6">
+                                            <p:txEl>
+                                              <p:pRg st="1" end="1"/>
+                                            </p:txEl>
+                                          </p:spTgt>
+                                        </p:tgtEl>
+                                        <p:attrNameLst>
+                                          <p:attrName>style.visibility</p:attrName>
+                                        </p:attrNameLst>
+                                      </p:cBhvr>
+                                      <p:to>
+                                        <p:strVal val="visible"/>
+                                      </p:to>
+                                    </p:set>
+                                  </p:childTnLst>
+                                </p:cTn>
+                              </p:par>
+                            </p:childTnLst>
+                          </p:cTn>
+                        </p:par>
+                      </p:childTnLst>
+                    </p:cTn>
+                  </p:par>
+                </p:childTnLst>
+              </p:cTn>
+              <p:prevCondLst>
+                <p:cond evt="onPrev" delay="0">
+                  <p:tgtEl>
+                    <p:sldTgt/>
+                  </p:tgtEl>
+                </p:cond>
+              </p:prevCondLst>
+              <p:nextCondLst>
+                <p:cond evt="onNext" delay="0">
+                  <p:tgtEl>
+                    <p:sldTgt/>
+                  </p:tgtEl>
+                </p:cond>
+              </p:nextCondLst>
+            </p:seq>
+          </p:childTnLst>
+        </p:cTn>
+      </p:par>
+    </p:tnLst>
+    <p:bldLst>
+      <p:bldP spid="6" grpId="0" build="p"/>
+    </p:bldLst>
+  </p:timing>
 </p:sld>
 </file>
 

--- a/Demystifying-Data-Compression/Data_Compression.pptx
+++ b/Demystifying-Data-Compression/Data_Compression.pptx
@@ -172,7 +172,7 @@
 <file path=ppt/revisionInfo.xml><?xml version="1.0" encoding="utf-8"?>
 <p1510:revInfo xmlns:a="http://schemas.openxmlformats.org/drawingml/2006/main" xmlns:r="http://schemas.openxmlformats.org/officeDocument/2006/relationships" xmlns:p1510="http://schemas.microsoft.com/office/powerpoint/2015/10/main">
   <p1510:revLst>
-    <p1510:client id="{042B3CCA-2A2B-4ECB-B2D6-88FAFD251498}" v="59" dt="2019-06-08T03:56:06.283"/>
+    <p1510:client id="{042B3CCA-2A2B-4ECB-B2D6-88FAFD251498}" v="144" dt="2019-08-24T14:01:35.764"/>
   </p1510:revLst>
 </p1510:revInfo>
 </file>
@@ -184,203 +184,26 @@
   </pc:docChgLst>
   <pc:docChgLst>
     <pc:chgData name="Andy Mallon" userId="8ed075f77b608d91" providerId="LiveId" clId="{042B3CCA-2A2B-4ECB-B2D6-88FAFD251498}"/>
-    <pc:docChg chg="undo custSel addSld delSld modSld modMainMaster">
-      <pc:chgData name="Andy Mallon" userId="8ed075f77b608d91" providerId="LiveId" clId="{042B3CCA-2A2B-4ECB-B2D6-88FAFD251498}" dt="2019-06-08T03:56:06.197" v="57"/>
+    <pc:docChg chg="undo custSel addSld delSld modSld delMainMaster modMainMaster">
+      <pc:chgData name="Andy Mallon" userId="8ed075f77b608d91" providerId="LiveId" clId="{042B3CCA-2A2B-4ECB-B2D6-88FAFD251498}" dt="2019-09-07T19:02:06.751" v="153" actId="2696"/>
       <pc:docMkLst>
         <pc:docMk/>
       </pc:docMkLst>
-      <pc:sldChg chg="modTransition">
-        <pc:chgData name="Andy Mallon" userId="8ed075f77b608d91" providerId="LiveId" clId="{042B3CCA-2A2B-4ECB-B2D6-88FAFD251498}" dt="2019-06-08T03:54:09.180" v="54"/>
+      <pc:sldChg chg="modSp add del">
+        <pc:chgData name="Andy Mallon" userId="8ed075f77b608d91" providerId="LiveId" clId="{042B3CCA-2A2B-4ECB-B2D6-88FAFD251498}" dt="2019-09-07T19:02:06.751" v="153" actId="2696"/>
         <pc:sldMkLst>
           <pc:docMk/>
-          <pc:sldMk cId="549013391" sldId="335"/>
-        </pc:sldMkLst>
-      </pc:sldChg>
-      <pc:sldChg chg="modTransition">
-        <pc:chgData name="Andy Mallon" userId="8ed075f77b608d91" providerId="LiveId" clId="{042B3CCA-2A2B-4ECB-B2D6-88FAFD251498}" dt="2019-06-08T03:54:09.180" v="54"/>
-        <pc:sldMkLst>
-          <pc:docMk/>
-          <pc:sldMk cId="378969601" sldId="336"/>
-        </pc:sldMkLst>
-      </pc:sldChg>
-      <pc:sldChg chg="modTransition">
-        <pc:chgData name="Andy Mallon" userId="8ed075f77b608d91" providerId="LiveId" clId="{042B3CCA-2A2B-4ECB-B2D6-88FAFD251498}" dt="2019-06-08T03:54:09.180" v="54"/>
-        <pc:sldMkLst>
-          <pc:docMk/>
-          <pc:sldMk cId="4194298386" sldId="337"/>
-        </pc:sldMkLst>
-      </pc:sldChg>
-      <pc:sldChg chg="modTransition">
-        <pc:chgData name="Andy Mallon" userId="8ed075f77b608d91" providerId="LiveId" clId="{042B3CCA-2A2B-4ECB-B2D6-88FAFD251498}" dt="2019-06-08T03:54:09.180" v="54"/>
-        <pc:sldMkLst>
-          <pc:docMk/>
-          <pc:sldMk cId="465045979" sldId="339"/>
-        </pc:sldMkLst>
-      </pc:sldChg>
-      <pc:sldChg chg="modSp">
-        <pc:chgData name="Andy Mallon" userId="8ed075f77b608d91" providerId="LiveId" clId="{042B3CCA-2A2B-4ECB-B2D6-88FAFD251498}" dt="2019-03-30T11:32:19.350" v="50" actId="14100"/>
-        <pc:sldMkLst>
-          <pc:docMk/>
-          <pc:sldMk cId="125486011" sldId="345"/>
+          <pc:sldMk cId="663809898" sldId="400"/>
         </pc:sldMkLst>
         <pc:spChg chg="mod">
-          <ac:chgData name="Andy Mallon" userId="8ed075f77b608d91" providerId="LiveId" clId="{042B3CCA-2A2B-4ECB-B2D6-88FAFD251498}" dt="2019-03-30T11:32:19.350" v="50" actId="14100"/>
+          <ac:chgData name="Andy Mallon" userId="8ed075f77b608d91" providerId="LiveId" clId="{042B3CCA-2A2B-4ECB-B2D6-88FAFD251498}" dt="2019-08-24T14:01:32.327" v="152" actId="27636"/>
           <ac:spMkLst>
             <pc:docMk/>
-            <pc:sldMk cId="125486011" sldId="345"/>
-            <ac:spMk id="22" creationId="{00000000-0000-0000-0000-000000000000}"/>
-          </ac:spMkLst>
-        </pc:spChg>
-        <pc:spChg chg="mod">
-          <ac:chgData name="Andy Mallon" userId="8ed075f77b608d91" providerId="LiveId" clId="{042B3CCA-2A2B-4ECB-B2D6-88FAFD251498}" dt="2019-03-30T11:30:46.305" v="29" actId="20577"/>
-          <ac:spMkLst>
-            <pc:docMk/>
-            <pc:sldMk cId="125486011" sldId="345"/>
-            <ac:spMk id="25" creationId="{975F2E7A-D074-4084-80D5-8F527A1BBD15}"/>
+            <pc:sldMk cId="663809898" sldId="400"/>
+            <ac:spMk id="4" creationId="{00000000-0000-0000-0000-000000000000}"/>
           </ac:spMkLst>
         </pc:spChg>
       </pc:sldChg>
-      <pc:sldChg chg="addSp delSp modSp del modAnim">
-        <pc:chgData name="Andy Mallon" userId="8ed075f77b608d91" providerId="LiveId" clId="{042B3CCA-2A2B-4ECB-B2D6-88FAFD251498}" dt="2019-06-08T03:56:06.197" v="57"/>
-        <pc:sldMkLst>
-          <pc:docMk/>
-          <pc:sldMk cId="997461396" sldId="362"/>
-        </pc:sldMkLst>
-        <pc:grpChg chg="mod topLvl">
-          <ac:chgData name="Andy Mallon" userId="8ed075f77b608d91" providerId="LiveId" clId="{042B3CCA-2A2B-4ECB-B2D6-88FAFD251498}" dt="2019-06-08T03:55:02.371" v="56" actId="165"/>
-          <ac:grpSpMkLst>
-            <pc:docMk/>
-            <pc:sldMk cId="997461396" sldId="362"/>
-            <ac:grpSpMk id="511" creationId="{6D774B7D-799F-4B30-BD3F-B8CEAA8B7914}"/>
-          </ac:grpSpMkLst>
-        </pc:grpChg>
-        <pc:grpChg chg="mod topLvl">
-          <ac:chgData name="Andy Mallon" userId="8ed075f77b608d91" providerId="LiveId" clId="{042B3CCA-2A2B-4ECB-B2D6-88FAFD251498}" dt="2019-06-08T03:55:02.371" v="56" actId="165"/>
-          <ac:grpSpMkLst>
-            <pc:docMk/>
-            <pc:sldMk cId="997461396" sldId="362"/>
-            <ac:grpSpMk id="512" creationId="{133DE7CD-73AA-4579-BC61-1D59C23A318E}"/>
-          </ac:grpSpMkLst>
-        </pc:grpChg>
-        <pc:grpChg chg="add del mod">
-          <ac:chgData name="Andy Mallon" userId="8ed075f77b608d91" providerId="LiveId" clId="{042B3CCA-2A2B-4ECB-B2D6-88FAFD251498}" dt="2019-06-08T03:55:02.371" v="56" actId="165"/>
-          <ac:grpSpMkLst>
-            <pc:docMk/>
-            <pc:sldMk cId="997461396" sldId="362"/>
-            <ac:grpSpMk id="754" creationId="{240C2094-62C6-4A9C-8B91-64DDB5C0C1DF}"/>
-          </ac:grpSpMkLst>
-        </pc:grpChg>
-      </pc:sldChg>
-      <pc:sldChg chg="addSp delSp modSp add modTransition delAnim modAnim">
-        <pc:chgData name="Andy Mallon" userId="8ed075f77b608d91" providerId="LiveId" clId="{042B3CCA-2A2B-4ECB-B2D6-88FAFD251498}" dt="2019-03-30T11:30:29.015" v="23"/>
-        <pc:sldMkLst>
-          <pc:docMk/>
-          <pc:sldMk cId="1602673492" sldId="399"/>
-        </pc:sldMkLst>
-        <pc:grpChg chg="del">
-          <ac:chgData name="Andy Mallon" userId="8ed075f77b608d91" providerId="LiveId" clId="{042B3CCA-2A2B-4ECB-B2D6-88FAFD251498}" dt="2019-03-30T11:27:45.527" v="4" actId="478"/>
-          <ac:grpSpMkLst>
-            <pc:docMk/>
-            <pc:sldMk cId="1602673492" sldId="399"/>
-            <ac:grpSpMk id="15" creationId="{00000000-0000-0000-0000-000000000000}"/>
-          </ac:grpSpMkLst>
-        </pc:grpChg>
-        <pc:picChg chg="del">
-          <ac:chgData name="Andy Mallon" userId="8ed075f77b608d91" providerId="LiveId" clId="{042B3CCA-2A2B-4ECB-B2D6-88FAFD251498}" dt="2019-03-30T11:29:44.947" v="20" actId="478"/>
-          <ac:picMkLst>
-            <pc:docMk/>
-            <pc:sldMk cId="1602673492" sldId="399"/>
-            <ac:picMk id="2" creationId="{00000000-0000-0000-0000-000000000000}"/>
-          </ac:picMkLst>
-        </pc:picChg>
-        <pc:picChg chg="del">
-          <ac:chgData name="Andy Mallon" userId="8ed075f77b608d91" providerId="LiveId" clId="{042B3CCA-2A2B-4ECB-B2D6-88FAFD251498}" dt="2019-03-30T11:29:46.768" v="21" actId="478"/>
-          <ac:picMkLst>
-            <pc:docMk/>
-            <pc:sldMk cId="1602673492" sldId="399"/>
-            <ac:picMk id="3" creationId="{00000000-0000-0000-0000-000000000000}"/>
-          </ac:picMkLst>
-        </pc:picChg>
-        <pc:picChg chg="del">
-          <ac:chgData name="Andy Mallon" userId="8ed075f77b608d91" providerId="LiveId" clId="{042B3CCA-2A2B-4ECB-B2D6-88FAFD251498}" dt="2019-03-30T11:27:47.210" v="5" actId="478"/>
-          <ac:picMkLst>
-            <pc:docMk/>
-            <pc:sldMk cId="1602673492" sldId="399"/>
-            <ac:picMk id="4" creationId="{00000000-0000-0000-0000-000000000000}"/>
-          </ac:picMkLst>
-        </pc:picChg>
-        <pc:picChg chg="del">
-          <ac:chgData name="Andy Mallon" userId="8ed075f77b608d91" providerId="LiveId" clId="{042B3CCA-2A2B-4ECB-B2D6-88FAFD251498}" dt="2019-03-30T11:27:48.843" v="6" actId="478"/>
-          <ac:picMkLst>
-            <pc:docMk/>
-            <pc:sldMk cId="1602673492" sldId="399"/>
-            <ac:picMk id="8" creationId="{00000000-0000-0000-0000-000000000000}"/>
-          </ac:picMkLst>
-        </pc:picChg>
-        <pc:picChg chg="add mod modCrop">
-          <ac:chgData name="Andy Mallon" userId="8ed075f77b608d91" providerId="LiveId" clId="{042B3CCA-2A2B-4ECB-B2D6-88FAFD251498}" dt="2019-03-30T11:29:15.482" v="17" actId="732"/>
-          <ac:picMkLst>
-            <pc:docMk/>
-            <pc:sldMk cId="1602673492" sldId="399"/>
-            <ac:picMk id="9" creationId="{3DB53842-78CA-4F6E-A1F6-491D1C00734E}"/>
-          </ac:picMkLst>
-        </pc:picChg>
-        <pc:picChg chg="ord">
-          <ac:chgData name="Andy Mallon" userId="8ed075f77b608d91" providerId="LiveId" clId="{042B3CCA-2A2B-4ECB-B2D6-88FAFD251498}" dt="2019-03-30T11:29:43.425" v="19" actId="167"/>
-          <ac:picMkLst>
-            <pc:docMk/>
-            <pc:sldMk cId="1602673492" sldId="399"/>
-            <ac:picMk id="16" creationId="{00000000-0000-0000-0000-000000000000}"/>
-          </ac:picMkLst>
-        </pc:picChg>
-        <pc:picChg chg="mod">
-          <ac:chgData name="Andy Mallon" userId="8ed075f77b608d91" providerId="LiveId" clId="{042B3CCA-2A2B-4ECB-B2D6-88FAFD251498}" dt="2019-03-30T11:28:54.275" v="14" actId="1076"/>
-          <ac:picMkLst>
-            <pc:docMk/>
-            <pc:sldMk cId="1602673492" sldId="399"/>
-            <ac:picMk id="17" creationId="{00000000-0000-0000-0000-000000000000}"/>
-          </ac:picMkLst>
-        </pc:picChg>
-        <pc:picChg chg="ord">
-          <ac:chgData name="Andy Mallon" userId="8ed075f77b608d91" providerId="LiveId" clId="{042B3CCA-2A2B-4ECB-B2D6-88FAFD251498}" dt="2019-03-30T11:29:40.384" v="18" actId="167"/>
-          <ac:picMkLst>
-            <pc:docMk/>
-            <pc:sldMk cId="1602673492" sldId="399"/>
-            <ac:picMk id="18" creationId="{00000000-0000-0000-0000-000000000000}"/>
-          </ac:picMkLst>
-        </pc:picChg>
-        <pc:picChg chg="del">
-          <ac:chgData name="Andy Mallon" userId="8ed075f77b608d91" providerId="LiveId" clId="{042B3CCA-2A2B-4ECB-B2D6-88FAFD251498}" dt="2019-03-30T11:27:51.528" v="7" actId="478"/>
-          <ac:picMkLst>
-            <pc:docMk/>
-            <pc:sldMk cId="1602673492" sldId="399"/>
-            <ac:picMk id="20" creationId="{00000000-0000-0000-0000-000000000000}"/>
-          </ac:picMkLst>
-        </pc:picChg>
-      </pc:sldChg>
-      <pc:sldMasterChg chg="modSp">
-        <pc:chgData name="Andy Mallon" userId="8ed075f77b608d91" providerId="LiveId" clId="{042B3CCA-2A2B-4ECB-B2D6-88FAFD251498}" dt="2019-03-30T11:31:42.420" v="49" actId="14100"/>
-        <pc:sldMasterMkLst>
-          <pc:docMk/>
-          <pc:sldMasterMk cId="3254948153" sldId="2147483709"/>
-        </pc:sldMasterMkLst>
-        <pc:spChg chg="mod">
-          <ac:chgData name="Andy Mallon" userId="8ed075f77b608d91" providerId="LiveId" clId="{042B3CCA-2A2B-4ECB-B2D6-88FAFD251498}" dt="2019-03-30T11:31:42.420" v="49" actId="14100"/>
-          <ac:spMkLst>
-            <pc:docMk/>
-            <pc:sldMasterMk cId="3254948153" sldId="2147483709"/>
-            <ac:spMk id="19" creationId="{00000000-0000-0000-0000-000000000000}"/>
-          </ac:spMkLst>
-        </pc:spChg>
-        <pc:spChg chg="mod">
-          <ac:chgData name="Andy Mallon" userId="8ed075f77b608d91" providerId="LiveId" clId="{042B3CCA-2A2B-4ECB-B2D6-88FAFD251498}" dt="2019-03-30T11:31:31.654" v="44" actId="20577"/>
-          <ac:spMkLst>
-            <pc:docMk/>
-            <pc:sldMasterMk cId="3254948153" sldId="2147483709"/>
-            <ac:spMk id="20" creationId="{00000000-0000-0000-0000-000000000000}"/>
-          </ac:spMkLst>
-        </pc:spChg>
-      </pc:sldMasterChg>
     </pc:docChg>
   </pc:docChgLst>
   <pc:docChgLst>
@@ -471,7 +294,7 @@
           <a:p>
             <a:fld id="{29813C8A-11F9-4768-B07B-C8C4017109A6}" type="datetimeFigureOut">
               <a:rPr lang="en-US" smtClean="0"/>
-              <a:t>2019-06-07</a:t>
+              <a:t>2019-09-07</a:t>
             </a:fld>
             <a:endParaRPr lang="en-US"/>
           </a:p>
@@ -1900,7 +1723,19 @@
             </a:r>
             <a:r>
               <a:rPr lang="en-US" baseline="0" dirty="0"/>
-              <a:t> of the things I love most in life– My husband, my pups, my food (I love to cook), and my city.</a:t>
+              <a:t> of the things I love most in life– My husband, my pups, </a:t>
+            </a:r>
+            <a:r>
+              <a:rPr lang="en-US" baseline="0" dirty="0" err="1"/>
+              <a:t>Queery</a:t>
+            </a:r>
+            <a:r>
+              <a:rPr lang="en-US" baseline="0" dirty="0"/>
+              <a:t> the </a:t>
+            </a:r>
+            <a:r>
+              <a:rPr lang="en-US" baseline="0"/>
+              <a:t>Diversity Dino.</a:t>
             </a:r>
             <a:endParaRPr lang="en-US" dirty="0"/>
           </a:p>
@@ -3486,7 +3321,7 @@
             <a:fld id="{B61BEF0D-F0BB-DE4B-95CE-6DB70DBA9567}" type="datetimeFigureOut">
               <a:rPr lang="en-US" smtClean="0"/>
               <a:pPr/>
-              <a:t>2019-06-07</a:t>
+              <a:t>2019-09-07</a:t>
             </a:fld>
             <a:endParaRPr lang="en-US" dirty="0"/>
           </a:p>
@@ -3911,7 +3746,7 @@
             <a:fld id="{B61BEF0D-F0BB-DE4B-95CE-6DB70DBA9567}" type="datetimeFigureOut">
               <a:rPr lang="en-US" smtClean="0"/>
               <a:pPr/>
-              <a:t>2019-06-07</a:t>
+              <a:t>2019-09-07</a:t>
             </a:fld>
             <a:endParaRPr lang="en-US" dirty="0"/>
           </a:p>
@@ -11310,19 +11145,21 @@
         </p:spPr>
         <p:txBody>
           <a:bodyPr>
-            <a:normAutofit/>
+            <a:normAutofit lnSpcReduction="10000"/>
           </a:bodyPr>
           <a:lstStyle/>
           <a:p>
             <a:r>
               <a:rPr lang="en-US" dirty="0"/>
-              <a:t>Product Manager at </a:t>
-            </a:r>
-            <a:r>
-              <a:rPr lang="en-US" dirty="0" err="1"/>
-              <a:t>SentryOne</a:t>
-            </a:r>
-            <a:endParaRPr lang="en-US" dirty="0"/>
+              <a:t>I sell furniture at the mall</a:t>
+            </a:r>
+          </a:p>
+          <a:p>
+            <a:pPr lvl="1"/>
+            <a:r>
+              <a:rPr lang="en-US" dirty="0"/>
+              <a:t>Database Architect at Wayfair.com</a:t>
+            </a:r>
           </a:p>
           <a:p>
             <a:r>

--- a/Demystifying-Data-Compression/Data_Compression.pptx
+++ b/Demystifying-Data-Compression/Data_Compression.pptx
@@ -172,7 +172,7 @@
 <file path=ppt/revisionInfo.xml><?xml version="1.0" encoding="utf-8"?>
 <p1510:revInfo xmlns:a="http://schemas.openxmlformats.org/drawingml/2006/main" xmlns:r="http://schemas.openxmlformats.org/officeDocument/2006/relationships" xmlns:p1510="http://schemas.microsoft.com/office/powerpoint/2015/10/main">
   <p1510:revLst>
-    <p1510:client id="{042B3CCA-2A2B-4ECB-B2D6-88FAFD251498}" v="144" dt="2019-08-24T14:01:35.764"/>
+    <p1510:client id="{BA7195E6-C228-48F5-9CD6-CAD008C1BD8D}" v="3" dt="2020-04-16T01:13:48.532"/>
   </p1510:revLst>
 </p1510:revInfo>
 </file>
@@ -201,6 +201,30 @@
             <pc:docMk/>
             <pc:sldMk cId="663809898" sldId="400"/>
             <ac:spMk id="4" creationId="{00000000-0000-0000-0000-000000000000}"/>
+          </ac:spMkLst>
+        </pc:spChg>
+      </pc:sldChg>
+    </pc:docChg>
+  </pc:docChgLst>
+  <pc:docChgLst>
+    <pc:chgData name="Andy Mallon" userId="8ed075f77b608d91" providerId="LiveId" clId="{BA7195E6-C228-48F5-9CD6-CAD008C1BD8D}"/>
+    <pc:docChg chg="modSld">
+      <pc:chgData name="Andy Mallon" userId="8ed075f77b608d91" providerId="LiveId" clId="{BA7195E6-C228-48F5-9CD6-CAD008C1BD8D}" dt="2020-04-16T01:13:48.532" v="2" actId="20577"/>
+      <pc:docMkLst>
+        <pc:docMk/>
+      </pc:docMkLst>
+      <pc:sldChg chg="modSp">
+        <pc:chgData name="Andy Mallon" userId="8ed075f77b608d91" providerId="LiveId" clId="{BA7195E6-C228-48F5-9CD6-CAD008C1BD8D}" dt="2020-04-16T01:13:48.532" v="2" actId="20577"/>
+        <pc:sldMkLst>
+          <pc:docMk/>
+          <pc:sldMk cId="1753710238" sldId="269"/>
+        </pc:sldMkLst>
+        <pc:spChg chg="mod">
+          <ac:chgData name="Andy Mallon" userId="8ed075f77b608d91" providerId="LiveId" clId="{BA7195E6-C228-48F5-9CD6-CAD008C1BD8D}" dt="2020-04-16T01:13:48.532" v="2" actId="20577"/>
+          <ac:spMkLst>
+            <pc:docMk/>
+            <pc:sldMk cId="1753710238" sldId="269"/>
+            <ac:spMk id="13" creationId="{00000000-0000-0000-0000-000000000000}"/>
           </ac:spMkLst>
         </pc:spChg>
       </pc:sldChg>
@@ -294,7 +318,7 @@
           <a:p>
             <a:fld id="{29813C8A-11F9-4768-B07B-C8C4017109A6}" type="datetimeFigureOut">
               <a:rPr lang="en-US" smtClean="0"/>
-              <a:t>2019-09-07</a:t>
+              <a:t>2020-04-15</a:t>
             </a:fld>
             <a:endParaRPr lang="en-US"/>
           </a:p>
@@ -3321,7 +3345,7 @@
             <a:fld id="{B61BEF0D-F0BB-DE4B-95CE-6DB70DBA9567}" type="datetimeFigureOut">
               <a:rPr lang="en-US" smtClean="0"/>
               <a:pPr/>
-              <a:t>2019-09-07</a:t>
+              <a:t>2020-04-15</a:t>
             </a:fld>
             <a:endParaRPr lang="en-US" dirty="0"/>
           </a:p>
@@ -3746,7 +3770,7 @@
             <a:fld id="{B61BEF0D-F0BB-DE4B-95CE-6DB70DBA9567}" type="datetimeFigureOut">
               <a:rPr lang="en-US" smtClean="0"/>
               <a:pPr/>
-              <a:t>2019-09-07</a:t>
+              <a:t>2020-04-15</a:t>
             </a:fld>
             <a:endParaRPr lang="en-US" dirty="0"/>
           </a:p>
@@ -12932,7 +12956,15 @@
             <a:pPr lvl="1"/>
             <a:r>
               <a:rPr lang="en-US" dirty="0"/>
-              <a:t>Data needs to decompressed every time you read a page </a:t>
+              <a:t>Data needs </a:t>
+            </a:r>
+            <a:r>
+              <a:rPr lang="en-US"/>
+              <a:t>to be decompressed </a:t>
+            </a:r>
+            <a:r>
+              <a:rPr lang="en-US" dirty="0"/>
+              <a:t>every time you read a page </a:t>
             </a:r>
             <a:r>
               <a:rPr lang="en-US" b="1" dirty="0">
@@ -29688,7 +29720,6 @@
           </p:cNvGraphicFramePr>
           <p:nvPr>
             <p:ph sz="quarter" idx="13"/>
-            <p:extLst/>
           </p:nvPr>
         </p:nvGraphicFramePr>
         <p:xfrm>
@@ -30061,9 +30092,7 @@
           <p:cNvGraphicFramePr>
             <a:graphicFrameLocks/>
           </p:cNvGraphicFramePr>
-          <p:nvPr>
-            <p:extLst/>
-          </p:nvPr>
+          <p:nvPr/>
         </p:nvGraphicFramePr>
         <p:xfrm>
           <a:off x="812800" y="1803397"/>

--- a/Demystifying-Data-Compression/Data_Compression.pptx
+++ b/Demystifying-Data-Compression/Data_Compression.pptx
@@ -9,8 +9,8 @@
   </p:notesMasterIdLst>
   <p:sldIdLst>
     <p:sldId id="348" r:id="rId2"/>
-    <p:sldId id="397" r:id="rId3"/>
-    <p:sldId id="399" r:id="rId4"/>
+    <p:sldId id="440" r:id="rId3"/>
+    <p:sldId id="441" r:id="rId4"/>
     <p:sldId id="345" r:id="rId5"/>
     <p:sldId id="344" r:id="rId6"/>
     <p:sldId id="343" r:id="rId7"/>
@@ -172,7 +172,7 @@
 <file path=ppt/revisionInfo.xml><?xml version="1.0" encoding="utf-8"?>
 <p1510:revInfo xmlns:a="http://schemas.openxmlformats.org/drawingml/2006/main" xmlns:r="http://schemas.openxmlformats.org/officeDocument/2006/relationships" xmlns:p1510="http://schemas.microsoft.com/office/powerpoint/2015/10/main">
   <p1510:revLst>
-    <p1510:client id="{BA7195E6-C228-48F5-9CD6-CAD008C1BD8D}" v="3" dt="2020-04-16T01:13:48.532"/>
+    <p1510:client id="{BA7195E6-C228-48F5-9CD6-CAD008C1BD8D}" v="7" dt="2020-04-16T01:17:54.670"/>
   </p1510:revLst>
 </p1510:revInfo>
 </file>
@@ -208,8 +208,8 @@
   </pc:docChgLst>
   <pc:docChgLst>
     <pc:chgData name="Andy Mallon" userId="8ed075f77b608d91" providerId="LiveId" clId="{BA7195E6-C228-48F5-9CD6-CAD008C1BD8D}"/>
-    <pc:docChg chg="modSld">
-      <pc:chgData name="Andy Mallon" userId="8ed075f77b608d91" providerId="LiveId" clId="{BA7195E6-C228-48F5-9CD6-CAD008C1BD8D}" dt="2020-04-16T01:13:48.532" v="2" actId="20577"/>
+    <pc:docChg chg="undo custSel delSld modSld">
+      <pc:chgData name="Andy Mallon" userId="8ed075f77b608d91" providerId="LiveId" clId="{BA7195E6-C228-48F5-9CD6-CAD008C1BD8D}" dt="2020-04-16T01:18:09.518" v="10" actId="14100"/>
       <pc:docMkLst>
         <pc:docMk/>
       </pc:docMkLst>
@@ -227,6 +227,59 @@
             <ac:spMk id="13" creationId="{00000000-0000-0000-0000-000000000000}"/>
           </ac:spMkLst>
         </pc:spChg>
+      </pc:sldChg>
+      <pc:sldChg chg="addSp delSp modSp">
+        <pc:chgData name="Andy Mallon" userId="8ed075f77b608d91" providerId="LiveId" clId="{BA7195E6-C228-48F5-9CD6-CAD008C1BD8D}" dt="2020-04-16T01:18:09.518" v="10" actId="14100"/>
+        <pc:sldMkLst>
+          <pc:docMk/>
+          <pc:sldMk cId="1240573574" sldId="348"/>
+        </pc:sldMkLst>
+        <pc:spChg chg="del">
+          <ac:chgData name="Andy Mallon" userId="8ed075f77b608d91" providerId="LiveId" clId="{BA7195E6-C228-48F5-9CD6-CAD008C1BD8D}" dt="2020-04-16T01:17:50.156" v="5" actId="478"/>
+          <ac:spMkLst>
+            <pc:docMk/>
+            <pc:sldMk cId="1240573574" sldId="348"/>
+            <ac:spMk id="3" creationId="{00000000-0000-0000-0000-000000000000}"/>
+          </ac:spMkLst>
+        </pc:spChg>
+        <pc:spChg chg="add del mod">
+          <ac:chgData name="Andy Mallon" userId="8ed075f77b608d91" providerId="LiveId" clId="{BA7195E6-C228-48F5-9CD6-CAD008C1BD8D}" dt="2020-04-16T01:17:54.670" v="8"/>
+          <ac:spMkLst>
+            <pc:docMk/>
+            <pc:sldMk cId="1240573574" sldId="348"/>
+            <ac:spMk id="5" creationId="{70E18BC4-8B4F-45D0-9B9D-13A996ACE287}"/>
+          </ac:spMkLst>
+        </pc:spChg>
+        <pc:spChg chg="add del">
+          <ac:chgData name="Andy Mallon" userId="8ed075f77b608d91" providerId="LiveId" clId="{BA7195E6-C228-48F5-9CD6-CAD008C1BD8D}" dt="2020-04-16T01:17:51.773" v="7"/>
+          <ac:spMkLst>
+            <pc:docMk/>
+            <pc:sldMk cId="1240573574" sldId="348"/>
+            <ac:spMk id="6" creationId="{D3A5A7EF-BB83-440A-A861-800D5001FABD}"/>
+          </ac:spMkLst>
+        </pc:spChg>
+        <pc:spChg chg="add mod">
+          <ac:chgData name="Andy Mallon" userId="8ed075f77b608d91" providerId="LiveId" clId="{BA7195E6-C228-48F5-9CD6-CAD008C1BD8D}" dt="2020-04-16T01:18:09.518" v="10" actId="14100"/>
+          <ac:spMkLst>
+            <pc:docMk/>
+            <pc:sldMk cId="1240573574" sldId="348"/>
+            <ac:spMk id="7" creationId="{E6CE65DE-DE93-4FE2-8B42-449D5CBBA716}"/>
+          </ac:spMkLst>
+        </pc:spChg>
+      </pc:sldChg>
+      <pc:sldChg chg="del">
+        <pc:chgData name="Andy Mallon" userId="8ed075f77b608d91" providerId="LiveId" clId="{BA7195E6-C228-48F5-9CD6-CAD008C1BD8D}" dt="2020-04-16T01:17:29.501" v="3" actId="2696"/>
+        <pc:sldMkLst>
+          <pc:docMk/>
+          <pc:sldMk cId="2367324778" sldId="397"/>
+        </pc:sldMkLst>
+      </pc:sldChg>
+      <pc:sldChg chg="del">
+        <pc:chgData name="Andy Mallon" userId="8ed075f77b608d91" providerId="LiveId" clId="{BA7195E6-C228-48F5-9CD6-CAD008C1BD8D}" dt="2020-04-16T01:17:29.554" v="4" actId="2696"/>
+        <pc:sldMkLst>
+          <pc:docMk/>
+          <pc:sldMk cId="1602673492" sldId="399"/>
+        </pc:sldMkLst>
       </pc:sldChg>
     </pc:docChg>
   </pc:docChgLst>
@@ -7526,30 +7579,6 @@
       </p:grpSpPr>
       <p:sp>
         <p:nvSpPr>
-          <p:cNvPr id="3" name="Subtitle 2"/>
-          <p:cNvSpPr>
-            <a:spLocks noGrp="1"/>
-          </p:cNvSpPr>
-          <p:nvPr>
-            <p:ph type="subTitle" idx="1"/>
-          </p:nvPr>
-        </p:nvSpPr>
-        <p:spPr/>
-        <p:txBody>
-          <a:bodyPr>
-            <a:normAutofit/>
-          </a:bodyPr>
-          <a:lstStyle/>
-          <a:p>
-            <a:r>
-              <a:rPr lang="en-US" sz="2800" dirty="0"/>
-              <a:t>Andy Mallon</a:t>
-            </a:r>
-          </a:p>
-        </p:txBody>
-      </p:sp>
-      <p:sp>
-        <p:nvSpPr>
           <p:cNvPr id="2" name="Title 1"/>
           <p:cNvSpPr>
             <a:spLocks noGrp="1"/>
@@ -7566,6 +7595,46 @@
             <a:r>
               <a:rPr lang="en-US" dirty="0"/>
               <a:t>Demystifying Data Compression</a:t>
+            </a:r>
+          </a:p>
+        </p:txBody>
+      </p:sp>
+      <p:sp>
+        <p:nvSpPr>
+          <p:cNvPr id="7" name="Subtitle 2">
+            <a:extLst>
+              <a:ext uri="{FF2B5EF4-FFF2-40B4-BE49-F238E27FC236}">
+                <a16:creationId xmlns:a16="http://schemas.microsoft.com/office/drawing/2014/main" id="{E6CE65DE-DE93-4FE2-8B42-449D5CBBA716}"/>
+              </a:ext>
+            </a:extLst>
+          </p:cNvPr>
+          <p:cNvSpPr>
+            <a:spLocks noGrp="1"/>
+          </p:cNvSpPr>
+          <p:nvPr>
+            <p:ph type="subTitle" idx="1"/>
+          </p:nvPr>
+        </p:nvSpPr>
+        <p:spPr>
+          <a:xfrm>
+            <a:off x="3149600" y="6049963"/>
+            <a:ext cx="8686800" cy="685800"/>
+          </a:xfrm>
+        </p:spPr>
+        <p:txBody>
+          <a:bodyPr>
+            <a:normAutofit/>
+          </a:bodyPr>
+          <a:lstStyle/>
+          <a:p>
+            <a:pPr>
+              <a:tabLst>
+                <a:tab pos="7315200" algn="l"/>
+              </a:tabLst>
+            </a:pPr>
+            <a:r>
+              <a:rPr lang="en-US" sz="2800" dirty="0"/>
+              <a:t>Andy Mallon	he/him</a:t>
             </a:r>
           </a:p>
         </p:txBody>
@@ -11163,13 +11232,13 @@
         </p:nvSpPr>
         <p:spPr>
           <a:xfrm>
-            <a:off x="816864" y="1803400"/>
-            <a:ext cx="10871200" cy="4460834"/>
+            <a:off x="816863" y="1803400"/>
+            <a:ext cx="11078151" cy="4460834"/>
           </a:xfrm>
         </p:spPr>
         <p:txBody>
           <a:bodyPr>
-            <a:normAutofit lnSpcReduction="10000"/>
+            <a:normAutofit fontScale="92500" lnSpcReduction="10000"/>
           </a:bodyPr>
           <a:lstStyle/>
           <a:p>
@@ -11182,7 +11251,7 @@
             <a:pPr lvl="1"/>
             <a:r>
               <a:rPr lang="en-US" dirty="0"/>
-              <a:t>Database Architect at Wayfair.com</a:t>
+              <a:t>Database Architect at Wayfair.com*</a:t>
             </a:r>
           </a:p>
           <a:p>
@@ -11210,15 +11279,77 @@
             </a:r>
           </a:p>
           <a:p>
+            <a:pPr marL="0" indent="0">
+              <a:buNone/>
+            </a:pPr>
+            <a:r>
+              <a:rPr lang="en-US" sz="1900" dirty="0"/>
+              <a:t>* The views &amp; opinions expressed in this presentation are mine alone and do </a:t>
+            </a:r>
+            <a:r>
+              <a:rPr lang="en-US" sz="1900"/>
+              <a:t>not reflect </a:t>
+            </a:r>
+            <a:r>
+              <a:rPr lang="en-US" sz="1900" dirty="0"/>
+              <a:t>the views of my employer.</a:t>
+            </a:r>
+          </a:p>
+          <a:p>
             <a:pPr lvl="1"/>
             <a:endParaRPr lang="en-US" dirty="0"/>
           </a:p>
         </p:txBody>
       </p:sp>
+      <p:pic>
+        <p:nvPicPr>
+          <p:cNvPr id="1026" name="Picture 2" descr="Related image">
+            <a:extLst>
+              <a:ext uri="{FF2B5EF4-FFF2-40B4-BE49-F238E27FC236}">
+                <a16:creationId xmlns:a16="http://schemas.microsoft.com/office/drawing/2014/main" id="{81AD33C5-0214-467D-8968-80C675072218}"/>
+              </a:ext>
+            </a:extLst>
+          </p:cNvPr>
+          <p:cNvPicPr>
+            <a:picLocks noChangeAspect="1" noChangeArrowheads="1"/>
+          </p:cNvPicPr>
+          <p:nvPr/>
+        </p:nvPicPr>
+        <p:blipFill rotWithShape="1">
+          <a:blip r:embed="rId3">
+            <a:extLst>
+              <a:ext uri="{28A0092B-C50C-407E-A947-70E740481C1C}">
+                <a14:useLocalDpi xmlns:a14="http://schemas.microsoft.com/office/drawing/2010/main" val="0"/>
+              </a:ext>
+            </a:extLst>
+          </a:blip>
+          <a:srcRect l="8126" t="23695" r="9261" b="25016"/>
+          <a:stretch/>
+        </p:blipFill>
+        <p:spPr bwMode="auto">
+          <a:xfrm>
+            <a:off x="8026400" y="1865923"/>
+            <a:ext cx="3985846" cy="1005281"/>
+          </a:xfrm>
+          <a:prstGeom prst="rect">
+            <a:avLst/>
+          </a:prstGeom>
+          <a:noFill/>
+          <a:extLst>
+            <a:ext uri="{909E8E84-426E-40DD-AFC4-6F175D3DCCD1}">
+              <a14:hiddenFill xmlns:a14="http://schemas.microsoft.com/office/drawing/2010/main">
+                <a:solidFill>
+                  <a:srgbClr val="FFFFFF"/>
+                </a:solidFill>
+              </a14:hiddenFill>
+            </a:ext>
+          </a:extLst>
+        </p:spPr>
+      </p:pic>
     </p:spTree>
     <p:extLst>
       <p:ext uri="{BB962C8B-B14F-4D97-AF65-F5344CB8AC3E}">
-        <p14:creationId xmlns:p14="http://schemas.microsoft.com/office/powerpoint/2010/main" val="2367324778"/>
+        <p14:creationId xmlns:p14="http://schemas.microsoft.com/office/powerpoint/2010/main" val="1633895870"/>
       </p:ext>
     </p:extLst>
   </p:cSld>
@@ -17155,119 +17286,25 @@
       </p:grpSpPr>
       <p:pic>
         <p:nvPicPr>
-          <p:cNvPr id="16" name="Picture 6" descr="https://igcdn-photos-f-a.akamaihd.net/hphotos-ak-xpa1/t51.2885-15/11189591_897526703601277_1624430821_n.jpg"/>
+          <p:cNvPr id="11" name="Picture 10"/>
           <p:cNvPicPr>
-            <a:picLocks noChangeAspect="1" noChangeArrowheads="1"/>
+            <a:picLocks noChangeAspect="1"/>
           </p:cNvPicPr>
           <p:nvPr/>
         </p:nvPicPr>
-        <p:blipFill rotWithShape="1">
-          <a:blip r:embed="rId3">
-            <a:extLst>
-              <a:ext uri="{28A0092B-C50C-407E-A947-70E740481C1C}">
-                <a14:useLocalDpi xmlns:a14="http://schemas.microsoft.com/office/drawing/2010/main" val="0"/>
-              </a:ext>
-            </a:extLst>
-          </a:blip>
-          <a:srcRect l="5147" t="5147" r="4329" b="4329"/>
+        <p:blipFill>
+          <a:blip r:embed="rId3"/>
+          <a:srcRect/>
           <a:stretch/>
         </p:blipFill>
-        <p:spPr bwMode="auto">
+        <p:spPr>
           <a:xfrm>
-            <a:off x="3814402" y="103291"/>
-            <a:ext cx="3277515" cy="3277515"/>
+            <a:off x="413777" y="172009"/>
+            <a:ext cx="4394812" cy="4394812"/>
           </a:xfrm>
           <a:prstGeom prst="rect">
             <a:avLst/>
           </a:prstGeom>
-          <a:noFill/>
-          <a:extLst>
-            <a:ext uri="{909E8E84-426E-40DD-AFC4-6F175D3DCCD1}">
-              <a14:hiddenFill xmlns:a14="http://schemas.microsoft.com/office/drawing/2010/main">
-                <a:solidFill>
-                  <a:srgbClr val="FFFFFF"/>
-                </a:solidFill>
-              </a14:hiddenFill>
-            </a:ext>
-          </a:extLst>
-        </p:spPr>
-      </p:pic>
-      <p:pic>
-        <p:nvPicPr>
-          <p:cNvPr id="18" name="Picture 14" descr="https://scontent-lga1-1.xx.fbcdn.net/hphotos-xap1/v/t1.0-9/s720x720/68136_10101720166808721_132590210251102469_n.jpg?oh=3e5a58671cb5fa2387b7adbd563b3dfc&amp;oe=564A0B1B"/>
-          <p:cNvPicPr>
-            <a:picLocks noChangeAspect="1" noChangeArrowheads="1"/>
-          </p:cNvPicPr>
-          <p:nvPr/>
-        </p:nvPicPr>
-        <p:blipFill rotWithShape="1">
-          <a:blip r:embed="rId4">
-            <a:extLst>
-              <a:ext uri="{28A0092B-C50C-407E-A947-70E740481C1C}">
-                <a14:useLocalDpi xmlns:a14="http://schemas.microsoft.com/office/drawing/2010/main" val="0"/>
-              </a:ext>
-            </a:extLst>
-          </a:blip>
-          <a:srcRect t="16054" b="17444"/>
-          <a:stretch/>
-        </p:blipFill>
-        <p:spPr bwMode="auto">
-          <a:xfrm>
-            <a:off x="413777" y="103291"/>
-            <a:ext cx="3281038" cy="3279769"/>
-          </a:xfrm>
-          <a:prstGeom prst="rect">
-            <a:avLst/>
-          </a:prstGeom>
-          <a:noFill/>
-          <a:extLst>
-            <a:ext uri="{909E8E84-426E-40DD-AFC4-6F175D3DCCD1}">
-              <a14:hiddenFill xmlns:a14="http://schemas.microsoft.com/office/drawing/2010/main">
-                <a:solidFill>
-                  <a:srgbClr val="FFFFFF"/>
-                </a:solidFill>
-              </a14:hiddenFill>
-            </a:ext>
-          </a:extLst>
-        </p:spPr>
-      </p:pic>
-      <p:pic>
-        <p:nvPicPr>
-          <p:cNvPr id="17" name="Picture 8" descr="https://igcdn-photos-d-a.akamaihd.net/hphotos-ak-xap1/t51.2885-15/11186841_793274697407251_668407686_n.jpg"/>
-          <p:cNvPicPr>
-            <a:picLocks noChangeAspect="1" noChangeArrowheads="1"/>
-          </p:cNvPicPr>
-          <p:nvPr/>
-        </p:nvPicPr>
-        <p:blipFill rotWithShape="1">
-          <a:blip r:embed="rId5">
-            <a:extLst>
-              <a:ext uri="{28A0092B-C50C-407E-A947-70E740481C1C}">
-                <a14:useLocalDpi xmlns:a14="http://schemas.microsoft.com/office/drawing/2010/main" val="0"/>
-              </a:ext>
-            </a:extLst>
-          </a:blip>
-          <a:srcRect l="4236" t="5599" r="5599" b="4236"/>
-          <a:stretch/>
-        </p:blipFill>
-        <p:spPr bwMode="auto">
-          <a:xfrm>
-            <a:off x="3816127" y="3472935"/>
-            <a:ext cx="3275790" cy="3275790"/>
-          </a:xfrm>
-          <a:prstGeom prst="rect">
-            <a:avLst/>
-          </a:prstGeom>
-          <a:noFill/>
-          <a:extLst>
-            <a:ext uri="{909E8E84-426E-40DD-AFC4-6F175D3DCCD1}">
-              <a14:hiddenFill xmlns:a14="http://schemas.microsoft.com/office/drawing/2010/main">
-                <a:solidFill>
-                  <a:srgbClr val="FFFFFF"/>
-                </a:solidFill>
-              </a14:hiddenFill>
-            </a:ext>
-          </a:extLst>
         </p:spPr>
       </p:pic>
       <p:pic>
@@ -17279,14 +17316,14 @@
           <p:nvPr/>
         </p:nvPicPr>
         <p:blipFill>
-          <a:blip r:embed="rId6"/>
+          <a:blip r:embed="rId4"/>
           <a:stretch>
             <a:fillRect/>
           </a:stretch>
         </p:blipFill>
         <p:spPr>
           <a:xfrm>
-            <a:off x="7358105" y="4821695"/>
+            <a:off x="400255" y="4890413"/>
             <a:ext cx="4421856" cy="1784051"/>
           </a:xfrm>
           <a:prstGeom prst="rect">
@@ -17294,69 +17331,177 @@
           </a:prstGeom>
         </p:spPr>
       </p:pic>
-      <p:pic>
-        <p:nvPicPr>
-          <p:cNvPr id="11" name="Picture 10"/>
-          <p:cNvPicPr>
-            <a:picLocks noChangeAspect="1"/>
-          </p:cNvPicPr>
-          <p:nvPr/>
-        </p:nvPicPr>
-        <p:blipFill>
-          <a:blip r:embed="rId7">
-            <a:extLst>
-              <a:ext uri="{28A0092B-C50C-407E-A947-70E740481C1C}">
-                <a14:useLocalDpi xmlns:a14="http://schemas.microsoft.com/office/drawing/2010/main" val="0"/>
-              </a:ext>
-            </a:extLst>
-          </a:blip>
-          <a:stretch>
-            <a:fillRect/>
-          </a:stretch>
-        </p:blipFill>
-        <p:spPr>
-          <a:xfrm>
-            <a:off x="7360359" y="103291"/>
-            <a:ext cx="4394812" cy="4394812"/>
-          </a:xfrm>
-          <a:prstGeom prst="rect">
-            <a:avLst/>
-          </a:prstGeom>
-        </p:spPr>
-      </p:pic>
-      <p:pic>
-        <p:nvPicPr>
-          <p:cNvPr id="9" name="Picture 8">
+      <p:grpSp>
+        <p:nvGrpSpPr>
+          <p:cNvPr id="2" name="Group 1">
             <a:extLst>
               <a:ext uri="{FF2B5EF4-FFF2-40B4-BE49-F238E27FC236}">
-                <a16:creationId xmlns:a16="http://schemas.microsoft.com/office/drawing/2014/main" id="{3DB53842-78CA-4F6E-A1F6-491D1C00734E}"/>
+                <a16:creationId xmlns:a16="http://schemas.microsoft.com/office/drawing/2014/main" id="{9F4DB41A-6EA6-4C14-AD51-A465DA07699D}"/>
               </a:ext>
             </a:extLst>
           </p:cNvPr>
-          <p:cNvPicPr>
-            <a:picLocks noChangeAspect="1"/>
-          </p:cNvPicPr>
+          <p:cNvGrpSpPr/>
           <p:nvPr/>
-        </p:nvPicPr>
-        <p:blipFill rotWithShape="1">
-          <a:blip r:embed="rId8"/>
-          <a:srcRect l="11277" r="7473"/>
-          <a:stretch/>
-        </p:blipFill>
-        <p:spPr>
+        </p:nvGrpSpPr>
+        <p:grpSpPr>
           <a:xfrm>
-            <a:off x="417799" y="3472935"/>
-            <a:ext cx="3275790" cy="3275790"/>
+            <a:off x="5100083" y="103291"/>
+            <a:ext cx="6678140" cy="6645434"/>
+            <a:chOff x="413777" y="103291"/>
+            <a:chExt cx="6678140" cy="6645434"/>
           </a:xfrm>
-          <a:prstGeom prst="rect">
-            <a:avLst/>
-          </a:prstGeom>
-        </p:spPr>
-      </p:pic>
+        </p:grpSpPr>
+        <p:pic>
+          <p:nvPicPr>
+            <p:cNvPr id="16" name="Picture 6" descr="https://igcdn-photos-f-a.akamaihd.net/hphotos-ak-xpa1/t51.2885-15/11189591_897526703601277_1624430821_n.jpg"/>
+            <p:cNvPicPr>
+              <a:picLocks noChangeAspect="1" noChangeArrowheads="1"/>
+            </p:cNvPicPr>
+            <p:nvPr/>
+          </p:nvPicPr>
+          <p:blipFill rotWithShape="1">
+            <a:blip r:embed="rId5">
+              <a:extLst>
+                <a:ext uri="{28A0092B-C50C-407E-A947-70E740481C1C}">
+                  <a14:useLocalDpi xmlns:a14="http://schemas.microsoft.com/office/drawing/2010/main" val="0"/>
+                </a:ext>
+              </a:extLst>
+            </a:blip>
+            <a:srcRect l="5147" t="5147" r="4329" b="4329"/>
+            <a:stretch/>
+          </p:blipFill>
+          <p:spPr bwMode="auto">
+            <a:xfrm>
+              <a:off x="3814402" y="103291"/>
+              <a:ext cx="3277515" cy="3277515"/>
+            </a:xfrm>
+            <a:prstGeom prst="rect">
+              <a:avLst/>
+            </a:prstGeom>
+            <a:noFill/>
+            <a:extLst>
+              <a:ext uri="{909E8E84-426E-40DD-AFC4-6F175D3DCCD1}">
+                <a14:hiddenFill xmlns:a14="http://schemas.microsoft.com/office/drawing/2010/main">
+                  <a:solidFill>
+                    <a:srgbClr val="FFFFFF"/>
+                  </a:solidFill>
+                </a14:hiddenFill>
+              </a:ext>
+            </a:extLst>
+          </p:spPr>
+        </p:pic>
+        <p:pic>
+          <p:nvPicPr>
+            <p:cNvPr id="18" name="Picture 14" descr="https://scontent-lga1-1.xx.fbcdn.net/hphotos-xap1/v/t1.0-9/s720x720/68136_10101720166808721_132590210251102469_n.jpg?oh=3e5a58671cb5fa2387b7adbd563b3dfc&amp;oe=564A0B1B"/>
+            <p:cNvPicPr>
+              <a:picLocks noChangeAspect="1" noChangeArrowheads="1"/>
+            </p:cNvPicPr>
+            <p:nvPr/>
+          </p:nvPicPr>
+          <p:blipFill rotWithShape="1">
+            <a:blip r:embed="rId6">
+              <a:extLst>
+                <a:ext uri="{28A0092B-C50C-407E-A947-70E740481C1C}">
+                  <a14:useLocalDpi xmlns:a14="http://schemas.microsoft.com/office/drawing/2010/main" val="0"/>
+                </a:ext>
+              </a:extLst>
+            </a:blip>
+            <a:srcRect t="16054" b="17444"/>
+            <a:stretch/>
+          </p:blipFill>
+          <p:spPr bwMode="auto">
+            <a:xfrm>
+              <a:off x="413777" y="103291"/>
+              <a:ext cx="3281038" cy="3279769"/>
+            </a:xfrm>
+            <a:prstGeom prst="rect">
+              <a:avLst/>
+            </a:prstGeom>
+            <a:noFill/>
+            <a:extLst>
+              <a:ext uri="{909E8E84-426E-40DD-AFC4-6F175D3DCCD1}">
+                <a14:hiddenFill xmlns:a14="http://schemas.microsoft.com/office/drawing/2010/main">
+                  <a:solidFill>
+                    <a:srgbClr val="FFFFFF"/>
+                  </a:solidFill>
+                </a14:hiddenFill>
+              </a:ext>
+            </a:extLst>
+          </p:spPr>
+        </p:pic>
+        <p:pic>
+          <p:nvPicPr>
+            <p:cNvPr id="17" name="Picture 8" descr="https://igcdn-photos-d-a.akamaihd.net/hphotos-ak-xap1/t51.2885-15/11186841_793274697407251_668407686_n.jpg"/>
+            <p:cNvPicPr>
+              <a:picLocks noChangeAspect="1" noChangeArrowheads="1"/>
+            </p:cNvPicPr>
+            <p:nvPr/>
+          </p:nvPicPr>
+          <p:blipFill rotWithShape="1">
+            <a:blip r:embed="rId7">
+              <a:extLst>
+                <a:ext uri="{28A0092B-C50C-407E-A947-70E740481C1C}">
+                  <a14:useLocalDpi xmlns:a14="http://schemas.microsoft.com/office/drawing/2010/main" val="0"/>
+                </a:ext>
+              </a:extLst>
+            </a:blip>
+            <a:srcRect l="4236" t="5599" r="5599" b="4236"/>
+            <a:stretch/>
+          </p:blipFill>
+          <p:spPr bwMode="auto">
+            <a:xfrm>
+              <a:off x="3816127" y="3472935"/>
+              <a:ext cx="3275790" cy="3275790"/>
+            </a:xfrm>
+            <a:prstGeom prst="rect">
+              <a:avLst/>
+            </a:prstGeom>
+            <a:noFill/>
+            <a:extLst>
+              <a:ext uri="{909E8E84-426E-40DD-AFC4-6F175D3DCCD1}">
+                <a14:hiddenFill xmlns:a14="http://schemas.microsoft.com/office/drawing/2010/main">
+                  <a:solidFill>
+                    <a:srgbClr val="FFFFFF"/>
+                  </a:solidFill>
+                </a14:hiddenFill>
+              </a:ext>
+            </a:extLst>
+          </p:spPr>
+        </p:pic>
+        <p:pic>
+          <p:nvPicPr>
+            <p:cNvPr id="9" name="Picture 8">
+              <a:extLst>
+                <a:ext uri="{FF2B5EF4-FFF2-40B4-BE49-F238E27FC236}">
+                  <a16:creationId xmlns:a16="http://schemas.microsoft.com/office/drawing/2014/main" id="{3DB53842-78CA-4F6E-A1F6-491D1C00734E}"/>
+                </a:ext>
+              </a:extLst>
+            </p:cNvPr>
+            <p:cNvPicPr>
+              <a:picLocks noChangeAspect="1"/>
+            </p:cNvPicPr>
+            <p:nvPr/>
+          </p:nvPicPr>
+          <p:blipFill rotWithShape="1">
+            <a:blip r:embed="rId8"/>
+            <a:srcRect l="11277" r="7473"/>
+            <a:stretch/>
+          </p:blipFill>
+          <p:spPr>
+            <a:xfrm>
+              <a:off x="417799" y="3472935"/>
+              <a:ext cx="3275790" cy="3275790"/>
+            </a:xfrm>
+            <a:prstGeom prst="rect">
+              <a:avLst/>
+            </a:prstGeom>
+          </p:spPr>
+        </p:pic>
+      </p:grpSp>
     </p:spTree>
     <p:extLst>
       <p:ext uri="{BB962C8B-B14F-4D97-AF65-F5344CB8AC3E}">
-        <p14:creationId xmlns:p14="http://schemas.microsoft.com/office/powerpoint/2010/main" val="1602673492"/>
+        <p14:creationId xmlns:p14="http://schemas.microsoft.com/office/powerpoint/2010/main" val="2678543267"/>
       </p:ext>
     </p:extLst>
   </p:cSld>

--- a/Demystifying-Data-Compression/Data_Compression.pptx
+++ b/Demystifying-Data-Compression/Data_Compression.pptx
@@ -10,56 +10,56 @@
   <p:sldIdLst>
     <p:sldId id="348" r:id="rId2"/>
     <p:sldId id="440" r:id="rId3"/>
-    <p:sldId id="441" r:id="rId4"/>
-    <p:sldId id="345" r:id="rId5"/>
-    <p:sldId id="344" r:id="rId6"/>
-    <p:sldId id="343" r:id="rId7"/>
-    <p:sldId id="335" r:id="rId8"/>
-    <p:sldId id="336" r:id="rId9"/>
-    <p:sldId id="339" r:id="rId10"/>
-    <p:sldId id="337" r:id="rId11"/>
-    <p:sldId id="256" r:id="rId12"/>
-    <p:sldId id="261" r:id="rId13"/>
-    <p:sldId id="267" r:id="rId14"/>
-    <p:sldId id="307" r:id="rId15"/>
-    <p:sldId id="326" r:id="rId16"/>
-    <p:sldId id="287" r:id="rId17"/>
-    <p:sldId id="289" r:id="rId18"/>
-    <p:sldId id="290" r:id="rId19"/>
-    <p:sldId id="327" r:id="rId20"/>
-    <p:sldId id="266" r:id="rId21"/>
-    <p:sldId id="328" r:id="rId22"/>
-    <p:sldId id="283" r:id="rId23"/>
-    <p:sldId id="297" r:id="rId24"/>
-    <p:sldId id="338" r:id="rId25"/>
-    <p:sldId id="329" r:id="rId26"/>
-    <p:sldId id="269" r:id="rId27"/>
-    <p:sldId id="268" r:id="rId28"/>
-    <p:sldId id="270" r:id="rId29"/>
-    <p:sldId id="279" r:id="rId30"/>
-    <p:sldId id="330" r:id="rId31"/>
-    <p:sldId id="284" r:id="rId32"/>
-    <p:sldId id="271" r:id="rId33"/>
-    <p:sldId id="285" r:id="rId34"/>
-    <p:sldId id="272" r:id="rId35"/>
-    <p:sldId id="273" r:id="rId36"/>
-    <p:sldId id="286" r:id="rId37"/>
-    <p:sldId id="313" r:id="rId38"/>
-    <p:sldId id="309" r:id="rId39"/>
-    <p:sldId id="311" r:id="rId40"/>
-    <p:sldId id="310" r:id="rId41"/>
-    <p:sldId id="312" r:id="rId42"/>
-    <p:sldId id="319" r:id="rId43"/>
-    <p:sldId id="314" r:id="rId44"/>
-    <p:sldId id="316" r:id="rId45"/>
-    <p:sldId id="317" r:id="rId46"/>
-    <p:sldId id="318" r:id="rId47"/>
-    <p:sldId id="398" r:id="rId48"/>
-    <p:sldId id="331" r:id="rId49"/>
-    <p:sldId id="274" r:id="rId50"/>
-    <p:sldId id="298" r:id="rId51"/>
-    <p:sldId id="277" r:id="rId52"/>
-    <p:sldId id="334" r:id="rId53"/>
+    <p:sldId id="442" r:id="rId4"/>
+    <p:sldId id="441" r:id="rId5"/>
+    <p:sldId id="345" r:id="rId6"/>
+    <p:sldId id="344" r:id="rId7"/>
+    <p:sldId id="343" r:id="rId8"/>
+    <p:sldId id="335" r:id="rId9"/>
+    <p:sldId id="336" r:id="rId10"/>
+    <p:sldId id="339" r:id="rId11"/>
+    <p:sldId id="337" r:id="rId12"/>
+    <p:sldId id="256" r:id="rId13"/>
+    <p:sldId id="261" r:id="rId14"/>
+    <p:sldId id="267" r:id="rId15"/>
+    <p:sldId id="307" r:id="rId16"/>
+    <p:sldId id="326" r:id="rId17"/>
+    <p:sldId id="287" r:id="rId18"/>
+    <p:sldId id="289" r:id="rId19"/>
+    <p:sldId id="290" r:id="rId20"/>
+    <p:sldId id="327" r:id="rId21"/>
+    <p:sldId id="266" r:id="rId22"/>
+    <p:sldId id="328" r:id="rId23"/>
+    <p:sldId id="283" r:id="rId24"/>
+    <p:sldId id="297" r:id="rId25"/>
+    <p:sldId id="338" r:id="rId26"/>
+    <p:sldId id="329" r:id="rId27"/>
+    <p:sldId id="269" r:id="rId28"/>
+    <p:sldId id="268" r:id="rId29"/>
+    <p:sldId id="270" r:id="rId30"/>
+    <p:sldId id="279" r:id="rId31"/>
+    <p:sldId id="330" r:id="rId32"/>
+    <p:sldId id="284" r:id="rId33"/>
+    <p:sldId id="271" r:id="rId34"/>
+    <p:sldId id="285" r:id="rId35"/>
+    <p:sldId id="272" r:id="rId36"/>
+    <p:sldId id="273" r:id="rId37"/>
+    <p:sldId id="286" r:id="rId38"/>
+    <p:sldId id="313" r:id="rId39"/>
+    <p:sldId id="309" r:id="rId40"/>
+    <p:sldId id="311" r:id="rId41"/>
+    <p:sldId id="310" r:id="rId42"/>
+    <p:sldId id="312" r:id="rId43"/>
+    <p:sldId id="319" r:id="rId44"/>
+    <p:sldId id="314" r:id="rId45"/>
+    <p:sldId id="316" r:id="rId46"/>
+    <p:sldId id="317" r:id="rId47"/>
+    <p:sldId id="318" r:id="rId48"/>
+    <p:sldId id="398" r:id="rId49"/>
+    <p:sldId id="331" r:id="rId50"/>
+    <p:sldId id="274" r:id="rId51"/>
+    <p:sldId id="298" r:id="rId52"/>
+    <p:sldId id="277" r:id="rId53"/>
     <p:sldId id="321" r:id="rId54"/>
     <p:sldId id="299" r:id="rId55"/>
     <p:sldId id="332" r:id="rId56"/>
@@ -172,7 +172,7 @@
 <file path=ppt/revisionInfo.xml><?xml version="1.0" encoding="utf-8"?>
 <p1510:revInfo xmlns:a="http://schemas.openxmlformats.org/drawingml/2006/main" xmlns:r="http://schemas.openxmlformats.org/officeDocument/2006/relationships" xmlns:p1510="http://schemas.microsoft.com/office/powerpoint/2015/10/main">
   <p1510:revLst>
-    <p1510:client id="{BA7195E6-C228-48F5-9CD6-CAD008C1BD8D}" v="7" dt="2020-04-16T01:17:54.670"/>
+    <p1510:client id="{C534D9B4-7601-4955-89AF-EA14CC6B0249}" v="14" dt="2021-06-15T13:12:47.738"/>
   </p1510:revLst>
 </p1510:revInfo>
 </file>
@@ -180,7 +180,28 @@
 <file path=ppt/changesInfos/changesInfo1.xml><?xml version="1.0" encoding="utf-8"?>
 <pc:chgInfo xmlns:a="http://schemas.openxmlformats.org/drawingml/2006/main" xmlns:r="http://schemas.openxmlformats.org/officeDocument/2006/relationships" xmlns:ac="http://schemas.microsoft.com/office/drawing/2013/main/command" xmlns:pc="http://schemas.microsoft.com/office/powerpoint/2013/main/command">
   <pc:docChgLst>
-    <pc:chgData name="Andy Mallon" userId="0dfd7ab5-17aa-4ac6-b039-e05176edc781" providerId="ADAL" clId="{FEE235FE-B614-4F1C-8C8E-DF9060EA5C02}"/>
+    <pc:chgData name="Andy Mallon" userId="8ed075f77b608d91" providerId="LiveId" clId="{BEE381D9-720E-4548-A629-0FCE46950CC7}"/>
+    <pc:docChg chg="modSld">
+      <pc:chgData name="Andy Mallon" userId="8ed075f77b608d91" providerId="LiveId" clId="{BEE381D9-720E-4548-A629-0FCE46950CC7}" dt="2020-05-25T02:01:05.191" v="0" actId="14826"/>
+      <pc:docMkLst>
+        <pc:docMk/>
+      </pc:docMkLst>
+      <pc:sldChg chg="modSp">
+        <pc:chgData name="Andy Mallon" userId="8ed075f77b608d91" providerId="LiveId" clId="{BEE381D9-720E-4548-A629-0FCE46950CC7}" dt="2020-05-25T02:01:05.191" v="0" actId="14826"/>
+        <pc:sldMkLst>
+          <pc:docMk/>
+          <pc:sldMk cId="125486011" sldId="345"/>
+        </pc:sldMkLst>
+        <pc:picChg chg="mod">
+          <ac:chgData name="Andy Mallon" userId="8ed075f77b608d91" providerId="LiveId" clId="{BEE381D9-720E-4548-A629-0FCE46950CC7}" dt="2020-05-25T02:01:05.191" v="0" actId="14826"/>
+          <ac:picMkLst>
+            <pc:docMk/>
+            <pc:sldMk cId="125486011" sldId="345"/>
+            <ac:picMk id="30" creationId="{DB945D83-2FDC-40D7-BEE5-AB5AEDF7B7BE}"/>
+          </ac:picMkLst>
+        </pc:picChg>
+      </pc:sldChg>
+    </pc:docChg>
   </pc:docChgLst>
   <pc:docChgLst>
     <pc:chgData name="Andy Mallon" userId="8ed075f77b608d91" providerId="LiveId" clId="{042B3CCA-2A2B-4ECB-B2D6-88FAFD251498}"/>
@@ -284,7 +305,127 @@
     </pc:docChg>
   </pc:docChgLst>
   <pc:docChgLst>
-    <pc:chgData name="Andy Mallon" userId="0dfd7ab5-17aa-4ac6-b039-e05176edc781" providerId="ADAL" clId="{6E352BDA-D723-4A8D-8367-44E56F068558}"/>
+    <pc:chgData name="Andy Mallon" userId="8ed075f77b608d91" providerId="LiveId" clId="{C534D9B4-7601-4955-89AF-EA14CC6B0249}"/>
+    <pc:docChg chg="custSel addSld delSld modSld">
+      <pc:chgData name="Andy Mallon" userId="8ed075f77b608d91" providerId="LiveId" clId="{C534D9B4-7601-4955-89AF-EA14CC6B0249}" dt="2021-06-15T13:24:54.411" v="140" actId="6549"/>
+      <pc:docMkLst>
+        <pc:docMk/>
+      </pc:docMkLst>
+      <pc:sldChg chg="modSp mod">
+        <pc:chgData name="Andy Mallon" userId="8ed075f77b608d91" providerId="LiveId" clId="{C534D9B4-7601-4955-89AF-EA14CC6B0249}" dt="2021-06-15T13:24:54.411" v="140" actId="6549"/>
+        <pc:sldMkLst>
+          <pc:docMk/>
+          <pc:sldMk cId="1550946704" sldId="321"/>
+        </pc:sldMkLst>
+        <pc:spChg chg="mod">
+          <ac:chgData name="Andy Mallon" userId="8ed075f77b608d91" providerId="LiveId" clId="{C534D9B4-7601-4955-89AF-EA14CC6B0249}" dt="2021-06-15T13:24:54.411" v="140" actId="6549"/>
+          <ac:spMkLst>
+            <pc:docMk/>
+            <pc:sldMk cId="1550946704" sldId="321"/>
+            <ac:spMk id="2" creationId="{00000000-0000-0000-0000-000000000000}"/>
+          </ac:spMkLst>
+        </pc:spChg>
+      </pc:sldChg>
+      <pc:sldChg chg="del">
+        <pc:chgData name="Andy Mallon" userId="8ed075f77b608d91" providerId="LiveId" clId="{C534D9B4-7601-4955-89AF-EA14CC6B0249}" dt="2021-06-15T13:24:45.359" v="139" actId="47"/>
+        <pc:sldMkLst>
+          <pc:docMk/>
+          <pc:sldMk cId="2497316143" sldId="334"/>
+        </pc:sldMkLst>
+      </pc:sldChg>
+      <pc:sldChg chg="modTransition">
+        <pc:chgData name="Andy Mallon" userId="8ed075f77b608d91" providerId="LiveId" clId="{C534D9B4-7601-4955-89AF-EA14CC6B0249}" dt="2021-06-15T13:09:58.239" v="109"/>
+        <pc:sldMkLst>
+          <pc:docMk/>
+          <pc:sldMk cId="744002627" sldId="343"/>
+        </pc:sldMkLst>
+      </pc:sldChg>
+      <pc:sldChg chg="modTransition">
+        <pc:chgData name="Andy Mallon" userId="8ed075f77b608d91" providerId="LiveId" clId="{C534D9B4-7601-4955-89AF-EA14CC6B0249}" dt="2021-06-15T13:09:54.619" v="108"/>
+        <pc:sldMkLst>
+          <pc:docMk/>
+          <pc:sldMk cId="40638036" sldId="344"/>
+        </pc:sldMkLst>
+      </pc:sldChg>
+      <pc:sldChg chg="addSp delSp modSp mod">
+        <pc:chgData name="Andy Mallon" userId="8ed075f77b608d91" providerId="LiveId" clId="{C534D9B4-7601-4955-89AF-EA14CC6B0249}" dt="2021-06-15T13:13:06.987" v="138" actId="1076"/>
+        <pc:sldMkLst>
+          <pc:docMk/>
+          <pc:sldMk cId="1633895870" sldId="440"/>
+        </pc:sldMkLst>
+        <pc:spChg chg="mod">
+          <ac:chgData name="Andy Mallon" userId="8ed075f77b608d91" providerId="LiveId" clId="{C534D9B4-7601-4955-89AF-EA14CC6B0249}" dt="2021-06-15T13:11:00.063" v="123" actId="20577"/>
+          <ac:spMkLst>
+            <pc:docMk/>
+            <pc:sldMk cId="1633895870" sldId="440"/>
+            <ac:spMk id="3" creationId="{00000000-0000-0000-0000-000000000000}"/>
+          </ac:spMkLst>
+        </pc:spChg>
+        <pc:spChg chg="add del">
+          <ac:chgData name="Andy Mallon" userId="8ed075f77b608d91" providerId="LiveId" clId="{C534D9B4-7601-4955-89AF-EA14CC6B0249}" dt="2021-06-15T13:11:43.752" v="125"/>
+          <ac:spMkLst>
+            <pc:docMk/>
+            <pc:sldMk cId="1633895870" sldId="440"/>
+            <ac:spMk id="4" creationId="{4EA97BB4-CDB5-4398-91D8-D8218B8D23FE}"/>
+          </ac:spMkLst>
+        </pc:spChg>
+        <pc:spChg chg="add del">
+          <ac:chgData name="Andy Mallon" userId="8ed075f77b608d91" providerId="LiveId" clId="{C534D9B4-7601-4955-89AF-EA14CC6B0249}" dt="2021-06-15T13:11:48.488" v="127"/>
+          <ac:spMkLst>
+            <pc:docMk/>
+            <pc:sldMk cId="1633895870" sldId="440"/>
+            <ac:spMk id="5" creationId="{CDDA4E33-1297-4819-8325-FD31A493DC9D}"/>
+          </ac:spMkLst>
+        </pc:spChg>
+        <pc:spChg chg="add del">
+          <ac:chgData name="Andy Mallon" userId="8ed075f77b608d91" providerId="LiveId" clId="{C534D9B4-7601-4955-89AF-EA14CC6B0249}" dt="2021-06-15T13:12:15.971" v="129"/>
+          <ac:spMkLst>
+            <pc:docMk/>
+            <pc:sldMk cId="1633895870" sldId="440"/>
+            <ac:spMk id="6" creationId="{448E7624-AB12-40C7-9C86-512ED938B58A}"/>
+          </ac:spMkLst>
+        </pc:spChg>
+        <pc:spChg chg="add del mod">
+          <ac:chgData name="Andy Mallon" userId="8ed075f77b608d91" providerId="LiveId" clId="{C534D9B4-7601-4955-89AF-EA14CC6B0249}" dt="2021-06-15T13:12:21.747" v="132" actId="21"/>
+          <ac:spMkLst>
+            <pc:docMk/>
+            <pc:sldMk cId="1633895870" sldId="440"/>
+            <ac:spMk id="7" creationId="{CF2C7B25-B21A-4A25-89E5-99EE7EF42962}"/>
+          </ac:spMkLst>
+        </pc:spChg>
+        <pc:picChg chg="add mod">
+          <ac:chgData name="Andy Mallon" userId="8ed075f77b608d91" providerId="LiveId" clId="{C534D9B4-7601-4955-89AF-EA14CC6B0249}" dt="2021-06-15T13:13:06.987" v="138" actId="1076"/>
+          <ac:picMkLst>
+            <pc:docMk/>
+            <pc:sldMk cId="1633895870" sldId="440"/>
+            <ac:picMk id="9" creationId="{03BB64EC-C605-4995-B0AD-5F1528846C35}"/>
+          </ac:picMkLst>
+        </pc:picChg>
+        <pc:picChg chg="del">
+          <ac:chgData name="Andy Mallon" userId="8ed075f77b608d91" providerId="LiveId" clId="{C534D9B4-7601-4955-89AF-EA14CC6B0249}" dt="2021-06-15T13:08:50.827" v="0" actId="478"/>
+          <ac:picMkLst>
+            <pc:docMk/>
+            <pc:sldMk cId="1633895870" sldId="440"/>
+            <ac:picMk id="1026" creationId="{81AD33C5-0214-467D-8968-80C675072218}"/>
+          </ac:picMkLst>
+        </pc:picChg>
+      </pc:sldChg>
+      <pc:sldChg chg="modSp add mod">
+        <pc:chgData name="Andy Mallon" userId="8ed075f77b608d91" providerId="LiveId" clId="{C534D9B4-7601-4955-89AF-EA14CC6B0249}" dt="2021-06-15T13:10:44.925" v="117" actId="20577"/>
+        <pc:sldMkLst>
+          <pc:docMk/>
+          <pc:sldMk cId="2725859951" sldId="442"/>
+        </pc:sldMkLst>
+        <pc:spChg chg="mod">
+          <ac:chgData name="Andy Mallon" userId="8ed075f77b608d91" providerId="LiveId" clId="{C534D9B4-7601-4955-89AF-EA14CC6B0249}" dt="2021-06-15T13:10:44.925" v="117" actId="20577"/>
+          <ac:spMkLst>
+            <pc:docMk/>
+            <pc:sldMk cId="2725859951" sldId="442"/>
+            <ac:spMk id="3" creationId="{00000000-0000-0000-0000-000000000000}"/>
+          </ac:spMkLst>
+        </pc:spChg>
+      </pc:sldChg>
+    </pc:docChg>
   </pc:docChgLst>
 </pc:chgInfo>
 </file>
@@ -371,7 +512,7 @@
           <a:p>
             <a:fld id="{29813C8A-11F9-4768-B07B-C8C4017109A6}" type="datetimeFigureOut">
               <a:rPr lang="en-US" smtClean="0"/>
-              <a:t>2020-04-15</a:t>
+              <a:t>2021-06-15</a:t>
             </a:fld>
             <a:endParaRPr lang="en-US"/>
           </a:p>
@@ -828,29 +969,18 @@
           <a:p>
             <a:r>
               <a:rPr lang="en-US" dirty="0"/>
-              <a:t>Query engine reads from memory.</a:t>
-            </a:r>
-          </a:p>
-          <a:p>
-            <a:r>
-              <a:rPr lang="en-US" dirty="0"/>
-              <a:t>If the</a:t>
+              <a:t>It’s unordered. It’s harder</a:t>
             </a:r>
             <a:r>
               <a:rPr lang="en-US" baseline="0" dirty="0"/>
-              <a:t> page isn’t in memory, it’s read from disk into memory…. Then the query engine reads from memory.</a:t>
-            </a:r>
-          </a:p>
-          <a:p>
-            <a:r>
+              <a:t> to find the row you want.</a:t>
+            </a:r>
+            <a:br>
               <a:rPr lang="en-US" baseline="0" dirty="0"/>
-              <a:t>Regardless, the page is compressed (or not compressed) the same in memory and on disk</a:t>
-            </a:r>
-          </a:p>
-          <a:p>
+            </a:br>
             <a:r>
               <a:rPr lang="en-US" baseline="0" dirty="0"/>
-              <a:t>Starting in 2016 SP1, compression is available in all editions.  Note, you can start compression indexes in Standard or Enterprise Edition, but note that its still not an ONLINE operation unless you’re on Enterprise</a:t>
+              <a:t>But for our purposes today, it’s similar to the leaf level of a B-Tree</a:t>
             </a:r>
             <a:endParaRPr lang="en-US" dirty="0"/>
           </a:p>
@@ -873,7 +1003,7 @@
           <a:p>
             <a:fld id="{C896673D-A7D2-47E4-9E64-948C4CAFD549}" type="slidenum">
               <a:rPr lang="en-US" smtClean="0"/>
-              <a:t>20</a:t>
+              <a:t>19</a:t>
             </a:fld>
             <a:endParaRPr lang="en-US"/>
           </a:p>
@@ -882,7 +1012,7 @@
     </p:spTree>
     <p:extLst>
       <p:ext uri="{BB962C8B-B14F-4D97-AF65-F5344CB8AC3E}">
-        <p14:creationId xmlns:p14="http://schemas.microsoft.com/office/powerpoint/2010/main" val="3402943972"/>
+        <p14:creationId xmlns:p14="http://schemas.microsoft.com/office/powerpoint/2010/main" val="1766908828"/>
       </p:ext>
     </p:extLst>
   </p:cSld>
@@ -938,11 +1068,29 @@
           <a:p>
             <a:r>
               <a:rPr lang="en-US" dirty="0"/>
-              <a:t>Notice</a:t>
+              <a:t>Query engine reads from memory.</a:t>
+            </a:r>
+          </a:p>
+          <a:p>
+            <a:r>
+              <a:rPr lang="en-US" dirty="0"/>
+              <a:t>If the</a:t>
             </a:r>
             <a:r>
               <a:rPr lang="en-US" baseline="0" dirty="0"/>
-              <a:t> I say USUALLY takes less space. It’s that whole “It Depends” thing. More on that later</a:t>
+              <a:t> page isn’t in memory, it’s read from disk into memory…. Then the query engine reads from memory.</a:t>
+            </a:r>
+          </a:p>
+          <a:p>
+            <a:r>
+              <a:rPr lang="en-US" baseline="0" dirty="0"/>
+              <a:t>Regardless, the page is compressed (or not compressed) the same in memory and on disk</a:t>
+            </a:r>
+          </a:p>
+          <a:p>
+            <a:r>
+              <a:rPr lang="en-US" baseline="0" dirty="0"/>
+              <a:t>Starting in 2016 SP1, compression is available in all editions.  Note, you can start compression indexes in Standard or Enterprise Edition, but note that its still not an ONLINE operation unless you’re on Enterprise</a:t>
             </a:r>
             <a:endParaRPr lang="en-US" dirty="0"/>
           </a:p>
@@ -965,7 +1113,7 @@
           <a:p>
             <a:fld id="{C896673D-A7D2-47E4-9E64-948C4CAFD549}" type="slidenum">
               <a:rPr lang="en-US" smtClean="0"/>
-              <a:t>22</a:t>
+              <a:t>21</a:t>
             </a:fld>
             <a:endParaRPr lang="en-US"/>
           </a:p>
@@ -974,7 +1122,7 @@
     </p:spTree>
     <p:extLst>
       <p:ext uri="{BB962C8B-B14F-4D97-AF65-F5344CB8AC3E}">
-        <p14:creationId xmlns:p14="http://schemas.microsoft.com/office/powerpoint/2010/main" val="4018296810"/>
+        <p14:creationId xmlns:p14="http://schemas.microsoft.com/office/powerpoint/2010/main" val="3402943972"/>
       </p:ext>
     </p:extLst>
   </p:cSld>
@@ -1030,28 +1178,11 @@
           <a:p>
             <a:r>
               <a:rPr lang="en-US" dirty="0"/>
-              <a:t>Because</a:t>
+              <a:t>Notice</a:t>
             </a:r>
             <a:r>
               <a:rPr lang="en-US" baseline="0" dirty="0"/>
-              <a:t> it’s the SAME PAGE on memory &amp; on disk, these two bullets are really saying the same thing</a:t>
-            </a:r>
-            <a:br>
-              <a:rPr lang="en-US" baseline="0" dirty="0"/>
-            </a:br>
-            <a:br>
-              <a:rPr lang="en-US" baseline="0" dirty="0"/>
-            </a:br>
-            <a:r>
-              <a:rPr lang="en-US" baseline="0" dirty="0"/>
-              <a:t>No longer Enterprise only if (only if) you are on 2016 SP1+</a:t>
-            </a:r>
-            <a:br>
-              <a:rPr lang="en-US" baseline="0" dirty="0"/>
-            </a:br>
-            <a:r>
-              <a:rPr lang="en-US" baseline="0" dirty="0"/>
-              <a:t>The list of cons is pretty short. </a:t>
+              <a:t> I say USUALLY takes less space. It’s that whole “It Depends” thing. More on that later</a:t>
             </a:r>
             <a:endParaRPr lang="en-US" dirty="0"/>
           </a:p>
@@ -1074,7 +1205,7 @@
           <a:p>
             <a:fld id="{C896673D-A7D2-47E4-9E64-948C4CAFD549}" type="slidenum">
               <a:rPr lang="en-US" smtClean="0"/>
-              <a:t>26</a:t>
+              <a:t>23</a:t>
             </a:fld>
             <a:endParaRPr lang="en-US"/>
           </a:p>
@@ -1083,7 +1214,7 @@
     </p:spTree>
     <p:extLst>
       <p:ext uri="{BB962C8B-B14F-4D97-AF65-F5344CB8AC3E}">
-        <p14:creationId xmlns:p14="http://schemas.microsoft.com/office/powerpoint/2010/main" val="1276188074"/>
+        <p14:creationId xmlns:p14="http://schemas.microsoft.com/office/powerpoint/2010/main" val="4018296810"/>
       </p:ext>
     </p:extLst>
   </p:cSld>
@@ -1138,16 +1269,29 @@
           <a:lstStyle/>
           <a:p>
             <a:r>
+              <a:rPr lang="en-US" dirty="0"/>
+              <a:t>Because</a:t>
+            </a:r>
+            <a:r>
               <a:rPr lang="en-US" baseline="0" dirty="0"/>
-              <a:t>I stress </a:t>
-            </a:r>
-            <a:r>
-              <a:rPr lang="en-US" b="1" baseline="0" dirty="0"/>
-              <a:t>USABLE</a:t>
-            </a:r>
-            <a:r>
-              <a:rPr lang="en-US" b="0" baseline="0" dirty="0"/>
-              <a:t> TB. Enterprise SAN uses hot spares, RAID 10</a:t>
+              <a:t> it’s the SAME PAGE on memory &amp; on disk, these two bullets are really saying the same thing</a:t>
+            </a:r>
+            <a:br>
+              <a:rPr lang="en-US" baseline="0" dirty="0"/>
+            </a:br>
+            <a:br>
+              <a:rPr lang="en-US" baseline="0" dirty="0"/>
+            </a:br>
+            <a:r>
+              <a:rPr lang="en-US" baseline="0" dirty="0"/>
+              <a:t>No longer Enterprise only if (only if) you are on 2016 SP1+</a:t>
+            </a:r>
+            <a:br>
+              <a:rPr lang="en-US" baseline="0" dirty="0"/>
+            </a:br>
+            <a:r>
+              <a:rPr lang="en-US" baseline="0" dirty="0"/>
+              <a:t>The list of cons is pretty short. </a:t>
             </a:r>
             <a:endParaRPr lang="en-US" dirty="0"/>
           </a:p>
@@ -1179,7 +1323,7 @@
     </p:spTree>
     <p:extLst>
       <p:ext uri="{BB962C8B-B14F-4D97-AF65-F5344CB8AC3E}">
-        <p14:creationId xmlns:p14="http://schemas.microsoft.com/office/powerpoint/2010/main" val="3148704580"/>
+        <p14:creationId xmlns:p14="http://schemas.microsoft.com/office/powerpoint/2010/main" val="1276188074"/>
       </p:ext>
     </p:extLst>
   </p:cSld>
@@ -1234,19 +1378,16 @@
           <a:lstStyle/>
           <a:p>
             <a:r>
-              <a:rPr lang="en-US" dirty="0"/>
-              <a:t>If you can make</a:t>
-            </a:r>
-            <a:r>
               <a:rPr lang="en-US" baseline="0" dirty="0"/>
-              <a:t> your database require less disk space, you can save LOTS of money. </a:t>
-            </a:r>
-            <a:br>
-              <a:rPr lang="en-US" baseline="0" dirty="0"/>
-            </a:br>
-            <a:r>
-              <a:rPr lang="en-US" baseline="0" dirty="0"/>
-              <a:t>If you go to your CIO and say “I can save you $100,000 in storage costs.” You’ll look REALLY good.</a:t>
+              <a:t>I stress </a:t>
+            </a:r>
+            <a:r>
+              <a:rPr lang="en-US" b="1" baseline="0" dirty="0"/>
+              <a:t>USABLE</a:t>
+            </a:r>
+            <a:r>
+              <a:rPr lang="en-US" b="0" baseline="0" dirty="0"/>
+              <a:t> TB. Enterprise SAN uses hot spares, RAID 10</a:t>
             </a:r>
             <a:endParaRPr lang="en-US" dirty="0"/>
           </a:p>
@@ -1278,7 +1419,7 @@
     </p:spTree>
     <p:extLst>
       <p:ext uri="{BB962C8B-B14F-4D97-AF65-F5344CB8AC3E}">
-        <p14:creationId xmlns:p14="http://schemas.microsoft.com/office/powerpoint/2010/main" val="2162890126"/>
+        <p14:creationId xmlns:p14="http://schemas.microsoft.com/office/powerpoint/2010/main" val="3148704580"/>
       </p:ext>
     </p:extLst>
   </p:cSld>
@@ -1334,8 +1475,20 @@
           <a:p>
             <a:r>
               <a:rPr lang="en-US" dirty="0"/>
-              <a:t>Not sure what the power pellets are…. Business Requirements?</a:t>
-            </a:r>
+              <a:t>If you can make</a:t>
+            </a:r>
+            <a:r>
+              <a:rPr lang="en-US" baseline="0" dirty="0"/>
+              <a:t> your database require less disk space, you can save LOTS of money. </a:t>
+            </a:r>
+            <a:br>
+              <a:rPr lang="en-US" baseline="0" dirty="0"/>
+            </a:br>
+            <a:r>
+              <a:rPr lang="en-US" baseline="0" dirty="0"/>
+              <a:t>If you go to your CIO and say “I can save you $100,000 in storage costs.” You’ll look REALLY good.</a:t>
+            </a:r>
+            <a:endParaRPr lang="en-US" dirty="0"/>
           </a:p>
         </p:txBody>
       </p:sp>
@@ -1365,7 +1518,7 @@
     </p:spTree>
     <p:extLst>
       <p:ext uri="{BB962C8B-B14F-4D97-AF65-F5344CB8AC3E}">
-        <p14:creationId xmlns:p14="http://schemas.microsoft.com/office/powerpoint/2010/main" val="2023517144"/>
+        <p14:creationId xmlns:p14="http://schemas.microsoft.com/office/powerpoint/2010/main" val="2162890126"/>
       </p:ext>
     </p:extLst>
   </p:cSld>
@@ -1421,13 +1574,8 @@
           <a:p>
             <a:r>
               <a:rPr lang="en-US" dirty="0"/>
-              <a:t>Its</a:t>
-            </a:r>
-            <a:r>
-              <a:rPr lang="en-US" baseline="0" dirty="0"/>
-              <a:t> easy  to read. Notice it goes up to “Almond roasting” then we run out of room on the page</a:t>
-            </a:r>
-            <a:endParaRPr lang="en-US" dirty="0"/>
+              <a:t>Not sure what the power pellets are…. Business Requirements?</a:t>
+            </a:r>
           </a:p>
         </p:txBody>
       </p:sp>
@@ -1448,7 +1596,7 @@
           <a:p>
             <a:fld id="{C896673D-A7D2-47E4-9E64-948C4CAFD549}" type="slidenum">
               <a:rPr lang="en-US" smtClean="0"/>
-              <a:t>31</a:t>
+              <a:t>30</a:t>
             </a:fld>
             <a:endParaRPr lang="en-US"/>
           </a:p>
@@ -1457,7 +1605,7 @@
     </p:spTree>
     <p:extLst>
       <p:ext uri="{BB962C8B-B14F-4D97-AF65-F5344CB8AC3E}">
-        <p14:creationId xmlns:p14="http://schemas.microsoft.com/office/powerpoint/2010/main" val="3632026493"/>
+        <p14:creationId xmlns:p14="http://schemas.microsoft.com/office/powerpoint/2010/main" val="2023517144"/>
       </p:ext>
     </p:extLst>
   </p:cSld>
@@ -1513,11 +1661,11 @@
           <a:p>
             <a:r>
               <a:rPr lang="en-US" dirty="0"/>
-              <a:t>ROW</a:t>
+              <a:t>Its</a:t>
             </a:r>
             <a:r>
               <a:rPr lang="en-US" baseline="0" dirty="0"/>
-              <a:t> compression squishes the data by removing extra space.</a:t>
+              <a:t> easy  to read. Notice it goes up to “Almond roasting” then we run out of room on the page</a:t>
             </a:r>
             <a:endParaRPr lang="en-US" dirty="0"/>
           </a:p>
@@ -1549,7 +1697,7 @@
     </p:spTree>
     <p:extLst>
       <p:ext uri="{BB962C8B-B14F-4D97-AF65-F5344CB8AC3E}">
-        <p14:creationId xmlns:p14="http://schemas.microsoft.com/office/powerpoint/2010/main" val="1089363518"/>
+        <p14:creationId xmlns:p14="http://schemas.microsoft.com/office/powerpoint/2010/main" val="3632026493"/>
       </p:ext>
     </p:extLst>
   </p:cSld>
@@ -1605,22 +1753,11 @@
           <a:p>
             <a:r>
               <a:rPr lang="en-US" dirty="0"/>
-              <a:t>See? I removed extra space, an fit even more stuff on the page! We</a:t>
+              <a:t>ROW</a:t>
             </a:r>
             <a:r>
               <a:rPr lang="en-US" baseline="0" dirty="0"/>
-              <a:t> made it all the way to Bacon!</a:t>
-            </a:r>
-            <a:br>
-              <a:rPr lang="en-US" dirty="0"/>
-            </a:br>
-            <a:r>
-              <a:rPr lang="en-US" dirty="0"/>
-              <a:t>The</a:t>
-            </a:r>
-            <a:r>
-              <a:rPr lang="en-US" baseline="0" dirty="0"/>
-              <a:t> added cost is that it’s a bit harder to read. I have to think a little bit harder to read the data.</a:t>
+              <a:t> compression squishes the data by removing extra space.</a:t>
             </a:r>
             <a:endParaRPr lang="en-US" dirty="0"/>
           </a:p>
@@ -1652,7 +1789,7 @@
     </p:spTree>
     <p:extLst>
       <p:ext uri="{BB962C8B-B14F-4D97-AF65-F5344CB8AC3E}">
-        <p14:creationId xmlns:p14="http://schemas.microsoft.com/office/powerpoint/2010/main" val="3633198066"/>
+        <p14:creationId xmlns:p14="http://schemas.microsoft.com/office/powerpoint/2010/main" val="1089363518"/>
       </p:ext>
     </p:extLst>
   </p:cSld>
@@ -1707,8 +1844,23 @@
           <a:lstStyle/>
           <a:p>
             <a:r>
-              <a:rPr lang="en-US" sz="1200" dirty="0"/>
-              <a:t>A PAGE compressed index could have some pages that are not page-compressed</a:t>
+              <a:rPr lang="en-US" dirty="0"/>
+              <a:t>See? I removed extra space, an fit even more stuff on the page! We</a:t>
+            </a:r>
+            <a:r>
+              <a:rPr lang="en-US" baseline="0" dirty="0"/>
+              <a:t> made it all the way to Bacon!</a:t>
+            </a:r>
+            <a:br>
+              <a:rPr lang="en-US" dirty="0"/>
+            </a:br>
+            <a:r>
+              <a:rPr lang="en-US" dirty="0"/>
+              <a:t>The</a:t>
+            </a:r>
+            <a:r>
+              <a:rPr lang="en-US" baseline="0" dirty="0"/>
+              <a:t> added cost is that it’s a bit harder to read. I have to think a little bit harder to read the data.</a:t>
             </a:r>
             <a:endParaRPr lang="en-US" dirty="0"/>
           </a:p>
@@ -1740,7 +1892,7 @@
     </p:spTree>
     <p:extLst>
       <p:ext uri="{BB962C8B-B14F-4D97-AF65-F5344CB8AC3E}">
-        <p14:creationId xmlns:p14="http://schemas.microsoft.com/office/powerpoint/2010/main" val="513011265"/>
+        <p14:creationId xmlns:p14="http://schemas.microsoft.com/office/powerpoint/2010/main" val="3633198066"/>
       </p:ext>
     </p:extLst>
   </p:cSld>
@@ -1794,26 +1946,6 @@
           <a:bodyPr/>
           <a:lstStyle/>
           <a:p>
-            <a:r>
-              <a:rPr lang="en-US" dirty="0"/>
-              <a:t>Some</a:t>
-            </a:r>
-            <a:r>
-              <a:rPr lang="en-US" baseline="0" dirty="0"/>
-              <a:t> of the things I love most in life– My husband, my pups, </a:t>
-            </a:r>
-            <a:r>
-              <a:rPr lang="en-US" baseline="0" dirty="0" err="1"/>
-              <a:t>Queery</a:t>
-            </a:r>
-            <a:r>
-              <a:rPr lang="en-US" baseline="0" dirty="0"/>
-              <a:t> the </a:t>
-            </a:r>
-            <a:r>
-              <a:rPr lang="en-US" baseline="0"/>
-              <a:t>Diversity Dino.</a:t>
-            </a:r>
             <a:endParaRPr lang="en-US" dirty="0"/>
           </a:p>
         </p:txBody>
@@ -1833,18 +1965,78 @@
           <a:bodyPr/>
           <a:lstStyle/>
           <a:p>
+            <a:pPr marL="0" marR="0" lvl="0" indent="0" algn="r" defTabSz="457200" rtl="0" eaLnBrk="1" fontAlgn="auto" latinLnBrk="0" hangingPunct="1">
+              <a:lnSpc>
+                <a:spcPct val="100000"/>
+              </a:lnSpc>
+              <a:spcBef>
+                <a:spcPts val="0"/>
+              </a:spcBef>
+              <a:spcAft>
+                <a:spcPts val="0"/>
+              </a:spcAft>
+              <a:buClrTx/>
+              <a:buSzTx/>
+              <a:buFontTx/>
+              <a:buNone/>
+              <a:tabLst/>
+              <a:defRPr/>
+            </a:pPr>
             <a:fld id="{C896673D-A7D2-47E4-9E64-948C4CAFD549}" type="slidenum">
-              <a:rPr lang="en-US" smtClean="0"/>
+              <a:rPr kumimoji="0" lang="en-US" sz="1200" b="0" i="0" u="none" strike="noStrike" kern="1200" cap="none" spc="0" normalizeH="0" baseline="0" noProof="0" smtClean="0">
+                <a:ln>
+                  <a:noFill/>
+                </a:ln>
+                <a:solidFill>
+                  <a:prstClr val="black"/>
+                </a:solidFill>
+                <a:effectLst/>
+                <a:uLnTx/>
+                <a:uFillTx/>
+                <a:latin typeface="Calibri" panose="020F0502020204030204"/>
+                <a:ea typeface="+mn-ea"/>
+                <a:cs typeface="+mn-cs"/>
+              </a:rPr>
+              <a:pPr marL="0" marR="0" lvl="0" indent="0" algn="r" defTabSz="457200" rtl="0" eaLnBrk="1" fontAlgn="auto" latinLnBrk="0" hangingPunct="1">
+                <a:lnSpc>
+                  <a:spcPct val="100000"/>
+                </a:lnSpc>
+                <a:spcBef>
+                  <a:spcPts val="0"/>
+                </a:spcBef>
+                <a:spcAft>
+                  <a:spcPts val="0"/>
+                </a:spcAft>
+                <a:buClrTx/>
+                <a:buSzTx/>
+                <a:buFontTx/>
+                <a:buNone/>
+                <a:tabLst/>
+                <a:defRPr/>
+              </a:pPr>
               <a:t>3</a:t>
             </a:fld>
-            <a:endParaRPr lang="en-US" dirty="0"/>
+            <a:endParaRPr kumimoji="0" lang="en-US" sz="1200" b="0" i="0" u="none" strike="noStrike" kern="1200" cap="none" spc="0" normalizeH="0" baseline="0" noProof="0" dirty="0">
+              <a:ln>
+                <a:noFill/>
+              </a:ln>
+              <a:solidFill>
+                <a:prstClr val="black"/>
+              </a:solidFill>
+              <a:effectLst/>
+              <a:uLnTx/>
+              <a:uFillTx/>
+              <a:latin typeface="Calibri" panose="020F0502020204030204"/>
+              <a:ea typeface="+mn-ea"/>
+              <a:cs typeface="+mn-cs"/>
+            </a:endParaRPr>
           </a:p>
         </p:txBody>
       </p:sp>
     </p:spTree>
     <p:extLst>
       <p:ext uri="{BB962C8B-B14F-4D97-AF65-F5344CB8AC3E}">
-        <p14:creationId xmlns:p14="http://schemas.microsoft.com/office/powerpoint/2010/main" val="1736366471"/>
+        <p14:creationId xmlns:p14="http://schemas.microsoft.com/office/powerpoint/2010/main" val="1555044023"/>
       </p:ext>
     </p:extLst>
   </p:cSld>
@@ -1899,21 +2091,8 @@
           <a:lstStyle/>
           <a:p>
             <a:r>
-              <a:rPr lang="en-US" baseline="0" dirty="0"/>
-              <a:t>Just follow the pointers below to the dictionary at the top. </a:t>
-            </a:r>
-            <a:br>
-              <a:rPr lang="en-US" baseline="0" dirty="0"/>
-            </a:br>
-            <a:r>
-              <a:rPr lang="en-US" baseline="0" dirty="0"/>
-              <a:t>And this is even harder to read, right? You just have to think about it more—Spin more CPU cycles and you can figure it out.</a:t>
-            </a:r>
-          </a:p>
-          <a:p>
-            <a:r>
-              <a:rPr lang="en-US" baseline="0" dirty="0"/>
-              <a:t>But we fit even more data. Past Bacon, and on to Brioche!</a:t>
+              <a:rPr lang="en-US" sz="1200" dirty="0"/>
+              <a:t>A PAGE compressed index could have some pages that are not page-compressed</a:t>
             </a:r>
             <a:endParaRPr lang="en-US" dirty="0"/>
           </a:p>
@@ -1936,7 +2115,7 @@
           <a:p>
             <a:fld id="{C896673D-A7D2-47E4-9E64-948C4CAFD549}" type="slidenum">
               <a:rPr lang="en-US" smtClean="0"/>
-              <a:t>36</a:t>
+              <a:t>35</a:t>
             </a:fld>
             <a:endParaRPr lang="en-US"/>
           </a:p>
@@ -1945,7 +2124,7 @@
     </p:spTree>
     <p:extLst>
       <p:ext uri="{BB962C8B-B14F-4D97-AF65-F5344CB8AC3E}">
-        <p14:creationId xmlns:p14="http://schemas.microsoft.com/office/powerpoint/2010/main" val="890822103"/>
+        <p14:creationId xmlns:p14="http://schemas.microsoft.com/office/powerpoint/2010/main" val="513011265"/>
       </p:ext>
     </p:extLst>
   </p:cSld>
@@ -2000,12 +2179,21 @@
           <a:lstStyle/>
           <a:p>
             <a:r>
-              <a:rPr lang="en-US" dirty="0"/>
-              <a:t>This last bullet</a:t>
-            </a:r>
-            <a:r>
               <a:rPr lang="en-US" baseline="0" dirty="0"/>
-              <a:t> is important. Even if you fall back &amp; don’t use ROW compression, you STILL PERFORM PAGE COMPRESSION every time you write the page…you just don’t save your work</a:t>
+              <a:t>Just follow the pointers below to the dictionary at the top. </a:t>
+            </a:r>
+            <a:br>
+              <a:rPr lang="en-US" baseline="0" dirty="0"/>
+            </a:br>
+            <a:r>
+              <a:rPr lang="en-US" baseline="0" dirty="0"/>
+              <a:t>And this is even harder to read, right? You just have to think about it more—Spin more CPU cycles and you can figure it out.</a:t>
+            </a:r>
+          </a:p>
+          <a:p>
+            <a:r>
+              <a:rPr lang="en-US" baseline="0" dirty="0"/>
+              <a:t>But we fit even more data. Past Bacon, and on to Brioche!</a:t>
             </a:r>
             <a:endParaRPr lang="en-US" dirty="0"/>
           </a:p>
@@ -2037,7 +2225,7 @@
     </p:spTree>
     <p:extLst>
       <p:ext uri="{BB962C8B-B14F-4D97-AF65-F5344CB8AC3E}">
-        <p14:creationId xmlns:p14="http://schemas.microsoft.com/office/powerpoint/2010/main" val="591425665"/>
+        <p14:creationId xmlns:p14="http://schemas.microsoft.com/office/powerpoint/2010/main" val="890822103"/>
       </p:ext>
     </p:extLst>
   </p:cSld>
@@ -2093,11 +2281,11 @@
           <a:p>
             <a:r>
               <a:rPr lang="en-US" dirty="0"/>
-              <a:t>I’m going to step through</a:t>
+              <a:t>This last bullet</a:t>
             </a:r>
             <a:r>
               <a:rPr lang="en-US" baseline="0" dirty="0"/>
-              <a:t> this a bit slower than the BOL article… I think the BOL article is a bit confusing, but I’m using the same example.</a:t>
+              <a:t> is important. Even if you fall back &amp; don’t use ROW compression, you STILL PERFORM PAGE COMPRESSION every time you write the page…you just don’t save your work</a:t>
             </a:r>
             <a:endParaRPr lang="en-US" dirty="0"/>
           </a:p>
@@ -2122,14 +2310,14 @@
               <a:rPr lang="en-US" smtClean="0"/>
               <a:t>38</a:t>
             </a:fld>
-            <a:endParaRPr lang="en-US" dirty="0"/>
+            <a:endParaRPr lang="en-US"/>
           </a:p>
         </p:txBody>
       </p:sp>
     </p:spTree>
     <p:extLst>
       <p:ext uri="{BB962C8B-B14F-4D97-AF65-F5344CB8AC3E}">
-        <p14:creationId xmlns:p14="http://schemas.microsoft.com/office/powerpoint/2010/main" val="2344421708"/>
+        <p14:creationId xmlns:p14="http://schemas.microsoft.com/office/powerpoint/2010/main" val="591425665"/>
       </p:ext>
     </p:extLst>
   </p:cSld>
@@ -2183,6 +2371,14 @@
           <a:bodyPr/>
           <a:lstStyle/>
           <a:p>
+            <a:r>
+              <a:rPr lang="en-US" dirty="0"/>
+              <a:t>I’m going to step through</a:t>
+            </a:r>
+            <a:r>
+              <a:rPr lang="en-US" baseline="0" dirty="0"/>
+              <a:t> this a bit slower than the BOL article… I think the BOL article is a bit confusing, but I’m using the same example.</a:t>
+            </a:r>
             <a:endParaRPr lang="en-US" dirty="0"/>
           </a:p>
         </p:txBody>
@@ -2204,7 +2400,7 @@
           <a:p>
             <a:fld id="{C896673D-A7D2-47E4-9E64-948C4CAFD549}" type="slidenum">
               <a:rPr lang="en-US" smtClean="0"/>
-              <a:t>41</a:t>
+              <a:t>39</a:t>
             </a:fld>
             <a:endParaRPr lang="en-US" dirty="0"/>
           </a:p>
@@ -2213,7 +2409,7 @@
     </p:spTree>
     <p:extLst>
       <p:ext uri="{BB962C8B-B14F-4D97-AF65-F5344CB8AC3E}">
-        <p14:creationId xmlns:p14="http://schemas.microsoft.com/office/powerpoint/2010/main" val="3940925122"/>
+        <p14:creationId xmlns:p14="http://schemas.microsoft.com/office/powerpoint/2010/main" val="2344421708"/>
       </p:ext>
     </p:extLst>
   </p:cSld>
@@ -2297,7 +2493,7 @@
     </p:spTree>
     <p:extLst>
       <p:ext uri="{BB962C8B-B14F-4D97-AF65-F5344CB8AC3E}">
-        <p14:creationId xmlns:p14="http://schemas.microsoft.com/office/powerpoint/2010/main" val="275371068"/>
+        <p14:creationId xmlns:p14="http://schemas.microsoft.com/office/powerpoint/2010/main" val="3940925122"/>
       </p:ext>
     </p:extLst>
   </p:cSld>
@@ -2351,14 +2547,6 @@
           <a:bodyPr/>
           <a:lstStyle/>
           <a:p>
-            <a:r>
-              <a:rPr lang="en-US" dirty="0"/>
-              <a:t>In reality,</a:t>
-            </a:r>
-            <a:r>
-              <a:rPr lang="en-US" baseline="0" dirty="0"/>
-              <a:t> the page isn’t stored like a grid, so all that white space actually gets used</a:t>
-            </a:r>
             <a:endParaRPr lang="en-US" dirty="0"/>
           </a:p>
         </p:txBody>
@@ -2380,7 +2568,7 @@
           <a:p>
             <a:fld id="{C896673D-A7D2-47E4-9E64-948C4CAFD549}" type="slidenum">
               <a:rPr lang="en-US" smtClean="0"/>
-              <a:t>46</a:t>
+              <a:t>43</a:t>
             </a:fld>
             <a:endParaRPr lang="en-US" dirty="0"/>
           </a:p>
@@ -2389,7 +2577,7 @@
     </p:spTree>
     <p:extLst>
       <p:ext uri="{BB962C8B-B14F-4D97-AF65-F5344CB8AC3E}">
-        <p14:creationId xmlns:p14="http://schemas.microsoft.com/office/powerpoint/2010/main" val="1153077012"/>
+        <p14:creationId xmlns:p14="http://schemas.microsoft.com/office/powerpoint/2010/main" val="275371068"/>
       </p:ext>
     </p:extLst>
   </p:cSld>
@@ -2445,11 +2633,11 @@
           <a:p>
             <a:r>
               <a:rPr lang="en-US" dirty="0"/>
-              <a:t>If we look</a:t>
+              <a:t>In reality,</a:t>
             </a:r>
             <a:r>
               <a:rPr lang="en-US" baseline="0" dirty="0"/>
-              <a:t> at the rows as CSV, you can see the extra space start to appear</a:t>
+              <a:t> the page isn’t stored like a grid, so all that white space actually gets used</a:t>
             </a:r>
             <a:endParaRPr lang="en-US" dirty="0"/>
           </a:p>
@@ -2473,6 +2661,98 @@
             <a:fld id="{C896673D-A7D2-47E4-9E64-948C4CAFD549}" type="slidenum">
               <a:rPr lang="en-US" smtClean="0"/>
               <a:t>47</a:t>
+            </a:fld>
+            <a:endParaRPr lang="en-US" dirty="0"/>
+          </a:p>
+        </p:txBody>
+      </p:sp>
+    </p:spTree>
+    <p:extLst>
+      <p:ext uri="{BB962C8B-B14F-4D97-AF65-F5344CB8AC3E}">
+        <p14:creationId xmlns:p14="http://schemas.microsoft.com/office/powerpoint/2010/main" val="1153077012"/>
+      </p:ext>
+    </p:extLst>
+  </p:cSld>
+  <p:clrMapOvr>
+    <a:masterClrMapping/>
+  </p:clrMapOvr>
+</p:notes>
+</file>
+
+<file path=ppt/notesSlides/notesSlide27.xml><?xml version="1.0" encoding="utf-8"?>
+<p:notes xmlns:a="http://schemas.openxmlformats.org/drawingml/2006/main" xmlns:r="http://schemas.openxmlformats.org/officeDocument/2006/relationships" xmlns:p="http://schemas.openxmlformats.org/presentationml/2006/main">
+  <p:cSld>
+    <p:spTree>
+      <p:nvGrpSpPr>
+        <p:cNvPr id="1" name=""/>
+        <p:cNvGrpSpPr/>
+        <p:nvPr/>
+      </p:nvGrpSpPr>
+      <p:grpSpPr>
+        <a:xfrm>
+          <a:off x="0" y="0"/>
+          <a:ext cx="0" cy="0"/>
+          <a:chOff x="0" y="0"/>
+          <a:chExt cx="0" cy="0"/>
+        </a:xfrm>
+      </p:grpSpPr>
+      <p:sp>
+        <p:nvSpPr>
+          <p:cNvPr id="2" name="Slide Image Placeholder 1"/>
+          <p:cNvSpPr>
+            <a:spLocks noGrp="1" noRot="1" noChangeAspect="1"/>
+          </p:cNvSpPr>
+          <p:nvPr>
+            <p:ph type="sldImg"/>
+          </p:nvPr>
+        </p:nvSpPr>
+        <p:spPr/>
+      </p:sp>
+      <p:sp>
+        <p:nvSpPr>
+          <p:cNvPr id="3" name="Notes Placeholder 2"/>
+          <p:cNvSpPr>
+            <a:spLocks noGrp="1"/>
+          </p:cNvSpPr>
+          <p:nvPr>
+            <p:ph type="body" idx="1"/>
+          </p:nvPr>
+        </p:nvSpPr>
+        <p:spPr/>
+        <p:txBody>
+          <a:bodyPr/>
+          <a:lstStyle/>
+          <a:p>
+            <a:r>
+              <a:rPr lang="en-US" dirty="0"/>
+              <a:t>If we look</a:t>
+            </a:r>
+            <a:r>
+              <a:rPr lang="en-US" baseline="0" dirty="0"/>
+              <a:t> at the rows as CSV, you can see the extra space start to appear</a:t>
+            </a:r>
+            <a:endParaRPr lang="en-US" dirty="0"/>
+          </a:p>
+        </p:txBody>
+      </p:sp>
+      <p:sp>
+        <p:nvSpPr>
+          <p:cNvPr id="4" name="Slide Number Placeholder 3"/>
+          <p:cNvSpPr>
+            <a:spLocks noGrp="1"/>
+          </p:cNvSpPr>
+          <p:nvPr>
+            <p:ph type="sldNum" sz="quarter" idx="10"/>
+          </p:nvPr>
+        </p:nvSpPr>
+        <p:spPr/>
+        <p:txBody>
+          <a:bodyPr/>
+          <a:lstStyle/>
+          <a:p>
+            <a:fld id="{C896673D-A7D2-47E4-9E64-948C4CAFD549}" type="slidenum">
+              <a:rPr lang="en-US" smtClean="0"/>
+              <a:t>48</a:t>
             </a:fld>
             <a:endParaRPr lang="en-US" dirty="0"/>
           </a:p>
@@ -2535,7 +2815,27 @@
           <a:bodyPr/>
           <a:lstStyle/>
           <a:p>
-            <a:endParaRPr lang="en-US"/>
+            <a:r>
+              <a:rPr lang="en-US" dirty="0"/>
+              <a:t>Some</a:t>
+            </a:r>
+            <a:r>
+              <a:rPr lang="en-US" baseline="0" dirty="0"/>
+              <a:t> of the things I love most in life– My husband, my pups, </a:t>
+            </a:r>
+            <a:r>
+              <a:rPr lang="en-US" baseline="0" dirty="0" err="1"/>
+              <a:t>Queery</a:t>
+            </a:r>
+            <a:r>
+              <a:rPr lang="en-US" baseline="0" dirty="0"/>
+              <a:t> the </a:t>
+            </a:r>
+            <a:r>
+              <a:rPr lang="en-US" baseline="0"/>
+              <a:t>Diversity Dino.</a:t>
+            </a:r>
+            <a:endParaRPr lang="en-US" dirty="0"/>
           </a:p>
         </p:txBody>
       </p:sp>
@@ -2558,14 +2858,14 @@
               <a:rPr lang="en-US" smtClean="0"/>
               <a:t>4</a:t>
             </a:fld>
-            <a:endParaRPr lang="en-US"/>
+            <a:endParaRPr lang="en-US" dirty="0"/>
           </a:p>
         </p:txBody>
       </p:sp>
     </p:spTree>
     <p:extLst>
       <p:ext uri="{BB962C8B-B14F-4D97-AF65-F5344CB8AC3E}">
-        <p14:creationId xmlns:p14="http://schemas.microsoft.com/office/powerpoint/2010/main" val="3134707332"/>
+        <p14:creationId xmlns:p14="http://schemas.microsoft.com/office/powerpoint/2010/main" val="1736366471"/>
       </p:ext>
     </p:extLst>
   </p:cSld>
@@ -2649,7 +2949,7 @@
     </p:spTree>
     <p:extLst>
       <p:ext uri="{BB962C8B-B14F-4D97-AF65-F5344CB8AC3E}">
-        <p14:creationId xmlns:p14="http://schemas.microsoft.com/office/powerpoint/2010/main" val="2692536625"/>
+        <p14:creationId xmlns:p14="http://schemas.microsoft.com/office/powerpoint/2010/main" val="3134707332"/>
       </p:ext>
     </p:extLst>
   </p:cSld>
@@ -2703,15 +3003,7 @@
           <a:bodyPr/>
           <a:lstStyle/>
           <a:p>
-            <a:r>
-              <a:rPr lang="en-US" dirty="0"/>
-              <a:t>As a fraternity pledge</a:t>
-            </a:r>
-            <a:r>
-              <a:rPr lang="en-US" baseline="0" dirty="0"/>
-              <a:t> for Lambda Chi Alpha, he was the shortest pledge at 5-foot 7-inches. The pledges were instructed to take their shortest member and in the cover of night, measure the length of the Mass Ave Bridge, which spans from Cambridge (where MIT is) to Boston. They were to mark the distance on the bridge with paint, and report back with the exact measurement. To this day, pledges re-paint the bridge every year to mark the distance in smoots. When the bridge was rebuilt in the late 1980s, the expansion joints were specifically engineered to be 1-smoot long.</a:t>
-            </a:r>
-            <a:endParaRPr lang="en-US" dirty="0"/>
+            <a:endParaRPr lang="en-US"/>
           </a:p>
         </p:txBody>
       </p:sp>
@@ -2732,7 +3024,7 @@
           <a:p>
             <a:fld id="{C896673D-A7D2-47E4-9E64-948C4CAFD549}" type="slidenum">
               <a:rPr lang="en-US" smtClean="0"/>
-              <a:t>7</a:t>
+              <a:t>6</a:t>
             </a:fld>
             <a:endParaRPr lang="en-US"/>
           </a:p>
@@ -2741,7 +3033,7 @@
     </p:spTree>
     <p:extLst>
       <p:ext uri="{BB962C8B-B14F-4D97-AF65-F5344CB8AC3E}">
-        <p14:creationId xmlns:p14="http://schemas.microsoft.com/office/powerpoint/2010/main" val="255056761"/>
+        <p14:creationId xmlns:p14="http://schemas.microsoft.com/office/powerpoint/2010/main" val="2692536625"/>
       </p:ext>
     </p:extLst>
   </p:cSld>
@@ -2797,11 +3089,11 @@
           <a:p>
             <a:r>
               <a:rPr lang="en-US" dirty="0"/>
-              <a:t>Compression is</a:t>
+              <a:t>As a fraternity pledge</a:t>
             </a:r>
             <a:r>
               <a:rPr lang="en-US" baseline="0" dirty="0"/>
-              <a:t> something you should think about. It’s relatively easy to change. But if you think about it up-front, you can save yourself some headaches down the road. </a:t>
+              <a:t> for Lambda Chi Alpha, he was the shortest pledge at 5-foot 7-inches. The pledges were instructed to take their shortest member and in the cover of night, measure the length of the Mass Ave Bridge, which spans from Cambridge (where MIT is) to Boston. They were to mark the distance on the bridge with paint, and report back with the exact measurement. To this day, pledges re-paint the bridge every year to mark the distance in smoots. When the bridge was rebuilt in the late 1980s, the expansion joints were specifically engineered to be 1-smoot long.</a:t>
             </a:r>
             <a:endParaRPr lang="en-US" dirty="0"/>
           </a:p>
@@ -2824,7 +3116,7 @@
           <a:p>
             <a:fld id="{C896673D-A7D2-47E4-9E64-948C4CAFD549}" type="slidenum">
               <a:rPr lang="en-US" smtClean="0"/>
-              <a:t>9</a:t>
+              <a:t>8</a:t>
             </a:fld>
             <a:endParaRPr lang="en-US"/>
           </a:p>
@@ -2833,7 +3125,7 @@
     </p:spTree>
     <p:extLst>
       <p:ext uri="{BB962C8B-B14F-4D97-AF65-F5344CB8AC3E}">
-        <p14:creationId xmlns:p14="http://schemas.microsoft.com/office/powerpoint/2010/main" val="86768808"/>
+        <p14:creationId xmlns:p14="http://schemas.microsoft.com/office/powerpoint/2010/main" val="255056761"/>
       </p:ext>
     </p:extLst>
   </p:cSld>
@@ -2889,8 +3181,13 @@
           <a:p>
             <a:r>
               <a:rPr lang="en-US" dirty="0"/>
-              <a:t>We won’t cover every demo script I have—we’ll cover a few, and I’ll give you the rest to explore on your own.</a:t>
-            </a:r>
+              <a:t>Compression is</a:t>
+            </a:r>
+            <a:r>
+              <a:rPr lang="en-US" baseline="0" dirty="0"/>
+              <a:t> something you should think about. It’s relatively easy to change. But if you think about it up-front, you can save yourself some headaches down the road. </a:t>
+            </a:r>
+            <a:endParaRPr lang="en-US" dirty="0"/>
           </a:p>
         </p:txBody>
       </p:sp>
@@ -2911,7 +3208,7 @@
           <a:p>
             <a:fld id="{C896673D-A7D2-47E4-9E64-948C4CAFD549}" type="slidenum">
               <a:rPr lang="en-US" smtClean="0"/>
-              <a:t>13</a:t>
+              <a:t>10</a:t>
             </a:fld>
             <a:endParaRPr lang="en-US"/>
           </a:p>
@@ -2920,7 +3217,7 @@
     </p:spTree>
     <p:extLst>
       <p:ext uri="{BB962C8B-B14F-4D97-AF65-F5344CB8AC3E}">
-        <p14:creationId xmlns:p14="http://schemas.microsoft.com/office/powerpoint/2010/main" val="1804979556"/>
+        <p14:creationId xmlns:p14="http://schemas.microsoft.com/office/powerpoint/2010/main" val="86768808"/>
       </p:ext>
     </p:extLst>
   </p:cSld>
@@ -2976,26 +3273,8 @@
           <a:p>
             <a:r>
               <a:rPr lang="en-US" dirty="0"/>
-              <a:t>These are the pages we’re talking about when we talk compression.</a:t>
-            </a:r>
-          </a:p>
-          <a:p>
-            <a:r>
-              <a:rPr lang="en-US" dirty="0"/>
-              <a:t>Only</a:t>
-            </a:r>
-            <a:r>
-              <a:rPr lang="en-US" baseline="0" dirty="0"/>
-              <a:t> the LEAF PAGES get compressed in a B Tree Index</a:t>
-            </a:r>
-            <a:br>
-              <a:rPr lang="en-US" baseline="0" dirty="0"/>
-            </a:br>
-            <a:r>
-              <a:rPr lang="en-US" baseline="0" dirty="0"/>
-              <a:t>Everything is ordered. It’s easy to find by traversing the tree. You can find any row in just 3 reads.   EXAMPLE: MAINE</a:t>
-            </a:r>
-            <a:endParaRPr lang="en-US" dirty="0"/>
+              <a:t>We won’t cover every demo script I have—we’ll cover a few, and I’ll give you the rest to explore on your own.</a:t>
+            </a:r>
           </a:p>
         </p:txBody>
       </p:sp>
@@ -3016,7 +3295,7 @@
           <a:p>
             <a:fld id="{C896673D-A7D2-47E4-9E64-948C4CAFD549}" type="slidenum">
               <a:rPr lang="en-US" smtClean="0"/>
-              <a:t>17</a:t>
+              <a:t>14</a:t>
             </a:fld>
             <a:endParaRPr lang="en-US"/>
           </a:p>
@@ -3025,7 +3304,7 @@
     </p:spTree>
     <p:extLst>
       <p:ext uri="{BB962C8B-B14F-4D97-AF65-F5344CB8AC3E}">
-        <p14:creationId xmlns:p14="http://schemas.microsoft.com/office/powerpoint/2010/main" val="2987885101"/>
+        <p14:creationId xmlns:p14="http://schemas.microsoft.com/office/powerpoint/2010/main" val="1804979556"/>
       </p:ext>
     </p:extLst>
   </p:cSld>
@@ -3081,18 +3360,24 @@
           <a:p>
             <a:r>
               <a:rPr lang="en-US" dirty="0"/>
-              <a:t>It’s unordered. It’s harder</a:t>
+              <a:t>These are the pages we’re talking about when we talk compression.</a:t>
+            </a:r>
+          </a:p>
+          <a:p>
+            <a:r>
+              <a:rPr lang="en-US" dirty="0"/>
+              <a:t>Only</a:t>
             </a:r>
             <a:r>
               <a:rPr lang="en-US" baseline="0" dirty="0"/>
-              <a:t> to find the row you want.</a:t>
+              <a:t> the LEAF PAGES get compressed in a B Tree Index</a:t>
             </a:r>
             <a:br>
               <a:rPr lang="en-US" baseline="0" dirty="0"/>
             </a:br>
             <a:r>
               <a:rPr lang="en-US" baseline="0" dirty="0"/>
-              <a:t>But for our purposes today, it’s similar to the leaf level of a B-Tree</a:t>
+              <a:t>Everything is ordered. It’s easy to find by traversing the tree. You can find any row in just 3 reads.   EXAMPLE: MAINE</a:t>
             </a:r>
             <a:endParaRPr lang="en-US" dirty="0"/>
           </a:p>
@@ -3124,7 +3409,7 @@
     </p:spTree>
     <p:extLst>
       <p:ext uri="{BB962C8B-B14F-4D97-AF65-F5344CB8AC3E}">
-        <p14:creationId xmlns:p14="http://schemas.microsoft.com/office/powerpoint/2010/main" val="1766908828"/>
+        <p14:creationId xmlns:p14="http://schemas.microsoft.com/office/powerpoint/2010/main" val="2987885101"/>
       </p:ext>
     </p:extLst>
   </p:cSld>
@@ -3398,7 +3683,7 @@
             <a:fld id="{B61BEF0D-F0BB-DE4B-95CE-6DB70DBA9567}" type="datetimeFigureOut">
               <a:rPr lang="en-US" smtClean="0"/>
               <a:pPr/>
-              <a:t>2020-04-15</a:t>
+              <a:t>2021-06-15</a:t>
             </a:fld>
             <a:endParaRPr lang="en-US" dirty="0"/>
           </a:p>
@@ -3823,7 +4108,7 @@
             <a:fld id="{B61BEF0D-F0BB-DE4B-95CE-6DB70DBA9567}" type="datetimeFigureOut">
               <a:rPr lang="en-US" smtClean="0"/>
               <a:pPr/>
-              <a:t>2020-04-15</a:t>
+              <a:t>2021-06-15</a:t>
             </a:fld>
             <a:endParaRPr lang="en-US" dirty="0"/>
           </a:p>
@@ -7671,6 +7956,227 @@
       </p:grpSpPr>
       <p:sp>
         <p:nvSpPr>
+          <p:cNvPr id="10" name="Title 9"/>
+          <p:cNvSpPr>
+            <a:spLocks noGrp="1"/>
+          </p:cNvSpPr>
+          <p:nvPr>
+            <p:ph type="title"/>
+          </p:nvPr>
+        </p:nvSpPr>
+        <p:spPr/>
+        <p:txBody>
+          <a:bodyPr>
+            <a:normAutofit/>
+          </a:bodyPr>
+          <a:lstStyle/>
+          <a:p>
+            <a:r>
+              <a:rPr lang="en-US" dirty="0"/>
+              <a:t>You might be asking…</a:t>
+            </a:r>
+          </a:p>
+        </p:txBody>
+      </p:sp>
+      <p:sp>
+        <p:nvSpPr>
+          <p:cNvPr id="6" name="Content Placeholder 5"/>
+          <p:cNvSpPr>
+            <a:spLocks noGrp="1"/>
+          </p:cNvSpPr>
+          <p:nvPr>
+            <p:ph sz="quarter" idx="13"/>
+          </p:nvPr>
+        </p:nvSpPr>
+        <p:spPr/>
+        <p:txBody>
+          <a:bodyPr>
+            <a:normAutofit/>
+          </a:bodyPr>
+          <a:lstStyle/>
+          <a:p>
+            <a:pPr marL="0" indent="0">
+              <a:buNone/>
+            </a:pPr>
+            <a:r>
+              <a:rPr lang="en-US" sz="8000" dirty="0"/>
+              <a:t>Andy,</a:t>
+            </a:r>
+          </a:p>
+          <a:p>
+            <a:pPr marL="0" indent="0">
+              <a:buNone/>
+            </a:pPr>
+            <a:r>
+              <a:rPr lang="en-US" sz="8000" dirty="0"/>
+              <a:t>Why the *&amp;$# are you telling this story?</a:t>
+            </a:r>
+          </a:p>
+        </p:txBody>
+      </p:sp>
+    </p:spTree>
+    <p:extLst>
+      <p:ext uri="{BB962C8B-B14F-4D97-AF65-F5344CB8AC3E}">
+        <p14:creationId xmlns:p14="http://schemas.microsoft.com/office/powerpoint/2010/main" val="465045979"/>
+      </p:ext>
+    </p:extLst>
+  </p:cSld>
+  <p:clrMapOvr>
+    <a:masterClrMapping/>
+  </p:clrMapOvr>
+  <p:timing>
+    <p:tnLst>
+      <p:par>
+        <p:cTn id="1" dur="indefinite" restart="never" nodeType="tmRoot">
+          <p:childTnLst>
+            <p:seq concurrent="1" nextAc="seek">
+              <p:cTn id="2" dur="indefinite" nodeType="mainSeq">
+                <p:childTnLst>
+                  <p:par>
+                    <p:cTn id="3" fill="hold">
+                      <p:stCondLst>
+                        <p:cond delay="indefinite"/>
+                      </p:stCondLst>
+                      <p:childTnLst>
+                        <p:par>
+                          <p:cTn id="4" fill="hold">
+                            <p:stCondLst>
+                              <p:cond delay="0"/>
+                            </p:stCondLst>
+                            <p:childTnLst>
+                              <p:par>
+                                <p:cTn id="5" presetID="1" presetClass="entr" presetSubtype="0" fill="hold" grpId="0" nodeType="clickEffect">
+                                  <p:stCondLst>
+                                    <p:cond delay="0"/>
+                                  </p:stCondLst>
+                                  <p:childTnLst>
+                                    <p:set>
+                                      <p:cBhvr>
+                                        <p:cTn id="6" dur="1" fill="hold">
+                                          <p:stCondLst>
+                                            <p:cond delay="0"/>
+                                          </p:stCondLst>
+                                        </p:cTn>
+                                        <p:tgtEl>
+                                          <p:spTgt spid="6">
+                                            <p:txEl>
+                                              <p:pRg st="0" end="0"/>
+                                            </p:txEl>
+                                          </p:spTgt>
+                                        </p:tgtEl>
+                                        <p:attrNameLst>
+                                          <p:attrName>style.visibility</p:attrName>
+                                        </p:attrNameLst>
+                                      </p:cBhvr>
+                                      <p:to>
+                                        <p:strVal val="visible"/>
+                                      </p:to>
+                                    </p:set>
+                                  </p:childTnLst>
+                                </p:cTn>
+                              </p:par>
+                            </p:childTnLst>
+                          </p:cTn>
+                        </p:par>
+                      </p:childTnLst>
+                    </p:cTn>
+                  </p:par>
+                  <p:par>
+                    <p:cTn id="7" fill="hold">
+                      <p:stCondLst>
+                        <p:cond delay="indefinite"/>
+                      </p:stCondLst>
+                      <p:childTnLst>
+                        <p:par>
+                          <p:cTn id="8" fill="hold">
+                            <p:stCondLst>
+                              <p:cond delay="0"/>
+                            </p:stCondLst>
+                            <p:childTnLst>
+                              <p:par>
+                                <p:cTn id="9" presetID="1" presetClass="entr" presetSubtype="0" fill="hold" grpId="0" nodeType="clickEffect">
+                                  <p:stCondLst>
+                                    <p:cond delay="0"/>
+                                  </p:stCondLst>
+                                  <p:childTnLst>
+                                    <p:set>
+                                      <p:cBhvr>
+                                        <p:cTn id="10" dur="1" fill="hold">
+                                          <p:stCondLst>
+                                            <p:cond delay="0"/>
+                                          </p:stCondLst>
+                                        </p:cTn>
+                                        <p:tgtEl>
+                                          <p:spTgt spid="6">
+                                            <p:txEl>
+                                              <p:pRg st="1" end="1"/>
+                                            </p:txEl>
+                                          </p:spTgt>
+                                        </p:tgtEl>
+                                        <p:attrNameLst>
+                                          <p:attrName>style.visibility</p:attrName>
+                                        </p:attrNameLst>
+                                      </p:cBhvr>
+                                      <p:to>
+                                        <p:strVal val="visible"/>
+                                      </p:to>
+                                    </p:set>
+                                  </p:childTnLst>
+                                </p:cTn>
+                              </p:par>
+                            </p:childTnLst>
+                          </p:cTn>
+                        </p:par>
+                      </p:childTnLst>
+                    </p:cTn>
+                  </p:par>
+                </p:childTnLst>
+              </p:cTn>
+              <p:prevCondLst>
+                <p:cond evt="onPrev" delay="0">
+                  <p:tgtEl>
+                    <p:sldTgt/>
+                  </p:tgtEl>
+                </p:cond>
+              </p:prevCondLst>
+              <p:nextCondLst>
+                <p:cond evt="onNext" delay="0">
+                  <p:tgtEl>
+                    <p:sldTgt/>
+                  </p:tgtEl>
+                </p:cond>
+              </p:nextCondLst>
+            </p:seq>
+          </p:childTnLst>
+        </p:cTn>
+      </p:par>
+    </p:tnLst>
+    <p:bldLst>
+      <p:bldP spid="6" grpId="0" build="p"/>
+    </p:bldLst>
+  </p:timing>
+</p:sld>
+</file>
+
+<file path=ppt/slides/slide11.xml><?xml version="1.0" encoding="utf-8"?>
+<p:sld xmlns:a="http://schemas.openxmlformats.org/drawingml/2006/main" xmlns:r="http://schemas.openxmlformats.org/officeDocument/2006/relationships" xmlns:p="http://schemas.openxmlformats.org/presentationml/2006/main" show="0">
+  <p:cSld>
+    <p:spTree>
+      <p:nvGrpSpPr>
+        <p:cNvPr id="1" name=""/>
+        <p:cNvGrpSpPr/>
+        <p:nvPr/>
+      </p:nvGrpSpPr>
+      <p:grpSpPr>
+        <a:xfrm>
+          <a:off x="0" y="0"/>
+          <a:ext cx="0" cy="0"/>
+          <a:chOff x="0" y="0"/>
+          <a:chExt cx="0" cy="0"/>
+        </a:xfrm>
+      </p:grpSpPr>
+      <p:sp>
+        <p:nvSpPr>
           <p:cNvPr id="2" name="Title 1"/>
           <p:cNvSpPr>
             <a:spLocks noGrp="1"/>
@@ -7766,7 +8272,7 @@
 </p:sld>
 </file>
 
-<file path=ppt/slides/slide11.xml><?xml version="1.0" encoding="utf-8"?>
+<file path=ppt/slides/slide12.xml><?xml version="1.0" encoding="utf-8"?>
 <p:sld xmlns:a="http://schemas.openxmlformats.org/drawingml/2006/main" xmlns:r="http://schemas.openxmlformats.org/officeDocument/2006/relationships" xmlns:p="http://schemas.openxmlformats.org/presentationml/2006/main">
   <p:cSld>
     <p:spTree>
@@ -7842,7 +8348,7 @@
 </p:sld>
 </file>
 
-<file path=ppt/slides/slide12.xml><?xml version="1.0" encoding="utf-8"?>
+<file path=ppt/slides/slide13.xml><?xml version="1.0" encoding="utf-8"?>
 <p:sld xmlns:a="http://schemas.openxmlformats.org/drawingml/2006/main" xmlns:r="http://schemas.openxmlformats.org/officeDocument/2006/relationships" xmlns:p="http://schemas.openxmlformats.org/presentationml/2006/main">
   <p:cSld>
     <p:spTree>
@@ -7952,7 +8458,7 @@
 </p:sld>
 </file>
 
-<file path=ppt/slides/slide13.xml><?xml version="1.0" encoding="utf-8"?>
+<file path=ppt/slides/slide14.xml><?xml version="1.0" encoding="utf-8"?>
 <p:sld xmlns:a="http://schemas.openxmlformats.org/drawingml/2006/main" xmlns:r="http://schemas.openxmlformats.org/officeDocument/2006/relationships" xmlns:p="http://schemas.openxmlformats.org/presentationml/2006/main">
   <p:cSld>
     <p:spTree>
@@ -8155,7 +8661,7 @@
 </p:sld>
 </file>
 
-<file path=ppt/slides/slide14.xml><?xml version="1.0" encoding="utf-8"?>
+<file path=ppt/slides/slide15.xml><?xml version="1.0" encoding="utf-8"?>
 <p:sld xmlns:a="http://schemas.openxmlformats.org/drawingml/2006/main" xmlns:r="http://schemas.openxmlformats.org/officeDocument/2006/relationships" xmlns:p="http://schemas.openxmlformats.org/presentationml/2006/main">
   <p:cSld>
     <p:spTree>
@@ -8466,7 +8972,7 @@
 </p:sld>
 </file>
 
-<file path=ppt/slides/slide15.xml><?xml version="1.0" encoding="utf-8"?>
+<file path=ppt/slides/slide16.xml><?xml version="1.0" encoding="utf-8"?>
 <p:sld xmlns:a="http://schemas.openxmlformats.org/drawingml/2006/main" xmlns:r="http://schemas.openxmlformats.org/officeDocument/2006/relationships" xmlns:p="http://schemas.openxmlformats.org/presentationml/2006/main">
   <p:cSld>
     <p:spTree>
@@ -8591,7 +9097,7 @@
 </p:sld>
 </file>
 
-<file path=ppt/slides/slide16.xml><?xml version="1.0" encoding="utf-8"?>
+<file path=ppt/slides/slide17.xml><?xml version="1.0" encoding="utf-8"?>
 <p:sld xmlns:a="http://schemas.openxmlformats.org/drawingml/2006/main" xmlns:r="http://schemas.openxmlformats.org/officeDocument/2006/relationships" xmlns:p="http://schemas.openxmlformats.org/presentationml/2006/main">
   <p:cSld>
     <p:spTree>
@@ -8717,7 +9223,7 @@
 </p:sld>
 </file>
 
-<file path=ppt/slides/slide17.xml><?xml version="1.0" encoding="utf-8"?>
+<file path=ppt/slides/slide18.xml><?xml version="1.0" encoding="utf-8"?>
 <p:sld xmlns:a="http://schemas.openxmlformats.org/drawingml/2006/main" xmlns:r="http://schemas.openxmlformats.org/officeDocument/2006/relationships" xmlns:p="http://schemas.openxmlformats.org/presentationml/2006/main">
   <p:cSld>
     <p:spTree>
@@ -10092,7 +10598,7 @@
 </p:sld>
 </file>
 
-<file path=ppt/slides/slide18.xml><?xml version="1.0" encoding="utf-8"?>
+<file path=ppt/slides/slide19.xml><?xml version="1.0" encoding="utf-8"?>
 <p:sld xmlns:a="http://schemas.openxmlformats.org/drawingml/2006/main" xmlns:r="http://schemas.openxmlformats.org/officeDocument/2006/relationships" xmlns:p="http://schemas.openxmlformats.org/presentationml/2006/main">
   <p:cSld>
     <p:spTree>
@@ -10855,7 +11361,173 @@
 </p:sld>
 </file>
 
-<file path=ppt/slides/slide19.xml><?xml version="1.0" encoding="utf-8"?>
+<file path=ppt/slides/slide2.xml><?xml version="1.0" encoding="utf-8"?>
+<p:sld xmlns:a="http://schemas.openxmlformats.org/drawingml/2006/main" xmlns:r="http://schemas.openxmlformats.org/officeDocument/2006/relationships" xmlns:p="http://schemas.openxmlformats.org/presentationml/2006/main">
+  <p:cSld>
+    <p:spTree>
+      <p:nvGrpSpPr>
+        <p:cNvPr id="1" name=""/>
+        <p:cNvGrpSpPr/>
+        <p:nvPr/>
+      </p:nvGrpSpPr>
+      <p:grpSpPr>
+        <a:xfrm>
+          <a:off x="0" y="0"/>
+          <a:ext cx="0" cy="0"/>
+          <a:chOff x="0" y="0"/>
+          <a:chExt cx="0" cy="0"/>
+        </a:xfrm>
+      </p:grpSpPr>
+      <p:sp>
+        <p:nvSpPr>
+          <p:cNvPr id="2" name="Title 1"/>
+          <p:cNvSpPr>
+            <a:spLocks noGrp="1"/>
+          </p:cNvSpPr>
+          <p:nvPr>
+            <p:ph type="title"/>
+          </p:nvPr>
+        </p:nvSpPr>
+        <p:spPr/>
+        <p:txBody>
+          <a:bodyPr>
+            <a:normAutofit/>
+          </a:bodyPr>
+          <a:lstStyle/>
+          <a:p>
+            <a:r>
+              <a:rPr lang="en-US" dirty="0"/>
+              <a:t>Andy Mallon</a:t>
+            </a:r>
+          </a:p>
+        </p:txBody>
+      </p:sp>
+      <p:sp>
+        <p:nvSpPr>
+          <p:cNvPr id="3" name="Content Placeholder 2"/>
+          <p:cNvSpPr>
+            <a:spLocks noGrp="1"/>
+          </p:cNvSpPr>
+          <p:nvPr>
+            <p:ph idx="1"/>
+          </p:nvPr>
+        </p:nvSpPr>
+        <p:spPr>
+          <a:xfrm>
+            <a:off x="816863" y="1803400"/>
+            <a:ext cx="11078151" cy="4460834"/>
+          </a:xfrm>
+        </p:spPr>
+        <p:txBody>
+          <a:bodyPr>
+            <a:normAutofit/>
+          </a:bodyPr>
+          <a:lstStyle/>
+          <a:p>
+            <a:r>
+              <a:rPr lang="en-US" dirty="0"/>
+              <a:t>I help people copy &amp; paste code</a:t>
+            </a:r>
+          </a:p>
+          <a:p>
+            <a:pPr lvl="1"/>
+            <a:r>
+              <a:rPr lang="en-US" dirty="0"/>
+              <a:t>Staff Database Reliability Engineer at Stack Overflow</a:t>
+            </a:r>
+          </a:p>
+          <a:p>
+            <a:endParaRPr lang="en-US" dirty="0"/>
+          </a:p>
+          <a:p>
+            <a:pPr marL="0" indent="0">
+              <a:buNone/>
+            </a:pPr>
+            <a:endParaRPr lang="en-US" sz="1900" dirty="0"/>
+          </a:p>
+          <a:p>
+            <a:pPr marL="0" indent="0">
+              <a:buNone/>
+            </a:pPr>
+            <a:endParaRPr lang="en-US" sz="1900" dirty="0"/>
+          </a:p>
+          <a:p>
+            <a:pPr marL="0" indent="0">
+              <a:buNone/>
+            </a:pPr>
+            <a:endParaRPr lang="en-US" sz="1900" dirty="0"/>
+          </a:p>
+          <a:p>
+            <a:pPr marL="0" indent="0">
+              <a:buNone/>
+            </a:pPr>
+            <a:endParaRPr lang="en-US" sz="1900" dirty="0"/>
+          </a:p>
+          <a:p>
+            <a:pPr marL="0" indent="0">
+              <a:buNone/>
+            </a:pPr>
+            <a:r>
+              <a:rPr lang="en-US" sz="1900" dirty="0"/>
+              <a:t>* The views &amp; opinions expressed in this presentation are mine alone and do not reflect the views of my employer.</a:t>
+            </a:r>
+          </a:p>
+          <a:p>
+            <a:pPr lvl="1"/>
+            <a:endParaRPr lang="en-US" dirty="0"/>
+          </a:p>
+        </p:txBody>
+      </p:sp>
+      <p:pic>
+        <p:nvPicPr>
+          <p:cNvPr id="9" name="Graphic 8">
+            <a:extLst>
+              <a:ext uri="{FF2B5EF4-FFF2-40B4-BE49-F238E27FC236}">
+                <a16:creationId xmlns:a16="http://schemas.microsoft.com/office/drawing/2014/main" id="{03BB64EC-C605-4995-B0AD-5F1528846C35}"/>
+              </a:ext>
+            </a:extLst>
+          </p:cNvPr>
+          <p:cNvPicPr>
+            <a:picLocks noChangeAspect="1"/>
+          </p:cNvPicPr>
+          <p:nvPr/>
+        </p:nvPicPr>
+        <p:blipFill>
+          <a:blip r:embed="rId3">
+            <a:extLst>
+              <a:ext uri="{96DAC541-7B7A-43D3-8B79-37D633B846F1}">
+                <asvg:svgBlip xmlns:asvg="http://schemas.microsoft.com/office/drawing/2016/SVG/main" r:embed="rId4"/>
+              </a:ext>
+            </a:extLst>
+          </a:blip>
+          <a:stretch>
+            <a:fillRect/>
+          </a:stretch>
+        </p:blipFill>
+        <p:spPr>
+          <a:xfrm>
+            <a:off x="1612771" y="3282652"/>
+            <a:ext cx="8513136" cy="1697153"/>
+          </a:xfrm>
+          <a:prstGeom prst="rect">
+            <a:avLst/>
+          </a:prstGeom>
+        </p:spPr>
+      </p:pic>
+    </p:spTree>
+    <p:extLst>
+      <p:ext uri="{BB962C8B-B14F-4D97-AF65-F5344CB8AC3E}">
+        <p14:creationId xmlns:p14="http://schemas.microsoft.com/office/powerpoint/2010/main" val="1633895870"/>
+      </p:ext>
+    </p:extLst>
+  </p:cSld>
+  <p:clrMapOvr>
+    <a:masterClrMapping/>
+  </p:clrMapOvr>
+</p:sld>
+</file>
+
+<file path=ppt/slides/slide20.xml><?xml version="1.0" encoding="utf-8"?>
 <p:sld xmlns:a="http://schemas.openxmlformats.org/drawingml/2006/main" xmlns:r="http://schemas.openxmlformats.org/officeDocument/2006/relationships" xmlns:p="http://schemas.openxmlformats.org/presentationml/2006/main">
   <p:cSld>
     <p:spTree>
@@ -11179,187 +11851,7 @@
 </p:sld>
 </file>
 
-<file path=ppt/slides/slide2.xml><?xml version="1.0" encoding="utf-8"?>
-<p:sld xmlns:a="http://schemas.openxmlformats.org/drawingml/2006/main" xmlns:r="http://schemas.openxmlformats.org/officeDocument/2006/relationships" xmlns:p="http://schemas.openxmlformats.org/presentationml/2006/main">
-  <p:cSld>
-    <p:spTree>
-      <p:nvGrpSpPr>
-        <p:cNvPr id="1" name=""/>
-        <p:cNvGrpSpPr/>
-        <p:nvPr/>
-      </p:nvGrpSpPr>
-      <p:grpSpPr>
-        <a:xfrm>
-          <a:off x="0" y="0"/>
-          <a:ext cx="0" cy="0"/>
-          <a:chOff x="0" y="0"/>
-          <a:chExt cx="0" cy="0"/>
-        </a:xfrm>
-      </p:grpSpPr>
-      <p:sp>
-        <p:nvSpPr>
-          <p:cNvPr id="2" name="Title 1"/>
-          <p:cNvSpPr>
-            <a:spLocks noGrp="1"/>
-          </p:cNvSpPr>
-          <p:nvPr>
-            <p:ph type="title"/>
-          </p:nvPr>
-        </p:nvSpPr>
-        <p:spPr/>
-        <p:txBody>
-          <a:bodyPr>
-            <a:normAutofit/>
-          </a:bodyPr>
-          <a:lstStyle/>
-          <a:p>
-            <a:r>
-              <a:rPr lang="en-US" dirty="0"/>
-              <a:t>Andy Mallon</a:t>
-            </a:r>
-          </a:p>
-        </p:txBody>
-      </p:sp>
-      <p:sp>
-        <p:nvSpPr>
-          <p:cNvPr id="3" name="Content Placeholder 2"/>
-          <p:cNvSpPr>
-            <a:spLocks noGrp="1"/>
-          </p:cNvSpPr>
-          <p:nvPr>
-            <p:ph idx="1"/>
-          </p:nvPr>
-        </p:nvSpPr>
-        <p:spPr>
-          <a:xfrm>
-            <a:off x="816863" y="1803400"/>
-            <a:ext cx="11078151" cy="4460834"/>
-          </a:xfrm>
-        </p:spPr>
-        <p:txBody>
-          <a:bodyPr>
-            <a:normAutofit fontScale="92500" lnSpcReduction="10000"/>
-          </a:bodyPr>
-          <a:lstStyle/>
-          <a:p>
-            <a:r>
-              <a:rPr lang="en-US" dirty="0"/>
-              <a:t>I sell furniture at the mall</a:t>
-            </a:r>
-          </a:p>
-          <a:p>
-            <a:pPr lvl="1"/>
-            <a:r>
-              <a:rPr lang="en-US" dirty="0"/>
-              <a:t>Database Architect at Wayfair.com*</a:t>
-            </a:r>
-          </a:p>
-          <a:p>
-            <a:r>
-              <a:rPr lang="en-US" dirty="0"/>
-              <a:t>Working with SQL Server since 2003</a:t>
-            </a:r>
-          </a:p>
-          <a:p>
-            <a:r>
-              <a:rPr lang="en-US" dirty="0"/>
-              <a:t>Background in Tech Support, Database Administration, and Database Architecture</a:t>
-            </a:r>
-          </a:p>
-          <a:p>
-            <a:r>
-              <a:rPr lang="en-US" dirty="0"/>
-              <a:t>Lazy</a:t>
-            </a:r>
-          </a:p>
-          <a:p>
-            <a:r>
-              <a:rPr lang="en-US" dirty="0"/>
-              <a:t>Impatient</a:t>
-            </a:r>
-          </a:p>
-          <a:p>
-            <a:pPr marL="0" indent="0">
-              <a:buNone/>
-            </a:pPr>
-            <a:r>
-              <a:rPr lang="en-US" sz="1900" dirty="0"/>
-              <a:t>* The views &amp; opinions expressed in this presentation are mine alone and do </a:t>
-            </a:r>
-            <a:r>
-              <a:rPr lang="en-US" sz="1900"/>
-              <a:t>not reflect </a:t>
-            </a:r>
-            <a:r>
-              <a:rPr lang="en-US" sz="1900" dirty="0"/>
-              <a:t>the views of my employer.</a:t>
-            </a:r>
-          </a:p>
-          <a:p>
-            <a:pPr lvl="1"/>
-            <a:endParaRPr lang="en-US" dirty="0"/>
-          </a:p>
-        </p:txBody>
-      </p:sp>
-      <p:pic>
-        <p:nvPicPr>
-          <p:cNvPr id="1026" name="Picture 2" descr="Related image">
-            <a:extLst>
-              <a:ext uri="{FF2B5EF4-FFF2-40B4-BE49-F238E27FC236}">
-                <a16:creationId xmlns:a16="http://schemas.microsoft.com/office/drawing/2014/main" id="{81AD33C5-0214-467D-8968-80C675072218}"/>
-              </a:ext>
-            </a:extLst>
-          </p:cNvPr>
-          <p:cNvPicPr>
-            <a:picLocks noChangeAspect="1" noChangeArrowheads="1"/>
-          </p:cNvPicPr>
-          <p:nvPr/>
-        </p:nvPicPr>
-        <p:blipFill rotWithShape="1">
-          <a:blip r:embed="rId3">
-            <a:extLst>
-              <a:ext uri="{28A0092B-C50C-407E-A947-70E740481C1C}">
-                <a14:useLocalDpi xmlns:a14="http://schemas.microsoft.com/office/drawing/2010/main" val="0"/>
-              </a:ext>
-            </a:extLst>
-          </a:blip>
-          <a:srcRect l="8126" t="23695" r="9261" b="25016"/>
-          <a:stretch/>
-        </p:blipFill>
-        <p:spPr bwMode="auto">
-          <a:xfrm>
-            <a:off x="8026400" y="1865923"/>
-            <a:ext cx="3985846" cy="1005281"/>
-          </a:xfrm>
-          <a:prstGeom prst="rect">
-            <a:avLst/>
-          </a:prstGeom>
-          <a:noFill/>
-          <a:extLst>
-            <a:ext uri="{909E8E84-426E-40DD-AFC4-6F175D3DCCD1}">
-              <a14:hiddenFill xmlns:a14="http://schemas.microsoft.com/office/drawing/2010/main">
-                <a:solidFill>
-                  <a:srgbClr val="FFFFFF"/>
-                </a:solidFill>
-              </a14:hiddenFill>
-            </a:ext>
-          </a:extLst>
-        </p:spPr>
-      </p:pic>
-    </p:spTree>
-    <p:extLst>
-      <p:ext uri="{BB962C8B-B14F-4D97-AF65-F5344CB8AC3E}">
-        <p14:creationId xmlns:p14="http://schemas.microsoft.com/office/powerpoint/2010/main" val="1633895870"/>
-      </p:ext>
-    </p:extLst>
-  </p:cSld>
-  <p:clrMapOvr>
-    <a:masterClrMapping/>
-  </p:clrMapOvr>
-</p:sld>
-</file>
-
-<file path=ppt/slides/slide20.xml><?xml version="1.0" encoding="utf-8"?>
+<file path=ppt/slides/slide21.xml><?xml version="1.0" encoding="utf-8"?>
 <p:sld xmlns:a="http://schemas.openxmlformats.org/drawingml/2006/main" xmlns:r="http://schemas.openxmlformats.org/officeDocument/2006/relationships" xmlns:p="http://schemas.openxmlformats.org/presentationml/2006/main">
   <p:cSld>
     <p:spTree>
@@ -11639,7 +12131,7 @@
 </p:sld>
 </file>
 
-<file path=ppt/slides/slide21.xml><?xml version="1.0" encoding="utf-8"?>
+<file path=ppt/slides/slide22.xml><?xml version="1.0" encoding="utf-8"?>
 <p:sld xmlns:a="http://schemas.openxmlformats.org/drawingml/2006/main" xmlns:r="http://schemas.openxmlformats.org/officeDocument/2006/relationships" xmlns:p="http://schemas.openxmlformats.org/presentationml/2006/main">
   <p:cSld>
     <p:spTree>
@@ -11964,7 +12456,7 @@
 </p:sld>
 </file>
 
-<file path=ppt/slides/slide22.xml><?xml version="1.0" encoding="utf-8"?>
+<file path=ppt/slides/slide23.xml><?xml version="1.0" encoding="utf-8"?>
 <p:sld xmlns:a="http://schemas.openxmlformats.org/drawingml/2006/main" xmlns:r="http://schemas.openxmlformats.org/officeDocument/2006/relationships" xmlns:p="http://schemas.openxmlformats.org/presentationml/2006/main">
   <p:cSld>
     <p:spTree>
@@ -12334,169 +12826,6 @@
 </p:sld>
 </file>
 
-<file path=ppt/slides/slide23.xml><?xml version="1.0" encoding="utf-8"?>
-<p:sld xmlns:a="http://schemas.openxmlformats.org/drawingml/2006/main" xmlns:r="http://schemas.openxmlformats.org/officeDocument/2006/relationships" xmlns:p="http://schemas.openxmlformats.org/presentationml/2006/main">
-  <p:cSld>
-    <p:spTree>
-      <p:nvGrpSpPr>
-        <p:cNvPr id="1" name=""/>
-        <p:cNvGrpSpPr/>
-        <p:nvPr/>
-      </p:nvGrpSpPr>
-      <p:grpSpPr>
-        <a:xfrm>
-          <a:off x="0" y="0"/>
-          <a:ext cx="0" cy="0"/>
-          <a:chOff x="0" y="0"/>
-          <a:chExt cx="0" cy="0"/>
-        </a:xfrm>
-      </p:grpSpPr>
-      <p:sp>
-        <p:nvSpPr>
-          <p:cNvPr id="2" name="Title 1"/>
-          <p:cNvSpPr>
-            <a:spLocks noGrp="1"/>
-          </p:cNvSpPr>
-          <p:nvPr>
-            <p:ph type="title"/>
-          </p:nvPr>
-        </p:nvSpPr>
-        <p:spPr/>
-        <p:txBody>
-          <a:bodyPr/>
-          <a:lstStyle/>
-          <a:p>
-            <a:r>
-              <a:rPr lang="en-US" dirty="0"/>
-              <a:t>Syntax</a:t>
-            </a:r>
-          </a:p>
-        </p:txBody>
-      </p:sp>
-      <p:sp>
-        <p:nvSpPr>
-          <p:cNvPr id="3" name="Content Placeholder 2"/>
-          <p:cNvSpPr>
-            <a:spLocks noGrp="1"/>
-          </p:cNvSpPr>
-          <p:nvPr>
-            <p:ph idx="1"/>
-          </p:nvPr>
-        </p:nvSpPr>
-        <p:spPr>
-          <a:xfrm>
-            <a:off x="677334" y="2160589"/>
-            <a:ext cx="10100022" cy="3437777"/>
-          </a:xfrm>
-        </p:spPr>
-        <p:txBody>
-          <a:bodyPr>
-            <a:normAutofit/>
-          </a:bodyPr>
-          <a:lstStyle/>
-          <a:p>
-            <a:r>
-              <a:rPr lang="en-US" altLang="en-US" sz="2400" b="1" dirty="0">
-                <a:solidFill>
-                  <a:srgbClr val="006699"/>
-                </a:solidFill>
-                <a:latin typeface="Consolas" panose="020B0609020204030204" pitchFamily="49" charset="0"/>
-              </a:rPr>
-              <a:t>WITH</a:t>
-            </a:r>
-            <a:r>
-              <a:rPr lang="en-US" altLang="en-US" sz="2400" dirty="0">
-                <a:solidFill>
-                  <a:srgbClr val="303030"/>
-                </a:solidFill>
-                <a:latin typeface="Consolas" panose="020B0609020204030204" pitchFamily="49" charset="0"/>
-              </a:rPr>
-              <a:t> </a:t>
-            </a:r>
-            <a:r>
-              <a:rPr lang="en-US" altLang="en-US" sz="2400" dirty="0">
-                <a:solidFill>
-                  <a:srgbClr val="000000"/>
-                </a:solidFill>
-                <a:latin typeface="Consolas" panose="020B0609020204030204" pitchFamily="49" charset="0"/>
-              </a:rPr>
-              <a:t>(</a:t>
-            </a:r>
-            <a:r>
-              <a:rPr lang="en-US" altLang="en-US" sz="2400" dirty="0" err="1">
-                <a:solidFill>
-                  <a:srgbClr val="000000"/>
-                </a:solidFill>
-                <a:latin typeface="Consolas" panose="020B0609020204030204" pitchFamily="49" charset="0"/>
-              </a:rPr>
-              <a:t>Data_Compression</a:t>
-            </a:r>
-            <a:r>
-              <a:rPr lang="en-US" altLang="en-US" sz="2400" dirty="0">
-                <a:solidFill>
-                  <a:srgbClr val="000000"/>
-                </a:solidFill>
-                <a:latin typeface="Consolas" panose="020B0609020204030204" pitchFamily="49" charset="0"/>
-              </a:rPr>
-              <a:t>=[NONE/ROW/PAGE])</a:t>
-            </a:r>
-          </a:p>
-          <a:p>
-            <a:pPr lvl="1"/>
-            <a:r>
-              <a:rPr lang="en-US" sz="2000" dirty="0"/>
-              <a:t>CREATE TABLE</a:t>
-            </a:r>
-          </a:p>
-          <a:p>
-            <a:pPr lvl="1"/>
-            <a:r>
-              <a:rPr lang="en-US" sz="2000" dirty="0"/>
-              <a:t>CREATE INDEX</a:t>
-            </a:r>
-          </a:p>
-          <a:p>
-            <a:pPr lvl="1"/>
-            <a:r>
-              <a:rPr lang="en-US" sz="2000" dirty="0"/>
-              <a:t>ALTER TABLE…REBUILD</a:t>
-            </a:r>
-          </a:p>
-          <a:p>
-            <a:pPr lvl="1"/>
-            <a:r>
-              <a:rPr lang="en-US" sz="2000" dirty="0"/>
-              <a:t>ALTER INDEX…REBUILD</a:t>
-            </a:r>
-          </a:p>
-          <a:p>
-            <a:endParaRPr lang="en-US" dirty="0"/>
-          </a:p>
-          <a:p>
-            <a:r>
-              <a:rPr lang="en-US" sz="3200" dirty="0">
-                <a:solidFill>
-                  <a:schemeClr val="tx1"/>
-                </a:solidFill>
-              </a:rPr>
-              <a:t>Anytime you build/rebuild an entire B-Tree or table</a:t>
-            </a:r>
-          </a:p>
-        </p:txBody>
-      </p:sp>
-    </p:spTree>
-    <p:extLst>
-      <p:ext uri="{BB962C8B-B14F-4D97-AF65-F5344CB8AC3E}">
-        <p14:creationId xmlns:p14="http://schemas.microsoft.com/office/powerpoint/2010/main" val="1263069789"/>
-      </p:ext>
-    </p:extLst>
-  </p:cSld>
-  <p:clrMapOvr>
-    <a:masterClrMapping/>
-  </p:clrMapOvr>
-</p:sld>
-</file>
-
 <file path=ppt/slides/slide24.xml><?xml version="1.0" encoding="utf-8"?>
 <p:sld xmlns:a="http://schemas.openxmlformats.org/drawingml/2006/main" xmlns:r="http://schemas.openxmlformats.org/officeDocument/2006/relationships" xmlns:p="http://schemas.openxmlformats.org/presentationml/2006/main">
   <p:cSld>
@@ -12530,6 +12859,169 @@
           <a:lstStyle/>
           <a:p>
             <a:r>
+              <a:rPr lang="en-US" dirty="0"/>
+              <a:t>Syntax</a:t>
+            </a:r>
+          </a:p>
+        </p:txBody>
+      </p:sp>
+      <p:sp>
+        <p:nvSpPr>
+          <p:cNvPr id="3" name="Content Placeholder 2"/>
+          <p:cNvSpPr>
+            <a:spLocks noGrp="1"/>
+          </p:cNvSpPr>
+          <p:nvPr>
+            <p:ph idx="1"/>
+          </p:nvPr>
+        </p:nvSpPr>
+        <p:spPr>
+          <a:xfrm>
+            <a:off x="677334" y="2160589"/>
+            <a:ext cx="10100022" cy="3437777"/>
+          </a:xfrm>
+        </p:spPr>
+        <p:txBody>
+          <a:bodyPr>
+            <a:normAutofit/>
+          </a:bodyPr>
+          <a:lstStyle/>
+          <a:p>
+            <a:r>
+              <a:rPr lang="en-US" altLang="en-US" sz="2400" b="1" dirty="0">
+                <a:solidFill>
+                  <a:srgbClr val="006699"/>
+                </a:solidFill>
+                <a:latin typeface="Consolas" panose="020B0609020204030204" pitchFamily="49" charset="0"/>
+              </a:rPr>
+              <a:t>WITH</a:t>
+            </a:r>
+            <a:r>
+              <a:rPr lang="en-US" altLang="en-US" sz="2400" dirty="0">
+                <a:solidFill>
+                  <a:srgbClr val="303030"/>
+                </a:solidFill>
+                <a:latin typeface="Consolas" panose="020B0609020204030204" pitchFamily="49" charset="0"/>
+              </a:rPr>
+              <a:t> </a:t>
+            </a:r>
+            <a:r>
+              <a:rPr lang="en-US" altLang="en-US" sz="2400" dirty="0">
+                <a:solidFill>
+                  <a:srgbClr val="000000"/>
+                </a:solidFill>
+                <a:latin typeface="Consolas" panose="020B0609020204030204" pitchFamily="49" charset="0"/>
+              </a:rPr>
+              <a:t>(</a:t>
+            </a:r>
+            <a:r>
+              <a:rPr lang="en-US" altLang="en-US" sz="2400" dirty="0" err="1">
+                <a:solidFill>
+                  <a:srgbClr val="000000"/>
+                </a:solidFill>
+                <a:latin typeface="Consolas" panose="020B0609020204030204" pitchFamily="49" charset="0"/>
+              </a:rPr>
+              <a:t>Data_Compression</a:t>
+            </a:r>
+            <a:r>
+              <a:rPr lang="en-US" altLang="en-US" sz="2400" dirty="0">
+                <a:solidFill>
+                  <a:srgbClr val="000000"/>
+                </a:solidFill>
+                <a:latin typeface="Consolas" panose="020B0609020204030204" pitchFamily="49" charset="0"/>
+              </a:rPr>
+              <a:t>=[NONE/ROW/PAGE])</a:t>
+            </a:r>
+          </a:p>
+          <a:p>
+            <a:pPr lvl="1"/>
+            <a:r>
+              <a:rPr lang="en-US" sz="2000" dirty="0"/>
+              <a:t>CREATE TABLE</a:t>
+            </a:r>
+          </a:p>
+          <a:p>
+            <a:pPr lvl="1"/>
+            <a:r>
+              <a:rPr lang="en-US" sz="2000" dirty="0"/>
+              <a:t>CREATE INDEX</a:t>
+            </a:r>
+          </a:p>
+          <a:p>
+            <a:pPr lvl="1"/>
+            <a:r>
+              <a:rPr lang="en-US" sz="2000" dirty="0"/>
+              <a:t>ALTER TABLE…REBUILD</a:t>
+            </a:r>
+          </a:p>
+          <a:p>
+            <a:pPr lvl="1"/>
+            <a:r>
+              <a:rPr lang="en-US" sz="2000" dirty="0"/>
+              <a:t>ALTER INDEX…REBUILD</a:t>
+            </a:r>
+          </a:p>
+          <a:p>
+            <a:endParaRPr lang="en-US" dirty="0"/>
+          </a:p>
+          <a:p>
+            <a:r>
+              <a:rPr lang="en-US" sz="3200" dirty="0">
+                <a:solidFill>
+                  <a:schemeClr val="tx1"/>
+                </a:solidFill>
+              </a:rPr>
+              <a:t>Anytime you build/rebuild an entire B-Tree or table</a:t>
+            </a:r>
+          </a:p>
+        </p:txBody>
+      </p:sp>
+    </p:spTree>
+    <p:extLst>
+      <p:ext uri="{BB962C8B-B14F-4D97-AF65-F5344CB8AC3E}">
+        <p14:creationId xmlns:p14="http://schemas.microsoft.com/office/powerpoint/2010/main" val="1263069789"/>
+      </p:ext>
+    </p:extLst>
+  </p:cSld>
+  <p:clrMapOvr>
+    <a:masterClrMapping/>
+  </p:clrMapOvr>
+</p:sld>
+</file>
+
+<file path=ppt/slides/slide25.xml><?xml version="1.0" encoding="utf-8"?>
+<p:sld xmlns:a="http://schemas.openxmlformats.org/drawingml/2006/main" xmlns:r="http://schemas.openxmlformats.org/officeDocument/2006/relationships" xmlns:p="http://schemas.openxmlformats.org/presentationml/2006/main">
+  <p:cSld>
+    <p:spTree>
+      <p:nvGrpSpPr>
+        <p:cNvPr id="1" name=""/>
+        <p:cNvGrpSpPr/>
+        <p:nvPr/>
+      </p:nvGrpSpPr>
+      <p:grpSpPr>
+        <a:xfrm>
+          <a:off x="0" y="0"/>
+          <a:ext cx="0" cy="0"/>
+          <a:chOff x="0" y="0"/>
+          <a:chExt cx="0" cy="0"/>
+        </a:xfrm>
+      </p:grpSpPr>
+      <p:sp>
+        <p:nvSpPr>
+          <p:cNvPr id="2" name="Title 1"/>
+          <p:cNvSpPr>
+            <a:spLocks noGrp="1"/>
+          </p:cNvSpPr>
+          <p:nvPr>
+            <p:ph type="title"/>
+          </p:nvPr>
+        </p:nvSpPr>
+        <p:spPr/>
+        <p:txBody>
+          <a:bodyPr/>
+          <a:lstStyle/>
+          <a:p>
+            <a:r>
               <a:rPr lang="en-US"/>
               <a:t>Useful stored procedures &amp; DMVs</a:t>
             </a:r>
@@ -12620,7 +13112,7 @@
 </p:sld>
 </file>
 
-<file path=ppt/slides/slide25.xml><?xml version="1.0" encoding="utf-8"?>
+<file path=ppt/slides/slide26.xml><?xml version="1.0" encoding="utf-8"?>
 <p:sld xmlns:a="http://schemas.openxmlformats.org/drawingml/2006/main" xmlns:r="http://schemas.openxmlformats.org/officeDocument/2006/relationships" xmlns:p="http://schemas.openxmlformats.org/presentationml/2006/main">
   <p:cSld>
     <p:spTree>
@@ -12944,7 +13436,7 @@
 </p:sld>
 </file>
 
-<file path=ppt/slides/slide26.xml><?xml version="1.0" encoding="utf-8"?>
+<file path=ppt/slides/slide27.xml><?xml version="1.0" encoding="utf-8"?>
 <p:sld xmlns:a="http://schemas.openxmlformats.org/drawingml/2006/main" xmlns:r="http://schemas.openxmlformats.org/officeDocument/2006/relationships" xmlns:p="http://schemas.openxmlformats.org/presentationml/2006/main">
   <p:cSld>
     <p:spTree>
@@ -15624,7 +16116,7 @@
 </p:sld>
 </file>
 
-<file path=ppt/slides/slide27.xml><?xml version="1.0" encoding="utf-8"?>
+<file path=ppt/slides/slide28.xml><?xml version="1.0" encoding="utf-8"?>
 <p:sld xmlns:a="http://schemas.openxmlformats.org/drawingml/2006/main" xmlns:r="http://schemas.openxmlformats.org/officeDocument/2006/relationships" xmlns:p="http://schemas.openxmlformats.org/presentationml/2006/main">
   <p:cSld>
     <p:spTree>
@@ -16167,7 +16659,7 @@
 </p:sld>
 </file>
 
-<file path=ppt/slides/slide28.xml><?xml version="1.0" encoding="utf-8"?>
+<file path=ppt/slides/slide29.xml><?xml version="1.0" encoding="utf-8"?>
 <p:sld xmlns:a="http://schemas.openxmlformats.org/drawingml/2006/main" xmlns:r="http://schemas.openxmlformats.org/officeDocument/2006/relationships" xmlns:p="http://schemas.openxmlformats.org/presentationml/2006/main">
   <p:cSld>
     <p:spTree>
@@ -17021,7 +17513,108 @@
 </p:sld>
 </file>
 
-<file path=ppt/slides/slide29.xml><?xml version="1.0" encoding="utf-8"?>
+<file path=ppt/slides/slide3.xml><?xml version="1.0" encoding="utf-8"?>
+<p:sld xmlns:a="http://schemas.openxmlformats.org/drawingml/2006/main" xmlns:r="http://schemas.openxmlformats.org/officeDocument/2006/relationships" xmlns:p="http://schemas.openxmlformats.org/presentationml/2006/main">
+  <p:cSld>
+    <p:spTree>
+      <p:nvGrpSpPr>
+        <p:cNvPr id="1" name=""/>
+        <p:cNvGrpSpPr/>
+        <p:nvPr/>
+      </p:nvGrpSpPr>
+      <p:grpSpPr>
+        <a:xfrm>
+          <a:off x="0" y="0"/>
+          <a:ext cx="0" cy="0"/>
+          <a:chOff x="0" y="0"/>
+          <a:chExt cx="0" cy="0"/>
+        </a:xfrm>
+      </p:grpSpPr>
+      <p:sp>
+        <p:nvSpPr>
+          <p:cNvPr id="2" name="Title 1"/>
+          <p:cNvSpPr>
+            <a:spLocks noGrp="1"/>
+          </p:cNvSpPr>
+          <p:nvPr>
+            <p:ph type="title"/>
+          </p:nvPr>
+        </p:nvSpPr>
+        <p:spPr/>
+        <p:txBody>
+          <a:bodyPr>
+            <a:normAutofit/>
+          </a:bodyPr>
+          <a:lstStyle/>
+          <a:p>
+            <a:r>
+              <a:rPr lang="en-US" dirty="0"/>
+              <a:t>Andy Mallon</a:t>
+            </a:r>
+          </a:p>
+        </p:txBody>
+      </p:sp>
+      <p:sp>
+        <p:nvSpPr>
+          <p:cNvPr id="3" name="Content Placeholder 2"/>
+          <p:cNvSpPr>
+            <a:spLocks noGrp="1"/>
+          </p:cNvSpPr>
+          <p:nvPr>
+            <p:ph idx="1"/>
+          </p:nvPr>
+        </p:nvSpPr>
+        <p:spPr>
+          <a:xfrm>
+            <a:off x="816863" y="1803400"/>
+            <a:ext cx="11078151" cy="4460834"/>
+          </a:xfrm>
+        </p:spPr>
+        <p:txBody>
+          <a:bodyPr>
+            <a:normAutofit/>
+          </a:bodyPr>
+          <a:lstStyle/>
+          <a:p>
+            <a:r>
+              <a:rPr lang="en-US" dirty="0"/>
+              <a:t>Working with SQL Server since 2003</a:t>
+            </a:r>
+          </a:p>
+          <a:p>
+            <a:r>
+              <a:rPr lang="en-US" dirty="0"/>
+              <a:t>Background in Tech Support, Database Administration, and Database Architecture</a:t>
+            </a:r>
+          </a:p>
+          <a:p>
+            <a:r>
+              <a:rPr lang="en-US" dirty="0"/>
+              <a:t>Lazy</a:t>
+            </a:r>
+          </a:p>
+          <a:p>
+            <a:r>
+              <a:rPr lang="en-US" dirty="0"/>
+              <a:t>Impatient</a:t>
+            </a:r>
+          </a:p>
+        </p:txBody>
+      </p:sp>
+    </p:spTree>
+    <p:extLst>
+      <p:ext uri="{BB962C8B-B14F-4D97-AF65-F5344CB8AC3E}">
+        <p14:creationId xmlns:p14="http://schemas.microsoft.com/office/powerpoint/2010/main" val="2725859951"/>
+      </p:ext>
+    </p:extLst>
+  </p:cSld>
+  <p:clrMapOvr>
+    <a:masterClrMapping/>
+  </p:clrMapOvr>
+</p:sld>
+</file>
+
+<file path=ppt/slides/slide30.xml><?xml version="1.0" encoding="utf-8"?>
 <p:sld xmlns:a="http://schemas.openxmlformats.org/drawingml/2006/main" xmlns:r="http://schemas.openxmlformats.org/officeDocument/2006/relationships" xmlns:p="http://schemas.openxmlformats.org/presentationml/2006/main" showMasterSp="0">
   <p:cSld>
     <p:spTree>
@@ -17267,251 +17860,7 @@
 </p:sld>
 </file>
 
-<file path=ppt/slides/slide3.xml><?xml version="1.0" encoding="utf-8"?>
-<p:sld xmlns:a="http://schemas.openxmlformats.org/drawingml/2006/main" xmlns:r="http://schemas.openxmlformats.org/officeDocument/2006/relationships" xmlns:p="http://schemas.openxmlformats.org/presentationml/2006/main">
-  <p:cSld>
-    <p:spTree>
-      <p:nvGrpSpPr>
-        <p:cNvPr id="1" name=""/>
-        <p:cNvGrpSpPr/>
-        <p:nvPr/>
-      </p:nvGrpSpPr>
-      <p:grpSpPr>
-        <a:xfrm>
-          <a:off x="0" y="0"/>
-          <a:ext cx="0" cy="0"/>
-          <a:chOff x="0" y="0"/>
-          <a:chExt cx="0" cy="0"/>
-        </a:xfrm>
-      </p:grpSpPr>
-      <p:pic>
-        <p:nvPicPr>
-          <p:cNvPr id="11" name="Picture 10"/>
-          <p:cNvPicPr>
-            <a:picLocks noChangeAspect="1"/>
-          </p:cNvPicPr>
-          <p:nvPr/>
-        </p:nvPicPr>
-        <p:blipFill>
-          <a:blip r:embed="rId3"/>
-          <a:srcRect/>
-          <a:stretch/>
-        </p:blipFill>
-        <p:spPr>
-          <a:xfrm>
-            <a:off x="413777" y="172009"/>
-            <a:ext cx="4394812" cy="4394812"/>
-          </a:xfrm>
-          <a:prstGeom prst="rect">
-            <a:avLst/>
-          </a:prstGeom>
-        </p:spPr>
-      </p:pic>
-      <p:pic>
-        <p:nvPicPr>
-          <p:cNvPr id="13" name="Picture 12"/>
-          <p:cNvPicPr>
-            <a:picLocks noChangeAspect="1"/>
-          </p:cNvPicPr>
-          <p:nvPr/>
-        </p:nvPicPr>
-        <p:blipFill>
-          <a:blip r:embed="rId4"/>
-          <a:stretch>
-            <a:fillRect/>
-          </a:stretch>
-        </p:blipFill>
-        <p:spPr>
-          <a:xfrm>
-            <a:off x="400255" y="4890413"/>
-            <a:ext cx="4421856" cy="1784051"/>
-          </a:xfrm>
-          <a:prstGeom prst="rect">
-            <a:avLst/>
-          </a:prstGeom>
-        </p:spPr>
-      </p:pic>
-      <p:grpSp>
-        <p:nvGrpSpPr>
-          <p:cNvPr id="2" name="Group 1">
-            <a:extLst>
-              <a:ext uri="{FF2B5EF4-FFF2-40B4-BE49-F238E27FC236}">
-                <a16:creationId xmlns:a16="http://schemas.microsoft.com/office/drawing/2014/main" id="{9F4DB41A-6EA6-4C14-AD51-A465DA07699D}"/>
-              </a:ext>
-            </a:extLst>
-          </p:cNvPr>
-          <p:cNvGrpSpPr/>
-          <p:nvPr/>
-        </p:nvGrpSpPr>
-        <p:grpSpPr>
-          <a:xfrm>
-            <a:off x="5100083" y="103291"/>
-            <a:ext cx="6678140" cy="6645434"/>
-            <a:chOff x="413777" y="103291"/>
-            <a:chExt cx="6678140" cy="6645434"/>
-          </a:xfrm>
-        </p:grpSpPr>
-        <p:pic>
-          <p:nvPicPr>
-            <p:cNvPr id="16" name="Picture 6" descr="https://igcdn-photos-f-a.akamaihd.net/hphotos-ak-xpa1/t51.2885-15/11189591_897526703601277_1624430821_n.jpg"/>
-            <p:cNvPicPr>
-              <a:picLocks noChangeAspect="1" noChangeArrowheads="1"/>
-            </p:cNvPicPr>
-            <p:nvPr/>
-          </p:nvPicPr>
-          <p:blipFill rotWithShape="1">
-            <a:blip r:embed="rId5">
-              <a:extLst>
-                <a:ext uri="{28A0092B-C50C-407E-A947-70E740481C1C}">
-                  <a14:useLocalDpi xmlns:a14="http://schemas.microsoft.com/office/drawing/2010/main" val="0"/>
-                </a:ext>
-              </a:extLst>
-            </a:blip>
-            <a:srcRect l="5147" t="5147" r="4329" b="4329"/>
-            <a:stretch/>
-          </p:blipFill>
-          <p:spPr bwMode="auto">
-            <a:xfrm>
-              <a:off x="3814402" y="103291"/>
-              <a:ext cx="3277515" cy="3277515"/>
-            </a:xfrm>
-            <a:prstGeom prst="rect">
-              <a:avLst/>
-            </a:prstGeom>
-            <a:noFill/>
-            <a:extLst>
-              <a:ext uri="{909E8E84-426E-40DD-AFC4-6F175D3DCCD1}">
-                <a14:hiddenFill xmlns:a14="http://schemas.microsoft.com/office/drawing/2010/main">
-                  <a:solidFill>
-                    <a:srgbClr val="FFFFFF"/>
-                  </a:solidFill>
-                </a14:hiddenFill>
-              </a:ext>
-            </a:extLst>
-          </p:spPr>
-        </p:pic>
-        <p:pic>
-          <p:nvPicPr>
-            <p:cNvPr id="18" name="Picture 14" descr="https://scontent-lga1-1.xx.fbcdn.net/hphotos-xap1/v/t1.0-9/s720x720/68136_10101720166808721_132590210251102469_n.jpg?oh=3e5a58671cb5fa2387b7adbd563b3dfc&amp;oe=564A0B1B"/>
-            <p:cNvPicPr>
-              <a:picLocks noChangeAspect="1" noChangeArrowheads="1"/>
-            </p:cNvPicPr>
-            <p:nvPr/>
-          </p:nvPicPr>
-          <p:blipFill rotWithShape="1">
-            <a:blip r:embed="rId6">
-              <a:extLst>
-                <a:ext uri="{28A0092B-C50C-407E-A947-70E740481C1C}">
-                  <a14:useLocalDpi xmlns:a14="http://schemas.microsoft.com/office/drawing/2010/main" val="0"/>
-                </a:ext>
-              </a:extLst>
-            </a:blip>
-            <a:srcRect t="16054" b="17444"/>
-            <a:stretch/>
-          </p:blipFill>
-          <p:spPr bwMode="auto">
-            <a:xfrm>
-              <a:off x="413777" y="103291"/>
-              <a:ext cx="3281038" cy="3279769"/>
-            </a:xfrm>
-            <a:prstGeom prst="rect">
-              <a:avLst/>
-            </a:prstGeom>
-            <a:noFill/>
-            <a:extLst>
-              <a:ext uri="{909E8E84-426E-40DD-AFC4-6F175D3DCCD1}">
-                <a14:hiddenFill xmlns:a14="http://schemas.microsoft.com/office/drawing/2010/main">
-                  <a:solidFill>
-                    <a:srgbClr val="FFFFFF"/>
-                  </a:solidFill>
-                </a14:hiddenFill>
-              </a:ext>
-            </a:extLst>
-          </p:spPr>
-        </p:pic>
-        <p:pic>
-          <p:nvPicPr>
-            <p:cNvPr id="17" name="Picture 8" descr="https://igcdn-photos-d-a.akamaihd.net/hphotos-ak-xap1/t51.2885-15/11186841_793274697407251_668407686_n.jpg"/>
-            <p:cNvPicPr>
-              <a:picLocks noChangeAspect="1" noChangeArrowheads="1"/>
-            </p:cNvPicPr>
-            <p:nvPr/>
-          </p:nvPicPr>
-          <p:blipFill rotWithShape="1">
-            <a:blip r:embed="rId7">
-              <a:extLst>
-                <a:ext uri="{28A0092B-C50C-407E-A947-70E740481C1C}">
-                  <a14:useLocalDpi xmlns:a14="http://schemas.microsoft.com/office/drawing/2010/main" val="0"/>
-                </a:ext>
-              </a:extLst>
-            </a:blip>
-            <a:srcRect l="4236" t="5599" r="5599" b="4236"/>
-            <a:stretch/>
-          </p:blipFill>
-          <p:spPr bwMode="auto">
-            <a:xfrm>
-              <a:off x="3816127" y="3472935"/>
-              <a:ext cx="3275790" cy="3275790"/>
-            </a:xfrm>
-            <a:prstGeom prst="rect">
-              <a:avLst/>
-            </a:prstGeom>
-            <a:noFill/>
-            <a:extLst>
-              <a:ext uri="{909E8E84-426E-40DD-AFC4-6F175D3DCCD1}">
-                <a14:hiddenFill xmlns:a14="http://schemas.microsoft.com/office/drawing/2010/main">
-                  <a:solidFill>
-                    <a:srgbClr val="FFFFFF"/>
-                  </a:solidFill>
-                </a14:hiddenFill>
-              </a:ext>
-            </a:extLst>
-          </p:spPr>
-        </p:pic>
-        <p:pic>
-          <p:nvPicPr>
-            <p:cNvPr id="9" name="Picture 8">
-              <a:extLst>
-                <a:ext uri="{FF2B5EF4-FFF2-40B4-BE49-F238E27FC236}">
-                  <a16:creationId xmlns:a16="http://schemas.microsoft.com/office/drawing/2014/main" id="{3DB53842-78CA-4F6E-A1F6-491D1C00734E}"/>
-                </a:ext>
-              </a:extLst>
-            </p:cNvPr>
-            <p:cNvPicPr>
-              <a:picLocks noChangeAspect="1"/>
-            </p:cNvPicPr>
-            <p:nvPr/>
-          </p:nvPicPr>
-          <p:blipFill rotWithShape="1">
-            <a:blip r:embed="rId8"/>
-            <a:srcRect l="11277" r="7473"/>
-            <a:stretch/>
-          </p:blipFill>
-          <p:spPr>
-            <a:xfrm>
-              <a:off x="417799" y="3472935"/>
-              <a:ext cx="3275790" cy="3275790"/>
-            </a:xfrm>
-            <a:prstGeom prst="rect">
-              <a:avLst/>
-            </a:prstGeom>
-          </p:spPr>
-        </p:pic>
-      </p:grpSp>
-    </p:spTree>
-    <p:extLst>
-      <p:ext uri="{BB962C8B-B14F-4D97-AF65-F5344CB8AC3E}">
-        <p14:creationId xmlns:p14="http://schemas.microsoft.com/office/powerpoint/2010/main" val="2678543267"/>
-      </p:ext>
-    </p:extLst>
-  </p:cSld>
-  <p:clrMapOvr>
-    <a:masterClrMapping/>
-  </p:clrMapOvr>
-</p:sld>
-</file>
-
-<file path=ppt/slides/slide30.xml><?xml version="1.0" encoding="utf-8"?>
+<file path=ppt/slides/slide31.xml><?xml version="1.0" encoding="utf-8"?>
 <p:sld xmlns:a="http://schemas.openxmlformats.org/drawingml/2006/main" xmlns:r="http://schemas.openxmlformats.org/officeDocument/2006/relationships" xmlns:p="http://schemas.openxmlformats.org/presentationml/2006/main">
   <p:cSld>
     <p:spTree>
@@ -17845,7 +18194,7 @@
 </p:sld>
 </file>
 
-<file path=ppt/slides/slide31.xml><?xml version="1.0" encoding="utf-8"?>
+<file path=ppt/slides/slide32.xml><?xml version="1.0" encoding="utf-8"?>
 <p:sld xmlns:a="http://schemas.openxmlformats.org/drawingml/2006/main" xmlns:r="http://schemas.openxmlformats.org/officeDocument/2006/relationships" xmlns:p="http://schemas.openxmlformats.org/presentationml/2006/main">
   <p:cSld>
     <p:spTree>
@@ -18173,7 +18522,7 @@
 </p:sld>
 </file>
 
-<file path=ppt/slides/slide32.xml><?xml version="1.0" encoding="utf-8"?>
+<file path=ppt/slides/slide33.xml><?xml version="1.0" encoding="utf-8"?>
 <p:sld xmlns:a="http://schemas.openxmlformats.org/drawingml/2006/main" xmlns:r="http://schemas.openxmlformats.org/officeDocument/2006/relationships" xmlns:p="http://schemas.openxmlformats.org/presentationml/2006/main">
   <p:cSld>
     <p:spTree>
@@ -18792,7 +19141,7 @@
 </p:sld>
 </file>
 
-<file path=ppt/slides/slide33.xml><?xml version="1.0" encoding="utf-8"?>
+<file path=ppt/slides/slide34.xml><?xml version="1.0" encoding="utf-8"?>
 <p:sld xmlns:a="http://schemas.openxmlformats.org/drawingml/2006/main" xmlns:r="http://schemas.openxmlformats.org/officeDocument/2006/relationships" xmlns:p="http://schemas.openxmlformats.org/presentationml/2006/main">
   <p:cSld>
     <p:spTree>
@@ -19133,7 +19482,7 @@
 </p:sld>
 </file>
 
-<file path=ppt/slides/slide34.xml><?xml version="1.0" encoding="utf-8"?>
+<file path=ppt/slides/slide35.xml><?xml version="1.0" encoding="utf-8"?>
 <p:sld xmlns:a="http://schemas.openxmlformats.org/drawingml/2006/main" xmlns:r="http://schemas.openxmlformats.org/officeDocument/2006/relationships" xmlns:p="http://schemas.openxmlformats.org/presentationml/2006/main">
   <p:cSld>
     <p:spTree>
@@ -19238,7 +19587,7 @@
 </p:sld>
 </file>
 
-<file path=ppt/slides/slide35.xml><?xml version="1.0" encoding="utf-8"?>
+<file path=ppt/slides/slide36.xml><?xml version="1.0" encoding="utf-8"?>
 <p:sld xmlns:a="http://schemas.openxmlformats.org/drawingml/2006/main" xmlns:r="http://schemas.openxmlformats.org/officeDocument/2006/relationships" xmlns:p="http://schemas.openxmlformats.org/presentationml/2006/main">
   <p:cSld>
     <p:spTree>
@@ -20269,7 +20618,7 @@
 </p:sld>
 </file>
 
-<file path=ppt/slides/slide36.xml><?xml version="1.0" encoding="utf-8"?>
+<file path=ppt/slides/slide37.xml><?xml version="1.0" encoding="utf-8"?>
 <p:sld xmlns:a="http://schemas.openxmlformats.org/drawingml/2006/main" xmlns:r="http://schemas.openxmlformats.org/officeDocument/2006/relationships" xmlns:p="http://schemas.openxmlformats.org/presentationml/2006/main">
   <p:cSld>
     <p:spTree>
@@ -21213,7 +21562,7 @@
 </p:sld>
 </file>
 
-<file path=ppt/slides/slide37.xml><?xml version="1.0" encoding="utf-8"?>
+<file path=ppt/slides/slide38.xml><?xml version="1.0" encoding="utf-8"?>
 <p:sld xmlns:a="http://schemas.openxmlformats.org/drawingml/2006/main" xmlns:r="http://schemas.openxmlformats.org/officeDocument/2006/relationships" xmlns:p="http://schemas.openxmlformats.org/presentationml/2006/main">
   <p:cSld>
     <p:spTree>
@@ -21313,7 +21662,7 @@
 </p:sld>
 </file>
 
-<file path=ppt/slides/slide38.xml><?xml version="1.0" encoding="utf-8"?>
+<file path=ppt/slides/slide39.xml><?xml version="1.0" encoding="utf-8"?>
 <p:sld xmlns:a="http://schemas.openxmlformats.org/drawingml/2006/main" xmlns:r="http://schemas.openxmlformats.org/officeDocument/2006/relationships" xmlns:p="http://schemas.openxmlformats.org/presentationml/2006/main">
   <p:cSld>
     <p:spTree>
@@ -22089,7 +22438,251 @@
 </p:sld>
 </file>
 
-<file path=ppt/slides/slide39.xml><?xml version="1.0" encoding="utf-8"?>
+<file path=ppt/slides/slide4.xml><?xml version="1.0" encoding="utf-8"?>
+<p:sld xmlns:a="http://schemas.openxmlformats.org/drawingml/2006/main" xmlns:r="http://schemas.openxmlformats.org/officeDocument/2006/relationships" xmlns:p="http://schemas.openxmlformats.org/presentationml/2006/main">
+  <p:cSld>
+    <p:spTree>
+      <p:nvGrpSpPr>
+        <p:cNvPr id="1" name=""/>
+        <p:cNvGrpSpPr/>
+        <p:nvPr/>
+      </p:nvGrpSpPr>
+      <p:grpSpPr>
+        <a:xfrm>
+          <a:off x="0" y="0"/>
+          <a:ext cx="0" cy="0"/>
+          <a:chOff x="0" y="0"/>
+          <a:chExt cx="0" cy="0"/>
+        </a:xfrm>
+      </p:grpSpPr>
+      <p:pic>
+        <p:nvPicPr>
+          <p:cNvPr id="11" name="Picture 10"/>
+          <p:cNvPicPr>
+            <a:picLocks noChangeAspect="1"/>
+          </p:cNvPicPr>
+          <p:nvPr/>
+        </p:nvPicPr>
+        <p:blipFill>
+          <a:blip r:embed="rId3"/>
+          <a:srcRect/>
+          <a:stretch/>
+        </p:blipFill>
+        <p:spPr>
+          <a:xfrm>
+            <a:off x="413777" y="172009"/>
+            <a:ext cx="4394812" cy="4394812"/>
+          </a:xfrm>
+          <a:prstGeom prst="rect">
+            <a:avLst/>
+          </a:prstGeom>
+        </p:spPr>
+      </p:pic>
+      <p:pic>
+        <p:nvPicPr>
+          <p:cNvPr id="13" name="Picture 12"/>
+          <p:cNvPicPr>
+            <a:picLocks noChangeAspect="1"/>
+          </p:cNvPicPr>
+          <p:nvPr/>
+        </p:nvPicPr>
+        <p:blipFill>
+          <a:blip r:embed="rId4"/>
+          <a:stretch>
+            <a:fillRect/>
+          </a:stretch>
+        </p:blipFill>
+        <p:spPr>
+          <a:xfrm>
+            <a:off x="400255" y="4890413"/>
+            <a:ext cx="4421856" cy="1784051"/>
+          </a:xfrm>
+          <a:prstGeom prst="rect">
+            <a:avLst/>
+          </a:prstGeom>
+        </p:spPr>
+      </p:pic>
+      <p:grpSp>
+        <p:nvGrpSpPr>
+          <p:cNvPr id="2" name="Group 1">
+            <a:extLst>
+              <a:ext uri="{FF2B5EF4-FFF2-40B4-BE49-F238E27FC236}">
+                <a16:creationId xmlns:a16="http://schemas.microsoft.com/office/drawing/2014/main" id="{9F4DB41A-6EA6-4C14-AD51-A465DA07699D}"/>
+              </a:ext>
+            </a:extLst>
+          </p:cNvPr>
+          <p:cNvGrpSpPr/>
+          <p:nvPr/>
+        </p:nvGrpSpPr>
+        <p:grpSpPr>
+          <a:xfrm>
+            <a:off x="5100083" y="103291"/>
+            <a:ext cx="6678140" cy="6645434"/>
+            <a:chOff x="413777" y="103291"/>
+            <a:chExt cx="6678140" cy="6645434"/>
+          </a:xfrm>
+        </p:grpSpPr>
+        <p:pic>
+          <p:nvPicPr>
+            <p:cNvPr id="16" name="Picture 6" descr="https://igcdn-photos-f-a.akamaihd.net/hphotos-ak-xpa1/t51.2885-15/11189591_897526703601277_1624430821_n.jpg"/>
+            <p:cNvPicPr>
+              <a:picLocks noChangeAspect="1" noChangeArrowheads="1"/>
+            </p:cNvPicPr>
+            <p:nvPr/>
+          </p:nvPicPr>
+          <p:blipFill rotWithShape="1">
+            <a:blip r:embed="rId5">
+              <a:extLst>
+                <a:ext uri="{28A0092B-C50C-407E-A947-70E740481C1C}">
+                  <a14:useLocalDpi xmlns:a14="http://schemas.microsoft.com/office/drawing/2010/main" val="0"/>
+                </a:ext>
+              </a:extLst>
+            </a:blip>
+            <a:srcRect l="5147" t="5147" r="4329" b="4329"/>
+            <a:stretch/>
+          </p:blipFill>
+          <p:spPr bwMode="auto">
+            <a:xfrm>
+              <a:off x="3814402" y="103291"/>
+              <a:ext cx="3277515" cy="3277515"/>
+            </a:xfrm>
+            <a:prstGeom prst="rect">
+              <a:avLst/>
+            </a:prstGeom>
+            <a:noFill/>
+            <a:extLst>
+              <a:ext uri="{909E8E84-426E-40DD-AFC4-6F175D3DCCD1}">
+                <a14:hiddenFill xmlns:a14="http://schemas.microsoft.com/office/drawing/2010/main">
+                  <a:solidFill>
+                    <a:srgbClr val="FFFFFF"/>
+                  </a:solidFill>
+                </a14:hiddenFill>
+              </a:ext>
+            </a:extLst>
+          </p:spPr>
+        </p:pic>
+        <p:pic>
+          <p:nvPicPr>
+            <p:cNvPr id="18" name="Picture 14" descr="https://scontent-lga1-1.xx.fbcdn.net/hphotos-xap1/v/t1.0-9/s720x720/68136_10101720166808721_132590210251102469_n.jpg?oh=3e5a58671cb5fa2387b7adbd563b3dfc&amp;oe=564A0B1B"/>
+            <p:cNvPicPr>
+              <a:picLocks noChangeAspect="1" noChangeArrowheads="1"/>
+            </p:cNvPicPr>
+            <p:nvPr/>
+          </p:nvPicPr>
+          <p:blipFill rotWithShape="1">
+            <a:blip r:embed="rId6">
+              <a:extLst>
+                <a:ext uri="{28A0092B-C50C-407E-A947-70E740481C1C}">
+                  <a14:useLocalDpi xmlns:a14="http://schemas.microsoft.com/office/drawing/2010/main" val="0"/>
+                </a:ext>
+              </a:extLst>
+            </a:blip>
+            <a:srcRect t="16054" b="17444"/>
+            <a:stretch/>
+          </p:blipFill>
+          <p:spPr bwMode="auto">
+            <a:xfrm>
+              <a:off x="413777" y="103291"/>
+              <a:ext cx="3281038" cy="3279769"/>
+            </a:xfrm>
+            <a:prstGeom prst="rect">
+              <a:avLst/>
+            </a:prstGeom>
+            <a:noFill/>
+            <a:extLst>
+              <a:ext uri="{909E8E84-426E-40DD-AFC4-6F175D3DCCD1}">
+                <a14:hiddenFill xmlns:a14="http://schemas.microsoft.com/office/drawing/2010/main">
+                  <a:solidFill>
+                    <a:srgbClr val="FFFFFF"/>
+                  </a:solidFill>
+                </a14:hiddenFill>
+              </a:ext>
+            </a:extLst>
+          </p:spPr>
+        </p:pic>
+        <p:pic>
+          <p:nvPicPr>
+            <p:cNvPr id="17" name="Picture 8" descr="https://igcdn-photos-d-a.akamaihd.net/hphotos-ak-xap1/t51.2885-15/11186841_793274697407251_668407686_n.jpg"/>
+            <p:cNvPicPr>
+              <a:picLocks noChangeAspect="1" noChangeArrowheads="1"/>
+            </p:cNvPicPr>
+            <p:nvPr/>
+          </p:nvPicPr>
+          <p:blipFill rotWithShape="1">
+            <a:blip r:embed="rId7">
+              <a:extLst>
+                <a:ext uri="{28A0092B-C50C-407E-A947-70E740481C1C}">
+                  <a14:useLocalDpi xmlns:a14="http://schemas.microsoft.com/office/drawing/2010/main" val="0"/>
+                </a:ext>
+              </a:extLst>
+            </a:blip>
+            <a:srcRect l="4236" t="5599" r="5599" b="4236"/>
+            <a:stretch/>
+          </p:blipFill>
+          <p:spPr bwMode="auto">
+            <a:xfrm>
+              <a:off x="3816127" y="3472935"/>
+              <a:ext cx="3275790" cy="3275790"/>
+            </a:xfrm>
+            <a:prstGeom prst="rect">
+              <a:avLst/>
+            </a:prstGeom>
+            <a:noFill/>
+            <a:extLst>
+              <a:ext uri="{909E8E84-426E-40DD-AFC4-6F175D3DCCD1}">
+                <a14:hiddenFill xmlns:a14="http://schemas.microsoft.com/office/drawing/2010/main">
+                  <a:solidFill>
+                    <a:srgbClr val="FFFFFF"/>
+                  </a:solidFill>
+                </a14:hiddenFill>
+              </a:ext>
+            </a:extLst>
+          </p:spPr>
+        </p:pic>
+        <p:pic>
+          <p:nvPicPr>
+            <p:cNvPr id="9" name="Picture 8">
+              <a:extLst>
+                <a:ext uri="{FF2B5EF4-FFF2-40B4-BE49-F238E27FC236}">
+                  <a16:creationId xmlns:a16="http://schemas.microsoft.com/office/drawing/2014/main" id="{3DB53842-78CA-4F6E-A1F6-491D1C00734E}"/>
+                </a:ext>
+              </a:extLst>
+            </p:cNvPr>
+            <p:cNvPicPr>
+              <a:picLocks noChangeAspect="1"/>
+            </p:cNvPicPr>
+            <p:nvPr/>
+          </p:nvPicPr>
+          <p:blipFill rotWithShape="1">
+            <a:blip r:embed="rId8"/>
+            <a:srcRect l="11277" r="7473"/>
+            <a:stretch/>
+          </p:blipFill>
+          <p:spPr>
+            <a:xfrm>
+              <a:off x="417799" y="3472935"/>
+              <a:ext cx="3275790" cy="3275790"/>
+            </a:xfrm>
+            <a:prstGeom prst="rect">
+              <a:avLst/>
+            </a:prstGeom>
+          </p:spPr>
+        </p:pic>
+      </p:grpSp>
+    </p:spTree>
+    <p:extLst>
+      <p:ext uri="{BB962C8B-B14F-4D97-AF65-F5344CB8AC3E}">
+        <p14:creationId xmlns:p14="http://schemas.microsoft.com/office/powerpoint/2010/main" val="2678543267"/>
+      </p:ext>
+    </p:extLst>
+  </p:cSld>
+  <p:clrMapOvr>
+    <a:masterClrMapping/>
+  </p:clrMapOvr>
+</p:sld>
+</file>
+
+<file path=ppt/slides/slide40.xml><?xml version="1.0" encoding="utf-8"?>
 <p:sld xmlns:a="http://schemas.openxmlformats.org/drawingml/2006/main" xmlns:r="http://schemas.openxmlformats.org/officeDocument/2006/relationships" xmlns:p="http://schemas.openxmlformats.org/presentationml/2006/main">
   <p:cSld>
     <p:spTree>
@@ -22823,675 +23416,7 @@
 </p:sld>
 </file>
 
-<file path=ppt/slides/slide4.xml><?xml version="1.0" encoding="utf-8"?>
-<p:sld xmlns:a="http://schemas.openxmlformats.org/drawingml/2006/main" xmlns:r="http://schemas.openxmlformats.org/officeDocument/2006/relationships" xmlns:p="http://schemas.openxmlformats.org/presentationml/2006/main">
-  <p:cSld>
-    <p:spTree>
-      <p:nvGrpSpPr>
-        <p:cNvPr id="1" name=""/>
-        <p:cNvGrpSpPr/>
-        <p:nvPr/>
-      </p:nvGrpSpPr>
-      <p:grpSpPr>
-        <a:xfrm>
-          <a:off x="0" y="0"/>
-          <a:ext cx="0" cy="0"/>
-          <a:chOff x="0" y="0"/>
-          <a:chExt cx="0" cy="0"/>
-        </a:xfrm>
-      </p:grpSpPr>
-      <p:sp>
-        <p:nvSpPr>
-          <p:cNvPr id="2" name="Title 1"/>
-          <p:cNvSpPr>
-            <a:spLocks noGrp="1"/>
-          </p:cNvSpPr>
-          <p:nvPr>
-            <p:ph type="title"/>
-          </p:nvPr>
-        </p:nvSpPr>
-        <p:spPr/>
-        <p:txBody>
-          <a:bodyPr/>
-          <a:lstStyle/>
-          <a:p>
-            <a:r>
-              <a:rPr lang="en-US" dirty="0"/>
-              <a:t>Contact Andy</a:t>
-            </a:r>
-          </a:p>
-        </p:txBody>
-      </p:sp>
-      <p:pic>
-        <p:nvPicPr>
-          <p:cNvPr id="6" name="Picture 2" descr="http://tomjamieson.com/wp-content/uploads/2013/11/twitter-logo-blue.png"/>
-          <p:cNvPicPr>
-            <a:picLocks noChangeAspect="1" noChangeArrowheads="1"/>
-          </p:cNvPicPr>
-          <p:nvPr/>
-        </p:nvPicPr>
-        <p:blipFill>
-          <a:blip r:embed="rId3">
-            <a:extLst>
-              <a:ext uri="{28A0092B-C50C-407E-A947-70E740481C1C}">
-                <a14:useLocalDpi xmlns:a14="http://schemas.microsoft.com/office/drawing/2010/main" val="0"/>
-              </a:ext>
-            </a:extLst>
-          </a:blip>
-          <a:srcRect/>
-          <a:stretch>
-            <a:fillRect/>
-          </a:stretch>
-        </p:blipFill>
-        <p:spPr bwMode="auto">
-          <a:xfrm>
-            <a:off x="6124574" y="5114221"/>
-            <a:ext cx="1231065" cy="1000847"/>
-          </a:xfrm>
-          <a:prstGeom prst="rect">
-            <a:avLst/>
-          </a:prstGeom>
-          <a:noFill/>
-          <a:extLst>
-            <a:ext uri="{909E8E84-426E-40DD-AFC4-6F175D3DCCD1}">
-              <a14:hiddenFill xmlns:a14="http://schemas.microsoft.com/office/drawing/2010/main">
-                <a:solidFill>
-                  <a:srgbClr val="FFFFFF"/>
-                </a:solidFill>
-              </a14:hiddenFill>
-            </a:ext>
-          </a:extLst>
-        </p:spPr>
-      </p:pic>
-      <p:pic>
-        <p:nvPicPr>
-          <p:cNvPr id="17" name="Picture 2" descr="http://randyjensenonline.com/thoughts/wp-content/uploads/2010/07/wordpressLogoSolo.png"/>
-          <p:cNvPicPr>
-            <a:picLocks noChangeAspect="1" noChangeArrowheads="1"/>
-          </p:cNvPicPr>
-          <p:nvPr/>
-        </p:nvPicPr>
-        <p:blipFill>
-          <a:blip r:embed="rId4">
-            <a:extLst>
-              <a:ext uri="{28A0092B-C50C-407E-A947-70E740481C1C}">
-                <a14:useLocalDpi xmlns:a14="http://schemas.microsoft.com/office/drawing/2010/main" val="0"/>
-              </a:ext>
-            </a:extLst>
-          </a:blip>
-          <a:srcRect/>
-          <a:stretch>
-            <a:fillRect/>
-          </a:stretch>
-        </p:blipFill>
-        <p:spPr bwMode="auto">
-          <a:xfrm>
-            <a:off x="7546205" y="1803440"/>
-            <a:ext cx="1016769" cy="1016769"/>
-          </a:xfrm>
-          <a:prstGeom prst="rect">
-            <a:avLst/>
-          </a:prstGeom>
-          <a:noFill/>
-          <a:extLst>
-            <a:ext uri="{909E8E84-426E-40DD-AFC4-6F175D3DCCD1}">
-              <a14:hiddenFill xmlns:a14="http://schemas.microsoft.com/office/drawing/2010/main">
-                <a:solidFill>
-                  <a:srgbClr val="FFFFFF"/>
-                </a:solidFill>
-              </a14:hiddenFill>
-            </a:ext>
-          </a:extLst>
-        </p:spPr>
-      </p:pic>
-      <p:sp>
-        <p:nvSpPr>
-          <p:cNvPr id="15" name="TextBox 14"/>
-          <p:cNvSpPr txBox="1"/>
-          <p:nvPr/>
-        </p:nvSpPr>
-        <p:spPr>
-          <a:xfrm>
-            <a:off x="570178" y="3127179"/>
-            <a:ext cx="11113821" cy="1569660"/>
-          </a:xfrm>
-          <a:prstGeom prst="rect">
-            <a:avLst/>
-          </a:prstGeom>
-          <a:noFill/>
-        </p:spPr>
-        <p:txBody>
-          <a:bodyPr wrap="square" rtlCol="0">
-            <a:spAutoFit/>
-          </a:bodyPr>
-          <a:lstStyle/>
-          <a:p>
-            <a:pPr algn="ctr"/>
-            <a:r>
-              <a:rPr lang="en-US" sz="9600" dirty="0">
-                <a:solidFill>
-                  <a:schemeClr val="tx1">
-                    <a:lumMod val="75000"/>
-                    <a:lumOff val="25000"/>
-                  </a:schemeClr>
-                </a:solidFill>
-              </a:rPr>
-              <a:t>Andy@AMtwo.co</a:t>
-            </a:r>
-          </a:p>
-        </p:txBody>
-      </p:sp>
-      <p:grpSp>
-        <p:nvGrpSpPr>
-          <p:cNvPr id="19" name="Group 18"/>
-          <p:cNvGrpSpPr/>
-          <p:nvPr/>
-        </p:nvGrpSpPr>
-        <p:grpSpPr>
-          <a:xfrm>
-            <a:off x="0" y="6353498"/>
-            <a:ext cx="12192000" cy="504502"/>
-            <a:chOff x="0" y="6353498"/>
-            <a:chExt cx="12192000" cy="504502"/>
-          </a:xfrm>
-        </p:grpSpPr>
-        <p:sp>
-          <p:nvSpPr>
-            <p:cNvPr id="20" name="Rectangle 19"/>
-            <p:cNvSpPr/>
-            <p:nvPr/>
-          </p:nvSpPr>
-          <p:spPr>
-            <a:xfrm>
-              <a:off x="0" y="6353498"/>
-              <a:ext cx="12192000" cy="504502"/>
-            </a:xfrm>
-            <a:prstGeom prst="rect">
-              <a:avLst/>
-            </a:prstGeom>
-            <a:solidFill>
-              <a:schemeClr val="accent1">
-                <a:alpha val="100000"/>
-              </a:schemeClr>
-            </a:solidFill>
-            <a:ln w="50800" cap="rnd" cmpd="dbl" algn="ctr">
-              <a:noFill/>
-              <a:prstDash val="solid"/>
-            </a:ln>
-            <a:effectLst/>
-          </p:spPr>
-          <p:style>
-            <a:lnRef idx="3">
-              <a:schemeClr val="lt1"/>
-            </a:lnRef>
-            <a:fillRef idx="1">
-              <a:schemeClr val="accent1"/>
-            </a:fillRef>
-            <a:effectRef idx="1">
-              <a:schemeClr val="accent1"/>
-            </a:effectRef>
-            <a:fontRef idx="minor">
-              <a:schemeClr val="lt1"/>
-            </a:fontRef>
-          </p:style>
-          <p:txBody>
-            <a:bodyPr anchor="ctr"/>
-            <a:lstStyle/>
-            <a:p>
-              <a:pPr algn="ctr"/>
-              <a:endParaRPr kumimoji="0" lang="en-US" sz="2400" dirty="0"/>
-            </a:p>
-          </p:txBody>
-        </p:sp>
-        <p:sp>
-          <p:nvSpPr>
-            <p:cNvPr id="21" name="TextBox 20"/>
-            <p:cNvSpPr txBox="1"/>
-            <p:nvPr userDrawn="1"/>
-          </p:nvSpPr>
-          <p:spPr>
-            <a:xfrm>
-              <a:off x="654824" y="6421083"/>
-              <a:ext cx="1185769" cy="369332"/>
-            </a:xfrm>
-            <a:prstGeom prst="rect">
-              <a:avLst/>
-            </a:prstGeom>
-            <a:noFill/>
-          </p:spPr>
-          <p:txBody>
-            <a:bodyPr wrap="square" rtlCol="0">
-              <a:spAutoFit/>
-            </a:bodyPr>
-            <a:lstStyle/>
-            <a:p>
-              <a:r>
-                <a:rPr lang="en-US" dirty="0">
-                  <a:solidFill>
-                    <a:schemeClr val="bg1"/>
-                  </a:solidFill>
-                </a:rPr>
-                <a:t>@</a:t>
-              </a:r>
-              <a:r>
-                <a:rPr lang="en-US" dirty="0" err="1">
-                  <a:solidFill>
-                    <a:schemeClr val="bg1"/>
-                  </a:solidFill>
-                </a:rPr>
-                <a:t>AMtwo</a:t>
-              </a:r>
-              <a:endParaRPr lang="en-US" dirty="0">
-                <a:solidFill>
-                  <a:schemeClr val="bg1"/>
-                </a:solidFill>
-              </a:endParaRPr>
-            </a:p>
-          </p:txBody>
-        </p:sp>
-        <p:sp>
-          <p:nvSpPr>
-            <p:cNvPr id="22" name="TextBox 21"/>
-            <p:cNvSpPr txBox="1"/>
-            <p:nvPr userDrawn="1"/>
-          </p:nvSpPr>
-          <p:spPr>
-            <a:xfrm>
-              <a:off x="9872024" y="6400071"/>
-              <a:ext cx="1811975" cy="369332"/>
-            </a:xfrm>
-            <a:prstGeom prst="rect">
-              <a:avLst/>
-            </a:prstGeom>
-            <a:noFill/>
-          </p:spPr>
-          <p:txBody>
-            <a:bodyPr wrap="square" rtlCol="0">
-              <a:spAutoFit/>
-            </a:bodyPr>
-            <a:lstStyle/>
-            <a:p>
-              <a:r>
-                <a:rPr lang="en-US" dirty="0">
-                  <a:solidFill>
-                    <a:schemeClr val="bg1"/>
-                  </a:solidFill>
-                </a:rPr>
-                <a:t>andy@amtwo.co</a:t>
-              </a:r>
-            </a:p>
-          </p:txBody>
-        </p:sp>
-      </p:grpSp>
-      <p:sp>
-        <p:nvSpPr>
-          <p:cNvPr id="25" name="TextBox 24">
-            <a:extLst>
-              <a:ext uri="{FF2B5EF4-FFF2-40B4-BE49-F238E27FC236}">
-                <a16:creationId xmlns:a16="http://schemas.microsoft.com/office/drawing/2014/main" id="{975F2E7A-D074-4084-80D5-8F527A1BBD15}"/>
-              </a:ext>
-            </a:extLst>
-          </p:cNvPr>
-          <p:cNvSpPr txBox="1"/>
-          <p:nvPr/>
-        </p:nvSpPr>
-        <p:spPr>
-          <a:xfrm>
-            <a:off x="4760337" y="6400071"/>
-            <a:ext cx="2671325" cy="369332"/>
-          </a:xfrm>
-          <a:prstGeom prst="rect">
-            <a:avLst/>
-          </a:prstGeom>
-          <a:noFill/>
-        </p:spPr>
-        <p:txBody>
-          <a:bodyPr wrap="square" rtlCol="0">
-            <a:spAutoFit/>
-          </a:bodyPr>
-          <a:lstStyle/>
-          <a:p>
-            <a:pPr algn="ctr"/>
-            <a:r>
-              <a:rPr lang="en-US" dirty="0">
-                <a:solidFill>
-                  <a:schemeClr val="bg1"/>
-                </a:solidFill>
-              </a:rPr>
-              <a:t>amtwo.co</a:t>
-            </a:r>
-          </a:p>
-        </p:txBody>
-      </p:sp>
-      <p:sp>
-        <p:nvSpPr>
-          <p:cNvPr id="23" name="Left Brace 22">
-            <a:extLst>
-              <a:ext uri="{FF2B5EF4-FFF2-40B4-BE49-F238E27FC236}">
-                <a16:creationId xmlns:a16="http://schemas.microsoft.com/office/drawing/2014/main" id="{60665661-6809-4C36-9539-3F9ECF3BF722}"/>
-              </a:ext>
-            </a:extLst>
-          </p:cNvPr>
-          <p:cNvSpPr/>
-          <p:nvPr/>
-        </p:nvSpPr>
-        <p:spPr>
-          <a:xfrm rot="16200000">
-            <a:off x="6462117" y="2375188"/>
-            <a:ext cx="534589" cy="4752976"/>
-          </a:xfrm>
-          <a:prstGeom prst="leftBrace">
-            <a:avLst/>
-          </a:prstGeom>
-          <a:ln w="57150">
-            <a:solidFill>
-              <a:schemeClr val="accent5"/>
-            </a:solidFill>
-          </a:ln>
-        </p:spPr>
-        <p:style>
-          <a:lnRef idx="1">
-            <a:schemeClr val="accent1"/>
-          </a:lnRef>
-          <a:fillRef idx="0">
-            <a:schemeClr val="accent1"/>
-          </a:fillRef>
-          <a:effectRef idx="0">
-            <a:schemeClr val="accent1"/>
-          </a:effectRef>
-          <a:fontRef idx="minor">
-            <a:schemeClr val="tx1"/>
-          </a:fontRef>
-        </p:style>
-        <p:txBody>
-          <a:bodyPr rtlCol="0" anchor="ctr"/>
-          <a:lstStyle/>
-          <a:p>
-            <a:pPr algn="ctr"/>
-            <a:endParaRPr lang="en-US"/>
-          </a:p>
-        </p:txBody>
-      </p:sp>
-      <p:sp>
-        <p:nvSpPr>
-          <p:cNvPr id="28" name="Left Brace 27">
-            <a:extLst>
-              <a:ext uri="{FF2B5EF4-FFF2-40B4-BE49-F238E27FC236}">
-                <a16:creationId xmlns:a16="http://schemas.microsoft.com/office/drawing/2014/main" id="{D4302186-3E38-416D-A712-CE35352402D7}"/>
-              </a:ext>
-            </a:extLst>
-          </p:cNvPr>
-          <p:cNvSpPr/>
-          <p:nvPr/>
-        </p:nvSpPr>
-        <p:spPr>
-          <a:xfrm rot="5400000">
-            <a:off x="7797496" y="623071"/>
-            <a:ext cx="534589" cy="5111167"/>
-          </a:xfrm>
-          <a:prstGeom prst="leftBrace">
-            <a:avLst/>
-          </a:prstGeom>
-          <a:ln w="57150">
-            <a:solidFill>
-              <a:schemeClr val="accent5"/>
-            </a:solidFill>
-          </a:ln>
-        </p:spPr>
-        <p:style>
-          <a:lnRef idx="1">
-            <a:schemeClr val="accent1"/>
-          </a:lnRef>
-          <a:fillRef idx="0">
-            <a:schemeClr val="accent1"/>
-          </a:fillRef>
-          <a:effectRef idx="0">
-            <a:schemeClr val="accent1"/>
-          </a:effectRef>
-          <a:fontRef idx="minor">
-            <a:schemeClr val="tx1"/>
-          </a:fontRef>
-        </p:style>
-        <p:txBody>
-          <a:bodyPr rtlCol="0" anchor="ctr"/>
-          <a:lstStyle/>
-          <a:p>
-            <a:pPr algn="ctr"/>
-            <a:endParaRPr lang="en-US"/>
-          </a:p>
-        </p:txBody>
-      </p:sp>
-      <p:sp>
-        <p:nvSpPr>
-          <p:cNvPr id="29" name="Left Brace 28">
-            <a:extLst>
-              <a:ext uri="{FF2B5EF4-FFF2-40B4-BE49-F238E27FC236}">
-                <a16:creationId xmlns:a16="http://schemas.microsoft.com/office/drawing/2014/main" id="{D30436AF-4337-4BDE-957B-7E4A2A12EE67}"/>
-              </a:ext>
-            </a:extLst>
-          </p:cNvPr>
-          <p:cNvSpPr/>
-          <p:nvPr/>
-        </p:nvSpPr>
-        <p:spPr>
-          <a:xfrm rot="5400000">
-            <a:off x="2694980" y="1794348"/>
-            <a:ext cx="534589" cy="2781299"/>
-          </a:xfrm>
-          <a:prstGeom prst="leftBrace">
-            <a:avLst/>
-          </a:prstGeom>
-          <a:ln w="57150">
-            <a:solidFill>
-              <a:schemeClr val="accent5"/>
-            </a:solidFill>
-          </a:ln>
-        </p:spPr>
-        <p:style>
-          <a:lnRef idx="1">
-            <a:schemeClr val="accent1"/>
-          </a:lnRef>
-          <a:fillRef idx="0">
-            <a:schemeClr val="accent1"/>
-          </a:fillRef>
-          <a:effectRef idx="0">
-            <a:schemeClr val="accent1"/>
-          </a:effectRef>
-          <a:fontRef idx="minor">
-            <a:schemeClr val="tx1"/>
-          </a:fontRef>
-        </p:style>
-        <p:txBody>
-          <a:bodyPr rtlCol="0" anchor="ctr"/>
-          <a:lstStyle/>
-          <a:p>
-            <a:pPr algn="ctr"/>
-            <a:endParaRPr lang="en-US"/>
-          </a:p>
-        </p:txBody>
-      </p:sp>
-      <p:pic>
-        <p:nvPicPr>
-          <p:cNvPr id="30" name="Picture 29">
-            <a:extLst>
-              <a:ext uri="{FF2B5EF4-FFF2-40B4-BE49-F238E27FC236}">
-                <a16:creationId xmlns:a16="http://schemas.microsoft.com/office/drawing/2014/main" id="{DB945D83-2FDC-40D7-BEE5-AB5AEDF7B7BE}"/>
-              </a:ext>
-            </a:extLst>
-          </p:cNvPr>
-          <p:cNvPicPr>
-            <a:picLocks noChangeAspect="1"/>
-          </p:cNvPicPr>
-          <p:nvPr/>
-        </p:nvPicPr>
-        <p:blipFill>
-          <a:blip r:embed="rId5">
-            <a:extLst>
-              <a:ext uri="{28A0092B-C50C-407E-A947-70E740481C1C}">
-                <a14:useLocalDpi xmlns:a14="http://schemas.microsoft.com/office/drawing/2010/main" val="0"/>
-              </a:ext>
-            </a:extLst>
-          </a:blip>
-          <a:stretch>
-            <a:fillRect/>
-          </a:stretch>
-        </p:blipFill>
-        <p:spPr>
-          <a:xfrm>
-            <a:off x="2450192" y="1806662"/>
-            <a:ext cx="1016769" cy="1016769"/>
-          </a:xfrm>
-          <a:prstGeom prst="rect">
-            <a:avLst/>
-          </a:prstGeom>
-        </p:spPr>
-      </p:pic>
-    </p:spTree>
-    <p:extLst>
-      <p:ext uri="{BB962C8B-B14F-4D97-AF65-F5344CB8AC3E}">
-        <p14:creationId xmlns:p14="http://schemas.microsoft.com/office/powerpoint/2010/main" val="125486011"/>
-      </p:ext>
-    </p:extLst>
-  </p:cSld>
-  <p:clrMapOvr>
-    <a:masterClrMapping/>
-  </p:clrMapOvr>
-  <p:timing>
-    <p:tnLst>
-      <p:par>
-        <p:cTn id="1" dur="indefinite" restart="never" nodeType="tmRoot">
-          <p:childTnLst>
-            <p:seq concurrent="1" nextAc="seek">
-              <p:cTn id="2" dur="indefinite" nodeType="mainSeq">
-                <p:childTnLst>
-                  <p:par>
-                    <p:cTn id="3" fill="hold">
-                      <p:stCondLst>
-                        <p:cond delay="indefinite"/>
-                      </p:stCondLst>
-                      <p:childTnLst>
-                        <p:par>
-                          <p:cTn id="4" fill="hold">
-                            <p:stCondLst>
-                              <p:cond delay="0"/>
-                            </p:stCondLst>
-                            <p:childTnLst>
-                              <p:par>
-                                <p:cTn id="5" presetID="32" presetClass="emph" presetSubtype="0" repeatCount="2000" fill="hold" nodeType="clickEffect">
-                                  <p:stCondLst>
-                                    <p:cond delay="0"/>
-                                  </p:stCondLst>
-                                  <p:childTnLst>
-                                    <p:animRot by="120000">
-                                      <p:cBhvr>
-                                        <p:cTn id="6" dur="100" fill="hold">
-                                          <p:stCondLst>
-                                            <p:cond delay="0"/>
-                                          </p:stCondLst>
-                                        </p:cTn>
-                                        <p:tgtEl>
-                                          <p:spTgt spid="19"/>
-                                        </p:tgtEl>
-                                        <p:attrNameLst>
-                                          <p:attrName>r</p:attrName>
-                                        </p:attrNameLst>
-                                      </p:cBhvr>
-                                    </p:animRot>
-                                    <p:animRot by="-240000">
-                                      <p:cBhvr>
-                                        <p:cTn id="7" dur="200" fill="hold">
-                                          <p:stCondLst>
-                                            <p:cond delay="200"/>
-                                          </p:stCondLst>
-                                        </p:cTn>
-                                        <p:tgtEl>
-                                          <p:spTgt spid="19"/>
-                                        </p:tgtEl>
-                                        <p:attrNameLst>
-                                          <p:attrName>r</p:attrName>
-                                        </p:attrNameLst>
-                                      </p:cBhvr>
-                                    </p:animRot>
-                                    <p:animRot by="240000">
-                                      <p:cBhvr>
-                                        <p:cTn id="8" dur="200" fill="hold">
-                                          <p:stCondLst>
-                                            <p:cond delay="400"/>
-                                          </p:stCondLst>
-                                        </p:cTn>
-                                        <p:tgtEl>
-                                          <p:spTgt spid="19"/>
-                                        </p:tgtEl>
-                                        <p:attrNameLst>
-                                          <p:attrName>r</p:attrName>
-                                        </p:attrNameLst>
-                                      </p:cBhvr>
-                                    </p:animRot>
-                                    <p:animRot by="-240000">
-                                      <p:cBhvr>
-                                        <p:cTn id="9" dur="200" fill="hold">
-                                          <p:stCondLst>
-                                            <p:cond delay="600"/>
-                                          </p:stCondLst>
-                                        </p:cTn>
-                                        <p:tgtEl>
-                                          <p:spTgt spid="19"/>
-                                        </p:tgtEl>
-                                        <p:attrNameLst>
-                                          <p:attrName>r</p:attrName>
-                                        </p:attrNameLst>
-                                      </p:cBhvr>
-                                    </p:animRot>
-                                    <p:animRot by="120000">
-                                      <p:cBhvr>
-                                        <p:cTn id="10" dur="200" fill="hold">
-                                          <p:stCondLst>
-                                            <p:cond delay="800"/>
-                                          </p:stCondLst>
-                                        </p:cTn>
-                                        <p:tgtEl>
-                                          <p:spTgt spid="19"/>
-                                        </p:tgtEl>
-                                        <p:attrNameLst>
-                                          <p:attrName>r</p:attrName>
-                                        </p:attrNameLst>
-                                      </p:cBhvr>
-                                    </p:animRot>
-                                  </p:childTnLst>
-                                </p:cTn>
-                              </p:par>
-                            </p:childTnLst>
-                          </p:cTn>
-                        </p:par>
-                      </p:childTnLst>
-                    </p:cTn>
-                  </p:par>
-                </p:childTnLst>
-              </p:cTn>
-              <p:prevCondLst>
-                <p:cond evt="onPrev" delay="0">
-                  <p:tgtEl>
-                    <p:sldTgt/>
-                  </p:tgtEl>
-                </p:cond>
-              </p:prevCondLst>
-              <p:nextCondLst>
-                <p:cond evt="onNext" delay="0">
-                  <p:tgtEl>
-                    <p:sldTgt/>
-                  </p:tgtEl>
-                </p:cond>
-              </p:nextCondLst>
-            </p:seq>
-          </p:childTnLst>
-        </p:cTn>
-      </p:par>
-    </p:tnLst>
-  </p:timing>
-</p:sld>
-</file>
-
-<file path=ppt/slides/slide40.xml><?xml version="1.0" encoding="utf-8"?>
+<file path=ppt/slides/slide41.xml><?xml version="1.0" encoding="utf-8"?>
 <p:sld xmlns:a="http://schemas.openxmlformats.org/drawingml/2006/main" xmlns:r="http://schemas.openxmlformats.org/officeDocument/2006/relationships" xmlns:p="http://schemas.openxmlformats.org/presentationml/2006/main">
   <p:cSld>
     <p:spTree>
@@ -24320,7 +24245,7 @@
 </p:sld>
 </file>
 
-<file path=ppt/slides/slide41.xml><?xml version="1.0" encoding="utf-8"?>
+<file path=ppt/slides/slide42.xml><?xml version="1.0" encoding="utf-8"?>
 <p:sld xmlns:a="http://schemas.openxmlformats.org/drawingml/2006/main" xmlns:r="http://schemas.openxmlformats.org/officeDocument/2006/relationships" xmlns:p="http://schemas.openxmlformats.org/presentationml/2006/main">
   <p:cSld>
     <p:spTree>
@@ -25111,7 +25036,7 @@
 </p:sld>
 </file>
 
-<file path=ppt/slides/slide42.xml><?xml version="1.0" encoding="utf-8"?>
+<file path=ppt/slides/slide43.xml><?xml version="1.0" encoding="utf-8"?>
 <p:sld xmlns:a="http://schemas.openxmlformats.org/drawingml/2006/main" xmlns:r="http://schemas.openxmlformats.org/officeDocument/2006/relationships" xmlns:p="http://schemas.openxmlformats.org/presentationml/2006/main">
   <p:cSld>
     <p:spTree>
@@ -25911,7 +25836,7 @@
 </p:sld>
 </file>
 
-<file path=ppt/slides/slide43.xml><?xml version="1.0" encoding="utf-8"?>
+<file path=ppt/slides/slide44.xml><?xml version="1.0" encoding="utf-8"?>
 <p:sld xmlns:a="http://schemas.openxmlformats.org/drawingml/2006/main" xmlns:r="http://schemas.openxmlformats.org/officeDocument/2006/relationships" xmlns:p="http://schemas.openxmlformats.org/presentationml/2006/main">
   <p:cSld>
     <p:spTree>
@@ -26678,7 +26603,7 @@
 </p:sld>
 </file>
 
-<file path=ppt/slides/slide44.xml><?xml version="1.0" encoding="utf-8"?>
+<file path=ppt/slides/slide45.xml><?xml version="1.0" encoding="utf-8"?>
 <p:sld xmlns:a="http://schemas.openxmlformats.org/drawingml/2006/main" xmlns:r="http://schemas.openxmlformats.org/officeDocument/2006/relationships" xmlns:p="http://schemas.openxmlformats.org/presentationml/2006/main">
   <p:cSld>
     <p:spTree>
@@ -27625,7 +27550,7 @@
 </p:sld>
 </file>
 
-<file path=ppt/slides/slide45.xml><?xml version="1.0" encoding="utf-8"?>
+<file path=ppt/slides/slide46.xml><?xml version="1.0" encoding="utf-8"?>
 <p:sld xmlns:a="http://schemas.openxmlformats.org/drawingml/2006/main" xmlns:r="http://schemas.openxmlformats.org/officeDocument/2006/relationships" xmlns:p="http://schemas.openxmlformats.org/presentationml/2006/main">
   <p:cSld>
     <p:spTree>
@@ -28408,7 +28333,7 @@
 </p:sld>
 </file>
 
-<file path=ppt/slides/slide46.xml><?xml version="1.0" encoding="utf-8"?>
+<file path=ppt/slides/slide47.xml><?xml version="1.0" encoding="utf-8"?>
 <p:sld xmlns:a="http://schemas.openxmlformats.org/drawingml/2006/main" xmlns:r="http://schemas.openxmlformats.org/officeDocument/2006/relationships" xmlns:p="http://schemas.openxmlformats.org/presentationml/2006/main">
   <p:cSld>
     <p:spTree>
@@ -29818,7 +29743,7 @@
 </p:sld>
 </file>
 
-<file path=ppt/slides/slide47.xml><?xml version="1.0" encoding="utf-8"?>
+<file path=ppt/slides/slide48.xml><?xml version="1.0" encoding="utf-8"?>
 <p:sld xmlns:a="http://schemas.openxmlformats.org/drawingml/2006/main" xmlns:r="http://schemas.openxmlformats.org/officeDocument/2006/relationships" xmlns:p="http://schemas.openxmlformats.org/presentationml/2006/main">
   <p:cSld>
     <p:spTree>
@@ -30507,7 +30432,7 @@
 </p:sld>
 </file>
 
-<file path=ppt/slides/slide48.xml><?xml version="1.0" encoding="utf-8"?>
+<file path=ppt/slides/slide49.xml><?xml version="1.0" encoding="utf-8"?>
 <p:sld xmlns:a="http://schemas.openxmlformats.org/drawingml/2006/main" xmlns:r="http://schemas.openxmlformats.org/officeDocument/2006/relationships" xmlns:p="http://schemas.openxmlformats.org/presentationml/2006/main">
   <p:cSld>
     <p:spTree>
@@ -30848,149 +30773,6 @@
 </p:sld>
 </file>
 
-<file path=ppt/slides/slide49.xml><?xml version="1.0" encoding="utf-8"?>
-<p:sld xmlns:a="http://schemas.openxmlformats.org/drawingml/2006/main" xmlns:r="http://schemas.openxmlformats.org/officeDocument/2006/relationships" xmlns:p="http://schemas.openxmlformats.org/presentationml/2006/main" show="0">
-  <p:cSld>
-    <p:spTree>
-      <p:nvGrpSpPr>
-        <p:cNvPr id="1" name=""/>
-        <p:cNvGrpSpPr/>
-        <p:nvPr/>
-      </p:nvGrpSpPr>
-      <p:grpSpPr>
-        <a:xfrm>
-          <a:off x="0" y="0"/>
-          <a:ext cx="0" cy="0"/>
-          <a:chOff x="0" y="0"/>
-          <a:chExt cx="0" cy="0"/>
-        </a:xfrm>
-      </p:grpSpPr>
-      <p:sp>
-        <p:nvSpPr>
-          <p:cNvPr id="2" name="Title 1"/>
-          <p:cNvSpPr>
-            <a:spLocks noGrp="1"/>
-          </p:cNvSpPr>
-          <p:nvPr>
-            <p:ph type="title"/>
-          </p:nvPr>
-        </p:nvSpPr>
-        <p:spPr/>
-        <p:txBody>
-          <a:bodyPr>
-            <a:normAutofit fontScale="90000"/>
-          </a:bodyPr>
-          <a:lstStyle/>
-          <a:p>
-            <a:r>
-              <a:rPr lang="en-US"/>
-              <a:t>When ROW compression can’t compress</a:t>
-            </a:r>
-            <a:endParaRPr lang="en-US" dirty="0"/>
-          </a:p>
-        </p:txBody>
-      </p:sp>
-      <p:sp>
-        <p:nvSpPr>
-          <p:cNvPr id="3" name="Content Placeholder 2"/>
-          <p:cNvSpPr>
-            <a:spLocks noGrp="1"/>
-          </p:cNvSpPr>
-          <p:nvPr>
-            <p:ph idx="1"/>
-          </p:nvPr>
-        </p:nvSpPr>
-        <p:spPr/>
-        <p:txBody>
-          <a:bodyPr>
-            <a:normAutofit fontScale="77500" lnSpcReduction="20000"/>
-          </a:bodyPr>
-          <a:lstStyle/>
-          <a:p>
-            <a:r>
-              <a:rPr lang="en-US"/>
-              <a:t>Variable-length data</a:t>
-            </a:r>
-          </a:p>
-          <a:p>
-            <a:pPr lvl="1"/>
-            <a:r>
-              <a:rPr lang="en-US"/>
-              <a:t>Varchar</a:t>
-            </a:r>
-          </a:p>
-          <a:p>
-            <a:pPr lvl="1"/>
-            <a:r>
-              <a:rPr lang="en-US"/>
-              <a:t>Varbinary</a:t>
-            </a:r>
-          </a:p>
-          <a:p>
-            <a:r>
-              <a:rPr lang="en-US"/>
-              <a:t>LOB data types</a:t>
-            </a:r>
-          </a:p>
-          <a:p>
-            <a:pPr lvl="1"/>
-            <a:r>
-              <a:rPr lang="en-US"/>
-              <a:t>XML</a:t>
-            </a:r>
-          </a:p>
-          <a:p>
-            <a:pPr lvl="1"/>
-            <a:r>
-              <a:rPr lang="en-US"/>
-              <a:t>n/varchar(max)</a:t>
-            </a:r>
-          </a:p>
-          <a:p>
-            <a:r>
-              <a:rPr lang="en-US"/>
-              <a:t>Fixed-length data that uses full length</a:t>
-            </a:r>
-          </a:p>
-          <a:p>
-            <a:pPr lvl="1"/>
-            <a:r>
-              <a:rPr lang="en-US"/>
-              <a:t>UNIQUEIDENTIFIER</a:t>
-            </a:r>
-          </a:p>
-          <a:p>
-            <a:pPr lvl="1"/>
-            <a:r>
-              <a:rPr lang="en-US"/>
-              <a:t>DATE or TIME</a:t>
-            </a:r>
-          </a:p>
-          <a:p>
-            <a:pPr lvl="1"/>
-            <a:r>
-              <a:rPr lang="en-US"/>
-              <a:t>CHAR(10) that actually contains 10 characters</a:t>
-            </a:r>
-          </a:p>
-          <a:p>
-            <a:endParaRPr lang="en-US" dirty="0"/>
-          </a:p>
-        </p:txBody>
-      </p:sp>
-    </p:spTree>
-    <p:extLst>
-      <p:ext uri="{BB962C8B-B14F-4D97-AF65-F5344CB8AC3E}">
-        <p14:creationId xmlns:p14="http://schemas.microsoft.com/office/powerpoint/2010/main" val="280028947"/>
-      </p:ext>
-    </p:extLst>
-  </p:cSld>
-  <p:clrMapOvr>
-    <a:masterClrMapping/>
-  </p:clrMapOvr>
-</p:sld>
-</file>
-
 <file path=ppt/slides/slide5.xml><?xml version="1.0" encoding="utf-8"?>
 <p:sld xmlns:a="http://schemas.openxmlformats.org/drawingml/2006/main" xmlns:r="http://schemas.openxmlformats.org/officeDocument/2006/relationships" xmlns:p="http://schemas.openxmlformats.org/presentationml/2006/main">
   <p:cSld>
@@ -31025,59 +30807,14 @@
           <a:p>
             <a:r>
               <a:rPr lang="en-US" dirty="0"/>
-              <a:t>Session Feedback</a:t>
-            </a:r>
-          </a:p>
-        </p:txBody>
-      </p:sp>
-      <p:sp>
-        <p:nvSpPr>
-          <p:cNvPr id="4" name="Content Placeholder 3"/>
-          <p:cNvSpPr>
-            <a:spLocks noGrp="1"/>
-          </p:cNvSpPr>
-          <p:nvPr>
-            <p:ph idx="1"/>
-          </p:nvPr>
-        </p:nvSpPr>
-        <p:spPr/>
-        <p:txBody>
-          <a:bodyPr anchor="ctr"/>
-          <a:lstStyle/>
-          <a:p>
-            <a:r>
-              <a:rPr lang="en-US" dirty="0"/>
-              <a:t>Tell me what you don’t like</a:t>
-            </a:r>
-          </a:p>
-          <a:p>
-            <a:endParaRPr lang="en-US" dirty="0"/>
-          </a:p>
-          <a:p>
-            <a:r>
-              <a:rPr lang="en-US" dirty="0"/>
-              <a:t>Tell me what can be better</a:t>
-            </a:r>
-          </a:p>
-          <a:p>
-            <a:endParaRPr lang="en-US" dirty="0"/>
-          </a:p>
-          <a:p>
-            <a:r>
-              <a:rPr lang="en-US" dirty="0"/>
-              <a:t> </a:t>
-            </a:r>
-            <a:r>
-              <a:rPr lang="en-US" sz="2400" dirty="0"/>
-              <a:t>Tell me what you like</a:t>
-            </a:r>
-            <a:endParaRPr lang="en-US" dirty="0"/>
+              <a:t>Contact Andy</a:t>
+            </a:r>
           </a:p>
         </p:txBody>
       </p:sp>
       <p:pic>
         <p:nvPicPr>
-          <p:cNvPr id="3074" name="Picture 2" descr="https://upload.wikimedia.org/wikipedia/commons/thumb/c/ce/Emoji_u1f44d.svg/2000px-Emoji_u1f44d.svg.png"/>
+          <p:cNvPr id="6" name="Picture 2" descr="http://tomjamieson.com/wp-content/uploads/2013/11/twitter-logo-blue.png"/>
           <p:cNvPicPr>
             <a:picLocks noChangeAspect="1" noChangeArrowheads="1"/>
           </p:cNvPicPr>
@@ -31098,8 +30835,8 @@
         </p:blipFill>
         <p:spPr bwMode="auto">
           <a:xfrm>
-            <a:off x="7202232" y="1955127"/>
-            <a:ext cx="4139535" cy="4139535"/>
+            <a:off x="6124574" y="5114221"/>
+            <a:ext cx="1231065" cy="1000847"/>
           </a:xfrm>
           <a:prstGeom prst="rect">
             <a:avLst/>
@@ -31116,16 +30853,584 @@
           </a:extLst>
         </p:spPr>
       </p:pic>
+      <p:pic>
+        <p:nvPicPr>
+          <p:cNvPr id="17" name="Picture 2" descr="http://randyjensenonline.com/thoughts/wp-content/uploads/2010/07/wordpressLogoSolo.png"/>
+          <p:cNvPicPr>
+            <a:picLocks noChangeAspect="1" noChangeArrowheads="1"/>
+          </p:cNvPicPr>
+          <p:nvPr/>
+        </p:nvPicPr>
+        <p:blipFill>
+          <a:blip r:embed="rId4">
+            <a:extLst>
+              <a:ext uri="{28A0092B-C50C-407E-A947-70E740481C1C}">
+                <a14:useLocalDpi xmlns:a14="http://schemas.microsoft.com/office/drawing/2010/main" val="0"/>
+              </a:ext>
+            </a:extLst>
+          </a:blip>
+          <a:srcRect/>
+          <a:stretch>
+            <a:fillRect/>
+          </a:stretch>
+        </p:blipFill>
+        <p:spPr bwMode="auto">
+          <a:xfrm>
+            <a:off x="7546205" y="1803440"/>
+            <a:ext cx="1016769" cy="1016769"/>
+          </a:xfrm>
+          <a:prstGeom prst="rect">
+            <a:avLst/>
+          </a:prstGeom>
+          <a:noFill/>
+          <a:extLst>
+            <a:ext uri="{909E8E84-426E-40DD-AFC4-6F175D3DCCD1}">
+              <a14:hiddenFill xmlns:a14="http://schemas.microsoft.com/office/drawing/2010/main">
+                <a:solidFill>
+                  <a:srgbClr val="FFFFFF"/>
+                </a:solidFill>
+              </a14:hiddenFill>
+            </a:ext>
+          </a:extLst>
+        </p:spPr>
+      </p:pic>
+      <p:sp>
+        <p:nvSpPr>
+          <p:cNvPr id="15" name="TextBox 14"/>
+          <p:cNvSpPr txBox="1"/>
+          <p:nvPr/>
+        </p:nvSpPr>
+        <p:spPr>
+          <a:xfrm>
+            <a:off x="570178" y="3127179"/>
+            <a:ext cx="11113821" cy="1569660"/>
+          </a:xfrm>
+          <a:prstGeom prst="rect">
+            <a:avLst/>
+          </a:prstGeom>
+          <a:noFill/>
+        </p:spPr>
+        <p:txBody>
+          <a:bodyPr wrap="square" rtlCol="0">
+            <a:spAutoFit/>
+          </a:bodyPr>
+          <a:lstStyle/>
+          <a:p>
+            <a:pPr algn="ctr"/>
+            <a:r>
+              <a:rPr lang="en-US" sz="9600" dirty="0">
+                <a:solidFill>
+                  <a:schemeClr val="tx1">
+                    <a:lumMod val="75000"/>
+                    <a:lumOff val="25000"/>
+                  </a:schemeClr>
+                </a:solidFill>
+              </a:rPr>
+              <a:t>Andy@AMtwo.co</a:t>
+            </a:r>
+          </a:p>
+        </p:txBody>
+      </p:sp>
+      <p:grpSp>
+        <p:nvGrpSpPr>
+          <p:cNvPr id="19" name="Group 18"/>
+          <p:cNvGrpSpPr/>
+          <p:nvPr/>
+        </p:nvGrpSpPr>
+        <p:grpSpPr>
+          <a:xfrm>
+            <a:off x="0" y="6353498"/>
+            <a:ext cx="12192000" cy="504502"/>
+            <a:chOff x="0" y="6353498"/>
+            <a:chExt cx="12192000" cy="504502"/>
+          </a:xfrm>
+        </p:grpSpPr>
+        <p:sp>
+          <p:nvSpPr>
+            <p:cNvPr id="20" name="Rectangle 19"/>
+            <p:cNvSpPr/>
+            <p:nvPr/>
+          </p:nvSpPr>
+          <p:spPr>
+            <a:xfrm>
+              <a:off x="0" y="6353498"/>
+              <a:ext cx="12192000" cy="504502"/>
+            </a:xfrm>
+            <a:prstGeom prst="rect">
+              <a:avLst/>
+            </a:prstGeom>
+            <a:solidFill>
+              <a:schemeClr val="accent1">
+                <a:alpha val="100000"/>
+              </a:schemeClr>
+            </a:solidFill>
+            <a:ln w="50800" cap="rnd" cmpd="dbl" algn="ctr">
+              <a:noFill/>
+              <a:prstDash val="solid"/>
+            </a:ln>
+            <a:effectLst/>
+          </p:spPr>
+          <p:style>
+            <a:lnRef idx="3">
+              <a:schemeClr val="lt1"/>
+            </a:lnRef>
+            <a:fillRef idx="1">
+              <a:schemeClr val="accent1"/>
+            </a:fillRef>
+            <a:effectRef idx="1">
+              <a:schemeClr val="accent1"/>
+            </a:effectRef>
+            <a:fontRef idx="minor">
+              <a:schemeClr val="lt1"/>
+            </a:fontRef>
+          </p:style>
+          <p:txBody>
+            <a:bodyPr anchor="ctr"/>
+            <a:lstStyle/>
+            <a:p>
+              <a:pPr algn="ctr"/>
+              <a:endParaRPr kumimoji="0" lang="en-US" sz="2400" dirty="0"/>
+            </a:p>
+          </p:txBody>
+        </p:sp>
+        <p:sp>
+          <p:nvSpPr>
+            <p:cNvPr id="21" name="TextBox 20"/>
+            <p:cNvSpPr txBox="1"/>
+            <p:nvPr userDrawn="1"/>
+          </p:nvSpPr>
+          <p:spPr>
+            <a:xfrm>
+              <a:off x="654824" y="6421083"/>
+              <a:ext cx="1185769" cy="369332"/>
+            </a:xfrm>
+            <a:prstGeom prst="rect">
+              <a:avLst/>
+            </a:prstGeom>
+            <a:noFill/>
+          </p:spPr>
+          <p:txBody>
+            <a:bodyPr wrap="square" rtlCol="0">
+              <a:spAutoFit/>
+            </a:bodyPr>
+            <a:lstStyle/>
+            <a:p>
+              <a:r>
+                <a:rPr lang="en-US" dirty="0">
+                  <a:solidFill>
+                    <a:schemeClr val="bg1"/>
+                  </a:solidFill>
+                </a:rPr>
+                <a:t>@</a:t>
+              </a:r>
+              <a:r>
+                <a:rPr lang="en-US" dirty="0" err="1">
+                  <a:solidFill>
+                    <a:schemeClr val="bg1"/>
+                  </a:solidFill>
+                </a:rPr>
+                <a:t>AMtwo</a:t>
+              </a:r>
+              <a:endParaRPr lang="en-US" dirty="0">
+                <a:solidFill>
+                  <a:schemeClr val="bg1"/>
+                </a:solidFill>
+              </a:endParaRPr>
+            </a:p>
+          </p:txBody>
+        </p:sp>
+        <p:sp>
+          <p:nvSpPr>
+            <p:cNvPr id="22" name="TextBox 21"/>
+            <p:cNvSpPr txBox="1"/>
+            <p:nvPr userDrawn="1"/>
+          </p:nvSpPr>
+          <p:spPr>
+            <a:xfrm>
+              <a:off x="9872024" y="6400071"/>
+              <a:ext cx="1811975" cy="369332"/>
+            </a:xfrm>
+            <a:prstGeom prst="rect">
+              <a:avLst/>
+            </a:prstGeom>
+            <a:noFill/>
+          </p:spPr>
+          <p:txBody>
+            <a:bodyPr wrap="square" rtlCol="0">
+              <a:spAutoFit/>
+            </a:bodyPr>
+            <a:lstStyle/>
+            <a:p>
+              <a:r>
+                <a:rPr lang="en-US" dirty="0">
+                  <a:solidFill>
+                    <a:schemeClr val="bg1"/>
+                  </a:solidFill>
+                </a:rPr>
+                <a:t>andy@amtwo.co</a:t>
+              </a:r>
+            </a:p>
+          </p:txBody>
+        </p:sp>
+      </p:grpSp>
+      <p:sp>
+        <p:nvSpPr>
+          <p:cNvPr id="25" name="TextBox 24">
+            <a:extLst>
+              <a:ext uri="{FF2B5EF4-FFF2-40B4-BE49-F238E27FC236}">
+                <a16:creationId xmlns:a16="http://schemas.microsoft.com/office/drawing/2014/main" id="{975F2E7A-D074-4084-80D5-8F527A1BBD15}"/>
+              </a:ext>
+            </a:extLst>
+          </p:cNvPr>
+          <p:cNvSpPr txBox="1"/>
+          <p:nvPr/>
+        </p:nvSpPr>
+        <p:spPr>
+          <a:xfrm>
+            <a:off x="4760337" y="6400071"/>
+            <a:ext cx="2671325" cy="369332"/>
+          </a:xfrm>
+          <a:prstGeom prst="rect">
+            <a:avLst/>
+          </a:prstGeom>
+          <a:noFill/>
+        </p:spPr>
+        <p:txBody>
+          <a:bodyPr wrap="square" rtlCol="0">
+            <a:spAutoFit/>
+          </a:bodyPr>
+          <a:lstStyle/>
+          <a:p>
+            <a:pPr algn="ctr"/>
+            <a:r>
+              <a:rPr lang="en-US" dirty="0">
+                <a:solidFill>
+                  <a:schemeClr val="bg1"/>
+                </a:solidFill>
+              </a:rPr>
+              <a:t>amtwo.co</a:t>
+            </a:r>
+          </a:p>
+        </p:txBody>
+      </p:sp>
+      <p:sp>
+        <p:nvSpPr>
+          <p:cNvPr id="23" name="Left Brace 22">
+            <a:extLst>
+              <a:ext uri="{FF2B5EF4-FFF2-40B4-BE49-F238E27FC236}">
+                <a16:creationId xmlns:a16="http://schemas.microsoft.com/office/drawing/2014/main" id="{60665661-6809-4C36-9539-3F9ECF3BF722}"/>
+              </a:ext>
+            </a:extLst>
+          </p:cNvPr>
+          <p:cNvSpPr/>
+          <p:nvPr/>
+        </p:nvSpPr>
+        <p:spPr>
+          <a:xfrm rot="16200000">
+            <a:off x="6462117" y="2375188"/>
+            <a:ext cx="534589" cy="4752976"/>
+          </a:xfrm>
+          <a:prstGeom prst="leftBrace">
+            <a:avLst/>
+          </a:prstGeom>
+          <a:ln w="57150">
+            <a:solidFill>
+              <a:schemeClr val="accent5"/>
+            </a:solidFill>
+          </a:ln>
+        </p:spPr>
+        <p:style>
+          <a:lnRef idx="1">
+            <a:schemeClr val="accent1"/>
+          </a:lnRef>
+          <a:fillRef idx="0">
+            <a:schemeClr val="accent1"/>
+          </a:fillRef>
+          <a:effectRef idx="0">
+            <a:schemeClr val="accent1"/>
+          </a:effectRef>
+          <a:fontRef idx="minor">
+            <a:schemeClr val="tx1"/>
+          </a:fontRef>
+        </p:style>
+        <p:txBody>
+          <a:bodyPr rtlCol="0" anchor="ctr"/>
+          <a:lstStyle/>
+          <a:p>
+            <a:pPr algn="ctr"/>
+            <a:endParaRPr lang="en-US"/>
+          </a:p>
+        </p:txBody>
+      </p:sp>
+      <p:sp>
+        <p:nvSpPr>
+          <p:cNvPr id="28" name="Left Brace 27">
+            <a:extLst>
+              <a:ext uri="{FF2B5EF4-FFF2-40B4-BE49-F238E27FC236}">
+                <a16:creationId xmlns:a16="http://schemas.microsoft.com/office/drawing/2014/main" id="{D4302186-3E38-416D-A712-CE35352402D7}"/>
+              </a:ext>
+            </a:extLst>
+          </p:cNvPr>
+          <p:cNvSpPr/>
+          <p:nvPr/>
+        </p:nvSpPr>
+        <p:spPr>
+          <a:xfrm rot="5400000">
+            <a:off x="7797496" y="623071"/>
+            <a:ext cx="534589" cy="5111167"/>
+          </a:xfrm>
+          <a:prstGeom prst="leftBrace">
+            <a:avLst/>
+          </a:prstGeom>
+          <a:ln w="57150">
+            <a:solidFill>
+              <a:schemeClr val="accent5"/>
+            </a:solidFill>
+          </a:ln>
+        </p:spPr>
+        <p:style>
+          <a:lnRef idx="1">
+            <a:schemeClr val="accent1"/>
+          </a:lnRef>
+          <a:fillRef idx="0">
+            <a:schemeClr val="accent1"/>
+          </a:fillRef>
+          <a:effectRef idx="0">
+            <a:schemeClr val="accent1"/>
+          </a:effectRef>
+          <a:fontRef idx="minor">
+            <a:schemeClr val="tx1"/>
+          </a:fontRef>
+        </p:style>
+        <p:txBody>
+          <a:bodyPr rtlCol="0" anchor="ctr"/>
+          <a:lstStyle/>
+          <a:p>
+            <a:pPr algn="ctr"/>
+            <a:endParaRPr lang="en-US"/>
+          </a:p>
+        </p:txBody>
+      </p:sp>
+      <p:sp>
+        <p:nvSpPr>
+          <p:cNvPr id="29" name="Left Brace 28">
+            <a:extLst>
+              <a:ext uri="{FF2B5EF4-FFF2-40B4-BE49-F238E27FC236}">
+                <a16:creationId xmlns:a16="http://schemas.microsoft.com/office/drawing/2014/main" id="{D30436AF-4337-4BDE-957B-7E4A2A12EE67}"/>
+              </a:ext>
+            </a:extLst>
+          </p:cNvPr>
+          <p:cNvSpPr/>
+          <p:nvPr/>
+        </p:nvSpPr>
+        <p:spPr>
+          <a:xfrm rot="5400000">
+            <a:off x="2694980" y="1794348"/>
+            <a:ext cx="534589" cy="2781299"/>
+          </a:xfrm>
+          <a:prstGeom prst="leftBrace">
+            <a:avLst/>
+          </a:prstGeom>
+          <a:ln w="57150">
+            <a:solidFill>
+              <a:schemeClr val="accent5"/>
+            </a:solidFill>
+          </a:ln>
+        </p:spPr>
+        <p:style>
+          <a:lnRef idx="1">
+            <a:schemeClr val="accent1"/>
+          </a:lnRef>
+          <a:fillRef idx="0">
+            <a:schemeClr val="accent1"/>
+          </a:fillRef>
+          <a:effectRef idx="0">
+            <a:schemeClr val="accent1"/>
+          </a:effectRef>
+          <a:fontRef idx="minor">
+            <a:schemeClr val="tx1"/>
+          </a:fontRef>
+        </p:style>
+        <p:txBody>
+          <a:bodyPr rtlCol="0" anchor="ctr"/>
+          <a:lstStyle/>
+          <a:p>
+            <a:pPr algn="ctr"/>
+            <a:endParaRPr lang="en-US"/>
+          </a:p>
+        </p:txBody>
+      </p:sp>
+      <p:pic>
+        <p:nvPicPr>
+          <p:cNvPr id="30" name="Picture 29">
+            <a:extLst>
+              <a:ext uri="{FF2B5EF4-FFF2-40B4-BE49-F238E27FC236}">
+                <a16:creationId xmlns:a16="http://schemas.microsoft.com/office/drawing/2014/main" id="{DB945D83-2FDC-40D7-BEE5-AB5AEDF7B7BE}"/>
+              </a:ext>
+            </a:extLst>
+          </p:cNvPr>
+          <p:cNvPicPr>
+            <a:picLocks noChangeAspect="1"/>
+          </p:cNvPicPr>
+          <p:nvPr/>
+        </p:nvPicPr>
+        <p:blipFill>
+          <a:blip r:embed="rId5"/>
+          <a:srcRect/>
+          <a:stretch/>
+        </p:blipFill>
+        <p:spPr>
+          <a:xfrm>
+            <a:off x="2450192" y="1806883"/>
+            <a:ext cx="1016769" cy="1016327"/>
+          </a:xfrm>
+          <a:prstGeom prst="rect">
+            <a:avLst/>
+          </a:prstGeom>
+        </p:spPr>
+      </p:pic>
     </p:spTree>
     <p:extLst>
       <p:ext uri="{BB962C8B-B14F-4D97-AF65-F5344CB8AC3E}">
-        <p14:creationId xmlns:p14="http://schemas.microsoft.com/office/powerpoint/2010/main" val="40638036"/>
+        <p14:creationId xmlns:p14="http://schemas.microsoft.com/office/powerpoint/2010/main" val="125486011"/>
       </p:ext>
     </p:extLst>
   </p:cSld>
   <p:clrMapOvr>
     <a:masterClrMapping/>
   </p:clrMapOvr>
+  <p:timing>
+    <p:tnLst>
+      <p:par>
+        <p:cTn id="1" dur="indefinite" restart="never" nodeType="tmRoot">
+          <p:childTnLst>
+            <p:seq concurrent="1" nextAc="seek">
+              <p:cTn id="2" dur="indefinite" nodeType="mainSeq">
+                <p:childTnLst>
+                  <p:par>
+                    <p:cTn id="3" fill="hold">
+                      <p:stCondLst>
+                        <p:cond delay="indefinite"/>
+                      </p:stCondLst>
+                      <p:childTnLst>
+                        <p:par>
+                          <p:cTn id="4" fill="hold">
+                            <p:stCondLst>
+                              <p:cond delay="0"/>
+                            </p:stCondLst>
+                            <p:childTnLst>
+                              <p:par>
+                                <p:cTn id="5" presetID="32" presetClass="emph" presetSubtype="0" repeatCount="2000" fill="hold" nodeType="clickEffect">
+                                  <p:stCondLst>
+                                    <p:cond delay="0"/>
+                                  </p:stCondLst>
+                                  <p:childTnLst>
+                                    <p:animRot by="120000">
+                                      <p:cBhvr>
+                                        <p:cTn id="6" dur="100" fill="hold">
+                                          <p:stCondLst>
+                                            <p:cond delay="0"/>
+                                          </p:stCondLst>
+                                        </p:cTn>
+                                        <p:tgtEl>
+                                          <p:spTgt spid="19"/>
+                                        </p:tgtEl>
+                                        <p:attrNameLst>
+                                          <p:attrName>r</p:attrName>
+                                        </p:attrNameLst>
+                                      </p:cBhvr>
+                                    </p:animRot>
+                                    <p:animRot by="-240000">
+                                      <p:cBhvr>
+                                        <p:cTn id="7" dur="200" fill="hold">
+                                          <p:stCondLst>
+                                            <p:cond delay="200"/>
+                                          </p:stCondLst>
+                                        </p:cTn>
+                                        <p:tgtEl>
+                                          <p:spTgt spid="19"/>
+                                        </p:tgtEl>
+                                        <p:attrNameLst>
+                                          <p:attrName>r</p:attrName>
+                                        </p:attrNameLst>
+                                      </p:cBhvr>
+                                    </p:animRot>
+                                    <p:animRot by="240000">
+                                      <p:cBhvr>
+                                        <p:cTn id="8" dur="200" fill="hold">
+                                          <p:stCondLst>
+                                            <p:cond delay="400"/>
+                                          </p:stCondLst>
+                                        </p:cTn>
+                                        <p:tgtEl>
+                                          <p:spTgt spid="19"/>
+                                        </p:tgtEl>
+                                        <p:attrNameLst>
+                                          <p:attrName>r</p:attrName>
+                                        </p:attrNameLst>
+                                      </p:cBhvr>
+                                    </p:animRot>
+                                    <p:animRot by="-240000">
+                                      <p:cBhvr>
+                                        <p:cTn id="9" dur="200" fill="hold">
+                                          <p:stCondLst>
+                                            <p:cond delay="600"/>
+                                          </p:stCondLst>
+                                        </p:cTn>
+                                        <p:tgtEl>
+                                          <p:spTgt spid="19"/>
+                                        </p:tgtEl>
+                                        <p:attrNameLst>
+                                          <p:attrName>r</p:attrName>
+                                        </p:attrNameLst>
+                                      </p:cBhvr>
+                                    </p:animRot>
+                                    <p:animRot by="120000">
+                                      <p:cBhvr>
+                                        <p:cTn id="10" dur="200" fill="hold">
+                                          <p:stCondLst>
+                                            <p:cond delay="800"/>
+                                          </p:stCondLst>
+                                        </p:cTn>
+                                        <p:tgtEl>
+                                          <p:spTgt spid="19"/>
+                                        </p:tgtEl>
+                                        <p:attrNameLst>
+                                          <p:attrName>r</p:attrName>
+                                        </p:attrNameLst>
+                                      </p:cBhvr>
+                                    </p:animRot>
+                                  </p:childTnLst>
+                                </p:cTn>
+                              </p:par>
+                            </p:childTnLst>
+                          </p:cTn>
+                        </p:par>
+                      </p:childTnLst>
+                    </p:cTn>
+                  </p:par>
+                </p:childTnLst>
+              </p:cTn>
+              <p:prevCondLst>
+                <p:cond evt="onPrev" delay="0">
+                  <p:tgtEl>
+                    <p:sldTgt/>
+                  </p:tgtEl>
+                </p:cond>
+              </p:prevCondLst>
+              <p:nextCondLst>
+                <p:cond evt="onNext" delay="0">
+                  <p:tgtEl>
+                    <p:sldTgt/>
+                  </p:tgtEl>
+                </p:cond>
+              </p:nextCondLst>
+            </p:seq>
+          </p:childTnLst>
+        </p:cTn>
+      </p:par>
+    </p:tnLst>
+  </p:timing>
 </p:sld>
 </file>
 
@@ -31165,6 +31470,149 @@
           <a:p>
             <a:r>
               <a:rPr lang="en-US"/>
+              <a:t>When ROW compression can’t compress</a:t>
+            </a:r>
+            <a:endParaRPr lang="en-US" dirty="0"/>
+          </a:p>
+        </p:txBody>
+      </p:sp>
+      <p:sp>
+        <p:nvSpPr>
+          <p:cNvPr id="3" name="Content Placeholder 2"/>
+          <p:cNvSpPr>
+            <a:spLocks noGrp="1"/>
+          </p:cNvSpPr>
+          <p:nvPr>
+            <p:ph idx="1"/>
+          </p:nvPr>
+        </p:nvSpPr>
+        <p:spPr/>
+        <p:txBody>
+          <a:bodyPr>
+            <a:normAutofit fontScale="77500" lnSpcReduction="20000"/>
+          </a:bodyPr>
+          <a:lstStyle/>
+          <a:p>
+            <a:r>
+              <a:rPr lang="en-US"/>
+              <a:t>Variable-length data</a:t>
+            </a:r>
+          </a:p>
+          <a:p>
+            <a:pPr lvl="1"/>
+            <a:r>
+              <a:rPr lang="en-US"/>
+              <a:t>Varchar</a:t>
+            </a:r>
+          </a:p>
+          <a:p>
+            <a:pPr lvl="1"/>
+            <a:r>
+              <a:rPr lang="en-US"/>
+              <a:t>Varbinary</a:t>
+            </a:r>
+          </a:p>
+          <a:p>
+            <a:r>
+              <a:rPr lang="en-US"/>
+              <a:t>LOB data types</a:t>
+            </a:r>
+          </a:p>
+          <a:p>
+            <a:pPr lvl="1"/>
+            <a:r>
+              <a:rPr lang="en-US"/>
+              <a:t>XML</a:t>
+            </a:r>
+          </a:p>
+          <a:p>
+            <a:pPr lvl="1"/>
+            <a:r>
+              <a:rPr lang="en-US"/>
+              <a:t>n/varchar(max)</a:t>
+            </a:r>
+          </a:p>
+          <a:p>
+            <a:r>
+              <a:rPr lang="en-US"/>
+              <a:t>Fixed-length data that uses full length</a:t>
+            </a:r>
+          </a:p>
+          <a:p>
+            <a:pPr lvl="1"/>
+            <a:r>
+              <a:rPr lang="en-US"/>
+              <a:t>UNIQUEIDENTIFIER</a:t>
+            </a:r>
+          </a:p>
+          <a:p>
+            <a:pPr lvl="1"/>
+            <a:r>
+              <a:rPr lang="en-US"/>
+              <a:t>DATE or TIME</a:t>
+            </a:r>
+          </a:p>
+          <a:p>
+            <a:pPr lvl="1"/>
+            <a:r>
+              <a:rPr lang="en-US"/>
+              <a:t>CHAR(10) that actually contains 10 characters</a:t>
+            </a:r>
+          </a:p>
+          <a:p>
+            <a:endParaRPr lang="en-US" dirty="0"/>
+          </a:p>
+        </p:txBody>
+      </p:sp>
+    </p:spTree>
+    <p:extLst>
+      <p:ext uri="{BB962C8B-B14F-4D97-AF65-F5344CB8AC3E}">
+        <p14:creationId xmlns:p14="http://schemas.microsoft.com/office/powerpoint/2010/main" val="280028947"/>
+      </p:ext>
+    </p:extLst>
+  </p:cSld>
+  <p:clrMapOvr>
+    <a:masterClrMapping/>
+  </p:clrMapOvr>
+</p:sld>
+</file>
+
+<file path=ppt/slides/slide51.xml><?xml version="1.0" encoding="utf-8"?>
+<p:sld xmlns:a="http://schemas.openxmlformats.org/drawingml/2006/main" xmlns:r="http://schemas.openxmlformats.org/officeDocument/2006/relationships" xmlns:p="http://schemas.openxmlformats.org/presentationml/2006/main" show="0">
+  <p:cSld>
+    <p:spTree>
+      <p:nvGrpSpPr>
+        <p:cNvPr id="1" name=""/>
+        <p:cNvGrpSpPr/>
+        <p:nvPr/>
+      </p:nvGrpSpPr>
+      <p:grpSpPr>
+        <a:xfrm>
+          <a:off x="0" y="0"/>
+          <a:ext cx="0" cy="0"/>
+          <a:chOff x="0" y="0"/>
+          <a:chExt cx="0" cy="0"/>
+        </a:xfrm>
+      </p:grpSpPr>
+      <p:sp>
+        <p:nvSpPr>
+          <p:cNvPr id="2" name="Title 1"/>
+          <p:cNvSpPr>
+            <a:spLocks noGrp="1"/>
+          </p:cNvSpPr>
+          <p:nvPr>
+            <p:ph type="title"/>
+          </p:nvPr>
+        </p:nvSpPr>
+        <p:spPr/>
+        <p:txBody>
+          <a:bodyPr>
+            <a:normAutofit fontScale="90000"/>
+          </a:bodyPr>
+          <a:lstStyle/>
+          <a:p>
+            <a:r>
+              <a:rPr lang="en-US"/>
               <a:t>When PAGE compression can’t compress</a:t>
             </a:r>
             <a:endParaRPr lang="en-US" dirty="0"/>
@@ -31258,7 +31706,7 @@
 </p:sld>
 </file>
 
-<file path=ppt/slides/slide51.xml><?xml version="1.0" encoding="utf-8"?>
+<file path=ppt/slides/slide52.xml><?xml version="1.0" encoding="utf-8"?>
 <p:sld xmlns:a="http://schemas.openxmlformats.org/drawingml/2006/main" xmlns:r="http://schemas.openxmlformats.org/officeDocument/2006/relationships" xmlns:p="http://schemas.openxmlformats.org/presentationml/2006/main" show="0">
   <p:cSld>
     <p:spTree>
@@ -31340,125 +31788,6 @@
     <p:extLst>
       <p:ext uri="{BB962C8B-B14F-4D97-AF65-F5344CB8AC3E}">
         <p14:creationId xmlns:p14="http://schemas.microsoft.com/office/powerpoint/2010/main" val="1849686124"/>
-      </p:ext>
-    </p:extLst>
-  </p:cSld>
-  <p:clrMapOvr>
-    <a:masterClrMapping/>
-  </p:clrMapOvr>
-</p:sld>
-</file>
-
-<file path=ppt/slides/slide52.xml><?xml version="1.0" encoding="utf-8"?>
-<p:sld xmlns:a="http://schemas.openxmlformats.org/drawingml/2006/main" xmlns:r="http://schemas.openxmlformats.org/officeDocument/2006/relationships" xmlns:p="http://schemas.openxmlformats.org/presentationml/2006/main">
-  <p:cSld>
-    <p:spTree>
-      <p:nvGrpSpPr>
-        <p:cNvPr id="1" name=""/>
-        <p:cNvGrpSpPr/>
-        <p:nvPr/>
-      </p:nvGrpSpPr>
-      <p:grpSpPr>
-        <a:xfrm>
-          <a:off x="0" y="0"/>
-          <a:ext cx="0" cy="0"/>
-          <a:chOff x="0" y="0"/>
-          <a:chExt cx="0" cy="0"/>
-        </a:xfrm>
-      </p:grpSpPr>
-      <p:sp>
-        <p:nvSpPr>
-          <p:cNvPr id="5" name="Text Placeholder 4"/>
-          <p:cNvSpPr>
-            <a:spLocks noGrp="1"/>
-          </p:cNvSpPr>
-          <p:nvPr>
-            <p:ph type="body" idx="1"/>
-          </p:nvPr>
-        </p:nvSpPr>
-        <p:spPr/>
-        <p:txBody>
-          <a:bodyPr/>
-          <a:lstStyle/>
-          <a:p>
-            <a:r>
-              <a:rPr lang="en-US"/>
-              <a:t>01_Restore_AdventureWorks.sql</a:t>
-            </a:r>
-          </a:p>
-          <a:p>
-            <a:r>
-              <a:rPr lang="en-US"/>
-              <a:t>02_Create_View_CheckSize.sql</a:t>
-            </a:r>
-          </a:p>
-          <a:p>
-            <a:r>
-              <a:rPr lang="en-US"/>
-              <a:t>03_Rebuild_AW_Indexes.sql</a:t>
-            </a:r>
-          </a:p>
-          <a:p>
-            <a:r>
-              <a:rPr lang="en-US"/>
-              <a:t>04_Rebuild_AW_Indexes_ROW.sql</a:t>
-            </a:r>
-          </a:p>
-          <a:p>
-            <a:r>
-              <a:rPr lang="en-US"/>
-              <a:t>05_Rebuild_AW_Indexes_PAGE.sql</a:t>
-            </a:r>
-            <a:endParaRPr lang="en-US" dirty="0"/>
-          </a:p>
-        </p:txBody>
-      </p:sp>
-      <p:sp>
-        <p:nvSpPr>
-          <p:cNvPr id="4" name="Title 3"/>
-          <p:cNvSpPr>
-            <a:spLocks noGrp="1"/>
-          </p:cNvSpPr>
-          <p:nvPr>
-            <p:ph type="title"/>
-          </p:nvPr>
-        </p:nvSpPr>
-        <p:spPr/>
-        <p:txBody>
-          <a:bodyPr/>
-          <a:lstStyle/>
-          <a:p>
-            <a:r>
-              <a:rPr lang="en-US"/>
-              <a:t>Demo Setup</a:t>
-            </a:r>
-            <a:endParaRPr lang="en-US" dirty="0"/>
-          </a:p>
-        </p:txBody>
-      </p:sp>
-      <p:sp>
-        <p:nvSpPr>
-          <p:cNvPr id="7" name="Text Placeholder 6"/>
-          <p:cNvSpPr>
-            <a:spLocks noGrp="1"/>
-          </p:cNvSpPr>
-          <p:nvPr>
-            <p:ph type="body" idx="12"/>
-          </p:nvPr>
-        </p:nvSpPr>
-        <p:spPr/>
-        <p:txBody>
-          <a:bodyPr/>
-          <a:lstStyle/>
-          <a:p>
-            <a:endParaRPr lang="en-US"/>
-          </a:p>
-        </p:txBody>
-      </p:sp>
-    </p:spTree>
-    <p:extLst>
-      <p:ext uri="{BB962C8B-B14F-4D97-AF65-F5344CB8AC3E}">
-        <p14:creationId xmlns:p14="http://schemas.microsoft.com/office/powerpoint/2010/main" val="2497316143"/>
       </p:ext>
     </p:extLst>
   </p:cSld>
@@ -31499,41 +31828,6 @@
         <p:txBody>
           <a:bodyPr/>
           <a:lstStyle/>
-          <a:p>
-            <a:pPr defTabSz="914400"/>
-            <a:r>
-              <a:rPr lang="en-US" dirty="0"/>
-              <a:t>06_CheckSize.sql</a:t>
-            </a:r>
-          </a:p>
-          <a:p>
-            <a:pPr defTabSz="914400"/>
-            <a:r>
-              <a:rPr lang="en-US" dirty="0"/>
-              <a:t>07_IndexDetails.sql</a:t>
-            </a:r>
-          </a:p>
-          <a:p>
-            <a:pPr defTabSz="914400"/>
-            <a:r>
-              <a:rPr lang="en-US" dirty="0"/>
-              <a:t>08_BiggerAndBadder.sql</a:t>
-            </a:r>
-          </a:p>
-          <a:p>
-            <a:pPr defTabSz="914400"/>
-            <a:r>
-              <a:rPr lang="en-US" dirty="0"/>
-              <a:t>09_SequentialGUIDs-A.sql</a:t>
-            </a:r>
-          </a:p>
-          <a:p>
-            <a:pPr defTabSz="914400"/>
-            <a:r>
-              <a:rPr lang="en-US" dirty="0"/>
-              <a:t>10_SequentialGUIDs-B.sql</a:t>
-            </a:r>
-          </a:p>
           <a:p>
             <a:endParaRPr lang="en-US" dirty="0"/>
           </a:p>
@@ -32206,7 +32500,145 @@
 </file>
 
 <file path=ppt/slides/slide6.xml><?xml version="1.0" encoding="utf-8"?>
-<p:sld xmlns:a="http://schemas.openxmlformats.org/drawingml/2006/main" xmlns:r="http://schemas.openxmlformats.org/officeDocument/2006/relationships" xmlns:p="http://schemas.openxmlformats.org/presentationml/2006/main">
+<p:sld xmlns:a="http://schemas.openxmlformats.org/drawingml/2006/main" xmlns:r="http://schemas.openxmlformats.org/officeDocument/2006/relationships" xmlns:p="http://schemas.openxmlformats.org/presentationml/2006/main" show="0">
+  <p:cSld>
+    <p:spTree>
+      <p:nvGrpSpPr>
+        <p:cNvPr id="1" name=""/>
+        <p:cNvGrpSpPr/>
+        <p:nvPr/>
+      </p:nvGrpSpPr>
+      <p:grpSpPr>
+        <a:xfrm>
+          <a:off x="0" y="0"/>
+          <a:ext cx="0" cy="0"/>
+          <a:chOff x="0" y="0"/>
+          <a:chExt cx="0" cy="0"/>
+        </a:xfrm>
+      </p:grpSpPr>
+      <p:sp>
+        <p:nvSpPr>
+          <p:cNvPr id="2" name="Title 1"/>
+          <p:cNvSpPr>
+            <a:spLocks noGrp="1"/>
+          </p:cNvSpPr>
+          <p:nvPr>
+            <p:ph type="title"/>
+          </p:nvPr>
+        </p:nvSpPr>
+        <p:spPr/>
+        <p:txBody>
+          <a:bodyPr/>
+          <a:lstStyle/>
+          <a:p>
+            <a:r>
+              <a:rPr lang="en-US" dirty="0"/>
+              <a:t>Session Feedback</a:t>
+            </a:r>
+          </a:p>
+        </p:txBody>
+      </p:sp>
+      <p:sp>
+        <p:nvSpPr>
+          <p:cNvPr id="4" name="Content Placeholder 3"/>
+          <p:cNvSpPr>
+            <a:spLocks noGrp="1"/>
+          </p:cNvSpPr>
+          <p:nvPr>
+            <p:ph idx="1"/>
+          </p:nvPr>
+        </p:nvSpPr>
+        <p:spPr/>
+        <p:txBody>
+          <a:bodyPr anchor="ctr"/>
+          <a:lstStyle/>
+          <a:p>
+            <a:r>
+              <a:rPr lang="en-US" dirty="0"/>
+              <a:t>Tell me what you don’t like</a:t>
+            </a:r>
+          </a:p>
+          <a:p>
+            <a:endParaRPr lang="en-US" dirty="0"/>
+          </a:p>
+          <a:p>
+            <a:r>
+              <a:rPr lang="en-US" dirty="0"/>
+              <a:t>Tell me what can be better</a:t>
+            </a:r>
+          </a:p>
+          <a:p>
+            <a:endParaRPr lang="en-US" dirty="0"/>
+          </a:p>
+          <a:p>
+            <a:r>
+              <a:rPr lang="en-US" dirty="0"/>
+              <a:t> </a:t>
+            </a:r>
+            <a:r>
+              <a:rPr lang="en-US" sz="2400" dirty="0"/>
+              <a:t>Tell me what you like</a:t>
+            </a:r>
+            <a:endParaRPr lang="en-US" dirty="0"/>
+          </a:p>
+        </p:txBody>
+      </p:sp>
+      <p:pic>
+        <p:nvPicPr>
+          <p:cNvPr id="3074" name="Picture 2" descr="https://upload.wikimedia.org/wikipedia/commons/thumb/c/ce/Emoji_u1f44d.svg/2000px-Emoji_u1f44d.svg.png"/>
+          <p:cNvPicPr>
+            <a:picLocks noChangeAspect="1" noChangeArrowheads="1"/>
+          </p:cNvPicPr>
+          <p:nvPr/>
+        </p:nvPicPr>
+        <p:blipFill>
+          <a:blip r:embed="rId3">
+            <a:extLst>
+              <a:ext uri="{28A0092B-C50C-407E-A947-70E740481C1C}">
+                <a14:useLocalDpi xmlns:a14="http://schemas.microsoft.com/office/drawing/2010/main" val="0"/>
+              </a:ext>
+            </a:extLst>
+          </a:blip>
+          <a:srcRect/>
+          <a:stretch>
+            <a:fillRect/>
+          </a:stretch>
+        </p:blipFill>
+        <p:spPr bwMode="auto">
+          <a:xfrm>
+            <a:off x="7202232" y="1955127"/>
+            <a:ext cx="4139535" cy="4139535"/>
+          </a:xfrm>
+          <a:prstGeom prst="rect">
+            <a:avLst/>
+          </a:prstGeom>
+          <a:noFill/>
+          <a:extLst>
+            <a:ext uri="{909E8E84-426E-40DD-AFC4-6F175D3DCCD1}">
+              <a14:hiddenFill xmlns:a14="http://schemas.microsoft.com/office/drawing/2010/main">
+                <a:solidFill>
+                  <a:srgbClr val="FFFFFF"/>
+                </a:solidFill>
+              </a14:hiddenFill>
+            </a:ext>
+          </a:extLst>
+        </p:spPr>
+      </p:pic>
+    </p:spTree>
+    <p:extLst>
+      <p:ext uri="{BB962C8B-B14F-4D97-AF65-F5344CB8AC3E}">
+        <p14:creationId xmlns:p14="http://schemas.microsoft.com/office/powerpoint/2010/main" val="40638036"/>
+      </p:ext>
+    </p:extLst>
+  </p:cSld>
+  <p:clrMapOvr>
+    <a:masterClrMapping/>
+  </p:clrMapOvr>
+</p:sld>
+</file>
+
+<file path=ppt/slides/slide7.xml><?xml version="1.0" encoding="utf-8"?>
+<p:sld xmlns:a="http://schemas.openxmlformats.org/drawingml/2006/main" xmlns:r="http://schemas.openxmlformats.org/officeDocument/2006/relationships" xmlns:p="http://schemas.openxmlformats.org/presentationml/2006/main" show="0">
   <p:cSld>
     <p:spTree>
       <p:nvGrpSpPr>
@@ -32325,7 +32757,7 @@
 </p:sld>
 </file>
 
-<file path=ppt/slides/slide7.xml><?xml version="1.0" encoding="utf-8"?>
+<file path=ppt/slides/slide8.xml><?xml version="1.0" encoding="utf-8"?>
 <p:sld xmlns:a="http://schemas.openxmlformats.org/drawingml/2006/main" xmlns:r="http://schemas.openxmlformats.org/officeDocument/2006/relationships" xmlns:p="http://schemas.openxmlformats.org/presentationml/2006/main" show="0">
   <p:cSld>
     <p:spTree>
@@ -32794,7 +33226,7 @@
 </p:sld>
 </file>
 
-<file path=ppt/slides/slide8.xml><?xml version="1.0" encoding="utf-8"?>
+<file path=ppt/slides/slide9.xml><?xml version="1.0" encoding="utf-8"?>
 <p:sld xmlns:a="http://schemas.openxmlformats.org/drawingml/2006/main" xmlns:r="http://schemas.openxmlformats.org/officeDocument/2006/relationships" xmlns:p="http://schemas.openxmlformats.org/presentationml/2006/main" show="0">
   <p:cSld>
     <p:spTree>
@@ -32923,227 +33355,6 @@
   <p:clrMapOvr>
     <a:masterClrMapping/>
   </p:clrMapOvr>
-</p:sld>
-</file>
-
-<file path=ppt/slides/slide9.xml><?xml version="1.0" encoding="utf-8"?>
-<p:sld xmlns:a="http://schemas.openxmlformats.org/drawingml/2006/main" xmlns:r="http://schemas.openxmlformats.org/officeDocument/2006/relationships" xmlns:p="http://schemas.openxmlformats.org/presentationml/2006/main" show="0">
-  <p:cSld>
-    <p:spTree>
-      <p:nvGrpSpPr>
-        <p:cNvPr id="1" name=""/>
-        <p:cNvGrpSpPr/>
-        <p:nvPr/>
-      </p:nvGrpSpPr>
-      <p:grpSpPr>
-        <a:xfrm>
-          <a:off x="0" y="0"/>
-          <a:ext cx="0" cy="0"/>
-          <a:chOff x="0" y="0"/>
-          <a:chExt cx="0" cy="0"/>
-        </a:xfrm>
-      </p:grpSpPr>
-      <p:sp>
-        <p:nvSpPr>
-          <p:cNvPr id="10" name="Title 9"/>
-          <p:cNvSpPr>
-            <a:spLocks noGrp="1"/>
-          </p:cNvSpPr>
-          <p:nvPr>
-            <p:ph type="title"/>
-          </p:nvPr>
-        </p:nvSpPr>
-        <p:spPr/>
-        <p:txBody>
-          <a:bodyPr>
-            <a:normAutofit/>
-          </a:bodyPr>
-          <a:lstStyle/>
-          <a:p>
-            <a:r>
-              <a:rPr lang="en-US" dirty="0"/>
-              <a:t>You might be asking…</a:t>
-            </a:r>
-          </a:p>
-        </p:txBody>
-      </p:sp>
-      <p:sp>
-        <p:nvSpPr>
-          <p:cNvPr id="6" name="Content Placeholder 5"/>
-          <p:cNvSpPr>
-            <a:spLocks noGrp="1"/>
-          </p:cNvSpPr>
-          <p:nvPr>
-            <p:ph sz="quarter" idx="13"/>
-          </p:nvPr>
-        </p:nvSpPr>
-        <p:spPr/>
-        <p:txBody>
-          <a:bodyPr>
-            <a:normAutofit/>
-          </a:bodyPr>
-          <a:lstStyle/>
-          <a:p>
-            <a:pPr marL="0" indent="0">
-              <a:buNone/>
-            </a:pPr>
-            <a:r>
-              <a:rPr lang="en-US" sz="8000" dirty="0"/>
-              <a:t>Andy,</a:t>
-            </a:r>
-          </a:p>
-          <a:p>
-            <a:pPr marL="0" indent="0">
-              <a:buNone/>
-            </a:pPr>
-            <a:r>
-              <a:rPr lang="en-US" sz="8000" dirty="0"/>
-              <a:t>Why the *&amp;$# are you telling this story?</a:t>
-            </a:r>
-          </a:p>
-        </p:txBody>
-      </p:sp>
-    </p:spTree>
-    <p:extLst>
-      <p:ext uri="{BB962C8B-B14F-4D97-AF65-F5344CB8AC3E}">
-        <p14:creationId xmlns:p14="http://schemas.microsoft.com/office/powerpoint/2010/main" val="465045979"/>
-      </p:ext>
-    </p:extLst>
-  </p:cSld>
-  <p:clrMapOvr>
-    <a:masterClrMapping/>
-  </p:clrMapOvr>
-  <p:timing>
-    <p:tnLst>
-      <p:par>
-        <p:cTn id="1" dur="indefinite" restart="never" nodeType="tmRoot">
-          <p:childTnLst>
-            <p:seq concurrent="1" nextAc="seek">
-              <p:cTn id="2" dur="indefinite" nodeType="mainSeq">
-                <p:childTnLst>
-                  <p:par>
-                    <p:cTn id="3" fill="hold">
-                      <p:stCondLst>
-                        <p:cond delay="indefinite"/>
-                      </p:stCondLst>
-                      <p:childTnLst>
-                        <p:par>
-                          <p:cTn id="4" fill="hold">
-                            <p:stCondLst>
-                              <p:cond delay="0"/>
-                            </p:stCondLst>
-                            <p:childTnLst>
-                              <p:par>
-                                <p:cTn id="5" presetID="1" presetClass="entr" presetSubtype="0" fill="hold" grpId="0" nodeType="clickEffect">
-                                  <p:stCondLst>
-                                    <p:cond delay="0"/>
-                                  </p:stCondLst>
-                                  <p:childTnLst>
-                                    <p:set>
-                                      <p:cBhvr>
-                                        <p:cTn id="6" dur="1" fill="hold">
-                                          <p:stCondLst>
-                                            <p:cond delay="0"/>
-                                          </p:stCondLst>
-                                        </p:cTn>
-                                        <p:tgtEl>
-                                          <p:spTgt spid="6">
-                                            <p:txEl>
-                                              <p:pRg st="0" end="0"/>
-                                            </p:txEl>
-                                          </p:spTgt>
-                                        </p:tgtEl>
-                                        <p:attrNameLst>
-                                          <p:attrName>style.visibility</p:attrName>
-                                        </p:attrNameLst>
-                                      </p:cBhvr>
-                                      <p:to>
-                                        <p:strVal val="visible"/>
-                                      </p:to>
-                                    </p:set>
-                                  </p:childTnLst>
-                                </p:cTn>
-                              </p:par>
-                            </p:childTnLst>
-                          </p:cTn>
-                        </p:par>
-                      </p:childTnLst>
-                    </p:cTn>
-                  </p:par>
-                  <p:par>
-                    <p:cTn id="7" fill="hold">
-                      <p:stCondLst>
-                        <p:cond delay="indefinite"/>
-                      </p:stCondLst>
-                      <p:childTnLst>
-                        <p:par>
-                          <p:cTn id="8" fill="hold">
-                            <p:stCondLst>
-                              <p:cond delay="0"/>
-                            </p:stCondLst>
-                            <p:childTnLst>
-                              <p:par>
-                                <p:cTn id="9" presetID="1" presetClass="entr" presetSubtype="0" fill="hold" grpId="0" nodeType="clickEffect">
-                                  <p:stCondLst>
-                                    <p:cond delay="0"/>
-                                  </p:stCondLst>
-                                  <p:childTnLst>
-                                    <p:set>
-                                      <p:cBhvr>
-                                        <p:cTn id="10" dur="1" fill="hold">
-                                          <p:stCondLst>
-                                            <p:cond delay="0"/>
-                                          </p:stCondLst>
-                                        </p:cTn>
-                                        <p:tgtEl>
-                                          <p:spTgt spid="6">
-                                            <p:txEl>
-                                              <p:pRg st="1" end="1"/>
-                                            </p:txEl>
-                                          </p:spTgt>
-                                        </p:tgtEl>
-                                        <p:attrNameLst>
-                                          <p:attrName>style.visibility</p:attrName>
-                                        </p:attrNameLst>
-                                      </p:cBhvr>
-                                      <p:to>
-                                        <p:strVal val="visible"/>
-                                      </p:to>
-                                    </p:set>
-                                  </p:childTnLst>
-                                </p:cTn>
-                              </p:par>
-                            </p:childTnLst>
-                          </p:cTn>
-                        </p:par>
-                      </p:childTnLst>
-                    </p:cTn>
-                  </p:par>
-                </p:childTnLst>
-              </p:cTn>
-              <p:prevCondLst>
-                <p:cond evt="onPrev" delay="0">
-                  <p:tgtEl>
-                    <p:sldTgt/>
-                  </p:tgtEl>
-                </p:cond>
-              </p:prevCondLst>
-              <p:nextCondLst>
-                <p:cond evt="onNext" delay="0">
-                  <p:tgtEl>
-                    <p:sldTgt/>
-                  </p:tgtEl>
-                </p:cond>
-              </p:nextCondLst>
-            </p:seq>
-          </p:childTnLst>
-        </p:cTn>
-      </p:par>
-    </p:tnLst>
-    <p:bldLst>
-      <p:bldP spid="6" grpId="0" build="p"/>
-    </p:bldLst>
-  </p:timing>
 </p:sld>
 </file>
 
